--- a/Presentation/Better Business Logic with Typescript.pptx
+++ b/Presentation/Better Business Logic with Typescript.pptx
@@ -13,6 +13,9 @@
     <p:sldId id="261" r:id="rId7"/>
     <p:sldId id="262" r:id="rId8"/>
     <p:sldId id="263" r:id="rId9"/>
+    <p:sldId id="265" r:id="rId10"/>
+    <p:sldId id="264" r:id="rId11"/>
+    <p:sldId id="266" r:id="rId12"/>
   </p:sldIdLst>
   <p:sldSz cx="12192000" cy="6858000"/>
   <p:notesSz cx="6858000" cy="9144000"/>
@@ -1507,10 +1510,9 @@
           </a:lstStyle>
           <a:p>
             <a:r>
-              <a:rPr lang="en-US"/>
+              <a:rPr lang="en-US" dirty="0"/>
               <a:t>Click icon to add picture</a:t>
             </a:r>
-            <a:endParaRPr lang="en-US" dirty="0"/>
           </a:p>
         </p:txBody>
       </p:sp>
@@ -5328,10 +5330,9 @@
           </a:lstStyle>
           <a:p>
             <a:r>
-              <a:rPr lang="en-US"/>
+              <a:rPr lang="en-US" dirty="0"/>
               <a:t>Click icon to add picture</a:t>
             </a:r>
-            <a:endParaRPr lang="en-US" dirty="0"/>
           </a:p>
         </p:txBody>
       </p:sp>
@@ -5545,10 +5546,9 @@
           </a:lstStyle>
           <a:p>
             <a:r>
-              <a:rPr lang="en-US"/>
+              <a:rPr lang="en-US" dirty="0"/>
               <a:t>Click icon to add picture</a:t>
             </a:r>
-            <a:endParaRPr lang="en-US" dirty="0"/>
           </a:p>
         </p:txBody>
       </p:sp>
@@ -5762,10 +5762,9 @@
           </a:lstStyle>
           <a:p>
             <a:r>
-              <a:rPr lang="en-US"/>
+              <a:rPr lang="en-US" dirty="0"/>
               <a:t>Click icon to add picture</a:t>
             </a:r>
-            <a:endParaRPr lang="en-US" dirty="0"/>
           </a:p>
         </p:txBody>
       </p:sp>
@@ -10874,10 +10873,9 @@
           </a:lstStyle>
           <a:p>
             <a:r>
-              <a:rPr lang="en-US"/>
+              <a:rPr lang="en-US" dirty="0"/>
               <a:t>Click icon to add picture</a:t>
             </a:r>
-            <a:endParaRPr lang="en-US" dirty="0"/>
           </a:p>
         </p:txBody>
       </p:sp>
@@ -12507,6 +12505,406 @@
 </p:sld>
 </file>
 
+<file path=ppt/slides/slide10.xml><?xml version="1.0" encoding="utf-8"?>
+<p:sld xmlns:a="http://schemas.openxmlformats.org/drawingml/2006/main" xmlns:r="http://schemas.openxmlformats.org/officeDocument/2006/relationships" xmlns:p="http://schemas.openxmlformats.org/presentationml/2006/main">
+  <p:cSld>
+    <p:spTree>
+      <p:nvGrpSpPr>
+        <p:cNvPr id="1" name=""/>
+        <p:cNvGrpSpPr/>
+        <p:nvPr/>
+      </p:nvGrpSpPr>
+      <p:grpSpPr>
+        <a:xfrm>
+          <a:off x="0" y="0"/>
+          <a:ext cx="0" cy="0"/>
+          <a:chOff x="0" y="0"/>
+          <a:chExt cx="0" cy="0"/>
+        </a:xfrm>
+      </p:grpSpPr>
+      <p:sp>
+        <p:nvSpPr>
+          <p:cNvPr id="2" name="Title 1">
+            <a:extLst>
+              <a:ext uri="{FF2B5EF4-FFF2-40B4-BE49-F238E27FC236}">
+                <a16:creationId xmlns:a16="http://schemas.microsoft.com/office/drawing/2014/main" id="{7D8AF8FB-793E-41BD-8CC5-A923B5A8209E}"/>
+              </a:ext>
+            </a:extLst>
+          </p:cNvPr>
+          <p:cNvSpPr>
+            <a:spLocks noGrp="1"/>
+          </p:cNvSpPr>
+          <p:nvPr>
+            <p:ph type="title"/>
+          </p:nvPr>
+        </p:nvSpPr>
+        <p:spPr/>
+        <p:txBody>
+          <a:bodyPr/>
+          <a:lstStyle/>
+          <a:p>
+            <a:r>
+              <a:rPr lang="en-US" dirty="0"/>
+              <a:t>Web References</a:t>
+            </a:r>
+          </a:p>
+        </p:txBody>
+      </p:sp>
+      <p:sp>
+        <p:nvSpPr>
+          <p:cNvPr id="3" name="Content Placeholder 2">
+            <a:extLst>
+              <a:ext uri="{FF2B5EF4-FFF2-40B4-BE49-F238E27FC236}">
+                <a16:creationId xmlns:a16="http://schemas.microsoft.com/office/drawing/2014/main" id="{3975127B-114D-4B36-BA13-4EB6781A2CEB}"/>
+              </a:ext>
+            </a:extLst>
+          </p:cNvPr>
+          <p:cNvSpPr>
+            <a:spLocks noGrp="1"/>
+          </p:cNvSpPr>
+          <p:nvPr>
+            <p:ph idx="1"/>
+          </p:nvPr>
+        </p:nvSpPr>
+        <p:spPr/>
+        <p:txBody>
+          <a:bodyPr>
+            <a:normAutofit/>
+          </a:bodyPr>
+          <a:lstStyle/>
+          <a:p>
+            <a:r>
+              <a:rPr lang="en-US" dirty="0" err="1">
+                <a:hlinkClick r:id="rId2"/>
+              </a:rPr>
+              <a:t>GoF</a:t>
+            </a:r>
+            <a:r>
+              <a:rPr lang="en-US" dirty="0">
+                <a:hlinkClick r:id="rId2"/>
+              </a:rPr>
+              <a:t> Design patterns in .NET/C#</a:t>
+            </a:r>
+            <a:endParaRPr lang="en-US" dirty="0"/>
+          </a:p>
+          <a:p>
+            <a:r>
+              <a:rPr lang="en-US" dirty="0">
+                <a:hlinkClick r:id="rId3"/>
+              </a:rPr>
+              <a:t>Design Patterns General</a:t>
+            </a:r>
+            <a:endParaRPr lang="en-US" dirty="0"/>
+          </a:p>
+          <a:p>
+            <a:pPr lvl="1"/>
+            <a:r>
+              <a:rPr lang="en-US" dirty="0">
+                <a:hlinkClick r:id="rId3"/>
+              </a:rPr>
+              <a:t>Creational</a:t>
+            </a:r>
+            <a:endParaRPr lang="en-US" dirty="0"/>
+          </a:p>
+          <a:p>
+            <a:pPr lvl="1"/>
+            <a:r>
+              <a:rPr lang="en-US" dirty="0">
+                <a:hlinkClick r:id="rId4"/>
+              </a:rPr>
+              <a:t>Structural</a:t>
+            </a:r>
+            <a:endParaRPr lang="en-US" dirty="0"/>
+          </a:p>
+          <a:p>
+            <a:pPr lvl="1"/>
+            <a:r>
+              <a:rPr lang="en-US" dirty="0">
+                <a:hlinkClick r:id="rId5"/>
+              </a:rPr>
+              <a:t>Behavioral</a:t>
+            </a:r>
+            <a:endParaRPr lang="en-US" dirty="0"/>
+          </a:p>
+          <a:p>
+            <a:r>
+              <a:rPr lang="en-US" dirty="0"/>
+              <a:t>Principles:</a:t>
+            </a:r>
+          </a:p>
+          <a:p>
+            <a:pPr lvl="1"/>
+            <a:r>
+              <a:rPr lang="en-US" dirty="0">
+                <a:hlinkClick r:id="rId6"/>
+              </a:rPr>
+              <a:t>Single Responsibility</a:t>
+            </a:r>
+            <a:endParaRPr lang="en-US" dirty="0"/>
+          </a:p>
+          <a:p>
+            <a:pPr lvl="1"/>
+            <a:r>
+              <a:rPr lang="en-US" dirty="0">
+                <a:hlinkClick r:id="rId7"/>
+              </a:rPr>
+              <a:t>Separation of Concerns</a:t>
+            </a:r>
+            <a:endParaRPr lang="en-US" dirty="0"/>
+          </a:p>
+          <a:p>
+            <a:pPr lvl="1"/>
+            <a:r>
+              <a:rPr lang="en-US" dirty="0">
+                <a:hlinkClick r:id="rId8"/>
+              </a:rPr>
+              <a:t>S.O.L.I.D Principles</a:t>
+            </a:r>
+            <a:endParaRPr lang="en-US" dirty="0"/>
+          </a:p>
+          <a:p>
+            <a:endParaRPr lang="en-US" dirty="0"/>
+          </a:p>
+        </p:txBody>
+      </p:sp>
+    </p:spTree>
+    <p:extLst>
+      <p:ext uri="{BB962C8B-B14F-4D97-AF65-F5344CB8AC3E}">
+        <p14:creationId xmlns:p14="http://schemas.microsoft.com/office/powerpoint/2010/main" val="1961233773"/>
+      </p:ext>
+    </p:extLst>
+  </p:cSld>
+  <p:clrMapOvr>
+    <a:masterClrMapping/>
+  </p:clrMapOvr>
+</p:sld>
+</file>
+
+<file path=ppt/slides/slide11.xml><?xml version="1.0" encoding="utf-8"?>
+<p:sld xmlns:a="http://schemas.openxmlformats.org/drawingml/2006/main" xmlns:r="http://schemas.openxmlformats.org/officeDocument/2006/relationships" xmlns:p="http://schemas.openxmlformats.org/presentationml/2006/main">
+  <p:cSld>
+    <p:spTree>
+      <p:nvGrpSpPr>
+        <p:cNvPr id="1" name=""/>
+        <p:cNvGrpSpPr/>
+        <p:nvPr/>
+      </p:nvGrpSpPr>
+      <p:grpSpPr>
+        <a:xfrm>
+          <a:off x="0" y="0"/>
+          <a:ext cx="0" cy="0"/>
+          <a:chOff x="0" y="0"/>
+          <a:chExt cx="0" cy="0"/>
+        </a:xfrm>
+      </p:grpSpPr>
+      <p:sp>
+        <p:nvSpPr>
+          <p:cNvPr id="2" name="Title 1">
+            <a:extLst>
+              <a:ext uri="{FF2B5EF4-FFF2-40B4-BE49-F238E27FC236}">
+                <a16:creationId xmlns:a16="http://schemas.microsoft.com/office/drawing/2014/main" id="{7D8AF8FB-793E-41BD-8CC5-A923B5A8209E}"/>
+              </a:ext>
+            </a:extLst>
+          </p:cNvPr>
+          <p:cNvSpPr>
+            <a:spLocks noGrp="1"/>
+          </p:cNvSpPr>
+          <p:nvPr>
+            <p:ph type="title"/>
+          </p:nvPr>
+        </p:nvSpPr>
+        <p:spPr/>
+        <p:txBody>
+          <a:bodyPr/>
+          <a:lstStyle/>
+          <a:p>
+            <a:r>
+              <a:rPr lang="en-US" dirty="0"/>
+              <a:t>Book References</a:t>
+            </a:r>
+          </a:p>
+        </p:txBody>
+      </p:sp>
+      <p:sp>
+        <p:nvSpPr>
+          <p:cNvPr id="3" name="Content Placeholder 2">
+            <a:extLst>
+              <a:ext uri="{FF2B5EF4-FFF2-40B4-BE49-F238E27FC236}">
+                <a16:creationId xmlns:a16="http://schemas.microsoft.com/office/drawing/2014/main" id="{3975127B-114D-4B36-BA13-4EB6781A2CEB}"/>
+              </a:ext>
+            </a:extLst>
+          </p:cNvPr>
+          <p:cNvSpPr>
+            <a:spLocks noGrp="1"/>
+          </p:cNvSpPr>
+          <p:nvPr>
+            <p:ph idx="1"/>
+          </p:nvPr>
+        </p:nvSpPr>
+        <p:spPr/>
+        <p:txBody>
+          <a:bodyPr>
+            <a:normAutofit fontScale="92500" lnSpcReduction="20000"/>
+          </a:bodyPr>
+          <a:lstStyle/>
+          <a:p>
+            <a:r>
+              <a:rPr lang="en-US" dirty="0">
+                <a:hlinkClick r:id="rId2"/>
+              </a:rPr>
+              <a:t>Design Patterns : Elements of Reusable Object-Oriented Software</a:t>
+            </a:r>
+            <a:endParaRPr lang="en-US" dirty="0"/>
+          </a:p>
+          <a:p>
+            <a:pPr lvl="1"/>
+            <a:r>
+              <a:rPr lang="en-US" b="1" dirty="0"/>
+              <a:t>ISBN-13:</a:t>
+            </a:r>
+            <a:r>
+              <a:rPr lang="en-US" dirty="0"/>
+              <a:t> 978-0201633610, </a:t>
+            </a:r>
+            <a:r>
+              <a:rPr lang="en-US" b="1" dirty="0"/>
+              <a:t>ISBN-10:</a:t>
+            </a:r>
+            <a:r>
+              <a:rPr lang="en-US" dirty="0"/>
+              <a:t> 0201633612</a:t>
+            </a:r>
+          </a:p>
+          <a:p>
+            <a:r>
+              <a:rPr lang="en-US" dirty="0">
+                <a:hlinkClick r:id="rId3"/>
+              </a:rPr>
+              <a:t>Head First Design Patterns</a:t>
+            </a:r>
+            <a:endParaRPr lang="en-US" dirty="0"/>
+          </a:p>
+          <a:p>
+            <a:pPr lvl="1"/>
+            <a:r>
+              <a:rPr lang="en-US" b="1" dirty="0"/>
+              <a:t>ISBN-13:</a:t>
+            </a:r>
+            <a:r>
+              <a:rPr lang="en-US" dirty="0"/>
+              <a:t> 978-0596007126, </a:t>
+            </a:r>
+            <a:r>
+              <a:rPr lang="en-US" b="1" dirty="0"/>
+              <a:t>ISBN-10:</a:t>
+            </a:r>
+            <a:r>
+              <a:rPr lang="en-US" dirty="0"/>
+              <a:t> 0596007124</a:t>
+            </a:r>
+          </a:p>
+          <a:p>
+            <a:r>
+              <a:rPr lang="en-US" dirty="0">
+                <a:hlinkClick r:id="rId4"/>
+              </a:rPr>
+              <a:t>Clean Code</a:t>
+            </a:r>
+            <a:endParaRPr lang="en-US" dirty="0"/>
+          </a:p>
+          <a:p>
+            <a:pPr lvl="1"/>
+            <a:r>
+              <a:rPr lang="en-US" b="1" dirty="0"/>
+              <a:t>ISBN-13:</a:t>
+            </a:r>
+            <a:r>
+              <a:rPr lang="en-US" dirty="0"/>
+              <a:t> 978-0132350884, </a:t>
+            </a:r>
+            <a:r>
+              <a:rPr lang="en-US" b="1" dirty="0"/>
+              <a:t>ISBN-10:</a:t>
+            </a:r>
+            <a:r>
+              <a:rPr lang="en-US" dirty="0"/>
+              <a:t> 0132350882</a:t>
+            </a:r>
+          </a:p>
+          <a:p>
+            <a:r>
+              <a:rPr lang="en-US" dirty="0">
+                <a:hlinkClick r:id="rId5"/>
+              </a:rPr>
+              <a:t>The Pragmatic Programmer</a:t>
+            </a:r>
+            <a:endParaRPr lang="en-US" dirty="0"/>
+          </a:p>
+          <a:p>
+            <a:pPr lvl="1"/>
+            <a:r>
+              <a:rPr lang="en-US" b="1" dirty="0"/>
+              <a:t>ISBN-13:</a:t>
+            </a:r>
+            <a:r>
+              <a:rPr lang="en-US" dirty="0"/>
+              <a:t> 978-0201616224, </a:t>
+            </a:r>
+            <a:r>
+              <a:rPr lang="en-US" b="1" dirty="0"/>
+              <a:t>ISBN-10:</a:t>
+            </a:r>
+            <a:r>
+              <a:rPr lang="en-US" dirty="0"/>
+              <a:t> 020161622X</a:t>
+            </a:r>
+          </a:p>
+          <a:p>
+            <a:r>
+              <a:rPr lang="en-US" dirty="0">
+                <a:hlinkClick r:id="rId6"/>
+              </a:rPr>
+              <a:t>Patterns of Enterprise Application Architecture</a:t>
+            </a:r>
+            <a:endParaRPr lang="en-US" dirty="0"/>
+          </a:p>
+          <a:p>
+            <a:pPr lvl="1"/>
+            <a:r>
+              <a:rPr lang="en-US" b="1" dirty="0"/>
+              <a:t>ISBN-13:</a:t>
+            </a:r>
+            <a:r>
+              <a:rPr lang="en-US" dirty="0"/>
+              <a:t> 978-0321127426, </a:t>
+            </a:r>
+            <a:r>
+              <a:rPr lang="en-US" b="1" dirty="0"/>
+              <a:t>ISBN-10:</a:t>
+            </a:r>
+            <a:r>
+              <a:rPr lang="en-US" dirty="0"/>
+              <a:t> 0321127420</a:t>
+            </a:r>
+          </a:p>
+          <a:p>
+            <a:endParaRPr lang="en-US" dirty="0"/>
+          </a:p>
+        </p:txBody>
+      </p:sp>
+    </p:spTree>
+    <p:extLst>
+      <p:ext uri="{BB962C8B-B14F-4D97-AF65-F5344CB8AC3E}">
+        <p14:creationId xmlns:p14="http://schemas.microsoft.com/office/powerpoint/2010/main" val="214986796"/>
+      </p:ext>
+    </p:extLst>
+  </p:cSld>
+  <p:clrMapOvr>
+    <a:masterClrMapping/>
+  </p:clrMapOvr>
+</p:sld>
+</file>
+
 <file path=ppt/slides/slide2.xml><?xml version="1.0" encoding="utf-8"?>
 <p:sld xmlns:a="http://schemas.openxmlformats.org/drawingml/2006/main" xmlns:r="http://schemas.openxmlformats.org/officeDocument/2006/relationships" xmlns:p="http://schemas.openxmlformats.org/presentationml/2006/main">
   <p:cSld>
@@ -13200,7 +13598,7 @@
             </a:r>
             <a:r>
               <a:rPr lang="en-US" dirty="0"/>
-              <a:t> </a:t>
+              <a:t> in </a:t>
             </a:r>
             <a:r>
               <a:rPr lang="en-US" dirty="0">
@@ -13362,36 +13760,15 @@
               <a:t>: </a:t>
             </a:r>
             <a:r>
-              <a:rPr lang="en-US" dirty="0" err="1">
+              <a:rPr lang="en-US" dirty="0">
                 <a:hlinkClick r:id="rId3"/>
               </a:rPr>
               <a:t>ngOnChanges</a:t>
             </a:r>
             <a:r>
               <a:rPr lang="en-US" dirty="0"/>
-              <a:t>, </a:t>
-            </a:r>
-            <a:r>
-              <a:rPr lang="en-US" dirty="0" err="1"/>
-              <a:t>ngOnInit</a:t>
-            </a:r>
-            <a:r>
-              <a:rPr lang="en-US" dirty="0"/>
-              <a:t>, </a:t>
-            </a:r>
-            <a:r>
-              <a:rPr lang="en-US" dirty="0" err="1"/>
-              <a:t>ngDoCheck</a:t>
-            </a:r>
-            <a:r>
-              <a:rPr lang="en-US" dirty="0"/>
-              <a:t>, and </a:t>
-            </a:r>
-            <a:r>
-              <a:rPr lang="en-US" dirty="0" err="1"/>
-              <a:t>ngOnDestroy</a:t>
-            </a:r>
-            <a:endParaRPr lang="en-US" dirty="0"/>
+              <a:t>, ngOnInit, ngDoCheck, and ngOnDestroy</a:t>
+            </a:r>
           </a:p>
           <a:p>
             <a:r>
@@ -13458,15 +13835,7 @@
           <a:p>
             <a:r>
               <a:rPr lang="en-US" dirty="0"/>
-              <a:t>Dependency Injection (Inversion of Control – </a:t>
-            </a:r>
-            <a:r>
-              <a:rPr lang="en-US" dirty="0" err="1"/>
-              <a:t>IoC</a:t>
-            </a:r>
-            <a:r>
-              <a:rPr lang="en-US" dirty="0"/>
-              <a:t>)</a:t>
+              <a:t>Dependency Injection (Inversion of Control – IoC)</a:t>
             </a:r>
           </a:p>
           <a:p>
@@ -13482,6 +13851,102 @@
     <p:extLst>
       <p:ext uri="{BB962C8B-B14F-4D97-AF65-F5344CB8AC3E}">
         <p14:creationId xmlns:p14="http://schemas.microsoft.com/office/powerpoint/2010/main" val="505401962"/>
+      </p:ext>
+    </p:extLst>
+  </p:cSld>
+  <p:clrMapOvr>
+    <a:masterClrMapping/>
+  </p:clrMapOvr>
+</p:sld>
+</file>
+
+<file path=ppt/slides/slide9.xml><?xml version="1.0" encoding="utf-8"?>
+<p:sld xmlns:a="http://schemas.openxmlformats.org/drawingml/2006/main" xmlns:r="http://schemas.openxmlformats.org/officeDocument/2006/relationships" xmlns:p="http://schemas.openxmlformats.org/presentationml/2006/main">
+  <p:cSld>
+    <p:spTree>
+      <p:nvGrpSpPr>
+        <p:cNvPr id="1" name=""/>
+        <p:cNvGrpSpPr/>
+        <p:nvPr/>
+      </p:nvGrpSpPr>
+      <p:grpSpPr>
+        <a:xfrm>
+          <a:off x="0" y="0"/>
+          <a:ext cx="0" cy="0"/>
+          <a:chOff x="0" y="0"/>
+          <a:chExt cx="0" cy="0"/>
+        </a:xfrm>
+      </p:grpSpPr>
+      <p:sp>
+        <p:nvSpPr>
+          <p:cNvPr id="2" name="Title 1">
+            <a:extLst>
+              <a:ext uri="{FF2B5EF4-FFF2-40B4-BE49-F238E27FC236}">
+                <a16:creationId xmlns:a16="http://schemas.microsoft.com/office/drawing/2014/main" id="{4D26C1FD-D049-416D-9C47-E3F3500B7FBE}"/>
+              </a:ext>
+            </a:extLst>
+          </p:cNvPr>
+          <p:cNvSpPr>
+            <a:spLocks noGrp="1"/>
+          </p:cNvSpPr>
+          <p:nvPr>
+            <p:ph type="title"/>
+          </p:nvPr>
+        </p:nvSpPr>
+        <p:spPr/>
+        <p:txBody>
+          <a:bodyPr/>
+          <a:lstStyle/>
+          <a:p>
+            <a:r>
+              <a:rPr lang="en-US" dirty="0"/>
+              <a:t>Miscellaneous</a:t>
+            </a:r>
+          </a:p>
+        </p:txBody>
+      </p:sp>
+      <p:sp>
+        <p:nvSpPr>
+          <p:cNvPr id="3" name="Content Placeholder 2">
+            <a:extLst>
+              <a:ext uri="{FF2B5EF4-FFF2-40B4-BE49-F238E27FC236}">
+                <a16:creationId xmlns:a16="http://schemas.microsoft.com/office/drawing/2014/main" id="{E6782E6C-3EEC-49F3-B248-5C89306E3EEB}"/>
+              </a:ext>
+            </a:extLst>
+          </p:cNvPr>
+          <p:cNvSpPr>
+            <a:spLocks noGrp="1"/>
+          </p:cNvSpPr>
+          <p:nvPr>
+            <p:ph idx="1"/>
+          </p:nvPr>
+        </p:nvSpPr>
+        <p:spPr/>
+        <p:txBody>
+          <a:bodyPr/>
+          <a:lstStyle/>
+          <a:p>
+            <a:r>
+              <a:rPr lang="en-US" dirty="0"/>
+              <a:t>“Good programmers write good code. Great programmers steal.” - Unknown</a:t>
+            </a:r>
+          </a:p>
+          <a:p>
+            <a:pPr lvl="1"/>
+            <a:r>
+              <a:rPr lang="en-US" dirty="0"/>
+              <a:t>Learn, Use, Copy, Borrow, and/or Steal.</a:t>
+            </a:r>
+          </a:p>
+          <a:p>
+            <a:endParaRPr lang="en-US" dirty="0"/>
+          </a:p>
+        </p:txBody>
+      </p:sp>
+    </p:spTree>
+    <p:extLst>
+      <p:ext uri="{BB962C8B-B14F-4D97-AF65-F5344CB8AC3E}">
+        <p14:creationId xmlns:p14="http://schemas.microsoft.com/office/powerpoint/2010/main" val="1613193946"/>
       </p:ext>
     </p:extLst>
   </p:cSld>

--- a/Presentation/Better Business Logic with Typescript.pptx
+++ b/Presentation/Better Business Logic with Typescript.pptx
@@ -27109,7 +27109,7 @@
         <p:spPr/>
         <p:txBody>
           <a:bodyPr>
-            <a:normAutofit fontScale="92500" lnSpcReduction="10000"/>
+            <a:normAutofit/>
           </a:bodyPr>
           <a:lstStyle/>
           <a:p>
@@ -28040,7 +28040,7 @@
         <p:spPr/>
         <p:txBody>
           <a:bodyPr>
-            <a:normAutofit lnSpcReduction="10000"/>
+            <a:normAutofit fontScale="92500"/>
           </a:bodyPr>
           <a:lstStyle/>
           <a:p>
@@ -28324,10 +28324,9 @@
           <a:lstStyle/>
           <a:p>
             <a:r>
-              <a:rPr lang="en-US"/>
+              <a:rPr lang="en-US" dirty="0"/>
               <a:t>Angular Patterns :: Component</a:t>
             </a:r>
-            <a:endParaRPr lang="en-US" dirty="0"/>
           </a:p>
         </p:txBody>
       </p:sp>
@@ -28355,108 +28354,170 @@
           <a:lstStyle/>
           <a:p>
             <a:r>
-              <a:rPr lang="en-US"/>
+              <a:rPr lang="en-US" dirty="0"/>
               <a:t>Template Method</a:t>
             </a:r>
           </a:p>
           <a:p>
             <a:pPr lvl="1"/>
             <a:r>
-              <a:rPr lang="en-US">
+              <a:rPr lang="en-US" dirty="0">
                 <a:hlinkClick r:id="rId2"/>
               </a:rPr>
               <a:t>Lifecycle Hooks</a:t>
             </a:r>
             <a:r>
-              <a:rPr lang="en-US"/>
+              <a:rPr lang="en-US" dirty="0"/>
               <a:t>: </a:t>
             </a:r>
             <a:r>
-              <a:rPr lang="en-US">
+              <a:rPr lang="en-US" dirty="0">
                 <a:hlinkClick r:id="rId3"/>
               </a:rPr>
               <a:t>ngOnChanges</a:t>
             </a:r>
             <a:r>
-              <a:rPr lang="en-US"/>
-              <a:t>, ngOnInit, ngDoCheck, and ngOnDestroy</a:t>
-            </a:r>
-          </a:p>
-          <a:p>
-            <a:r>
-              <a:rPr lang="en-US"/>
-              <a:t>Composite</a:t>
-            </a:r>
-          </a:p>
-          <a:p>
-            <a:pPr lvl="1"/>
-            <a:r>
-              <a:rPr lang="en-US"/>
-              <a:t>A component can reference a component that has a component that has a component.</a:t>
-            </a:r>
-          </a:p>
-          <a:p>
-            <a:r>
-              <a:rPr lang="en-US"/>
-              <a:t>Mediator</a:t>
-            </a:r>
-          </a:p>
-          <a:p>
-            <a:pPr lvl="1"/>
-            <a:r>
-              <a:rPr lang="en-US"/>
-              <a:t>A parent-component or injected service can mediate </a:t>
-            </a:r>
-            <a:r>
-              <a:rPr lang="en-US">
+              <a:rPr lang="en-US" dirty="0"/>
+              <a:t>, </a:t>
+            </a:r>
+            <a:r>
+              <a:rPr lang="en-US" dirty="0">
                 <a:hlinkClick r:id="rId4"/>
               </a:rPr>
+              <a:t>ngOnInit</a:t>
+            </a:r>
+            <a:r>
+              <a:rPr lang="en-US" dirty="0"/>
+              <a:t>, </a:t>
+            </a:r>
+            <a:r>
+              <a:rPr lang="en-US" dirty="0">
+                <a:hlinkClick r:id="rId5"/>
+              </a:rPr>
+              <a:t>ngDoCheck</a:t>
+            </a:r>
+            <a:r>
+              <a:rPr lang="en-US" dirty="0"/>
+              <a:t>, and </a:t>
+            </a:r>
+            <a:r>
+              <a:rPr lang="en-US" dirty="0">
+                <a:hlinkClick r:id="rId6"/>
+              </a:rPr>
+              <a:t>ngOnDestroy</a:t>
+            </a:r>
+            <a:endParaRPr lang="en-US" dirty="0"/>
+          </a:p>
+          <a:p>
+            <a:r>
+              <a:rPr lang="en-US" dirty="0"/>
+              <a:t>Composite</a:t>
+            </a:r>
+          </a:p>
+          <a:p>
+            <a:pPr lvl="1"/>
+            <a:r>
+              <a:rPr lang="en-US" dirty="0"/>
+              <a:t>A component can reference a component that has a component that has a </a:t>
+            </a:r>
+            <a:r>
+              <a:rPr lang="en-US" dirty="0">
+                <a:hlinkClick r:id="rId6"/>
+              </a:rPr>
+              <a:t>component</a:t>
+            </a:r>
+            <a:r>
+              <a:rPr lang="en-US" dirty="0"/>
+              <a:t>.</a:t>
+            </a:r>
+          </a:p>
+          <a:p>
+            <a:r>
+              <a:rPr lang="en-US" dirty="0"/>
+              <a:t>Mediator</a:t>
+            </a:r>
+          </a:p>
+          <a:p>
+            <a:pPr lvl="1"/>
+            <a:r>
+              <a:rPr lang="en-US" dirty="0"/>
+              <a:t>A parent-component or injected service can mediate </a:t>
+            </a:r>
+            <a:r>
+              <a:rPr lang="en-US" dirty="0">
+                <a:hlinkClick r:id="rId7"/>
+              </a:rPr>
               <a:t>communication</a:t>
             </a:r>
             <a:r>
-              <a:rPr lang="en-US"/>
+              <a:rPr lang="en-US" dirty="0"/>
               <a:t> between loosely-coupled components/child-components.</a:t>
             </a:r>
           </a:p>
           <a:p>
             <a:r>
-              <a:rPr lang="en-US"/>
+              <a:rPr lang="en-US" dirty="0"/>
               <a:t>Observer</a:t>
             </a:r>
           </a:p>
           <a:p>
             <a:pPr lvl="1"/>
             <a:r>
-              <a:rPr lang="en-US"/>
+              <a:rPr lang="en-US" dirty="0"/>
               <a:t>A component can subscribe to and react to an Observable response.</a:t>
             </a:r>
           </a:p>
           <a:p>
             <a:r>
-              <a:rPr lang="en-US"/>
+              <a:rPr lang="en-US" dirty="0"/>
               <a:t>Facades</a:t>
             </a:r>
           </a:p>
           <a:p>
             <a:pPr lvl="1"/>
             <a:r>
-              <a:rPr lang="en-US"/>
-              <a:t>Services provide end-points to perform some action. How the action is performed is not known by the calling component.</a:t>
-            </a:r>
-          </a:p>
-          <a:p>
-            <a:r>
-              <a:rPr lang="en-US"/>
+              <a:rPr lang="en-US" dirty="0">
+                <a:hlinkClick r:id="rId8"/>
+              </a:rPr>
+              <a:t>Services</a:t>
+            </a:r>
+            <a:r>
+              <a:rPr lang="en-US" dirty="0"/>
+              <a:t> provide end-points to perform some action. How the action is performed is not known by the calling component.</a:t>
+            </a:r>
+          </a:p>
+          <a:p>
+            <a:r>
+              <a:rPr lang="en-US" dirty="0"/>
               <a:t>Dependency Injection (Inversion of Control – IoC)</a:t>
             </a:r>
           </a:p>
           <a:p>
             <a:pPr lvl="1"/>
             <a:r>
-              <a:rPr lang="en-US"/>
-              <a:t>Services are instantiated and injected into components.</a:t>
-            </a:r>
-            <a:endParaRPr lang="en-US" dirty="0"/>
+              <a:rPr lang="en-US" dirty="0"/>
+              <a:t>Services are instantiated and </a:t>
+            </a:r>
+            <a:r>
+              <a:rPr lang="en-US" dirty="0">
+                <a:hlinkClick r:id="rId9"/>
+              </a:rPr>
+              <a:t>injected</a:t>
+            </a:r>
+            <a:r>
+              <a:rPr lang="en-US" dirty="0"/>
+              <a:t> into </a:t>
+            </a:r>
+            <a:r>
+              <a:rPr lang="en-US" dirty="0">
+                <a:hlinkClick r:id="rId10"/>
+              </a:rPr>
+              <a:t>components</a:t>
+            </a:r>
+            <a:r>
+              <a:rPr lang="en-US" dirty="0"/>
+              <a:t>.</a:t>
+            </a:r>
           </a:p>
         </p:txBody>
       </p:sp>

--- a/Presentation/Better Business Logic with Typescript.pptx
+++ b/Presentation/Better Business Logic with Typescript.pptx
@@ -18,9 +18,10 @@
     <p:sldId id="261" r:id="rId12"/>
     <p:sldId id="262" r:id="rId13"/>
     <p:sldId id="263" r:id="rId14"/>
-    <p:sldId id="264" r:id="rId15"/>
-    <p:sldId id="266" r:id="rId16"/>
-    <p:sldId id="265" r:id="rId17"/>
+    <p:sldId id="268" r:id="rId15"/>
+    <p:sldId id="264" r:id="rId16"/>
+    <p:sldId id="266" r:id="rId17"/>
+    <p:sldId id="265" r:id="rId18"/>
   </p:sldIdLst>
   <p:sldSz cx="12192000" cy="6858000"/>
   <p:notesSz cx="6858000" cy="9144000"/>
@@ -133,6 +134,7 @@
             <p14:sldId id="261"/>
             <p14:sldId id="262"/>
             <p14:sldId id="263"/>
+            <p14:sldId id="268"/>
             <p14:sldId id="264"/>
             <p14:sldId id="266"/>
             <p14:sldId id="265"/>
@@ -140,8 +142,15 @@
         </p14:section>
       </p14:sectionLst>
     </p:ext>
+    <p:ext uri="{EFAFB233-063F-42B5-8137-9DF3F51BA10A}">
+      <p15:sldGuideLst xmlns:p15="http://schemas.microsoft.com/office/powerpoint/2012/main"/>
+    </p:ext>
   </p:extLst>
 </p:presentation>
+</file>
+
+<file path=ppt/revisionInfo.xml><?xml version="1.0" encoding="utf-8"?>
+<p1510:revInfo xmlns:a="http://schemas.openxmlformats.org/drawingml/2006/main" xmlns:r="http://schemas.openxmlformats.org/officeDocument/2006/relationships" xmlns:p1510="http://schemas.microsoft.com/office/powerpoint/2015/10/main"/>
 </file>
 
 <file path=ppt/slideLayouts/slideLayout1.xml><?xml version="1.0" encoding="utf-8"?>
@@ -867,7 +876,7 @@
             <a:fld id="{B61BEF0D-F0BB-DE4B-95CE-6DB70DBA9567}" type="datetimeFigureOut">
               <a:rPr lang="en-US" dirty="0"/>
               <a:pPr/>
-              <a:t>6/17/2017</a:t>
+              <a:t>6/21/2017</a:t>
             </a:fld>
             <a:endParaRPr lang="en-US" dirty="0"/>
           </a:p>
@@ -1120,7 +1129,7 @@
             <a:fld id="{B61BEF0D-F0BB-DE4B-95CE-6DB70DBA9567}" type="datetimeFigureOut">
               <a:rPr lang="en-US" dirty="0"/>
               <a:pPr/>
-              <a:t>6/17/2017</a:t>
+              <a:t>6/21/2017</a:t>
             </a:fld>
             <a:endParaRPr lang="en-US" dirty="0"/>
           </a:p>
@@ -1436,7 +1445,7 @@
             <a:fld id="{B61BEF0D-F0BB-DE4B-95CE-6DB70DBA9567}" type="datetimeFigureOut">
               <a:rPr lang="en-US" dirty="0"/>
               <a:pPr/>
-              <a:t>6/17/2017</a:t>
+              <a:t>6/21/2017</a:t>
             </a:fld>
             <a:endParaRPr lang="en-US" dirty="0"/>
           </a:p>
@@ -1779,7 +1788,7 @@
             <a:fld id="{B61BEF0D-F0BB-DE4B-95CE-6DB70DBA9567}" type="datetimeFigureOut">
               <a:rPr lang="en-US" dirty="0"/>
               <a:pPr/>
-              <a:t>6/17/2017</a:t>
+              <a:t>6/21/2017</a:t>
             </a:fld>
             <a:endParaRPr lang="en-US" dirty="0"/>
           </a:p>
@@ -2095,7 +2104,7 @@
             <a:fld id="{B61BEF0D-F0BB-DE4B-95CE-6DB70DBA9567}" type="datetimeFigureOut">
               <a:rPr lang="en-US" dirty="0"/>
               <a:pPr/>
-              <a:t>6/17/2017</a:t>
+              <a:t>6/21/2017</a:t>
             </a:fld>
             <a:endParaRPr lang="en-US" dirty="0"/>
           </a:p>
@@ -2490,7 +2499,7 @@
             <a:fld id="{B61BEF0D-F0BB-DE4B-95CE-6DB70DBA9567}" type="datetimeFigureOut">
               <a:rPr lang="en-US" dirty="0"/>
               <a:pPr/>
-              <a:t>6/17/2017</a:t>
+              <a:t>6/21/2017</a:t>
             </a:fld>
             <a:endParaRPr lang="en-US" dirty="0"/>
           </a:p>
@@ -2661,7 +2670,7 @@
           <a:p>
             <a:fld id="{55C6B4A9-1611-4792-9094-5F34BCA07E0B}" type="datetimeFigureOut">
               <a:rPr lang="en-US" dirty="0"/>
-              <a:t>6/17/2017</a:t>
+              <a:t>6/21/2017</a:t>
             </a:fld>
             <a:endParaRPr lang="en-US" dirty="0"/>
           </a:p>
@@ -2842,7 +2851,7 @@
             <a:fld id="{B61BEF0D-F0BB-DE4B-95CE-6DB70DBA9567}" type="datetimeFigureOut">
               <a:rPr lang="en-US" dirty="0"/>
               <a:pPr/>
-              <a:t>6/17/2017</a:t>
+              <a:t>6/21/2017</a:t>
             </a:fld>
             <a:endParaRPr lang="en-US" dirty="0"/>
           </a:p>
@@ -3043,7 +3052,7 @@
           <a:p>
             <a:fld id="{48A87A34-81AB-432B-8DAE-1953F412C126}" type="datetimeFigureOut">
               <a:rPr lang="en-US" dirty="0"/>
-              <a:t>6/17/2017</a:t>
+              <a:t>6/21/2017</a:t>
             </a:fld>
             <a:endParaRPr lang="en-US" dirty="0"/>
           </a:p>
@@ -3254,7 +3263,7 @@
           <a:p>
             <a:fld id="{48A87A34-81AB-432B-8DAE-1953F412C126}" type="datetimeFigureOut">
               <a:rPr lang="en-US" dirty="0"/>
-              <a:t>6/17/2017</a:t>
+              <a:t>6/21/2017</a:t>
             </a:fld>
             <a:endParaRPr lang="en-US" dirty="0"/>
           </a:p>
@@ -3533,7 +3542,7 @@
           <a:p>
             <a:fld id="{48A87A34-81AB-432B-8DAE-1953F412C126}" type="datetimeFigureOut">
               <a:rPr lang="en-US" dirty="0"/>
-              <a:t>6/17/2017</a:t>
+              <a:t>6/21/2017</a:t>
             </a:fld>
             <a:endParaRPr lang="en-US" dirty="0"/>
           </a:p>
@@ -3741,7 +3750,7 @@
             <a:fld id="{B61BEF0D-F0BB-DE4B-95CE-6DB70DBA9567}" type="datetimeFigureOut">
               <a:rPr lang="en-US" dirty="0"/>
               <a:pPr/>
-              <a:t>6/17/2017</a:t>
+              <a:t>6/21/2017</a:t>
             </a:fld>
             <a:endParaRPr lang="en-US" dirty="0"/>
           </a:p>
@@ -3979,7 +3988,7 @@
           <a:p>
             <a:fld id="{48A87A34-81AB-432B-8DAE-1953F412C126}" type="datetimeFigureOut">
               <a:rPr lang="en-US" dirty="0"/>
-              <a:t>6/17/2017</a:t>
+              <a:t>6/21/2017</a:t>
             </a:fld>
             <a:endParaRPr lang="en-US" dirty="0"/>
           </a:p>
@@ -4395,7 +4404,7 @@
           <a:p>
             <a:fld id="{48A87A34-81AB-432B-8DAE-1953F412C126}" type="datetimeFigureOut">
               <a:rPr lang="en-US" dirty="0"/>
-              <a:t>6/17/2017</a:t>
+              <a:t>6/21/2017</a:t>
             </a:fld>
             <a:endParaRPr lang="en-US" dirty="0"/>
           </a:p>
@@ -4544,7 +4553,7 @@
           <a:p>
             <a:fld id="{48A87A34-81AB-432B-8DAE-1953F412C126}" type="datetimeFigureOut">
               <a:rPr lang="en-US" dirty="0"/>
-              <a:t>6/17/2017</a:t>
+              <a:t>6/21/2017</a:t>
             </a:fld>
             <a:endParaRPr lang="en-US" dirty="0"/>
           </a:p>
@@ -4670,7 +4679,7 @@
           <a:p>
             <a:fld id="{48A87A34-81AB-432B-8DAE-1953F412C126}" type="datetimeFigureOut">
               <a:rPr lang="en-US" dirty="0"/>
-              <a:t>6/17/2017</a:t>
+              <a:t>6/21/2017</a:t>
             </a:fld>
             <a:endParaRPr lang="en-US" dirty="0"/>
           </a:p>
@@ -4921,7 +4930,7 @@
           <a:p>
             <a:fld id="{48A87A34-81AB-432B-8DAE-1953F412C126}" type="datetimeFigureOut">
               <a:rPr lang="en-US" dirty="0"/>
-              <a:t>6/17/2017</a:t>
+              <a:t>6/21/2017</a:t>
             </a:fld>
             <a:endParaRPr lang="en-US" dirty="0"/>
           </a:p>
@@ -5367,7 +5376,7 @@
             <a:fld id="{48A87A34-81AB-432B-8DAE-1953F412C126}" type="datetimeFigureOut">
               <a:rPr lang="en-US" dirty="0"/>
               <a:pPr/>
-              <a:t>6/17/2017</a:t>
+              <a:t>6/21/2017</a:t>
             </a:fld>
             <a:endParaRPr lang="en-US" dirty="0"/>
           </a:p>
@@ -5573,7 +5582,7 @@
           <a:p>
             <a:fld id="{48A87A34-81AB-432B-8DAE-1953F412C126}" type="datetimeFigureOut">
               <a:rPr lang="en-US" dirty="0"/>
-              <a:t>6/17/2017</a:t>
+              <a:t>6/21/2017</a:t>
             </a:fld>
             <a:endParaRPr lang="en-US" dirty="0"/>
           </a:p>
@@ -5788,7 +5797,7 @@
           <a:p>
             <a:fld id="{48A87A34-81AB-432B-8DAE-1953F412C126}" type="datetimeFigureOut">
               <a:rPr lang="en-US" dirty="0"/>
-              <a:t>6/17/2017</a:t>
+              <a:t>6/21/2017</a:t>
             </a:fld>
             <a:endParaRPr lang="en-US" dirty="0"/>
           </a:p>
@@ -6066,7 +6075,7 @@
           <a:p>
             <a:fld id="{4AAD347D-5ACD-4C99-B74B-A9C85AD731AF}" type="datetimeFigureOut">
               <a:rPr lang="en-US" dirty="0"/>
-              <a:t>6/17/2017</a:t>
+              <a:t>6/21/2017</a:t>
             </a:fld>
             <a:endParaRPr lang="en-US" dirty="0"/>
           </a:p>
@@ -6236,7 +6245,7 @@
           <a:p>
             <a:fld id="{4509A250-FF31-4206-8172-F9D3106AACB1}" type="datetimeFigureOut">
               <a:rPr lang="en-US" dirty="0"/>
-              <a:t>6/17/2017</a:t>
+              <a:t>6/21/2017</a:t>
             </a:fld>
             <a:endParaRPr lang="en-US" dirty="0"/>
           </a:p>
@@ -6484,7 +6493,7 @@
             <a:fld id="{B61BEF0D-F0BB-DE4B-95CE-6DB70DBA9567}" type="datetimeFigureOut">
               <a:rPr lang="en-US" dirty="0"/>
               <a:pPr/>
-              <a:t>6/17/2017</a:t>
+              <a:t>6/21/2017</a:t>
             </a:fld>
             <a:endParaRPr lang="en-US" dirty="0"/>
           </a:p>
@@ -6732,7 +6741,7 @@
           <a:p>
             <a:fld id="{9796027F-7875-4030-9381-8BD8C4F21935}" type="datetimeFigureOut">
               <a:rPr lang="en-US" dirty="0"/>
-              <a:t>6/17/2017</a:t>
+              <a:t>6/21/2017</a:t>
             </a:fld>
             <a:endParaRPr lang="en-US" dirty="0"/>
           </a:p>
@@ -7024,7 +7033,7 @@
           <a:p>
             <a:fld id="{9796027F-7875-4030-9381-8BD8C4F21935}" type="datetimeFigureOut">
               <a:rPr lang="en-US" dirty="0"/>
-              <a:t>6/17/2017</a:t>
+              <a:t>6/21/2017</a:t>
             </a:fld>
             <a:endParaRPr lang="en-US" dirty="0"/>
           </a:p>
@@ -7468,7 +7477,7 @@
           <a:p>
             <a:fld id="{9796027F-7875-4030-9381-8BD8C4F21935}" type="datetimeFigureOut">
               <a:rPr lang="en-US" dirty="0"/>
-              <a:t>6/17/2017</a:t>
+              <a:t>6/21/2017</a:t>
             </a:fld>
             <a:endParaRPr lang="en-US" dirty="0"/>
           </a:p>
@@ -7586,7 +7595,7 @@
           <a:p>
             <a:fld id="{4509A250-FF31-4206-8172-F9D3106AACB1}" type="datetimeFigureOut">
               <a:rPr lang="en-US" dirty="0"/>
-              <a:t>6/17/2017</a:t>
+              <a:t>6/21/2017</a:t>
             </a:fld>
             <a:endParaRPr lang="en-US" dirty="0"/>
           </a:p>
@@ -7681,7 +7690,7 @@
           <a:p>
             <a:fld id="{4509A250-FF31-4206-8172-F9D3106AACB1}" type="datetimeFigureOut">
               <a:rPr lang="en-US" dirty="0"/>
-              <a:t>6/17/2017</a:t>
+              <a:t>6/21/2017</a:t>
             </a:fld>
             <a:endParaRPr lang="en-US" dirty="0"/>
           </a:p>
@@ -7960,7 +7969,7 @@
           <a:p>
             <a:fld id="{4509A250-FF31-4206-8172-F9D3106AACB1}" type="datetimeFigureOut">
               <a:rPr lang="en-US" dirty="0"/>
-              <a:t>6/17/2017</a:t>
+              <a:t>6/21/2017</a:t>
             </a:fld>
             <a:endParaRPr lang="en-US" dirty="0"/>
           </a:p>
@@ -8235,7 +8244,7 @@
           <a:p>
             <a:fld id="{4509A250-FF31-4206-8172-F9D3106AACB1}" type="datetimeFigureOut">
               <a:rPr lang="en-US" dirty="0"/>
-              <a:t>6/17/2017</a:t>
+              <a:t>6/21/2017</a:t>
             </a:fld>
             <a:endParaRPr lang="en-US" dirty="0"/>
           </a:p>
@@ -8510,7 +8519,7 @@
           <a:p>
             <a:fld id="{4509A250-FF31-4206-8172-F9D3106AACB1}" type="datetimeFigureOut">
               <a:rPr lang="en-US" dirty="0"/>
-              <a:t>6/17/2017</a:t>
+              <a:t>6/21/2017</a:t>
             </a:fld>
             <a:endParaRPr lang="en-US" dirty="0"/>
           </a:p>
@@ -8704,7 +8713,7 @@
           <a:p>
             <a:fld id="{4509A250-FF31-4206-8172-F9D3106AACB1}" type="datetimeFigureOut">
               <a:rPr lang="en-US" dirty="0"/>
-              <a:t>6/17/2017</a:t>
+              <a:t>6/21/2017</a:t>
             </a:fld>
             <a:endParaRPr lang="en-US" dirty="0"/>
           </a:p>
@@ -8977,7 +8986,7 @@
           <a:p>
             <a:fld id="{4509A250-FF31-4206-8172-F9D3106AACB1}" type="datetimeFigureOut">
               <a:rPr lang="en-US" dirty="0"/>
-              <a:t>6/17/2017</a:t>
+              <a:t>6/21/2017</a:t>
             </a:fld>
             <a:endParaRPr lang="en-US" dirty="0"/>
           </a:p>
@@ -9303,7 +9312,7 @@
           <a:p>
             <a:fld id="{EB712588-04B1-427B-82EE-E8DB90309F08}" type="datetimeFigureOut">
               <a:rPr lang="en-US" dirty="0"/>
-              <a:t>6/17/2017</a:t>
+              <a:t>6/21/2017</a:t>
             </a:fld>
             <a:endParaRPr lang="en-US" dirty="0"/>
           </a:p>
@@ -9550,7 +9559,7 @@
           <a:p>
             <a:fld id="{4509A250-FF31-4206-8172-F9D3106AACB1}" type="datetimeFigureOut">
               <a:rPr lang="en-US" dirty="0"/>
-              <a:t>6/17/2017</a:t>
+              <a:t>6/21/2017</a:t>
             </a:fld>
             <a:endParaRPr lang="en-US" dirty="0"/>
           </a:p>
@@ -10173,7 +10182,7 @@
           <a:p>
             <a:fld id="{4509A250-FF31-4206-8172-F9D3106AACB1}" type="datetimeFigureOut">
               <a:rPr lang="en-US" dirty="0"/>
-              <a:t>6/17/2017</a:t>
+              <a:t>6/21/2017</a:t>
             </a:fld>
             <a:endParaRPr lang="en-US" dirty="0"/>
           </a:p>
@@ -11033,7 +11042,7 @@
           <a:p>
             <a:fld id="{4509A250-FF31-4206-8172-F9D3106AACB1}" type="datetimeFigureOut">
               <a:rPr lang="en-US" dirty="0"/>
-              <a:t>6/17/2017</a:t>
+              <a:t>6/21/2017</a:t>
             </a:fld>
             <a:endParaRPr lang="en-US" dirty="0"/>
           </a:p>
@@ -11203,7 +11212,7 @@
           <a:p>
             <a:fld id="{4509A250-FF31-4206-8172-F9D3106AACB1}" type="datetimeFigureOut">
               <a:rPr lang="en-US" dirty="0"/>
-              <a:t>6/17/2017</a:t>
+              <a:t>6/21/2017</a:t>
             </a:fld>
             <a:endParaRPr lang="en-US" dirty="0"/>
           </a:p>
@@ -11383,7 +11392,7 @@
           <a:p>
             <a:fld id="{4509A250-FF31-4206-8172-F9D3106AACB1}" type="datetimeFigureOut">
               <a:rPr lang="en-US" dirty="0"/>
-              <a:t>6/17/2017</a:t>
+              <a:t>6/21/2017</a:t>
             </a:fld>
             <a:endParaRPr lang="en-US" dirty="0"/>
           </a:p>
@@ -11540,7 +11549,7 @@
           <a:p>
             <a:fld id="{90786BE5-D2A3-4BF0-8B30-D7403E61B3DC}" type="datetimeFigureOut">
               <a:rPr lang="en-US" smtClean="0"/>
-              <a:t>6/17/2017</a:t>
+              <a:t>6/21/2017</a:t>
             </a:fld>
             <a:endParaRPr lang="en-US" dirty="0"/>
           </a:p>
@@ -11827,7 +11836,7 @@
           <a:p>
             <a:fld id="{4AAD347D-5ACD-4C99-B74B-A9C85AD731AF}" type="datetimeFigureOut">
               <a:rPr lang="en-US" dirty="0"/>
-              <a:t>6/17/2017</a:t>
+              <a:t>6/21/2017</a:t>
             </a:fld>
             <a:endParaRPr lang="en-US" dirty="0"/>
           </a:p>
@@ -11997,7 +12006,7 @@
           <a:p>
             <a:fld id="{4509A250-FF31-4206-8172-F9D3106AACB1}" type="datetimeFigureOut">
               <a:rPr lang="en-US" dirty="0"/>
-              <a:t>6/17/2017</a:t>
+              <a:t>6/21/2017</a:t>
             </a:fld>
             <a:endParaRPr lang="en-US" dirty="0"/>
           </a:p>
@@ -12244,7 +12253,7 @@
           <a:p>
             <a:fld id="{9796027F-7875-4030-9381-8BD8C4F21935}" type="datetimeFigureOut">
               <a:rPr lang="en-US" dirty="0"/>
-              <a:t>6/17/2017</a:t>
+              <a:t>6/21/2017</a:t>
             </a:fld>
             <a:endParaRPr lang="en-US" dirty="0"/>
           </a:p>
@@ -12536,7 +12545,7 @@
           <a:p>
             <a:fld id="{9796027F-7875-4030-9381-8BD8C4F21935}" type="datetimeFigureOut">
               <a:rPr lang="en-US" dirty="0"/>
-              <a:t>6/17/2017</a:t>
+              <a:t>6/21/2017</a:t>
             </a:fld>
             <a:endParaRPr lang="en-US" dirty="0"/>
           </a:p>
@@ -12911,7 +12920,7 @@
             <a:fld id="{B61BEF0D-F0BB-DE4B-95CE-6DB70DBA9567}" type="datetimeFigureOut">
               <a:rPr lang="en-US" dirty="0"/>
               <a:pPr/>
-              <a:t>6/17/2017</a:t>
+              <a:t>6/21/2017</a:t>
             </a:fld>
             <a:endParaRPr lang="en-US" dirty="0"/>
           </a:p>
@@ -13356,7 +13365,7 @@
           <a:p>
             <a:fld id="{9796027F-7875-4030-9381-8BD8C4F21935}" type="datetimeFigureOut">
               <a:rPr lang="en-US" dirty="0"/>
-              <a:t>6/17/2017</a:t>
+              <a:t>6/21/2017</a:t>
             </a:fld>
             <a:endParaRPr lang="en-US" dirty="0"/>
           </a:p>
@@ -13474,7 +13483,7 @@
           <a:p>
             <a:fld id="{4509A250-FF31-4206-8172-F9D3106AACB1}" type="datetimeFigureOut">
               <a:rPr lang="en-US" dirty="0"/>
-              <a:t>6/17/2017</a:t>
+              <a:t>6/21/2017</a:t>
             </a:fld>
             <a:endParaRPr lang="en-US" dirty="0"/>
           </a:p>
@@ -13569,7 +13578,7 @@
           <a:p>
             <a:fld id="{4509A250-FF31-4206-8172-F9D3106AACB1}" type="datetimeFigureOut">
               <a:rPr lang="en-US" dirty="0"/>
-              <a:t>6/17/2017</a:t>
+              <a:t>6/21/2017</a:t>
             </a:fld>
             <a:endParaRPr lang="en-US" dirty="0"/>
           </a:p>
@@ -13848,7 +13857,7 @@
           <a:p>
             <a:fld id="{4509A250-FF31-4206-8172-F9D3106AACB1}" type="datetimeFigureOut">
               <a:rPr lang="en-US" dirty="0"/>
-              <a:t>6/17/2017</a:t>
+              <a:t>6/21/2017</a:t>
             </a:fld>
             <a:endParaRPr lang="en-US" dirty="0"/>
           </a:p>
@@ -14123,7 +14132,7 @@
           <a:p>
             <a:fld id="{4509A250-FF31-4206-8172-F9D3106AACB1}" type="datetimeFigureOut">
               <a:rPr lang="en-US" dirty="0"/>
-              <a:t>6/17/2017</a:t>
+              <a:t>6/21/2017</a:t>
             </a:fld>
             <a:endParaRPr lang="en-US" dirty="0"/>
           </a:p>
@@ -14398,7 +14407,7 @@
           <a:p>
             <a:fld id="{4509A250-FF31-4206-8172-F9D3106AACB1}" type="datetimeFigureOut">
               <a:rPr lang="en-US" dirty="0"/>
-              <a:t>6/17/2017</a:t>
+              <a:t>6/21/2017</a:t>
             </a:fld>
             <a:endParaRPr lang="en-US" dirty="0"/>
           </a:p>
@@ -14592,7 +14601,7 @@
           <a:p>
             <a:fld id="{4509A250-FF31-4206-8172-F9D3106AACB1}" type="datetimeFigureOut">
               <a:rPr lang="en-US" dirty="0"/>
-              <a:t>6/17/2017</a:t>
+              <a:t>6/21/2017</a:t>
             </a:fld>
             <a:endParaRPr lang="en-US" dirty="0"/>
           </a:p>
@@ -14865,7 +14874,7 @@
           <a:p>
             <a:fld id="{4509A250-FF31-4206-8172-F9D3106AACB1}" type="datetimeFigureOut">
               <a:rPr lang="en-US" dirty="0"/>
-              <a:t>6/17/2017</a:t>
+              <a:t>6/21/2017</a:t>
             </a:fld>
             <a:endParaRPr lang="en-US" dirty="0"/>
           </a:p>
@@ -15206,7 +15215,7 @@
           <a:p>
             <a:fld id="{4509A250-FF31-4206-8172-F9D3106AACB1}" type="datetimeFigureOut">
               <a:rPr lang="en-US" dirty="0"/>
-              <a:t>6/17/2017</a:t>
+              <a:t>6/21/2017</a:t>
             </a:fld>
             <a:endParaRPr lang="en-US" dirty="0"/>
           </a:p>
@@ -15829,7 +15838,7 @@
           <a:p>
             <a:fld id="{4509A250-FF31-4206-8172-F9D3106AACB1}" type="datetimeFigureOut">
               <a:rPr lang="en-US" dirty="0"/>
-              <a:t>6/17/2017</a:t>
+              <a:t>6/21/2017</a:t>
             </a:fld>
             <a:endParaRPr lang="en-US" dirty="0"/>
           </a:p>
@@ -15953,7 +15962,7 @@
             <a:fld id="{B61BEF0D-F0BB-DE4B-95CE-6DB70DBA9567}" type="datetimeFigureOut">
               <a:rPr lang="en-US" dirty="0"/>
               <a:pPr/>
-              <a:t>6/17/2017</a:t>
+              <a:t>6/21/2017</a:t>
             </a:fld>
             <a:endParaRPr lang="en-US" dirty="0"/>
           </a:p>
@@ -16814,7 +16823,7 @@
           <a:p>
             <a:fld id="{4509A250-FF31-4206-8172-F9D3106AACB1}" type="datetimeFigureOut">
               <a:rPr lang="en-US" dirty="0"/>
-              <a:t>6/17/2017</a:t>
+              <a:t>6/21/2017</a:t>
             </a:fld>
             <a:endParaRPr lang="en-US" dirty="0"/>
           </a:p>
@@ -16984,7 +16993,7 @@
           <a:p>
             <a:fld id="{4509A250-FF31-4206-8172-F9D3106AACB1}" type="datetimeFigureOut">
               <a:rPr lang="en-US" dirty="0"/>
-              <a:t>6/17/2017</a:t>
+              <a:t>6/21/2017</a:t>
             </a:fld>
             <a:endParaRPr lang="en-US" dirty="0"/>
           </a:p>
@@ -17164,7 +17173,7 @@
           <a:p>
             <a:fld id="{4509A250-FF31-4206-8172-F9D3106AACB1}" type="datetimeFigureOut">
               <a:rPr lang="en-US" dirty="0"/>
-              <a:t>6/17/2017</a:t>
+              <a:t>6/21/2017</a:t>
             </a:fld>
             <a:endParaRPr lang="en-US" dirty="0"/>
           </a:p>
@@ -17513,7 +17522,7 @@
             <a:fld id="{B61BEF0D-F0BB-DE4B-95CE-6DB70DBA9567}" type="datetimeFigureOut">
               <a:rPr lang="en-US" smtClean="0"/>
               <a:pPr/>
-              <a:t>6/17/2017</a:t>
+              <a:t>6/21/2017</a:t>
             </a:fld>
             <a:endParaRPr lang="en-US" dirty="0"/>
           </a:p>
@@ -17798,7 +17807,7 @@
             <a:fld id="{B61BEF0D-F0BB-DE4B-95CE-6DB70DBA9567}" type="datetimeFigureOut">
               <a:rPr lang="en-US" smtClean="0"/>
               <a:pPr/>
-              <a:t>6/17/2017</a:t>
+              <a:t>6/21/2017</a:t>
             </a:fld>
             <a:endParaRPr lang="en-US" dirty="0"/>
           </a:p>
@@ -18143,7 +18152,7 @@
             <a:fld id="{B61BEF0D-F0BB-DE4B-95CE-6DB70DBA9567}" type="datetimeFigureOut">
               <a:rPr lang="en-US" smtClean="0"/>
               <a:pPr/>
-              <a:t>6/17/2017</a:t>
+              <a:t>6/21/2017</a:t>
             </a:fld>
             <a:endParaRPr lang="en-US" dirty="0"/>
           </a:p>
@@ -18483,7 +18492,7 @@
           <a:p>
             <a:fld id="{EB712588-04B1-427B-82EE-E8DB90309F08}" type="datetimeFigureOut">
               <a:rPr lang="en-US" smtClean="0"/>
-              <a:t>6/17/2017</a:t>
+              <a:t>6/21/2017</a:t>
             </a:fld>
             <a:endParaRPr lang="en-US" dirty="0"/>
           </a:p>
@@ -18961,7 +18970,7 @@
             <a:fld id="{B61BEF0D-F0BB-DE4B-95CE-6DB70DBA9567}" type="datetimeFigureOut">
               <a:rPr lang="en-US" smtClean="0"/>
               <a:pPr/>
-              <a:t>6/17/2017</a:t>
+              <a:t>6/21/2017</a:t>
             </a:fld>
             <a:endParaRPr lang="en-US" dirty="0"/>
           </a:p>
@@ -19184,7 +19193,7 @@
             <a:fld id="{B61BEF0D-F0BB-DE4B-95CE-6DB70DBA9567}" type="datetimeFigureOut">
               <a:rPr lang="en-US" smtClean="0"/>
               <a:pPr/>
-              <a:t>6/17/2017</a:t>
+              <a:t>6/21/2017</a:t>
             </a:fld>
             <a:endParaRPr lang="en-US" dirty="0"/>
           </a:p>
@@ -19281,7 +19290,7 @@
             <a:fld id="{B61BEF0D-F0BB-DE4B-95CE-6DB70DBA9567}" type="datetimeFigureOut">
               <a:rPr lang="en-US" smtClean="0"/>
               <a:pPr/>
-              <a:t>6/17/2017</a:t>
+              <a:t>6/21/2017</a:t>
             </a:fld>
             <a:endParaRPr lang="en-US" dirty="0"/>
           </a:p>
@@ -19378,7 +19387,7 @@
             <a:fld id="{B61BEF0D-F0BB-DE4B-95CE-6DB70DBA9567}" type="datetimeFigureOut">
               <a:rPr lang="en-US" dirty="0"/>
               <a:pPr/>
-              <a:t>6/17/2017</a:t>
+              <a:t>6/21/2017</a:t>
             </a:fld>
             <a:endParaRPr lang="en-US" dirty="0"/>
           </a:p>
@@ -19846,7 +19855,7 @@
           <a:p>
             <a:fld id="{42A54C80-263E-416B-A8E0-580EDEADCBDC}" type="datetimeFigureOut">
               <a:rPr lang="en-US" smtClean="0"/>
-              <a:t>6/17/2017</a:t>
+              <a:t>6/21/2017</a:t>
             </a:fld>
             <a:endParaRPr lang="en-US" dirty="0"/>
           </a:p>
@@ -20160,7 +20169,7 @@
             <a:fld id="{B61BEF0D-F0BB-DE4B-95CE-6DB70DBA9567}" type="datetimeFigureOut">
               <a:rPr lang="en-US" smtClean="0"/>
               <a:pPr/>
-              <a:t>6/17/2017</a:t>
+              <a:t>6/21/2017</a:t>
             </a:fld>
             <a:endParaRPr lang="en-US" dirty="0"/>
           </a:p>
@@ -20490,7 +20499,7 @@
             <a:fld id="{B61BEF0D-F0BB-DE4B-95CE-6DB70DBA9567}" type="datetimeFigureOut">
               <a:rPr lang="en-US" smtClean="0"/>
               <a:pPr/>
-              <a:t>6/17/2017</a:t>
+              <a:t>6/21/2017</a:t>
             </a:fld>
             <a:endParaRPr lang="en-US" dirty="0"/>
           </a:p>
@@ -20980,7 +20989,7 @@
             <a:fld id="{B61BEF0D-F0BB-DE4B-95CE-6DB70DBA9567}" type="datetimeFigureOut">
               <a:rPr lang="en-US" smtClean="0"/>
               <a:pPr/>
-              <a:t>6/17/2017</a:t>
+              <a:t>6/21/2017</a:t>
             </a:fld>
             <a:endParaRPr lang="en-US" dirty="0"/>
           </a:p>
@@ -21351,7 +21360,7 @@
             <a:fld id="{B61BEF0D-F0BB-DE4B-95CE-6DB70DBA9567}" type="datetimeFigureOut">
               <a:rPr lang="en-US" smtClean="0"/>
               <a:pPr/>
-              <a:t>6/17/2017</a:t>
+              <a:t>6/21/2017</a:t>
             </a:fld>
             <a:endParaRPr lang="en-US" dirty="0"/>
           </a:p>
@@ -21625,7 +21634,7 @@
           <a:p>
             <a:fld id="{55C6B4A9-1611-4792-9094-5F34BCA07E0B}" type="datetimeFigureOut">
               <a:rPr lang="en-US" smtClean="0"/>
-              <a:t>6/17/2017</a:t>
+              <a:t>6/21/2017</a:t>
             </a:fld>
             <a:endParaRPr lang="en-US" dirty="0"/>
           </a:p>
@@ -21911,7 +21920,7 @@
             <a:fld id="{B61BEF0D-F0BB-DE4B-95CE-6DB70DBA9567}" type="datetimeFigureOut">
               <a:rPr lang="en-US" smtClean="0"/>
               <a:pPr/>
-              <a:t>6/17/2017</a:t>
+              <a:t>6/21/2017</a:t>
             </a:fld>
             <a:endParaRPr lang="en-US" dirty="0"/>
           </a:p>
@@ -22167,7 +22176,7 @@
           <a:p>
             <a:fld id="{42A54C80-263E-416B-A8E0-580EDEADCBDC}" type="datetimeFigureOut">
               <a:rPr lang="en-US" dirty="0"/>
-              <a:t>6/17/2017</a:t>
+              <a:t>6/21/2017</a:t>
             </a:fld>
             <a:endParaRPr lang="en-US" dirty="0"/>
           </a:p>
@@ -22431,7 +22440,7 @@
             <a:fld id="{B61BEF0D-F0BB-DE4B-95CE-6DB70DBA9567}" type="datetimeFigureOut">
               <a:rPr lang="en-US" dirty="0"/>
               <a:pPr/>
-              <a:t>6/17/2017</a:t>
+              <a:t>6/21/2017</a:t>
             </a:fld>
             <a:endParaRPr lang="en-US" dirty="0"/>
           </a:p>
@@ -23176,7 +23185,7 @@
             <a:fld id="{B61BEF0D-F0BB-DE4B-95CE-6DB70DBA9567}" type="datetimeFigureOut">
               <a:rPr lang="en-US" dirty="0"/>
               <a:pPr/>
-              <a:t>6/17/2017</a:t>
+              <a:t>6/21/2017</a:t>
             </a:fld>
             <a:endParaRPr lang="en-US" dirty="0"/>
           </a:p>
@@ -23914,7 +23923,7 @@
             <a:fld id="{48A87A34-81AB-432B-8DAE-1953F412C126}" type="datetimeFigureOut">
               <a:rPr lang="en-US" dirty="0"/>
               <a:pPr/>
-              <a:t>6/17/2017</a:t>
+              <a:t>6/21/2017</a:t>
             </a:fld>
             <a:endParaRPr lang="en-US" dirty="0"/>
           </a:p>
@@ -24752,7 +24761,7 @@
           <a:p>
             <a:fld id="{4AAD347D-5ACD-4C99-B74B-A9C85AD731AF}" type="datetimeFigureOut">
               <a:rPr lang="en-US" dirty="0"/>
-              <a:t>6/17/2017</a:t>
+              <a:t>6/21/2017</a:t>
             </a:fld>
             <a:endParaRPr lang="en-US" dirty="0"/>
           </a:p>
@@ -25633,7 +25642,7 @@
           <a:p>
             <a:fld id="{4AAD347D-5ACD-4C99-B74B-A9C85AD731AF}" type="datetimeFigureOut">
               <a:rPr lang="en-US" dirty="0"/>
-              <a:t>6/17/2017</a:t>
+              <a:t>6/21/2017</a:t>
             </a:fld>
             <a:endParaRPr lang="en-US" dirty="0"/>
           </a:p>
@@ -26345,7 +26354,7 @@
             <a:fld id="{B61BEF0D-F0BB-DE4B-95CE-6DB70DBA9567}" type="datetimeFigureOut">
               <a:rPr lang="en-US" smtClean="0"/>
               <a:pPr/>
-              <a:t>6/17/2017</a:t>
+              <a:t>6/21/2017</a:t>
             </a:fld>
             <a:endParaRPr lang="en-US" dirty="0"/>
           </a:p>
@@ -26896,7 +26905,7 @@
           <p:cNvPr id="2" name="Title 1">
             <a:extLst>
               <a:ext uri="{FF2B5EF4-FFF2-40B4-BE49-F238E27FC236}">
-                <a16:creationId xmlns:a16="http://schemas.microsoft.com/office/drawing/2014/main" id="{7D8AF8FB-793E-41BD-8CC5-A923B5A8209E}"/>
+                <a16:creationId xmlns:a16="http://schemas.microsoft.com/office/drawing/2014/main" id="{D5B3B675-DFDC-4B31-AD37-48232641A740}"/>
               </a:ext>
             </a:extLst>
           </p:cNvPr>
@@ -26913,10 +26922,9 @@
           <a:lstStyle/>
           <a:p>
             <a:r>
-              <a:rPr lang="en-US"/>
-              <a:t>Web References</a:t>
-            </a:r>
-            <a:endParaRPr lang="en-US" dirty="0"/>
+              <a:rPr lang="en-US" dirty="0"/>
+              <a:t>Service End Points :: Façade Pattern</a:t>
+            </a:r>
           </a:p>
         </p:txBody>
       </p:sp>
@@ -26925,7 +26933,7 @@
           <p:cNvPr id="3" name="Content Placeholder 2">
             <a:extLst>
               <a:ext uri="{FF2B5EF4-FFF2-40B4-BE49-F238E27FC236}">
-                <a16:creationId xmlns:a16="http://schemas.microsoft.com/office/drawing/2014/main" id="{3975127B-114D-4B36-BA13-4EB6781A2CEB}"/>
+                <a16:creationId xmlns:a16="http://schemas.microsoft.com/office/drawing/2014/main" id="{BA948533-938B-4FD7-9D96-6458BADD4F6C}"/>
               </a:ext>
             </a:extLst>
           </p:cNvPr>
@@ -26938,95 +26946,35 @@
         </p:nvSpPr>
         <p:spPr/>
         <p:txBody>
-          <a:bodyPr>
-            <a:normAutofit/>
-          </a:bodyPr>
-          <a:lstStyle/>
-          <a:p>
-            <a:r>
-              <a:rPr lang="en-US">
-                <a:hlinkClick r:id="rId2"/>
-              </a:rPr>
-              <a:t>GoF Design patterns in .NET/C#</a:t>
-            </a:r>
-            <a:endParaRPr lang="en-US"/>
-          </a:p>
-          <a:p>
-            <a:r>
-              <a:rPr lang="en-US">
-                <a:hlinkClick r:id="rId3"/>
-              </a:rPr>
-              <a:t>Design Patterns General</a:t>
-            </a:r>
-            <a:endParaRPr lang="en-US"/>
-          </a:p>
-          <a:p>
-            <a:pPr lvl="1"/>
-            <a:r>
-              <a:rPr lang="en-US">
-                <a:hlinkClick r:id="rId3"/>
-              </a:rPr>
-              <a:t>Creational</a:t>
-            </a:r>
-            <a:endParaRPr lang="en-US"/>
-          </a:p>
-          <a:p>
-            <a:pPr lvl="1"/>
-            <a:r>
-              <a:rPr lang="en-US">
-                <a:hlinkClick r:id="rId4"/>
-              </a:rPr>
-              <a:t>Structural</a:t>
-            </a:r>
-            <a:endParaRPr lang="en-US"/>
-          </a:p>
-          <a:p>
-            <a:pPr lvl="1"/>
-            <a:r>
-              <a:rPr lang="en-US">
-                <a:hlinkClick r:id="rId5"/>
-              </a:rPr>
-              <a:t>Behavioral</a:t>
-            </a:r>
-            <a:endParaRPr lang="en-US"/>
-          </a:p>
-          <a:p>
-            <a:r>
-              <a:rPr lang="en-US"/>
-              <a:t>Principles:</a:t>
-            </a:r>
-          </a:p>
-          <a:p>
-            <a:pPr lvl="1"/>
-            <a:r>
-              <a:rPr lang="en-US">
-                <a:hlinkClick r:id="rId6"/>
-              </a:rPr>
-              <a:t>Single Responsibility</a:t>
-            </a:r>
-            <a:endParaRPr lang="en-US"/>
-          </a:p>
-          <a:p>
-            <a:pPr lvl="1"/>
-            <a:r>
-              <a:rPr lang="en-US">
-                <a:hlinkClick r:id="rId7"/>
-              </a:rPr>
-              <a:t>Separation of Concerns</a:t>
-            </a:r>
-            <a:endParaRPr lang="en-US"/>
-          </a:p>
-          <a:p>
-            <a:pPr lvl="1"/>
-            <a:r>
-              <a:rPr lang="en-US">
-                <a:hlinkClick r:id="rId8"/>
-              </a:rPr>
-              <a:t>S.O.L.I.D Principles</a:t>
-            </a:r>
-            <a:endParaRPr lang="en-US"/>
-          </a:p>
-          <a:p>
+          <a:bodyPr/>
+          <a:lstStyle/>
+          <a:p>
+            <a:r>
+              <a:rPr lang="en-US" dirty="0"/>
+              <a:t>Definition: A single class that represents an entire subsystem.</a:t>
+            </a:r>
+          </a:p>
+          <a:p>
+            <a:r>
+              <a:rPr lang="en-US" dirty="0"/>
+              <a:t>Useful in API design</a:t>
+            </a:r>
+          </a:p>
+          <a:p>
+            <a:r>
+              <a:rPr lang="en-US" dirty="0"/>
+              <a:t>Useful in Service Oriented Architectures (SOA)</a:t>
+            </a:r>
+          </a:p>
+          <a:p>
+            <a:r>
+              <a:rPr lang="en-US" dirty="0"/>
+              <a:t>Typically implements an </a:t>
+            </a:r>
+            <a:r>
+              <a:rPr lang="en-US" i="1" dirty="0"/>
+              <a:t>Interface</a:t>
+            </a:r>
             <a:endParaRPr lang="en-US" dirty="0"/>
           </a:p>
         </p:txBody>
@@ -27034,7 +26982,7 @@
     </p:spTree>
     <p:extLst>
       <p:ext uri="{BB962C8B-B14F-4D97-AF65-F5344CB8AC3E}">
-        <p14:creationId xmlns:p14="http://schemas.microsoft.com/office/powerpoint/2010/main" val="1961233773"/>
+        <p14:creationId xmlns:p14="http://schemas.microsoft.com/office/powerpoint/2010/main" val="1957383248"/>
       </p:ext>
     </p:extLst>
   </p:cSld>
@@ -27084,7 +27032,7 @@
           <a:p>
             <a:r>
               <a:rPr lang="en-US"/>
-              <a:t>Book References</a:t>
+              <a:t>Web References</a:t>
             </a:r>
             <a:endParaRPr lang="en-US" dirty="0"/>
           </a:p>
@@ -27110,6 +27058,176 @@
         <p:txBody>
           <a:bodyPr>
             <a:normAutofit/>
+          </a:bodyPr>
+          <a:lstStyle/>
+          <a:p>
+            <a:r>
+              <a:rPr lang="en-US">
+                <a:hlinkClick r:id="rId2"/>
+              </a:rPr>
+              <a:t>GoF Design patterns in .NET/C#</a:t>
+            </a:r>
+            <a:endParaRPr lang="en-US"/>
+          </a:p>
+          <a:p>
+            <a:r>
+              <a:rPr lang="en-US">
+                <a:hlinkClick r:id="rId3"/>
+              </a:rPr>
+              <a:t>Design Patterns General</a:t>
+            </a:r>
+            <a:endParaRPr lang="en-US"/>
+          </a:p>
+          <a:p>
+            <a:pPr lvl="1"/>
+            <a:r>
+              <a:rPr lang="en-US">
+                <a:hlinkClick r:id="rId3"/>
+              </a:rPr>
+              <a:t>Creational</a:t>
+            </a:r>
+            <a:endParaRPr lang="en-US"/>
+          </a:p>
+          <a:p>
+            <a:pPr lvl="1"/>
+            <a:r>
+              <a:rPr lang="en-US">
+                <a:hlinkClick r:id="rId4"/>
+              </a:rPr>
+              <a:t>Structural</a:t>
+            </a:r>
+            <a:endParaRPr lang="en-US"/>
+          </a:p>
+          <a:p>
+            <a:pPr lvl="1"/>
+            <a:r>
+              <a:rPr lang="en-US">
+                <a:hlinkClick r:id="rId5"/>
+              </a:rPr>
+              <a:t>Behavioral</a:t>
+            </a:r>
+            <a:endParaRPr lang="en-US"/>
+          </a:p>
+          <a:p>
+            <a:r>
+              <a:rPr lang="en-US"/>
+              <a:t>Principles:</a:t>
+            </a:r>
+          </a:p>
+          <a:p>
+            <a:pPr lvl="1"/>
+            <a:r>
+              <a:rPr lang="en-US">
+                <a:hlinkClick r:id="rId6"/>
+              </a:rPr>
+              <a:t>Single Responsibility</a:t>
+            </a:r>
+            <a:endParaRPr lang="en-US"/>
+          </a:p>
+          <a:p>
+            <a:pPr lvl="1"/>
+            <a:r>
+              <a:rPr lang="en-US">
+                <a:hlinkClick r:id="rId7"/>
+              </a:rPr>
+              <a:t>Separation of Concerns</a:t>
+            </a:r>
+            <a:endParaRPr lang="en-US"/>
+          </a:p>
+          <a:p>
+            <a:pPr lvl="1"/>
+            <a:r>
+              <a:rPr lang="en-US">
+                <a:hlinkClick r:id="rId8"/>
+              </a:rPr>
+              <a:t>S.O.L.I.D Principles</a:t>
+            </a:r>
+            <a:endParaRPr lang="en-US"/>
+          </a:p>
+          <a:p>
+            <a:endParaRPr lang="en-US" dirty="0"/>
+          </a:p>
+        </p:txBody>
+      </p:sp>
+    </p:spTree>
+    <p:extLst>
+      <p:ext uri="{BB962C8B-B14F-4D97-AF65-F5344CB8AC3E}">
+        <p14:creationId xmlns:p14="http://schemas.microsoft.com/office/powerpoint/2010/main" val="1961233773"/>
+      </p:ext>
+    </p:extLst>
+  </p:cSld>
+  <p:clrMapOvr>
+    <a:masterClrMapping/>
+  </p:clrMapOvr>
+</p:sld>
+</file>
+
+<file path=ppt/slides/slide12.xml><?xml version="1.0" encoding="utf-8"?>
+<p:sld xmlns:a="http://schemas.openxmlformats.org/drawingml/2006/main" xmlns:r="http://schemas.openxmlformats.org/officeDocument/2006/relationships" xmlns:p="http://schemas.openxmlformats.org/presentationml/2006/main">
+  <p:cSld>
+    <p:spTree>
+      <p:nvGrpSpPr>
+        <p:cNvPr id="1" name=""/>
+        <p:cNvGrpSpPr/>
+        <p:nvPr/>
+      </p:nvGrpSpPr>
+      <p:grpSpPr>
+        <a:xfrm>
+          <a:off x="0" y="0"/>
+          <a:ext cx="0" cy="0"/>
+          <a:chOff x="0" y="0"/>
+          <a:chExt cx="0" cy="0"/>
+        </a:xfrm>
+      </p:grpSpPr>
+      <p:sp>
+        <p:nvSpPr>
+          <p:cNvPr id="2" name="Title 1">
+            <a:extLst>
+              <a:ext uri="{FF2B5EF4-FFF2-40B4-BE49-F238E27FC236}">
+                <a16:creationId xmlns:a16="http://schemas.microsoft.com/office/drawing/2014/main" id="{7D8AF8FB-793E-41BD-8CC5-A923B5A8209E}"/>
+              </a:ext>
+            </a:extLst>
+          </p:cNvPr>
+          <p:cNvSpPr>
+            <a:spLocks noGrp="1"/>
+          </p:cNvSpPr>
+          <p:nvPr>
+            <p:ph type="title"/>
+          </p:nvPr>
+        </p:nvSpPr>
+        <p:spPr/>
+        <p:txBody>
+          <a:bodyPr/>
+          <a:lstStyle/>
+          <a:p>
+            <a:r>
+              <a:rPr lang="en-US"/>
+              <a:t>Book References</a:t>
+            </a:r>
+            <a:endParaRPr lang="en-US" dirty="0"/>
+          </a:p>
+        </p:txBody>
+      </p:sp>
+      <p:sp>
+        <p:nvSpPr>
+          <p:cNvPr id="3" name="Content Placeholder 2">
+            <a:extLst>
+              <a:ext uri="{FF2B5EF4-FFF2-40B4-BE49-F238E27FC236}">
+                <a16:creationId xmlns:a16="http://schemas.microsoft.com/office/drawing/2014/main" id="{3975127B-114D-4B36-BA13-4EB6781A2CEB}"/>
+              </a:ext>
+            </a:extLst>
+          </p:cNvPr>
+          <p:cNvSpPr>
+            <a:spLocks noGrp="1"/>
+          </p:cNvSpPr>
+          <p:nvPr>
+            <p:ph idx="1"/>
+          </p:nvPr>
+        </p:nvSpPr>
+        <p:spPr/>
+        <p:txBody>
+          <a:bodyPr>
+            <a:normAutofit fontScale="92500" lnSpcReduction="10000"/>
           </a:bodyPr>
           <a:lstStyle/>
           <a:p>
@@ -27210,7 +27328,7 @@
 </p:sld>
 </file>
 
-<file path=ppt/slides/slide12.xml><?xml version="1.0" encoding="utf-8"?>
+<file path=ppt/slides/slide13.xml><?xml version="1.0" encoding="utf-8"?>
 <p:sld xmlns:a="http://schemas.openxmlformats.org/drawingml/2006/main" xmlns:r="http://schemas.openxmlformats.org/officeDocument/2006/relationships" xmlns:p="http://schemas.openxmlformats.org/presentationml/2006/main">
   <p:cSld>
     <p:spTree>
@@ -28040,7 +28158,7 @@
         <p:spPr/>
         <p:txBody>
           <a:bodyPr>
-            <a:normAutofit fontScale="92500"/>
+            <a:normAutofit lnSpcReduction="10000"/>
           </a:bodyPr>
           <a:lstStyle/>
           <a:p>

--- a/Presentation/Better Business Logic with Typescript.pptx
+++ b/Presentation/Better Business Logic with Typescript.pptx
@@ -18,10 +18,20 @@
     <p:sldId id="261" r:id="rId12"/>
     <p:sldId id="262" r:id="rId13"/>
     <p:sldId id="263" r:id="rId14"/>
-    <p:sldId id="268" r:id="rId15"/>
-    <p:sldId id="264" r:id="rId16"/>
-    <p:sldId id="266" r:id="rId17"/>
-    <p:sldId id="265" r:id="rId18"/>
+    <p:sldId id="270" r:id="rId15"/>
+    <p:sldId id="269" r:id="rId16"/>
+    <p:sldId id="271" r:id="rId17"/>
+    <p:sldId id="272" r:id="rId18"/>
+    <p:sldId id="273" r:id="rId19"/>
+    <p:sldId id="268" r:id="rId20"/>
+    <p:sldId id="274" r:id="rId21"/>
+    <p:sldId id="275" r:id="rId22"/>
+    <p:sldId id="276" r:id="rId23"/>
+    <p:sldId id="277" r:id="rId24"/>
+    <p:sldId id="278" r:id="rId25"/>
+    <p:sldId id="264" r:id="rId26"/>
+    <p:sldId id="266" r:id="rId27"/>
+    <p:sldId id="265" r:id="rId28"/>
   </p:sldIdLst>
   <p:sldSz cx="12192000" cy="6858000"/>
   <p:notesSz cx="6858000" cy="9144000"/>
@@ -134,7 +144,17 @@
             <p14:sldId id="261"/>
             <p14:sldId id="262"/>
             <p14:sldId id="263"/>
+            <p14:sldId id="270"/>
+            <p14:sldId id="269"/>
+            <p14:sldId id="271"/>
+            <p14:sldId id="272"/>
+            <p14:sldId id="273"/>
             <p14:sldId id="268"/>
+            <p14:sldId id="274"/>
+            <p14:sldId id="275"/>
+            <p14:sldId id="276"/>
+            <p14:sldId id="277"/>
+            <p14:sldId id="278"/>
             <p14:sldId id="264"/>
             <p14:sldId id="266"/>
             <p14:sldId id="265"/>
@@ -17329,7 +17349,7 @@
           <a:effectLst/>
           <a:extLst>
             <a:ext uri="{91240B29-F687-4f45-9708-019B960494DF}">
-              <a14:hiddenLine xmlns:a14="http://schemas.microsoft.com/office/drawing/2010/main" xmlns="" w="9525">
+              <a14:hiddenLine xmlns="" xmlns:a14="http://schemas.microsoft.com/office/drawing/2010/main" w="9525">
                 <a:solidFill>
                   <a:srgbClr val="000000"/>
                 </a:solidFill>
@@ -17678,7 +17698,7 @@
           <a:ln/>
           <a:extLst>
             <a:ext uri="{91240B29-F687-4f45-9708-019B960494DF}">
-              <a14:hiddenLine xmlns:a14="http://schemas.microsoft.com/office/drawing/2010/main" xmlns="" w="9525">
+              <a14:hiddenLine xmlns="" xmlns:a14="http://schemas.microsoft.com/office/drawing/2010/main" w="9525">
                 <a:solidFill>
                   <a:srgbClr val="000000"/>
                 </a:solidFill>
@@ -18308,7 +18328,7 @@
           <a:ln/>
           <a:extLst>
             <a:ext uri="{91240B29-F687-4f45-9708-019B960494DF}">
-              <a14:hiddenLine xmlns:a14="http://schemas.microsoft.com/office/drawing/2010/main" xmlns="" w="9525">
+              <a14:hiddenLine xmlns="" xmlns:a14="http://schemas.microsoft.com/office/drawing/2010/main" w="9525">
                 <a:solidFill>
                   <a:srgbClr val="000000"/>
                 </a:solidFill>
@@ -18647,7 +18667,7 @@
           <a:ln/>
           <a:extLst>
             <a:ext uri="{91240B29-F687-4f45-9708-019B960494DF}">
-              <a14:hiddenLine xmlns:a14="http://schemas.microsoft.com/office/drawing/2010/main" xmlns="" w="9525">
+              <a14:hiddenLine xmlns="" xmlns:a14="http://schemas.microsoft.com/office/drawing/2010/main" w="9525">
                 <a:solidFill>
                   <a:srgbClr val="000000"/>
                 </a:solidFill>
@@ -19126,7 +19146,7 @@
           <a:ln/>
           <a:extLst>
             <a:ext uri="{91240B29-F687-4f45-9708-019B960494DF}">
-              <a14:hiddenLine xmlns:a14="http://schemas.microsoft.com/office/drawing/2010/main" xmlns="" w="9525">
+              <a14:hiddenLine xmlns="" xmlns:a14="http://schemas.microsoft.com/office/drawing/2010/main" w="9525">
                 <a:solidFill>
                   <a:srgbClr val="000000"/>
                 </a:solidFill>
@@ -19656,7 +19676,7 @@
           <a:ln/>
           <a:extLst>
             <a:ext uri="{91240B29-F687-4f45-9708-019B960494DF}">
-              <a14:hiddenLine xmlns:a14="http://schemas.microsoft.com/office/drawing/2010/main" xmlns="" w="9525">
+              <a14:hiddenLine xmlns="" xmlns:a14="http://schemas.microsoft.com/office/drawing/2010/main" w="9525">
                 <a:solidFill>
                   <a:srgbClr val="000000"/>
                 </a:solidFill>
@@ -21516,7 +21536,7 @@
           <a:ln/>
           <a:extLst>
             <a:ext uri="{91240B29-F687-4f45-9708-019B960494DF}">
-              <a14:hiddenLine xmlns:a14="http://schemas.microsoft.com/office/drawing/2010/main" xmlns="" w="9525">
+              <a14:hiddenLine xmlns="" xmlns:a14="http://schemas.microsoft.com/office/drawing/2010/main" w="9525">
                 <a:solidFill>
                   <a:srgbClr val="000000"/>
                 </a:solidFill>
@@ -21791,7 +21811,7 @@
           <a:ln/>
           <a:extLst>
             <a:ext uri="{91240B29-F687-4f45-9708-019B960494DF}">
-              <a14:hiddenLine xmlns:a14="http://schemas.microsoft.com/office/drawing/2010/main" xmlns="" w="9525">
+              <a14:hiddenLine xmlns="" xmlns:a14="http://schemas.microsoft.com/office/drawing/2010/main" w="9525">
                 <a:solidFill>
                   <a:srgbClr val="000000"/>
                 </a:solidFill>
@@ -26905,7 +26925,7 @@
           <p:cNvPr id="2" name="Title 1">
             <a:extLst>
               <a:ext uri="{FF2B5EF4-FFF2-40B4-BE49-F238E27FC236}">
-                <a16:creationId xmlns:a16="http://schemas.microsoft.com/office/drawing/2014/main" id="{D5B3B675-DFDC-4B31-AD37-48232641A740}"/>
+                <a16:creationId xmlns:a16="http://schemas.microsoft.com/office/drawing/2014/main" id="{A1758B1B-621D-40A5-9B33-D3B725F77E89}"/>
               </a:ext>
             </a:extLst>
           </p:cNvPr>
@@ -26923,7 +26943,7 @@
           <a:p>
             <a:r>
               <a:rPr lang="en-US" dirty="0"/>
-              <a:t>Service End Points :: Façade Pattern</a:t>
+              <a:t>Principle(s):</a:t>
             </a:r>
           </a:p>
         </p:txBody>
@@ -26933,7 +26953,7 @@
           <p:cNvPr id="3" name="Content Placeholder 2">
             <a:extLst>
               <a:ext uri="{FF2B5EF4-FFF2-40B4-BE49-F238E27FC236}">
-                <a16:creationId xmlns:a16="http://schemas.microsoft.com/office/drawing/2014/main" id="{BA948533-938B-4FD7-9D96-6458BADD4F6C}"/>
+                <a16:creationId xmlns:a16="http://schemas.microsoft.com/office/drawing/2014/main" id="{D86370B2-B5B6-40A8-8D85-00B0D638C5FB}"/>
               </a:ext>
             </a:extLst>
           </p:cNvPr>
@@ -26951,38 +26971,111 @@
           <a:p>
             <a:r>
               <a:rPr lang="en-US" dirty="0"/>
-              <a:t>Definition: A single class that represents an entire subsystem.</a:t>
+              <a:t>Do not create what already exists.</a:t>
             </a:r>
           </a:p>
           <a:p>
             <a:r>
               <a:rPr lang="en-US" dirty="0"/>
-              <a:t>Useful in API design</a:t>
-            </a:r>
-          </a:p>
-          <a:p>
+              <a:t>Use the elements in the Angular Framework</a:t>
+            </a:r>
+          </a:p>
+          <a:p>
+            <a:pPr lvl="1"/>
             <a:r>
               <a:rPr lang="en-US" dirty="0"/>
-              <a:t>Useful in Service Oriented Architectures (SOA)</a:t>
-            </a:r>
-          </a:p>
-          <a:p>
+              <a:t>Modules</a:t>
+            </a:r>
+          </a:p>
+          <a:p>
+            <a:pPr lvl="1"/>
             <a:r>
               <a:rPr lang="en-US" dirty="0"/>
-              <a:t>Typically implements an </a:t>
-            </a:r>
-            <a:r>
-              <a:rPr lang="en-US" i="1" dirty="0"/>
-              <a:t>Interface</a:t>
-            </a:r>
-            <a:endParaRPr lang="en-US" dirty="0"/>
+              <a:t>Services</a:t>
+            </a:r>
+          </a:p>
+          <a:p>
+            <a:pPr lvl="1"/>
+            <a:r>
+              <a:rPr lang="en-US" dirty="0"/>
+              <a:t>Components</a:t>
+            </a:r>
+          </a:p>
+          <a:p>
+            <a:pPr lvl="1"/>
+            <a:r>
+              <a:rPr lang="en-US" dirty="0"/>
+              <a:t>Dependency Injection</a:t>
+            </a:r>
+          </a:p>
+          <a:p>
+            <a:pPr lvl="2"/>
+            <a:r>
+              <a:rPr lang="en-US" dirty="0"/>
+              <a:t>Code Smell: </a:t>
+            </a:r>
+            <a:r>
+              <a:rPr lang="en-US" dirty="0" err="1">
+                <a:latin typeface="Source Code Pro Light" panose="020B0409030403020204" pitchFamily="49" charset="0"/>
+                <a:ea typeface="Source Code Pro Light" panose="020B0409030403020204" pitchFamily="49" charset="0"/>
+              </a:rPr>
+              <a:t>var</a:t>
+            </a:r>
+            <a:r>
+              <a:rPr lang="en-US" dirty="0">
+                <a:latin typeface="Source Code Pro Light" panose="020B0409030403020204" pitchFamily="49" charset="0"/>
+                <a:ea typeface="Source Code Pro Light" panose="020B0409030403020204" pitchFamily="49" charset="0"/>
+              </a:rPr>
+              <a:t> </a:t>
+            </a:r>
+            <a:r>
+              <a:rPr lang="en-US" dirty="0" err="1">
+                <a:latin typeface="Source Code Pro Light" panose="020B0409030403020204" pitchFamily="49" charset="0"/>
+                <a:ea typeface="Source Code Pro Light" panose="020B0409030403020204" pitchFamily="49" charset="0"/>
+              </a:rPr>
+              <a:t>thingService</a:t>
+            </a:r>
+            <a:r>
+              <a:rPr lang="en-US" dirty="0">
+                <a:latin typeface="Source Code Pro Light" panose="020B0409030403020204" pitchFamily="49" charset="0"/>
+                <a:ea typeface="Source Code Pro Light" panose="020B0409030403020204" pitchFamily="49" charset="0"/>
+              </a:rPr>
+              <a:t> = new </a:t>
+            </a:r>
+            <a:r>
+              <a:rPr lang="en-US" dirty="0" err="1">
+                <a:latin typeface="Source Code Pro Light" panose="020B0409030403020204" pitchFamily="49" charset="0"/>
+                <a:ea typeface="Source Code Pro Light" panose="020B0409030403020204" pitchFamily="49" charset="0"/>
+              </a:rPr>
+              <a:t>ThingService</a:t>
+            </a:r>
+            <a:r>
+              <a:rPr lang="en-US" dirty="0">
+                <a:latin typeface="Source Code Pro Light" panose="020B0409030403020204" pitchFamily="49" charset="0"/>
+                <a:ea typeface="Source Code Pro Light" panose="020B0409030403020204" pitchFamily="49" charset="0"/>
+              </a:rPr>
+              <a:t>(..);</a:t>
+            </a:r>
+          </a:p>
+          <a:p>
+            <a:r>
+              <a:rPr lang="en-US" dirty="0"/>
+              <a:t>Use the “force” – Use the “ng”.</a:t>
+            </a:r>
+          </a:p>
+          <a:p>
+            <a:pPr lvl="1"/>
+            <a:r>
+              <a:rPr lang="en-US" dirty="0"/>
+              <a:t>If there is a way to do it in Angular, learn use that mechanism.</a:t>
+            </a:r>
           </a:p>
         </p:txBody>
       </p:sp>
     </p:spTree>
     <p:extLst>
       <p:ext uri="{BB962C8B-B14F-4D97-AF65-F5344CB8AC3E}">
-        <p14:creationId xmlns:p14="http://schemas.microsoft.com/office/powerpoint/2010/main" val="1957383248"/>
+        <p14:creationId xmlns:p14="http://schemas.microsoft.com/office/powerpoint/2010/main" val="818836091"/>
       </p:ext>
     </p:extLst>
   </p:cSld>
@@ -27014,7 +27107,7 @@
           <p:cNvPr id="2" name="Title 1">
             <a:extLst>
               <a:ext uri="{FF2B5EF4-FFF2-40B4-BE49-F238E27FC236}">
-                <a16:creationId xmlns:a16="http://schemas.microsoft.com/office/drawing/2014/main" id="{7D8AF8FB-793E-41BD-8CC5-A923B5A8209E}"/>
+                <a16:creationId xmlns:a16="http://schemas.microsoft.com/office/drawing/2014/main" id="{1279AF16-888B-4F97-979D-D7623C123C6B}"/>
               </a:ext>
             </a:extLst>
           </p:cNvPr>
@@ -27031,19 +27124,18 @@
           <a:lstStyle/>
           <a:p>
             <a:r>
-              <a:rPr lang="en-US"/>
-              <a:t>Web References</a:t>
-            </a:r>
-            <a:endParaRPr lang="en-US" dirty="0"/>
-          </a:p>
-        </p:txBody>
-      </p:sp>
-      <p:sp>
-        <p:nvSpPr>
-          <p:cNvPr id="3" name="Content Placeholder 2">
+              <a:rPr lang="en-US" dirty="0"/>
+              <a:t>Angular Application</a:t>
+            </a:r>
+          </a:p>
+        </p:txBody>
+      </p:sp>
+      <p:sp>
+        <p:nvSpPr>
+          <p:cNvPr id="4" name="Content Placeholder 3">
             <a:extLst>
               <a:ext uri="{FF2B5EF4-FFF2-40B4-BE49-F238E27FC236}">
-                <a16:creationId xmlns:a16="http://schemas.microsoft.com/office/drawing/2014/main" id="{3975127B-114D-4B36-BA13-4EB6781A2CEB}"/>
+                <a16:creationId xmlns:a16="http://schemas.microsoft.com/office/drawing/2014/main" id="{74543BF9-B651-4C32-AD11-ABBE05E6E045}"/>
               </a:ext>
             </a:extLst>
           </p:cNvPr>
@@ -27056,103 +27148,50 @@
         </p:nvSpPr>
         <p:spPr/>
         <p:txBody>
-          <a:bodyPr>
-            <a:normAutofit/>
-          </a:bodyPr>
-          <a:lstStyle/>
-          <a:p>
-            <a:r>
-              <a:rPr lang="en-US">
-                <a:hlinkClick r:id="rId2"/>
-              </a:rPr>
-              <a:t>GoF Design patterns in .NET/C#</a:t>
-            </a:r>
-            <a:endParaRPr lang="en-US"/>
-          </a:p>
-          <a:p>
-            <a:r>
-              <a:rPr lang="en-US">
-                <a:hlinkClick r:id="rId3"/>
-              </a:rPr>
-              <a:t>Design Patterns General</a:t>
-            </a:r>
-            <a:endParaRPr lang="en-US"/>
-          </a:p>
-          <a:p>
-            <a:pPr lvl="1"/>
-            <a:r>
-              <a:rPr lang="en-US">
-                <a:hlinkClick r:id="rId3"/>
-              </a:rPr>
-              <a:t>Creational</a:t>
-            </a:r>
-            <a:endParaRPr lang="en-US"/>
-          </a:p>
-          <a:p>
-            <a:pPr lvl="1"/>
-            <a:r>
-              <a:rPr lang="en-US">
-                <a:hlinkClick r:id="rId4"/>
-              </a:rPr>
-              <a:t>Structural</a:t>
-            </a:r>
-            <a:endParaRPr lang="en-US"/>
-          </a:p>
-          <a:p>
-            <a:pPr lvl="1"/>
-            <a:r>
-              <a:rPr lang="en-US">
-                <a:hlinkClick r:id="rId5"/>
-              </a:rPr>
-              <a:t>Behavioral</a:t>
-            </a:r>
-            <a:endParaRPr lang="en-US"/>
-          </a:p>
-          <a:p>
-            <a:r>
-              <a:rPr lang="en-US"/>
-              <a:t>Principles:</a:t>
-            </a:r>
-          </a:p>
-          <a:p>
-            <a:pPr lvl="1"/>
-            <a:r>
-              <a:rPr lang="en-US">
-                <a:hlinkClick r:id="rId6"/>
-              </a:rPr>
-              <a:t>Single Responsibility</a:t>
-            </a:r>
-            <a:endParaRPr lang="en-US"/>
-          </a:p>
-          <a:p>
-            <a:pPr lvl="1"/>
-            <a:r>
-              <a:rPr lang="en-US">
-                <a:hlinkClick r:id="rId7"/>
-              </a:rPr>
-              <a:t>Separation of Concerns</a:t>
-            </a:r>
-            <a:endParaRPr lang="en-US"/>
-          </a:p>
-          <a:p>
-            <a:pPr lvl="1"/>
-            <a:r>
-              <a:rPr lang="en-US">
-                <a:hlinkClick r:id="rId8"/>
-              </a:rPr>
-              <a:t>S.O.L.I.D Principles</a:t>
-            </a:r>
-            <a:endParaRPr lang="en-US"/>
-          </a:p>
-          <a:p>
-            <a:endParaRPr lang="en-US" dirty="0"/>
-          </a:p>
-        </p:txBody>
-      </p:sp>
+          <a:bodyPr/>
+          <a:lstStyle/>
+          <a:p>
+            <a:endParaRPr lang="en-US" dirty="0"/>
+          </a:p>
+          <a:p>
+            <a:endParaRPr lang="en-US" dirty="0"/>
+          </a:p>
+        </p:txBody>
+      </p:sp>
+      <p:pic>
+        <p:nvPicPr>
+          <p:cNvPr id="9" name="Picture 8">
+            <a:extLst>
+              <a:ext uri="{FF2B5EF4-FFF2-40B4-BE49-F238E27FC236}">
+                <a16:creationId xmlns:a16="http://schemas.microsoft.com/office/drawing/2014/main" id="{D63B784E-D20A-4009-A631-9B90661094CC}"/>
+              </a:ext>
+            </a:extLst>
+          </p:cNvPr>
+          <p:cNvPicPr>
+            <a:picLocks noChangeAspect="1"/>
+          </p:cNvPicPr>
+          <p:nvPr/>
+        </p:nvPicPr>
+        <p:blipFill>
+          <a:blip r:embed="rId2"/>
+          <a:stretch>
+            <a:fillRect/>
+          </a:stretch>
+        </p:blipFill>
+        <p:spPr>
+          <a:xfrm>
+            <a:off x="1574522" y="2222287"/>
+            <a:ext cx="8892668" cy="4462705"/>
+          </a:xfrm>
+          <a:prstGeom prst="rect">
+            <a:avLst/>
+          </a:prstGeom>
+        </p:spPr>
+      </p:pic>
     </p:spTree>
     <p:extLst>
       <p:ext uri="{BB962C8B-B14F-4D97-AF65-F5344CB8AC3E}">
-        <p14:creationId xmlns:p14="http://schemas.microsoft.com/office/powerpoint/2010/main" val="1961233773"/>
+        <p14:creationId xmlns:p14="http://schemas.microsoft.com/office/powerpoint/2010/main" val="3515010425"/>
       </p:ext>
     </p:extLst>
   </p:cSld>
@@ -27184,7 +27223,7 @@
           <p:cNvPr id="2" name="Title 1">
             <a:extLst>
               <a:ext uri="{FF2B5EF4-FFF2-40B4-BE49-F238E27FC236}">
-                <a16:creationId xmlns:a16="http://schemas.microsoft.com/office/drawing/2014/main" id="{7D8AF8FB-793E-41BD-8CC5-A923B5A8209E}"/>
+                <a16:creationId xmlns:a16="http://schemas.microsoft.com/office/drawing/2014/main" id="{59809628-3F81-4641-AA19-F6962C7C9CA5}"/>
               </a:ext>
             </a:extLst>
           </p:cNvPr>
@@ -27201,10 +27240,9 @@
           <a:lstStyle/>
           <a:p>
             <a:r>
-              <a:rPr lang="en-US"/>
-              <a:t>Book References</a:t>
-            </a:r>
-            <a:endParaRPr lang="en-US" dirty="0"/>
+              <a:rPr lang="en-US" dirty="0"/>
+              <a:t>Angular Application Modules</a:t>
+            </a:r>
           </a:p>
         </p:txBody>
       </p:sp>
@@ -27213,7 +27251,7 @@
           <p:cNvPr id="3" name="Content Placeholder 2">
             <a:extLst>
               <a:ext uri="{FF2B5EF4-FFF2-40B4-BE49-F238E27FC236}">
-                <a16:creationId xmlns:a16="http://schemas.microsoft.com/office/drawing/2014/main" id="{3975127B-114D-4B36-BA13-4EB6781A2CEB}"/>
+                <a16:creationId xmlns:a16="http://schemas.microsoft.com/office/drawing/2014/main" id="{17FEE82D-5D45-4DA9-B363-6BB5EBE0E5BA}"/>
               </a:ext>
             </a:extLst>
           </p:cNvPr>
@@ -27224,101 +27262,331 @@
             <p:ph idx="1"/>
           </p:nvPr>
         </p:nvSpPr>
-        <p:spPr/>
+        <p:spPr>
+          <a:xfrm>
+            <a:off x="818712" y="2222287"/>
+            <a:ext cx="10554574" cy="4334499"/>
+          </a:xfrm>
+        </p:spPr>
         <p:txBody>
           <a:bodyPr>
-            <a:normAutofit fontScale="92500" lnSpcReduction="10000"/>
+            <a:normAutofit fontScale="77500" lnSpcReduction="20000"/>
           </a:bodyPr>
           <a:lstStyle/>
           <a:p>
             <a:r>
-              <a:rPr lang="en-US">
-                <a:hlinkClick r:id="rId2"/>
+              <a:rPr lang="en-US" b="1" dirty="0"/>
+              <a:t>Shared</a:t>
+            </a:r>
+          </a:p>
+          <a:p>
+            <a:pPr lvl="1"/>
+            <a:r>
+              <a:rPr lang="en-US" dirty="0"/>
+              <a:t>Angular: </a:t>
+            </a:r>
+            <a:r>
+              <a:rPr lang="en-US" dirty="0" err="1"/>
+              <a:t>NgModule</a:t>
+            </a:r>
+            <a:r>
+              <a:rPr lang="en-US" dirty="0"/>
+              <a:t>, </a:t>
+            </a:r>
+            <a:r>
+              <a:rPr lang="en-US" dirty="0" err="1"/>
+              <a:t>CommonModule</a:t>
+            </a:r>
+            <a:r>
+              <a:rPr lang="en-US" dirty="0"/>
+              <a:t>, </a:t>
+            </a:r>
+            <a:r>
+              <a:rPr lang="en-US" dirty="0" err="1"/>
+              <a:t>HttpModule</a:t>
+            </a:r>
+            <a:r>
+              <a:rPr lang="en-US" dirty="0"/>
+              <a:t>, </a:t>
+            </a:r>
+            <a:r>
+              <a:rPr lang="en-US" dirty="0" err="1"/>
+              <a:t>FormsModule</a:t>
+            </a:r>
+            <a:r>
+              <a:rPr lang="en-US" dirty="0"/>
+              <a:t>, etc.</a:t>
+            </a:r>
+          </a:p>
+          <a:p>
+            <a:pPr lvl="1"/>
+            <a:r>
+              <a:rPr lang="en-US" dirty="0"/>
+              <a:t>Third-Party: </a:t>
+            </a:r>
+            <a:r>
+              <a:rPr lang="en-US" dirty="0" err="1"/>
+              <a:t>Wijmo</a:t>
+            </a:r>
+            <a:endParaRPr lang="en-US" dirty="0"/>
+          </a:p>
+          <a:p>
+            <a:r>
+              <a:rPr lang="en-US" b="1" dirty="0"/>
+              <a:t>Core</a:t>
+            </a:r>
+            <a:r>
+              <a:rPr lang="en-US" dirty="0"/>
+              <a:t>: Application-Level Modules</a:t>
+            </a:r>
+          </a:p>
+          <a:p>
+            <a:pPr lvl="1"/>
+            <a:r>
+              <a:rPr lang="en-US" dirty="0"/>
+              <a:t>Modules: </a:t>
+            </a:r>
+            <a:r>
+              <a:rPr lang="en-US" dirty="0" err="1">
+                <a:latin typeface="Source Code Pro Light" panose="020B0409030403020204" pitchFamily="49" charset="0"/>
+                <a:ea typeface="Source Code Pro Light" panose="020B0409030403020204" pitchFamily="49" charset="0"/>
               </a:rPr>
-              <a:t>Design Patterns : Elements of Reusable Object-Oriented Software</a:t>
-            </a:r>
-            <a:endParaRPr lang="en-US"/>
+              <a:t>PagesModule</a:t>
+            </a:r>
+            <a:r>
+              <a:rPr lang="en-US" dirty="0">
+                <a:latin typeface="Source Code Pro Light" panose="020B0409030403020204" pitchFamily="49" charset="0"/>
+                <a:ea typeface="Source Code Pro Light" panose="020B0409030403020204" pitchFamily="49" charset="0"/>
+              </a:rPr>
+              <a:t>, </a:t>
+            </a:r>
+            <a:r>
+              <a:rPr lang="en-US" dirty="0" err="1">
+                <a:latin typeface="Source Code Pro Light" panose="020B0409030403020204" pitchFamily="49" charset="0"/>
+                <a:ea typeface="Source Code Pro Light" panose="020B0409030403020204" pitchFamily="49" charset="0"/>
+              </a:rPr>
+              <a:t>SecurityModule</a:t>
+            </a:r>
+            <a:endParaRPr lang="en-US" dirty="0">
+              <a:latin typeface="Source Code Pro Light" panose="020B0409030403020204" pitchFamily="49" charset="0"/>
+              <a:ea typeface="Source Code Pro Light" panose="020B0409030403020204" pitchFamily="49" charset="0"/>
+            </a:endParaRPr>
           </a:p>
           <a:p>
             <a:pPr lvl="1"/>
             <a:r>
-              <a:rPr lang="en-US"/>
-              <a:t>ISBN-13: 978-0201633610, ISBN-10: 0201633612</a:t>
-            </a:r>
-          </a:p>
-          <a:p>
-            <a:r>
-              <a:rPr lang="en-US">
-                <a:hlinkClick r:id="rId3"/>
+              <a:rPr lang="en-US" dirty="0"/>
+              <a:t>Services: </a:t>
+            </a:r>
+            <a:r>
+              <a:rPr lang="en-US" dirty="0" err="1">
+                <a:latin typeface="Source Code Pro Light" panose="020B0409030403020204" pitchFamily="49" charset="0"/>
+                <a:ea typeface="Source Code Pro Light" panose="020B0409030403020204" pitchFamily="49" charset="0"/>
               </a:rPr>
-              <a:t>Head First Design Patterns</a:t>
-            </a:r>
-            <a:endParaRPr lang="en-US"/>
+              <a:t>LoggingService</a:t>
+            </a:r>
+            <a:r>
+              <a:rPr lang="en-US" dirty="0">
+                <a:latin typeface="Source Code Pro Light" panose="020B0409030403020204" pitchFamily="49" charset="0"/>
+                <a:ea typeface="Source Code Pro Light" panose="020B0409030403020204" pitchFamily="49" charset="0"/>
+              </a:rPr>
+              <a:t>, </a:t>
+            </a:r>
+            <a:r>
+              <a:rPr lang="en-US" dirty="0" err="1">
+                <a:latin typeface="Source Code Pro Light" panose="020B0409030403020204" pitchFamily="49" charset="0"/>
+                <a:ea typeface="Source Code Pro Light" panose="020B0409030403020204" pitchFamily="49" charset="0"/>
+              </a:rPr>
+              <a:t>SecurityHttpService</a:t>
+            </a:r>
+            <a:endParaRPr lang="en-US" dirty="0">
+              <a:latin typeface="Source Code Pro Light" panose="020B0409030403020204" pitchFamily="49" charset="0"/>
+              <a:ea typeface="Source Code Pro Light" panose="020B0409030403020204" pitchFamily="49" charset="0"/>
+            </a:endParaRPr>
           </a:p>
           <a:p>
             <a:pPr lvl="1"/>
             <a:r>
-              <a:rPr lang="en-US"/>
-              <a:t>ISBN-13: 978-0596007126, ISBN-10: 0596007124</a:t>
-            </a:r>
-          </a:p>
-          <a:p>
-            <a:r>
-              <a:rPr lang="en-US">
-                <a:hlinkClick r:id="rId4"/>
+              <a:rPr lang="en-US" dirty="0"/>
+              <a:t>Components: </a:t>
+            </a:r>
+            <a:r>
+              <a:rPr lang="en-US" dirty="0" err="1">
+                <a:latin typeface="Source Code Pro Light" panose="020B0409030403020204" pitchFamily="49" charset="0"/>
+                <a:ea typeface="Source Code Pro Light" panose="020B0409030403020204" pitchFamily="49" charset="0"/>
               </a:rPr>
-              <a:t>Clean Code</a:t>
-            </a:r>
-            <a:endParaRPr lang="en-US"/>
+              <a:t>MenuComponent</a:t>
+            </a:r>
+            <a:r>
+              <a:rPr lang="en-US" dirty="0">
+                <a:latin typeface="Source Code Pro Light" panose="020B0409030403020204" pitchFamily="49" charset="0"/>
+                <a:ea typeface="Source Code Pro Light" panose="020B0409030403020204" pitchFamily="49" charset="0"/>
+              </a:rPr>
+              <a:t>, </a:t>
+            </a:r>
+            <a:r>
+              <a:rPr lang="en-US" dirty="0" err="1">
+                <a:latin typeface="Source Code Pro Light" panose="020B0409030403020204" pitchFamily="49" charset="0"/>
+                <a:ea typeface="Source Code Pro Light" panose="020B0409030403020204" pitchFamily="49" charset="0"/>
+              </a:rPr>
+              <a:t>FooterComponent</a:t>
+            </a:r>
+            <a:endParaRPr lang="en-US" dirty="0">
+              <a:latin typeface="Source Code Pro Light" panose="020B0409030403020204" pitchFamily="49" charset="0"/>
+              <a:ea typeface="Source Code Pro Light" panose="020B0409030403020204" pitchFamily="49" charset="0"/>
+            </a:endParaRPr>
+          </a:p>
+          <a:p>
+            <a:r>
+              <a:rPr lang="en-US" b="1" dirty="0"/>
+              <a:t>Domain Service</a:t>
+            </a:r>
+            <a:r>
+              <a:rPr lang="en-US" dirty="0"/>
+              <a:t>: Service-Only</a:t>
+            </a:r>
           </a:p>
           <a:p>
             <a:pPr lvl="1"/>
             <a:r>
-              <a:rPr lang="en-US"/>
-              <a:t>ISBN-13: 978-0132350884, ISBN-10: 0132350882</a:t>
-            </a:r>
-          </a:p>
-          <a:p>
-            <a:r>
-              <a:rPr lang="en-US">
-                <a:hlinkClick r:id="rId5"/>
+              <a:rPr lang="en-US" dirty="0"/>
+              <a:t>Module: </a:t>
+            </a:r>
+            <a:r>
+              <a:rPr lang="en-US" dirty="0">
+                <a:latin typeface="Source Code Pro Light" panose="020B0409030403020204" pitchFamily="49" charset="0"/>
+                <a:ea typeface="Source Code Pro Light" panose="020B0409030403020204" pitchFamily="49" charset="0"/>
               </a:rPr>
-              <a:t>The Pragmatic Programmer</a:t>
-            </a:r>
-            <a:endParaRPr lang="en-US"/>
+              <a:t>Security</a:t>
+            </a:r>
           </a:p>
           <a:p>
             <a:pPr lvl="1"/>
             <a:r>
-              <a:rPr lang="en-US"/>
-              <a:t>ISBN-13: 978-0201616224, ISBN-10: 020161622X</a:t>
-            </a:r>
-          </a:p>
-          <a:p>
-            <a:r>
-              <a:rPr lang="en-US">
-                <a:hlinkClick r:id="rId6"/>
+              <a:rPr lang="en-US" dirty="0"/>
+              <a:t>Service: </a:t>
+            </a:r>
+            <a:r>
+              <a:rPr lang="en-US" dirty="0" err="1">
+                <a:latin typeface="Source Code Pro Light" panose="020B0409030403020204" pitchFamily="49" charset="0"/>
+                <a:ea typeface="Source Code Pro Light" panose="020B0409030403020204" pitchFamily="49" charset="0"/>
               </a:rPr>
-              <a:t>Patterns of Enterprise Application Architecture</a:t>
-            </a:r>
-            <a:endParaRPr lang="en-US"/>
+              <a:t>SecurityService</a:t>
+            </a:r>
+            <a:endParaRPr lang="en-US" dirty="0">
+              <a:latin typeface="Source Code Pro Light" panose="020B0409030403020204" pitchFamily="49" charset="0"/>
+              <a:ea typeface="Source Code Pro Light" panose="020B0409030403020204" pitchFamily="49" charset="0"/>
+            </a:endParaRPr>
           </a:p>
           <a:p>
             <a:pPr lvl="1"/>
             <a:r>
-              <a:rPr lang="en-US"/>
-              <a:t>ISBN-13: 978-0321127426, ISBN-10: 0321127420</a:t>
-            </a:r>
-          </a:p>
-          <a:p>
-            <a:endParaRPr lang="en-US" dirty="0"/>
+              <a:rPr lang="en-US" dirty="0"/>
+              <a:t>Components: none</a:t>
+            </a:r>
+          </a:p>
+          <a:p>
+            <a:r>
+              <a:rPr lang="en-US" b="1" dirty="0"/>
+              <a:t>Domain UI</a:t>
+            </a:r>
+            <a:r>
+              <a:rPr lang="en-US" dirty="0"/>
+              <a:t>: UI-Only</a:t>
+            </a:r>
+          </a:p>
+          <a:p>
+            <a:pPr lvl="1"/>
+            <a:r>
+              <a:rPr lang="en-US" dirty="0"/>
+              <a:t>Module: </a:t>
+            </a:r>
+            <a:r>
+              <a:rPr lang="en-US" dirty="0" err="1">
+                <a:latin typeface="Source Code Pro Light" panose="020B0409030403020204" pitchFamily="49" charset="0"/>
+                <a:ea typeface="Source Code Pro Light" panose="020B0409030403020204" pitchFamily="49" charset="0"/>
+              </a:rPr>
+              <a:t>SecurityUIModule</a:t>
+            </a:r>
+            <a:endParaRPr lang="en-US" dirty="0">
+              <a:latin typeface="Source Code Pro Light" panose="020B0409030403020204" pitchFamily="49" charset="0"/>
+              <a:ea typeface="Source Code Pro Light" panose="020B0409030403020204" pitchFamily="49" charset="0"/>
+            </a:endParaRPr>
+          </a:p>
+          <a:p>
+            <a:pPr lvl="1"/>
+            <a:r>
+              <a:rPr lang="en-US" dirty="0" err="1"/>
+              <a:t>RoutingModule</a:t>
+            </a:r>
+            <a:r>
+              <a:rPr lang="en-US" dirty="0"/>
+              <a:t>: </a:t>
+            </a:r>
+            <a:r>
+              <a:rPr lang="en-US" dirty="0" err="1">
+                <a:latin typeface="Source Code Pro Light" panose="020B0409030403020204" pitchFamily="49" charset="0"/>
+                <a:ea typeface="Source Code Pro Light" panose="020B0409030403020204" pitchFamily="49" charset="0"/>
+              </a:rPr>
+              <a:t>SecurityRoutingModule</a:t>
+            </a:r>
+            <a:endParaRPr lang="en-US" dirty="0">
+              <a:latin typeface="Source Code Pro Light" panose="020B0409030403020204" pitchFamily="49" charset="0"/>
+              <a:ea typeface="Source Code Pro Light" panose="020B0409030403020204" pitchFamily="49" charset="0"/>
+            </a:endParaRPr>
+          </a:p>
+          <a:p>
+            <a:pPr lvl="1"/>
+            <a:r>
+              <a:rPr lang="en-US" dirty="0"/>
+              <a:t>Components: </a:t>
+            </a:r>
+            <a:r>
+              <a:rPr lang="en-US" dirty="0" err="1">
+                <a:latin typeface="Source Code Pro Light" panose="020B0409030403020204" pitchFamily="49" charset="0"/>
+                <a:ea typeface="Source Code Pro Light" panose="020B0409030403020204" pitchFamily="49" charset="0"/>
+              </a:rPr>
+              <a:t>LoginComponent</a:t>
+            </a:r>
+            <a:r>
+              <a:rPr lang="en-US" dirty="0">
+                <a:latin typeface="Source Code Pro Light" panose="020B0409030403020204" pitchFamily="49" charset="0"/>
+                <a:ea typeface="Source Code Pro Light" panose="020B0409030403020204" pitchFamily="49" charset="0"/>
+              </a:rPr>
+              <a:t>, </a:t>
+            </a:r>
+            <a:r>
+              <a:rPr lang="en-US" dirty="0" err="1">
+                <a:latin typeface="Source Code Pro Light" panose="020B0409030403020204" pitchFamily="49" charset="0"/>
+                <a:ea typeface="Source Code Pro Light" panose="020B0409030403020204" pitchFamily="49" charset="0"/>
+              </a:rPr>
+              <a:t>SignUpComponent</a:t>
+            </a:r>
+            <a:r>
+              <a:rPr lang="en-US" dirty="0">
+                <a:latin typeface="Source Code Pro Light" panose="020B0409030403020204" pitchFamily="49" charset="0"/>
+                <a:ea typeface="Source Code Pro Light" panose="020B0409030403020204" pitchFamily="49" charset="0"/>
+              </a:rPr>
+              <a:t>. </a:t>
+            </a:r>
+            <a:r>
+              <a:rPr lang="en-US" dirty="0" err="1">
+                <a:latin typeface="Source Code Pro Light" panose="020B0409030403020204" pitchFamily="49" charset="0"/>
+                <a:ea typeface="Source Code Pro Light" panose="020B0409030403020204" pitchFamily="49" charset="0"/>
+              </a:rPr>
+              <a:t>ResetPassword</a:t>
+            </a:r>
+            <a:endParaRPr lang="en-US" dirty="0">
+              <a:latin typeface="Source Code Pro Light" panose="020B0409030403020204" pitchFamily="49" charset="0"/>
+              <a:ea typeface="Source Code Pro Light" panose="020B0409030403020204" pitchFamily="49" charset="0"/>
+            </a:endParaRPr>
           </a:p>
         </p:txBody>
       </p:sp>
     </p:spTree>
     <p:extLst>
       <p:ext uri="{BB962C8B-B14F-4D97-AF65-F5344CB8AC3E}">
-        <p14:creationId xmlns:p14="http://schemas.microsoft.com/office/powerpoint/2010/main" val="214986796"/>
+        <p14:creationId xmlns:p14="http://schemas.microsoft.com/office/powerpoint/2010/main" val="975586160"/>
       </p:ext>
     </p:extLst>
   </p:cSld>
@@ -27329,6 +27597,99 @@
 </file>
 
 <file path=ppt/slides/slide13.xml><?xml version="1.0" encoding="utf-8"?>
+<p:sld xmlns:a="http://schemas.openxmlformats.org/drawingml/2006/main" xmlns:r="http://schemas.openxmlformats.org/officeDocument/2006/relationships" xmlns:p="http://schemas.openxmlformats.org/presentationml/2006/main">
+  <p:cSld>
+    <p:bg>
+      <p:bgRef idx="1001">
+        <a:schemeClr val="bg2"/>
+      </p:bgRef>
+    </p:bg>
+    <p:spTree>
+      <p:nvGrpSpPr>
+        <p:cNvPr id="1" name=""/>
+        <p:cNvGrpSpPr/>
+        <p:nvPr/>
+      </p:nvGrpSpPr>
+      <p:grpSpPr>
+        <a:xfrm>
+          <a:off x="0" y="0"/>
+          <a:ext cx="0" cy="0"/>
+          <a:chOff x="0" y="0"/>
+          <a:chExt cx="0" cy="0"/>
+        </a:xfrm>
+      </p:grpSpPr>
+      <p:sp>
+        <p:nvSpPr>
+          <p:cNvPr id="5" name="Title 4">
+            <a:extLst>
+              <a:ext uri="{FF2B5EF4-FFF2-40B4-BE49-F238E27FC236}">
+                <a16:creationId xmlns:a16="http://schemas.microsoft.com/office/drawing/2014/main" id="{7B702912-3A8C-4506-B203-4167A6756140}"/>
+              </a:ext>
+            </a:extLst>
+          </p:cNvPr>
+          <p:cNvSpPr>
+            <a:spLocks noGrp="1"/>
+          </p:cNvSpPr>
+          <p:nvPr>
+            <p:ph type="title"/>
+          </p:nvPr>
+        </p:nvSpPr>
+        <p:spPr/>
+        <p:txBody>
+          <a:bodyPr/>
+          <a:lstStyle/>
+          <a:p>
+            <a:r>
+              <a:rPr lang="en-US" dirty="0"/>
+              <a:t>Angular Domain Service Module</a:t>
+            </a:r>
+          </a:p>
+        </p:txBody>
+      </p:sp>
+      <p:pic>
+        <p:nvPicPr>
+          <p:cNvPr id="8" name="Picture 7">
+            <a:extLst>
+              <a:ext uri="{FF2B5EF4-FFF2-40B4-BE49-F238E27FC236}">
+                <a16:creationId xmlns:a16="http://schemas.microsoft.com/office/drawing/2014/main" id="{853EB561-2EAD-4E25-93F2-3C1C956BE5B8}"/>
+              </a:ext>
+            </a:extLst>
+          </p:cNvPr>
+          <p:cNvPicPr>
+            <a:picLocks noChangeAspect="1"/>
+          </p:cNvPicPr>
+          <p:nvPr/>
+        </p:nvPicPr>
+        <p:blipFill>
+          <a:blip r:embed="rId3"/>
+          <a:stretch>
+            <a:fillRect/>
+          </a:stretch>
+        </p:blipFill>
+        <p:spPr>
+          <a:xfrm>
+            <a:off x="809999" y="2297654"/>
+            <a:ext cx="7248519" cy="4217222"/>
+          </a:xfrm>
+          <a:prstGeom prst="rect">
+            <a:avLst/>
+          </a:prstGeom>
+        </p:spPr>
+      </p:pic>
+    </p:spTree>
+    <p:extLst>
+      <p:ext uri="{BB962C8B-B14F-4D97-AF65-F5344CB8AC3E}">
+        <p14:creationId xmlns:p14="http://schemas.microsoft.com/office/powerpoint/2010/main" val="1763282499"/>
+      </p:ext>
+    </p:extLst>
+  </p:cSld>
+  <p:clrMapOvr>
+    <a:overrideClrMapping bg1="dk1" tx1="lt1" bg2="dk2" tx2="lt2" accent1="accent1" accent2="accent2" accent3="accent3" accent4="accent4" accent5="accent5" accent6="accent6" hlink="hlink" folHlink="folHlink"/>
+  </p:clrMapOvr>
+</p:sld>
+</file>
+
+<file path=ppt/slides/slide14.xml><?xml version="1.0" encoding="utf-8"?>
 <p:sld xmlns:a="http://schemas.openxmlformats.org/drawingml/2006/main" xmlns:r="http://schemas.openxmlformats.org/officeDocument/2006/relationships" xmlns:p="http://schemas.openxmlformats.org/presentationml/2006/main">
   <p:cSld>
     <p:spTree>
@@ -27347,10 +27708,123 @@
       </p:grpSpPr>
       <p:sp>
         <p:nvSpPr>
+          <p:cNvPr id="5" name="Title 4">
+            <a:extLst>
+              <a:ext uri="{FF2B5EF4-FFF2-40B4-BE49-F238E27FC236}">
+                <a16:creationId xmlns:a16="http://schemas.microsoft.com/office/drawing/2014/main" id="{7B702912-3A8C-4506-B203-4167A6756140}"/>
+              </a:ext>
+            </a:extLst>
+          </p:cNvPr>
+          <p:cNvSpPr>
+            <a:spLocks noGrp="1"/>
+          </p:cNvSpPr>
+          <p:nvPr>
+            <p:ph type="title"/>
+          </p:nvPr>
+        </p:nvSpPr>
+        <p:spPr/>
+        <p:txBody>
+          <a:bodyPr/>
+          <a:lstStyle/>
+          <a:p>
+            <a:r>
+              <a:rPr lang="en-US" dirty="0"/>
+              <a:t>Angular Domain UI Service Module</a:t>
+            </a:r>
+          </a:p>
+        </p:txBody>
+      </p:sp>
+      <p:sp>
+        <p:nvSpPr>
+          <p:cNvPr id="16" name="Content Placeholder 15">
+            <a:extLst>
+              <a:ext uri="{FF2B5EF4-FFF2-40B4-BE49-F238E27FC236}">
+                <a16:creationId xmlns:a16="http://schemas.microsoft.com/office/drawing/2014/main" id="{D62F5C55-5AB3-46E1-91D5-749CA9B25DE9}"/>
+              </a:ext>
+            </a:extLst>
+          </p:cNvPr>
+          <p:cNvSpPr>
+            <a:spLocks noGrp="1"/>
+          </p:cNvSpPr>
+          <p:nvPr>
+            <p:ph idx="1"/>
+          </p:nvPr>
+        </p:nvSpPr>
+        <p:spPr/>
+        <p:txBody>
+          <a:bodyPr/>
+          <a:lstStyle/>
+          <a:p>
+            <a:endParaRPr lang="en-US" dirty="0"/>
+          </a:p>
+        </p:txBody>
+      </p:sp>
+      <p:pic>
+        <p:nvPicPr>
+          <p:cNvPr id="17" name="Picture 16">
+            <a:extLst>
+              <a:ext uri="{FF2B5EF4-FFF2-40B4-BE49-F238E27FC236}">
+                <a16:creationId xmlns:a16="http://schemas.microsoft.com/office/drawing/2014/main" id="{CB09DB97-EE2D-4308-A095-0C4C6072F73E}"/>
+              </a:ext>
+            </a:extLst>
+          </p:cNvPr>
+          <p:cNvPicPr>
+            <a:picLocks noChangeAspect="1"/>
+          </p:cNvPicPr>
+          <p:nvPr/>
+        </p:nvPicPr>
+        <p:blipFill>
+          <a:blip r:embed="rId2"/>
+          <a:stretch>
+            <a:fillRect/>
+          </a:stretch>
+        </p:blipFill>
+        <p:spPr>
+          <a:xfrm>
+            <a:off x="818712" y="2222286"/>
+            <a:ext cx="8661551" cy="4492045"/>
+          </a:xfrm>
+          <a:prstGeom prst="rect">
+            <a:avLst/>
+          </a:prstGeom>
+        </p:spPr>
+      </p:pic>
+    </p:spTree>
+    <p:extLst>
+      <p:ext uri="{BB962C8B-B14F-4D97-AF65-F5344CB8AC3E}">
+        <p14:creationId xmlns:p14="http://schemas.microsoft.com/office/powerpoint/2010/main" val="3830281041"/>
+      </p:ext>
+    </p:extLst>
+  </p:cSld>
+  <p:clrMapOvr>
+    <a:masterClrMapping/>
+  </p:clrMapOvr>
+</p:sld>
+</file>
+
+<file path=ppt/slides/slide15.xml><?xml version="1.0" encoding="utf-8"?>
+<p:sld xmlns:a="http://schemas.openxmlformats.org/drawingml/2006/main" xmlns:r="http://schemas.openxmlformats.org/officeDocument/2006/relationships" xmlns:p="http://schemas.openxmlformats.org/presentationml/2006/main">
+  <p:cSld>
+    <p:spTree>
+      <p:nvGrpSpPr>
+        <p:cNvPr id="1" name=""/>
+        <p:cNvGrpSpPr/>
+        <p:nvPr/>
+      </p:nvGrpSpPr>
+      <p:grpSpPr>
+        <a:xfrm>
+          <a:off x="0" y="0"/>
+          <a:ext cx="0" cy="0"/>
+          <a:chOff x="0" y="0"/>
+          <a:chExt cx="0" cy="0"/>
+        </a:xfrm>
+      </p:grpSpPr>
+      <p:sp>
+        <p:nvSpPr>
           <p:cNvPr id="2" name="Title 1">
             <a:extLst>
               <a:ext uri="{FF2B5EF4-FFF2-40B4-BE49-F238E27FC236}">
-                <a16:creationId xmlns:a16="http://schemas.microsoft.com/office/drawing/2014/main" id="{4D26C1FD-D049-416D-9C47-E3F3500B7FBE}"/>
+                <a16:creationId xmlns:a16="http://schemas.microsoft.com/office/drawing/2014/main" id="{D5B3B675-DFDC-4B31-AD37-48232641A740}"/>
               </a:ext>
             </a:extLst>
           </p:cNvPr>
@@ -27367,10 +27841,9 @@
           <a:lstStyle/>
           <a:p>
             <a:r>
-              <a:rPr lang="en-US"/>
-              <a:t>Miscellaneous</a:t>
-            </a:r>
-            <a:endParaRPr lang="en-US" dirty="0"/>
+              <a:rPr lang="en-US" dirty="0"/>
+              <a:t>Service End Points :: Façade Pattern</a:t>
+            </a:r>
           </a:p>
         </p:txBody>
       </p:sp>
@@ -27379,7 +27852,7 @@
           <p:cNvPr id="3" name="Content Placeholder 2">
             <a:extLst>
               <a:ext uri="{FF2B5EF4-FFF2-40B4-BE49-F238E27FC236}">
-                <a16:creationId xmlns:a16="http://schemas.microsoft.com/office/drawing/2014/main" id="{E6782E6C-3EEC-49F3-B248-5C89306E3EEB}"/>
+                <a16:creationId xmlns:a16="http://schemas.microsoft.com/office/drawing/2014/main" id="{BA948533-938B-4FD7-9D96-6458BADD4F6C}"/>
               </a:ext>
             </a:extLst>
           </p:cNvPr>
@@ -27396,18 +27869,31 @@
           <a:lstStyle/>
           <a:p>
             <a:r>
-              <a:rPr lang="en-US"/>
-              <a:t>“Good programmers write good code. Great programmers steal.” - Unknown</a:t>
-            </a:r>
-          </a:p>
-          <a:p>
-            <a:pPr lvl="1"/>
-            <a:r>
-              <a:rPr lang="en-US"/>
-              <a:t>Learn, Use, Copy, Borrow, and/or Steal.</a:t>
-            </a:r>
-          </a:p>
-          <a:p>
+              <a:rPr lang="en-US" dirty="0"/>
+              <a:t>Definition: A single class that represents an entire subsystem.</a:t>
+            </a:r>
+          </a:p>
+          <a:p>
+            <a:r>
+              <a:rPr lang="en-US" dirty="0"/>
+              <a:t>Useful in API design</a:t>
+            </a:r>
+          </a:p>
+          <a:p>
+            <a:r>
+              <a:rPr lang="en-US" dirty="0"/>
+              <a:t>Useful in Service Oriented Architectures (SOA)</a:t>
+            </a:r>
+          </a:p>
+          <a:p>
+            <a:r>
+              <a:rPr lang="en-US" dirty="0"/>
+              <a:t>Typically implements an </a:t>
+            </a:r>
+            <a:r>
+              <a:rPr lang="en-US" i="1" dirty="0"/>
+              <a:t>Interface</a:t>
+            </a:r>
             <a:endParaRPr lang="en-US" dirty="0"/>
           </a:p>
         </p:txBody>
@@ -27415,7 +27901,639 @@
     </p:spTree>
     <p:extLst>
       <p:ext uri="{BB962C8B-B14F-4D97-AF65-F5344CB8AC3E}">
-        <p14:creationId xmlns:p14="http://schemas.microsoft.com/office/powerpoint/2010/main" val="1613193946"/>
+        <p14:creationId xmlns:p14="http://schemas.microsoft.com/office/powerpoint/2010/main" val="1957383248"/>
+      </p:ext>
+    </p:extLst>
+  </p:cSld>
+  <p:clrMapOvr>
+    <a:masterClrMapping/>
+  </p:clrMapOvr>
+</p:sld>
+</file>
+
+<file path=ppt/slides/slide16.xml><?xml version="1.0" encoding="utf-8"?>
+<p:sld xmlns:a="http://schemas.openxmlformats.org/drawingml/2006/main" xmlns:r="http://schemas.openxmlformats.org/officeDocument/2006/relationships" xmlns:p="http://schemas.openxmlformats.org/presentationml/2006/main">
+  <p:cSld>
+    <p:spTree>
+      <p:nvGrpSpPr>
+        <p:cNvPr id="1" name=""/>
+        <p:cNvGrpSpPr/>
+        <p:nvPr/>
+      </p:nvGrpSpPr>
+      <p:grpSpPr>
+        <a:xfrm>
+          <a:off x="0" y="0"/>
+          <a:ext cx="0" cy="0"/>
+          <a:chOff x="0" y="0"/>
+          <a:chExt cx="0" cy="0"/>
+        </a:xfrm>
+      </p:grpSpPr>
+      <p:sp>
+        <p:nvSpPr>
+          <p:cNvPr id="2" name="Title 1">
+            <a:extLst>
+              <a:ext uri="{FF2B5EF4-FFF2-40B4-BE49-F238E27FC236}">
+                <a16:creationId xmlns:a16="http://schemas.microsoft.com/office/drawing/2014/main" id="{50404187-2787-44DD-962D-631946531F8B}"/>
+              </a:ext>
+            </a:extLst>
+          </p:cNvPr>
+          <p:cNvSpPr>
+            <a:spLocks noGrp="1"/>
+          </p:cNvSpPr>
+          <p:nvPr>
+            <p:ph type="title"/>
+          </p:nvPr>
+        </p:nvSpPr>
+        <p:spPr/>
+        <p:txBody>
+          <a:bodyPr/>
+          <a:lstStyle/>
+          <a:p>
+            <a:r>
+              <a:rPr lang="en-US" dirty="0"/>
+              <a:t>Business Logic Concerns</a:t>
+            </a:r>
+          </a:p>
+        </p:txBody>
+      </p:sp>
+      <p:sp>
+        <p:nvSpPr>
+          <p:cNvPr id="3" name="Content Placeholder 2">
+            <a:extLst>
+              <a:ext uri="{FF2B5EF4-FFF2-40B4-BE49-F238E27FC236}">
+                <a16:creationId xmlns:a16="http://schemas.microsoft.com/office/drawing/2014/main" id="{44BE3E2E-76CE-4CE6-8F68-636DFEB688C9}"/>
+              </a:ext>
+            </a:extLst>
+          </p:cNvPr>
+          <p:cNvSpPr>
+            <a:spLocks noGrp="1"/>
+          </p:cNvSpPr>
+          <p:nvPr>
+            <p:ph idx="1"/>
+          </p:nvPr>
+        </p:nvSpPr>
+        <p:spPr/>
+        <p:txBody>
+          <a:bodyPr/>
+          <a:lstStyle/>
+          <a:p>
+            <a:r>
+              <a:rPr lang="en-US" dirty="0"/>
+              <a:t>Authorization</a:t>
+            </a:r>
+          </a:p>
+          <a:p>
+            <a:r>
+              <a:rPr lang="en-US" dirty="0"/>
+              <a:t>Business Logic</a:t>
+            </a:r>
+          </a:p>
+          <a:p>
+            <a:r>
+              <a:rPr lang="en-US" dirty="0"/>
+              <a:t>Data Input Validation</a:t>
+            </a:r>
+          </a:p>
+          <a:p>
+            <a:r>
+              <a:rPr lang="en-US" dirty="0"/>
+              <a:t>Business Rule Implementation</a:t>
+            </a:r>
+          </a:p>
+          <a:p>
+            <a:r>
+              <a:rPr lang="en-US" dirty="0"/>
+              <a:t>Using Repositories to retrieve and persist data</a:t>
+            </a:r>
+          </a:p>
+        </p:txBody>
+      </p:sp>
+    </p:spTree>
+    <p:extLst>
+      <p:ext uri="{BB962C8B-B14F-4D97-AF65-F5344CB8AC3E}">
+        <p14:creationId xmlns:p14="http://schemas.microsoft.com/office/powerpoint/2010/main" val="3640983610"/>
+      </p:ext>
+    </p:extLst>
+  </p:cSld>
+  <p:clrMapOvr>
+    <a:masterClrMapping/>
+  </p:clrMapOvr>
+</p:sld>
+</file>
+
+<file path=ppt/slides/slide17.xml><?xml version="1.0" encoding="utf-8"?>
+<p:sld xmlns:a="http://schemas.openxmlformats.org/drawingml/2006/main" xmlns:r="http://schemas.openxmlformats.org/officeDocument/2006/relationships" xmlns:p="http://schemas.openxmlformats.org/presentationml/2006/main">
+  <p:cSld>
+    <p:spTree>
+      <p:nvGrpSpPr>
+        <p:cNvPr id="1" name=""/>
+        <p:cNvGrpSpPr/>
+        <p:nvPr/>
+      </p:nvGrpSpPr>
+      <p:grpSpPr>
+        <a:xfrm>
+          <a:off x="0" y="0"/>
+          <a:ext cx="0" cy="0"/>
+          <a:chOff x="0" y="0"/>
+          <a:chExt cx="0" cy="0"/>
+        </a:xfrm>
+      </p:grpSpPr>
+      <p:sp>
+        <p:nvSpPr>
+          <p:cNvPr id="2" name="Title 1">
+            <a:extLst>
+              <a:ext uri="{FF2B5EF4-FFF2-40B4-BE49-F238E27FC236}">
+                <a16:creationId xmlns:a16="http://schemas.microsoft.com/office/drawing/2014/main" id="{CE638E4E-54DB-4630-A30A-81AF4520E5D3}"/>
+              </a:ext>
+            </a:extLst>
+          </p:cNvPr>
+          <p:cNvSpPr>
+            <a:spLocks noGrp="1"/>
+          </p:cNvSpPr>
+          <p:nvPr>
+            <p:ph type="title"/>
+          </p:nvPr>
+        </p:nvSpPr>
+        <p:spPr/>
+        <p:txBody>
+          <a:bodyPr/>
+          <a:lstStyle/>
+          <a:p>
+            <a:r>
+              <a:rPr lang="en-US" dirty="0"/>
+              <a:t>How can we implement business logic?</a:t>
+            </a:r>
+          </a:p>
+        </p:txBody>
+      </p:sp>
+      <p:sp>
+        <p:nvSpPr>
+          <p:cNvPr id="3" name="Content Placeholder 2">
+            <a:extLst>
+              <a:ext uri="{FF2B5EF4-FFF2-40B4-BE49-F238E27FC236}">
+                <a16:creationId xmlns:a16="http://schemas.microsoft.com/office/drawing/2014/main" id="{66928051-1A7D-475C-9E98-25EE74D6BA30}"/>
+              </a:ext>
+            </a:extLst>
+          </p:cNvPr>
+          <p:cNvSpPr>
+            <a:spLocks noGrp="1"/>
+          </p:cNvSpPr>
+          <p:nvPr>
+            <p:ph idx="1"/>
+          </p:nvPr>
+        </p:nvSpPr>
+        <p:spPr/>
+        <p:txBody>
+          <a:bodyPr/>
+          <a:lstStyle/>
+          <a:p>
+            <a:r>
+              <a:rPr lang="en-US" dirty="0"/>
+              <a:t>Goals:</a:t>
+            </a:r>
+          </a:p>
+          <a:p>
+            <a:pPr lvl="1"/>
+            <a:r>
+              <a:rPr lang="en-US" dirty="0"/>
+              <a:t>Consistent</a:t>
+            </a:r>
+          </a:p>
+          <a:p>
+            <a:pPr lvl="1"/>
+            <a:r>
+              <a:rPr lang="en-US" dirty="0"/>
+              <a:t>Maintainable</a:t>
+            </a:r>
+          </a:p>
+          <a:p>
+            <a:pPr lvl="1"/>
+            <a:r>
+              <a:rPr lang="en-US" dirty="0"/>
+              <a:t>Testable</a:t>
+            </a:r>
+          </a:p>
+          <a:p>
+            <a:pPr lvl="1"/>
+            <a:r>
+              <a:rPr lang="en-US" dirty="0"/>
+              <a:t>Extensible</a:t>
+            </a:r>
+          </a:p>
+          <a:p>
+            <a:pPr lvl="1"/>
+            <a:r>
+              <a:rPr lang="en-US" dirty="0"/>
+              <a:t>High Quality</a:t>
+            </a:r>
+          </a:p>
+          <a:p>
+            <a:r>
+              <a:rPr lang="en-US" dirty="0"/>
+              <a:t>How can we achieve this? </a:t>
+            </a:r>
+          </a:p>
+        </p:txBody>
+      </p:sp>
+    </p:spTree>
+    <p:extLst>
+      <p:ext uri="{BB962C8B-B14F-4D97-AF65-F5344CB8AC3E}">
+        <p14:creationId xmlns:p14="http://schemas.microsoft.com/office/powerpoint/2010/main" val="90553821"/>
+      </p:ext>
+    </p:extLst>
+  </p:cSld>
+  <p:clrMapOvr>
+    <a:masterClrMapping/>
+  </p:clrMapOvr>
+</p:sld>
+</file>
+
+<file path=ppt/slides/slide18.xml><?xml version="1.0" encoding="utf-8"?>
+<p:sld xmlns:a="http://schemas.openxmlformats.org/drawingml/2006/main" xmlns:r="http://schemas.openxmlformats.org/officeDocument/2006/relationships" xmlns:p="http://schemas.openxmlformats.org/presentationml/2006/main">
+  <p:cSld>
+    <p:spTree>
+      <p:nvGrpSpPr>
+        <p:cNvPr id="1" name=""/>
+        <p:cNvGrpSpPr/>
+        <p:nvPr/>
+      </p:nvGrpSpPr>
+      <p:grpSpPr>
+        <a:xfrm>
+          <a:off x="0" y="0"/>
+          <a:ext cx="0" cy="0"/>
+          <a:chOff x="0" y="0"/>
+          <a:chExt cx="0" cy="0"/>
+        </a:xfrm>
+      </p:grpSpPr>
+      <p:sp>
+        <p:nvSpPr>
+          <p:cNvPr id="2" name="Title 1">
+            <a:extLst>
+              <a:ext uri="{FF2B5EF4-FFF2-40B4-BE49-F238E27FC236}">
+                <a16:creationId xmlns:a16="http://schemas.microsoft.com/office/drawing/2014/main" id="{3D57BA2C-1B3C-4C28-BBF4-26D91C9A8F3C}"/>
+              </a:ext>
+            </a:extLst>
+          </p:cNvPr>
+          <p:cNvSpPr>
+            <a:spLocks noGrp="1"/>
+          </p:cNvSpPr>
+          <p:nvPr>
+            <p:ph type="title"/>
+          </p:nvPr>
+        </p:nvSpPr>
+        <p:spPr/>
+        <p:txBody>
+          <a:bodyPr/>
+          <a:lstStyle/>
+          <a:p>
+            <a:r>
+              <a:rPr lang="en-US" dirty="0"/>
+              <a:t>Elevate Your Business Logic</a:t>
+            </a:r>
+          </a:p>
+        </p:txBody>
+      </p:sp>
+      <p:sp>
+        <p:nvSpPr>
+          <p:cNvPr id="3" name="Content Placeholder 2">
+            <a:extLst>
+              <a:ext uri="{FF2B5EF4-FFF2-40B4-BE49-F238E27FC236}">
+                <a16:creationId xmlns:a16="http://schemas.microsoft.com/office/drawing/2014/main" id="{D9F7E00B-AD2A-4935-9D93-5AEB32283487}"/>
+              </a:ext>
+            </a:extLst>
+          </p:cNvPr>
+          <p:cNvSpPr>
+            <a:spLocks noGrp="1"/>
+          </p:cNvSpPr>
+          <p:nvPr>
+            <p:ph idx="1"/>
+          </p:nvPr>
+        </p:nvSpPr>
+        <p:spPr/>
+        <p:txBody>
+          <a:bodyPr>
+            <a:normAutofit lnSpcReduction="10000"/>
+          </a:bodyPr>
+          <a:lstStyle/>
+          <a:p>
+            <a:r>
+              <a:rPr lang="en-US" dirty="0"/>
+              <a:t>Stop the Method Madness</a:t>
+            </a:r>
+          </a:p>
+          <a:p>
+            <a:pPr lvl="1"/>
+            <a:r>
+              <a:rPr lang="en-US" dirty="0"/>
+              <a:t>Use classes to implement your business logic.</a:t>
+            </a:r>
+          </a:p>
+          <a:p>
+            <a:pPr lvl="1"/>
+            <a:r>
+              <a:rPr lang="en-US" dirty="0"/>
+              <a:t>A single class with a single responsibility, a single unit of work.</a:t>
+            </a:r>
+          </a:p>
+          <a:p>
+            <a:pPr lvl="1"/>
+            <a:r>
+              <a:rPr lang="en-US" dirty="0"/>
+              <a:t>This is not the typical Manager class with a bunch of methods chained together.</a:t>
+            </a:r>
+          </a:p>
+          <a:p>
+            <a:r>
+              <a:rPr lang="en-US" dirty="0"/>
+              <a:t>Class Advantage</a:t>
+            </a:r>
+          </a:p>
+          <a:p>
+            <a:pPr lvl="1"/>
+            <a:r>
+              <a:rPr lang="en-US" dirty="0"/>
+              <a:t>Can use one or more </a:t>
+            </a:r>
+            <a:r>
+              <a:rPr lang="en-US" dirty="0">
+                <a:latin typeface="Source Code Pro Light" panose="020B0409030403020204" pitchFamily="49" charset="0"/>
+                <a:ea typeface="Source Code Pro Light" panose="020B0409030403020204" pitchFamily="49" charset="0"/>
+              </a:rPr>
+              <a:t>Constructors</a:t>
+            </a:r>
+            <a:r>
+              <a:rPr lang="en-US" dirty="0"/>
+              <a:t>.</a:t>
+            </a:r>
+          </a:p>
+          <a:p>
+            <a:pPr lvl="1"/>
+            <a:r>
+              <a:rPr lang="en-US" dirty="0"/>
+              <a:t>Can have base classes - </a:t>
+            </a:r>
+            <a:r>
+              <a:rPr lang="en-US" dirty="0">
+                <a:latin typeface="Source Code Pro Light" panose="020B0409030403020204" pitchFamily="49" charset="0"/>
+                <a:ea typeface="Source Code Pro Light" panose="020B0409030403020204" pitchFamily="49" charset="0"/>
+              </a:rPr>
+              <a:t>Inheritance</a:t>
+            </a:r>
+            <a:r>
+              <a:rPr lang="en-US" dirty="0"/>
+              <a:t>.</a:t>
+            </a:r>
+          </a:p>
+          <a:p>
+            <a:pPr lvl="1"/>
+            <a:r>
+              <a:rPr lang="en-US" dirty="0"/>
+              <a:t>Can implement an </a:t>
+            </a:r>
+            <a:r>
+              <a:rPr lang="en-US" dirty="0">
+                <a:latin typeface="Source Code Pro Light" panose="020B0409030403020204" pitchFamily="49" charset="0"/>
+                <a:ea typeface="Source Code Pro Light" panose="020B0409030403020204" pitchFamily="49" charset="0"/>
+              </a:rPr>
+              <a:t>Interface</a:t>
+            </a:r>
+            <a:r>
+              <a:rPr lang="en-US" dirty="0"/>
+              <a:t>.</a:t>
+            </a:r>
+          </a:p>
+          <a:p>
+            <a:pPr lvl="1"/>
+            <a:r>
+              <a:rPr lang="en-US" dirty="0"/>
+              <a:t>Can expose typed </a:t>
+            </a:r>
+            <a:r>
+              <a:rPr lang="en-US" dirty="0">
+                <a:latin typeface="Source Code Pro Light" panose="020B0409030403020204" pitchFamily="49" charset="0"/>
+                <a:ea typeface="Source Code Pro Light" panose="020B0409030403020204" pitchFamily="49" charset="0"/>
+              </a:rPr>
+              <a:t>Properties</a:t>
+            </a:r>
+            <a:r>
+              <a:rPr lang="en-US" dirty="0"/>
+              <a:t>.</a:t>
+            </a:r>
+          </a:p>
+          <a:p>
+            <a:pPr lvl="1"/>
+            <a:r>
+              <a:rPr lang="en-US" dirty="0"/>
+              <a:t>Can encapsulate members using </a:t>
+            </a:r>
+            <a:r>
+              <a:rPr lang="en-US" dirty="0">
+                <a:latin typeface="Source Code Pro Light" panose="020B0409030403020204" pitchFamily="49" charset="0"/>
+                <a:ea typeface="Source Code Pro Light" panose="020B0409030403020204" pitchFamily="49" charset="0"/>
+              </a:rPr>
+              <a:t>private</a:t>
+            </a:r>
+            <a:r>
+              <a:rPr lang="en-US" dirty="0"/>
+              <a:t>.</a:t>
+            </a:r>
+          </a:p>
+          <a:p>
+            <a:pPr lvl="1"/>
+            <a:endParaRPr lang="en-US" dirty="0"/>
+          </a:p>
+        </p:txBody>
+      </p:sp>
+    </p:spTree>
+    <p:extLst>
+      <p:ext uri="{BB962C8B-B14F-4D97-AF65-F5344CB8AC3E}">
+        <p14:creationId xmlns:p14="http://schemas.microsoft.com/office/powerpoint/2010/main" val="2589925573"/>
+      </p:ext>
+    </p:extLst>
+  </p:cSld>
+  <p:clrMapOvr>
+    <a:masterClrMapping/>
+  </p:clrMapOvr>
+</p:sld>
+</file>
+
+<file path=ppt/slides/slide19.xml><?xml version="1.0" encoding="utf-8"?>
+<p:sld xmlns:a="http://schemas.openxmlformats.org/drawingml/2006/main" xmlns:r="http://schemas.openxmlformats.org/officeDocument/2006/relationships" xmlns:p="http://schemas.openxmlformats.org/presentationml/2006/main">
+  <p:cSld>
+    <p:spTree>
+      <p:nvGrpSpPr>
+        <p:cNvPr id="1" name=""/>
+        <p:cNvGrpSpPr/>
+        <p:nvPr/>
+      </p:nvGrpSpPr>
+      <p:grpSpPr>
+        <a:xfrm>
+          <a:off x="0" y="0"/>
+          <a:ext cx="0" cy="0"/>
+          <a:chOff x="0" y="0"/>
+          <a:chExt cx="0" cy="0"/>
+        </a:xfrm>
+      </p:grpSpPr>
+      <p:sp>
+        <p:nvSpPr>
+          <p:cNvPr id="2" name="Title 1">
+            <a:extLst>
+              <a:ext uri="{FF2B5EF4-FFF2-40B4-BE49-F238E27FC236}">
+                <a16:creationId xmlns:a16="http://schemas.microsoft.com/office/drawing/2014/main" id="{3870FFA2-0D63-42F1-818E-025A62D80C80}"/>
+              </a:ext>
+            </a:extLst>
+          </p:cNvPr>
+          <p:cNvSpPr>
+            <a:spLocks noGrp="1"/>
+          </p:cNvSpPr>
+          <p:nvPr>
+            <p:ph type="title"/>
+          </p:nvPr>
+        </p:nvSpPr>
+        <p:spPr/>
+        <p:txBody>
+          <a:bodyPr/>
+          <a:lstStyle/>
+          <a:p>
+            <a:r>
+              <a:rPr lang="en-US" dirty="0"/>
+              <a:t>Template Method Pattern</a:t>
+            </a:r>
+          </a:p>
+        </p:txBody>
+      </p:sp>
+      <p:sp>
+        <p:nvSpPr>
+          <p:cNvPr id="3" name="Content Placeholder 2">
+            <a:extLst>
+              <a:ext uri="{FF2B5EF4-FFF2-40B4-BE49-F238E27FC236}">
+                <a16:creationId xmlns:a16="http://schemas.microsoft.com/office/drawing/2014/main" id="{123C8FF3-B8F9-4BD6-A517-8DEA0AC6853F}"/>
+              </a:ext>
+            </a:extLst>
+          </p:cNvPr>
+          <p:cNvSpPr>
+            <a:spLocks noGrp="1"/>
+          </p:cNvSpPr>
+          <p:nvPr>
+            <p:ph idx="1"/>
+          </p:nvPr>
+        </p:nvSpPr>
+        <p:spPr/>
+        <p:txBody>
+          <a:bodyPr/>
+          <a:lstStyle/>
+          <a:p>
+            <a:r>
+              <a:rPr lang="en-US" dirty="0"/>
+              <a:t>Where have you seen this one?</a:t>
+            </a:r>
+          </a:p>
+          <a:p>
+            <a:pPr lvl="1"/>
+            <a:r>
+              <a:rPr lang="en-US" dirty="0"/>
+              <a:t>ASP.NET Forms circa 2001: </a:t>
+            </a:r>
+            <a:r>
+              <a:rPr lang="en-US" dirty="0" err="1"/>
+              <a:t>PreInit</a:t>
+            </a:r>
+            <a:r>
+              <a:rPr lang="en-US" dirty="0"/>
+              <a:t>, </a:t>
+            </a:r>
+            <a:r>
+              <a:rPr lang="en-US" dirty="0" err="1"/>
+              <a:t>Init</a:t>
+            </a:r>
+            <a:r>
+              <a:rPr lang="en-US" dirty="0"/>
+              <a:t>, </a:t>
+            </a:r>
+            <a:r>
+              <a:rPr lang="en-US" dirty="0" err="1"/>
+              <a:t>InitComplete</a:t>
+            </a:r>
+            <a:r>
+              <a:rPr lang="en-US" dirty="0"/>
+              <a:t>, </a:t>
+            </a:r>
+            <a:r>
+              <a:rPr lang="en-US" dirty="0" err="1"/>
+              <a:t>PreLoad</a:t>
+            </a:r>
+            <a:r>
+              <a:rPr lang="en-US" dirty="0"/>
+              <a:t>, Load, </a:t>
+            </a:r>
+            <a:r>
+              <a:rPr lang="en-US" dirty="0" err="1"/>
+              <a:t>LoadComplete</a:t>
+            </a:r>
+            <a:r>
+              <a:rPr lang="en-US" dirty="0"/>
+              <a:t>, </a:t>
+            </a:r>
+            <a:r>
+              <a:rPr lang="en-US" dirty="0" err="1"/>
+              <a:t>PreRender</a:t>
+            </a:r>
+            <a:r>
+              <a:rPr lang="en-US" dirty="0"/>
+              <a:t>, etc.</a:t>
+            </a:r>
+          </a:p>
+          <a:p>
+            <a:pPr lvl="1"/>
+            <a:r>
+              <a:rPr lang="en-US" dirty="0"/>
+              <a:t>Angular 2: </a:t>
+            </a:r>
+            <a:r>
+              <a:rPr lang="en-US" dirty="0" err="1"/>
+              <a:t>ngOnChanges</a:t>
+            </a:r>
+            <a:r>
+              <a:rPr lang="en-US" dirty="0"/>
+              <a:t>, </a:t>
+            </a:r>
+            <a:r>
+              <a:rPr lang="en-US" dirty="0" err="1"/>
+              <a:t>ngOnit</a:t>
+            </a:r>
+            <a:r>
+              <a:rPr lang="en-US" dirty="0"/>
+              <a:t>, </a:t>
+            </a:r>
+            <a:r>
+              <a:rPr lang="en-US" dirty="0" err="1"/>
+              <a:t>ngDoCheck</a:t>
+            </a:r>
+            <a:r>
+              <a:rPr lang="en-US" dirty="0"/>
+              <a:t>, </a:t>
+            </a:r>
+            <a:r>
+              <a:rPr lang="en-US" dirty="0" err="1"/>
+              <a:t>ngOnDestroy</a:t>
+            </a:r>
+            <a:endParaRPr lang="en-US" dirty="0"/>
+          </a:p>
+          <a:p>
+            <a:r>
+              <a:rPr lang="en-US" dirty="0"/>
+              <a:t>If it is good enough for managing components and web forms with millions of different implementations – but, all using the same algorithm.</a:t>
+            </a:r>
+          </a:p>
+          <a:p>
+            <a:endParaRPr lang="en-US" dirty="0"/>
+          </a:p>
+        </p:txBody>
+      </p:sp>
+    </p:spTree>
+    <p:extLst>
+      <p:ext uri="{BB962C8B-B14F-4D97-AF65-F5344CB8AC3E}">
+        <p14:creationId xmlns:p14="http://schemas.microsoft.com/office/powerpoint/2010/main" val="448475438"/>
       </p:ext>
     </p:extLst>
   </p:cSld>
@@ -27570,6 +28688,553 @@
     <p:extLst>
       <p:ext uri="{BB962C8B-B14F-4D97-AF65-F5344CB8AC3E}">
         <p14:creationId xmlns:p14="http://schemas.microsoft.com/office/powerpoint/2010/main" val="411051127"/>
+      </p:ext>
+    </p:extLst>
+  </p:cSld>
+  <p:clrMapOvr>
+    <a:masterClrMapping/>
+  </p:clrMapOvr>
+</p:sld>
+</file>
+
+<file path=ppt/slides/slide20.xml><?xml version="1.0" encoding="utf-8"?>
+<p:sld xmlns:a="http://schemas.openxmlformats.org/drawingml/2006/main" xmlns:r="http://schemas.openxmlformats.org/officeDocument/2006/relationships" xmlns:p="http://schemas.openxmlformats.org/presentationml/2006/main">
+  <p:cSld>
+    <p:spTree>
+      <p:nvGrpSpPr>
+        <p:cNvPr id="1" name=""/>
+        <p:cNvGrpSpPr/>
+        <p:nvPr/>
+      </p:nvGrpSpPr>
+      <p:grpSpPr>
+        <a:xfrm>
+          <a:off x="0" y="0"/>
+          <a:ext cx="0" cy="0"/>
+          <a:chOff x="0" y="0"/>
+          <a:chExt cx="0" cy="0"/>
+        </a:xfrm>
+      </p:grpSpPr>
+      <p:sp>
+        <p:nvSpPr>
+          <p:cNvPr id="2" name="Title 1">
+            <a:extLst>
+              <a:ext uri="{FF2B5EF4-FFF2-40B4-BE49-F238E27FC236}">
+                <a16:creationId xmlns:a16="http://schemas.microsoft.com/office/drawing/2014/main" id="{FA1BCB59-0789-48A4-8783-E209DA86CB32}"/>
+              </a:ext>
+            </a:extLst>
+          </p:cNvPr>
+          <p:cNvSpPr>
+            <a:spLocks noGrp="1"/>
+          </p:cNvSpPr>
+          <p:nvPr>
+            <p:ph type="title"/>
+          </p:nvPr>
+        </p:nvSpPr>
+        <p:spPr/>
+        <p:txBody>
+          <a:bodyPr/>
+          <a:lstStyle/>
+          <a:p>
+            <a:r>
+              <a:rPr lang="en-US" dirty="0"/>
+              <a:t>Template Method Pattern :: Details</a:t>
+            </a:r>
+          </a:p>
+        </p:txBody>
+      </p:sp>
+      <p:sp>
+        <p:nvSpPr>
+          <p:cNvPr id="3" name="Content Placeholder 2">
+            <a:extLst>
+              <a:ext uri="{FF2B5EF4-FFF2-40B4-BE49-F238E27FC236}">
+                <a16:creationId xmlns:a16="http://schemas.microsoft.com/office/drawing/2014/main" id="{A01FBAB8-C7B4-43CB-89BE-BEACC68BD6FE}"/>
+              </a:ext>
+            </a:extLst>
+          </p:cNvPr>
+          <p:cNvSpPr>
+            <a:spLocks noGrp="1"/>
+          </p:cNvSpPr>
+          <p:nvPr>
+            <p:ph idx="1"/>
+          </p:nvPr>
+        </p:nvSpPr>
+        <p:spPr/>
+        <p:txBody>
+          <a:bodyPr/>
+          <a:lstStyle/>
+          <a:p>
+            <a:r>
+              <a:rPr lang="en-US" b="1" dirty="0"/>
+              <a:t>Definition</a:t>
+            </a:r>
+            <a:r>
+              <a:rPr lang="en-US" dirty="0"/>
+              <a:t>: defines an algorithm (i.e., pipeline of methods and/or events) that can be implemented with concrete classes without changing the structure of the algorithm.</a:t>
+            </a:r>
+          </a:p>
+          <a:p>
+            <a:r>
+              <a:rPr lang="en-US" dirty="0"/>
+              <a:t>Creates a consistent well-defined flow – that also enables default or shared behaviors to be implemented for all implementing classes.</a:t>
+            </a:r>
+          </a:p>
+          <a:p>
+            <a:r>
+              <a:rPr lang="en-US" dirty="0"/>
+              <a:t>Allows for customized implementations of pipeline items within the algorithm.</a:t>
+            </a:r>
+          </a:p>
+          <a:p>
+            <a:r>
+              <a:rPr lang="en-US" dirty="0"/>
+              <a:t>Allows for extensibility end points without disturbing the structure of the algorithm.</a:t>
+            </a:r>
+          </a:p>
+          <a:p>
+            <a:r>
+              <a:rPr lang="en-US" dirty="0"/>
+              <a:t>Simplifies the target concrete implementation by allowing other non-essential details to be handled by the base/abstract classes that define and implement the template algorithm.</a:t>
+            </a:r>
+          </a:p>
+        </p:txBody>
+      </p:sp>
+    </p:spTree>
+    <p:extLst>
+      <p:ext uri="{BB962C8B-B14F-4D97-AF65-F5344CB8AC3E}">
+        <p14:creationId xmlns:p14="http://schemas.microsoft.com/office/powerpoint/2010/main" val="3371732980"/>
+      </p:ext>
+    </p:extLst>
+  </p:cSld>
+  <p:clrMapOvr>
+    <a:masterClrMapping/>
+  </p:clrMapOvr>
+</p:sld>
+</file>
+
+<file path=ppt/slides/slide21.xml><?xml version="1.0" encoding="utf-8"?>
+<p:sld xmlns:a="http://schemas.openxmlformats.org/drawingml/2006/main" xmlns:r="http://schemas.openxmlformats.org/officeDocument/2006/relationships" xmlns:p="http://schemas.openxmlformats.org/presentationml/2006/main">
+  <p:cSld>
+    <p:spTree>
+      <p:nvGrpSpPr>
+        <p:cNvPr id="1" name=""/>
+        <p:cNvGrpSpPr/>
+        <p:nvPr/>
+      </p:nvGrpSpPr>
+      <p:grpSpPr>
+        <a:xfrm>
+          <a:off x="0" y="0"/>
+          <a:ext cx="0" cy="0"/>
+          <a:chOff x="0" y="0"/>
+          <a:chExt cx="0" cy="0"/>
+        </a:xfrm>
+      </p:grpSpPr>
+      <p:sp>
+        <p:nvSpPr>
+          <p:cNvPr id="2" name="Title 1">
+            <a:extLst>
+              <a:ext uri="{FF2B5EF4-FFF2-40B4-BE49-F238E27FC236}">
+                <a16:creationId xmlns:a16="http://schemas.microsoft.com/office/drawing/2014/main" id="{7D8AF8FB-793E-41BD-8CC5-A923B5A8209E}"/>
+              </a:ext>
+            </a:extLst>
+          </p:cNvPr>
+          <p:cNvSpPr>
+            <a:spLocks noGrp="1"/>
+          </p:cNvSpPr>
+          <p:nvPr>
+            <p:ph type="title"/>
+          </p:nvPr>
+        </p:nvSpPr>
+        <p:spPr/>
+        <p:txBody>
+          <a:bodyPr/>
+          <a:lstStyle/>
+          <a:p>
+            <a:r>
+              <a:rPr lang="en-US"/>
+              <a:t>Web References</a:t>
+            </a:r>
+            <a:endParaRPr lang="en-US" dirty="0"/>
+          </a:p>
+        </p:txBody>
+      </p:sp>
+      <p:sp>
+        <p:nvSpPr>
+          <p:cNvPr id="3" name="Content Placeholder 2">
+            <a:extLst>
+              <a:ext uri="{FF2B5EF4-FFF2-40B4-BE49-F238E27FC236}">
+                <a16:creationId xmlns:a16="http://schemas.microsoft.com/office/drawing/2014/main" id="{3975127B-114D-4B36-BA13-4EB6781A2CEB}"/>
+              </a:ext>
+            </a:extLst>
+          </p:cNvPr>
+          <p:cNvSpPr>
+            <a:spLocks noGrp="1"/>
+          </p:cNvSpPr>
+          <p:nvPr>
+            <p:ph idx="1"/>
+          </p:nvPr>
+        </p:nvSpPr>
+        <p:spPr/>
+        <p:txBody>
+          <a:bodyPr>
+            <a:normAutofit/>
+          </a:bodyPr>
+          <a:lstStyle/>
+          <a:p>
+            <a:r>
+              <a:rPr lang="en-US">
+                <a:hlinkClick r:id="rId2"/>
+              </a:rPr>
+              <a:t>GoF Design patterns in .NET/C#</a:t>
+            </a:r>
+            <a:endParaRPr lang="en-US"/>
+          </a:p>
+          <a:p>
+            <a:r>
+              <a:rPr lang="en-US">
+                <a:hlinkClick r:id="rId3"/>
+              </a:rPr>
+              <a:t>Design Patterns General</a:t>
+            </a:r>
+            <a:endParaRPr lang="en-US"/>
+          </a:p>
+          <a:p>
+            <a:pPr lvl="1"/>
+            <a:r>
+              <a:rPr lang="en-US">
+                <a:hlinkClick r:id="rId3"/>
+              </a:rPr>
+              <a:t>Creational</a:t>
+            </a:r>
+            <a:endParaRPr lang="en-US"/>
+          </a:p>
+          <a:p>
+            <a:pPr lvl="1"/>
+            <a:r>
+              <a:rPr lang="en-US">
+                <a:hlinkClick r:id="rId4"/>
+              </a:rPr>
+              <a:t>Structural</a:t>
+            </a:r>
+            <a:endParaRPr lang="en-US"/>
+          </a:p>
+          <a:p>
+            <a:pPr lvl="1"/>
+            <a:r>
+              <a:rPr lang="en-US">
+                <a:hlinkClick r:id="rId5"/>
+              </a:rPr>
+              <a:t>Behavioral</a:t>
+            </a:r>
+            <a:endParaRPr lang="en-US"/>
+          </a:p>
+          <a:p>
+            <a:r>
+              <a:rPr lang="en-US"/>
+              <a:t>Principles:</a:t>
+            </a:r>
+          </a:p>
+          <a:p>
+            <a:pPr lvl="1"/>
+            <a:r>
+              <a:rPr lang="en-US">
+                <a:hlinkClick r:id="rId6"/>
+              </a:rPr>
+              <a:t>Single Responsibility</a:t>
+            </a:r>
+            <a:endParaRPr lang="en-US"/>
+          </a:p>
+          <a:p>
+            <a:pPr lvl="1"/>
+            <a:r>
+              <a:rPr lang="en-US">
+                <a:hlinkClick r:id="rId7"/>
+              </a:rPr>
+              <a:t>Separation of Concerns</a:t>
+            </a:r>
+            <a:endParaRPr lang="en-US"/>
+          </a:p>
+          <a:p>
+            <a:pPr lvl="1"/>
+            <a:r>
+              <a:rPr lang="en-US">
+                <a:hlinkClick r:id="rId8"/>
+              </a:rPr>
+              <a:t>S.O.L.I.D Principles</a:t>
+            </a:r>
+            <a:endParaRPr lang="en-US"/>
+          </a:p>
+          <a:p>
+            <a:endParaRPr lang="en-US" dirty="0"/>
+          </a:p>
+        </p:txBody>
+      </p:sp>
+    </p:spTree>
+    <p:extLst>
+      <p:ext uri="{BB962C8B-B14F-4D97-AF65-F5344CB8AC3E}">
+        <p14:creationId xmlns:p14="http://schemas.microsoft.com/office/powerpoint/2010/main" val="1961233773"/>
+      </p:ext>
+    </p:extLst>
+  </p:cSld>
+  <p:clrMapOvr>
+    <a:masterClrMapping/>
+  </p:clrMapOvr>
+</p:sld>
+</file>
+
+<file path=ppt/slides/slide22.xml><?xml version="1.0" encoding="utf-8"?>
+<p:sld xmlns:a="http://schemas.openxmlformats.org/drawingml/2006/main" xmlns:r="http://schemas.openxmlformats.org/officeDocument/2006/relationships" xmlns:p="http://schemas.openxmlformats.org/presentationml/2006/main">
+  <p:cSld>
+    <p:spTree>
+      <p:nvGrpSpPr>
+        <p:cNvPr id="1" name=""/>
+        <p:cNvGrpSpPr/>
+        <p:nvPr/>
+      </p:nvGrpSpPr>
+      <p:grpSpPr>
+        <a:xfrm>
+          <a:off x="0" y="0"/>
+          <a:ext cx="0" cy="0"/>
+          <a:chOff x="0" y="0"/>
+          <a:chExt cx="0" cy="0"/>
+        </a:xfrm>
+      </p:grpSpPr>
+      <p:sp>
+        <p:nvSpPr>
+          <p:cNvPr id="2" name="Title 1">
+            <a:extLst>
+              <a:ext uri="{FF2B5EF4-FFF2-40B4-BE49-F238E27FC236}">
+                <a16:creationId xmlns:a16="http://schemas.microsoft.com/office/drawing/2014/main" id="{7D8AF8FB-793E-41BD-8CC5-A923B5A8209E}"/>
+              </a:ext>
+            </a:extLst>
+          </p:cNvPr>
+          <p:cNvSpPr>
+            <a:spLocks noGrp="1"/>
+          </p:cNvSpPr>
+          <p:nvPr>
+            <p:ph type="title"/>
+          </p:nvPr>
+        </p:nvSpPr>
+        <p:spPr/>
+        <p:txBody>
+          <a:bodyPr/>
+          <a:lstStyle/>
+          <a:p>
+            <a:r>
+              <a:rPr lang="en-US"/>
+              <a:t>Book References</a:t>
+            </a:r>
+            <a:endParaRPr lang="en-US" dirty="0"/>
+          </a:p>
+        </p:txBody>
+      </p:sp>
+      <p:sp>
+        <p:nvSpPr>
+          <p:cNvPr id="3" name="Content Placeholder 2">
+            <a:extLst>
+              <a:ext uri="{FF2B5EF4-FFF2-40B4-BE49-F238E27FC236}">
+                <a16:creationId xmlns:a16="http://schemas.microsoft.com/office/drawing/2014/main" id="{3975127B-114D-4B36-BA13-4EB6781A2CEB}"/>
+              </a:ext>
+            </a:extLst>
+          </p:cNvPr>
+          <p:cNvSpPr>
+            <a:spLocks noGrp="1"/>
+          </p:cNvSpPr>
+          <p:nvPr>
+            <p:ph idx="1"/>
+          </p:nvPr>
+        </p:nvSpPr>
+        <p:spPr/>
+        <p:txBody>
+          <a:bodyPr>
+            <a:normAutofit fontScale="92500" lnSpcReduction="10000"/>
+          </a:bodyPr>
+          <a:lstStyle/>
+          <a:p>
+            <a:r>
+              <a:rPr lang="en-US">
+                <a:hlinkClick r:id="rId2"/>
+              </a:rPr>
+              <a:t>Design Patterns : Elements of Reusable Object-Oriented Software</a:t>
+            </a:r>
+            <a:endParaRPr lang="en-US"/>
+          </a:p>
+          <a:p>
+            <a:pPr lvl="1"/>
+            <a:r>
+              <a:rPr lang="en-US"/>
+              <a:t>ISBN-13: 978-0201633610, ISBN-10: 0201633612</a:t>
+            </a:r>
+          </a:p>
+          <a:p>
+            <a:r>
+              <a:rPr lang="en-US">
+                <a:hlinkClick r:id="rId3"/>
+              </a:rPr>
+              <a:t>Head First Design Patterns</a:t>
+            </a:r>
+            <a:endParaRPr lang="en-US"/>
+          </a:p>
+          <a:p>
+            <a:pPr lvl="1"/>
+            <a:r>
+              <a:rPr lang="en-US"/>
+              <a:t>ISBN-13: 978-0596007126, ISBN-10: 0596007124</a:t>
+            </a:r>
+          </a:p>
+          <a:p>
+            <a:r>
+              <a:rPr lang="en-US">
+                <a:hlinkClick r:id="rId4"/>
+              </a:rPr>
+              <a:t>Clean Code</a:t>
+            </a:r>
+            <a:endParaRPr lang="en-US"/>
+          </a:p>
+          <a:p>
+            <a:pPr lvl="1"/>
+            <a:r>
+              <a:rPr lang="en-US"/>
+              <a:t>ISBN-13: 978-0132350884, ISBN-10: 0132350882</a:t>
+            </a:r>
+          </a:p>
+          <a:p>
+            <a:r>
+              <a:rPr lang="en-US">
+                <a:hlinkClick r:id="rId5"/>
+              </a:rPr>
+              <a:t>The Pragmatic Programmer</a:t>
+            </a:r>
+            <a:endParaRPr lang="en-US"/>
+          </a:p>
+          <a:p>
+            <a:pPr lvl="1"/>
+            <a:r>
+              <a:rPr lang="en-US"/>
+              <a:t>ISBN-13: 978-0201616224, ISBN-10: 020161622X</a:t>
+            </a:r>
+          </a:p>
+          <a:p>
+            <a:r>
+              <a:rPr lang="en-US">
+                <a:hlinkClick r:id="rId6"/>
+              </a:rPr>
+              <a:t>Patterns of Enterprise Application Architecture</a:t>
+            </a:r>
+            <a:endParaRPr lang="en-US"/>
+          </a:p>
+          <a:p>
+            <a:pPr lvl="1"/>
+            <a:r>
+              <a:rPr lang="en-US"/>
+              <a:t>ISBN-13: 978-0321127426, ISBN-10: 0321127420</a:t>
+            </a:r>
+          </a:p>
+          <a:p>
+            <a:endParaRPr lang="en-US" dirty="0"/>
+          </a:p>
+        </p:txBody>
+      </p:sp>
+    </p:spTree>
+    <p:extLst>
+      <p:ext uri="{BB962C8B-B14F-4D97-AF65-F5344CB8AC3E}">
+        <p14:creationId xmlns:p14="http://schemas.microsoft.com/office/powerpoint/2010/main" val="214986796"/>
+      </p:ext>
+    </p:extLst>
+  </p:cSld>
+  <p:clrMapOvr>
+    <a:masterClrMapping/>
+  </p:clrMapOvr>
+</p:sld>
+</file>
+
+<file path=ppt/slides/slide23.xml><?xml version="1.0" encoding="utf-8"?>
+<p:sld xmlns:a="http://schemas.openxmlformats.org/drawingml/2006/main" xmlns:r="http://schemas.openxmlformats.org/officeDocument/2006/relationships" xmlns:p="http://schemas.openxmlformats.org/presentationml/2006/main">
+  <p:cSld>
+    <p:spTree>
+      <p:nvGrpSpPr>
+        <p:cNvPr id="1" name=""/>
+        <p:cNvGrpSpPr/>
+        <p:nvPr/>
+      </p:nvGrpSpPr>
+      <p:grpSpPr>
+        <a:xfrm>
+          <a:off x="0" y="0"/>
+          <a:ext cx="0" cy="0"/>
+          <a:chOff x="0" y="0"/>
+          <a:chExt cx="0" cy="0"/>
+        </a:xfrm>
+      </p:grpSpPr>
+      <p:sp>
+        <p:nvSpPr>
+          <p:cNvPr id="2" name="Title 1">
+            <a:extLst>
+              <a:ext uri="{FF2B5EF4-FFF2-40B4-BE49-F238E27FC236}">
+                <a16:creationId xmlns:a16="http://schemas.microsoft.com/office/drawing/2014/main" id="{4D26C1FD-D049-416D-9C47-E3F3500B7FBE}"/>
+              </a:ext>
+            </a:extLst>
+          </p:cNvPr>
+          <p:cNvSpPr>
+            <a:spLocks noGrp="1"/>
+          </p:cNvSpPr>
+          <p:nvPr>
+            <p:ph type="title"/>
+          </p:nvPr>
+        </p:nvSpPr>
+        <p:spPr/>
+        <p:txBody>
+          <a:bodyPr/>
+          <a:lstStyle/>
+          <a:p>
+            <a:r>
+              <a:rPr lang="en-US"/>
+              <a:t>Miscellaneous</a:t>
+            </a:r>
+            <a:endParaRPr lang="en-US" dirty="0"/>
+          </a:p>
+        </p:txBody>
+      </p:sp>
+      <p:sp>
+        <p:nvSpPr>
+          <p:cNvPr id="3" name="Content Placeholder 2">
+            <a:extLst>
+              <a:ext uri="{FF2B5EF4-FFF2-40B4-BE49-F238E27FC236}">
+                <a16:creationId xmlns:a16="http://schemas.microsoft.com/office/drawing/2014/main" id="{E6782E6C-3EEC-49F3-B248-5C89306E3EEB}"/>
+              </a:ext>
+            </a:extLst>
+          </p:cNvPr>
+          <p:cNvSpPr>
+            <a:spLocks noGrp="1"/>
+          </p:cNvSpPr>
+          <p:nvPr>
+            <p:ph idx="1"/>
+          </p:nvPr>
+        </p:nvSpPr>
+        <p:spPr/>
+        <p:txBody>
+          <a:bodyPr/>
+          <a:lstStyle/>
+          <a:p>
+            <a:r>
+              <a:rPr lang="en-US"/>
+              <a:t>“Good programmers write good code. Great programmers steal.” - Unknown</a:t>
+            </a:r>
+          </a:p>
+          <a:p>
+            <a:pPr lvl="1"/>
+            <a:r>
+              <a:rPr lang="en-US"/>
+              <a:t>Learn, Use, Copy, Borrow, and/or Steal.</a:t>
+            </a:r>
+          </a:p>
+          <a:p>
+            <a:endParaRPr lang="en-US" dirty="0"/>
+          </a:p>
+        </p:txBody>
+      </p:sp>
+    </p:spTree>
+    <p:extLst>
+      <p:ext uri="{BB962C8B-B14F-4D97-AF65-F5344CB8AC3E}">
+        <p14:creationId xmlns:p14="http://schemas.microsoft.com/office/powerpoint/2010/main" val="1613193946"/>
       </p:ext>
     </p:extLst>
   </p:cSld>
@@ -29929,4 +31594,47 @@
     </a:ext>
   </a:extLst>
 </a:theme>
+</file>
+
+<file path=ppt/theme/themeOverride1.xml><?xml version="1.0" encoding="utf-8"?>
+<a:themeOverride xmlns:a="http://schemas.openxmlformats.org/drawingml/2006/main">
+  <a:clrScheme name="Quotable">
+    <a:dk1>
+      <a:sysClr val="windowText" lastClr="000000"/>
+    </a:dk1>
+    <a:lt1>
+      <a:sysClr val="window" lastClr="FFFFFF"/>
+    </a:lt1>
+    <a:dk2>
+      <a:srgbClr val="212121"/>
+    </a:dk2>
+    <a:lt2>
+      <a:srgbClr val="636363"/>
+    </a:lt2>
+    <a:accent1>
+      <a:srgbClr val="00C6BB"/>
+    </a:accent1>
+    <a:accent2>
+      <a:srgbClr val="6FEBA0"/>
+    </a:accent2>
+    <a:accent3>
+      <a:srgbClr val="B6DF5E"/>
+    </a:accent3>
+    <a:accent4>
+      <a:srgbClr val="EFB251"/>
+    </a:accent4>
+    <a:accent5>
+      <a:srgbClr val="EF755F"/>
+    </a:accent5>
+    <a:accent6>
+      <a:srgbClr val="ED515C"/>
+    </a:accent6>
+    <a:hlink>
+      <a:srgbClr val="8F8F8F"/>
+    </a:hlink>
+    <a:folHlink>
+      <a:srgbClr val="A5A5A5"/>
+    </a:folHlink>
+  </a:clrScheme>
+</a:themeOverride>
 </file>
--- a/Presentation/Better Business Logic with Typescript.pptx
+++ b/Presentation/Better Business Logic with Typescript.pptx
@@ -12,26 +12,28 @@
     <p:sldId id="256" r:id="rId6"/>
     <p:sldId id="267" r:id="rId7"/>
     <p:sldId id="259" r:id="rId8"/>
-    <p:sldId id="257" r:id="rId9"/>
-    <p:sldId id="258" r:id="rId10"/>
-    <p:sldId id="260" r:id="rId11"/>
-    <p:sldId id="261" r:id="rId12"/>
-    <p:sldId id="262" r:id="rId13"/>
-    <p:sldId id="263" r:id="rId14"/>
-    <p:sldId id="270" r:id="rId15"/>
-    <p:sldId id="269" r:id="rId16"/>
-    <p:sldId id="271" r:id="rId17"/>
-    <p:sldId id="272" r:id="rId18"/>
-    <p:sldId id="273" r:id="rId19"/>
-    <p:sldId id="268" r:id="rId20"/>
-    <p:sldId id="274" r:id="rId21"/>
-    <p:sldId id="275" r:id="rId22"/>
-    <p:sldId id="276" r:id="rId23"/>
-    <p:sldId id="277" r:id="rId24"/>
-    <p:sldId id="278" r:id="rId25"/>
-    <p:sldId id="264" r:id="rId26"/>
-    <p:sldId id="266" r:id="rId27"/>
-    <p:sldId id="265" r:id="rId28"/>
+    <p:sldId id="279" r:id="rId9"/>
+    <p:sldId id="257" r:id="rId10"/>
+    <p:sldId id="258" r:id="rId11"/>
+    <p:sldId id="260" r:id="rId12"/>
+    <p:sldId id="261" r:id="rId13"/>
+    <p:sldId id="262" r:id="rId14"/>
+    <p:sldId id="263" r:id="rId15"/>
+    <p:sldId id="270" r:id="rId16"/>
+    <p:sldId id="269" r:id="rId17"/>
+    <p:sldId id="271" r:id="rId18"/>
+    <p:sldId id="272" r:id="rId19"/>
+    <p:sldId id="273" r:id="rId20"/>
+    <p:sldId id="268" r:id="rId21"/>
+    <p:sldId id="274" r:id="rId22"/>
+    <p:sldId id="275" r:id="rId23"/>
+    <p:sldId id="276" r:id="rId24"/>
+    <p:sldId id="277" r:id="rId25"/>
+    <p:sldId id="278" r:id="rId26"/>
+    <p:sldId id="280" r:id="rId27"/>
+    <p:sldId id="264" r:id="rId28"/>
+    <p:sldId id="266" r:id="rId29"/>
+    <p:sldId id="265" r:id="rId30"/>
   </p:sldIdLst>
   <p:sldSz cx="12192000" cy="6858000"/>
   <p:notesSz cx="6858000" cy="9144000"/>
@@ -138,6 +140,7 @@
             <p14:sldId id="256"/>
             <p14:sldId id="267"/>
             <p14:sldId id="259"/>
+            <p14:sldId id="279"/>
             <p14:sldId id="257"/>
             <p14:sldId id="258"/>
             <p14:sldId id="260"/>
@@ -155,6 +158,7 @@
             <p14:sldId id="276"/>
             <p14:sldId id="277"/>
             <p14:sldId id="278"/>
+            <p14:sldId id="280"/>
             <p14:sldId id="264"/>
             <p14:sldId id="266"/>
             <p14:sldId id="265"/>
@@ -26925,6 +26929,255 @@
           <p:cNvPr id="2" name="Title 1">
             <a:extLst>
               <a:ext uri="{FF2B5EF4-FFF2-40B4-BE49-F238E27FC236}">
+                <a16:creationId xmlns:a16="http://schemas.microsoft.com/office/drawing/2014/main" id="{31F3EA20-0BAA-4C55-BBEE-62405A146481}"/>
+              </a:ext>
+            </a:extLst>
+          </p:cNvPr>
+          <p:cNvSpPr>
+            <a:spLocks noGrp="1"/>
+          </p:cNvSpPr>
+          <p:nvPr>
+            <p:ph type="title"/>
+          </p:nvPr>
+        </p:nvSpPr>
+        <p:spPr/>
+        <p:txBody>
+          <a:bodyPr/>
+          <a:lstStyle/>
+          <a:p>
+            <a:r>
+              <a:rPr lang="en-US" dirty="0"/>
+              <a:t>Angular Patterns :: Component</a:t>
+            </a:r>
+          </a:p>
+        </p:txBody>
+      </p:sp>
+      <p:sp>
+        <p:nvSpPr>
+          <p:cNvPr id="3" name="Content Placeholder 2">
+            <a:extLst>
+              <a:ext uri="{FF2B5EF4-FFF2-40B4-BE49-F238E27FC236}">
+                <a16:creationId xmlns:a16="http://schemas.microsoft.com/office/drawing/2014/main" id="{F833562B-94B5-4873-9EE8-519AA961DEF9}"/>
+              </a:ext>
+            </a:extLst>
+          </p:cNvPr>
+          <p:cNvSpPr>
+            <a:spLocks noGrp="1"/>
+          </p:cNvSpPr>
+          <p:nvPr>
+            <p:ph idx="1"/>
+          </p:nvPr>
+        </p:nvSpPr>
+        <p:spPr/>
+        <p:txBody>
+          <a:bodyPr>
+            <a:normAutofit fontScale="77500" lnSpcReduction="20000"/>
+          </a:bodyPr>
+          <a:lstStyle/>
+          <a:p>
+            <a:r>
+              <a:rPr lang="en-US" dirty="0"/>
+              <a:t>Template Method</a:t>
+            </a:r>
+          </a:p>
+          <a:p>
+            <a:pPr lvl="1"/>
+            <a:r>
+              <a:rPr lang="en-US" dirty="0">
+                <a:hlinkClick r:id="rId2"/>
+              </a:rPr>
+              <a:t>Lifecycle Hooks</a:t>
+            </a:r>
+            <a:r>
+              <a:rPr lang="en-US" dirty="0"/>
+              <a:t>: </a:t>
+            </a:r>
+            <a:r>
+              <a:rPr lang="en-US" dirty="0">
+                <a:hlinkClick r:id="rId3"/>
+              </a:rPr>
+              <a:t>ngOnChanges</a:t>
+            </a:r>
+            <a:r>
+              <a:rPr lang="en-US" dirty="0"/>
+              <a:t>, </a:t>
+            </a:r>
+            <a:r>
+              <a:rPr lang="en-US" dirty="0">
+                <a:hlinkClick r:id="rId4"/>
+              </a:rPr>
+              <a:t>ngOnInit</a:t>
+            </a:r>
+            <a:r>
+              <a:rPr lang="en-US" dirty="0"/>
+              <a:t>, </a:t>
+            </a:r>
+            <a:r>
+              <a:rPr lang="en-US" dirty="0">
+                <a:hlinkClick r:id="rId5"/>
+              </a:rPr>
+              <a:t>ngDoCheck</a:t>
+            </a:r>
+            <a:r>
+              <a:rPr lang="en-US" dirty="0"/>
+              <a:t>, and </a:t>
+            </a:r>
+            <a:r>
+              <a:rPr lang="en-US" dirty="0">
+                <a:hlinkClick r:id="rId6"/>
+              </a:rPr>
+              <a:t>ngOnDestroy</a:t>
+            </a:r>
+            <a:endParaRPr lang="en-US" dirty="0"/>
+          </a:p>
+          <a:p>
+            <a:r>
+              <a:rPr lang="en-US" dirty="0"/>
+              <a:t>Composite</a:t>
+            </a:r>
+          </a:p>
+          <a:p>
+            <a:pPr lvl="1"/>
+            <a:r>
+              <a:rPr lang="en-US" dirty="0"/>
+              <a:t>A component can reference a component that has a component that has a </a:t>
+            </a:r>
+            <a:r>
+              <a:rPr lang="en-US" dirty="0">
+                <a:hlinkClick r:id="rId6"/>
+              </a:rPr>
+              <a:t>component</a:t>
+            </a:r>
+            <a:r>
+              <a:rPr lang="en-US" dirty="0"/>
+              <a:t>.</a:t>
+            </a:r>
+          </a:p>
+          <a:p>
+            <a:r>
+              <a:rPr lang="en-US" dirty="0"/>
+              <a:t>Mediator</a:t>
+            </a:r>
+          </a:p>
+          <a:p>
+            <a:pPr lvl="1"/>
+            <a:r>
+              <a:rPr lang="en-US" dirty="0"/>
+              <a:t>A parent-component or injected service can mediate </a:t>
+            </a:r>
+            <a:r>
+              <a:rPr lang="en-US" dirty="0">
+                <a:hlinkClick r:id="rId7"/>
+              </a:rPr>
+              <a:t>communication</a:t>
+            </a:r>
+            <a:r>
+              <a:rPr lang="en-US" dirty="0"/>
+              <a:t> between loosely-coupled components/child-components.</a:t>
+            </a:r>
+          </a:p>
+          <a:p>
+            <a:r>
+              <a:rPr lang="en-US" dirty="0"/>
+              <a:t>Observer</a:t>
+            </a:r>
+          </a:p>
+          <a:p>
+            <a:pPr lvl="1"/>
+            <a:r>
+              <a:rPr lang="en-US" dirty="0"/>
+              <a:t>A component can subscribe to and react to an Observable response.</a:t>
+            </a:r>
+          </a:p>
+          <a:p>
+            <a:r>
+              <a:rPr lang="en-US" dirty="0"/>
+              <a:t>Facades</a:t>
+            </a:r>
+          </a:p>
+          <a:p>
+            <a:pPr lvl="1"/>
+            <a:r>
+              <a:rPr lang="en-US" dirty="0">
+                <a:hlinkClick r:id="rId8"/>
+              </a:rPr>
+              <a:t>Services</a:t>
+            </a:r>
+            <a:r>
+              <a:rPr lang="en-US" dirty="0"/>
+              <a:t> provide end-points to perform some action. How the action is performed is not known by the calling component.</a:t>
+            </a:r>
+          </a:p>
+          <a:p>
+            <a:r>
+              <a:rPr lang="en-US" dirty="0"/>
+              <a:t>Dependency Injection (Inversion of Control – IoC)</a:t>
+            </a:r>
+          </a:p>
+          <a:p>
+            <a:pPr lvl="1"/>
+            <a:r>
+              <a:rPr lang="en-US" dirty="0"/>
+              <a:t>Services are instantiated and </a:t>
+            </a:r>
+            <a:r>
+              <a:rPr lang="en-US" dirty="0">
+                <a:hlinkClick r:id="rId9"/>
+              </a:rPr>
+              <a:t>injected</a:t>
+            </a:r>
+            <a:r>
+              <a:rPr lang="en-US" dirty="0"/>
+              <a:t> into </a:t>
+            </a:r>
+            <a:r>
+              <a:rPr lang="en-US" dirty="0">
+                <a:hlinkClick r:id="rId10"/>
+              </a:rPr>
+              <a:t>components</a:t>
+            </a:r>
+            <a:r>
+              <a:rPr lang="en-US" dirty="0"/>
+              <a:t>.</a:t>
+            </a:r>
+          </a:p>
+        </p:txBody>
+      </p:sp>
+    </p:spTree>
+    <p:extLst>
+      <p:ext uri="{BB962C8B-B14F-4D97-AF65-F5344CB8AC3E}">
+        <p14:creationId xmlns:p14="http://schemas.microsoft.com/office/powerpoint/2010/main" val="505401962"/>
+      </p:ext>
+    </p:extLst>
+  </p:cSld>
+  <p:clrMapOvr>
+    <a:masterClrMapping/>
+  </p:clrMapOvr>
+</p:sld>
+</file>
+
+<file path=ppt/slides/slide11.xml><?xml version="1.0" encoding="utf-8"?>
+<p:sld xmlns:a="http://schemas.openxmlformats.org/drawingml/2006/main" xmlns:r="http://schemas.openxmlformats.org/officeDocument/2006/relationships" xmlns:p="http://schemas.openxmlformats.org/presentationml/2006/main">
+  <p:cSld>
+    <p:spTree>
+      <p:nvGrpSpPr>
+        <p:cNvPr id="1" name=""/>
+        <p:cNvGrpSpPr/>
+        <p:nvPr/>
+      </p:nvGrpSpPr>
+      <p:grpSpPr>
+        <a:xfrm>
+          <a:off x="0" y="0"/>
+          <a:ext cx="0" cy="0"/>
+          <a:chOff x="0" y="0"/>
+          <a:chExt cx="0" cy="0"/>
+        </a:xfrm>
+      </p:grpSpPr>
+      <p:sp>
+        <p:nvSpPr>
+          <p:cNvPr id="2" name="Title 1">
+            <a:extLst>
+              <a:ext uri="{FF2B5EF4-FFF2-40B4-BE49-F238E27FC236}">
                 <a16:creationId xmlns:a16="http://schemas.microsoft.com/office/drawing/2014/main" id="{A1758B1B-621D-40A5-9B33-D3B725F77E89}"/>
               </a:ext>
             </a:extLst>
@@ -27060,14 +27313,14 @@
           <a:p>
             <a:r>
               <a:rPr lang="en-US" dirty="0"/>
-              <a:t>Use the “force” – Use the “ng”.</a:t>
+              <a:t>Use the “force” – Use the “angular”.</a:t>
             </a:r>
           </a:p>
           <a:p>
             <a:pPr lvl="1"/>
             <a:r>
               <a:rPr lang="en-US" dirty="0"/>
-              <a:t>If there is a way to do it in Angular, learn use that mechanism.</a:t>
+              <a:t>If there is a way to do it in Angular, learn and use that mechanism.</a:t>
             </a:r>
           </a:p>
         </p:txBody>
@@ -27085,7 +27338,7 @@
 </p:sld>
 </file>
 
-<file path=ppt/slides/slide11.xml><?xml version="1.0" encoding="utf-8"?>
+<file path=ppt/slides/slide12.xml><?xml version="1.0" encoding="utf-8"?>
 <p:sld xmlns:a="http://schemas.openxmlformats.org/drawingml/2006/main" xmlns:r="http://schemas.openxmlformats.org/officeDocument/2006/relationships" xmlns:p="http://schemas.openxmlformats.org/presentationml/2006/main">
   <p:cSld>
     <p:spTree>
@@ -27201,7 +27454,7 @@
 </p:sld>
 </file>
 
-<file path=ppt/slides/slide12.xml><?xml version="1.0" encoding="utf-8"?>
+<file path=ppt/slides/slide13.xml><?xml version="1.0" encoding="utf-8"?>
 <p:sld xmlns:a="http://schemas.openxmlformats.org/drawingml/2006/main" xmlns:r="http://schemas.openxmlformats.org/officeDocument/2006/relationships" xmlns:p="http://schemas.openxmlformats.org/presentationml/2006/main">
   <p:cSld>
     <p:spTree>
@@ -27596,7 +27849,7 @@
 </p:sld>
 </file>
 
-<file path=ppt/slides/slide13.xml><?xml version="1.0" encoding="utf-8"?>
+<file path=ppt/slides/slide14.xml><?xml version="1.0" encoding="utf-8"?>
 <p:sld xmlns:a="http://schemas.openxmlformats.org/drawingml/2006/main" xmlns:r="http://schemas.openxmlformats.org/officeDocument/2006/relationships" xmlns:p="http://schemas.openxmlformats.org/presentationml/2006/main">
   <p:cSld>
     <p:bg>
@@ -27689,7 +27942,7 @@
 </p:sld>
 </file>
 
-<file path=ppt/slides/slide14.xml><?xml version="1.0" encoding="utf-8"?>
+<file path=ppt/slides/slide15.xml><?xml version="1.0" encoding="utf-8"?>
 <p:sld xmlns:a="http://schemas.openxmlformats.org/drawingml/2006/main" xmlns:r="http://schemas.openxmlformats.org/officeDocument/2006/relationships" xmlns:p="http://schemas.openxmlformats.org/presentationml/2006/main">
   <p:cSld>
     <p:spTree>
@@ -27802,115 +28055,6 @@
 </p:sld>
 </file>
 
-<file path=ppt/slides/slide15.xml><?xml version="1.0" encoding="utf-8"?>
-<p:sld xmlns:a="http://schemas.openxmlformats.org/drawingml/2006/main" xmlns:r="http://schemas.openxmlformats.org/officeDocument/2006/relationships" xmlns:p="http://schemas.openxmlformats.org/presentationml/2006/main">
-  <p:cSld>
-    <p:spTree>
-      <p:nvGrpSpPr>
-        <p:cNvPr id="1" name=""/>
-        <p:cNvGrpSpPr/>
-        <p:nvPr/>
-      </p:nvGrpSpPr>
-      <p:grpSpPr>
-        <a:xfrm>
-          <a:off x="0" y="0"/>
-          <a:ext cx="0" cy="0"/>
-          <a:chOff x="0" y="0"/>
-          <a:chExt cx="0" cy="0"/>
-        </a:xfrm>
-      </p:grpSpPr>
-      <p:sp>
-        <p:nvSpPr>
-          <p:cNvPr id="2" name="Title 1">
-            <a:extLst>
-              <a:ext uri="{FF2B5EF4-FFF2-40B4-BE49-F238E27FC236}">
-                <a16:creationId xmlns:a16="http://schemas.microsoft.com/office/drawing/2014/main" id="{D5B3B675-DFDC-4B31-AD37-48232641A740}"/>
-              </a:ext>
-            </a:extLst>
-          </p:cNvPr>
-          <p:cNvSpPr>
-            <a:spLocks noGrp="1"/>
-          </p:cNvSpPr>
-          <p:nvPr>
-            <p:ph type="title"/>
-          </p:nvPr>
-        </p:nvSpPr>
-        <p:spPr/>
-        <p:txBody>
-          <a:bodyPr/>
-          <a:lstStyle/>
-          <a:p>
-            <a:r>
-              <a:rPr lang="en-US" dirty="0"/>
-              <a:t>Service End Points :: Façade Pattern</a:t>
-            </a:r>
-          </a:p>
-        </p:txBody>
-      </p:sp>
-      <p:sp>
-        <p:nvSpPr>
-          <p:cNvPr id="3" name="Content Placeholder 2">
-            <a:extLst>
-              <a:ext uri="{FF2B5EF4-FFF2-40B4-BE49-F238E27FC236}">
-                <a16:creationId xmlns:a16="http://schemas.microsoft.com/office/drawing/2014/main" id="{BA948533-938B-4FD7-9D96-6458BADD4F6C}"/>
-              </a:ext>
-            </a:extLst>
-          </p:cNvPr>
-          <p:cNvSpPr>
-            <a:spLocks noGrp="1"/>
-          </p:cNvSpPr>
-          <p:nvPr>
-            <p:ph idx="1"/>
-          </p:nvPr>
-        </p:nvSpPr>
-        <p:spPr/>
-        <p:txBody>
-          <a:bodyPr/>
-          <a:lstStyle/>
-          <a:p>
-            <a:r>
-              <a:rPr lang="en-US" dirty="0"/>
-              <a:t>Definition: A single class that represents an entire subsystem.</a:t>
-            </a:r>
-          </a:p>
-          <a:p>
-            <a:r>
-              <a:rPr lang="en-US" dirty="0"/>
-              <a:t>Useful in API design</a:t>
-            </a:r>
-          </a:p>
-          <a:p>
-            <a:r>
-              <a:rPr lang="en-US" dirty="0"/>
-              <a:t>Useful in Service Oriented Architectures (SOA)</a:t>
-            </a:r>
-          </a:p>
-          <a:p>
-            <a:r>
-              <a:rPr lang="en-US" dirty="0"/>
-              <a:t>Typically implements an </a:t>
-            </a:r>
-            <a:r>
-              <a:rPr lang="en-US" i="1" dirty="0"/>
-              <a:t>Interface</a:t>
-            </a:r>
-            <a:endParaRPr lang="en-US" dirty="0"/>
-          </a:p>
-        </p:txBody>
-      </p:sp>
-    </p:spTree>
-    <p:extLst>
-      <p:ext uri="{BB962C8B-B14F-4D97-AF65-F5344CB8AC3E}">
-        <p14:creationId xmlns:p14="http://schemas.microsoft.com/office/powerpoint/2010/main" val="1957383248"/>
-      </p:ext>
-    </p:extLst>
-  </p:cSld>
-  <p:clrMapOvr>
-    <a:masterClrMapping/>
-  </p:clrMapOvr>
-</p:sld>
-</file>
-
 <file path=ppt/slides/slide16.xml><?xml version="1.0" encoding="utf-8"?>
 <p:sld xmlns:a="http://schemas.openxmlformats.org/drawingml/2006/main" xmlns:r="http://schemas.openxmlformats.org/officeDocument/2006/relationships" xmlns:p="http://schemas.openxmlformats.org/presentationml/2006/main">
   <p:cSld>
@@ -27933,7 +28077,7 @@
           <p:cNvPr id="2" name="Title 1">
             <a:extLst>
               <a:ext uri="{FF2B5EF4-FFF2-40B4-BE49-F238E27FC236}">
-                <a16:creationId xmlns:a16="http://schemas.microsoft.com/office/drawing/2014/main" id="{50404187-2787-44DD-962D-631946531F8B}"/>
+                <a16:creationId xmlns:a16="http://schemas.microsoft.com/office/drawing/2014/main" id="{D5B3B675-DFDC-4B31-AD37-48232641A740}"/>
               </a:ext>
             </a:extLst>
           </p:cNvPr>
@@ -27951,7 +28095,7 @@
           <a:p>
             <a:r>
               <a:rPr lang="en-US" dirty="0"/>
-              <a:t>Business Logic Concerns</a:t>
+              <a:t>Service End Points :: Façade Pattern</a:t>
             </a:r>
           </a:p>
         </p:txBody>
@@ -27961,7 +28105,7 @@
           <p:cNvPr id="3" name="Content Placeholder 2">
             <a:extLst>
               <a:ext uri="{FF2B5EF4-FFF2-40B4-BE49-F238E27FC236}">
-                <a16:creationId xmlns:a16="http://schemas.microsoft.com/office/drawing/2014/main" id="{44BE3E2E-76CE-4CE6-8F68-636DFEB688C9}"/>
+                <a16:creationId xmlns:a16="http://schemas.microsoft.com/office/drawing/2014/main" id="{BA948533-938B-4FD7-9D96-6458BADD4F6C}"/>
               </a:ext>
             </a:extLst>
           </p:cNvPr>
@@ -27979,39 +28123,38 @@
           <a:p>
             <a:r>
               <a:rPr lang="en-US" dirty="0"/>
-              <a:t>Authorization</a:t>
+              <a:t>Definition: A single class that represents an entire subsystem.</a:t>
             </a:r>
           </a:p>
           <a:p>
             <a:r>
               <a:rPr lang="en-US" dirty="0"/>
-              <a:t>Business Logic</a:t>
+              <a:t>Useful in API design</a:t>
             </a:r>
           </a:p>
           <a:p>
             <a:r>
               <a:rPr lang="en-US" dirty="0"/>
-              <a:t>Data Input Validation</a:t>
+              <a:t>Useful in Service Oriented Architectures (SOA)</a:t>
             </a:r>
           </a:p>
           <a:p>
             <a:r>
               <a:rPr lang="en-US" dirty="0"/>
-              <a:t>Business Rule Implementation</a:t>
-            </a:r>
-          </a:p>
-          <a:p>
-            <a:r>
-              <a:rPr lang="en-US" dirty="0"/>
-              <a:t>Using Repositories to retrieve and persist data</a:t>
-            </a:r>
+              <a:t>Typically implements an </a:t>
+            </a:r>
+            <a:r>
+              <a:rPr lang="en-US" i="1" dirty="0"/>
+              <a:t>Interface</a:t>
+            </a:r>
+            <a:endParaRPr lang="en-US" dirty="0"/>
           </a:p>
         </p:txBody>
       </p:sp>
     </p:spTree>
     <p:extLst>
       <p:ext uri="{BB962C8B-B14F-4D97-AF65-F5344CB8AC3E}">
-        <p14:creationId xmlns:p14="http://schemas.microsoft.com/office/powerpoint/2010/main" val="3640983610"/>
+        <p14:creationId xmlns:p14="http://schemas.microsoft.com/office/powerpoint/2010/main" val="1957383248"/>
       </p:ext>
     </p:extLst>
   </p:cSld>
@@ -28043,7 +28186,7 @@
           <p:cNvPr id="2" name="Title 1">
             <a:extLst>
               <a:ext uri="{FF2B5EF4-FFF2-40B4-BE49-F238E27FC236}">
-                <a16:creationId xmlns:a16="http://schemas.microsoft.com/office/drawing/2014/main" id="{CE638E4E-54DB-4630-A30A-81AF4520E5D3}"/>
+                <a16:creationId xmlns:a16="http://schemas.microsoft.com/office/drawing/2014/main" id="{50404187-2787-44DD-962D-631946531F8B}"/>
               </a:ext>
             </a:extLst>
           </p:cNvPr>
@@ -28061,7 +28204,7 @@
           <a:p>
             <a:r>
               <a:rPr lang="en-US" dirty="0"/>
-              <a:t>How can we implement business logic?</a:t>
+              <a:t>Business Logic Concerns</a:t>
             </a:r>
           </a:p>
         </p:txBody>
@@ -28071,7 +28214,7 @@
           <p:cNvPr id="3" name="Content Placeholder 2">
             <a:extLst>
               <a:ext uri="{FF2B5EF4-FFF2-40B4-BE49-F238E27FC236}">
-                <a16:creationId xmlns:a16="http://schemas.microsoft.com/office/drawing/2014/main" id="{66928051-1A7D-475C-9E98-25EE74D6BA30}"/>
+                <a16:creationId xmlns:a16="http://schemas.microsoft.com/office/drawing/2014/main" id="{44BE3E2E-76CE-4CE6-8F68-636DFEB688C9}"/>
               </a:ext>
             </a:extLst>
           </p:cNvPr>
@@ -28089,48 +28232,31 @@
           <a:p>
             <a:r>
               <a:rPr lang="en-US" dirty="0"/>
-              <a:t>Goals:</a:t>
-            </a:r>
-          </a:p>
-          <a:p>
-            <a:pPr lvl="1"/>
+              <a:t>Authorization</a:t>
+            </a:r>
+          </a:p>
+          <a:p>
             <a:r>
               <a:rPr lang="en-US" dirty="0"/>
-              <a:t>Consistent</a:t>
-            </a:r>
-          </a:p>
-          <a:p>
-            <a:pPr lvl="1"/>
+              <a:t>Business Logic</a:t>
+            </a:r>
+          </a:p>
+          <a:p>
             <a:r>
               <a:rPr lang="en-US" dirty="0"/>
-              <a:t>Maintainable</a:t>
-            </a:r>
-          </a:p>
-          <a:p>
-            <a:pPr lvl="1"/>
+              <a:t>Data Input Validation</a:t>
+            </a:r>
+          </a:p>
+          <a:p>
             <a:r>
               <a:rPr lang="en-US" dirty="0"/>
-              <a:t>Testable</a:t>
-            </a:r>
-          </a:p>
-          <a:p>
-            <a:pPr lvl="1"/>
+              <a:t>Business Rule Implementation</a:t>
+            </a:r>
+          </a:p>
+          <a:p>
             <a:r>
               <a:rPr lang="en-US" dirty="0"/>
-              <a:t>Extensible</a:t>
-            </a:r>
-          </a:p>
-          <a:p>
-            <a:pPr lvl="1"/>
-            <a:r>
-              <a:rPr lang="en-US" dirty="0"/>
-              <a:t>High Quality</a:t>
-            </a:r>
-          </a:p>
-          <a:p>
-            <a:r>
-              <a:rPr lang="en-US" dirty="0"/>
-              <a:t>How can we achieve this? </a:t>
+              <a:t>Using Repositories to retrieve and persist data</a:t>
             </a:r>
           </a:p>
         </p:txBody>
@@ -28138,7 +28264,7 @@
     </p:spTree>
     <p:extLst>
       <p:ext uri="{BB962C8B-B14F-4D97-AF65-F5344CB8AC3E}">
-        <p14:creationId xmlns:p14="http://schemas.microsoft.com/office/powerpoint/2010/main" val="90553821"/>
+        <p14:creationId xmlns:p14="http://schemas.microsoft.com/office/powerpoint/2010/main" val="3640983610"/>
       </p:ext>
     </p:extLst>
   </p:cSld>
@@ -28170,7 +28296,7 @@
           <p:cNvPr id="2" name="Title 1">
             <a:extLst>
               <a:ext uri="{FF2B5EF4-FFF2-40B4-BE49-F238E27FC236}">
-                <a16:creationId xmlns:a16="http://schemas.microsoft.com/office/drawing/2014/main" id="{3D57BA2C-1B3C-4C28-BBF4-26D91C9A8F3C}"/>
+                <a16:creationId xmlns:a16="http://schemas.microsoft.com/office/drawing/2014/main" id="{CE638E4E-54DB-4630-A30A-81AF4520E5D3}"/>
               </a:ext>
             </a:extLst>
           </p:cNvPr>
@@ -28188,7 +28314,7 @@
           <a:p>
             <a:r>
               <a:rPr lang="en-US" dirty="0"/>
-              <a:t>Elevate Your Business Logic</a:t>
+              <a:t>How can we implement business logic?</a:t>
             </a:r>
           </a:p>
         </p:txBody>
@@ -28198,7 +28324,7 @@
           <p:cNvPr id="3" name="Content Placeholder 2">
             <a:extLst>
               <a:ext uri="{FF2B5EF4-FFF2-40B4-BE49-F238E27FC236}">
-                <a16:creationId xmlns:a16="http://schemas.microsoft.com/office/drawing/2014/main" id="{D9F7E00B-AD2A-4935-9D93-5AEB32283487}"/>
+                <a16:creationId xmlns:a16="http://schemas.microsoft.com/office/drawing/2014/main" id="{66928051-1A7D-475C-9E98-25EE74D6BA30}"/>
               </a:ext>
             </a:extLst>
           </p:cNvPr>
@@ -28211,143 +28337,61 @@
         </p:nvSpPr>
         <p:spPr/>
         <p:txBody>
-          <a:bodyPr>
-            <a:normAutofit lnSpcReduction="10000"/>
-          </a:bodyPr>
+          <a:bodyPr/>
           <a:lstStyle/>
           <a:p>
             <a:r>
               <a:rPr lang="en-US" dirty="0"/>
-              <a:t>Stop the Method Madness</a:t>
+              <a:t>Goals:</a:t>
             </a:r>
           </a:p>
           <a:p>
             <a:pPr lvl="1"/>
             <a:r>
               <a:rPr lang="en-US" dirty="0"/>
-              <a:t>Use classes to implement your business logic.</a:t>
+              <a:t>Consistent</a:t>
             </a:r>
           </a:p>
           <a:p>
             <a:pPr lvl="1"/>
             <a:r>
               <a:rPr lang="en-US" dirty="0"/>
-              <a:t>A single class with a single responsibility, a single unit of work.</a:t>
+              <a:t>Maintainable</a:t>
             </a:r>
           </a:p>
           <a:p>
             <a:pPr lvl="1"/>
             <a:r>
               <a:rPr lang="en-US" dirty="0"/>
-              <a:t>This is not the typical Manager class with a bunch of methods chained together.</a:t>
-            </a:r>
-          </a:p>
-          <a:p>
+              <a:t>Testable</a:t>
+            </a:r>
+          </a:p>
+          <a:p>
+            <a:pPr lvl="1"/>
             <a:r>
               <a:rPr lang="en-US" dirty="0"/>
-              <a:t>Class Advantage</a:t>
+              <a:t>Extensible</a:t>
             </a:r>
           </a:p>
           <a:p>
             <a:pPr lvl="1"/>
             <a:r>
               <a:rPr lang="en-US" dirty="0"/>
-              <a:t>Can use one or more </a:t>
-            </a:r>
-            <a:r>
-              <a:rPr lang="en-US" dirty="0">
-                <a:latin typeface="Source Code Pro Light" panose="020B0409030403020204" pitchFamily="49" charset="0"/>
-                <a:ea typeface="Source Code Pro Light" panose="020B0409030403020204" pitchFamily="49" charset="0"/>
-              </a:rPr>
-              <a:t>Constructors</a:t>
-            </a:r>
+              <a:t>High Quality</a:t>
+            </a:r>
+          </a:p>
+          <a:p>
             <a:r>
               <a:rPr lang="en-US" dirty="0"/>
-              <a:t>.</a:t>
-            </a:r>
-          </a:p>
-          <a:p>
-            <a:pPr lvl="1"/>
-            <a:r>
-              <a:rPr lang="en-US" dirty="0"/>
-              <a:t>Can have base classes - </a:t>
-            </a:r>
-            <a:r>
-              <a:rPr lang="en-US" dirty="0">
-                <a:latin typeface="Source Code Pro Light" panose="020B0409030403020204" pitchFamily="49" charset="0"/>
-                <a:ea typeface="Source Code Pro Light" panose="020B0409030403020204" pitchFamily="49" charset="0"/>
-              </a:rPr>
-              <a:t>Inheritance</a:t>
-            </a:r>
-            <a:r>
-              <a:rPr lang="en-US" dirty="0"/>
-              <a:t>.</a:t>
-            </a:r>
-          </a:p>
-          <a:p>
-            <a:pPr lvl="1"/>
-            <a:r>
-              <a:rPr lang="en-US" dirty="0"/>
-              <a:t>Can implement an </a:t>
-            </a:r>
-            <a:r>
-              <a:rPr lang="en-US" dirty="0">
-                <a:latin typeface="Source Code Pro Light" panose="020B0409030403020204" pitchFamily="49" charset="0"/>
-                <a:ea typeface="Source Code Pro Light" panose="020B0409030403020204" pitchFamily="49" charset="0"/>
-              </a:rPr>
-              <a:t>Interface</a:t>
-            </a:r>
-            <a:r>
-              <a:rPr lang="en-US" dirty="0"/>
-              <a:t>.</a:t>
-            </a:r>
-          </a:p>
-          <a:p>
-            <a:pPr lvl="1"/>
-            <a:r>
-              <a:rPr lang="en-US" dirty="0"/>
-              <a:t>Can expose typed </a:t>
-            </a:r>
-            <a:r>
-              <a:rPr lang="en-US" dirty="0">
-                <a:latin typeface="Source Code Pro Light" panose="020B0409030403020204" pitchFamily="49" charset="0"/>
-                <a:ea typeface="Source Code Pro Light" panose="020B0409030403020204" pitchFamily="49" charset="0"/>
-              </a:rPr>
-              <a:t>Properties</a:t>
-            </a:r>
-            <a:r>
-              <a:rPr lang="en-US" dirty="0"/>
-              <a:t>.</a:t>
-            </a:r>
-          </a:p>
-          <a:p>
-            <a:pPr lvl="1"/>
-            <a:r>
-              <a:rPr lang="en-US" dirty="0"/>
-              <a:t>Can encapsulate members using </a:t>
-            </a:r>
-            <a:r>
-              <a:rPr lang="en-US" dirty="0">
-                <a:latin typeface="Source Code Pro Light" panose="020B0409030403020204" pitchFamily="49" charset="0"/>
-                <a:ea typeface="Source Code Pro Light" panose="020B0409030403020204" pitchFamily="49" charset="0"/>
-              </a:rPr>
-              <a:t>private</a:t>
-            </a:r>
-            <a:r>
-              <a:rPr lang="en-US" dirty="0"/>
-              <a:t>.</a:t>
-            </a:r>
-          </a:p>
-          <a:p>
-            <a:pPr lvl="1"/>
-            <a:endParaRPr lang="en-US" dirty="0"/>
+              <a:t>How can we achieve this? </a:t>
+            </a:r>
           </a:p>
         </p:txBody>
       </p:sp>
     </p:spTree>
     <p:extLst>
       <p:ext uri="{BB962C8B-B14F-4D97-AF65-F5344CB8AC3E}">
-        <p14:creationId xmlns:p14="http://schemas.microsoft.com/office/powerpoint/2010/main" val="2589925573"/>
+        <p14:creationId xmlns:p14="http://schemas.microsoft.com/office/powerpoint/2010/main" val="90553821"/>
       </p:ext>
     </p:extLst>
   </p:cSld>
@@ -28379,7 +28423,7 @@
           <p:cNvPr id="2" name="Title 1">
             <a:extLst>
               <a:ext uri="{FF2B5EF4-FFF2-40B4-BE49-F238E27FC236}">
-                <a16:creationId xmlns:a16="http://schemas.microsoft.com/office/drawing/2014/main" id="{3870FFA2-0D63-42F1-818E-025A62D80C80}"/>
+                <a16:creationId xmlns:a16="http://schemas.microsoft.com/office/drawing/2014/main" id="{3D57BA2C-1B3C-4C28-BBF4-26D91C9A8F3C}"/>
               </a:ext>
             </a:extLst>
           </p:cNvPr>
@@ -28397,7 +28441,7 @@
           <a:p>
             <a:r>
               <a:rPr lang="en-US" dirty="0"/>
-              <a:t>Template Method Pattern</a:t>
+              <a:t>Elevate Your Business Logic</a:t>
             </a:r>
           </a:p>
         </p:txBody>
@@ -28407,7 +28451,7 @@
           <p:cNvPr id="3" name="Content Placeholder 2">
             <a:extLst>
               <a:ext uri="{FF2B5EF4-FFF2-40B4-BE49-F238E27FC236}">
-                <a16:creationId xmlns:a16="http://schemas.microsoft.com/office/drawing/2014/main" id="{123C8FF3-B8F9-4BD6-A517-8DEA0AC6853F}"/>
+                <a16:creationId xmlns:a16="http://schemas.microsoft.com/office/drawing/2014/main" id="{D9F7E00B-AD2A-4935-9D93-5AEB32283487}"/>
               </a:ext>
             </a:extLst>
           </p:cNvPr>
@@ -28420,112 +28464,135 @@
         </p:nvSpPr>
         <p:spPr/>
         <p:txBody>
-          <a:bodyPr/>
+          <a:bodyPr>
+            <a:normAutofit lnSpcReduction="10000"/>
+          </a:bodyPr>
           <a:lstStyle/>
           <a:p>
             <a:r>
               <a:rPr lang="en-US" dirty="0"/>
-              <a:t>Where have you seen this one?</a:t>
+              <a:t>Stop the Method Madness</a:t>
             </a:r>
           </a:p>
           <a:p>
             <a:pPr lvl="1"/>
             <a:r>
               <a:rPr lang="en-US" dirty="0"/>
-              <a:t>ASP.NET Forms circa 2001: </a:t>
-            </a:r>
-            <a:r>
-              <a:rPr lang="en-US" dirty="0" err="1"/>
-              <a:t>PreInit</a:t>
-            </a:r>
+              <a:t>Use classes to implement your business logic.</a:t>
+            </a:r>
+          </a:p>
+          <a:p>
+            <a:pPr lvl="1"/>
             <a:r>
               <a:rPr lang="en-US" dirty="0"/>
-              <a:t>, </a:t>
-            </a:r>
-            <a:r>
-              <a:rPr lang="en-US" dirty="0" err="1"/>
-              <a:t>Init</a:t>
-            </a:r>
+              <a:t>A single class with a single responsibility, a single unit of work.</a:t>
+            </a:r>
+          </a:p>
+          <a:p>
+            <a:pPr lvl="1"/>
             <a:r>
               <a:rPr lang="en-US" dirty="0"/>
-              <a:t>, </a:t>
-            </a:r>
-            <a:r>
-              <a:rPr lang="en-US" dirty="0" err="1"/>
-              <a:t>InitComplete</a:t>
-            </a:r>
+              <a:t>This is not the typical Manager class with a bunch of methods chained together.</a:t>
+            </a:r>
+          </a:p>
+          <a:p>
             <a:r>
               <a:rPr lang="en-US" dirty="0"/>
-              <a:t>, </a:t>
-            </a:r>
-            <a:r>
-              <a:rPr lang="en-US" dirty="0" err="1"/>
-              <a:t>PreLoad</a:t>
-            </a:r>
+              <a:t>Class Advantage</a:t>
+            </a:r>
+          </a:p>
+          <a:p>
+            <a:pPr lvl="1"/>
             <a:r>
               <a:rPr lang="en-US" dirty="0"/>
-              <a:t>, Load, </a:t>
-            </a:r>
-            <a:r>
-              <a:rPr lang="en-US" dirty="0" err="1"/>
-              <a:t>LoadComplete</a:t>
+              <a:t>Can use one or more </a:t>
+            </a:r>
+            <a:r>
+              <a:rPr lang="en-US" dirty="0">
+                <a:latin typeface="Source Code Pro Light" panose="020B0409030403020204" pitchFamily="49" charset="0"/>
+                <a:ea typeface="Source Code Pro Light" panose="020B0409030403020204" pitchFamily="49" charset="0"/>
+              </a:rPr>
+              <a:t>Constructors</a:t>
             </a:r>
             <a:r>
               <a:rPr lang="en-US" dirty="0"/>
-              <a:t>, </a:t>
-            </a:r>
-            <a:r>
-              <a:rPr lang="en-US" dirty="0" err="1"/>
-              <a:t>PreRender</a:t>
-            </a:r>
+              <a:t>.</a:t>
+            </a:r>
+          </a:p>
+          <a:p>
+            <a:pPr lvl="1"/>
             <a:r>
               <a:rPr lang="en-US" dirty="0"/>
-              <a:t>, etc.</a:t>
+              <a:t>Can have base classes - </a:t>
+            </a:r>
+            <a:r>
+              <a:rPr lang="en-US" dirty="0">
+                <a:latin typeface="Source Code Pro Light" panose="020B0409030403020204" pitchFamily="49" charset="0"/>
+                <a:ea typeface="Source Code Pro Light" panose="020B0409030403020204" pitchFamily="49" charset="0"/>
+              </a:rPr>
+              <a:t>Inheritance</a:t>
+            </a:r>
+            <a:r>
+              <a:rPr lang="en-US" dirty="0"/>
+              <a:t>.</a:t>
             </a:r>
           </a:p>
           <a:p>
             <a:pPr lvl="1"/>
             <a:r>
               <a:rPr lang="en-US" dirty="0"/>
-              <a:t>Angular 2: </a:t>
-            </a:r>
-            <a:r>
-              <a:rPr lang="en-US" dirty="0" err="1"/>
-              <a:t>ngOnChanges</a:t>
+              <a:t>Can implement an </a:t>
+            </a:r>
+            <a:r>
+              <a:rPr lang="en-US" dirty="0">
+                <a:latin typeface="Source Code Pro Light" panose="020B0409030403020204" pitchFamily="49" charset="0"/>
+                <a:ea typeface="Source Code Pro Light" panose="020B0409030403020204" pitchFamily="49" charset="0"/>
+              </a:rPr>
+              <a:t>Interface</a:t>
             </a:r>
             <a:r>
               <a:rPr lang="en-US" dirty="0"/>
-              <a:t>, </a:t>
-            </a:r>
-            <a:r>
-              <a:rPr lang="en-US" dirty="0" err="1"/>
-              <a:t>ngOnit</a:t>
-            </a:r>
+              <a:t>.</a:t>
+            </a:r>
+          </a:p>
+          <a:p>
+            <a:pPr lvl="1"/>
             <a:r>
               <a:rPr lang="en-US" dirty="0"/>
-              <a:t>, </a:t>
-            </a:r>
-            <a:r>
-              <a:rPr lang="en-US" dirty="0" err="1"/>
-              <a:t>ngDoCheck</a:t>
+              <a:t>Can expose typed </a:t>
+            </a:r>
+            <a:r>
+              <a:rPr lang="en-US" dirty="0">
+                <a:latin typeface="Source Code Pro Light" panose="020B0409030403020204" pitchFamily="49" charset="0"/>
+                <a:ea typeface="Source Code Pro Light" panose="020B0409030403020204" pitchFamily="49" charset="0"/>
+              </a:rPr>
+              <a:t>Properties</a:t>
             </a:r>
             <a:r>
               <a:rPr lang="en-US" dirty="0"/>
-              <a:t>, </a:t>
-            </a:r>
-            <a:r>
-              <a:rPr lang="en-US" dirty="0" err="1"/>
-              <a:t>ngOnDestroy</a:t>
-            </a:r>
-            <a:endParaRPr lang="en-US" dirty="0"/>
-          </a:p>
-          <a:p>
+              <a:t>.</a:t>
+            </a:r>
+          </a:p>
+          <a:p>
+            <a:pPr lvl="1"/>
             <a:r>
               <a:rPr lang="en-US" dirty="0"/>
-              <a:t>If it is good enough for managing components and web forms with millions of different implementations – but, all using the same algorithm.</a:t>
-            </a:r>
-          </a:p>
-          <a:p>
+              <a:t>Can encapsulate members using </a:t>
+            </a:r>
+            <a:r>
+              <a:rPr lang="en-US" dirty="0">
+                <a:latin typeface="Source Code Pro Light" panose="020B0409030403020204" pitchFamily="49" charset="0"/>
+                <a:ea typeface="Source Code Pro Light" panose="020B0409030403020204" pitchFamily="49" charset="0"/>
+              </a:rPr>
+              <a:t>private</a:t>
+            </a:r>
+            <a:r>
+              <a:rPr lang="en-US" dirty="0"/>
+              <a:t>.</a:t>
+            </a:r>
+          </a:p>
+          <a:p>
+            <a:pPr lvl="1"/>
             <a:endParaRPr lang="en-US" dirty="0"/>
           </a:p>
         </p:txBody>
@@ -28533,7 +28600,7 @@
     </p:spTree>
     <p:extLst>
       <p:ext uri="{BB962C8B-B14F-4D97-AF65-F5344CB8AC3E}">
-        <p14:creationId xmlns:p14="http://schemas.microsoft.com/office/powerpoint/2010/main" val="448475438"/>
+        <p14:creationId xmlns:p14="http://schemas.microsoft.com/office/powerpoint/2010/main" val="2589925573"/>
       </p:ext>
     </p:extLst>
   </p:cSld>
@@ -28719,7 +28786,7 @@
           <p:cNvPr id="2" name="Title 1">
             <a:extLst>
               <a:ext uri="{FF2B5EF4-FFF2-40B4-BE49-F238E27FC236}">
-                <a16:creationId xmlns:a16="http://schemas.microsoft.com/office/drawing/2014/main" id="{FA1BCB59-0789-48A4-8783-E209DA86CB32}"/>
+                <a16:creationId xmlns:a16="http://schemas.microsoft.com/office/drawing/2014/main" id="{3870FFA2-0D63-42F1-818E-025A62D80C80}"/>
               </a:ext>
             </a:extLst>
           </p:cNvPr>
@@ -28737,7 +28804,7 @@
           <a:p>
             <a:r>
               <a:rPr lang="en-US" dirty="0"/>
-              <a:t>Template Method Pattern :: Details</a:t>
+              <a:t>Template Method Pattern</a:t>
             </a:r>
           </a:p>
         </p:txBody>
@@ -28747,7 +28814,7 @@
           <p:cNvPr id="3" name="Content Placeholder 2">
             <a:extLst>
               <a:ext uri="{FF2B5EF4-FFF2-40B4-BE49-F238E27FC236}">
-                <a16:creationId xmlns:a16="http://schemas.microsoft.com/office/drawing/2014/main" id="{A01FBAB8-C7B4-43CB-89BE-BEACC68BD6FE}"/>
+                <a16:creationId xmlns:a16="http://schemas.microsoft.com/office/drawing/2014/main" id="{123C8FF3-B8F9-4BD6-A517-8DEA0AC6853F}"/>
               </a:ext>
             </a:extLst>
           </p:cNvPr>
@@ -28764,44 +28831,116 @@
           <a:lstStyle/>
           <a:p>
             <a:r>
-              <a:rPr lang="en-US" b="1" dirty="0"/>
-              <a:t>Definition</a:t>
-            </a:r>
-            <a:r>
               <a:rPr lang="en-US" dirty="0"/>
-              <a:t>: defines an algorithm (i.e., pipeline of methods and/or events) that can be implemented with concrete classes without changing the structure of the algorithm.</a:t>
-            </a:r>
-          </a:p>
-          <a:p>
+              <a:t>Where have you seen this one?</a:t>
+            </a:r>
+          </a:p>
+          <a:p>
+            <a:pPr lvl="1"/>
             <a:r>
               <a:rPr lang="en-US" dirty="0"/>
-              <a:t>Creates a consistent well-defined flow – that also enables default or shared behaviors to be implemented for all implementing classes.</a:t>
-            </a:r>
-          </a:p>
-          <a:p>
+              <a:t>ASP.NET Forms circa 2001: </a:t>
+            </a:r>
+            <a:r>
+              <a:rPr lang="en-US" dirty="0" err="1"/>
+              <a:t>PreInit</a:t>
+            </a:r>
             <a:r>
               <a:rPr lang="en-US" dirty="0"/>
-              <a:t>Allows for customized implementations of pipeline items within the algorithm.</a:t>
-            </a:r>
-          </a:p>
-          <a:p>
+              <a:t>, </a:t>
+            </a:r>
+            <a:r>
+              <a:rPr lang="en-US" dirty="0" err="1"/>
+              <a:t>Init</a:t>
+            </a:r>
             <a:r>
               <a:rPr lang="en-US" dirty="0"/>
-              <a:t>Allows for extensibility end points without disturbing the structure of the algorithm.</a:t>
-            </a:r>
-          </a:p>
-          <a:p>
+              <a:t>, </a:t>
+            </a:r>
+            <a:r>
+              <a:rPr lang="en-US" dirty="0" err="1"/>
+              <a:t>InitComplete</a:t>
+            </a:r>
             <a:r>
               <a:rPr lang="en-US" dirty="0"/>
-              <a:t>Simplifies the target concrete implementation by allowing other non-essential details to be handled by the base/abstract classes that define and implement the template algorithm.</a:t>
-            </a:r>
+              <a:t>, </a:t>
+            </a:r>
+            <a:r>
+              <a:rPr lang="en-US" dirty="0" err="1"/>
+              <a:t>PreLoad</a:t>
+            </a:r>
+            <a:r>
+              <a:rPr lang="en-US" dirty="0"/>
+              <a:t>, Load, </a:t>
+            </a:r>
+            <a:r>
+              <a:rPr lang="en-US" dirty="0" err="1"/>
+              <a:t>LoadComplete</a:t>
+            </a:r>
+            <a:r>
+              <a:rPr lang="en-US" dirty="0"/>
+              <a:t>, </a:t>
+            </a:r>
+            <a:r>
+              <a:rPr lang="en-US" dirty="0" err="1"/>
+              <a:t>PreRender</a:t>
+            </a:r>
+            <a:r>
+              <a:rPr lang="en-US" dirty="0"/>
+              <a:t>, etc.</a:t>
+            </a:r>
+          </a:p>
+          <a:p>
+            <a:pPr lvl="1"/>
+            <a:r>
+              <a:rPr lang="en-US" dirty="0"/>
+              <a:t>Angular 2: </a:t>
+            </a:r>
+            <a:r>
+              <a:rPr lang="en-US" dirty="0" err="1"/>
+              <a:t>ngOnChanges</a:t>
+            </a:r>
+            <a:r>
+              <a:rPr lang="en-US" dirty="0"/>
+              <a:t>, </a:t>
+            </a:r>
+            <a:r>
+              <a:rPr lang="en-US" dirty="0" err="1"/>
+              <a:t>ngOnit</a:t>
+            </a:r>
+            <a:r>
+              <a:rPr lang="en-US" dirty="0"/>
+              <a:t>, </a:t>
+            </a:r>
+            <a:r>
+              <a:rPr lang="en-US" dirty="0" err="1"/>
+              <a:t>ngDoCheck</a:t>
+            </a:r>
+            <a:r>
+              <a:rPr lang="en-US" dirty="0"/>
+              <a:t>, </a:t>
+            </a:r>
+            <a:r>
+              <a:rPr lang="en-US" dirty="0" err="1"/>
+              <a:t>ngOnDestroy</a:t>
+            </a:r>
+            <a:endParaRPr lang="en-US" dirty="0"/>
+          </a:p>
+          <a:p>
+            <a:r>
+              <a:rPr lang="en-US" dirty="0"/>
+              <a:t>If it is good enough for managing components and web forms with millions of different implementations – but, all using the same algorithm.</a:t>
+            </a:r>
+          </a:p>
+          <a:p>
+            <a:endParaRPr lang="en-US" dirty="0"/>
           </a:p>
         </p:txBody>
       </p:sp>
     </p:spTree>
     <p:extLst>
       <p:ext uri="{BB962C8B-B14F-4D97-AF65-F5344CB8AC3E}">
-        <p14:creationId xmlns:p14="http://schemas.microsoft.com/office/powerpoint/2010/main" val="3371732980"/>
+        <p14:creationId xmlns:p14="http://schemas.microsoft.com/office/powerpoint/2010/main" val="448475438"/>
       </p:ext>
     </p:extLst>
   </p:cSld>
@@ -28833,7 +28972,7 @@
           <p:cNvPr id="2" name="Title 1">
             <a:extLst>
               <a:ext uri="{FF2B5EF4-FFF2-40B4-BE49-F238E27FC236}">
-                <a16:creationId xmlns:a16="http://schemas.microsoft.com/office/drawing/2014/main" id="{7D8AF8FB-793E-41BD-8CC5-A923B5A8209E}"/>
+                <a16:creationId xmlns:a16="http://schemas.microsoft.com/office/drawing/2014/main" id="{FA1BCB59-0789-48A4-8783-E209DA86CB32}"/>
               </a:ext>
             </a:extLst>
           </p:cNvPr>
@@ -28850,10 +28989,9 @@
           <a:lstStyle/>
           <a:p>
             <a:r>
-              <a:rPr lang="en-US"/>
-              <a:t>Web References</a:t>
-            </a:r>
-            <a:endParaRPr lang="en-US" dirty="0"/>
+              <a:rPr lang="en-US" dirty="0"/>
+              <a:t>Template Method Pattern :: Details</a:t>
+            </a:r>
           </a:p>
         </p:txBody>
       </p:sp>
@@ -28862,7 +29000,7 @@
           <p:cNvPr id="3" name="Content Placeholder 2">
             <a:extLst>
               <a:ext uri="{FF2B5EF4-FFF2-40B4-BE49-F238E27FC236}">
-                <a16:creationId xmlns:a16="http://schemas.microsoft.com/office/drawing/2014/main" id="{3975127B-114D-4B36-BA13-4EB6781A2CEB}"/>
+                <a16:creationId xmlns:a16="http://schemas.microsoft.com/office/drawing/2014/main" id="{A01FBAB8-C7B4-43CB-89BE-BEACC68BD6FE}"/>
               </a:ext>
             </a:extLst>
           </p:cNvPr>
@@ -28875,95 +29013,53 @@
         </p:nvSpPr>
         <p:spPr/>
         <p:txBody>
-          <a:bodyPr>
-            <a:normAutofit/>
-          </a:bodyPr>
-          <a:lstStyle/>
-          <a:p>
-            <a:r>
-              <a:rPr lang="en-US">
+          <a:bodyPr/>
+          <a:lstStyle/>
+          <a:p>
+            <a:r>
+              <a:rPr lang="en-US" b="1" dirty="0"/>
+              <a:t>Definition</a:t>
+            </a:r>
+            <a:r>
+              <a:rPr lang="en-US" dirty="0"/>
+              <a:t>: defines an algorithm (i.e., pipeline of methods and/or events) that can be implemented with concrete classes without changing the structure of the algorithm.</a:t>
+            </a:r>
+          </a:p>
+          <a:p>
+            <a:r>
+              <a:rPr lang="en-US" dirty="0"/>
+              <a:t>Creates a consistent well-defined flow – that also enables default or shared behaviors to be implemented for all implementing classes.</a:t>
+            </a:r>
+          </a:p>
+          <a:p>
+            <a:r>
+              <a:rPr lang="en-US" dirty="0"/>
+              <a:t>Allows for customized implementations of pipeline items within the algorithm.</a:t>
+            </a:r>
+          </a:p>
+          <a:p>
+            <a:r>
+              <a:rPr lang="en-US" dirty="0"/>
+              <a:t>Allows for extensibility end points without disturbing the structure of the algorithm.</a:t>
+            </a:r>
+          </a:p>
+          <a:p>
+            <a:r>
+              <a:rPr lang="en-US" dirty="0"/>
+              <a:t>Simplifies the target concrete implementation by allowing other non-essential details to be handled by the base/abstract classes that define and implement the template algorithm.</a:t>
+            </a:r>
+          </a:p>
+          <a:p>
+            <a:r>
+              <a:rPr lang="en-US" dirty="0"/>
+              <a:t>Example: </a:t>
+            </a:r>
+            <a:r>
+              <a:rPr lang="en-US" dirty="0">
                 <a:hlinkClick r:id="rId2"/>
               </a:rPr>
-              <a:t>GoF Design patterns in .NET/C#</a:t>
-            </a:r>
-            <a:endParaRPr lang="en-US"/>
-          </a:p>
-          <a:p>
-            <a:r>
-              <a:rPr lang="en-US">
-                <a:hlinkClick r:id="rId3"/>
-              </a:rPr>
-              <a:t>Design Patterns General</a:t>
-            </a:r>
-            <a:endParaRPr lang="en-US"/>
-          </a:p>
-          <a:p>
-            <a:pPr lvl="1"/>
-            <a:r>
-              <a:rPr lang="en-US">
-                <a:hlinkClick r:id="rId3"/>
-              </a:rPr>
-              <a:t>Creational</a:t>
-            </a:r>
-            <a:endParaRPr lang="en-US"/>
-          </a:p>
-          <a:p>
-            <a:pPr lvl="1"/>
-            <a:r>
-              <a:rPr lang="en-US">
-                <a:hlinkClick r:id="rId4"/>
-              </a:rPr>
-              <a:t>Structural</a:t>
-            </a:r>
-            <a:endParaRPr lang="en-US"/>
-          </a:p>
-          <a:p>
-            <a:pPr lvl="1"/>
-            <a:r>
-              <a:rPr lang="en-US">
-                <a:hlinkClick r:id="rId5"/>
-              </a:rPr>
-              <a:t>Behavioral</a:t>
-            </a:r>
-            <a:endParaRPr lang="en-US"/>
-          </a:p>
-          <a:p>
-            <a:r>
-              <a:rPr lang="en-US"/>
-              <a:t>Principles:</a:t>
-            </a:r>
-          </a:p>
-          <a:p>
-            <a:pPr lvl="1"/>
-            <a:r>
-              <a:rPr lang="en-US">
-                <a:hlinkClick r:id="rId6"/>
-              </a:rPr>
-              <a:t>Single Responsibility</a:t>
-            </a:r>
-            <a:endParaRPr lang="en-US"/>
-          </a:p>
-          <a:p>
-            <a:pPr lvl="1"/>
-            <a:r>
-              <a:rPr lang="en-US">
-                <a:hlinkClick r:id="rId7"/>
-              </a:rPr>
-              <a:t>Separation of Concerns</a:t>
-            </a:r>
-            <a:endParaRPr lang="en-US"/>
-          </a:p>
-          <a:p>
-            <a:pPr lvl="1"/>
-            <a:r>
-              <a:rPr lang="en-US">
-                <a:hlinkClick r:id="rId8"/>
-              </a:rPr>
-              <a:t>S.O.L.I.D Principles</a:t>
-            </a:r>
-            <a:endParaRPr lang="en-US"/>
-          </a:p>
-          <a:p>
+              <a:t>GitHub</a:t>
+            </a:r>
             <a:endParaRPr lang="en-US" dirty="0"/>
           </a:p>
         </p:txBody>
@@ -28971,7 +29067,7 @@
     </p:spTree>
     <p:extLst>
       <p:ext uri="{BB962C8B-B14F-4D97-AF65-F5344CB8AC3E}">
-        <p14:creationId xmlns:p14="http://schemas.microsoft.com/office/powerpoint/2010/main" val="1961233773"/>
+        <p14:creationId xmlns:p14="http://schemas.microsoft.com/office/powerpoint/2010/main" val="3371732980"/>
       </p:ext>
     </p:extLst>
   </p:cSld>
@@ -28998,6 +29094,266 @@
           <a:chExt cx="0" cy="0"/>
         </a:xfrm>
       </p:grpSpPr>
+      <p:pic>
+        <p:nvPicPr>
+          <p:cNvPr id="6" name="Picture 5">
+            <a:extLst>
+              <a:ext uri="{FF2B5EF4-FFF2-40B4-BE49-F238E27FC236}">
+                <a16:creationId xmlns:a16="http://schemas.microsoft.com/office/drawing/2014/main" id="{D5B94DB3-2484-476C-83FB-DE92F09AF8C0}"/>
+              </a:ext>
+            </a:extLst>
+          </p:cNvPr>
+          <p:cNvPicPr>
+            <a:picLocks noChangeAspect="1"/>
+          </p:cNvPicPr>
+          <p:nvPr/>
+        </p:nvPicPr>
+        <p:blipFill>
+          <a:blip r:embed="rId2"/>
+          <a:stretch>
+            <a:fillRect/>
+          </a:stretch>
+        </p:blipFill>
+        <p:spPr>
+          <a:xfrm>
+            <a:off x="2170962" y="5031472"/>
+            <a:ext cx="5141472" cy="1440796"/>
+          </a:xfrm>
+          <a:prstGeom prst="rect">
+            <a:avLst/>
+          </a:prstGeom>
+        </p:spPr>
+      </p:pic>
+      <p:pic>
+        <p:nvPicPr>
+          <p:cNvPr id="8" name="Picture 7">
+            <a:extLst>
+              <a:ext uri="{FF2B5EF4-FFF2-40B4-BE49-F238E27FC236}">
+                <a16:creationId xmlns:a16="http://schemas.microsoft.com/office/drawing/2014/main" id="{B1725623-386E-4625-9F8B-547262D05C7D}"/>
+              </a:ext>
+            </a:extLst>
+          </p:cNvPr>
+          <p:cNvPicPr>
+            <a:picLocks noChangeAspect="1"/>
+          </p:cNvPicPr>
+          <p:nvPr/>
+        </p:nvPicPr>
+        <p:blipFill>
+          <a:blip r:embed="rId3"/>
+          <a:stretch>
+            <a:fillRect/>
+          </a:stretch>
+        </p:blipFill>
+        <p:spPr>
+          <a:xfrm>
+            <a:off x="241874" y="519831"/>
+            <a:ext cx="11444669" cy="4906898"/>
+          </a:xfrm>
+          <a:prstGeom prst="rect">
+            <a:avLst/>
+          </a:prstGeom>
+        </p:spPr>
+      </p:pic>
+    </p:spTree>
+    <p:extLst>
+      <p:ext uri="{BB962C8B-B14F-4D97-AF65-F5344CB8AC3E}">
+        <p14:creationId xmlns:p14="http://schemas.microsoft.com/office/powerpoint/2010/main" val="4031305421"/>
+      </p:ext>
+    </p:extLst>
+  </p:cSld>
+  <p:clrMapOvr>
+    <a:masterClrMapping/>
+  </p:clrMapOvr>
+</p:sld>
+</file>
+
+<file path=ppt/slides/slide23.xml><?xml version="1.0" encoding="utf-8"?>
+<p:sld xmlns:a="http://schemas.openxmlformats.org/drawingml/2006/main" xmlns:r="http://schemas.openxmlformats.org/officeDocument/2006/relationships" xmlns:p="http://schemas.openxmlformats.org/presentationml/2006/main">
+  <p:cSld>
+    <p:spTree>
+      <p:nvGrpSpPr>
+        <p:cNvPr id="1" name=""/>
+        <p:cNvGrpSpPr/>
+        <p:nvPr/>
+      </p:nvGrpSpPr>
+      <p:grpSpPr>
+        <a:xfrm>
+          <a:off x="0" y="0"/>
+          <a:ext cx="0" cy="0"/>
+          <a:chOff x="0" y="0"/>
+          <a:chExt cx="0" cy="0"/>
+        </a:xfrm>
+      </p:grpSpPr>
+      <p:sp>
+        <p:nvSpPr>
+          <p:cNvPr id="2" name="Title 1">
+            <a:extLst>
+              <a:ext uri="{FF2B5EF4-FFF2-40B4-BE49-F238E27FC236}">
+                <a16:creationId xmlns:a16="http://schemas.microsoft.com/office/drawing/2014/main" id="{7D8AF8FB-793E-41BD-8CC5-A923B5A8209E}"/>
+              </a:ext>
+            </a:extLst>
+          </p:cNvPr>
+          <p:cNvSpPr>
+            <a:spLocks noGrp="1"/>
+          </p:cNvSpPr>
+          <p:nvPr>
+            <p:ph type="title"/>
+          </p:nvPr>
+        </p:nvSpPr>
+        <p:spPr/>
+        <p:txBody>
+          <a:bodyPr/>
+          <a:lstStyle/>
+          <a:p>
+            <a:r>
+              <a:rPr lang="en-US"/>
+              <a:t>Web References</a:t>
+            </a:r>
+            <a:endParaRPr lang="en-US" dirty="0"/>
+          </a:p>
+        </p:txBody>
+      </p:sp>
+      <p:sp>
+        <p:nvSpPr>
+          <p:cNvPr id="3" name="Content Placeholder 2">
+            <a:extLst>
+              <a:ext uri="{FF2B5EF4-FFF2-40B4-BE49-F238E27FC236}">
+                <a16:creationId xmlns:a16="http://schemas.microsoft.com/office/drawing/2014/main" id="{3975127B-114D-4B36-BA13-4EB6781A2CEB}"/>
+              </a:ext>
+            </a:extLst>
+          </p:cNvPr>
+          <p:cNvSpPr>
+            <a:spLocks noGrp="1"/>
+          </p:cNvSpPr>
+          <p:nvPr>
+            <p:ph idx="1"/>
+          </p:nvPr>
+        </p:nvSpPr>
+        <p:spPr/>
+        <p:txBody>
+          <a:bodyPr>
+            <a:normAutofit/>
+          </a:bodyPr>
+          <a:lstStyle/>
+          <a:p>
+            <a:r>
+              <a:rPr lang="en-US">
+                <a:hlinkClick r:id="rId2"/>
+              </a:rPr>
+              <a:t>GoF Design patterns in .NET/C#</a:t>
+            </a:r>
+            <a:endParaRPr lang="en-US"/>
+          </a:p>
+          <a:p>
+            <a:r>
+              <a:rPr lang="en-US">
+                <a:hlinkClick r:id="rId3"/>
+              </a:rPr>
+              <a:t>Design Patterns General</a:t>
+            </a:r>
+            <a:endParaRPr lang="en-US"/>
+          </a:p>
+          <a:p>
+            <a:pPr lvl="1"/>
+            <a:r>
+              <a:rPr lang="en-US">
+                <a:hlinkClick r:id="rId3"/>
+              </a:rPr>
+              <a:t>Creational</a:t>
+            </a:r>
+            <a:endParaRPr lang="en-US"/>
+          </a:p>
+          <a:p>
+            <a:pPr lvl="1"/>
+            <a:r>
+              <a:rPr lang="en-US">
+                <a:hlinkClick r:id="rId4"/>
+              </a:rPr>
+              <a:t>Structural</a:t>
+            </a:r>
+            <a:endParaRPr lang="en-US"/>
+          </a:p>
+          <a:p>
+            <a:pPr lvl="1"/>
+            <a:r>
+              <a:rPr lang="en-US">
+                <a:hlinkClick r:id="rId5"/>
+              </a:rPr>
+              <a:t>Behavioral</a:t>
+            </a:r>
+            <a:endParaRPr lang="en-US"/>
+          </a:p>
+          <a:p>
+            <a:r>
+              <a:rPr lang="en-US"/>
+              <a:t>Principles:</a:t>
+            </a:r>
+          </a:p>
+          <a:p>
+            <a:pPr lvl="1"/>
+            <a:r>
+              <a:rPr lang="en-US">
+                <a:hlinkClick r:id="rId6"/>
+              </a:rPr>
+              <a:t>Single Responsibility</a:t>
+            </a:r>
+            <a:endParaRPr lang="en-US"/>
+          </a:p>
+          <a:p>
+            <a:pPr lvl="1"/>
+            <a:r>
+              <a:rPr lang="en-US">
+                <a:hlinkClick r:id="rId7"/>
+              </a:rPr>
+              <a:t>Separation of Concerns</a:t>
+            </a:r>
+            <a:endParaRPr lang="en-US"/>
+          </a:p>
+          <a:p>
+            <a:pPr lvl="1"/>
+            <a:r>
+              <a:rPr lang="en-US">
+                <a:hlinkClick r:id="rId8"/>
+              </a:rPr>
+              <a:t>S.O.L.I.D Principles</a:t>
+            </a:r>
+            <a:endParaRPr lang="en-US"/>
+          </a:p>
+          <a:p>
+            <a:endParaRPr lang="en-US" dirty="0"/>
+          </a:p>
+        </p:txBody>
+      </p:sp>
+    </p:spTree>
+    <p:extLst>
+      <p:ext uri="{BB962C8B-B14F-4D97-AF65-F5344CB8AC3E}">
+        <p14:creationId xmlns:p14="http://schemas.microsoft.com/office/powerpoint/2010/main" val="1961233773"/>
+      </p:ext>
+    </p:extLst>
+  </p:cSld>
+  <p:clrMapOvr>
+    <a:masterClrMapping/>
+  </p:clrMapOvr>
+</p:sld>
+</file>
+
+<file path=ppt/slides/slide24.xml><?xml version="1.0" encoding="utf-8"?>
+<p:sld xmlns:a="http://schemas.openxmlformats.org/drawingml/2006/main" xmlns:r="http://schemas.openxmlformats.org/officeDocument/2006/relationships" xmlns:p="http://schemas.openxmlformats.org/presentationml/2006/main">
+  <p:cSld>
+    <p:spTree>
+      <p:nvGrpSpPr>
+        <p:cNvPr id="1" name=""/>
+        <p:cNvGrpSpPr/>
+        <p:nvPr/>
+      </p:nvGrpSpPr>
+      <p:grpSpPr>
+        <a:xfrm>
+          <a:off x="0" y="0"/>
+          <a:ext cx="0" cy="0"/>
+          <a:chOff x="0" y="0"/>
+          <a:chExt cx="0" cy="0"/>
+        </a:xfrm>
+      </p:grpSpPr>
       <p:sp>
         <p:nvSpPr>
           <p:cNvPr id="2" name="Title 1">
@@ -29147,7 +29503,7 @@
 </p:sld>
 </file>
 
-<file path=ppt/slides/slide23.xml><?xml version="1.0" encoding="utf-8"?>
+<file path=ppt/slides/slide25.xml><?xml version="1.0" encoding="utf-8"?>
 <p:sld xmlns:a="http://schemas.openxmlformats.org/drawingml/2006/main" xmlns:r="http://schemas.openxmlformats.org/officeDocument/2006/relationships" xmlns:p="http://schemas.openxmlformats.org/presentationml/2006/main">
   <p:cSld>
     <p:spTree>
@@ -29406,10 +29762,10 @@
       </p:grpSpPr>
       <p:sp>
         <p:nvSpPr>
-          <p:cNvPr id="2" name="Title 1">
+          <p:cNvPr id="4" name="Title 3">
             <a:extLst>
               <a:ext uri="{FF2B5EF4-FFF2-40B4-BE49-F238E27FC236}">
-                <a16:creationId xmlns:a16="http://schemas.microsoft.com/office/drawing/2014/main" id="{42DFBCF7-339D-423E-A193-A74AB0C20861}"/>
+                <a16:creationId xmlns:a16="http://schemas.microsoft.com/office/drawing/2014/main" id="{BA6E072C-BCBD-41C9-99D5-4ECE84428835}"/>
               </a:ext>
             </a:extLst>
           </p:cNvPr>
@@ -29426,19 +29782,18 @@
           <a:lstStyle/>
           <a:p>
             <a:r>
-              <a:rPr lang="en-US"/>
-              <a:t>Business Logic – Why important?</a:t>
-            </a:r>
-            <a:endParaRPr lang="en-US" dirty="0"/>
-          </a:p>
-        </p:txBody>
-      </p:sp>
-      <p:sp>
-        <p:nvSpPr>
-          <p:cNvPr id="3" name="Content Placeholder 2">
+              <a:rPr lang="en-US" dirty="0"/>
+              <a:t>Business Logic</a:t>
+            </a:r>
+          </a:p>
+        </p:txBody>
+      </p:sp>
+      <p:sp>
+        <p:nvSpPr>
+          <p:cNvPr id="5" name="Text Placeholder 4">
             <a:extLst>
               <a:ext uri="{FF2B5EF4-FFF2-40B4-BE49-F238E27FC236}">
-                <a16:creationId xmlns:a16="http://schemas.microsoft.com/office/drawing/2014/main" id="{60FC013E-75B7-439E-8DD8-ECB0220BBBDE}"/>
+                <a16:creationId xmlns:a16="http://schemas.microsoft.com/office/drawing/2014/main" id="{0B2E308F-7216-4C24-8835-9DAB1AF6E659}"/>
               </a:ext>
             </a:extLst>
           </p:cNvPr>
@@ -29446,7 +29801,7 @@
             <a:spLocks noGrp="1"/>
           </p:cNvSpPr>
           <p:nvPr>
-            <p:ph idx="1"/>
+            <p:ph type="body" idx="1"/>
           </p:nvPr>
         </p:nvSpPr>
         <p:spPr/>
@@ -29454,30 +29809,14 @@
           <a:bodyPr/>
           <a:lstStyle/>
           <a:p>
-            <a:r>
-              <a:rPr lang="en-US"/>
-              <a:t>Heart of the application.</a:t>
-            </a:r>
-          </a:p>
-          <a:p>
-            <a:r>
-              <a:rPr lang="en-US"/>
-              <a:t>Defines the business domain.</a:t>
-            </a:r>
-          </a:p>
-          <a:p>
-            <a:r>
-              <a:rPr lang="en-US"/>
-              <a:t>Domain specific algorithms, intellectual property, etc.</a:t>
-            </a:r>
-            <a:endParaRPr lang="en-US" dirty="0"/>
+            <a:endParaRPr lang="en-US"/>
           </a:p>
         </p:txBody>
       </p:sp>
     </p:spTree>
     <p:extLst>
       <p:ext uri="{BB962C8B-B14F-4D97-AF65-F5344CB8AC3E}">
-        <p14:creationId xmlns:p14="http://schemas.microsoft.com/office/powerpoint/2010/main" val="1920202658"/>
+        <p14:creationId xmlns:p14="http://schemas.microsoft.com/office/powerpoint/2010/main" val="3591234367"/>
       </p:ext>
     </p:extLst>
   </p:cSld>
@@ -29509,7 +29848,7 @@
           <p:cNvPr id="2" name="Title 1">
             <a:extLst>
               <a:ext uri="{FF2B5EF4-FFF2-40B4-BE49-F238E27FC236}">
-                <a16:creationId xmlns:a16="http://schemas.microsoft.com/office/drawing/2014/main" id="{FB7F4F70-B64C-49D5-B2AC-89764B6ECD21}"/>
+                <a16:creationId xmlns:a16="http://schemas.microsoft.com/office/drawing/2014/main" id="{42DFBCF7-339D-423E-A193-A74AB0C20861}"/>
               </a:ext>
             </a:extLst>
           </p:cNvPr>
@@ -29527,7 +29866,7 @@
           <a:p>
             <a:r>
               <a:rPr lang="en-US"/>
-              <a:t>Business Logic – Why Difficult?</a:t>
+              <a:t>Business Logic – Why important?</a:t>
             </a:r>
             <a:endParaRPr lang="en-US" dirty="0"/>
           </a:p>
@@ -29538,7 +29877,7 @@
           <p:cNvPr id="3" name="Content Placeholder 2">
             <a:extLst>
               <a:ext uri="{FF2B5EF4-FFF2-40B4-BE49-F238E27FC236}">
-                <a16:creationId xmlns:a16="http://schemas.microsoft.com/office/drawing/2014/main" id="{D29CDD62-C0AF-4A8E-97CE-1214471C8D56}"/>
+                <a16:creationId xmlns:a16="http://schemas.microsoft.com/office/drawing/2014/main" id="{60FC013E-75B7-439E-8DD8-ECB0220BBBDE}"/>
               </a:ext>
             </a:extLst>
           </p:cNvPr>
@@ -29551,47 +29890,25 @@
         </p:nvSpPr>
         <p:spPr/>
         <p:txBody>
-          <a:bodyPr>
-            <a:normAutofit/>
-          </a:bodyPr>
-          <a:lstStyle/>
-          <a:p>
-            <a:r>
-              <a:rPr lang="en-US"/>
-              <a:t>Inconsistent implementation causes problems with extensibility/maintainability.</a:t>
-            </a:r>
-          </a:p>
-          <a:p>
-            <a:r>
-              <a:rPr lang="en-US"/>
-              <a:t>Architecture, design, or implementation makes it difficult to test.</a:t>
-            </a:r>
-          </a:p>
-          <a:p>
-            <a:r>
-              <a:rPr lang="en-US"/>
-              <a:t>Different implementation styles by different developers create inconsistent code base.</a:t>
-            </a:r>
-          </a:p>
-          <a:p>
-            <a:r>
-              <a:rPr lang="en-US"/>
-              <a:t>Single Responsibility Principle not followed - parts of code do too much.</a:t>
-            </a:r>
-          </a:p>
-          <a:p>
-            <a:r>
-              <a:rPr lang="en-US"/>
-              <a:t>Separation of Concerns Principle not followed - parts of the code cross boundaries. BL contained in different layers of the application (UI, services, BL layer, database).</a:t>
-            </a:r>
-          </a:p>
-          <a:p>
-            <a:r>
-              <a:rPr lang="en-US"/>
-              <a:t>Lack of structure or use of defined patterns.</a:t>
-            </a:r>
-          </a:p>
-          <a:p>
+          <a:bodyPr/>
+          <a:lstStyle/>
+          <a:p>
+            <a:r>
+              <a:rPr lang="en-US"/>
+              <a:t>Heart of the application.</a:t>
+            </a:r>
+          </a:p>
+          <a:p>
+            <a:r>
+              <a:rPr lang="en-US"/>
+              <a:t>Defines the business domain.</a:t>
+            </a:r>
+          </a:p>
+          <a:p>
+            <a:r>
+              <a:rPr lang="en-US"/>
+              <a:t>Domain specific algorithms, intellectual property, etc.</a:t>
+            </a:r>
             <a:endParaRPr lang="en-US" dirty="0"/>
           </a:p>
         </p:txBody>
@@ -29599,7 +29916,7 @@
     </p:spTree>
     <p:extLst>
       <p:ext uri="{BB962C8B-B14F-4D97-AF65-F5344CB8AC3E}">
-        <p14:creationId xmlns:p14="http://schemas.microsoft.com/office/powerpoint/2010/main" val="1220008974"/>
+        <p14:creationId xmlns:p14="http://schemas.microsoft.com/office/powerpoint/2010/main" val="1920202658"/>
       </p:ext>
     </p:extLst>
   </p:cSld>
@@ -29631,7 +29948,7 @@
           <p:cNvPr id="2" name="Title 1">
             <a:extLst>
               <a:ext uri="{FF2B5EF4-FFF2-40B4-BE49-F238E27FC236}">
-                <a16:creationId xmlns:a16="http://schemas.microsoft.com/office/drawing/2014/main" id="{8A48E893-AA20-4B9C-A6D6-41DD471948E0}"/>
+                <a16:creationId xmlns:a16="http://schemas.microsoft.com/office/drawing/2014/main" id="{FB7F4F70-B64C-49D5-B2AC-89764B6ECD21}"/>
               </a:ext>
             </a:extLst>
           </p:cNvPr>
@@ -29649,7 +29966,7 @@
           <a:p>
             <a:r>
               <a:rPr lang="en-US"/>
-              <a:t>What is a pattern?</a:t>
+              <a:t>Business Logic – Why Difficult?</a:t>
             </a:r>
             <a:endParaRPr lang="en-US" dirty="0"/>
           </a:p>
@@ -29660,7 +29977,7 @@
           <p:cNvPr id="3" name="Content Placeholder 2">
             <a:extLst>
               <a:ext uri="{FF2B5EF4-FFF2-40B4-BE49-F238E27FC236}">
-                <a16:creationId xmlns:a16="http://schemas.microsoft.com/office/drawing/2014/main" id="{DAC45B94-200A-4CFE-AE3A-40BBBC71E5A8}"/>
+                <a16:creationId xmlns:a16="http://schemas.microsoft.com/office/drawing/2014/main" id="{D29CDD62-C0AF-4A8E-97CE-1214471C8D56}"/>
               </a:ext>
             </a:extLst>
           </p:cNvPr>
@@ -29674,70 +29991,43 @@
         <p:spPr/>
         <p:txBody>
           <a:bodyPr>
-            <a:normAutofit fontScale="92500" lnSpcReduction="10000"/>
+            <a:normAutofit/>
           </a:bodyPr>
           <a:lstStyle/>
           <a:p>
             <a:r>
               <a:rPr lang="en-US"/>
-              <a:t>Is a general reusable solution to a commonly occurring problem within a given context in software design.</a:t>
-            </a:r>
-          </a:p>
-          <a:p>
-            <a:r>
-              <a:rPr lang="en-US"/>
-              <a:t>Design patterns can speed up the development process by providing tested, proven development paradigms.</a:t>
-            </a:r>
-          </a:p>
-          <a:p>
-            <a:r>
-              <a:rPr lang="en-US"/>
-              <a:t>Improves code readability for coders and architects who are familiar with the patterns.</a:t>
-            </a:r>
-          </a:p>
-          <a:p>
-            <a:r>
-              <a:rPr lang="en-US"/>
-              <a:t>Many patterns based on Object Programming techniques: inheritance, abstraction, encapsulation, and polymorphism.</a:t>
-            </a:r>
-          </a:p>
-          <a:p>
-            <a:r>
-              <a:rPr lang="en-US"/>
-              <a:t>Many patterns support and promote:</a:t>
-            </a:r>
-          </a:p>
-          <a:p>
-            <a:pPr lvl="1"/>
-            <a:r>
-              <a:rPr lang="en-US">
-                <a:hlinkClick r:id="rId2"/>
-              </a:rPr>
-              <a:t>Single Responsibility</a:t>
-            </a:r>
-            <a:endParaRPr lang="en-US"/>
-          </a:p>
-          <a:p>
-            <a:pPr lvl="1"/>
-            <a:r>
-              <a:rPr lang="en-US">
-                <a:hlinkClick r:id="rId3"/>
-              </a:rPr>
-              <a:t>Separation of Concerns</a:t>
-            </a:r>
-            <a:endParaRPr lang="en-US"/>
-          </a:p>
-          <a:p>
-            <a:pPr lvl="1"/>
-            <a:r>
-              <a:rPr lang="en-US">
-                <a:hlinkClick r:id="rId4"/>
-              </a:rPr>
-              <a:t>S.O.L.I.D Principles</a:t>
-            </a:r>
-            <a:r>
-              <a:rPr lang="en-US"/>
-              <a:t> </a:t>
+              <a:t>Inconsistent implementation causes problems with extensibility/maintainability.</a:t>
+            </a:r>
+          </a:p>
+          <a:p>
+            <a:r>
+              <a:rPr lang="en-US"/>
+              <a:t>Architecture, design, or implementation makes it difficult to test.</a:t>
+            </a:r>
+          </a:p>
+          <a:p>
+            <a:r>
+              <a:rPr lang="en-US"/>
+              <a:t>Different implementation styles by different developers create inconsistent code base.</a:t>
+            </a:r>
+          </a:p>
+          <a:p>
+            <a:r>
+              <a:rPr lang="en-US"/>
+              <a:t>Single Responsibility Principle not followed - parts of code do too much.</a:t>
+            </a:r>
+          </a:p>
+          <a:p>
+            <a:r>
+              <a:rPr lang="en-US"/>
+              <a:t>Separation of Concerns Principle not followed - parts of the code cross boundaries. BL contained in different layers of the application (UI, services, BL layer, database).</a:t>
+            </a:r>
+          </a:p>
+          <a:p>
+            <a:r>
+              <a:rPr lang="en-US"/>
+              <a:t>Lack of structure or use of defined patterns.</a:t>
             </a:r>
           </a:p>
           <a:p>
@@ -29748,7 +30038,7 @@
     </p:spTree>
     <p:extLst>
       <p:ext uri="{BB962C8B-B14F-4D97-AF65-F5344CB8AC3E}">
-        <p14:creationId xmlns:p14="http://schemas.microsoft.com/office/powerpoint/2010/main" val="2115441615"/>
+        <p14:creationId xmlns:p14="http://schemas.microsoft.com/office/powerpoint/2010/main" val="1220008974"/>
       </p:ext>
     </p:extLst>
   </p:cSld>
@@ -29780,7 +30070,7 @@
           <p:cNvPr id="2" name="Title 1">
             <a:extLst>
               <a:ext uri="{FF2B5EF4-FFF2-40B4-BE49-F238E27FC236}">
-                <a16:creationId xmlns:a16="http://schemas.microsoft.com/office/drawing/2014/main" id="{A5EA31D6-56D8-4F63-9F23-5FC95AAF9724}"/>
+                <a16:creationId xmlns:a16="http://schemas.microsoft.com/office/drawing/2014/main" id="{8A48E893-AA20-4B9C-A6D6-41DD471948E0}"/>
               </a:ext>
             </a:extLst>
           </p:cNvPr>
@@ -29798,7 +30088,7 @@
           <a:p>
             <a:r>
               <a:rPr lang="en-US"/>
-              <a:t>Why Use Design Patterns?</a:t>
+              <a:t>What is a pattern?</a:t>
             </a:r>
             <a:endParaRPr lang="en-US" dirty="0"/>
           </a:p>
@@ -29809,7 +30099,7 @@
           <p:cNvPr id="3" name="Content Placeholder 2">
             <a:extLst>
               <a:ext uri="{FF2B5EF4-FFF2-40B4-BE49-F238E27FC236}">
-                <a16:creationId xmlns:a16="http://schemas.microsoft.com/office/drawing/2014/main" id="{4E510021-63A1-4237-B859-0A5222E8F179}"/>
+                <a16:creationId xmlns:a16="http://schemas.microsoft.com/office/drawing/2014/main" id="{DAC45B94-200A-4CFE-AE3A-40BBBC71E5A8}"/>
               </a:ext>
             </a:extLst>
           </p:cNvPr>
@@ -29823,75 +30113,70 @@
         <p:spPr/>
         <p:txBody>
           <a:bodyPr>
-            <a:normAutofit lnSpcReduction="10000"/>
+            <a:normAutofit fontScale="92500" lnSpcReduction="10000"/>
           </a:bodyPr>
           <a:lstStyle/>
           <a:p>
             <a:r>
-              <a:rPr lang="en-US"/>
-              <a:t>What does this do for me or my team?</a:t>
+              <a:rPr lang="en-US" dirty="0"/>
+              <a:t>Is a general reusable solution to a commonly occurring problem within a given context in software design.</a:t>
+            </a:r>
+          </a:p>
+          <a:p>
+            <a:r>
+              <a:rPr lang="en-US" dirty="0"/>
+              <a:t>Design patterns can speed up the development process by providing tested, proven development paradigms.</a:t>
+            </a:r>
+          </a:p>
+          <a:p>
+            <a:r>
+              <a:rPr lang="en-US" dirty="0"/>
+              <a:t>Improves code readability for coders and architects who are familiar with the patterns.</a:t>
+            </a:r>
+          </a:p>
+          <a:p>
+            <a:r>
+              <a:rPr lang="en-US" dirty="0"/>
+              <a:t>Many patterns based on Object Oriented Programming techniques: inheritance, abstraction, encapsulation, and polymorphism.</a:t>
+            </a:r>
+          </a:p>
+          <a:p>
+            <a:r>
+              <a:rPr lang="en-US" dirty="0"/>
+              <a:t>Many patterns support and promote:</a:t>
             </a:r>
           </a:p>
           <a:p>
             <a:pPr lvl="1"/>
             <a:r>
-              <a:rPr lang="en-US"/>
-              <a:t>Creates a consistent code base for improved maintainability.</a:t>
-            </a:r>
+              <a:rPr lang="en-US" dirty="0">
+                <a:hlinkClick r:id="rId2"/>
+              </a:rPr>
+              <a:t>Single Responsibility</a:t>
+            </a:r>
+            <a:endParaRPr lang="en-US" dirty="0"/>
           </a:p>
           <a:p>
             <a:pPr lvl="1"/>
             <a:r>
-              <a:rPr lang="en-US"/>
-              <a:t>Inherently allows for more extensibility points. </a:t>
-            </a:r>
+              <a:rPr lang="en-US" dirty="0">
+                <a:hlinkClick r:id="rId3"/>
+              </a:rPr>
+              <a:t>Separation of Concerns</a:t>
+            </a:r>
+            <a:endParaRPr lang="en-US" dirty="0"/>
           </a:p>
           <a:p>
             <a:pPr lvl="1"/>
             <a:r>
-              <a:rPr lang="en-US"/>
-              <a:t>Promotes a more testable solution (unit and integration tests) with mocks and fakes. Better quality.</a:t>
-            </a:r>
-          </a:p>
-          <a:p>
-            <a:pPr lvl="1"/>
-            <a:r>
-              <a:rPr lang="en-US"/>
-              <a:t>Allows dependency injection opportunities.</a:t>
-            </a:r>
-          </a:p>
-          <a:p>
-            <a:r>
-              <a:rPr lang="en-US"/>
-              <a:t>What problems to they solve?</a:t>
-            </a:r>
-          </a:p>
-          <a:p>
-            <a:pPr lvl="1"/>
-            <a:r>
-              <a:rPr lang="en-US"/>
-              <a:t>Help with refactoring code to improve testability, extensibility, and maintainability.</a:t>
-            </a:r>
-          </a:p>
-          <a:p>
-            <a:pPr lvl="1"/>
-            <a:r>
-              <a:rPr lang="en-US"/>
-              <a:t>Many patterns allow for additional extensibility points.</a:t>
-            </a:r>
-          </a:p>
-          <a:p>
-            <a:pPr lvl="1"/>
-            <a:r>
-              <a:rPr lang="en-US"/>
-              <a:t>Use existing patterns without creating atypical solutions for common problems.</a:t>
-            </a:r>
-          </a:p>
-          <a:p>
-            <a:pPr lvl="1"/>
-            <a:r>
-              <a:rPr lang="en-US"/>
-              <a:t>The team has a recipe for implementing parts of the application.</a:t>
+              <a:rPr lang="en-US" dirty="0">
+                <a:hlinkClick r:id="rId4"/>
+              </a:rPr>
+              <a:t>S.O.L.I.D Principles</a:t>
+            </a:r>
+            <a:r>
+              <a:rPr lang="en-US" dirty="0"/>
+              <a:t> </a:t>
             </a:r>
           </a:p>
           <a:p>
@@ -29902,7 +30187,7 @@
     </p:spTree>
     <p:extLst>
       <p:ext uri="{BB962C8B-B14F-4D97-AF65-F5344CB8AC3E}">
-        <p14:creationId xmlns:p14="http://schemas.microsoft.com/office/powerpoint/2010/main" val="1384919289"/>
+        <p14:creationId xmlns:p14="http://schemas.microsoft.com/office/powerpoint/2010/main" val="2115441615"/>
       </p:ext>
     </p:extLst>
   </p:cSld>
@@ -29934,7 +30219,7 @@
           <p:cNvPr id="2" name="Title 1">
             <a:extLst>
               <a:ext uri="{FF2B5EF4-FFF2-40B4-BE49-F238E27FC236}">
-                <a16:creationId xmlns:a16="http://schemas.microsoft.com/office/drawing/2014/main" id="{DD130F9D-68BC-42EE-A1B4-1773DD7FD304}"/>
+                <a16:creationId xmlns:a16="http://schemas.microsoft.com/office/drawing/2014/main" id="{A5EA31D6-56D8-4F63-9F23-5FC95AAF9724}"/>
               </a:ext>
             </a:extLst>
           </p:cNvPr>
@@ -29952,7 +30237,7 @@
           <a:p>
             <a:r>
               <a:rPr lang="en-US"/>
-              <a:t>Patterns are Everywhere!</a:t>
+              <a:t>Why Use Design Patterns?</a:t>
             </a:r>
             <a:endParaRPr lang="en-US" dirty="0"/>
           </a:p>
@@ -29963,7 +30248,7 @@
           <p:cNvPr id="3" name="Content Placeholder 2">
             <a:extLst>
               <a:ext uri="{FF2B5EF4-FFF2-40B4-BE49-F238E27FC236}">
-                <a16:creationId xmlns:a16="http://schemas.microsoft.com/office/drawing/2014/main" id="{FD8BE140-F914-4F64-AE38-A9C5A2DA08EB}"/>
+                <a16:creationId xmlns:a16="http://schemas.microsoft.com/office/drawing/2014/main" id="{4E510021-63A1-4237-B859-0A5222E8F179}"/>
               </a:ext>
             </a:extLst>
           </p:cNvPr>
@@ -29976,81 +30261,79 @@
         </p:nvSpPr>
         <p:spPr/>
         <p:txBody>
-          <a:bodyPr/>
-          <a:lstStyle/>
-          <a:p>
-            <a:r>
-              <a:rPr lang="en-US"/>
-              <a:t>Many examples of </a:t>
-            </a:r>
-            <a:r>
-              <a:rPr lang="en-US">
-                <a:hlinkClick r:id="rId2"/>
-              </a:rPr>
-              <a:t>patterns</a:t>
-            </a:r>
-            <a:r>
-              <a:rPr lang="en-US"/>
-              <a:t> in </a:t>
-            </a:r>
-            <a:r>
-              <a:rPr lang="en-US">
-                <a:hlinkClick r:id="rId3"/>
-              </a:rPr>
-              <a:t>real</a:t>
-            </a:r>
-            <a:r>
-              <a:rPr lang="en-US"/>
-              <a:t> life.</a:t>
+          <a:bodyPr>
+            <a:normAutofit lnSpcReduction="10000"/>
+          </a:bodyPr>
+          <a:lstStyle/>
+          <a:p>
+            <a:r>
+              <a:rPr lang="en-US"/>
+              <a:t>What does this do for me or my team?</a:t>
             </a:r>
           </a:p>
           <a:p>
             <a:pPr lvl="1"/>
             <a:r>
               <a:rPr lang="en-US"/>
-              <a:t>Interactions between workers at a restaurant.</a:t>
+              <a:t>Creates a consistent code base for improved maintainability.</a:t>
             </a:r>
           </a:p>
           <a:p>
             <a:pPr lvl="1"/>
             <a:r>
               <a:rPr lang="en-US"/>
-              <a:t>Soda Machine</a:t>
-            </a:r>
-          </a:p>
-          <a:p>
-            <a:r>
-              <a:rPr lang="en-US"/>
-              <a:t>Software and Frameworks</a:t>
+              <a:t>Inherently allows for more extensibility points. </a:t>
             </a:r>
           </a:p>
           <a:p>
             <a:pPr lvl="1"/>
             <a:r>
               <a:rPr lang="en-US"/>
-              <a:t>.NET</a:t>
+              <a:t>Promotes a more testable solution (unit and integration tests) with mocks and fakes. Better quality.</a:t>
             </a:r>
           </a:p>
           <a:p>
             <a:pPr lvl="1"/>
             <a:r>
               <a:rPr lang="en-US"/>
-              <a:t>ASP.NET</a:t>
+              <a:t>Allows dependency injection opportunities.</a:t>
+            </a:r>
+          </a:p>
+          <a:p>
+            <a:r>
+              <a:rPr lang="en-US"/>
+              <a:t>What problems to they solve?</a:t>
             </a:r>
           </a:p>
           <a:p>
             <a:pPr lvl="1"/>
             <a:r>
               <a:rPr lang="en-US"/>
-              <a:t>ASP.NET MVC</a:t>
+              <a:t>Help with refactoring code to improve testability, extensibility, and maintainability.</a:t>
             </a:r>
           </a:p>
           <a:p>
             <a:pPr lvl="1"/>
             <a:r>
               <a:rPr lang="en-US"/>
-              <a:t>Angular</a:t>
-            </a:r>
+              <a:t>Many patterns allow for additional extensibility points.</a:t>
+            </a:r>
+          </a:p>
+          <a:p>
+            <a:pPr lvl="1"/>
+            <a:r>
+              <a:rPr lang="en-US"/>
+              <a:t>Use existing patterns without creating atypical solutions for common problems.</a:t>
+            </a:r>
+          </a:p>
+          <a:p>
+            <a:pPr lvl="1"/>
+            <a:r>
+              <a:rPr lang="en-US"/>
+              <a:t>The team has a recipe for implementing parts of the application.</a:t>
+            </a:r>
+          </a:p>
+          <a:p>
             <a:endParaRPr lang="en-US" dirty="0"/>
           </a:p>
         </p:txBody>
@@ -30058,7 +30341,7 @@
     </p:spTree>
     <p:extLst>
       <p:ext uri="{BB962C8B-B14F-4D97-AF65-F5344CB8AC3E}">
-        <p14:creationId xmlns:p14="http://schemas.microsoft.com/office/powerpoint/2010/main" val="1989779248"/>
+        <p14:creationId xmlns:p14="http://schemas.microsoft.com/office/powerpoint/2010/main" val="1384919289"/>
       </p:ext>
     </p:extLst>
   </p:cSld>
@@ -30090,7 +30373,7 @@
           <p:cNvPr id="2" name="Title 1">
             <a:extLst>
               <a:ext uri="{FF2B5EF4-FFF2-40B4-BE49-F238E27FC236}">
-                <a16:creationId xmlns:a16="http://schemas.microsoft.com/office/drawing/2014/main" id="{31F3EA20-0BAA-4C55-BBEE-62405A146481}"/>
+                <a16:creationId xmlns:a16="http://schemas.microsoft.com/office/drawing/2014/main" id="{DD130F9D-68BC-42EE-A1B4-1773DD7FD304}"/>
               </a:ext>
             </a:extLst>
           </p:cNvPr>
@@ -30107,9 +30390,10 @@
           <a:lstStyle/>
           <a:p>
             <a:r>
-              <a:rPr lang="en-US" dirty="0"/>
-              <a:t>Angular Patterns :: Component</a:t>
-            </a:r>
+              <a:rPr lang="en-US"/>
+              <a:t>Patterns are Everywhere!</a:t>
+            </a:r>
+            <a:endParaRPr lang="en-US" dirty="0"/>
           </a:p>
         </p:txBody>
       </p:sp>
@@ -30118,7 +30402,7 @@
           <p:cNvPr id="3" name="Content Placeholder 2">
             <a:extLst>
               <a:ext uri="{FF2B5EF4-FFF2-40B4-BE49-F238E27FC236}">
-                <a16:creationId xmlns:a16="http://schemas.microsoft.com/office/drawing/2014/main" id="{F833562B-94B5-4873-9EE8-519AA961DEF9}"/>
+                <a16:creationId xmlns:a16="http://schemas.microsoft.com/office/drawing/2014/main" id="{FD8BE140-F914-4F64-AE38-A9C5A2DA08EB}"/>
               </a:ext>
             </a:extLst>
           </p:cNvPr>
@@ -30131,175 +30415,80 @@
         </p:nvSpPr>
         <p:spPr/>
         <p:txBody>
-          <a:bodyPr>
-            <a:normAutofit fontScale="77500" lnSpcReduction="20000"/>
-          </a:bodyPr>
+          <a:bodyPr/>
           <a:lstStyle/>
           <a:p>
             <a:r>
               <a:rPr lang="en-US" dirty="0"/>
-              <a:t>Template Method</a:t>
-            </a:r>
-          </a:p>
-          <a:p>
-            <a:pPr lvl="1"/>
+              <a:t>Many examples of </a:t>
+            </a:r>
             <a:r>
               <a:rPr lang="en-US" dirty="0">
                 <a:hlinkClick r:id="rId2"/>
               </a:rPr>
-              <a:t>Lifecycle Hooks</a:t>
+              <a:t>patterns</a:t>
             </a:r>
             <a:r>
               <a:rPr lang="en-US" dirty="0"/>
-              <a:t>: </a:t>
+              <a:t> in </a:t>
             </a:r>
             <a:r>
               <a:rPr lang="en-US" dirty="0">
                 <a:hlinkClick r:id="rId3"/>
               </a:rPr>
-              <a:t>ngOnChanges</a:t>
+              <a:t>real</a:t>
             </a:r>
             <a:r>
               <a:rPr lang="en-US" dirty="0"/>
-              <a:t>, </a:t>
-            </a:r>
-            <a:r>
-              <a:rPr lang="en-US" dirty="0">
-                <a:hlinkClick r:id="rId4"/>
-              </a:rPr>
-              <a:t>ngOnInit</a:t>
-            </a:r>
+              <a:t> life.</a:t>
+            </a:r>
+          </a:p>
+          <a:p>
+            <a:pPr lvl="1"/>
             <a:r>
               <a:rPr lang="en-US" dirty="0"/>
-              <a:t>, </a:t>
-            </a:r>
-            <a:r>
-              <a:rPr lang="en-US" dirty="0">
-                <a:hlinkClick r:id="rId5"/>
-              </a:rPr>
-              <a:t>ngDoCheck</a:t>
-            </a:r>
+              <a:t>Interactions between workers at a restaurant.</a:t>
+            </a:r>
+          </a:p>
+          <a:p>
+            <a:pPr lvl="1"/>
             <a:r>
               <a:rPr lang="en-US" dirty="0"/>
-              <a:t>, and </a:t>
-            </a:r>
-            <a:r>
-              <a:rPr lang="en-US" dirty="0">
-                <a:hlinkClick r:id="rId6"/>
-              </a:rPr>
-              <a:t>ngOnDestroy</a:t>
-            </a:r>
-            <a:endParaRPr lang="en-US" dirty="0"/>
+              <a:t>Soda Machine</a:t>
+            </a:r>
           </a:p>
           <a:p>
             <a:r>
               <a:rPr lang="en-US" dirty="0"/>
-              <a:t>Composite</a:t>
+              <a:t>Software and Frameworks</a:t>
             </a:r>
           </a:p>
           <a:p>
             <a:pPr lvl="1"/>
             <a:r>
               <a:rPr lang="en-US" dirty="0"/>
-              <a:t>A component can reference a component that has a component that has a </a:t>
-            </a:r>
-            <a:r>
-              <a:rPr lang="en-US" dirty="0">
-                <a:hlinkClick r:id="rId6"/>
-              </a:rPr>
-              <a:t>component</a:t>
-            </a:r>
+              <a:t>.NET</a:t>
+            </a:r>
+          </a:p>
+          <a:p>
+            <a:pPr lvl="1"/>
             <a:r>
               <a:rPr lang="en-US" dirty="0"/>
-              <a:t>.</a:t>
-            </a:r>
-          </a:p>
-          <a:p>
+              <a:t>ASP.NET</a:t>
+            </a:r>
+          </a:p>
+          <a:p>
+            <a:pPr lvl="1"/>
             <a:r>
               <a:rPr lang="en-US" dirty="0"/>
-              <a:t>Mediator</a:t>
+              <a:t>ASP.NET MVC</a:t>
             </a:r>
           </a:p>
           <a:p>
             <a:pPr lvl="1"/>
             <a:r>
               <a:rPr lang="en-US" dirty="0"/>
-              <a:t>A parent-component or injected service can mediate </a:t>
-            </a:r>
-            <a:r>
-              <a:rPr lang="en-US" dirty="0">
-                <a:hlinkClick r:id="rId7"/>
-              </a:rPr>
-              <a:t>communication</a:t>
-            </a:r>
-            <a:r>
-              <a:rPr lang="en-US" dirty="0"/>
-              <a:t> between loosely-coupled components/child-components.</a:t>
-            </a:r>
-          </a:p>
-          <a:p>
-            <a:r>
-              <a:rPr lang="en-US" dirty="0"/>
-              <a:t>Observer</a:t>
-            </a:r>
-          </a:p>
-          <a:p>
-            <a:pPr lvl="1"/>
-            <a:r>
-              <a:rPr lang="en-US" dirty="0"/>
-              <a:t>A component can subscribe to and react to an Observable response.</a:t>
-            </a:r>
-          </a:p>
-          <a:p>
-            <a:r>
-              <a:rPr lang="en-US" dirty="0"/>
-              <a:t>Facades</a:t>
-            </a:r>
-          </a:p>
-          <a:p>
-            <a:pPr lvl="1"/>
-            <a:r>
-              <a:rPr lang="en-US" dirty="0">
-                <a:hlinkClick r:id="rId8"/>
-              </a:rPr>
-              <a:t>Services</a:t>
-            </a:r>
-            <a:r>
-              <a:rPr lang="en-US" dirty="0"/>
-              <a:t> provide end-points to perform some action. How the action is performed is not known by the calling component.</a:t>
-            </a:r>
-          </a:p>
-          <a:p>
-            <a:r>
-              <a:rPr lang="en-US" dirty="0"/>
-              <a:t>Dependency Injection (Inversion of Control – IoC)</a:t>
-            </a:r>
-          </a:p>
-          <a:p>
-            <a:pPr lvl="1"/>
-            <a:r>
-              <a:rPr lang="en-US" dirty="0"/>
-              <a:t>Services are instantiated and </a:t>
-            </a:r>
-            <a:r>
-              <a:rPr lang="en-US" dirty="0">
-                <a:hlinkClick r:id="rId9"/>
-              </a:rPr>
-              <a:t>injected</a:t>
-            </a:r>
-            <a:r>
-              <a:rPr lang="en-US" dirty="0"/>
-              <a:t> into </a:t>
-            </a:r>
-            <a:r>
-              <a:rPr lang="en-US" dirty="0">
-                <a:hlinkClick r:id="rId10"/>
-              </a:rPr>
-              <a:t>components</a:t>
-            </a:r>
-            <a:r>
-              <a:rPr lang="en-US" dirty="0"/>
-              <a:t>.</a:t>
+              <a:t>Angular</a:t>
             </a:r>
           </a:p>
         </p:txBody>
@@ -30307,7 +30496,7 @@
     </p:spTree>
     <p:extLst>
       <p:ext uri="{BB962C8B-B14F-4D97-AF65-F5344CB8AC3E}">
-        <p14:creationId xmlns:p14="http://schemas.microsoft.com/office/powerpoint/2010/main" val="505401962"/>
+        <p14:creationId xmlns:p14="http://schemas.microsoft.com/office/powerpoint/2010/main" val="1989779248"/>
       </p:ext>
     </p:extLst>
   </p:cSld>

--- a/Presentation/Better Business Logic with Typescript.pptx
+++ b/Presentation/Better Business Logic with Typescript.pptx
@@ -900,7 +900,7 @@
             <a:fld id="{B61BEF0D-F0BB-DE4B-95CE-6DB70DBA9567}" type="datetimeFigureOut">
               <a:rPr lang="en-US" dirty="0"/>
               <a:pPr/>
-              <a:t>6/21/2017</a:t>
+              <a:t>6/22/2017</a:t>
             </a:fld>
             <a:endParaRPr lang="en-US" dirty="0"/>
           </a:p>
@@ -1153,7 +1153,7 @@
             <a:fld id="{B61BEF0D-F0BB-DE4B-95CE-6DB70DBA9567}" type="datetimeFigureOut">
               <a:rPr lang="en-US" dirty="0"/>
               <a:pPr/>
-              <a:t>6/21/2017</a:t>
+              <a:t>6/22/2017</a:t>
             </a:fld>
             <a:endParaRPr lang="en-US" dirty="0"/>
           </a:p>
@@ -1469,7 +1469,7 @@
             <a:fld id="{B61BEF0D-F0BB-DE4B-95CE-6DB70DBA9567}" type="datetimeFigureOut">
               <a:rPr lang="en-US" dirty="0"/>
               <a:pPr/>
-              <a:t>6/21/2017</a:t>
+              <a:t>6/22/2017</a:t>
             </a:fld>
             <a:endParaRPr lang="en-US" dirty="0"/>
           </a:p>
@@ -1812,7 +1812,7 @@
             <a:fld id="{B61BEF0D-F0BB-DE4B-95CE-6DB70DBA9567}" type="datetimeFigureOut">
               <a:rPr lang="en-US" dirty="0"/>
               <a:pPr/>
-              <a:t>6/21/2017</a:t>
+              <a:t>6/22/2017</a:t>
             </a:fld>
             <a:endParaRPr lang="en-US" dirty="0"/>
           </a:p>
@@ -2128,7 +2128,7 @@
             <a:fld id="{B61BEF0D-F0BB-DE4B-95CE-6DB70DBA9567}" type="datetimeFigureOut">
               <a:rPr lang="en-US" dirty="0"/>
               <a:pPr/>
-              <a:t>6/21/2017</a:t>
+              <a:t>6/22/2017</a:t>
             </a:fld>
             <a:endParaRPr lang="en-US" dirty="0"/>
           </a:p>
@@ -2523,7 +2523,7 @@
             <a:fld id="{B61BEF0D-F0BB-DE4B-95CE-6DB70DBA9567}" type="datetimeFigureOut">
               <a:rPr lang="en-US" dirty="0"/>
               <a:pPr/>
-              <a:t>6/21/2017</a:t>
+              <a:t>6/22/2017</a:t>
             </a:fld>
             <a:endParaRPr lang="en-US" dirty="0"/>
           </a:p>
@@ -2694,7 +2694,7 @@
           <a:p>
             <a:fld id="{55C6B4A9-1611-4792-9094-5F34BCA07E0B}" type="datetimeFigureOut">
               <a:rPr lang="en-US" dirty="0"/>
-              <a:t>6/21/2017</a:t>
+              <a:t>6/22/2017</a:t>
             </a:fld>
             <a:endParaRPr lang="en-US" dirty="0"/>
           </a:p>
@@ -2875,7 +2875,7 @@
             <a:fld id="{B61BEF0D-F0BB-DE4B-95CE-6DB70DBA9567}" type="datetimeFigureOut">
               <a:rPr lang="en-US" dirty="0"/>
               <a:pPr/>
-              <a:t>6/21/2017</a:t>
+              <a:t>6/22/2017</a:t>
             </a:fld>
             <a:endParaRPr lang="en-US" dirty="0"/>
           </a:p>
@@ -3076,7 +3076,7 @@
           <a:p>
             <a:fld id="{48A87A34-81AB-432B-8DAE-1953F412C126}" type="datetimeFigureOut">
               <a:rPr lang="en-US" dirty="0"/>
-              <a:t>6/21/2017</a:t>
+              <a:t>6/22/2017</a:t>
             </a:fld>
             <a:endParaRPr lang="en-US" dirty="0"/>
           </a:p>
@@ -3287,7 +3287,7 @@
           <a:p>
             <a:fld id="{48A87A34-81AB-432B-8DAE-1953F412C126}" type="datetimeFigureOut">
               <a:rPr lang="en-US" dirty="0"/>
-              <a:t>6/21/2017</a:t>
+              <a:t>6/22/2017</a:t>
             </a:fld>
             <a:endParaRPr lang="en-US" dirty="0"/>
           </a:p>
@@ -3566,7 +3566,7 @@
           <a:p>
             <a:fld id="{48A87A34-81AB-432B-8DAE-1953F412C126}" type="datetimeFigureOut">
               <a:rPr lang="en-US" dirty="0"/>
-              <a:t>6/21/2017</a:t>
+              <a:t>6/22/2017</a:t>
             </a:fld>
             <a:endParaRPr lang="en-US" dirty="0"/>
           </a:p>
@@ -3774,7 +3774,7 @@
             <a:fld id="{B61BEF0D-F0BB-DE4B-95CE-6DB70DBA9567}" type="datetimeFigureOut">
               <a:rPr lang="en-US" dirty="0"/>
               <a:pPr/>
-              <a:t>6/21/2017</a:t>
+              <a:t>6/22/2017</a:t>
             </a:fld>
             <a:endParaRPr lang="en-US" dirty="0"/>
           </a:p>
@@ -4012,7 +4012,7 @@
           <a:p>
             <a:fld id="{48A87A34-81AB-432B-8DAE-1953F412C126}" type="datetimeFigureOut">
               <a:rPr lang="en-US" dirty="0"/>
-              <a:t>6/21/2017</a:t>
+              <a:t>6/22/2017</a:t>
             </a:fld>
             <a:endParaRPr lang="en-US" dirty="0"/>
           </a:p>
@@ -4428,7 +4428,7 @@
           <a:p>
             <a:fld id="{48A87A34-81AB-432B-8DAE-1953F412C126}" type="datetimeFigureOut">
               <a:rPr lang="en-US" dirty="0"/>
-              <a:t>6/21/2017</a:t>
+              <a:t>6/22/2017</a:t>
             </a:fld>
             <a:endParaRPr lang="en-US" dirty="0"/>
           </a:p>
@@ -4577,7 +4577,7 @@
           <a:p>
             <a:fld id="{48A87A34-81AB-432B-8DAE-1953F412C126}" type="datetimeFigureOut">
               <a:rPr lang="en-US" dirty="0"/>
-              <a:t>6/21/2017</a:t>
+              <a:t>6/22/2017</a:t>
             </a:fld>
             <a:endParaRPr lang="en-US" dirty="0"/>
           </a:p>
@@ -4703,7 +4703,7 @@
           <a:p>
             <a:fld id="{48A87A34-81AB-432B-8DAE-1953F412C126}" type="datetimeFigureOut">
               <a:rPr lang="en-US" dirty="0"/>
-              <a:t>6/21/2017</a:t>
+              <a:t>6/22/2017</a:t>
             </a:fld>
             <a:endParaRPr lang="en-US" dirty="0"/>
           </a:p>
@@ -4954,7 +4954,7 @@
           <a:p>
             <a:fld id="{48A87A34-81AB-432B-8DAE-1953F412C126}" type="datetimeFigureOut">
               <a:rPr lang="en-US" dirty="0"/>
-              <a:t>6/21/2017</a:t>
+              <a:t>6/22/2017</a:t>
             </a:fld>
             <a:endParaRPr lang="en-US" dirty="0"/>
           </a:p>
@@ -5400,7 +5400,7 @@
             <a:fld id="{48A87A34-81AB-432B-8DAE-1953F412C126}" type="datetimeFigureOut">
               <a:rPr lang="en-US" dirty="0"/>
               <a:pPr/>
-              <a:t>6/21/2017</a:t>
+              <a:t>6/22/2017</a:t>
             </a:fld>
             <a:endParaRPr lang="en-US" dirty="0"/>
           </a:p>
@@ -5606,7 +5606,7 @@
           <a:p>
             <a:fld id="{48A87A34-81AB-432B-8DAE-1953F412C126}" type="datetimeFigureOut">
               <a:rPr lang="en-US" dirty="0"/>
-              <a:t>6/21/2017</a:t>
+              <a:t>6/22/2017</a:t>
             </a:fld>
             <a:endParaRPr lang="en-US" dirty="0"/>
           </a:p>
@@ -5821,7 +5821,7 @@
           <a:p>
             <a:fld id="{48A87A34-81AB-432B-8DAE-1953F412C126}" type="datetimeFigureOut">
               <a:rPr lang="en-US" dirty="0"/>
-              <a:t>6/21/2017</a:t>
+              <a:t>6/22/2017</a:t>
             </a:fld>
             <a:endParaRPr lang="en-US" dirty="0"/>
           </a:p>
@@ -6099,7 +6099,7 @@
           <a:p>
             <a:fld id="{4AAD347D-5ACD-4C99-B74B-A9C85AD731AF}" type="datetimeFigureOut">
               <a:rPr lang="en-US" dirty="0"/>
-              <a:t>6/21/2017</a:t>
+              <a:t>6/22/2017</a:t>
             </a:fld>
             <a:endParaRPr lang="en-US" dirty="0"/>
           </a:p>
@@ -6269,7 +6269,7 @@
           <a:p>
             <a:fld id="{4509A250-FF31-4206-8172-F9D3106AACB1}" type="datetimeFigureOut">
               <a:rPr lang="en-US" dirty="0"/>
-              <a:t>6/21/2017</a:t>
+              <a:t>6/22/2017</a:t>
             </a:fld>
             <a:endParaRPr lang="en-US" dirty="0"/>
           </a:p>
@@ -6517,7 +6517,7 @@
             <a:fld id="{B61BEF0D-F0BB-DE4B-95CE-6DB70DBA9567}" type="datetimeFigureOut">
               <a:rPr lang="en-US" dirty="0"/>
               <a:pPr/>
-              <a:t>6/21/2017</a:t>
+              <a:t>6/22/2017</a:t>
             </a:fld>
             <a:endParaRPr lang="en-US" dirty="0"/>
           </a:p>
@@ -6765,7 +6765,7 @@
           <a:p>
             <a:fld id="{9796027F-7875-4030-9381-8BD8C4F21935}" type="datetimeFigureOut">
               <a:rPr lang="en-US" dirty="0"/>
-              <a:t>6/21/2017</a:t>
+              <a:t>6/22/2017</a:t>
             </a:fld>
             <a:endParaRPr lang="en-US" dirty="0"/>
           </a:p>
@@ -7057,7 +7057,7 @@
           <a:p>
             <a:fld id="{9796027F-7875-4030-9381-8BD8C4F21935}" type="datetimeFigureOut">
               <a:rPr lang="en-US" dirty="0"/>
-              <a:t>6/21/2017</a:t>
+              <a:t>6/22/2017</a:t>
             </a:fld>
             <a:endParaRPr lang="en-US" dirty="0"/>
           </a:p>
@@ -7501,7 +7501,7 @@
           <a:p>
             <a:fld id="{9796027F-7875-4030-9381-8BD8C4F21935}" type="datetimeFigureOut">
               <a:rPr lang="en-US" dirty="0"/>
-              <a:t>6/21/2017</a:t>
+              <a:t>6/22/2017</a:t>
             </a:fld>
             <a:endParaRPr lang="en-US" dirty="0"/>
           </a:p>
@@ -7619,7 +7619,7 @@
           <a:p>
             <a:fld id="{4509A250-FF31-4206-8172-F9D3106AACB1}" type="datetimeFigureOut">
               <a:rPr lang="en-US" dirty="0"/>
-              <a:t>6/21/2017</a:t>
+              <a:t>6/22/2017</a:t>
             </a:fld>
             <a:endParaRPr lang="en-US" dirty="0"/>
           </a:p>
@@ -7714,7 +7714,7 @@
           <a:p>
             <a:fld id="{4509A250-FF31-4206-8172-F9D3106AACB1}" type="datetimeFigureOut">
               <a:rPr lang="en-US" dirty="0"/>
-              <a:t>6/21/2017</a:t>
+              <a:t>6/22/2017</a:t>
             </a:fld>
             <a:endParaRPr lang="en-US" dirty="0"/>
           </a:p>
@@ -7993,7 +7993,7 @@
           <a:p>
             <a:fld id="{4509A250-FF31-4206-8172-F9D3106AACB1}" type="datetimeFigureOut">
               <a:rPr lang="en-US" dirty="0"/>
-              <a:t>6/21/2017</a:t>
+              <a:t>6/22/2017</a:t>
             </a:fld>
             <a:endParaRPr lang="en-US" dirty="0"/>
           </a:p>
@@ -8268,7 +8268,7 @@
           <a:p>
             <a:fld id="{4509A250-FF31-4206-8172-F9D3106AACB1}" type="datetimeFigureOut">
               <a:rPr lang="en-US" dirty="0"/>
-              <a:t>6/21/2017</a:t>
+              <a:t>6/22/2017</a:t>
             </a:fld>
             <a:endParaRPr lang="en-US" dirty="0"/>
           </a:p>
@@ -8543,7 +8543,7 @@
           <a:p>
             <a:fld id="{4509A250-FF31-4206-8172-F9D3106AACB1}" type="datetimeFigureOut">
               <a:rPr lang="en-US" dirty="0"/>
-              <a:t>6/21/2017</a:t>
+              <a:t>6/22/2017</a:t>
             </a:fld>
             <a:endParaRPr lang="en-US" dirty="0"/>
           </a:p>
@@ -8737,7 +8737,7 @@
           <a:p>
             <a:fld id="{4509A250-FF31-4206-8172-F9D3106AACB1}" type="datetimeFigureOut">
               <a:rPr lang="en-US" dirty="0"/>
-              <a:t>6/21/2017</a:t>
+              <a:t>6/22/2017</a:t>
             </a:fld>
             <a:endParaRPr lang="en-US" dirty="0"/>
           </a:p>
@@ -9010,7 +9010,7 @@
           <a:p>
             <a:fld id="{4509A250-FF31-4206-8172-F9D3106AACB1}" type="datetimeFigureOut">
               <a:rPr lang="en-US" dirty="0"/>
-              <a:t>6/21/2017</a:t>
+              <a:t>6/22/2017</a:t>
             </a:fld>
             <a:endParaRPr lang="en-US" dirty="0"/>
           </a:p>
@@ -9336,7 +9336,7 @@
           <a:p>
             <a:fld id="{EB712588-04B1-427B-82EE-E8DB90309F08}" type="datetimeFigureOut">
               <a:rPr lang="en-US" dirty="0"/>
-              <a:t>6/21/2017</a:t>
+              <a:t>6/22/2017</a:t>
             </a:fld>
             <a:endParaRPr lang="en-US" dirty="0"/>
           </a:p>
@@ -9583,7 +9583,7 @@
           <a:p>
             <a:fld id="{4509A250-FF31-4206-8172-F9D3106AACB1}" type="datetimeFigureOut">
               <a:rPr lang="en-US" dirty="0"/>
-              <a:t>6/21/2017</a:t>
+              <a:t>6/22/2017</a:t>
             </a:fld>
             <a:endParaRPr lang="en-US" dirty="0"/>
           </a:p>
@@ -10206,7 +10206,7 @@
           <a:p>
             <a:fld id="{4509A250-FF31-4206-8172-F9D3106AACB1}" type="datetimeFigureOut">
               <a:rPr lang="en-US" dirty="0"/>
-              <a:t>6/21/2017</a:t>
+              <a:t>6/22/2017</a:t>
             </a:fld>
             <a:endParaRPr lang="en-US" dirty="0"/>
           </a:p>
@@ -11066,7 +11066,7 @@
           <a:p>
             <a:fld id="{4509A250-FF31-4206-8172-F9D3106AACB1}" type="datetimeFigureOut">
               <a:rPr lang="en-US" dirty="0"/>
-              <a:t>6/21/2017</a:t>
+              <a:t>6/22/2017</a:t>
             </a:fld>
             <a:endParaRPr lang="en-US" dirty="0"/>
           </a:p>
@@ -11236,7 +11236,7 @@
           <a:p>
             <a:fld id="{4509A250-FF31-4206-8172-F9D3106AACB1}" type="datetimeFigureOut">
               <a:rPr lang="en-US" dirty="0"/>
-              <a:t>6/21/2017</a:t>
+              <a:t>6/22/2017</a:t>
             </a:fld>
             <a:endParaRPr lang="en-US" dirty="0"/>
           </a:p>
@@ -11416,7 +11416,7 @@
           <a:p>
             <a:fld id="{4509A250-FF31-4206-8172-F9D3106AACB1}" type="datetimeFigureOut">
               <a:rPr lang="en-US" dirty="0"/>
-              <a:t>6/21/2017</a:t>
+              <a:t>6/22/2017</a:t>
             </a:fld>
             <a:endParaRPr lang="en-US" dirty="0"/>
           </a:p>
@@ -11573,7 +11573,7 @@
           <a:p>
             <a:fld id="{90786BE5-D2A3-4BF0-8B30-D7403E61B3DC}" type="datetimeFigureOut">
               <a:rPr lang="en-US" smtClean="0"/>
-              <a:t>6/21/2017</a:t>
+              <a:t>6/22/2017</a:t>
             </a:fld>
             <a:endParaRPr lang="en-US" dirty="0"/>
           </a:p>
@@ -11860,7 +11860,7 @@
           <a:p>
             <a:fld id="{4AAD347D-5ACD-4C99-B74B-A9C85AD731AF}" type="datetimeFigureOut">
               <a:rPr lang="en-US" dirty="0"/>
-              <a:t>6/21/2017</a:t>
+              <a:t>6/22/2017</a:t>
             </a:fld>
             <a:endParaRPr lang="en-US" dirty="0"/>
           </a:p>
@@ -12030,7 +12030,7 @@
           <a:p>
             <a:fld id="{4509A250-FF31-4206-8172-F9D3106AACB1}" type="datetimeFigureOut">
               <a:rPr lang="en-US" dirty="0"/>
-              <a:t>6/21/2017</a:t>
+              <a:t>6/22/2017</a:t>
             </a:fld>
             <a:endParaRPr lang="en-US" dirty="0"/>
           </a:p>
@@ -12277,7 +12277,7 @@
           <a:p>
             <a:fld id="{9796027F-7875-4030-9381-8BD8C4F21935}" type="datetimeFigureOut">
               <a:rPr lang="en-US" dirty="0"/>
-              <a:t>6/21/2017</a:t>
+              <a:t>6/22/2017</a:t>
             </a:fld>
             <a:endParaRPr lang="en-US" dirty="0"/>
           </a:p>
@@ -12569,7 +12569,7 @@
           <a:p>
             <a:fld id="{9796027F-7875-4030-9381-8BD8C4F21935}" type="datetimeFigureOut">
               <a:rPr lang="en-US" dirty="0"/>
-              <a:t>6/21/2017</a:t>
+              <a:t>6/22/2017</a:t>
             </a:fld>
             <a:endParaRPr lang="en-US" dirty="0"/>
           </a:p>
@@ -12944,7 +12944,7 @@
             <a:fld id="{B61BEF0D-F0BB-DE4B-95CE-6DB70DBA9567}" type="datetimeFigureOut">
               <a:rPr lang="en-US" dirty="0"/>
               <a:pPr/>
-              <a:t>6/21/2017</a:t>
+              <a:t>6/22/2017</a:t>
             </a:fld>
             <a:endParaRPr lang="en-US" dirty="0"/>
           </a:p>
@@ -13389,7 +13389,7 @@
           <a:p>
             <a:fld id="{9796027F-7875-4030-9381-8BD8C4F21935}" type="datetimeFigureOut">
               <a:rPr lang="en-US" dirty="0"/>
-              <a:t>6/21/2017</a:t>
+              <a:t>6/22/2017</a:t>
             </a:fld>
             <a:endParaRPr lang="en-US" dirty="0"/>
           </a:p>
@@ -13507,7 +13507,7 @@
           <a:p>
             <a:fld id="{4509A250-FF31-4206-8172-F9D3106AACB1}" type="datetimeFigureOut">
               <a:rPr lang="en-US" dirty="0"/>
-              <a:t>6/21/2017</a:t>
+              <a:t>6/22/2017</a:t>
             </a:fld>
             <a:endParaRPr lang="en-US" dirty="0"/>
           </a:p>
@@ -13602,7 +13602,7 @@
           <a:p>
             <a:fld id="{4509A250-FF31-4206-8172-F9D3106AACB1}" type="datetimeFigureOut">
               <a:rPr lang="en-US" dirty="0"/>
-              <a:t>6/21/2017</a:t>
+              <a:t>6/22/2017</a:t>
             </a:fld>
             <a:endParaRPr lang="en-US" dirty="0"/>
           </a:p>
@@ -13881,7 +13881,7 @@
           <a:p>
             <a:fld id="{4509A250-FF31-4206-8172-F9D3106AACB1}" type="datetimeFigureOut">
               <a:rPr lang="en-US" dirty="0"/>
-              <a:t>6/21/2017</a:t>
+              <a:t>6/22/2017</a:t>
             </a:fld>
             <a:endParaRPr lang="en-US" dirty="0"/>
           </a:p>
@@ -14156,7 +14156,7 @@
           <a:p>
             <a:fld id="{4509A250-FF31-4206-8172-F9D3106AACB1}" type="datetimeFigureOut">
               <a:rPr lang="en-US" dirty="0"/>
-              <a:t>6/21/2017</a:t>
+              <a:t>6/22/2017</a:t>
             </a:fld>
             <a:endParaRPr lang="en-US" dirty="0"/>
           </a:p>
@@ -14431,7 +14431,7 @@
           <a:p>
             <a:fld id="{4509A250-FF31-4206-8172-F9D3106AACB1}" type="datetimeFigureOut">
               <a:rPr lang="en-US" dirty="0"/>
-              <a:t>6/21/2017</a:t>
+              <a:t>6/22/2017</a:t>
             </a:fld>
             <a:endParaRPr lang="en-US" dirty="0"/>
           </a:p>
@@ -14625,7 +14625,7 @@
           <a:p>
             <a:fld id="{4509A250-FF31-4206-8172-F9D3106AACB1}" type="datetimeFigureOut">
               <a:rPr lang="en-US" dirty="0"/>
-              <a:t>6/21/2017</a:t>
+              <a:t>6/22/2017</a:t>
             </a:fld>
             <a:endParaRPr lang="en-US" dirty="0"/>
           </a:p>
@@ -14898,7 +14898,7 @@
           <a:p>
             <a:fld id="{4509A250-FF31-4206-8172-F9D3106AACB1}" type="datetimeFigureOut">
               <a:rPr lang="en-US" dirty="0"/>
-              <a:t>6/21/2017</a:t>
+              <a:t>6/22/2017</a:t>
             </a:fld>
             <a:endParaRPr lang="en-US" dirty="0"/>
           </a:p>
@@ -15239,7 +15239,7 @@
           <a:p>
             <a:fld id="{4509A250-FF31-4206-8172-F9D3106AACB1}" type="datetimeFigureOut">
               <a:rPr lang="en-US" dirty="0"/>
-              <a:t>6/21/2017</a:t>
+              <a:t>6/22/2017</a:t>
             </a:fld>
             <a:endParaRPr lang="en-US" dirty="0"/>
           </a:p>
@@ -15862,7 +15862,7 @@
           <a:p>
             <a:fld id="{4509A250-FF31-4206-8172-F9D3106AACB1}" type="datetimeFigureOut">
               <a:rPr lang="en-US" dirty="0"/>
-              <a:t>6/21/2017</a:t>
+              <a:t>6/22/2017</a:t>
             </a:fld>
             <a:endParaRPr lang="en-US" dirty="0"/>
           </a:p>
@@ -15986,7 +15986,7 @@
             <a:fld id="{B61BEF0D-F0BB-DE4B-95CE-6DB70DBA9567}" type="datetimeFigureOut">
               <a:rPr lang="en-US" dirty="0"/>
               <a:pPr/>
-              <a:t>6/21/2017</a:t>
+              <a:t>6/22/2017</a:t>
             </a:fld>
             <a:endParaRPr lang="en-US" dirty="0"/>
           </a:p>
@@ -16847,7 +16847,7 @@
           <a:p>
             <a:fld id="{4509A250-FF31-4206-8172-F9D3106AACB1}" type="datetimeFigureOut">
               <a:rPr lang="en-US" dirty="0"/>
-              <a:t>6/21/2017</a:t>
+              <a:t>6/22/2017</a:t>
             </a:fld>
             <a:endParaRPr lang="en-US" dirty="0"/>
           </a:p>
@@ -17017,7 +17017,7 @@
           <a:p>
             <a:fld id="{4509A250-FF31-4206-8172-F9D3106AACB1}" type="datetimeFigureOut">
               <a:rPr lang="en-US" dirty="0"/>
-              <a:t>6/21/2017</a:t>
+              <a:t>6/22/2017</a:t>
             </a:fld>
             <a:endParaRPr lang="en-US" dirty="0"/>
           </a:p>
@@ -17197,7 +17197,7 @@
           <a:p>
             <a:fld id="{4509A250-FF31-4206-8172-F9D3106AACB1}" type="datetimeFigureOut">
               <a:rPr lang="en-US" dirty="0"/>
-              <a:t>6/21/2017</a:t>
+              <a:t>6/22/2017</a:t>
             </a:fld>
             <a:endParaRPr lang="en-US" dirty="0"/>
           </a:p>
@@ -17353,7 +17353,7 @@
           <a:effectLst/>
           <a:extLst>
             <a:ext uri="{91240B29-F687-4f45-9708-019B960494DF}">
-              <a14:hiddenLine xmlns="" xmlns:a14="http://schemas.microsoft.com/office/drawing/2010/main" w="9525">
+              <a14:hiddenLine xmlns:a14="http://schemas.microsoft.com/office/drawing/2010/main" xmlns="" w="9525">
                 <a:solidFill>
                   <a:srgbClr val="000000"/>
                 </a:solidFill>
@@ -17546,7 +17546,7 @@
             <a:fld id="{B61BEF0D-F0BB-DE4B-95CE-6DB70DBA9567}" type="datetimeFigureOut">
               <a:rPr lang="en-US" smtClean="0"/>
               <a:pPr/>
-              <a:t>6/21/2017</a:t>
+              <a:t>6/22/2017</a:t>
             </a:fld>
             <a:endParaRPr lang="en-US" dirty="0"/>
           </a:p>
@@ -17702,7 +17702,7 @@
           <a:ln/>
           <a:extLst>
             <a:ext uri="{91240B29-F687-4f45-9708-019B960494DF}">
-              <a14:hiddenLine xmlns="" xmlns:a14="http://schemas.microsoft.com/office/drawing/2010/main" w="9525">
+              <a14:hiddenLine xmlns:a14="http://schemas.microsoft.com/office/drawing/2010/main" xmlns="" w="9525">
                 <a:solidFill>
                   <a:srgbClr val="000000"/>
                 </a:solidFill>
@@ -17831,7 +17831,7 @@
             <a:fld id="{B61BEF0D-F0BB-DE4B-95CE-6DB70DBA9567}" type="datetimeFigureOut">
               <a:rPr lang="en-US" smtClean="0"/>
               <a:pPr/>
-              <a:t>6/21/2017</a:t>
+              <a:t>6/22/2017</a:t>
             </a:fld>
             <a:endParaRPr lang="en-US" dirty="0"/>
           </a:p>
@@ -18176,7 +18176,7 @@
             <a:fld id="{B61BEF0D-F0BB-DE4B-95CE-6DB70DBA9567}" type="datetimeFigureOut">
               <a:rPr lang="en-US" smtClean="0"/>
               <a:pPr/>
-              <a:t>6/21/2017</a:t>
+              <a:t>6/22/2017</a:t>
             </a:fld>
             <a:endParaRPr lang="en-US" dirty="0"/>
           </a:p>
@@ -18332,7 +18332,7 @@
           <a:ln/>
           <a:extLst>
             <a:ext uri="{91240B29-F687-4f45-9708-019B960494DF}">
-              <a14:hiddenLine xmlns="" xmlns:a14="http://schemas.microsoft.com/office/drawing/2010/main" w="9525">
+              <a14:hiddenLine xmlns:a14="http://schemas.microsoft.com/office/drawing/2010/main" xmlns="" w="9525">
                 <a:solidFill>
                   <a:srgbClr val="000000"/>
                 </a:solidFill>
@@ -18516,7 +18516,7 @@
           <a:p>
             <a:fld id="{EB712588-04B1-427B-82EE-E8DB90309F08}" type="datetimeFigureOut">
               <a:rPr lang="en-US" smtClean="0"/>
-              <a:t>6/21/2017</a:t>
+              <a:t>6/22/2017</a:t>
             </a:fld>
             <a:endParaRPr lang="en-US" dirty="0"/>
           </a:p>
@@ -18671,7 +18671,7 @@
           <a:ln/>
           <a:extLst>
             <a:ext uri="{91240B29-F687-4f45-9708-019B960494DF}">
-              <a14:hiddenLine xmlns="" xmlns:a14="http://schemas.microsoft.com/office/drawing/2010/main" w="9525">
+              <a14:hiddenLine xmlns:a14="http://schemas.microsoft.com/office/drawing/2010/main" xmlns="" w="9525">
                 <a:solidFill>
                   <a:srgbClr val="000000"/>
                 </a:solidFill>
@@ -18994,7 +18994,7 @@
             <a:fld id="{B61BEF0D-F0BB-DE4B-95CE-6DB70DBA9567}" type="datetimeFigureOut">
               <a:rPr lang="en-US" smtClean="0"/>
               <a:pPr/>
-              <a:t>6/21/2017</a:t>
+              <a:t>6/22/2017</a:t>
             </a:fld>
             <a:endParaRPr lang="en-US" dirty="0"/>
           </a:p>
@@ -19150,7 +19150,7 @@
           <a:ln/>
           <a:extLst>
             <a:ext uri="{91240B29-F687-4f45-9708-019B960494DF}">
-              <a14:hiddenLine xmlns="" xmlns:a14="http://schemas.microsoft.com/office/drawing/2010/main" w="9525">
+              <a14:hiddenLine xmlns:a14="http://schemas.microsoft.com/office/drawing/2010/main" xmlns="" w="9525">
                 <a:solidFill>
                   <a:srgbClr val="000000"/>
                 </a:solidFill>
@@ -19217,7 +19217,7 @@
             <a:fld id="{B61BEF0D-F0BB-DE4B-95CE-6DB70DBA9567}" type="datetimeFigureOut">
               <a:rPr lang="en-US" smtClean="0"/>
               <a:pPr/>
-              <a:t>6/21/2017</a:t>
+              <a:t>6/22/2017</a:t>
             </a:fld>
             <a:endParaRPr lang="en-US" dirty="0"/>
           </a:p>
@@ -19314,7 +19314,7 @@
             <a:fld id="{B61BEF0D-F0BB-DE4B-95CE-6DB70DBA9567}" type="datetimeFigureOut">
               <a:rPr lang="en-US" smtClean="0"/>
               <a:pPr/>
-              <a:t>6/21/2017</a:t>
+              <a:t>6/22/2017</a:t>
             </a:fld>
             <a:endParaRPr lang="en-US" dirty="0"/>
           </a:p>
@@ -19411,7 +19411,7 @@
             <a:fld id="{B61BEF0D-F0BB-DE4B-95CE-6DB70DBA9567}" type="datetimeFigureOut">
               <a:rPr lang="en-US" dirty="0"/>
               <a:pPr/>
-              <a:t>6/21/2017</a:t>
+              <a:t>6/22/2017</a:t>
             </a:fld>
             <a:endParaRPr lang="en-US" dirty="0"/>
           </a:p>
@@ -19680,7 +19680,7 @@
           <a:ln/>
           <a:extLst>
             <a:ext uri="{91240B29-F687-4f45-9708-019B960494DF}">
-              <a14:hiddenLine xmlns="" xmlns:a14="http://schemas.microsoft.com/office/drawing/2010/main" w="9525">
+              <a14:hiddenLine xmlns:a14="http://schemas.microsoft.com/office/drawing/2010/main" xmlns="" w="9525">
                 <a:solidFill>
                   <a:srgbClr val="000000"/>
                 </a:solidFill>
@@ -19879,7 +19879,7 @@
           <a:p>
             <a:fld id="{42A54C80-263E-416B-A8E0-580EDEADCBDC}" type="datetimeFigureOut">
               <a:rPr lang="en-US" smtClean="0"/>
-              <a:t>6/21/2017</a:t>
+              <a:t>6/22/2017</a:t>
             </a:fld>
             <a:endParaRPr lang="en-US" dirty="0"/>
           </a:p>
@@ -20193,7 +20193,7 @@
             <a:fld id="{B61BEF0D-F0BB-DE4B-95CE-6DB70DBA9567}" type="datetimeFigureOut">
               <a:rPr lang="en-US" smtClean="0"/>
               <a:pPr/>
-              <a:t>6/21/2017</a:t>
+              <a:t>6/22/2017</a:t>
             </a:fld>
             <a:endParaRPr lang="en-US" dirty="0"/>
           </a:p>
@@ -20523,7 +20523,7 @@
             <a:fld id="{B61BEF0D-F0BB-DE4B-95CE-6DB70DBA9567}" type="datetimeFigureOut">
               <a:rPr lang="en-US" smtClean="0"/>
               <a:pPr/>
-              <a:t>6/21/2017</a:t>
+              <a:t>6/22/2017</a:t>
             </a:fld>
             <a:endParaRPr lang="en-US" dirty="0"/>
           </a:p>
@@ -21013,7 +21013,7 @@
             <a:fld id="{B61BEF0D-F0BB-DE4B-95CE-6DB70DBA9567}" type="datetimeFigureOut">
               <a:rPr lang="en-US" smtClean="0"/>
               <a:pPr/>
-              <a:t>6/21/2017</a:t>
+              <a:t>6/22/2017</a:t>
             </a:fld>
             <a:endParaRPr lang="en-US" dirty="0"/>
           </a:p>
@@ -21384,7 +21384,7 @@
             <a:fld id="{B61BEF0D-F0BB-DE4B-95CE-6DB70DBA9567}" type="datetimeFigureOut">
               <a:rPr lang="en-US" smtClean="0"/>
               <a:pPr/>
-              <a:t>6/21/2017</a:t>
+              <a:t>6/22/2017</a:t>
             </a:fld>
             <a:endParaRPr lang="en-US" dirty="0"/>
           </a:p>
@@ -21540,7 +21540,7 @@
           <a:ln/>
           <a:extLst>
             <a:ext uri="{91240B29-F687-4f45-9708-019B960494DF}">
-              <a14:hiddenLine xmlns="" xmlns:a14="http://schemas.microsoft.com/office/drawing/2010/main" w="9525">
+              <a14:hiddenLine xmlns:a14="http://schemas.microsoft.com/office/drawing/2010/main" xmlns="" w="9525">
                 <a:solidFill>
                   <a:srgbClr val="000000"/>
                 </a:solidFill>
@@ -21658,7 +21658,7 @@
           <a:p>
             <a:fld id="{55C6B4A9-1611-4792-9094-5F34BCA07E0B}" type="datetimeFigureOut">
               <a:rPr lang="en-US" smtClean="0"/>
-              <a:t>6/21/2017</a:t>
+              <a:t>6/22/2017</a:t>
             </a:fld>
             <a:endParaRPr lang="en-US" dirty="0"/>
           </a:p>
@@ -21815,7 +21815,7 @@
           <a:ln/>
           <a:extLst>
             <a:ext uri="{91240B29-F687-4f45-9708-019B960494DF}">
-              <a14:hiddenLine xmlns="" xmlns:a14="http://schemas.microsoft.com/office/drawing/2010/main" w="9525">
+              <a14:hiddenLine xmlns:a14="http://schemas.microsoft.com/office/drawing/2010/main" xmlns="" w="9525">
                 <a:solidFill>
                   <a:srgbClr val="000000"/>
                 </a:solidFill>
@@ -21944,7 +21944,7 @@
             <a:fld id="{B61BEF0D-F0BB-DE4B-95CE-6DB70DBA9567}" type="datetimeFigureOut">
               <a:rPr lang="en-US" smtClean="0"/>
               <a:pPr/>
-              <a:t>6/21/2017</a:t>
+              <a:t>6/22/2017</a:t>
             </a:fld>
             <a:endParaRPr lang="en-US" dirty="0"/>
           </a:p>
@@ -22200,7 +22200,7 @@
           <a:p>
             <a:fld id="{42A54C80-263E-416B-A8E0-580EDEADCBDC}" type="datetimeFigureOut">
               <a:rPr lang="en-US" dirty="0"/>
-              <a:t>6/21/2017</a:t>
+              <a:t>6/22/2017</a:t>
             </a:fld>
             <a:endParaRPr lang="en-US" dirty="0"/>
           </a:p>
@@ -22464,7 +22464,7 @@
             <a:fld id="{B61BEF0D-F0BB-DE4B-95CE-6DB70DBA9567}" type="datetimeFigureOut">
               <a:rPr lang="en-US" dirty="0"/>
               <a:pPr/>
-              <a:t>6/21/2017</a:t>
+              <a:t>6/22/2017</a:t>
             </a:fld>
             <a:endParaRPr lang="en-US" dirty="0"/>
           </a:p>
@@ -23209,7 +23209,7 @@
             <a:fld id="{B61BEF0D-F0BB-DE4B-95CE-6DB70DBA9567}" type="datetimeFigureOut">
               <a:rPr lang="en-US" dirty="0"/>
               <a:pPr/>
-              <a:t>6/21/2017</a:t>
+              <a:t>6/22/2017</a:t>
             </a:fld>
             <a:endParaRPr lang="en-US" dirty="0"/>
           </a:p>
@@ -23947,7 +23947,7 @@
             <a:fld id="{48A87A34-81AB-432B-8DAE-1953F412C126}" type="datetimeFigureOut">
               <a:rPr lang="en-US" dirty="0"/>
               <a:pPr/>
-              <a:t>6/21/2017</a:t>
+              <a:t>6/22/2017</a:t>
             </a:fld>
             <a:endParaRPr lang="en-US" dirty="0"/>
           </a:p>
@@ -24785,7 +24785,7 @@
           <a:p>
             <a:fld id="{4AAD347D-5ACD-4C99-B74B-A9C85AD731AF}" type="datetimeFigureOut">
               <a:rPr lang="en-US" dirty="0"/>
-              <a:t>6/21/2017</a:t>
+              <a:t>6/22/2017</a:t>
             </a:fld>
             <a:endParaRPr lang="en-US" dirty="0"/>
           </a:p>
@@ -25666,7 +25666,7 @@
           <a:p>
             <a:fld id="{4AAD347D-5ACD-4C99-B74B-A9C85AD731AF}" type="datetimeFigureOut">
               <a:rPr lang="en-US" dirty="0"/>
-              <a:t>6/21/2017</a:t>
+              <a:t>6/22/2017</a:t>
             </a:fld>
             <a:endParaRPr lang="en-US" dirty="0"/>
           </a:p>
@@ -26378,7 +26378,7 @@
             <a:fld id="{B61BEF0D-F0BB-DE4B-95CE-6DB70DBA9567}" type="datetimeFigureOut">
               <a:rPr lang="en-US" smtClean="0"/>
               <a:pPr/>
-              <a:t>6/21/2017</a:t>
+              <a:t>6/22/2017</a:t>
             </a:fld>
             <a:endParaRPr lang="en-US" dirty="0"/>
           </a:p>
@@ -29116,7 +29116,7 @@
         </p:blipFill>
         <p:spPr>
           <a:xfrm>
-            <a:off x="2170962" y="5031472"/>
+            <a:off x="496213" y="4732533"/>
             <a:ext cx="5141472" cy="1440796"/>
           </a:xfrm>
           <a:prstGeom prst="rect">
@@ -29126,10 +29126,10 @@
       </p:pic>
       <p:pic>
         <p:nvPicPr>
-          <p:cNvPr id="8" name="Picture 7">
+          <p:cNvPr id="5" name="Picture 4">
             <a:extLst>
               <a:ext uri="{FF2B5EF4-FFF2-40B4-BE49-F238E27FC236}">
-                <a16:creationId xmlns:a16="http://schemas.microsoft.com/office/drawing/2014/main" id="{B1725623-386E-4625-9F8B-547262D05C7D}"/>
+                <a16:creationId xmlns:a16="http://schemas.microsoft.com/office/drawing/2014/main" id="{0C5C5477-87B4-4DCB-9826-1BFE05AA4C8D}"/>
               </a:ext>
             </a:extLst>
           </p:cNvPr>
@@ -29146,8 +29146,8 @@
         </p:blipFill>
         <p:spPr>
           <a:xfrm>
-            <a:off x="241874" y="519831"/>
-            <a:ext cx="11444669" cy="4906898"/>
+            <a:off x="408292" y="174642"/>
+            <a:ext cx="11566217" cy="4960065"/>
           </a:xfrm>
           <a:prstGeom prst="rect">
             <a:avLst/>

--- a/Presentation/Better Business Logic with Typescript.pptx
+++ b/Presentation/Better Business Logic with Typescript.pptx
@@ -20,20 +20,23 @@
     <p:sldId id="262" r:id="rId14"/>
     <p:sldId id="263" r:id="rId15"/>
     <p:sldId id="270" r:id="rId16"/>
-    <p:sldId id="269" r:id="rId17"/>
-    <p:sldId id="271" r:id="rId18"/>
-    <p:sldId id="272" r:id="rId19"/>
-    <p:sldId id="273" r:id="rId20"/>
-    <p:sldId id="268" r:id="rId21"/>
-    <p:sldId id="274" r:id="rId22"/>
-    <p:sldId id="275" r:id="rId23"/>
-    <p:sldId id="276" r:id="rId24"/>
-    <p:sldId id="277" r:id="rId25"/>
-    <p:sldId id="278" r:id="rId26"/>
-    <p:sldId id="280" r:id="rId27"/>
-    <p:sldId id="264" r:id="rId28"/>
-    <p:sldId id="266" r:id="rId29"/>
-    <p:sldId id="265" r:id="rId30"/>
+    <p:sldId id="284" r:id="rId17"/>
+    <p:sldId id="269" r:id="rId18"/>
+    <p:sldId id="282" r:id="rId19"/>
+    <p:sldId id="271" r:id="rId20"/>
+    <p:sldId id="272" r:id="rId21"/>
+    <p:sldId id="273" r:id="rId22"/>
+    <p:sldId id="268" r:id="rId23"/>
+    <p:sldId id="274" r:id="rId24"/>
+    <p:sldId id="275" r:id="rId25"/>
+    <p:sldId id="276" r:id="rId26"/>
+    <p:sldId id="277" r:id="rId27"/>
+    <p:sldId id="278" r:id="rId28"/>
+    <p:sldId id="280" r:id="rId29"/>
+    <p:sldId id="264" r:id="rId30"/>
+    <p:sldId id="266" r:id="rId31"/>
+    <p:sldId id="283" r:id="rId32"/>
+    <p:sldId id="265" r:id="rId33"/>
   </p:sldIdLst>
   <p:sldSz cx="12192000" cy="6858000"/>
   <p:notesSz cx="6858000" cy="9144000"/>
@@ -148,7 +151,9 @@
             <p14:sldId id="262"/>
             <p14:sldId id="263"/>
             <p14:sldId id="270"/>
+            <p14:sldId id="284"/>
             <p14:sldId id="269"/>
+            <p14:sldId id="282"/>
             <p14:sldId id="271"/>
             <p14:sldId id="272"/>
             <p14:sldId id="273"/>
@@ -161,6 +166,7 @@
             <p14:sldId id="280"/>
             <p14:sldId id="264"/>
             <p14:sldId id="266"/>
+            <p14:sldId id="283"/>
             <p14:sldId id="265"/>
           </p14:sldIdLst>
         </p14:section>
@@ -17353,7 +17359,7 @@
           <a:effectLst/>
           <a:extLst>
             <a:ext uri="{91240B29-F687-4f45-9708-019B960494DF}">
-              <a14:hiddenLine xmlns:a14="http://schemas.microsoft.com/office/drawing/2010/main" xmlns="" w="9525">
+              <a14:hiddenLine xmlns="" xmlns:a14="http://schemas.microsoft.com/office/drawing/2010/main" w="9525">
                 <a:solidFill>
                   <a:srgbClr val="000000"/>
                 </a:solidFill>
@@ -17702,7 +17708,7 @@
           <a:ln/>
           <a:extLst>
             <a:ext uri="{91240B29-F687-4f45-9708-019B960494DF}">
-              <a14:hiddenLine xmlns:a14="http://schemas.microsoft.com/office/drawing/2010/main" xmlns="" w="9525">
+              <a14:hiddenLine xmlns="" xmlns:a14="http://schemas.microsoft.com/office/drawing/2010/main" w="9525">
                 <a:solidFill>
                   <a:srgbClr val="000000"/>
                 </a:solidFill>
@@ -18332,7 +18338,7 @@
           <a:ln/>
           <a:extLst>
             <a:ext uri="{91240B29-F687-4f45-9708-019B960494DF}">
-              <a14:hiddenLine xmlns:a14="http://schemas.microsoft.com/office/drawing/2010/main" xmlns="" w="9525">
+              <a14:hiddenLine xmlns="" xmlns:a14="http://schemas.microsoft.com/office/drawing/2010/main" w="9525">
                 <a:solidFill>
                   <a:srgbClr val="000000"/>
                 </a:solidFill>
@@ -18671,7 +18677,7 @@
           <a:ln/>
           <a:extLst>
             <a:ext uri="{91240B29-F687-4f45-9708-019B960494DF}">
-              <a14:hiddenLine xmlns:a14="http://schemas.microsoft.com/office/drawing/2010/main" xmlns="" w="9525">
+              <a14:hiddenLine xmlns="" xmlns:a14="http://schemas.microsoft.com/office/drawing/2010/main" w="9525">
                 <a:solidFill>
                   <a:srgbClr val="000000"/>
                 </a:solidFill>
@@ -19150,7 +19156,7 @@
           <a:ln/>
           <a:extLst>
             <a:ext uri="{91240B29-F687-4f45-9708-019B960494DF}">
-              <a14:hiddenLine xmlns:a14="http://schemas.microsoft.com/office/drawing/2010/main" xmlns="" w="9525">
+              <a14:hiddenLine xmlns="" xmlns:a14="http://schemas.microsoft.com/office/drawing/2010/main" w="9525">
                 <a:solidFill>
                   <a:srgbClr val="000000"/>
                 </a:solidFill>
@@ -19680,7 +19686,7 @@
           <a:ln/>
           <a:extLst>
             <a:ext uri="{91240B29-F687-4f45-9708-019B960494DF}">
-              <a14:hiddenLine xmlns:a14="http://schemas.microsoft.com/office/drawing/2010/main" xmlns="" w="9525">
+              <a14:hiddenLine xmlns="" xmlns:a14="http://schemas.microsoft.com/office/drawing/2010/main" w="9525">
                 <a:solidFill>
                   <a:srgbClr val="000000"/>
                 </a:solidFill>
@@ -21540,7 +21546,7 @@
           <a:ln/>
           <a:extLst>
             <a:ext uri="{91240B29-F687-4f45-9708-019B960494DF}">
-              <a14:hiddenLine xmlns:a14="http://schemas.microsoft.com/office/drawing/2010/main" xmlns="" w="9525">
+              <a14:hiddenLine xmlns="" xmlns:a14="http://schemas.microsoft.com/office/drawing/2010/main" w="9525">
                 <a:solidFill>
                   <a:srgbClr val="000000"/>
                 </a:solidFill>
@@ -21815,7 +21821,7 @@
           <a:ln/>
           <a:extLst>
             <a:ext uri="{91240B29-F687-4f45-9708-019B960494DF}">
-              <a14:hiddenLine xmlns:a14="http://schemas.microsoft.com/office/drawing/2010/main" xmlns="" w="9525">
+              <a14:hiddenLine xmlns="" xmlns:a14="http://schemas.microsoft.com/office/drawing/2010/main" w="9525">
                 <a:solidFill>
                   <a:srgbClr val="000000"/>
                 </a:solidFill>
@@ -27196,7 +27202,7 @@
           <a:p>
             <a:r>
               <a:rPr lang="en-US" dirty="0"/>
-              <a:t>Principle(s):</a:t>
+              <a:t>Guidelines…</a:t>
             </a:r>
           </a:p>
         </p:txBody>
@@ -27217,7 +27223,12 @@
             <p:ph idx="1"/>
           </p:nvPr>
         </p:nvSpPr>
-        <p:spPr/>
+        <p:spPr>
+          <a:xfrm>
+            <a:off x="818711" y="2222287"/>
+            <a:ext cx="11272883" cy="4044042"/>
+          </a:xfrm>
+        </p:spPr>
         <p:txBody>
           <a:bodyPr/>
           <a:lstStyle/>
@@ -27360,7 +27371,7 @@
           <p:cNvPr id="2" name="Title 1">
             <a:extLst>
               <a:ext uri="{FF2B5EF4-FFF2-40B4-BE49-F238E27FC236}">
-                <a16:creationId xmlns:a16="http://schemas.microsoft.com/office/drawing/2014/main" id="{1279AF16-888B-4F97-979D-D7623C123C6B}"/>
+                <a16:creationId xmlns:a16="http://schemas.microsoft.com/office/drawing/2014/main" id="{30231E74-F500-40B5-AF7A-3A8126ECB233}"/>
               </a:ext>
             </a:extLst>
           </p:cNvPr>
@@ -27378,17 +27389,17 @@
           <a:p>
             <a:r>
               <a:rPr lang="en-US" dirty="0"/>
-              <a:t>Angular Application</a:t>
-            </a:r>
-          </a:p>
-        </p:txBody>
-      </p:sp>
-      <p:sp>
-        <p:nvSpPr>
-          <p:cNvPr id="4" name="Content Placeholder 3">
+              <a:t>What is an Angular Module?</a:t>
+            </a:r>
+          </a:p>
+        </p:txBody>
+      </p:sp>
+      <p:sp>
+        <p:nvSpPr>
+          <p:cNvPr id="3" name="Content Placeholder 2">
             <a:extLst>
               <a:ext uri="{FF2B5EF4-FFF2-40B4-BE49-F238E27FC236}">
-                <a16:creationId xmlns:a16="http://schemas.microsoft.com/office/drawing/2014/main" id="{74543BF9-B651-4C32-AD11-ABBE05E6E045}"/>
+                <a16:creationId xmlns:a16="http://schemas.microsoft.com/office/drawing/2014/main" id="{383A5FB0-907C-431D-B649-776C88A783DD}"/>
               </a:ext>
             </a:extLst>
           </p:cNvPr>
@@ -27404,47 +27415,77 @@
           <a:bodyPr/>
           <a:lstStyle/>
           <a:p>
-            <a:endParaRPr lang="en-US" dirty="0"/>
-          </a:p>
-          <a:p>
-            <a:endParaRPr lang="en-US" dirty="0"/>
-          </a:p>
-        </p:txBody>
-      </p:sp>
-      <p:pic>
-        <p:nvPicPr>
-          <p:cNvPr id="9" name="Picture 8">
-            <a:extLst>
-              <a:ext uri="{FF2B5EF4-FFF2-40B4-BE49-F238E27FC236}">
-                <a16:creationId xmlns:a16="http://schemas.microsoft.com/office/drawing/2014/main" id="{D63B784E-D20A-4009-A631-9B90661094CC}"/>
-              </a:ext>
-            </a:extLst>
-          </p:cNvPr>
-          <p:cNvPicPr>
-            <a:picLocks noChangeAspect="1"/>
-          </p:cNvPicPr>
-          <p:nvPr/>
-        </p:nvPicPr>
-        <p:blipFill>
-          <a:blip r:embed="rId2"/>
-          <a:stretch>
-            <a:fillRect/>
-          </a:stretch>
-        </p:blipFill>
-        <p:spPr>
-          <a:xfrm>
-            <a:off x="1574522" y="2222287"/>
-            <a:ext cx="8892668" cy="4462705"/>
-          </a:xfrm>
-          <a:prstGeom prst="rect">
-            <a:avLst/>
-          </a:prstGeom>
-        </p:spPr>
-      </p:pic>
+            <a:r>
+              <a:rPr lang="en-US" dirty="0"/>
+              <a:t>What is a module…?</a:t>
+            </a:r>
+          </a:p>
+          <a:p>
+            <a:pPr lvl="1"/>
+            <a:r>
+              <a:rPr lang="en-US" dirty="0"/>
+              <a:t>A container of related elements.</a:t>
+            </a:r>
+          </a:p>
+          <a:p>
+            <a:pPr lvl="1"/>
+            <a:r>
+              <a:rPr lang="en-US" dirty="0"/>
+              <a:t>A module may have: components, directives, pipes, or services.</a:t>
+            </a:r>
+          </a:p>
+          <a:p>
+            <a:pPr lvl="1"/>
+            <a:r>
+              <a:rPr lang="en-US" dirty="0"/>
+              <a:t>Angular application can only one root module: </a:t>
+            </a:r>
+            <a:r>
+              <a:rPr lang="en-US" dirty="0" err="1"/>
+              <a:t>AppModule</a:t>
+            </a:r>
+            <a:r>
+              <a:rPr lang="en-US" dirty="0"/>
+              <a:t>.</a:t>
+            </a:r>
+          </a:p>
+          <a:p>
+            <a:pPr lvl="1"/>
+            <a:r>
+              <a:rPr lang="en-US" dirty="0"/>
+              <a:t>Angular application can have zero-to-many feature modules.</a:t>
+            </a:r>
+          </a:p>
+          <a:p>
+            <a:pPr lvl="2"/>
+            <a:r>
+              <a:rPr lang="en-US" dirty="0"/>
+              <a:t>Core</a:t>
+            </a:r>
+          </a:p>
+          <a:p>
+            <a:pPr lvl="2"/>
+            <a:r>
+              <a:rPr lang="en-US" dirty="0"/>
+              <a:t>Shared</a:t>
+            </a:r>
+          </a:p>
+          <a:p>
+            <a:pPr lvl="2"/>
+            <a:r>
+              <a:rPr lang="en-US" dirty="0"/>
+              <a:t>Feature</a:t>
+            </a:r>
+          </a:p>
+          <a:p>
+            <a:endParaRPr lang="en-US" dirty="0"/>
+          </a:p>
+        </p:txBody>
+      </p:sp>
     </p:spTree>
     <p:extLst>
       <p:ext uri="{BB962C8B-B14F-4D97-AF65-F5344CB8AC3E}">
-        <p14:creationId xmlns:p14="http://schemas.microsoft.com/office/powerpoint/2010/main" val="3515010425"/>
+        <p14:creationId xmlns:p14="http://schemas.microsoft.com/office/powerpoint/2010/main" val="377887822"/>
       </p:ext>
     </p:extLst>
   </p:cSld>
@@ -27473,6 +27514,214 @@
       </p:grpSpPr>
       <p:sp>
         <p:nvSpPr>
+          <p:cNvPr id="4" name="Content Placeholder 3">
+            <a:extLst>
+              <a:ext uri="{FF2B5EF4-FFF2-40B4-BE49-F238E27FC236}">
+                <a16:creationId xmlns:a16="http://schemas.microsoft.com/office/drawing/2014/main" id="{74543BF9-B651-4C32-AD11-ABBE05E6E045}"/>
+              </a:ext>
+            </a:extLst>
+          </p:cNvPr>
+          <p:cNvSpPr>
+            <a:spLocks noGrp="1"/>
+          </p:cNvSpPr>
+          <p:nvPr>
+            <p:ph idx="4294967295"/>
+          </p:nvPr>
+        </p:nvSpPr>
+        <p:spPr>
+          <a:xfrm>
+            <a:off x="0" y="2222500"/>
+            <a:ext cx="10553700" cy="3636963"/>
+          </a:xfrm>
+        </p:spPr>
+        <p:txBody>
+          <a:bodyPr/>
+          <a:lstStyle/>
+          <a:p>
+            <a:endParaRPr lang="en-US" dirty="0"/>
+          </a:p>
+          <a:p>
+            <a:endParaRPr lang="en-US" dirty="0"/>
+          </a:p>
+        </p:txBody>
+      </p:sp>
+      <p:pic>
+        <p:nvPicPr>
+          <p:cNvPr id="8" name="Picture 7">
+            <a:hlinkClick r:id="rId2"/>
+            <a:extLst>
+              <a:ext uri="{FF2B5EF4-FFF2-40B4-BE49-F238E27FC236}">
+                <a16:creationId xmlns:a16="http://schemas.microsoft.com/office/drawing/2014/main" id="{10FBF4B5-CBB8-428B-8D3A-0123DA2C1F34}"/>
+              </a:ext>
+            </a:extLst>
+          </p:cNvPr>
+          <p:cNvPicPr>
+            <a:picLocks noChangeAspect="1"/>
+          </p:cNvPicPr>
+          <p:nvPr/>
+        </p:nvPicPr>
+        <p:blipFill>
+          <a:blip r:embed="rId3"/>
+          <a:stretch>
+            <a:fillRect/>
+          </a:stretch>
+        </p:blipFill>
+        <p:spPr>
+          <a:xfrm>
+            <a:off x="491579" y="1232730"/>
+            <a:ext cx="10796692" cy="4522611"/>
+          </a:xfrm>
+          <a:prstGeom prst="rect">
+            <a:avLst/>
+          </a:prstGeom>
+        </p:spPr>
+      </p:pic>
+    </p:spTree>
+    <p:extLst>
+      <p:ext uri="{BB962C8B-B14F-4D97-AF65-F5344CB8AC3E}">
+        <p14:creationId xmlns:p14="http://schemas.microsoft.com/office/powerpoint/2010/main" val="3515010425"/>
+      </p:ext>
+    </p:extLst>
+  </p:cSld>
+  <p:clrMapOvr>
+    <a:masterClrMapping/>
+  </p:clrMapOvr>
+</p:sld>
+</file>
+
+<file path=ppt/slides/slide14.xml><?xml version="1.0" encoding="utf-8"?>
+<p:sld xmlns:a="http://schemas.openxmlformats.org/drawingml/2006/main" xmlns:r="http://schemas.openxmlformats.org/officeDocument/2006/relationships" xmlns:p="http://schemas.openxmlformats.org/presentationml/2006/main">
+  <p:cSld>
+    <p:spTree>
+      <p:nvGrpSpPr>
+        <p:cNvPr id="1" name=""/>
+        <p:cNvGrpSpPr/>
+        <p:nvPr/>
+      </p:nvGrpSpPr>
+      <p:grpSpPr>
+        <a:xfrm>
+          <a:off x="0" y="0"/>
+          <a:ext cx="0" cy="0"/>
+          <a:chOff x="0" y="0"/>
+          <a:chExt cx="0" cy="0"/>
+        </a:xfrm>
+      </p:grpSpPr>
+      <p:sp>
+        <p:nvSpPr>
+          <p:cNvPr id="2" name="Title 1">
+            <a:extLst>
+              <a:ext uri="{FF2B5EF4-FFF2-40B4-BE49-F238E27FC236}">
+                <a16:creationId xmlns:a16="http://schemas.microsoft.com/office/drawing/2014/main" id="{31F3EA20-0BAA-4C55-BBEE-62405A146481}"/>
+              </a:ext>
+            </a:extLst>
+          </p:cNvPr>
+          <p:cNvSpPr>
+            <a:spLocks noGrp="1"/>
+          </p:cNvSpPr>
+          <p:nvPr>
+            <p:ph type="title"/>
+          </p:nvPr>
+        </p:nvSpPr>
+        <p:spPr/>
+        <p:txBody>
+          <a:bodyPr/>
+          <a:lstStyle/>
+          <a:p>
+            <a:r>
+              <a:rPr lang="en-US" dirty="0"/>
+              <a:t>Are there any limits…really?</a:t>
+            </a:r>
+          </a:p>
+        </p:txBody>
+      </p:sp>
+      <p:sp>
+        <p:nvSpPr>
+          <p:cNvPr id="3" name="Content Placeholder 2">
+            <a:extLst>
+              <a:ext uri="{FF2B5EF4-FFF2-40B4-BE49-F238E27FC236}">
+                <a16:creationId xmlns:a16="http://schemas.microsoft.com/office/drawing/2014/main" id="{F833562B-94B5-4873-9EE8-519AA961DEF9}"/>
+              </a:ext>
+            </a:extLst>
+          </p:cNvPr>
+          <p:cNvSpPr>
+            <a:spLocks noGrp="1"/>
+          </p:cNvSpPr>
+          <p:nvPr>
+            <p:ph idx="1"/>
+          </p:nvPr>
+        </p:nvSpPr>
+        <p:spPr/>
+        <p:txBody>
+          <a:bodyPr>
+            <a:normAutofit/>
+          </a:bodyPr>
+          <a:lstStyle/>
+          <a:p>
+            <a:r>
+              <a:rPr lang="en-US" dirty="0"/>
+              <a:t>How many </a:t>
+            </a:r>
+            <a:r>
+              <a:rPr lang="en-US" dirty="0">
+                <a:hlinkClick r:id="rId2"/>
+              </a:rPr>
+              <a:t>modules</a:t>
+            </a:r>
+            <a:r>
+              <a:rPr lang="en-US" dirty="0"/>
+              <a:t> can you Angular application have? </a:t>
+            </a:r>
+          </a:p>
+          <a:p>
+            <a:r>
+              <a:rPr lang="en-US" dirty="0"/>
+              <a:t>Must a module have a service?</a:t>
+            </a:r>
+          </a:p>
+          <a:p>
+            <a:r>
+              <a:rPr lang="en-US" dirty="0"/>
+              <a:t>Must a module have components?</a:t>
+            </a:r>
+          </a:p>
+          <a:p>
+            <a:pPr lvl="1"/>
+            <a:endParaRPr lang="en-US" dirty="0"/>
+          </a:p>
+        </p:txBody>
+      </p:sp>
+    </p:spTree>
+    <p:extLst>
+      <p:ext uri="{BB962C8B-B14F-4D97-AF65-F5344CB8AC3E}">
+        <p14:creationId xmlns:p14="http://schemas.microsoft.com/office/powerpoint/2010/main" val="704725234"/>
+      </p:ext>
+    </p:extLst>
+  </p:cSld>
+  <p:clrMapOvr>
+    <a:masterClrMapping/>
+  </p:clrMapOvr>
+</p:sld>
+</file>
+
+<file path=ppt/slides/slide15.xml><?xml version="1.0" encoding="utf-8"?>
+<p:sld xmlns:a="http://schemas.openxmlformats.org/drawingml/2006/main" xmlns:r="http://schemas.openxmlformats.org/officeDocument/2006/relationships" xmlns:p="http://schemas.openxmlformats.org/presentationml/2006/main">
+  <p:cSld>
+    <p:spTree>
+      <p:nvGrpSpPr>
+        <p:cNvPr id="1" name=""/>
+        <p:cNvGrpSpPr/>
+        <p:nvPr/>
+      </p:nvGrpSpPr>
+      <p:grpSpPr>
+        <a:xfrm>
+          <a:off x="0" y="0"/>
+          <a:ext cx="0" cy="0"/>
+          <a:chOff x="0" y="0"/>
+          <a:chExt cx="0" cy="0"/>
+        </a:xfrm>
+      </p:grpSpPr>
+      <p:sp>
+        <p:nvSpPr>
           <p:cNvPr id="2" name="Title 1">
             <a:extLst>
               <a:ext uri="{FF2B5EF4-FFF2-40B4-BE49-F238E27FC236}">
@@ -27494,7 +27743,7 @@
           <a:p>
             <a:r>
               <a:rPr lang="en-US" dirty="0"/>
-              <a:t>Angular Application Modules</a:t>
+              <a:t>Consider Module…Categories/Types</a:t>
             </a:r>
           </a:p>
         </p:txBody>
@@ -27575,13 +27824,16 @@
             <a:pPr lvl="1"/>
             <a:r>
               <a:rPr lang="en-US" dirty="0"/>
-              <a:t>Third-Party: </a:t>
+              <a:t>Third-Party Modules: </a:t>
             </a:r>
             <a:r>
               <a:rPr lang="en-US" dirty="0" err="1"/>
               <a:t>Wijmo</a:t>
             </a:r>
-            <a:endParaRPr lang="en-US" dirty="0"/>
+            <a:r>
+              <a:rPr lang="en-US" dirty="0"/>
+              <a:t>, Material Design</a:t>
+            </a:r>
           </a:p>
           <a:p>
             <a:r>
@@ -27618,7 +27870,7 @@
                 <a:latin typeface="Source Code Pro Light" panose="020B0409030403020204" pitchFamily="49" charset="0"/>
                 <a:ea typeface="Source Code Pro Light" panose="020B0409030403020204" pitchFamily="49" charset="0"/>
               </a:rPr>
-              <a:t>SecurityModule</a:t>
+              <a:t>LayoutModule</a:t>
             </a:r>
             <a:endParaRPr lang="en-US" dirty="0">
               <a:latin typeface="Source Code Pro Light" panose="020B0409030403020204" pitchFamily="49" charset="0"/>
@@ -27638,6 +27890,24 @@
               </a:rPr>
               <a:t>LoggingService</a:t>
             </a:r>
+            <a:endParaRPr lang="en-US" dirty="0">
+              <a:latin typeface="Source Code Pro Light" panose="020B0409030403020204" pitchFamily="49" charset="0"/>
+              <a:ea typeface="Source Code Pro Light" panose="020B0409030403020204" pitchFamily="49" charset="0"/>
+            </a:endParaRPr>
+          </a:p>
+          <a:p>
+            <a:pPr lvl="1"/>
+            <a:r>
+              <a:rPr lang="en-US" dirty="0"/>
+              <a:t>Components: </a:t>
+            </a:r>
+            <a:r>
+              <a:rPr lang="en-US" dirty="0" err="1">
+                <a:latin typeface="Source Code Pro Light" panose="020B0409030403020204" pitchFamily="49" charset="0"/>
+                <a:ea typeface="Source Code Pro Light" panose="020B0409030403020204" pitchFamily="49" charset="0"/>
+              </a:rPr>
+              <a:t>MenuComponent</a:t>
+            </a:r>
             <a:r>
               <a:rPr lang="en-US" dirty="0">
                 <a:latin typeface="Source Code Pro Light" panose="020B0409030403020204" pitchFamily="49" charset="0"/>
@@ -27650,7 +27920,7 @@
                 <a:latin typeface="Source Code Pro Light" panose="020B0409030403020204" pitchFamily="49" charset="0"/>
                 <a:ea typeface="Source Code Pro Light" panose="020B0409030403020204" pitchFamily="49" charset="0"/>
               </a:rPr>
-              <a:t>SecurityHttpService</a:t>
+              <a:t>FooterComponent</a:t>
             </a:r>
             <a:endParaRPr lang="en-US" dirty="0">
               <a:latin typeface="Source Code Pro Light" panose="020B0409030403020204" pitchFamily="49" charset="0"/>
@@ -27658,17 +27928,128 @@
             </a:endParaRPr>
           </a:p>
           <a:p>
+            <a:r>
+              <a:rPr lang="en-US" b="1" dirty="0"/>
+              <a:t>Domain Service</a:t>
+            </a:r>
+            <a:r>
+              <a:rPr lang="en-US" dirty="0"/>
+              <a:t>: Service-Only</a:t>
+            </a:r>
+          </a:p>
+          <a:p>
             <a:pPr lvl="1"/>
             <a:r>
               <a:rPr lang="en-US" dirty="0"/>
-              <a:t>Components: </a:t>
+              <a:t>Module: </a:t>
             </a:r>
             <a:r>
               <a:rPr lang="en-US" dirty="0" err="1">
                 <a:latin typeface="Source Code Pro Light" panose="020B0409030403020204" pitchFamily="49" charset="0"/>
                 <a:ea typeface="Source Code Pro Light" panose="020B0409030403020204" pitchFamily="49" charset="0"/>
               </a:rPr>
-              <a:t>MenuComponent</a:t>
+              <a:t>SecurityModule</a:t>
+            </a:r>
+            <a:endParaRPr lang="en-US" dirty="0">
+              <a:latin typeface="Source Code Pro Light" panose="020B0409030403020204" pitchFamily="49" charset="0"/>
+              <a:ea typeface="Source Code Pro Light" panose="020B0409030403020204" pitchFamily="49" charset="0"/>
+            </a:endParaRPr>
+          </a:p>
+          <a:p>
+            <a:pPr lvl="1"/>
+            <a:r>
+              <a:rPr lang="en-US" dirty="0"/>
+              <a:t>Service: </a:t>
+            </a:r>
+            <a:r>
+              <a:rPr lang="en-US" dirty="0" err="1">
+                <a:latin typeface="Source Code Pro Light" panose="020B0409030403020204" pitchFamily="49" charset="0"/>
+                <a:ea typeface="Source Code Pro Light" panose="020B0409030403020204" pitchFamily="49" charset="0"/>
+              </a:rPr>
+              <a:t>SecurityService</a:t>
+            </a:r>
+            <a:endParaRPr lang="en-US" dirty="0">
+              <a:latin typeface="Source Code Pro Light" panose="020B0409030403020204" pitchFamily="49" charset="0"/>
+              <a:ea typeface="Source Code Pro Light" panose="020B0409030403020204" pitchFamily="49" charset="0"/>
+            </a:endParaRPr>
+          </a:p>
+          <a:p>
+            <a:pPr lvl="1"/>
+            <a:r>
+              <a:rPr lang="en-US" dirty="0"/>
+              <a:t>Components: </a:t>
+            </a:r>
+            <a:r>
+              <a:rPr lang="en-US" i="1" dirty="0"/>
+              <a:t>none</a:t>
+            </a:r>
+          </a:p>
+          <a:p>
+            <a:r>
+              <a:rPr lang="en-US" b="1"/>
+              <a:t>Domain </a:t>
+            </a:r>
+            <a:r>
+              <a:rPr lang="en-US" b="1" dirty="0"/>
+              <a:t>UI</a:t>
+            </a:r>
+            <a:r>
+              <a:rPr lang="en-US" dirty="0"/>
+              <a:t>: UI-Only</a:t>
+            </a:r>
+          </a:p>
+          <a:p>
+            <a:pPr lvl="1"/>
+            <a:r>
+              <a:rPr lang="en-US" dirty="0"/>
+              <a:t>Module: </a:t>
+            </a:r>
+            <a:r>
+              <a:rPr lang="en-US" dirty="0" err="1">
+                <a:latin typeface="Source Code Pro Light" panose="020B0409030403020204" pitchFamily="49" charset="0"/>
+                <a:ea typeface="Source Code Pro Light" panose="020B0409030403020204" pitchFamily="49" charset="0"/>
+              </a:rPr>
+              <a:t>SecurityUIModule</a:t>
+            </a:r>
+            <a:endParaRPr lang="en-US" dirty="0">
+              <a:latin typeface="Source Code Pro Light" panose="020B0409030403020204" pitchFamily="49" charset="0"/>
+              <a:ea typeface="Source Code Pro Light" panose="020B0409030403020204" pitchFamily="49" charset="0"/>
+            </a:endParaRPr>
+          </a:p>
+          <a:p>
+            <a:pPr lvl="1"/>
+            <a:r>
+              <a:rPr lang="en-US" dirty="0" err="1"/>
+              <a:t>RoutingModule</a:t>
+            </a:r>
+            <a:r>
+              <a:rPr lang="en-US" dirty="0"/>
+              <a:t>: </a:t>
+            </a:r>
+            <a:r>
+              <a:rPr lang="en-US" dirty="0" err="1">
+                <a:latin typeface="Source Code Pro Light" panose="020B0409030403020204" pitchFamily="49" charset="0"/>
+                <a:ea typeface="Source Code Pro Light" panose="020B0409030403020204" pitchFamily="49" charset="0"/>
+              </a:rPr>
+              <a:t>SecurityRoutingModule</a:t>
+            </a:r>
+            <a:endParaRPr lang="en-US" dirty="0">
+              <a:latin typeface="Source Code Pro Light" panose="020B0409030403020204" pitchFamily="49" charset="0"/>
+              <a:ea typeface="Source Code Pro Light" panose="020B0409030403020204" pitchFamily="49" charset="0"/>
+            </a:endParaRPr>
+          </a:p>
+          <a:p>
+            <a:pPr lvl="1"/>
+            <a:r>
+              <a:rPr lang="en-US" dirty="0"/>
+              <a:t>Components: </a:t>
+            </a:r>
+            <a:r>
+              <a:rPr lang="en-US" dirty="0" err="1">
+                <a:latin typeface="Source Code Pro Light" panose="020B0409030403020204" pitchFamily="49" charset="0"/>
+                <a:ea typeface="Source Code Pro Light" panose="020B0409030403020204" pitchFamily="49" charset="0"/>
+              </a:rPr>
+              <a:t>LoginComponent</a:t>
             </a:r>
             <a:r>
               <a:rPr lang="en-US" dirty="0">
@@ -27682,124 +28063,21 @@
                 <a:latin typeface="Source Code Pro Light" panose="020B0409030403020204" pitchFamily="49" charset="0"/>
                 <a:ea typeface="Source Code Pro Light" panose="020B0409030403020204" pitchFamily="49" charset="0"/>
               </a:rPr>
-              <a:t>FooterComponent</a:t>
-            </a:r>
-            <a:endParaRPr lang="en-US" dirty="0">
-              <a:latin typeface="Source Code Pro Light" panose="020B0409030403020204" pitchFamily="49" charset="0"/>
-              <a:ea typeface="Source Code Pro Light" panose="020B0409030403020204" pitchFamily="49" charset="0"/>
-            </a:endParaRPr>
-          </a:p>
-          <a:p>
-            <a:r>
-              <a:rPr lang="en-US" b="1" dirty="0"/>
-              <a:t>Domain Service</a:t>
-            </a:r>
-            <a:r>
-              <a:rPr lang="en-US" dirty="0"/>
-              <a:t>: Service-Only</a:t>
-            </a:r>
-          </a:p>
-          <a:p>
-            <a:pPr lvl="1"/>
-            <a:r>
-              <a:rPr lang="en-US" dirty="0"/>
-              <a:t>Module: </a:t>
+              <a:t>SignUpComponent</a:t>
             </a:r>
             <a:r>
               <a:rPr lang="en-US" dirty="0">
                 <a:latin typeface="Source Code Pro Light" panose="020B0409030403020204" pitchFamily="49" charset="0"/>
                 <a:ea typeface="Source Code Pro Light" panose="020B0409030403020204" pitchFamily="49" charset="0"/>
               </a:rPr>
-              <a:t>Security</a:t>
-            </a:r>
-          </a:p>
-          <a:p>
-            <a:pPr lvl="1"/>
-            <a:r>
-              <a:rPr lang="en-US" dirty="0"/>
-              <a:t>Service: </a:t>
+              <a:t>. </a:t>
             </a:r>
             <a:r>
               <a:rPr lang="en-US" dirty="0" err="1">
                 <a:latin typeface="Source Code Pro Light" panose="020B0409030403020204" pitchFamily="49" charset="0"/>
                 <a:ea typeface="Source Code Pro Light" panose="020B0409030403020204" pitchFamily="49" charset="0"/>
               </a:rPr>
-              <a:t>SecurityService</a:t>
-            </a:r>
-            <a:endParaRPr lang="en-US" dirty="0">
-              <a:latin typeface="Source Code Pro Light" panose="020B0409030403020204" pitchFamily="49" charset="0"/>
-              <a:ea typeface="Source Code Pro Light" panose="020B0409030403020204" pitchFamily="49" charset="0"/>
-            </a:endParaRPr>
-          </a:p>
-          <a:p>
-            <a:pPr lvl="1"/>
-            <a:r>
-              <a:rPr lang="en-US" dirty="0"/>
-              <a:t>Components: none</a:t>
-            </a:r>
-          </a:p>
-          <a:p>
-            <a:r>
-              <a:rPr lang="en-US" b="1" dirty="0"/>
-              <a:t>Domain UI</a:t>
-            </a:r>
-            <a:r>
-              <a:rPr lang="en-US" dirty="0"/>
-              <a:t>: UI-Only</a:t>
-            </a:r>
-          </a:p>
-          <a:p>
-            <a:pPr lvl="1"/>
-            <a:r>
-              <a:rPr lang="en-US" dirty="0"/>
-              <a:t>Module: </a:t>
-            </a:r>
-            <a:r>
-              <a:rPr lang="en-US" dirty="0" err="1">
-                <a:latin typeface="Source Code Pro Light" panose="020B0409030403020204" pitchFamily="49" charset="0"/>
-                <a:ea typeface="Source Code Pro Light" panose="020B0409030403020204" pitchFamily="49" charset="0"/>
-              </a:rPr>
-              <a:t>SecurityUIModule</a:t>
-            </a:r>
-            <a:endParaRPr lang="en-US" dirty="0">
-              <a:latin typeface="Source Code Pro Light" panose="020B0409030403020204" pitchFamily="49" charset="0"/>
-              <a:ea typeface="Source Code Pro Light" panose="020B0409030403020204" pitchFamily="49" charset="0"/>
-            </a:endParaRPr>
-          </a:p>
-          <a:p>
-            <a:pPr lvl="1"/>
-            <a:r>
-              <a:rPr lang="en-US" dirty="0" err="1"/>
-              <a:t>RoutingModule</a:t>
-            </a:r>
-            <a:r>
-              <a:rPr lang="en-US" dirty="0"/>
-              <a:t>: </a:t>
-            </a:r>
-            <a:r>
-              <a:rPr lang="en-US" dirty="0" err="1">
-                <a:latin typeface="Source Code Pro Light" panose="020B0409030403020204" pitchFamily="49" charset="0"/>
-                <a:ea typeface="Source Code Pro Light" panose="020B0409030403020204" pitchFamily="49" charset="0"/>
-              </a:rPr>
-              <a:t>SecurityRoutingModule</a:t>
-            </a:r>
-            <a:endParaRPr lang="en-US" dirty="0">
-              <a:latin typeface="Source Code Pro Light" panose="020B0409030403020204" pitchFamily="49" charset="0"/>
-              <a:ea typeface="Source Code Pro Light" panose="020B0409030403020204" pitchFamily="49" charset="0"/>
-            </a:endParaRPr>
-          </a:p>
-          <a:p>
-            <a:pPr lvl="1"/>
-            <a:r>
-              <a:rPr lang="en-US" dirty="0"/>
-              <a:t>Components: </a:t>
-            </a:r>
-            <a:r>
-              <a:rPr lang="en-US" dirty="0" err="1">
-                <a:latin typeface="Source Code Pro Light" panose="020B0409030403020204" pitchFamily="49" charset="0"/>
-                <a:ea typeface="Source Code Pro Light" panose="020B0409030403020204" pitchFamily="49" charset="0"/>
-              </a:rPr>
-              <a:t>LoginComponent</a:t>
+              <a:t>ResetPassword</a:t>
             </a:r>
             <a:r>
               <a:rPr lang="en-US" dirty="0">
@@ -27813,21 +28091,7 @@
                 <a:latin typeface="Source Code Pro Light" panose="020B0409030403020204" pitchFamily="49" charset="0"/>
                 <a:ea typeface="Source Code Pro Light" panose="020B0409030403020204" pitchFamily="49" charset="0"/>
               </a:rPr>
-              <a:t>SignUpComponent</a:t>
-            </a:r>
-            <a:r>
-              <a:rPr lang="en-US" dirty="0">
-                <a:latin typeface="Source Code Pro Light" panose="020B0409030403020204" pitchFamily="49" charset="0"/>
-                <a:ea typeface="Source Code Pro Light" panose="020B0409030403020204" pitchFamily="49" charset="0"/>
-              </a:rPr>
-              <a:t>. </a:t>
-            </a:r>
-            <a:r>
-              <a:rPr lang="en-US" dirty="0" err="1">
-                <a:latin typeface="Source Code Pro Light" panose="020B0409030403020204" pitchFamily="49" charset="0"/>
-                <a:ea typeface="Source Code Pro Light" panose="020B0409030403020204" pitchFamily="49" charset="0"/>
-              </a:rPr>
-              <a:t>ResetPassword</a:t>
+              <a:t>ForgotPassword</a:t>
             </a:r>
             <a:endParaRPr lang="en-US" dirty="0">
               <a:latin typeface="Source Code Pro Light" panose="020B0409030403020204" pitchFamily="49" charset="0"/>
@@ -27849,7 +28113,7 @@
 </p:sld>
 </file>
 
-<file path=ppt/slides/slide14.xml><?xml version="1.0" encoding="utf-8"?>
+<file path=ppt/slides/slide16.xml><?xml version="1.0" encoding="utf-8"?>
 <p:sld xmlns:a="http://schemas.openxmlformats.org/drawingml/2006/main" xmlns:r="http://schemas.openxmlformats.org/officeDocument/2006/relationships" xmlns:p="http://schemas.openxmlformats.org/presentationml/2006/main">
   <p:cSld>
     <p:bg>
@@ -27871,40 +28135,12 @@
           <a:chExt cx="0" cy="0"/>
         </a:xfrm>
       </p:grpSpPr>
-      <p:sp>
-        <p:nvSpPr>
-          <p:cNvPr id="5" name="Title 4">
+      <p:pic>
+        <p:nvPicPr>
+          <p:cNvPr id="6" name="Picture 5">
             <a:extLst>
               <a:ext uri="{FF2B5EF4-FFF2-40B4-BE49-F238E27FC236}">
-                <a16:creationId xmlns:a16="http://schemas.microsoft.com/office/drawing/2014/main" id="{7B702912-3A8C-4506-B203-4167A6756140}"/>
-              </a:ext>
-            </a:extLst>
-          </p:cNvPr>
-          <p:cNvSpPr>
-            <a:spLocks noGrp="1"/>
-          </p:cNvSpPr>
-          <p:nvPr>
-            <p:ph type="title"/>
-          </p:nvPr>
-        </p:nvSpPr>
-        <p:spPr/>
-        <p:txBody>
-          <a:bodyPr/>
-          <a:lstStyle/>
-          <a:p>
-            <a:r>
-              <a:rPr lang="en-US" dirty="0"/>
-              <a:t>Angular Domain Service Module</a:t>
-            </a:r>
-          </a:p>
-        </p:txBody>
-      </p:sp>
-      <p:pic>
-        <p:nvPicPr>
-          <p:cNvPr id="8" name="Picture 7">
-            <a:extLst>
-              <a:ext uri="{FF2B5EF4-FFF2-40B4-BE49-F238E27FC236}">
-                <a16:creationId xmlns:a16="http://schemas.microsoft.com/office/drawing/2014/main" id="{853EB561-2EAD-4E25-93F2-3C1C956BE5B8}"/>
+                <a16:creationId xmlns:a16="http://schemas.microsoft.com/office/drawing/2014/main" id="{1D10CA82-39C4-4A86-BC3D-B0FE70AD3247}"/>
               </a:ext>
             </a:extLst>
           </p:cNvPr>
@@ -27921,8 +28157,8 @@
         </p:blipFill>
         <p:spPr>
           <a:xfrm>
-            <a:off x="809999" y="2297654"/>
-            <a:ext cx="7248519" cy="4217222"/>
+            <a:off x="1151327" y="124500"/>
+            <a:ext cx="8589721" cy="6421603"/>
           </a:xfrm>
           <a:prstGeom prst="rect">
             <a:avLst/>
@@ -27938,228 +28174,6 @@
   </p:cSld>
   <p:clrMapOvr>
     <a:overrideClrMapping bg1="dk1" tx1="lt1" bg2="dk2" tx2="lt2" accent1="accent1" accent2="accent2" accent3="accent3" accent4="accent4" accent5="accent5" accent6="accent6" hlink="hlink" folHlink="folHlink"/>
-  </p:clrMapOvr>
-</p:sld>
-</file>
-
-<file path=ppt/slides/slide15.xml><?xml version="1.0" encoding="utf-8"?>
-<p:sld xmlns:a="http://schemas.openxmlformats.org/drawingml/2006/main" xmlns:r="http://schemas.openxmlformats.org/officeDocument/2006/relationships" xmlns:p="http://schemas.openxmlformats.org/presentationml/2006/main">
-  <p:cSld>
-    <p:spTree>
-      <p:nvGrpSpPr>
-        <p:cNvPr id="1" name=""/>
-        <p:cNvGrpSpPr/>
-        <p:nvPr/>
-      </p:nvGrpSpPr>
-      <p:grpSpPr>
-        <a:xfrm>
-          <a:off x="0" y="0"/>
-          <a:ext cx="0" cy="0"/>
-          <a:chOff x="0" y="0"/>
-          <a:chExt cx="0" cy="0"/>
-        </a:xfrm>
-      </p:grpSpPr>
-      <p:sp>
-        <p:nvSpPr>
-          <p:cNvPr id="5" name="Title 4">
-            <a:extLst>
-              <a:ext uri="{FF2B5EF4-FFF2-40B4-BE49-F238E27FC236}">
-                <a16:creationId xmlns:a16="http://schemas.microsoft.com/office/drawing/2014/main" id="{7B702912-3A8C-4506-B203-4167A6756140}"/>
-              </a:ext>
-            </a:extLst>
-          </p:cNvPr>
-          <p:cNvSpPr>
-            <a:spLocks noGrp="1"/>
-          </p:cNvSpPr>
-          <p:nvPr>
-            <p:ph type="title"/>
-          </p:nvPr>
-        </p:nvSpPr>
-        <p:spPr/>
-        <p:txBody>
-          <a:bodyPr/>
-          <a:lstStyle/>
-          <a:p>
-            <a:r>
-              <a:rPr lang="en-US" dirty="0"/>
-              <a:t>Angular Domain UI Service Module</a:t>
-            </a:r>
-          </a:p>
-        </p:txBody>
-      </p:sp>
-      <p:sp>
-        <p:nvSpPr>
-          <p:cNvPr id="16" name="Content Placeholder 15">
-            <a:extLst>
-              <a:ext uri="{FF2B5EF4-FFF2-40B4-BE49-F238E27FC236}">
-                <a16:creationId xmlns:a16="http://schemas.microsoft.com/office/drawing/2014/main" id="{D62F5C55-5AB3-46E1-91D5-749CA9B25DE9}"/>
-              </a:ext>
-            </a:extLst>
-          </p:cNvPr>
-          <p:cNvSpPr>
-            <a:spLocks noGrp="1"/>
-          </p:cNvSpPr>
-          <p:nvPr>
-            <p:ph idx="1"/>
-          </p:nvPr>
-        </p:nvSpPr>
-        <p:spPr/>
-        <p:txBody>
-          <a:bodyPr/>
-          <a:lstStyle/>
-          <a:p>
-            <a:endParaRPr lang="en-US" dirty="0"/>
-          </a:p>
-        </p:txBody>
-      </p:sp>
-      <p:pic>
-        <p:nvPicPr>
-          <p:cNvPr id="17" name="Picture 16">
-            <a:extLst>
-              <a:ext uri="{FF2B5EF4-FFF2-40B4-BE49-F238E27FC236}">
-                <a16:creationId xmlns:a16="http://schemas.microsoft.com/office/drawing/2014/main" id="{CB09DB97-EE2D-4308-A095-0C4C6072F73E}"/>
-              </a:ext>
-            </a:extLst>
-          </p:cNvPr>
-          <p:cNvPicPr>
-            <a:picLocks noChangeAspect="1"/>
-          </p:cNvPicPr>
-          <p:nvPr/>
-        </p:nvPicPr>
-        <p:blipFill>
-          <a:blip r:embed="rId2"/>
-          <a:stretch>
-            <a:fillRect/>
-          </a:stretch>
-        </p:blipFill>
-        <p:spPr>
-          <a:xfrm>
-            <a:off x="818712" y="2222286"/>
-            <a:ext cx="8661551" cy="4492045"/>
-          </a:xfrm>
-          <a:prstGeom prst="rect">
-            <a:avLst/>
-          </a:prstGeom>
-        </p:spPr>
-      </p:pic>
-    </p:spTree>
-    <p:extLst>
-      <p:ext uri="{BB962C8B-B14F-4D97-AF65-F5344CB8AC3E}">
-        <p14:creationId xmlns:p14="http://schemas.microsoft.com/office/powerpoint/2010/main" val="3830281041"/>
-      </p:ext>
-    </p:extLst>
-  </p:cSld>
-  <p:clrMapOvr>
-    <a:masterClrMapping/>
-  </p:clrMapOvr>
-</p:sld>
-</file>
-
-<file path=ppt/slides/slide16.xml><?xml version="1.0" encoding="utf-8"?>
-<p:sld xmlns:a="http://schemas.openxmlformats.org/drawingml/2006/main" xmlns:r="http://schemas.openxmlformats.org/officeDocument/2006/relationships" xmlns:p="http://schemas.openxmlformats.org/presentationml/2006/main">
-  <p:cSld>
-    <p:spTree>
-      <p:nvGrpSpPr>
-        <p:cNvPr id="1" name=""/>
-        <p:cNvGrpSpPr/>
-        <p:nvPr/>
-      </p:nvGrpSpPr>
-      <p:grpSpPr>
-        <a:xfrm>
-          <a:off x="0" y="0"/>
-          <a:ext cx="0" cy="0"/>
-          <a:chOff x="0" y="0"/>
-          <a:chExt cx="0" cy="0"/>
-        </a:xfrm>
-      </p:grpSpPr>
-      <p:sp>
-        <p:nvSpPr>
-          <p:cNvPr id="2" name="Title 1">
-            <a:extLst>
-              <a:ext uri="{FF2B5EF4-FFF2-40B4-BE49-F238E27FC236}">
-                <a16:creationId xmlns:a16="http://schemas.microsoft.com/office/drawing/2014/main" id="{D5B3B675-DFDC-4B31-AD37-48232641A740}"/>
-              </a:ext>
-            </a:extLst>
-          </p:cNvPr>
-          <p:cNvSpPr>
-            <a:spLocks noGrp="1"/>
-          </p:cNvSpPr>
-          <p:nvPr>
-            <p:ph type="title"/>
-          </p:nvPr>
-        </p:nvSpPr>
-        <p:spPr/>
-        <p:txBody>
-          <a:bodyPr/>
-          <a:lstStyle/>
-          <a:p>
-            <a:r>
-              <a:rPr lang="en-US" dirty="0"/>
-              <a:t>Service End Points :: Façade Pattern</a:t>
-            </a:r>
-          </a:p>
-        </p:txBody>
-      </p:sp>
-      <p:sp>
-        <p:nvSpPr>
-          <p:cNvPr id="3" name="Content Placeholder 2">
-            <a:extLst>
-              <a:ext uri="{FF2B5EF4-FFF2-40B4-BE49-F238E27FC236}">
-                <a16:creationId xmlns:a16="http://schemas.microsoft.com/office/drawing/2014/main" id="{BA948533-938B-4FD7-9D96-6458BADD4F6C}"/>
-              </a:ext>
-            </a:extLst>
-          </p:cNvPr>
-          <p:cNvSpPr>
-            <a:spLocks noGrp="1"/>
-          </p:cNvSpPr>
-          <p:nvPr>
-            <p:ph idx="1"/>
-          </p:nvPr>
-        </p:nvSpPr>
-        <p:spPr/>
-        <p:txBody>
-          <a:bodyPr/>
-          <a:lstStyle/>
-          <a:p>
-            <a:r>
-              <a:rPr lang="en-US" dirty="0"/>
-              <a:t>Definition: A single class that represents an entire subsystem.</a:t>
-            </a:r>
-          </a:p>
-          <a:p>
-            <a:r>
-              <a:rPr lang="en-US" dirty="0"/>
-              <a:t>Useful in API design</a:t>
-            </a:r>
-          </a:p>
-          <a:p>
-            <a:r>
-              <a:rPr lang="en-US" dirty="0"/>
-              <a:t>Useful in Service Oriented Architectures (SOA)</a:t>
-            </a:r>
-          </a:p>
-          <a:p>
-            <a:r>
-              <a:rPr lang="en-US" dirty="0"/>
-              <a:t>Typically implements an </a:t>
-            </a:r>
-            <a:r>
-              <a:rPr lang="en-US" i="1" dirty="0"/>
-              <a:t>Interface</a:t>
-            </a:r>
-            <a:endParaRPr lang="en-US" dirty="0"/>
-          </a:p>
-        </p:txBody>
-      </p:sp>
-    </p:spTree>
-    <p:extLst>
-      <p:ext uri="{BB962C8B-B14F-4D97-AF65-F5344CB8AC3E}">
-        <p14:creationId xmlns:p14="http://schemas.microsoft.com/office/powerpoint/2010/main" val="1957383248"/>
-      </p:ext>
-    </p:extLst>
-  </p:cSld>
-  <p:clrMapOvr>
-    <a:masterClrMapping/>
   </p:clrMapOvr>
 </p:sld>
 </file>
@@ -28181,90 +28195,40 @@
           <a:chExt cx="0" cy="0"/>
         </a:xfrm>
       </p:grpSpPr>
-      <p:sp>
-        <p:nvSpPr>
-          <p:cNvPr id="2" name="Title 1">
+      <p:pic>
+        <p:nvPicPr>
+          <p:cNvPr id="2" name="Picture 1">
             <a:extLst>
               <a:ext uri="{FF2B5EF4-FFF2-40B4-BE49-F238E27FC236}">
-                <a16:creationId xmlns:a16="http://schemas.microsoft.com/office/drawing/2014/main" id="{50404187-2787-44DD-962D-631946531F8B}"/>
+                <a16:creationId xmlns:a16="http://schemas.microsoft.com/office/drawing/2014/main" id="{09D6A111-CB9B-4601-8B82-A961E3C906E4}"/>
               </a:ext>
             </a:extLst>
           </p:cNvPr>
-          <p:cNvSpPr>
-            <a:spLocks noGrp="1"/>
-          </p:cNvSpPr>
-          <p:nvPr>
-            <p:ph type="title"/>
-          </p:nvPr>
-        </p:nvSpPr>
-        <p:spPr/>
-        <p:txBody>
-          <a:bodyPr/>
-          <a:lstStyle/>
-          <a:p>
-            <a:r>
-              <a:rPr lang="en-US" dirty="0"/>
-              <a:t>Business Logic Concerns</a:t>
-            </a:r>
-          </a:p>
-        </p:txBody>
-      </p:sp>
-      <p:sp>
-        <p:nvSpPr>
-          <p:cNvPr id="3" name="Content Placeholder 2">
-            <a:extLst>
-              <a:ext uri="{FF2B5EF4-FFF2-40B4-BE49-F238E27FC236}">
-                <a16:creationId xmlns:a16="http://schemas.microsoft.com/office/drawing/2014/main" id="{44BE3E2E-76CE-4CE6-8F68-636DFEB688C9}"/>
-              </a:ext>
-            </a:extLst>
-          </p:cNvPr>
-          <p:cNvSpPr>
-            <a:spLocks noGrp="1"/>
-          </p:cNvSpPr>
-          <p:nvPr>
-            <p:ph idx="1"/>
-          </p:nvPr>
-        </p:nvSpPr>
-        <p:spPr/>
-        <p:txBody>
-          <a:bodyPr/>
-          <a:lstStyle/>
-          <a:p>
-            <a:r>
-              <a:rPr lang="en-US" dirty="0"/>
-              <a:t>Authorization</a:t>
-            </a:r>
-          </a:p>
-          <a:p>
-            <a:r>
-              <a:rPr lang="en-US" dirty="0"/>
-              <a:t>Business Logic</a:t>
-            </a:r>
-          </a:p>
-          <a:p>
-            <a:r>
-              <a:rPr lang="en-US" dirty="0"/>
-              <a:t>Data Input Validation</a:t>
-            </a:r>
-          </a:p>
-          <a:p>
-            <a:r>
-              <a:rPr lang="en-US" dirty="0"/>
-              <a:t>Business Rule Implementation</a:t>
-            </a:r>
-          </a:p>
-          <a:p>
-            <a:r>
-              <a:rPr lang="en-US" dirty="0"/>
-              <a:t>Using Repositories to retrieve and persist data</a:t>
-            </a:r>
-          </a:p>
-        </p:txBody>
-      </p:sp>
+          <p:cNvPicPr>
+            <a:picLocks noChangeAspect="1"/>
+          </p:cNvPicPr>
+          <p:nvPr/>
+        </p:nvPicPr>
+        <p:blipFill>
+          <a:blip r:embed="rId2"/>
+          <a:stretch>
+            <a:fillRect/>
+          </a:stretch>
+        </p:blipFill>
+        <p:spPr>
+          <a:xfrm>
+            <a:off x="1549715" y="343533"/>
+            <a:ext cx="8325805" cy="6327132"/>
+          </a:xfrm>
+          <a:prstGeom prst="rect">
+            <a:avLst/>
+          </a:prstGeom>
+        </p:spPr>
+      </p:pic>
     </p:spTree>
     <p:extLst>
       <p:ext uri="{BB962C8B-B14F-4D97-AF65-F5344CB8AC3E}">
-        <p14:creationId xmlns:p14="http://schemas.microsoft.com/office/powerpoint/2010/main" val="3640983610"/>
+        <p14:creationId xmlns:p14="http://schemas.microsoft.com/office/powerpoint/2010/main" val="3830281041"/>
       </p:ext>
     </p:extLst>
   </p:cSld>
@@ -28296,7 +28260,7 @@
           <p:cNvPr id="2" name="Title 1">
             <a:extLst>
               <a:ext uri="{FF2B5EF4-FFF2-40B4-BE49-F238E27FC236}">
-                <a16:creationId xmlns:a16="http://schemas.microsoft.com/office/drawing/2014/main" id="{CE638E4E-54DB-4630-A30A-81AF4520E5D3}"/>
+                <a16:creationId xmlns:a16="http://schemas.microsoft.com/office/drawing/2014/main" id="{D5B3B675-DFDC-4B31-AD37-48232641A740}"/>
               </a:ext>
             </a:extLst>
           </p:cNvPr>
@@ -28314,7 +28278,7 @@
           <a:p>
             <a:r>
               <a:rPr lang="en-US" dirty="0"/>
-              <a:t>How can we implement business logic?</a:t>
+              <a:t>Service End Points :: Façade Pattern</a:t>
             </a:r>
           </a:p>
         </p:txBody>
@@ -28324,7 +28288,7 @@
           <p:cNvPr id="3" name="Content Placeholder 2">
             <a:extLst>
               <a:ext uri="{FF2B5EF4-FFF2-40B4-BE49-F238E27FC236}">
-                <a16:creationId xmlns:a16="http://schemas.microsoft.com/office/drawing/2014/main" id="{66928051-1A7D-475C-9E98-25EE74D6BA30}"/>
+                <a16:creationId xmlns:a16="http://schemas.microsoft.com/office/drawing/2014/main" id="{BA948533-938B-4FD7-9D96-6458BADD4F6C}"/>
               </a:ext>
             </a:extLst>
           </p:cNvPr>
@@ -28342,56 +28306,38 @@
           <a:p>
             <a:r>
               <a:rPr lang="en-US" dirty="0"/>
-              <a:t>Goals:</a:t>
-            </a:r>
-          </a:p>
-          <a:p>
-            <a:pPr lvl="1"/>
+              <a:t>Definition: A single class that represents an entire subsystem.</a:t>
+            </a:r>
+          </a:p>
+          <a:p>
             <a:r>
               <a:rPr lang="en-US" dirty="0"/>
-              <a:t>Consistent</a:t>
-            </a:r>
-          </a:p>
-          <a:p>
-            <a:pPr lvl="1"/>
+              <a:t>Useful in API design</a:t>
+            </a:r>
+          </a:p>
+          <a:p>
             <a:r>
               <a:rPr lang="en-US" dirty="0"/>
-              <a:t>Maintainable</a:t>
-            </a:r>
-          </a:p>
-          <a:p>
-            <a:pPr lvl="1"/>
+              <a:t>Useful in Service Oriented Architectures (SOA)</a:t>
+            </a:r>
+          </a:p>
+          <a:p>
             <a:r>
               <a:rPr lang="en-US" dirty="0"/>
-              <a:t>Testable</a:t>
-            </a:r>
-          </a:p>
-          <a:p>
-            <a:pPr lvl="1"/>
-            <a:r>
-              <a:rPr lang="en-US" dirty="0"/>
-              <a:t>Extensible</a:t>
-            </a:r>
-          </a:p>
-          <a:p>
-            <a:pPr lvl="1"/>
-            <a:r>
-              <a:rPr lang="en-US" dirty="0"/>
-              <a:t>High Quality</a:t>
-            </a:r>
-          </a:p>
-          <a:p>
-            <a:r>
-              <a:rPr lang="en-US" dirty="0"/>
-              <a:t>How can we achieve this? </a:t>
-            </a:r>
+              <a:t>Typically implements an </a:t>
+            </a:r>
+            <a:r>
+              <a:rPr lang="en-US" i="1" dirty="0"/>
+              <a:t>Interface</a:t>
+            </a:r>
+            <a:endParaRPr lang="en-US" dirty="0"/>
           </a:p>
         </p:txBody>
       </p:sp>
     </p:spTree>
     <p:extLst>
       <p:ext uri="{BB962C8B-B14F-4D97-AF65-F5344CB8AC3E}">
-        <p14:creationId xmlns:p14="http://schemas.microsoft.com/office/powerpoint/2010/main" val="90553821"/>
+        <p14:creationId xmlns:p14="http://schemas.microsoft.com/office/powerpoint/2010/main" val="1957383248"/>
       </p:ext>
     </p:extLst>
   </p:cSld>
@@ -28423,7 +28369,7 @@
           <p:cNvPr id="2" name="Title 1">
             <a:extLst>
               <a:ext uri="{FF2B5EF4-FFF2-40B4-BE49-F238E27FC236}">
-                <a16:creationId xmlns:a16="http://schemas.microsoft.com/office/drawing/2014/main" id="{3D57BA2C-1B3C-4C28-BBF4-26D91C9A8F3C}"/>
+                <a16:creationId xmlns:a16="http://schemas.microsoft.com/office/drawing/2014/main" id="{50404187-2787-44DD-962D-631946531F8B}"/>
               </a:ext>
             </a:extLst>
           </p:cNvPr>
@@ -28441,7 +28387,7 @@
           <a:p>
             <a:r>
               <a:rPr lang="en-US" dirty="0"/>
-              <a:t>Elevate Your Business Logic</a:t>
+              <a:t>Business Logic Concerns</a:t>
             </a:r>
           </a:p>
         </p:txBody>
@@ -28451,7 +28397,7 @@
           <p:cNvPr id="3" name="Content Placeholder 2">
             <a:extLst>
               <a:ext uri="{FF2B5EF4-FFF2-40B4-BE49-F238E27FC236}">
-                <a16:creationId xmlns:a16="http://schemas.microsoft.com/office/drawing/2014/main" id="{D9F7E00B-AD2A-4935-9D93-5AEB32283487}"/>
+                <a16:creationId xmlns:a16="http://schemas.microsoft.com/office/drawing/2014/main" id="{44BE3E2E-76CE-4CE6-8F68-636DFEB688C9}"/>
               </a:ext>
             </a:extLst>
           </p:cNvPr>
@@ -28464,143 +28410,44 @@
         </p:nvSpPr>
         <p:spPr/>
         <p:txBody>
-          <a:bodyPr>
-            <a:normAutofit lnSpcReduction="10000"/>
-          </a:bodyPr>
+          <a:bodyPr/>
           <a:lstStyle/>
           <a:p>
             <a:r>
               <a:rPr lang="en-US" dirty="0"/>
-              <a:t>Stop the Method Madness</a:t>
-            </a:r>
-          </a:p>
-          <a:p>
-            <a:pPr lvl="1"/>
+              <a:t>Authorization</a:t>
+            </a:r>
+          </a:p>
+          <a:p>
             <a:r>
               <a:rPr lang="en-US" dirty="0"/>
-              <a:t>Use classes to implement your business logic.</a:t>
-            </a:r>
-          </a:p>
-          <a:p>
-            <a:pPr lvl="1"/>
+              <a:t>Business Logic</a:t>
+            </a:r>
+          </a:p>
+          <a:p>
             <a:r>
               <a:rPr lang="en-US" dirty="0"/>
-              <a:t>A single class with a single responsibility, a single unit of work.</a:t>
-            </a:r>
-          </a:p>
-          <a:p>
-            <a:pPr lvl="1"/>
+              <a:t>Data Input Validation</a:t>
+            </a:r>
+          </a:p>
+          <a:p>
             <a:r>
               <a:rPr lang="en-US" dirty="0"/>
-              <a:t>This is not the typical Manager class with a bunch of methods chained together.</a:t>
+              <a:t>Business Rule Implementation</a:t>
             </a:r>
           </a:p>
           <a:p>
             <a:r>
               <a:rPr lang="en-US" dirty="0"/>
-              <a:t>Class Advantage</a:t>
-            </a:r>
-          </a:p>
-          <a:p>
-            <a:pPr lvl="1"/>
-            <a:r>
-              <a:rPr lang="en-US" dirty="0"/>
-              <a:t>Can use one or more </a:t>
-            </a:r>
-            <a:r>
-              <a:rPr lang="en-US" dirty="0">
-                <a:latin typeface="Source Code Pro Light" panose="020B0409030403020204" pitchFamily="49" charset="0"/>
-                <a:ea typeface="Source Code Pro Light" panose="020B0409030403020204" pitchFamily="49" charset="0"/>
-              </a:rPr>
-              <a:t>Constructors</a:t>
-            </a:r>
-            <a:r>
-              <a:rPr lang="en-US" dirty="0"/>
-              <a:t>.</a:t>
-            </a:r>
-          </a:p>
-          <a:p>
-            <a:pPr lvl="1"/>
-            <a:r>
-              <a:rPr lang="en-US" dirty="0"/>
-              <a:t>Can have base classes - </a:t>
-            </a:r>
-            <a:r>
-              <a:rPr lang="en-US" dirty="0">
-                <a:latin typeface="Source Code Pro Light" panose="020B0409030403020204" pitchFamily="49" charset="0"/>
-                <a:ea typeface="Source Code Pro Light" panose="020B0409030403020204" pitchFamily="49" charset="0"/>
-              </a:rPr>
-              <a:t>Inheritance</a:t>
-            </a:r>
-            <a:r>
-              <a:rPr lang="en-US" dirty="0"/>
-              <a:t>.</a:t>
-            </a:r>
-          </a:p>
-          <a:p>
-            <a:pPr lvl="1"/>
-            <a:r>
-              <a:rPr lang="en-US" dirty="0"/>
-              <a:t>Can implement an </a:t>
-            </a:r>
-            <a:r>
-              <a:rPr lang="en-US" dirty="0">
-                <a:latin typeface="Source Code Pro Light" panose="020B0409030403020204" pitchFamily="49" charset="0"/>
-                <a:ea typeface="Source Code Pro Light" panose="020B0409030403020204" pitchFamily="49" charset="0"/>
-              </a:rPr>
-              <a:t>Interface</a:t>
-            </a:r>
-            <a:r>
-              <a:rPr lang="en-US" dirty="0"/>
-              <a:t>.</a:t>
-            </a:r>
-          </a:p>
-          <a:p>
-            <a:pPr lvl="1"/>
-            <a:r>
-              <a:rPr lang="en-US" dirty="0"/>
-              <a:t>Can expose typed </a:t>
-            </a:r>
-            <a:r>
-              <a:rPr lang="en-US" dirty="0">
-                <a:latin typeface="Source Code Pro Light" panose="020B0409030403020204" pitchFamily="49" charset="0"/>
-                <a:ea typeface="Source Code Pro Light" panose="020B0409030403020204" pitchFamily="49" charset="0"/>
-              </a:rPr>
-              <a:t>Properties</a:t>
-            </a:r>
-            <a:r>
-              <a:rPr lang="en-US" dirty="0"/>
-              <a:t>.</a:t>
-            </a:r>
-          </a:p>
-          <a:p>
-            <a:pPr lvl="1"/>
-            <a:r>
-              <a:rPr lang="en-US" dirty="0"/>
-              <a:t>Can encapsulate members using </a:t>
-            </a:r>
-            <a:r>
-              <a:rPr lang="en-US" dirty="0">
-                <a:latin typeface="Source Code Pro Light" panose="020B0409030403020204" pitchFamily="49" charset="0"/>
-                <a:ea typeface="Source Code Pro Light" panose="020B0409030403020204" pitchFamily="49" charset="0"/>
-              </a:rPr>
-              <a:t>private</a:t>
-            </a:r>
-            <a:r>
-              <a:rPr lang="en-US" dirty="0"/>
-              <a:t>.</a:t>
-            </a:r>
-          </a:p>
-          <a:p>
-            <a:pPr lvl="1"/>
-            <a:endParaRPr lang="en-US" dirty="0"/>
+              <a:t>Using Repositories to retrieve and persist data</a:t>
+            </a:r>
           </a:p>
         </p:txBody>
       </p:sp>
     </p:spTree>
     <p:extLst>
       <p:ext uri="{BB962C8B-B14F-4D97-AF65-F5344CB8AC3E}">
-        <p14:creationId xmlns:p14="http://schemas.microsoft.com/office/powerpoint/2010/main" val="2589925573"/>
+        <p14:creationId xmlns:p14="http://schemas.microsoft.com/office/powerpoint/2010/main" val="3640983610"/>
       </p:ext>
     </p:extLst>
   </p:cSld>
@@ -28786,7 +28633,7 @@
           <p:cNvPr id="2" name="Title 1">
             <a:extLst>
               <a:ext uri="{FF2B5EF4-FFF2-40B4-BE49-F238E27FC236}">
-                <a16:creationId xmlns:a16="http://schemas.microsoft.com/office/drawing/2014/main" id="{3870FFA2-0D63-42F1-818E-025A62D80C80}"/>
+                <a16:creationId xmlns:a16="http://schemas.microsoft.com/office/drawing/2014/main" id="{CE638E4E-54DB-4630-A30A-81AF4520E5D3}"/>
               </a:ext>
             </a:extLst>
           </p:cNvPr>
@@ -28804,7 +28651,7 @@
           <a:p>
             <a:r>
               <a:rPr lang="en-US" dirty="0"/>
-              <a:t>Template Method Pattern</a:t>
+              <a:t>How can we implement business logic?</a:t>
             </a:r>
           </a:p>
         </p:txBody>
@@ -28814,7 +28661,7 @@
           <p:cNvPr id="3" name="Content Placeholder 2">
             <a:extLst>
               <a:ext uri="{FF2B5EF4-FFF2-40B4-BE49-F238E27FC236}">
-                <a16:creationId xmlns:a16="http://schemas.microsoft.com/office/drawing/2014/main" id="{123C8FF3-B8F9-4BD6-A517-8DEA0AC6853F}"/>
+                <a16:creationId xmlns:a16="http://schemas.microsoft.com/office/drawing/2014/main" id="{66928051-1A7D-475C-9E98-25EE74D6BA30}"/>
               </a:ext>
             </a:extLst>
           </p:cNvPr>
@@ -28832,115 +28679,56 @@
           <a:p>
             <a:r>
               <a:rPr lang="en-US" dirty="0"/>
-              <a:t>Where have you seen this one?</a:t>
+              <a:t>Goals:</a:t>
             </a:r>
           </a:p>
           <a:p>
             <a:pPr lvl="1"/>
             <a:r>
               <a:rPr lang="en-US" dirty="0"/>
-              <a:t>ASP.NET Forms circa 2001: </a:t>
-            </a:r>
-            <a:r>
-              <a:rPr lang="en-US" dirty="0" err="1"/>
-              <a:t>PreInit</a:t>
-            </a:r>
+              <a:t>Consistent</a:t>
+            </a:r>
+          </a:p>
+          <a:p>
+            <a:pPr lvl="1"/>
             <a:r>
               <a:rPr lang="en-US" dirty="0"/>
-              <a:t>, </a:t>
-            </a:r>
-            <a:r>
-              <a:rPr lang="en-US" dirty="0" err="1"/>
-              <a:t>Init</a:t>
-            </a:r>
+              <a:t>Maintainable</a:t>
+            </a:r>
+          </a:p>
+          <a:p>
+            <a:pPr lvl="1"/>
             <a:r>
               <a:rPr lang="en-US" dirty="0"/>
-              <a:t>, </a:t>
-            </a:r>
-            <a:r>
-              <a:rPr lang="en-US" dirty="0" err="1"/>
-              <a:t>InitComplete</a:t>
-            </a:r>
+              <a:t>Testable</a:t>
+            </a:r>
+          </a:p>
+          <a:p>
+            <a:pPr lvl="1"/>
             <a:r>
               <a:rPr lang="en-US" dirty="0"/>
-              <a:t>, </a:t>
-            </a:r>
-            <a:r>
-              <a:rPr lang="en-US" dirty="0" err="1"/>
-              <a:t>PreLoad</a:t>
-            </a:r>
+              <a:t>Extensible</a:t>
+            </a:r>
+          </a:p>
+          <a:p>
+            <a:pPr lvl="1"/>
             <a:r>
               <a:rPr lang="en-US" dirty="0"/>
-              <a:t>, Load, </a:t>
-            </a:r>
-            <a:r>
-              <a:rPr lang="en-US" dirty="0" err="1"/>
-              <a:t>LoadComplete</a:t>
-            </a:r>
+              <a:t>High Quality</a:t>
+            </a:r>
+          </a:p>
+          <a:p>
             <a:r>
               <a:rPr lang="en-US" dirty="0"/>
-              <a:t>, </a:t>
-            </a:r>
-            <a:r>
-              <a:rPr lang="en-US" dirty="0" err="1"/>
-              <a:t>PreRender</a:t>
-            </a:r>
-            <a:r>
-              <a:rPr lang="en-US" dirty="0"/>
-              <a:t>, etc.</a:t>
-            </a:r>
-          </a:p>
-          <a:p>
-            <a:pPr lvl="1"/>
-            <a:r>
-              <a:rPr lang="en-US" dirty="0"/>
-              <a:t>Angular 2: </a:t>
-            </a:r>
-            <a:r>
-              <a:rPr lang="en-US" dirty="0" err="1"/>
-              <a:t>ngOnChanges</a:t>
-            </a:r>
-            <a:r>
-              <a:rPr lang="en-US" dirty="0"/>
-              <a:t>, </a:t>
-            </a:r>
-            <a:r>
-              <a:rPr lang="en-US" dirty="0" err="1"/>
-              <a:t>ngOnit</a:t>
-            </a:r>
-            <a:r>
-              <a:rPr lang="en-US" dirty="0"/>
-              <a:t>, </a:t>
-            </a:r>
-            <a:r>
-              <a:rPr lang="en-US" dirty="0" err="1"/>
-              <a:t>ngDoCheck</a:t>
-            </a:r>
-            <a:r>
-              <a:rPr lang="en-US" dirty="0"/>
-              <a:t>, </a:t>
-            </a:r>
-            <a:r>
-              <a:rPr lang="en-US" dirty="0" err="1"/>
-              <a:t>ngOnDestroy</a:t>
-            </a:r>
-            <a:endParaRPr lang="en-US" dirty="0"/>
-          </a:p>
-          <a:p>
-            <a:r>
-              <a:rPr lang="en-US" dirty="0"/>
-              <a:t>If it is good enough for managing components and web forms with millions of different implementations – but, all using the same algorithm.</a:t>
-            </a:r>
-          </a:p>
-          <a:p>
-            <a:endParaRPr lang="en-US" dirty="0"/>
+              <a:t>How can we achieve this? </a:t>
+            </a:r>
           </a:p>
         </p:txBody>
       </p:sp>
     </p:spTree>
     <p:extLst>
       <p:ext uri="{BB962C8B-B14F-4D97-AF65-F5344CB8AC3E}">
-        <p14:creationId xmlns:p14="http://schemas.microsoft.com/office/powerpoint/2010/main" val="448475438"/>
+        <p14:creationId xmlns:p14="http://schemas.microsoft.com/office/powerpoint/2010/main" val="90553821"/>
       </p:ext>
     </p:extLst>
   </p:cSld>
@@ -28972,6 +28760,401 @@
           <p:cNvPr id="2" name="Title 1">
             <a:extLst>
               <a:ext uri="{FF2B5EF4-FFF2-40B4-BE49-F238E27FC236}">
+                <a16:creationId xmlns:a16="http://schemas.microsoft.com/office/drawing/2014/main" id="{3D57BA2C-1B3C-4C28-BBF4-26D91C9A8F3C}"/>
+              </a:ext>
+            </a:extLst>
+          </p:cNvPr>
+          <p:cNvSpPr>
+            <a:spLocks noGrp="1"/>
+          </p:cNvSpPr>
+          <p:nvPr>
+            <p:ph type="title"/>
+          </p:nvPr>
+        </p:nvSpPr>
+        <p:spPr/>
+        <p:txBody>
+          <a:bodyPr/>
+          <a:lstStyle/>
+          <a:p>
+            <a:r>
+              <a:rPr lang="en-US" dirty="0"/>
+              <a:t>Elevate Your Business Logic</a:t>
+            </a:r>
+          </a:p>
+        </p:txBody>
+      </p:sp>
+      <p:sp>
+        <p:nvSpPr>
+          <p:cNvPr id="3" name="Content Placeholder 2">
+            <a:extLst>
+              <a:ext uri="{FF2B5EF4-FFF2-40B4-BE49-F238E27FC236}">
+                <a16:creationId xmlns:a16="http://schemas.microsoft.com/office/drawing/2014/main" id="{D9F7E00B-AD2A-4935-9D93-5AEB32283487}"/>
+              </a:ext>
+            </a:extLst>
+          </p:cNvPr>
+          <p:cNvSpPr>
+            <a:spLocks noGrp="1"/>
+          </p:cNvSpPr>
+          <p:nvPr>
+            <p:ph idx="1"/>
+          </p:nvPr>
+        </p:nvSpPr>
+        <p:spPr/>
+        <p:txBody>
+          <a:bodyPr>
+            <a:normAutofit lnSpcReduction="10000"/>
+          </a:bodyPr>
+          <a:lstStyle/>
+          <a:p>
+            <a:r>
+              <a:rPr lang="en-US" dirty="0"/>
+              <a:t>Stop the Method Madness</a:t>
+            </a:r>
+          </a:p>
+          <a:p>
+            <a:pPr lvl="1"/>
+            <a:r>
+              <a:rPr lang="en-US" dirty="0"/>
+              <a:t>Use classes to implement your business logic.</a:t>
+            </a:r>
+          </a:p>
+          <a:p>
+            <a:pPr lvl="1"/>
+            <a:r>
+              <a:rPr lang="en-US" dirty="0"/>
+              <a:t>A single class with a single responsibility, a single unit of work.</a:t>
+            </a:r>
+          </a:p>
+          <a:p>
+            <a:pPr lvl="1"/>
+            <a:r>
+              <a:rPr lang="en-US" dirty="0"/>
+              <a:t>This is not the typical Manager class with a bunch of methods chained together.</a:t>
+            </a:r>
+          </a:p>
+          <a:p>
+            <a:r>
+              <a:rPr lang="en-US" dirty="0"/>
+              <a:t>Class Advantage</a:t>
+            </a:r>
+          </a:p>
+          <a:p>
+            <a:pPr lvl="1"/>
+            <a:r>
+              <a:rPr lang="en-US" dirty="0"/>
+              <a:t>Can use one or more </a:t>
+            </a:r>
+            <a:r>
+              <a:rPr lang="en-US" dirty="0">
+                <a:latin typeface="Source Code Pro Light" panose="020B0409030403020204" pitchFamily="49" charset="0"/>
+                <a:ea typeface="Source Code Pro Light" panose="020B0409030403020204" pitchFamily="49" charset="0"/>
+              </a:rPr>
+              <a:t>Constructors</a:t>
+            </a:r>
+            <a:r>
+              <a:rPr lang="en-US" dirty="0"/>
+              <a:t>.</a:t>
+            </a:r>
+          </a:p>
+          <a:p>
+            <a:pPr lvl="1"/>
+            <a:r>
+              <a:rPr lang="en-US" dirty="0"/>
+              <a:t>Can have base classes - </a:t>
+            </a:r>
+            <a:r>
+              <a:rPr lang="en-US" dirty="0">
+                <a:latin typeface="Source Code Pro Light" panose="020B0409030403020204" pitchFamily="49" charset="0"/>
+                <a:ea typeface="Source Code Pro Light" panose="020B0409030403020204" pitchFamily="49" charset="0"/>
+              </a:rPr>
+              <a:t>Inheritance</a:t>
+            </a:r>
+            <a:r>
+              <a:rPr lang="en-US" dirty="0"/>
+              <a:t>.</a:t>
+            </a:r>
+          </a:p>
+          <a:p>
+            <a:pPr lvl="1"/>
+            <a:r>
+              <a:rPr lang="en-US" dirty="0"/>
+              <a:t>Can implement an </a:t>
+            </a:r>
+            <a:r>
+              <a:rPr lang="en-US" dirty="0">
+                <a:latin typeface="Source Code Pro Light" panose="020B0409030403020204" pitchFamily="49" charset="0"/>
+                <a:ea typeface="Source Code Pro Light" panose="020B0409030403020204" pitchFamily="49" charset="0"/>
+              </a:rPr>
+              <a:t>Interface</a:t>
+            </a:r>
+            <a:r>
+              <a:rPr lang="en-US" dirty="0"/>
+              <a:t>.</a:t>
+            </a:r>
+          </a:p>
+          <a:p>
+            <a:pPr lvl="1"/>
+            <a:r>
+              <a:rPr lang="en-US" dirty="0"/>
+              <a:t>Can expose typed </a:t>
+            </a:r>
+            <a:r>
+              <a:rPr lang="en-US" dirty="0">
+                <a:latin typeface="Source Code Pro Light" panose="020B0409030403020204" pitchFamily="49" charset="0"/>
+                <a:ea typeface="Source Code Pro Light" panose="020B0409030403020204" pitchFamily="49" charset="0"/>
+              </a:rPr>
+              <a:t>Properties</a:t>
+            </a:r>
+            <a:r>
+              <a:rPr lang="en-US" dirty="0"/>
+              <a:t>.</a:t>
+            </a:r>
+          </a:p>
+          <a:p>
+            <a:pPr lvl="1"/>
+            <a:r>
+              <a:rPr lang="en-US" dirty="0"/>
+              <a:t>Can encapsulate members using </a:t>
+            </a:r>
+            <a:r>
+              <a:rPr lang="en-US" dirty="0">
+                <a:latin typeface="Source Code Pro Light" panose="020B0409030403020204" pitchFamily="49" charset="0"/>
+                <a:ea typeface="Source Code Pro Light" panose="020B0409030403020204" pitchFamily="49" charset="0"/>
+              </a:rPr>
+              <a:t>private</a:t>
+            </a:r>
+            <a:r>
+              <a:rPr lang="en-US" dirty="0"/>
+              <a:t>.</a:t>
+            </a:r>
+          </a:p>
+          <a:p>
+            <a:pPr lvl="1"/>
+            <a:endParaRPr lang="en-US" dirty="0"/>
+          </a:p>
+        </p:txBody>
+      </p:sp>
+    </p:spTree>
+    <p:extLst>
+      <p:ext uri="{BB962C8B-B14F-4D97-AF65-F5344CB8AC3E}">
+        <p14:creationId xmlns:p14="http://schemas.microsoft.com/office/powerpoint/2010/main" val="2589925573"/>
+      </p:ext>
+    </p:extLst>
+  </p:cSld>
+  <p:clrMapOvr>
+    <a:masterClrMapping/>
+  </p:clrMapOvr>
+</p:sld>
+</file>
+
+<file path=ppt/slides/slide22.xml><?xml version="1.0" encoding="utf-8"?>
+<p:sld xmlns:a="http://schemas.openxmlformats.org/drawingml/2006/main" xmlns:r="http://schemas.openxmlformats.org/officeDocument/2006/relationships" xmlns:p="http://schemas.openxmlformats.org/presentationml/2006/main">
+  <p:cSld>
+    <p:spTree>
+      <p:nvGrpSpPr>
+        <p:cNvPr id="1" name=""/>
+        <p:cNvGrpSpPr/>
+        <p:nvPr/>
+      </p:nvGrpSpPr>
+      <p:grpSpPr>
+        <a:xfrm>
+          <a:off x="0" y="0"/>
+          <a:ext cx="0" cy="0"/>
+          <a:chOff x="0" y="0"/>
+          <a:chExt cx="0" cy="0"/>
+        </a:xfrm>
+      </p:grpSpPr>
+      <p:sp>
+        <p:nvSpPr>
+          <p:cNvPr id="2" name="Title 1">
+            <a:extLst>
+              <a:ext uri="{FF2B5EF4-FFF2-40B4-BE49-F238E27FC236}">
+                <a16:creationId xmlns:a16="http://schemas.microsoft.com/office/drawing/2014/main" id="{3870FFA2-0D63-42F1-818E-025A62D80C80}"/>
+              </a:ext>
+            </a:extLst>
+          </p:cNvPr>
+          <p:cNvSpPr>
+            <a:spLocks noGrp="1"/>
+          </p:cNvSpPr>
+          <p:nvPr>
+            <p:ph type="title"/>
+          </p:nvPr>
+        </p:nvSpPr>
+        <p:spPr/>
+        <p:txBody>
+          <a:bodyPr/>
+          <a:lstStyle/>
+          <a:p>
+            <a:r>
+              <a:rPr lang="en-US" dirty="0"/>
+              <a:t>Template Method Pattern</a:t>
+            </a:r>
+          </a:p>
+        </p:txBody>
+      </p:sp>
+      <p:sp>
+        <p:nvSpPr>
+          <p:cNvPr id="3" name="Content Placeholder 2">
+            <a:extLst>
+              <a:ext uri="{FF2B5EF4-FFF2-40B4-BE49-F238E27FC236}">
+                <a16:creationId xmlns:a16="http://schemas.microsoft.com/office/drawing/2014/main" id="{123C8FF3-B8F9-4BD6-A517-8DEA0AC6853F}"/>
+              </a:ext>
+            </a:extLst>
+          </p:cNvPr>
+          <p:cNvSpPr>
+            <a:spLocks noGrp="1"/>
+          </p:cNvSpPr>
+          <p:nvPr>
+            <p:ph idx="1"/>
+          </p:nvPr>
+        </p:nvSpPr>
+        <p:spPr/>
+        <p:txBody>
+          <a:bodyPr/>
+          <a:lstStyle/>
+          <a:p>
+            <a:r>
+              <a:rPr lang="en-US" dirty="0"/>
+              <a:t>Where have you seen this one?</a:t>
+            </a:r>
+          </a:p>
+          <a:p>
+            <a:pPr lvl="1"/>
+            <a:r>
+              <a:rPr lang="en-US" dirty="0"/>
+              <a:t>ASP.NET Forms circa 2001: </a:t>
+            </a:r>
+            <a:r>
+              <a:rPr lang="en-US" dirty="0" err="1"/>
+              <a:t>PreInit</a:t>
+            </a:r>
+            <a:r>
+              <a:rPr lang="en-US" dirty="0"/>
+              <a:t>, </a:t>
+            </a:r>
+            <a:r>
+              <a:rPr lang="en-US" dirty="0" err="1"/>
+              <a:t>Init</a:t>
+            </a:r>
+            <a:r>
+              <a:rPr lang="en-US" dirty="0"/>
+              <a:t>, </a:t>
+            </a:r>
+            <a:r>
+              <a:rPr lang="en-US" dirty="0" err="1"/>
+              <a:t>InitComplete</a:t>
+            </a:r>
+            <a:r>
+              <a:rPr lang="en-US" dirty="0"/>
+              <a:t>, </a:t>
+            </a:r>
+            <a:r>
+              <a:rPr lang="en-US" dirty="0" err="1"/>
+              <a:t>PreLoad</a:t>
+            </a:r>
+            <a:r>
+              <a:rPr lang="en-US" dirty="0"/>
+              <a:t>, Load, </a:t>
+            </a:r>
+            <a:r>
+              <a:rPr lang="en-US" dirty="0" err="1"/>
+              <a:t>LoadComplete</a:t>
+            </a:r>
+            <a:r>
+              <a:rPr lang="en-US" dirty="0"/>
+              <a:t>, </a:t>
+            </a:r>
+            <a:r>
+              <a:rPr lang="en-US" dirty="0" err="1"/>
+              <a:t>PreRender</a:t>
+            </a:r>
+            <a:r>
+              <a:rPr lang="en-US" dirty="0"/>
+              <a:t>, etc.</a:t>
+            </a:r>
+          </a:p>
+          <a:p>
+            <a:pPr lvl="1"/>
+            <a:r>
+              <a:rPr lang="en-US" dirty="0"/>
+              <a:t>Angular 2: </a:t>
+            </a:r>
+            <a:r>
+              <a:rPr lang="en-US" dirty="0" err="1"/>
+              <a:t>ngOnChanges</a:t>
+            </a:r>
+            <a:r>
+              <a:rPr lang="en-US" dirty="0"/>
+              <a:t>, </a:t>
+            </a:r>
+            <a:r>
+              <a:rPr lang="en-US" dirty="0" err="1"/>
+              <a:t>ngOnit</a:t>
+            </a:r>
+            <a:r>
+              <a:rPr lang="en-US" dirty="0"/>
+              <a:t>, </a:t>
+            </a:r>
+            <a:r>
+              <a:rPr lang="en-US" dirty="0" err="1"/>
+              <a:t>ngDoCheck</a:t>
+            </a:r>
+            <a:r>
+              <a:rPr lang="en-US" dirty="0"/>
+              <a:t>, </a:t>
+            </a:r>
+            <a:r>
+              <a:rPr lang="en-US" dirty="0" err="1"/>
+              <a:t>ngOnDestroy</a:t>
+            </a:r>
+            <a:endParaRPr lang="en-US" dirty="0"/>
+          </a:p>
+          <a:p>
+            <a:r>
+              <a:rPr lang="en-US" dirty="0"/>
+              <a:t>If it is good enough for managing components and web forms with millions of different implementations – but, all using the same algorithm.</a:t>
+            </a:r>
+          </a:p>
+          <a:p>
+            <a:endParaRPr lang="en-US" dirty="0"/>
+          </a:p>
+        </p:txBody>
+      </p:sp>
+    </p:spTree>
+    <p:extLst>
+      <p:ext uri="{BB962C8B-B14F-4D97-AF65-F5344CB8AC3E}">
+        <p14:creationId xmlns:p14="http://schemas.microsoft.com/office/powerpoint/2010/main" val="448475438"/>
+      </p:ext>
+    </p:extLst>
+  </p:cSld>
+  <p:clrMapOvr>
+    <a:masterClrMapping/>
+  </p:clrMapOvr>
+</p:sld>
+</file>
+
+<file path=ppt/slides/slide23.xml><?xml version="1.0" encoding="utf-8"?>
+<p:sld xmlns:a="http://schemas.openxmlformats.org/drawingml/2006/main" xmlns:r="http://schemas.openxmlformats.org/officeDocument/2006/relationships" xmlns:p="http://schemas.openxmlformats.org/presentationml/2006/main">
+  <p:cSld>
+    <p:spTree>
+      <p:nvGrpSpPr>
+        <p:cNvPr id="1" name=""/>
+        <p:cNvGrpSpPr/>
+        <p:nvPr/>
+      </p:nvGrpSpPr>
+      <p:grpSpPr>
+        <a:xfrm>
+          <a:off x="0" y="0"/>
+          <a:ext cx="0" cy="0"/>
+          <a:chOff x="0" y="0"/>
+          <a:chExt cx="0" cy="0"/>
+        </a:xfrm>
+      </p:grpSpPr>
+      <p:sp>
+        <p:nvSpPr>
+          <p:cNvPr id="2" name="Title 1">
+            <a:extLst>
+              <a:ext uri="{FF2B5EF4-FFF2-40B4-BE49-F238E27FC236}">
                 <a16:creationId xmlns:a16="http://schemas.microsoft.com/office/drawing/2014/main" id="{FA1BCB59-0789-48A4-8783-E209DA86CB32}"/>
               </a:ext>
             </a:extLst>
@@ -29077,7 +29260,7 @@
 </p:sld>
 </file>
 
-<file path=ppt/slides/slide22.xml><?xml version="1.0" encoding="utf-8"?>
+<file path=ppt/slides/slide24.xml><?xml version="1.0" encoding="utf-8"?>
 <p:sld xmlns:a="http://schemas.openxmlformats.org/drawingml/2006/main" xmlns:r="http://schemas.openxmlformats.org/officeDocument/2006/relationships" xmlns:p="http://schemas.openxmlformats.org/presentationml/2006/main">
   <p:cSld>
     <p:spTree>
@@ -29167,7 +29350,7 @@
 </p:sld>
 </file>
 
-<file path=ppt/slides/slide23.xml><?xml version="1.0" encoding="utf-8"?>
+<file path=ppt/slides/slide25.xml><?xml version="1.0" encoding="utf-8"?>
 <p:sld xmlns:a="http://schemas.openxmlformats.org/drawingml/2006/main" xmlns:r="http://schemas.openxmlformats.org/officeDocument/2006/relationships" xmlns:p="http://schemas.openxmlformats.org/presentationml/2006/main">
   <p:cSld>
     <p:spTree>
@@ -29337,7 +29520,7 @@
 </p:sld>
 </file>
 
-<file path=ppt/slides/slide24.xml><?xml version="1.0" encoding="utf-8"?>
+<file path=ppt/slides/slide26.xml><?xml version="1.0" encoding="utf-8"?>
 <p:sld xmlns:a="http://schemas.openxmlformats.org/drawingml/2006/main" xmlns:r="http://schemas.openxmlformats.org/officeDocument/2006/relationships" xmlns:p="http://schemas.openxmlformats.org/presentationml/2006/main">
   <p:cSld>
     <p:spTree>
@@ -29503,7 +29686,160 @@
 </p:sld>
 </file>
 
-<file path=ppt/slides/slide25.xml><?xml version="1.0" encoding="utf-8"?>
+<file path=ppt/slides/slide27.xml><?xml version="1.0" encoding="utf-8"?>
+<p:sld xmlns:a="http://schemas.openxmlformats.org/drawingml/2006/main" xmlns:r="http://schemas.openxmlformats.org/officeDocument/2006/relationships" xmlns:p="http://schemas.openxmlformats.org/presentationml/2006/main">
+  <p:cSld>
+    <p:spTree>
+      <p:nvGrpSpPr>
+        <p:cNvPr id="1" name=""/>
+        <p:cNvGrpSpPr/>
+        <p:nvPr/>
+      </p:nvGrpSpPr>
+      <p:grpSpPr>
+        <a:xfrm>
+          <a:off x="0" y="0"/>
+          <a:ext cx="0" cy="0"/>
+          <a:chOff x="0" y="0"/>
+          <a:chExt cx="0" cy="0"/>
+        </a:xfrm>
+      </p:grpSpPr>
+      <p:sp>
+        <p:nvSpPr>
+          <p:cNvPr id="2" name="Title 1">
+            <a:extLst>
+              <a:ext uri="{FF2B5EF4-FFF2-40B4-BE49-F238E27FC236}">
+                <a16:creationId xmlns:a16="http://schemas.microsoft.com/office/drawing/2014/main" id="{7D8AF8FB-793E-41BD-8CC5-A923B5A8209E}"/>
+              </a:ext>
+            </a:extLst>
+          </p:cNvPr>
+          <p:cNvSpPr>
+            <a:spLocks noGrp="1"/>
+          </p:cNvSpPr>
+          <p:nvPr>
+            <p:ph type="title"/>
+          </p:nvPr>
+        </p:nvSpPr>
+        <p:spPr/>
+        <p:txBody>
+          <a:bodyPr/>
+          <a:lstStyle/>
+          <a:p>
+            <a:r>
+              <a:rPr lang="en-US" dirty="0"/>
+              <a:t>Angular Resources</a:t>
+            </a:r>
+          </a:p>
+        </p:txBody>
+      </p:sp>
+      <p:sp>
+        <p:nvSpPr>
+          <p:cNvPr id="3" name="Content Placeholder 2">
+            <a:extLst>
+              <a:ext uri="{FF2B5EF4-FFF2-40B4-BE49-F238E27FC236}">
+                <a16:creationId xmlns:a16="http://schemas.microsoft.com/office/drawing/2014/main" id="{3975127B-114D-4B36-BA13-4EB6781A2CEB}"/>
+              </a:ext>
+            </a:extLst>
+          </p:cNvPr>
+          <p:cNvSpPr>
+            <a:spLocks noGrp="1"/>
+          </p:cNvSpPr>
+          <p:nvPr>
+            <p:ph idx="1"/>
+          </p:nvPr>
+        </p:nvSpPr>
+        <p:spPr/>
+        <p:txBody>
+          <a:bodyPr>
+            <a:normAutofit/>
+          </a:bodyPr>
+          <a:lstStyle/>
+          <a:p>
+            <a:r>
+              <a:rPr lang="en-US" dirty="0">
+                <a:hlinkClick r:id="rId2"/>
+              </a:rPr>
+              <a:t>https://angular.io</a:t>
+            </a:r>
+            <a:r>
+              <a:rPr lang="en-US" dirty="0"/>
+              <a:t>: </a:t>
+            </a:r>
+          </a:p>
+          <a:p>
+            <a:r>
+              <a:rPr lang="en-US" dirty="0">
+                <a:hlinkClick r:id="rId3"/>
+              </a:rPr>
+              <a:t>https://rangle.io</a:t>
+            </a:r>
+            <a:r>
+              <a:rPr lang="en-US" dirty="0"/>
+              <a:t>: </a:t>
+            </a:r>
+          </a:p>
+          <a:p>
+            <a:pPr lvl="1"/>
+            <a:r>
+              <a:rPr lang="en-US" dirty="0" err="1">
+                <a:hlinkClick r:id="rId4"/>
+              </a:rPr>
+              <a:t>Rangle’s</a:t>
+            </a:r>
+            <a:r>
+              <a:rPr lang="en-US" dirty="0">
+                <a:hlinkClick r:id="rId4"/>
+              </a:rPr>
+              <a:t> Angular 2 Training Book</a:t>
+            </a:r>
+            <a:endParaRPr lang="en-US" dirty="0"/>
+          </a:p>
+          <a:p>
+            <a:pPr lvl="1"/>
+            <a:r>
+              <a:rPr lang="en-US" dirty="0">
+                <a:hlinkClick r:id="rId5"/>
+              </a:rPr>
+              <a:t>Functional Forms</a:t>
+            </a:r>
+            <a:endParaRPr lang="en-US" dirty="0"/>
+          </a:p>
+          <a:p>
+            <a:r>
+              <a:rPr lang="en-US" dirty="0">
+                <a:hlinkClick r:id="rId6"/>
+              </a:rPr>
+              <a:t>Become a Ninja with Angular</a:t>
+            </a:r>
+            <a:r>
+              <a:rPr lang="en-US" dirty="0"/>
+              <a:t>: sample chapters</a:t>
+            </a:r>
+          </a:p>
+          <a:p>
+            <a:r>
+              <a:rPr lang="en-US" dirty="0">
+                <a:hlinkClick r:id="rId7"/>
+              </a:rPr>
+              <a:t>Tour of Heroes Application with Multiple Modules</a:t>
+            </a:r>
+            <a:endParaRPr lang="en-US" dirty="0"/>
+          </a:p>
+        </p:txBody>
+      </p:sp>
+    </p:spTree>
+    <p:extLst>
+      <p:ext uri="{BB962C8B-B14F-4D97-AF65-F5344CB8AC3E}">
+        <p14:creationId xmlns:p14="http://schemas.microsoft.com/office/powerpoint/2010/main" val="3233442765"/>
+      </p:ext>
+    </p:extLst>
+  </p:cSld>
+  <p:clrMapOvr>
+    <a:masterClrMapping/>
+  </p:clrMapOvr>
+</p:sld>
+</file>
+
+<file path=ppt/slides/slide28.xml><?xml version="1.0" encoding="utf-8"?>
 <p:sld xmlns:a="http://schemas.openxmlformats.org/drawingml/2006/main" xmlns:r="http://schemas.openxmlformats.org/officeDocument/2006/relationships" xmlns:p="http://schemas.openxmlformats.org/presentationml/2006/main">
   <p:cSld>
     <p:spTree>

--- a/Presentation/Better Business Logic with Typescript.pptx
+++ b/Presentation/Better Business Logic with Typescript.pptx
@@ -9,34 +9,38 @@
     <p:sldMasterId id="2147483820" r:id="rId5"/>
   </p:sldMasterIdLst>
   <p:sldIdLst>
-    <p:sldId id="256" r:id="rId6"/>
-    <p:sldId id="267" r:id="rId7"/>
-    <p:sldId id="259" r:id="rId8"/>
-    <p:sldId id="279" r:id="rId9"/>
-    <p:sldId id="257" r:id="rId10"/>
-    <p:sldId id="258" r:id="rId11"/>
-    <p:sldId id="260" r:id="rId12"/>
-    <p:sldId id="261" r:id="rId13"/>
-    <p:sldId id="262" r:id="rId14"/>
-    <p:sldId id="263" r:id="rId15"/>
-    <p:sldId id="270" r:id="rId16"/>
-    <p:sldId id="284" r:id="rId17"/>
-    <p:sldId id="269" r:id="rId18"/>
-    <p:sldId id="282" r:id="rId19"/>
-    <p:sldId id="271" r:id="rId20"/>
-    <p:sldId id="272" r:id="rId21"/>
-    <p:sldId id="273" r:id="rId22"/>
-    <p:sldId id="268" r:id="rId23"/>
-    <p:sldId id="274" r:id="rId24"/>
-    <p:sldId id="275" r:id="rId25"/>
-    <p:sldId id="276" r:id="rId26"/>
-    <p:sldId id="277" r:id="rId27"/>
-    <p:sldId id="278" r:id="rId28"/>
-    <p:sldId id="280" r:id="rId29"/>
-    <p:sldId id="264" r:id="rId30"/>
-    <p:sldId id="266" r:id="rId31"/>
-    <p:sldId id="283" r:id="rId32"/>
-    <p:sldId id="265" r:id="rId33"/>
+    <p:sldId id="285" r:id="rId6"/>
+    <p:sldId id="256" r:id="rId7"/>
+    <p:sldId id="267" r:id="rId8"/>
+    <p:sldId id="259" r:id="rId9"/>
+    <p:sldId id="279" r:id="rId10"/>
+    <p:sldId id="257" r:id="rId11"/>
+    <p:sldId id="258" r:id="rId12"/>
+    <p:sldId id="286" r:id="rId13"/>
+    <p:sldId id="284" r:id="rId14"/>
+    <p:sldId id="269" r:id="rId15"/>
+    <p:sldId id="282" r:id="rId16"/>
+    <p:sldId id="271" r:id="rId17"/>
+    <p:sldId id="272" r:id="rId18"/>
+    <p:sldId id="273" r:id="rId19"/>
+    <p:sldId id="287" r:id="rId20"/>
+    <p:sldId id="260" r:id="rId21"/>
+    <p:sldId id="261" r:id="rId22"/>
+    <p:sldId id="262" r:id="rId23"/>
+    <p:sldId id="263" r:id="rId24"/>
+    <p:sldId id="270" r:id="rId25"/>
+    <p:sldId id="288" r:id="rId26"/>
+    <p:sldId id="268" r:id="rId27"/>
+    <p:sldId id="274" r:id="rId28"/>
+    <p:sldId id="275" r:id="rId29"/>
+    <p:sldId id="276" r:id="rId30"/>
+    <p:sldId id="277" r:id="rId31"/>
+    <p:sldId id="278" r:id="rId32"/>
+    <p:sldId id="280" r:id="rId33"/>
+    <p:sldId id="264" r:id="rId34"/>
+    <p:sldId id="266" r:id="rId35"/>
+    <p:sldId id="283" r:id="rId36"/>
+    <p:sldId id="265" r:id="rId37"/>
   </p:sldIdLst>
   <p:sldSz cx="12192000" cy="6858000"/>
   <p:notesSz cx="6858000" cy="9144000"/>
@@ -138,32 +142,64 @@
   <p:extLst>
     <p:ext uri="{521415D9-36F7-43E2-AB2F-B90AF26B5E84}">
       <p14:sectionLst xmlns:p14="http://schemas.microsoft.com/office/powerpoint/2010/main">
-        <p14:section name="Default Section" id="{823E46FE-DD2E-4C47-9AED-55B977041128}">
+        <p14:section name="Sponsors" id="{823E46FE-DD2E-4C47-9AED-55B977041128}">
+          <p14:sldIdLst>
+            <p14:sldId id="285"/>
+          </p14:sldIdLst>
+        </p14:section>
+        <p14:section name="Introduction" id="{83B04615-31A6-4B7E-878E-686DCDB2A179}">
           <p14:sldIdLst>
             <p14:sldId id="256"/>
             <p14:sldId id="267"/>
             <p14:sldId id="259"/>
+          </p14:sldIdLst>
+        </p14:section>
+        <p14:section name="Business Logic" id="{0CD41555-1EC9-4B9C-BEC5-0B3FF748B9DF}">
+          <p14:sldIdLst>
             <p14:sldId id="279"/>
             <p14:sldId id="257"/>
             <p14:sldId id="258"/>
-            <p14:sldId id="260"/>
-            <p14:sldId id="261"/>
-            <p14:sldId id="262"/>
-            <p14:sldId id="263"/>
-            <p14:sldId id="270"/>
+          </p14:sldIdLst>
+        </p14:section>
+        <p14:section name="Elements of Angular" id="{5FD040E9-5556-4446-BDF9-560BABFEAF0F}">
+          <p14:sldIdLst>
+            <p14:sldId id="286"/>
             <p14:sldId id="284"/>
             <p14:sldId id="269"/>
             <p14:sldId id="282"/>
             <p14:sldId id="271"/>
             <p14:sldId id="272"/>
             <p14:sldId id="273"/>
+          </p14:sldIdLst>
+        </p14:section>
+        <p14:section name="Design Pattern Overview" id="{8CADB0D0-EDD8-4373-9246-33425B26B435}">
+          <p14:sldIdLst>
+            <p14:sldId id="287"/>
+            <p14:sldId id="260"/>
+            <p14:sldId id="261"/>
+            <p14:sldId id="262"/>
+            <p14:sldId id="263"/>
+            <p14:sldId id="270"/>
+          </p14:sldIdLst>
+        </p14:section>
+        <p14:section name="Facade Pattern" id="{51A8B01A-10DA-481A-9E9C-D957080DFDAC}">
+          <p14:sldIdLst>
+            <p14:sldId id="288"/>
             <p14:sldId id="268"/>
+          </p14:sldIdLst>
+        </p14:section>
+        <p14:section name="Template Method Pattern" id="{39596736-26BB-4349-828A-7BF627366848}">
+          <p14:sldIdLst>
             <p14:sldId id="274"/>
             <p14:sldId id="275"/>
             <p14:sldId id="276"/>
             <p14:sldId id="277"/>
             <p14:sldId id="278"/>
             <p14:sldId id="280"/>
+          </p14:sldIdLst>
+        </p14:section>
+        <p14:section name="References" id="{5423D470-F98F-46CC-AAC0-7790DAF9F850}">
+          <p14:sldIdLst>
             <p14:sldId id="264"/>
             <p14:sldId id="266"/>
             <p14:sldId id="283"/>
@@ -26820,6 +26856,14 @@
 <file path=ppt/slides/slide1.xml><?xml version="1.0" encoding="utf-8"?>
 <p:sld xmlns:a="http://schemas.openxmlformats.org/drawingml/2006/main" xmlns:r="http://schemas.openxmlformats.org/officeDocument/2006/relationships" xmlns:p="http://schemas.openxmlformats.org/presentationml/2006/main">
   <p:cSld>
+    <p:bg>
+      <p:bgPr>
+        <a:solidFill>
+          <a:schemeClr val="tx1"/>
+        </a:solidFill>
+        <a:effectLst/>
+      </p:bgPr>
+    </p:bg>
     <p:spTree>
       <p:nvGrpSpPr>
         <p:cNvPr id="1" name=""/>
@@ -26834,76 +26878,462 @@
           <a:chExt cx="0" cy="0"/>
         </a:xfrm>
       </p:grpSpPr>
-      <p:sp>
-        <p:nvSpPr>
-          <p:cNvPr id="2" name="Title 1">
+      <p:grpSp>
+        <p:nvGrpSpPr>
+          <p:cNvPr id="25" name="Group 24">
             <a:extLst>
               <a:ext uri="{FF2B5EF4-FFF2-40B4-BE49-F238E27FC236}">
-                <a16:creationId xmlns:a16="http://schemas.microsoft.com/office/drawing/2014/main" id="{5867CEB0-F905-4A47-9A08-5D8F0C8FC58A}"/>
+                <a16:creationId xmlns:a16="http://schemas.microsoft.com/office/drawing/2014/main" id="{FACF2CAD-89CA-4358-9C62-AEEE03FAFF9F}"/>
               </a:ext>
             </a:extLst>
           </p:cNvPr>
-          <p:cNvSpPr>
-            <a:spLocks noGrp="1"/>
-          </p:cNvSpPr>
-          <p:nvPr>
-            <p:ph type="ctrTitle"/>
-          </p:nvPr>
-        </p:nvSpPr>
-        <p:spPr/>
-        <p:txBody>
-          <a:bodyPr>
-            <a:normAutofit/>
-          </a:bodyPr>
-          <a:lstStyle/>
-          <a:p>
-            <a:r>
-              <a:rPr lang="en-US" dirty="0">
-                <a:latin typeface="Source Code Pro Light" panose="020B0409030403020204" pitchFamily="49" charset="0"/>
-                <a:ea typeface="Source Code Pro Light" panose="020B0409030403020204" pitchFamily="49" charset="0"/>
-              </a:rPr>
-              <a:t>Better Business Logic with Typescript</a:t>
-            </a:r>
-          </a:p>
-        </p:txBody>
-      </p:sp>
-      <p:sp>
-        <p:nvSpPr>
-          <p:cNvPr id="3" name="Subtitle 2">
-            <a:extLst>
-              <a:ext uri="{FF2B5EF4-FFF2-40B4-BE49-F238E27FC236}">
-                <a16:creationId xmlns:a16="http://schemas.microsoft.com/office/drawing/2014/main" id="{190EACDF-1C70-463C-AE21-BA6CD0E6438C}"/>
-              </a:ext>
-            </a:extLst>
-          </p:cNvPr>
-          <p:cNvSpPr>
-            <a:spLocks noGrp="1"/>
-          </p:cNvSpPr>
-          <p:nvPr>
-            <p:ph type="subTitle" idx="1"/>
-          </p:nvPr>
-        </p:nvSpPr>
-        <p:spPr/>
-        <p:txBody>
-          <a:bodyPr>
-            <a:normAutofit/>
-          </a:bodyPr>
-          <a:lstStyle/>
-          <a:p>
-            <a:r>
-              <a:rPr lang="en-US" b="1" dirty="0">
-                <a:latin typeface="Source Code Pro Light" panose="020B0409030403020204" pitchFamily="49" charset="0"/>
-                <a:ea typeface="Source Code Pro Light" panose="020B0409030403020204" pitchFamily="49" charset="0"/>
-              </a:rPr>
-              <a:t>Implementing and Using Design Patterns with Angular</a:t>
-            </a:r>
-          </a:p>
-        </p:txBody>
-      </p:sp>
+          <p:cNvGrpSpPr/>
+          <p:nvPr/>
+        </p:nvGrpSpPr>
+        <p:grpSpPr>
+          <a:xfrm>
+            <a:off x="266159" y="225410"/>
+            <a:ext cx="11579746" cy="6322873"/>
+            <a:chOff x="266159" y="225411"/>
+            <a:chExt cx="8530391" cy="4612234"/>
+          </a:xfrm>
+        </p:grpSpPr>
+        <p:sp>
+          <p:nvSpPr>
+            <p:cNvPr id="15" name="Rectangle 14">
+              <a:extLst>
+                <a:ext uri="{FF2B5EF4-FFF2-40B4-BE49-F238E27FC236}">
+                  <a16:creationId xmlns:a16="http://schemas.microsoft.com/office/drawing/2014/main" id="{FA0E5089-BE59-417D-8C22-91053EAE4D4C}"/>
+                </a:ext>
+              </a:extLst>
+            </p:cNvPr>
+            <p:cNvSpPr/>
+            <p:nvPr/>
+          </p:nvSpPr>
+          <p:spPr>
+            <a:xfrm>
+              <a:off x="347450" y="3839115"/>
+              <a:ext cx="8449100" cy="998530"/>
+            </a:xfrm>
+            <a:prstGeom prst="rect">
+              <a:avLst/>
+            </a:prstGeom>
+            <a:solidFill>
+              <a:schemeClr val="bg1"/>
+            </a:solidFill>
+            <a:ln w="3175"/>
+          </p:spPr>
+          <p:style>
+            <a:lnRef idx="2">
+              <a:schemeClr val="accent1">
+                <a:shade val="50000"/>
+              </a:schemeClr>
+            </a:lnRef>
+            <a:fillRef idx="1">
+              <a:schemeClr val="accent1"/>
+            </a:fillRef>
+            <a:effectRef idx="0">
+              <a:schemeClr val="accent1"/>
+            </a:effectRef>
+            <a:fontRef idx="minor">
+              <a:schemeClr val="lt1"/>
+            </a:fontRef>
+          </p:style>
+          <p:txBody>
+            <a:bodyPr rtlCol="0" anchor="ctr"/>
+            <a:lstStyle/>
+            <a:p>
+              <a:pPr algn="ctr"/>
+              <a:endParaRPr lang="en-US">
+                <a:ln w="3175">
+                  <a:solidFill>
+                    <a:schemeClr val="tx1"/>
+                  </a:solidFill>
+                </a:ln>
+                <a:solidFill>
+                  <a:schemeClr val="bg1"/>
+                </a:solidFill>
+              </a:endParaRPr>
+            </a:p>
+          </p:txBody>
+        </p:sp>
+        <p:pic>
+          <p:nvPicPr>
+            <p:cNvPr id="16" name="Picture 15">
+              <a:extLst>
+                <a:ext uri="{FF2B5EF4-FFF2-40B4-BE49-F238E27FC236}">
+                  <a16:creationId xmlns:a16="http://schemas.microsoft.com/office/drawing/2014/main" id="{32F6C13A-23D6-4648-A849-AAC4A9C4EA21}"/>
+                </a:ext>
+              </a:extLst>
+            </p:cNvPr>
+            <p:cNvPicPr>
+              <a:picLocks noChangeAspect="1"/>
+            </p:cNvPicPr>
+            <p:nvPr/>
+          </p:nvPicPr>
+          <p:blipFill>
+            <a:blip r:embed="rId2" cstate="print">
+              <a:extLst>
+                <a:ext uri="{28A0092B-C50C-407E-A947-70E740481C1C}">
+                  <a14:useLocalDpi xmlns:a14="http://schemas.microsoft.com/office/drawing/2010/main" val="0"/>
+                </a:ext>
+              </a:extLst>
+            </a:blip>
+            <a:stretch>
+              <a:fillRect/>
+            </a:stretch>
+          </p:blipFill>
+          <p:spPr>
+            <a:xfrm>
+              <a:off x="266159" y="225411"/>
+              <a:ext cx="2231971" cy="1117379"/>
+            </a:xfrm>
+            <a:prstGeom prst="rect">
+              <a:avLst/>
+            </a:prstGeom>
+          </p:spPr>
+        </p:pic>
+        <p:sp>
+          <p:nvSpPr>
+            <p:cNvPr id="17" name="TextBox 16">
+              <a:extLst>
+                <a:ext uri="{FF2B5EF4-FFF2-40B4-BE49-F238E27FC236}">
+                  <a16:creationId xmlns:a16="http://schemas.microsoft.com/office/drawing/2014/main" id="{A8A52DD7-BC58-42BF-B818-6C6337E816D1}"/>
+                </a:ext>
+              </a:extLst>
+            </p:cNvPr>
+            <p:cNvSpPr txBox="1"/>
+            <p:nvPr/>
+          </p:nvSpPr>
+          <p:spPr>
+            <a:xfrm>
+              <a:off x="2843776" y="765843"/>
+              <a:ext cx="5952774" cy="561692"/>
+            </a:xfrm>
+            <a:prstGeom prst="rect">
+              <a:avLst/>
+            </a:prstGeom>
+            <a:noFill/>
+          </p:spPr>
+          <p:txBody>
+            <a:bodyPr wrap="square" lIns="68580" tIns="34290" rIns="68580" bIns="34290" rtlCol="0">
+              <a:spAutoFit/>
+            </a:bodyPr>
+            <a:lstStyle/>
+            <a:p>
+              <a:pPr algn="ctr"/>
+              <a:r>
+                <a:rPr lang="en-US" sz="3200" b="1" dirty="0">
+                  <a:solidFill>
+                    <a:schemeClr val="bg1"/>
+                  </a:solidFill>
+                  <a:latin typeface="Segoe UI Light" panose="020B0502040204020203" pitchFamily="34" charset="0"/>
+                  <a:cs typeface="Segoe UI Light" panose="020B0502040204020203" pitchFamily="34" charset="0"/>
+                </a:rPr>
+                <a:t>Denver Dev Day - June 23, 2017</a:t>
+              </a:r>
+            </a:p>
+          </p:txBody>
+        </p:sp>
+        <p:pic>
+          <p:nvPicPr>
+            <p:cNvPr id="18" name="Picture 17">
+              <a:extLst>
+                <a:ext uri="{FF2B5EF4-FFF2-40B4-BE49-F238E27FC236}">
+                  <a16:creationId xmlns:a16="http://schemas.microsoft.com/office/drawing/2014/main" id="{C0372C2D-E36D-48EC-9BCC-18910D14DD2D}"/>
+                </a:ext>
+              </a:extLst>
+            </p:cNvPr>
+            <p:cNvPicPr>
+              <a:picLocks noChangeAspect="1"/>
+            </p:cNvPicPr>
+            <p:nvPr/>
+          </p:nvPicPr>
+          <p:blipFill>
+            <a:blip r:embed="rId3">
+              <a:extLst>
+                <a:ext uri="{28A0092B-C50C-407E-A947-70E740481C1C}">
+                  <a14:useLocalDpi xmlns:a14="http://schemas.microsoft.com/office/drawing/2010/main" val="0"/>
+                </a:ext>
+              </a:extLst>
+            </a:blip>
+            <a:stretch>
+              <a:fillRect/>
+            </a:stretch>
+          </p:blipFill>
+          <p:spPr>
+            <a:xfrm>
+              <a:off x="1339997" y="2213848"/>
+              <a:ext cx="2534730" cy="818762"/>
+            </a:xfrm>
+            <a:prstGeom prst="rect">
+              <a:avLst/>
+            </a:prstGeom>
+          </p:spPr>
+        </p:pic>
+        <p:pic>
+          <p:nvPicPr>
+            <p:cNvPr id="19" name="Picture 18">
+              <a:extLst>
+                <a:ext uri="{FF2B5EF4-FFF2-40B4-BE49-F238E27FC236}">
+                  <a16:creationId xmlns:a16="http://schemas.microsoft.com/office/drawing/2014/main" id="{FB0F51B4-ACBD-409D-B204-287FB1B5C5AB}"/>
+                </a:ext>
+              </a:extLst>
+            </p:cNvPr>
+            <p:cNvPicPr>
+              <a:picLocks noChangeAspect="1"/>
+            </p:cNvPicPr>
+            <p:nvPr/>
+          </p:nvPicPr>
+          <p:blipFill>
+            <a:blip r:embed="rId4" cstate="print">
+              <a:extLst>
+                <a:ext uri="{28A0092B-C50C-407E-A947-70E740481C1C}">
+                  <a14:useLocalDpi xmlns:a14="http://schemas.microsoft.com/office/drawing/2010/main" val="0"/>
+                </a:ext>
+              </a:extLst>
+            </a:blip>
+            <a:stretch>
+              <a:fillRect/>
+            </a:stretch>
+          </p:blipFill>
+          <p:spPr>
+            <a:xfrm>
+              <a:off x="2799387" y="1324173"/>
+              <a:ext cx="2765160" cy="1017147"/>
+            </a:xfrm>
+            <a:prstGeom prst="rect">
+              <a:avLst/>
+            </a:prstGeom>
+          </p:spPr>
+        </p:pic>
+        <p:pic>
+          <p:nvPicPr>
+            <p:cNvPr id="20" name="Picture 19">
+              <a:extLst>
+                <a:ext uri="{FF2B5EF4-FFF2-40B4-BE49-F238E27FC236}">
+                  <a16:creationId xmlns:a16="http://schemas.microsoft.com/office/drawing/2014/main" id="{B7C61B79-8D5A-4A2D-B627-03E8CACC3B44}"/>
+                </a:ext>
+              </a:extLst>
+            </p:cNvPr>
+            <p:cNvPicPr>
+              <a:picLocks noChangeAspect="1"/>
+            </p:cNvPicPr>
+            <p:nvPr/>
+          </p:nvPicPr>
+          <p:blipFill>
+            <a:blip r:embed="rId5">
+              <a:extLst>
+                <a:ext uri="{28A0092B-C50C-407E-A947-70E740481C1C}">
+                  <a14:useLocalDpi xmlns:a14="http://schemas.microsoft.com/office/drawing/2010/main" val="0"/>
+                </a:ext>
+              </a:extLst>
+            </a:blip>
+            <a:stretch>
+              <a:fillRect/>
+            </a:stretch>
+          </p:blipFill>
+          <p:spPr>
+            <a:xfrm>
+              <a:off x="4834853" y="2379725"/>
+              <a:ext cx="2463902" cy="499265"/>
+            </a:xfrm>
+            <a:prstGeom prst="rect">
+              <a:avLst/>
+            </a:prstGeom>
+          </p:spPr>
+        </p:pic>
+        <p:pic>
+          <p:nvPicPr>
+            <p:cNvPr id="21" name="Picture 20">
+              <a:extLst>
+                <a:ext uri="{FF2B5EF4-FFF2-40B4-BE49-F238E27FC236}">
+                  <a16:creationId xmlns:a16="http://schemas.microsoft.com/office/drawing/2014/main" id="{3C697B31-E07C-45BD-B8B2-DEEB592CC248}"/>
+                </a:ext>
+              </a:extLst>
+            </p:cNvPr>
+            <p:cNvPicPr>
+              <a:picLocks noChangeAspect="1"/>
+            </p:cNvPicPr>
+            <p:nvPr/>
+          </p:nvPicPr>
+          <p:blipFill>
+            <a:blip r:embed="rId6" cstate="print">
+              <a:extLst>
+                <a:ext uri="{28A0092B-C50C-407E-A947-70E740481C1C}">
+                  <a14:useLocalDpi xmlns:a14="http://schemas.microsoft.com/office/drawing/2010/main" val="0"/>
+                </a:ext>
+              </a:extLst>
+            </a:blip>
+            <a:stretch>
+              <a:fillRect/>
+            </a:stretch>
+          </p:blipFill>
+          <p:spPr>
+            <a:xfrm>
+              <a:off x="707593" y="4015580"/>
+              <a:ext cx="2136182" cy="670677"/>
+            </a:xfrm>
+            <a:prstGeom prst="rect">
+              <a:avLst/>
+            </a:prstGeom>
+          </p:spPr>
+        </p:pic>
+        <p:pic>
+          <p:nvPicPr>
+            <p:cNvPr id="22" name="Picture 21">
+              <a:extLst>
+                <a:ext uri="{FF2B5EF4-FFF2-40B4-BE49-F238E27FC236}">
+                  <a16:creationId xmlns:a16="http://schemas.microsoft.com/office/drawing/2014/main" id="{368B3D08-7164-4694-A143-7131EFA466B1}"/>
+                </a:ext>
+              </a:extLst>
+            </p:cNvPr>
+            <p:cNvPicPr>
+              <a:picLocks noChangeAspect="1"/>
+            </p:cNvPicPr>
+            <p:nvPr/>
+          </p:nvPicPr>
+          <p:blipFill>
+            <a:blip r:embed="rId7">
+              <a:extLst>
+                <a:ext uri="{28A0092B-C50C-407E-A947-70E740481C1C}">
+                  <a14:useLocalDpi xmlns:a14="http://schemas.microsoft.com/office/drawing/2010/main" val="0"/>
+                </a:ext>
+              </a:extLst>
+            </a:blip>
+            <a:stretch>
+              <a:fillRect/>
+            </a:stretch>
+          </p:blipFill>
+          <p:spPr>
+            <a:xfrm>
+              <a:off x="3458255" y="3314039"/>
+              <a:ext cx="1497795" cy="359470"/>
+            </a:xfrm>
+            <a:prstGeom prst="rect">
+              <a:avLst/>
+            </a:prstGeom>
+          </p:spPr>
+        </p:pic>
+        <p:sp>
+          <p:nvSpPr>
+            <p:cNvPr id="23" name="TextBox 22">
+              <a:extLst>
+                <a:ext uri="{FF2B5EF4-FFF2-40B4-BE49-F238E27FC236}">
+                  <a16:creationId xmlns:a16="http://schemas.microsoft.com/office/drawing/2014/main" id="{7A45D017-B892-48BF-8EAE-3C2246CE72F5}"/>
+                </a:ext>
+              </a:extLst>
+            </p:cNvPr>
+            <p:cNvSpPr txBox="1"/>
+            <p:nvPr/>
+          </p:nvSpPr>
+          <p:spPr>
+            <a:xfrm>
+              <a:off x="3077197" y="4069545"/>
+              <a:ext cx="5719353" cy="561692"/>
+            </a:xfrm>
+            <a:prstGeom prst="rect">
+              <a:avLst/>
+            </a:prstGeom>
+            <a:noFill/>
+          </p:spPr>
+          <p:txBody>
+            <a:bodyPr wrap="square" lIns="68580" tIns="34290" rIns="68580" bIns="34290" rtlCol="0">
+              <a:spAutoFit/>
+            </a:bodyPr>
+            <a:lstStyle/>
+            <a:p>
+              <a:r>
+                <a:rPr lang="en-US" sz="1600" b="1" dirty="0">
+                  <a:solidFill>
+                    <a:schemeClr val="bg1"/>
+                  </a:solidFill>
+                  <a:latin typeface="Segoe UI Light" panose="020B0502040204020203" pitchFamily="34" charset="0"/>
+                  <a:cs typeface="Segoe UI Light" panose="020B0502040204020203" pitchFamily="34" charset="0"/>
+                </a:rPr>
+                <a:t>"Donations by YOU, Denver Dev Day attendees,  </a:t>
+              </a:r>
+            </a:p>
+            <a:p>
+              <a:r>
+                <a:rPr lang="en-US" sz="1600" b="1" dirty="0">
+                  <a:solidFill>
+                    <a:schemeClr val="bg1"/>
+                  </a:solidFill>
+                  <a:latin typeface="Segoe UI Light" panose="020B0502040204020203" pitchFamily="34" charset="0"/>
+                  <a:cs typeface="Segoe UI Light" panose="020B0502040204020203" pitchFamily="34" charset="0"/>
+                </a:rPr>
+                <a:t>are provided to support </a:t>
+              </a:r>
+              <a:r>
+                <a:rPr lang="en-US" sz="1600" b="1" dirty="0" err="1">
+                  <a:solidFill>
+                    <a:schemeClr val="bg1"/>
+                  </a:solidFill>
+                  <a:latin typeface="Segoe UI Light" panose="020B0502040204020203" pitchFamily="34" charset="0"/>
+                  <a:cs typeface="Segoe UI Light" panose="020B0502040204020203" pitchFamily="34" charset="0"/>
+                </a:rPr>
+                <a:t>KidsTek</a:t>
+              </a:r>
+              <a:r>
+                <a:rPr lang="en-US" sz="1600" b="1" dirty="0">
+                  <a:solidFill>
+                    <a:schemeClr val="bg1"/>
+                  </a:solidFill>
+                  <a:latin typeface="Segoe UI Light" panose="020B0502040204020203" pitchFamily="34" charset="0"/>
+                  <a:cs typeface="Segoe UI Light" panose="020B0502040204020203" pitchFamily="34" charset="0"/>
+                </a:rPr>
+                <a:t>, http://kidstek.org - Thank you!"</a:t>
+              </a:r>
+            </a:p>
+          </p:txBody>
+        </p:sp>
+        <p:sp>
+          <p:nvSpPr>
+            <p:cNvPr id="24" name="TextBox 23">
+              <a:extLst>
+                <a:ext uri="{FF2B5EF4-FFF2-40B4-BE49-F238E27FC236}">
+                  <a16:creationId xmlns:a16="http://schemas.microsoft.com/office/drawing/2014/main" id="{E8292EE6-563D-4D80-9A7A-88018BB61D93}"/>
+                </a:ext>
+              </a:extLst>
+            </p:cNvPr>
+            <p:cNvSpPr txBox="1"/>
+            <p:nvPr/>
+          </p:nvSpPr>
+          <p:spPr>
+            <a:xfrm>
+              <a:off x="4917645" y="251323"/>
+              <a:ext cx="1805035" cy="438582"/>
+            </a:xfrm>
+            <a:prstGeom prst="rect">
+              <a:avLst/>
+            </a:prstGeom>
+            <a:noFill/>
+          </p:spPr>
+          <p:txBody>
+            <a:bodyPr wrap="square" lIns="68580" tIns="34290" rIns="68580" bIns="34290" rtlCol="0">
+              <a:spAutoFit/>
+            </a:bodyPr>
+            <a:lstStyle/>
+            <a:p>
+              <a:r>
+                <a:rPr lang="en-US" sz="2400" b="1" dirty="0">
+                  <a:solidFill>
+                    <a:schemeClr val="bg1"/>
+                  </a:solidFill>
+                  <a:latin typeface="Segoe UI Light" panose="020B0502040204020203" pitchFamily="34" charset="0"/>
+                  <a:cs typeface="Segoe UI Light" panose="020B0502040204020203" pitchFamily="34" charset="0"/>
+                </a:rPr>
+                <a:t>w e l c o m e</a:t>
+              </a:r>
+            </a:p>
+          </p:txBody>
+        </p:sp>
+      </p:grpSp>
     </p:spTree>
     <p:extLst>
       <p:ext uri="{BB962C8B-B14F-4D97-AF65-F5344CB8AC3E}">
-        <p14:creationId xmlns:p14="http://schemas.microsoft.com/office/powerpoint/2010/main" val="1543812151"/>
+        <p14:creationId xmlns:p14="http://schemas.microsoft.com/office/powerpoint/2010/main" val="3843498285"/>
       </p:ext>
     </p:extLst>
   </p:cSld>
@@ -26914,588 +27344,6 @@
 </file>
 
 <file path=ppt/slides/slide10.xml><?xml version="1.0" encoding="utf-8"?>
-<p:sld xmlns:a="http://schemas.openxmlformats.org/drawingml/2006/main" xmlns:r="http://schemas.openxmlformats.org/officeDocument/2006/relationships" xmlns:p="http://schemas.openxmlformats.org/presentationml/2006/main">
-  <p:cSld>
-    <p:spTree>
-      <p:nvGrpSpPr>
-        <p:cNvPr id="1" name=""/>
-        <p:cNvGrpSpPr/>
-        <p:nvPr/>
-      </p:nvGrpSpPr>
-      <p:grpSpPr>
-        <a:xfrm>
-          <a:off x="0" y="0"/>
-          <a:ext cx="0" cy="0"/>
-          <a:chOff x="0" y="0"/>
-          <a:chExt cx="0" cy="0"/>
-        </a:xfrm>
-      </p:grpSpPr>
-      <p:sp>
-        <p:nvSpPr>
-          <p:cNvPr id="2" name="Title 1">
-            <a:extLst>
-              <a:ext uri="{FF2B5EF4-FFF2-40B4-BE49-F238E27FC236}">
-                <a16:creationId xmlns:a16="http://schemas.microsoft.com/office/drawing/2014/main" id="{31F3EA20-0BAA-4C55-BBEE-62405A146481}"/>
-              </a:ext>
-            </a:extLst>
-          </p:cNvPr>
-          <p:cNvSpPr>
-            <a:spLocks noGrp="1"/>
-          </p:cNvSpPr>
-          <p:nvPr>
-            <p:ph type="title"/>
-          </p:nvPr>
-        </p:nvSpPr>
-        <p:spPr/>
-        <p:txBody>
-          <a:bodyPr/>
-          <a:lstStyle/>
-          <a:p>
-            <a:r>
-              <a:rPr lang="en-US" dirty="0"/>
-              <a:t>Angular Patterns :: Component</a:t>
-            </a:r>
-          </a:p>
-        </p:txBody>
-      </p:sp>
-      <p:sp>
-        <p:nvSpPr>
-          <p:cNvPr id="3" name="Content Placeholder 2">
-            <a:extLst>
-              <a:ext uri="{FF2B5EF4-FFF2-40B4-BE49-F238E27FC236}">
-                <a16:creationId xmlns:a16="http://schemas.microsoft.com/office/drawing/2014/main" id="{F833562B-94B5-4873-9EE8-519AA961DEF9}"/>
-              </a:ext>
-            </a:extLst>
-          </p:cNvPr>
-          <p:cNvSpPr>
-            <a:spLocks noGrp="1"/>
-          </p:cNvSpPr>
-          <p:nvPr>
-            <p:ph idx="1"/>
-          </p:nvPr>
-        </p:nvSpPr>
-        <p:spPr/>
-        <p:txBody>
-          <a:bodyPr>
-            <a:normAutofit fontScale="77500" lnSpcReduction="20000"/>
-          </a:bodyPr>
-          <a:lstStyle/>
-          <a:p>
-            <a:r>
-              <a:rPr lang="en-US" dirty="0"/>
-              <a:t>Template Method</a:t>
-            </a:r>
-          </a:p>
-          <a:p>
-            <a:pPr lvl="1"/>
-            <a:r>
-              <a:rPr lang="en-US" dirty="0">
-                <a:hlinkClick r:id="rId2"/>
-              </a:rPr>
-              <a:t>Lifecycle Hooks</a:t>
-            </a:r>
-            <a:r>
-              <a:rPr lang="en-US" dirty="0"/>
-              <a:t>: </a:t>
-            </a:r>
-            <a:r>
-              <a:rPr lang="en-US" dirty="0">
-                <a:hlinkClick r:id="rId3"/>
-              </a:rPr>
-              <a:t>ngOnChanges</a:t>
-            </a:r>
-            <a:r>
-              <a:rPr lang="en-US" dirty="0"/>
-              <a:t>, </a:t>
-            </a:r>
-            <a:r>
-              <a:rPr lang="en-US" dirty="0">
-                <a:hlinkClick r:id="rId4"/>
-              </a:rPr>
-              <a:t>ngOnInit</a:t>
-            </a:r>
-            <a:r>
-              <a:rPr lang="en-US" dirty="0"/>
-              <a:t>, </a:t>
-            </a:r>
-            <a:r>
-              <a:rPr lang="en-US" dirty="0">
-                <a:hlinkClick r:id="rId5"/>
-              </a:rPr>
-              <a:t>ngDoCheck</a:t>
-            </a:r>
-            <a:r>
-              <a:rPr lang="en-US" dirty="0"/>
-              <a:t>, and </a:t>
-            </a:r>
-            <a:r>
-              <a:rPr lang="en-US" dirty="0">
-                <a:hlinkClick r:id="rId6"/>
-              </a:rPr>
-              <a:t>ngOnDestroy</a:t>
-            </a:r>
-            <a:endParaRPr lang="en-US" dirty="0"/>
-          </a:p>
-          <a:p>
-            <a:r>
-              <a:rPr lang="en-US" dirty="0"/>
-              <a:t>Composite</a:t>
-            </a:r>
-          </a:p>
-          <a:p>
-            <a:pPr lvl="1"/>
-            <a:r>
-              <a:rPr lang="en-US" dirty="0"/>
-              <a:t>A component can reference a component that has a component that has a </a:t>
-            </a:r>
-            <a:r>
-              <a:rPr lang="en-US" dirty="0">
-                <a:hlinkClick r:id="rId6"/>
-              </a:rPr>
-              <a:t>component</a:t>
-            </a:r>
-            <a:r>
-              <a:rPr lang="en-US" dirty="0"/>
-              <a:t>.</a:t>
-            </a:r>
-          </a:p>
-          <a:p>
-            <a:r>
-              <a:rPr lang="en-US" dirty="0"/>
-              <a:t>Mediator</a:t>
-            </a:r>
-          </a:p>
-          <a:p>
-            <a:pPr lvl="1"/>
-            <a:r>
-              <a:rPr lang="en-US" dirty="0"/>
-              <a:t>A parent-component or injected service can mediate </a:t>
-            </a:r>
-            <a:r>
-              <a:rPr lang="en-US" dirty="0">
-                <a:hlinkClick r:id="rId7"/>
-              </a:rPr>
-              <a:t>communication</a:t>
-            </a:r>
-            <a:r>
-              <a:rPr lang="en-US" dirty="0"/>
-              <a:t> between loosely-coupled components/child-components.</a:t>
-            </a:r>
-          </a:p>
-          <a:p>
-            <a:r>
-              <a:rPr lang="en-US" dirty="0"/>
-              <a:t>Observer</a:t>
-            </a:r>
-          </a:p>
-          <a:p>
-            <a:pPr lvl="1"/>
-            <a:r>
-              <a:rPr lang="en-US" dirty="0"/>
-              <a:t>A component can subscribe to and react to an Observable response.</a:t>
-            </a:r>
-          </a:p>
-          <a:p>
-            <a:r>
-              <a:rPr lang="en-US" dirty="0"/>
-              <a:t>Facades</a:t>
-            </a:r>
-          </a:p>
-          <a:p>
-            <a:pPr lvl="1"/>
-            <a:r>
-              <a:rPr lang="en-US" dirty="0">
-                <a:hlinkClick r:id="rId8"/>
-              </a:rPr>
-              <a:t>Services</a:t>
-            </a:r>
-            <a:r>
-              <a:rPr lang="en-US" dirty="0"/>
-              <a:t> provide end-points to perform some action. How the action is performed is not known by the calling component.</a:t>
-            </a:r>
-          </a:p>
-          <a:p>
-            <a:r>
-              <a:rPr lang="en-US" dirty="0"/>
-              <a:t>Dependency Injection (Inversion of Control – IoC)</a:t>
-            </a:r>
-          </a:p>
-          <a:p>
-            <a:pPr lvl="1"/>
-            <a:r>
-              <a:rPr lang="en-US" dirty="0"/>
-              <a:t>Services are instantiated and </a:t>
-            </a:r>
-            <a:r>
-              <a:rPr lang="en-US" dirty="0">
-                <a:hlinkClick r:id="rId9"/>
-              </a:rPr>
-              <a:t>injected</a:t>
-            </a:r>
-            <a:r>
-              <a:rPr lang="en-US" dirty="0"/>
-              <a:t> into </a:t>
-            </a:r>
-            <a:r>
-              <a:rPr lang="en-US" dirty="0">
-                <a:hlinkClick r:id="rId10"/>
-              </a:rPr>
-              <a:t>components</a:t>
-            </a:r>
-            <a:r>
-              <a:rPr lang="en-US" dirty="0"/>
-              <a:t>.</a:t>
-            </a:r>
-          </a:p>
-        </p:txBody>
-      </p:sp>
-    </p:spTree>
-    <p:extLst>
-      <p:ext uri="{BB962C8B-B14F-4D97-AF65-F5344CB8AC3E}">
-        <p14:creationId xmlns:p14="http://schemas.microsoft.com/office/powerpoint/2010/main" val="505401962"/>
-      </p:ext>
-    </p:extLst>
-  </p:cSld>
-  <p:clrMapOvr>
-    <a:masterClrMapping/>
-  </p:clrMapOvr>
-</p:sld>
-</file>
-
-<file path=ppt/slides/slide11.xml><?xml version="1.0" encoding="utf-8"?>
-<p:sld xmlns:a="http://schemas.openxmlformats.org/drawingml/2006/main" xmlns:r="http://schemas.openxmlformats.org/officeDocument/2006/relationships" xmlns:p="http://schemas.openxmlformats.org/presentationml/2006/main">
-  <p:cSld>
-    <p:spTree>
-      <p:nvGrpSpPr>
-        <p:cNvPr id="1" name=""/>
-        <p:cNvGrpSpPr/>
-        <p:nvPr/>
-      </p:nvGrpSpPr>
-      <p:grpSpPr>
-        <a:xfrm>
-          <a:off x="0" y="0"/>
-          <a:ext cx="0" cy="0"/>
-          <a:chOff x="0" y="0"/>
-          <a:chExt cx="0" cy="0"/>
-        </a:xfrm>
-      </p:grpSpPr>
-      <p:sp>
-        <p:nvSpPr>
-          <p:cNvPr id="2" name="Title 1">
-            <a:extLst>
-              <a:ext uri="{FF2B5EF4-FFF2-40B4-BE49-F238E27FC236}">
-                <a16:creationId xmlns:a16="http://schemas.microsoft.com/office/drawing/2014/main" id="{A1758B1B-621D-40A5-9B33-D3B725F77E89}"/>
-              </a:ext>
-            </a:extLst>
-          </p:cNvPr>
-          <p:cNvSpPr>
-            <a:spLocks noGrp="1"/>
-          </p:cNvSpPr>
-          <p:nvPr>
-            <p:ph type="title"/>
-          </p:nvPr>
-        </p:nvSpPr>
-        <p:spPr/>
-        <p:txBody>
-          <a:bodyPr/>
-          <a:lstStyle/>
-          <a:p>
-            <a:r>
-              <a:rPr lang="en-US" dirty="0"/>
-              <a:t>Guidelines…</a:t>
-            </a:r>
-          </a:p>
-        </p:txBody>
-      </p:sp>
-      <p:sp>
-        <p:nvSpPr>
-          <p:cNvPr id="3" name="Content Placeholder 2">
-            <a:extLst>
-              <a:ext uri="{FF2B5EF4-FFF2-40B4-BE49-F238E27FC236}">
-                <a16:creationId xmlns:a16="http://schemas.microsoft.com/office/drawing/2014/main" id="{D86370B2-B5B6-40A8-8D85-00B0D638C5FB}"/>
-              </a:ext>
-            </a:extLst>
-          </p:cNvPr>
-          <p:cNvSpPr>
-            <a:spLocks noGrp="1"/>
-          </p:cNvSpPr>
-          <p:nvPr>
-            <p:ph idx="1"/>
-          </p:nvPr>
-        </p:nvSpPr>
-        <p:spPr>
-          <a:xfrm>
-            <a:off x="818711" y="2222287"/>
-            <a:ext cx="11272883" cy="4044042"/>
-          </a:xfrm>
-        </p:spPr>
-        <p:txBody>
-          <a:bodyPr/>
-          <a:lstStyle/>
-          <a:p>
-            <a:r>
-              <a:rPr lang="en-US" dirty="0"/>
-              <a:t>Do not create what already exists.</a:t>
-            </a:r>
-          </a:p>
-          <a:p>
-            <a:r>
-              <a:rPr lang="en-US" dirty="0"/>
-              <a:t>Use the elements in the Angular Framework</a:t>
-            </a:r>
-          </a:p>
-          <a:p>
-            <a:pPr lvl="1"/>
-            <a:r>
-              <a:rPr lang="en-US" dirty="0"/>
-              <a:t>Modules</a:t>
-            </a:r>
-          </a:p>
-          <a:p>
-            <a:pPr lvl="1"/>
-            <a:r>
-              <a:rPr lang="en-US" dirty="0"/>
-              <a:t>Services</a:t>
-            </a:r>
-          </a:p>
-          <a:p>
-            <a:pPr lvl="1"/>
-            <a:r>
-              <a:rPr lang="en-US" dirty="0"/>
-              <a:t>Components</a:t>
-            </a:r>
-          </a:p>
-          <a:p>
-            <a:pPr lvl="1"/>
-            <a:r>
-              <a:rPr lang="en-US" dirty="0"/>
-              <a:t>Dependency Injection</a:t>
-            </a:r>
-          </a:p>
-          <a:p>
-            <a:pPr lvl="2"/>
-            <a:r>
-              <a:rPr lang="en-US" dirty="0"/>
-              <a:t>Code Smell: </a:t>
-            </a:r>
-            <a:r>
-              <a:rPr lang="en-US" dirty="0" err="1">
-                <a:latin typeface="Source Code Pro Light" panose="020B0409030403020204" pitchFamily="49" charset="0"/>
-                <a:ea typeface="Source Code Pro Light" panose="020B0409030403020204" pitchFamily="49" charset="0"/>
-              </a:rPr>
-              <a:t>var</a:t>
-            </a:r>
-            <a:r>
-              <a:rPr lang="en-US" dirty="0">
-                <a:latin typeface="Source Code Pro Light" panose="020B0409030403020204" pitchFamily="49" charset="0"/>
-                <a:ea typeface="Source Code Pro Light" panose="020B0409030403020204" pitchFamily="49" charset="0"/>
-              </a:rPr>
-              <a:t> </a:t>
-            </a:r>
-            <a:r>
-              <a:rPr lang="en-US" dirty="0" err="1">
-                <a:latin typeface="Source Code Pro Light" panose="020B0409030403020204" pitchFamily="49" charset="0"/>
-                <a:ea typeface="Source Code Pro Light" panose="020B0409030403020204" pitchFamily="49" charset="0"/>
-              </a:rPr>
-              <a:t>thingService</a:t>
-            </a:r>
-            <a:r>
-              <a:rPr lang="en-US" dirty="0">
-                <a:latin typeface="Source Code Pro Light" panose="020B0409030403020204" pitchFamily="49" charset="0"/>
-                <a:ea typeface="Source Code Pro Light" panose="020B0409030403020204" pitchFamily="49" charset="0"/>
-              </a:rPr>
-              <a:t> = new </a:t>
-            </a:r>
-            <a:r>
-              <a:rPr lang="en-US" dirty="0" err="1">
-                <a:latin typeface="Source Code Pro Light" panose="020B0409030403020204" pitchFamily="49" charset="0"/>
-                <a:ea typeface="Source Code Pro Light" panose="020B0409030403020204" pitchFamily="49" charset="0"/>
-              </a:rPr>
-              <a:t>ThingService</a:t>
-            </a:r>
-            <a:r>
-              <a:rPr lang="en-US" dirty="0">
-                <a:latin typeface="Source Code Pro Light" panose="020B0409030403020204" pitchFamily="49" charset="0"/>
-                <a:ea typeface="Source Code Pro Light" panose="020B0409030403020204" pitchFamily="49" charset="0"/>
-              </a:rPr>
-              <a:t>(..);</a:t>
-            </a:r>
-          </a:p>
-          <a:p>
-            <a:r>
-              <a:rPr lang="en-US" dirty="0"/>
-              <a:t>Use the “force” – Use the “angular”.</a:t>
-            </a:r>
-          </a:p>
-          <a:p>
-            <a:pPr lvl="1"/>
-            <a:r>
-              <a:rPr lang="en-US" dirty="0"/>
-              <a:t>If there is a way to do it in Angular, learn and use that mechanism.</a:t>
-            </a:r>
-          </a:p>
-        </p:txBody>
-      </p:sp>
-    </p:spTree>
-    <p:extLst>
-      <p:ext uri="{BB962C8B-B14F-4D97-AF65-F5344CB8AC3E}">
-        <p14:creationId xmlns:p14="http://schemas.microsoft.com/office/powerpoint/2010/main" val="818836091"/>
-      </p:ext>
-    </p:extLst>
-  </p:cSld>
-  <p:clrMapOvr>
-    <a:masterClrMapping/>
-  </p:clrMapOvr>
-</p:sld>
-</file>
-
-<file path=ppt/slides/slide12.xml><?xml version="1.0" encoding="utf-8"?>
-<p:sld xmlns:a="http://schemas.openxmlformats.org/drawingml/2006/main" xmlns:r="http://schemas.openxmlformats.org/officeDocument/2006/relationships" xmlns:p="http://schemas.openxmlformats.org/presentationml/2006/main">
-  <p:cSld>
-    <p:spTree>
-      <p:nvGrpSpPr>
-        <p:cNvPr id="1" name=""/>
-        <p:cNvGrpSpPr/>
-        <p:nvPr/>
-      </p:nvGrpSpPr>
-      <p:grpSpPr>
-        <a:xfrm>
-          <a:off x="0" y="0"/>
-          <a:ext cx="0" cy="0"/>
-          <a:chOff x="0" y="0"/>
-          <a:chExt cx="0" cy="0"/>
-        </a:xfrm>
-      </p:grpSpPr>
-      <p:sp>
-        <p:nvSpPr>
-          <p:cNvPr id="2" name="Title 1">
-            <a:extLst>
-              <a:ext uri="{FF2B5EF4-FFF2-40B4-BE49-F238E27FC236}">
-                <a16:creationId xmlns:a16="http://schemas.microsoft.com/office/drawing/2014/main" id="{30231E74-F500-40B5-AF7A-3A8126ECB233}"/>
-              </a:ext>
-            </a:extLst>
-          </p:cNvPr>
-          <p:cNvSpPr>
-            <a:spLocks noGrp="1"/>
-          </p:cNvSpPr>
-          <p:nvPr>
-            <p:ph type="title"/>
-          </p:nvPr>
-        </p:nvSpPr>
-        <p:spPr/>
-        <p:txBody>
-          <a:bodyPr/>
-          <a:lstStyle/>
-          <a:p>
-            <a:r>
-              <a:rPr lang="en-US" dirty="0"/>
-              <a:t>What is an Angular Module?</a:t>
-            </a:r>
-          </a:p>
-        </p:txBody>
-      </p:sp>
-      <p:sp>
-        <p:nvSpPr>
-          <p:cNvPr id="3" name="Content Placeholder 2">
-            <a:extLst>
-              <a:ext uri="{FF2B5EF4-FFF2-40B4-BE49-F238E27FC236}">
-                <a16:creationId xmlns:a16="http://schemas.microsoft.com/office/drawing/2014/main" id="{383A5FB0-907C-431D-B649-776C88A783DD}"/>
-              </a:ext>
-            </a:extLst>
-          </p:cNvPr>
-          <p:cNvSpPr>
-            <a:spLocks noGrp="1"/>
-          </p:cNvSpPr>
-          <p:nvPr>
-            <p:ph idx="1"/>
-          </p:nvPr>
-        </p:nvSpPr>
-        <p:spPr/>
-        <p:txBody>
-          <a:bodyPr/>
-          <a:lstStyle/>
-          <a:p>
-            <a:r>
-              <a:rPr lang="en-US" dirty="0"/>
-              <a:t>What is a module…?</a:t>
-            </a:r>
-          </a:p>
-          <a:p>
-            <a:pPr lvl="1"/>
-            <a:r>
-              <a:rPr lang="en-US" dirty="0"/>
-              <a:t>A container of related elements.</a:t>
-            </a:r>
-          </a:p>
-          <a:p>
-            <a:pPr lvl="1"/>
-            <a:r>
-              <a:rPr lang="en-US" dirty="0"/>
-              <a:t>A module may have: components, directives, pipes, or services.</a:t>
-            </a:r>
-          </a:p>
-          <a:p>
-            <a:pPr lvl="1"/>
-            <a:r>
-              <a:rPr lang="en-US" dirty="0"/>
-              <a:t>Angular application can only one root module: </a:t>
-            </a:r>
-            <a:r>
-              <a:rPr lang="en-US" dirty="0" err="1"/>
-              <a:t>AppModule</a:t>
-            </a:r>
-            <a:r>
-              <a:rPr lang="en-US" dirty="0"/>
-              <a:t>.</a:t>
-            </a:r>
-          </a:p>
-          <a:p>
-            <a:pPr lvl="1"/>
-            <a:r>
-              <a:rPr lang="en-US" dirty="0"/>
-              <a:t>Angular application can have zero-to-many feature modules.</a:t>
-            </a:r>
-          </a:p>
-          <a:p>
-            <a:pPr lvl="2"/>
-            <a:r>
-              <a:rPr lang="en-US" dirty="0"/>
-              <a:t>Core</a:t>
-            </a:r>
-          </a:p>
-          <a:p>
-            <a:pPr lvl="2"/>
-            <a:r>
-              <a:rPr lang="en-US" dirty="0"/>
-              <a:t>Shared</a:t>
-            </a:r>
-          </a:p>
-          <a:p>
-            <a:pPr lvl="2"/>
-            <a:r>
-              <a:rPr lang="en-US" dirty="0"/>
-              <a:t>Feature</a:t>
-            </a:r>
-          </a:p>
-          <a:p>
-            <a:endParaRPr lang="en-US" dirty="0"/>
-          </a:p>
-        </p:txBody>
-      </p:sp>
-    </p:spTree>
-    <p:extLst>
-      <p:ext uri="{BB962C8B-B14F-4D97-AF65-F5344CB8AC3E}">
-        <p14:creationId xmlns:p14="http://schemas.microsoft.com/office/powerpoint/2010/main" val="377887822"/>
-      </p:ext>
-    </p:extLst>
-  </p:cSld>
-  <p:clrMapOvr>
-    <a:masterClrMapping/>
-  </p:clrMapOvr>
-</p:sld>
-</file>
-
-<file path=ppt/slides/slide13.xml><?xml version="1.0" encoding="utf-8"?>
 <p:sld xmlns:a="http://schemas.openxmlformats.org/drawingml/2006/main" xmlns:r="http://schemas.openxmlformats.org/officeDocument/2006/relationships" xmlns:p="http://schemas.openxmlformats.org/presentationml/2006/main">
   <p:cSld>
     <p:spTree>
@@ -27589,6 +27437,591 @@
 </p:sld>
 </file>
 
+<file path=ppt/slides/slide11.xml><?xml version="1.0" encoding="utf-8"?>
+<p:sld xmlns:a="http://schemas.openxmlformats.org/drawingml/2006/main" xmlns:r="http://schemas.openxmlformats.org/officeDocument/2006/relationships" xmlns:p="http://schemas.openxmlformats.org/presentationml/2006/main">
+  <p:cSld>
+    <p:spTree>
+      <p:nvGrpSpPr>
+        <p:cNvPr id="1" name=""/>
+        <p:cNvGrpSpPr/>
+        <p:nvPr/>
+      </p:nvGrpSpPr>
+      <p:grpSpPr>
+        <a:xfrm>
+          <a:off x="0" y="0"/>
+          <a:ext cx="0" cy="0"/>
+          <a:chOff x="0" y="0"/>
+          <a:chExt cx="0" cy="0"/>
+        </a:xfrm>
+      </p:grpSpPr>
+      <p:sp>
+        <p:nvSpPr>
+          <p:cNvPr id="2" name="Title 1">
+            <a:extLst>
+              <a:ext uri="{FF2B5EF4-FFF2-40B4-BE49-F238E27FC236}">
+                <a16:creationId xmlns:a16="http://schemas.microsoft.com/office/drawing/2014/main" id="{31F3EA20-0BAA-4C55-BBEE-62405A146481}"/>
+              </a:ext>
+            </a:extLst>
+          </p:cNvPr>
+          <p:cNvSpPr>
+            <a:spLocks noGrp="1"/>
+          </p:cNvSpPr>
+          <p:nvPr>
+            <p:ph type="title"/>
+          </p:nvPr>
+        </p:nvSpPr>
+        <p:spPr/>
+        <p:txBody>
+          <a:bodyPr/>
+          <a:lstStyle/>
+          <a:p>
+            <a:r>
+              <a:rPr lang="en-US" dirty="0"/>
+              <a:t>Are there any limits…really?</a:t>
+            </a:r>
+          </a:p>
+        </p:txBody>
+      </p:sp>
+      <p:sp>
+        <p:nvSpPr>
+          <p:cNvPr id="3" name="Content Placeholder 2">
+            <a:extLst>
+              <a:ext uri="{FF2B5EF4-FFF2-40B4-BE49-F238E27FC236}">
+                <a16:creationId xmlns:a16="http://schemas.microsoft.com/office/drawing/2014/main" id="{F833562B-94B5-4873-9EE8-519AA961DEF9}"/>
+              </a:ext>
+            </a:extLst>
+          </p:cNvPr>
+          <p:cNvSpPr>
+            <a:spLocks noGrp="1"/>
+          </p:cNvSpPr>
+          <p:nvPr>
+            <p:ph idx="1"/>
+          </p:nvPr>
+        </p:nvSpPr>
+        <p:spPr/>
+        <p:txBody>
+          <a:bodyPr>
+            <a:normAutofit/>
+          </a:bodyPr>
+          <a:lstStyle/>
+          <a:p>
+            <a:r>
+              <a:rPr lang="en-US" dirty="0"/>
+              <a:t>How many </a:t>
+            </a:r>
+            <a:r>
+              <a:rPr lang="en-US" dirty="0">
+                <a:hlinkClick r:id="rId2"/>
+              </a:rPr>
+              <a:t>modules</a:t>
+            </a:r>
+            <a:r>
+              <a:rPr lang="en-US" dirty="0"/>
+              <a:t> can you Angular application have? </a:t>
+            </a:r>
+          </a:p>
+          <a:p>
+            <a:r>
+              <a:rPr lang="en-US" dirty="0"/>
+              <a:t>Must a module have a service?</a:t>
+            </a:r>
+          </a:p>
+          <a:p>
+            <a:r>
+              <a:rPr lang="en-US" dirty="0"/>
+              <a:t>Must a module have components?</a:t>
+            </a:r>
+          </a:p>
+          <a:p>
+            <a:pPr lvl="1"/>
+            <a:endParaRPr lang="en-US" dirty="0"/>
+          </a:p>
+        </p:txBody>
+      </p:sp>
+    </p:spTree>
+    <p:extLst>
+      <p:ext uri="{BB962C8B-B14F-4D97-AF65-F5344CB8AC3E}">
+        <p14:creationId xmlns:p14="http://schemas.microsoft.com/office/powerpoint/2010/main" val="704725234"/>
+      </p:ext>
+    </p:extLst>
+  </p:cSld>
+  <p:clrMapOvr>
+    <a:masterClrMapping/>
+  </p:clrMapOvr>
+</p:sld>
+</file>
+
+<file path=ppt/slides/slide12.xml><?xml version="1.0" encoding="utf-8"?>
+<p:sld xmlns:a="http://schemas.openxmlformats.org/drawingml/2006/main" xmlns:r="http://schemas.openxmlformats.org/officeDocument/2006/relationships" xmlns:p="http://schemas.openxmlformats.org/presentationml/2006/main">
+  <p:cSld>
+    <p:spTree>
+      <p:nvGrpSpPr>
+        <p:cNvPr id="1" name=""/>
+        <p:cNvGrpSpPr/>
+        <p:nvPr/>
+      </p:nvGrpSpPr>
+      <p:grpSpPr>
+        <a:xfrm>
+          <a:off x="0" y="0"/>
+          <a:ext cx="0" cy="0"/>
+          <a:chOff x="0" y="0"/>
+          <a:chExt cx="0" cy="0"/>
+        </a:xfrm>
+      </p:grpSpPr>
+      <p:sp>
+        <p:nvSpPr>
+          <p:cNvPr id="2" name="Title 1">
+            <a:extLst>
+              <a:ext uri="{FF2B5EF4-FFF2-40B4-BE49-F238E27FC236}">
+                <a16:creationId xmlns:a16="http://schemas.microsoft.com/office/drawing/2014/main" id="{59809628-3F81-4641-AA19-F6962C7C9CA5}"/>
+              </a:ext>
+            </a:extLst>
+          </p:cNvPr>
+          <p:cNvSpPr>
+            <a:spLocks noGrp="1"/>
+          </p:cNvSpPr>
+          <p:nvPr>
+            <p:ph type="title"/>
+          </p:nvPr>
+        </p:nvSpPr>
+        <p:spPr/>
+        <p:txBody>
+          <a:bodyPr/>
+          <a:lstStyle/>
+          <a:p>
+            <a:r>
+              <a:rPr lang="en-US" dirty="0"/>
+              <a:t>Consider Module…Categories/Types</a:t>
+            </a:r>
+          </a:p>
+        </p:txBody>
+      </p:sp>
+      <p:sp>
+        <p:nvSpPr>
+          <p:cNvPr id="3" name="Content Placeholder 2">
+            <a:extLst>
+              <a:ext uri="{FF2B5EF4-FFF2-40B4-BE49-F238E27FC236}">
+                <a16:creationId xmlns:a16="http://schemas.microsoft.com/office/drawing/2014/main" id="{17FEE82D-5D45-4DA9-B363-6BB5EBE0E5BA}"/>
+              </a:ext>
+            </a:extLst>
+          </p:cNvPr>
+          <p:cNvSpPr>
+            <a:spLocks noGrp="1"/>
+          </p:cNvSpPr>
+          <p:nvPr>
+            <p:ph idx="1"/>
+          </p:nvPr>
+        </p:nvSpPr>
+        <p:spPr>
+          <a:xfrm>
+            <a:off x="818712" y="2222287"/>
+            <a:ext cx="10554574" cy="4334499"/>
+          </a:xfrm>
+        </p:spPr>
+        <p:txBody>
+          <a:bodyPr>
+            <a:normAutofit fontScale="77500" lnSpcReduction="20000"/>
+          </a:bodyPr>
+          <a:lstStyle/>
+          <a:p>
+            <a:r>
+              <a:rPr lang="en-US" b="1" dirty="0"/>
+              <a:t>Shared</a:t>
+            </a:r>
+          </a:p>
+          <a:p>
+            <a:pPr lvl="1"/>
+            <a:r>
+              <a:rPr lang="en-US" dirty="0"/>
+              <a:t>Angular: </a:t>
+            </a:r>
+            <a:r>
+              <a:rPr lang="en-US" dirty="0" err="1"/>
+              <a:t>NgModule</a:t>
+            </a:r>
+            <a:r>
+              <a:rPr lang="en-US" dirty="0"/>
+              <a:t>, </a:t>
+            </a:r>
+            <a:r>
+              <a:rPr lang="en-US" dirty="0" err="1"/>
+              <a:t>CommonModule</a:t>
+            </a:r>
+            <a:r>
+              <a:rPr lang="en-US" dirty="0"/>
+              <a:t>, </a:t>
+            </a:r>
+            <a:r>
+              <a:rPr lang="en-US" dirty="0" err="1"/>
+              <a:t>HttpModule</a:t>
+            </a:r>
+            <a:r>
+              <a:rPr lang="en-US" dirty="0"/>
+              <a:t>, </a:t>
+            </a:r>
+            <a:r>
+              <a:rPr lang="en-US" dirty="0" err="1"/>
+              <a:t>FormsModule</a:t>
+            </a:r>
+            <a:r>
+              <a:rPr lang="en-US" dirty="0"/>
+              <a:t>, etc.</a:t>
+            </a:r>
+          </a:p>
+          <a:p>
+            <a:pPr lvl="1"/>
+            <a:r>
+              <a:rPr lang="en-US" dirty="0"/>
+              <a:t>Third-Party Modules: </a:t>
+            </a:r>
+            <a:r>
+              <a:rPr lang="en-US" dirty="0" err="1"/>
+              <a:t>Wijmo</a:t>
+            </a:r>
+            <a:r>
+              <a:rPr lang="en-US" dirty="0"/>
+              <a:t>, Material Design</a:t>
+            </a:r>
+          </a:p>
+          <a:p>
+            <a:r>
+              <a:rPr lang="en-US" b="1" dirty="0"/>
+              <a:t>Core</a:t>
+            </a:r>
+            <a:r>
+              <a:rPr lang="en-US" dirty="0"/>
+              <a:t>: Application-Level Modules</a:t>
+            </a:r>
+          </a:p>
+          <a:p>
+            <a:pPr lvl="1"/>
+            <a:r>
+              <a:rPr lang="en-US" dirty="0"/>
+              <a:t>Modules: </a:t>
+            </a:r>
+            <a:r>
+              <a:rPr lang="en-US" dirty="0" err="1">
+                <a:latin typeface="Source Code Pro Light" panose="020B0409030403020204" pitchFamily="49" charset="0"/>
+                <a:ea typeface="Source Code Pro Light" panose="020B0409030403020204" pitchFamily="49" charset="0"/>
+              </a:rPr>
+              <a:t>PagesModule</a:t>
+            </a:r>
+            <a:r>
+              <a:rPr lang="en-US" dirty="0">
+                <a:latin typeface="Source Code Pro Light" panose="020B0409030403020204" pitchFamily="49" charset="0"/>
+                <a:ea typeface="Source Code Pro Light" panose="020B0409030403020204" pitchFamily="49" charset="0"/>
+              </a:rPr>
+              <a:t>, </a:t>
+            </a:r>
+            <a:r>
+              <a:rPr lang="en-US" dirty="0" err="1">
+                <a:latin typeface="Source Code Pro Light" panose="020B0409030403020204" pitchFamily="49" charset="0"/>
+                <a:ea typeface="Source Code Pro Light" panose="020B0409030403020204" pitchFamily="49" charset="0"/>
+              </a:rPr>
+              <a:t>LayoutModule</a:t>
+            </a:r>
+            <a:endParaRPr lang="en-US" dirty="0">
+              <a:latin typeface="Source Code Pro Light" panose="020B0409030403020204" pitchFamily="49" charset="0"/>
+              <a:ea typeface="Source Code Pro Light" panose="020B0409030403020204" pitchFamily="49" charset="0"/>
+            </a:endParaRPr>
+          </a:p>
+          <a:p>
+            <a:pPr lvl="1"/>
+            <a:r>
+              <a:rPr lang="en-US" dirty="0"/>
+              <a:t>Services: </a:t>
+            </a:r>
+            <a:r>
+              <a:rPr lang="en-US" dirty="0" err="1">
+                <a:latin typeface="Source Code Pro Light" panose="020B0409030403020204" pitchFamily="49" charset="0"/>
+                <a:ea typeface="Source Code Pro Light" panose="020B0409030403020204" pitchFamily="49" charset="0"/>
+              </a:rPr>
+              <a:t>LoggingService</a:t>
+            </a:r>
+            <a:endParaRPr lang="en-US" dirty="0">
+              <a:latin typeface="Source Code Pro Light" panose="020B0409030403020204" pitchFamily="49" charset="0"/>
+              <a:ea typeface="Source Code Pro Light" panose="020B0409030403020204" pitchFamily="49" charset="0"/>
+            </a:endParaRPr>
+          </a:p>
+          <a:p>
+            <a:pPr lvl="1"/>
+            <a:r>
+              <a:rPr lang="en-US" dirty="0"/>
+              <a:t>Components: </a:t>
+            </a:r>
+            <a:r>
+              <a:rPr lang="en-US" dirty="0" err="1">
+                <a:latin typeface="Source Code Pro Light" panose="020B0409030403020204" pitchFamily="49" charset="0"/>
+                <a:ea typeface="Source Code Pro Light" panose="020B0409030403020204" pitchFamily="49" charset="0"/>
+              </a:rPr>
+              <a:t>MenuComponent</a:t>
+            </a:r>
+            <a:r>
+              <a:rPr lang="en-US" dirty="0">
+                <a:latin typeface="Source Code Pro Light" panose="020B0409030403020204" pitchFamily="49" charset="0"/>
+                <a:ea typeface="Source Code Pro Light" panose="020B0409030403020204" pitchFamily="49" charset="0"/>
+              </a:rPr>
+              <a:t>, </a:t>
+            </a:r>
+            <a:r>
+              <a:rPr lang="en-US" dirty="0" err="1">
+                <a:latin typeface="Source Code Pro Light" panose="020B0409030403020204" pitchFamily="49" charset="0"/>
+                <a:ea typeface="Source Code Pro Light" panose="020B0409030403020204" pitchFamily="49" charset="0"/>
+              </a:rPr>
+              <a:t>FooterComponent</a:t>
+            </a:r>
+            <a:endParaRPr lang="en-US" dirty="0">
+              <a:latin typeface="Source Code Pro Light" panose="020B0409030403020204" pitchFamily="49" charset="0"/>
+              <a:ea typeface="Source Code Pro Light" panose="020B0409030403020204" pitchFamily="49" charset="0"/>
+            </a:endParaRPr>
+          </a:p>
+          <a:p>
+            <a:r>
+              <a:rPr lang="en-US" b="1" dirty="0"/>
+              <a:t>Domain Service</a:t>
+            </a:r>
+            <a:r>
+              <a:rPr lang="en-US" dirty="0"/>
+              <a:t>: Service-Only</a:t>
+            </a:r>
+          </a:p>
+          <a:p>
+            <a:pPr lvl="1"/>
+            <a:r>
+              <a:rPr lang="en-US" dirty="0"/>
+              <a:t>Module: </a:t>
+            </a:r>
+            <a:r>
+              <a:rPr lang="en-US" dirty="0" err="1">
+                <a:latin typeface="Source Code Pro Light" panose="020B0409030403020204" pitchFamily="49" charset="0"/>
+                <a:ea typeface="Source Code Pro Light" panose="020B0409030403020204" pitchFamily="49" charset="0"/>
+              </a:rPr>
+              <a:t>SecurityModule</a:t>
+            </a:r>
+            <a:endParaRPr lang="en-US" dirty="0">
+              <a:latin typeface="Source Code Pro Light" panose="020B0409030403020204" pitchFamily="49" charset="0"/>
+              <a:ea typeface="Source Code Pro Light" panose="020B0409030403020204" pitchFamily="49" charset="0"/>
+            </a:endParaRPr>
+          </a:p>
+          <a:p>
+            <a:pPr lvl="1"/>
+            <a:r>
+              <a:rPr lang="en-US" dirty="0"/>
+              <a:t>Service: </a:t>
+            </a:r>
+            <a:r>
+              <a:rPr lang="en-US" dirty="0" err="1">
+                <a:latin typeface="Source Code Pro Light" panose="020B0409030403020204" pitchFamily="49" charset="0"/>
+                <a:ea typeface="Source Code Pro Light" panose="020B0409030403020204" pitchFamily="49" charset="0"/>
+              </a:rPr>
+              <a:t>SecurityService</a:t>
+            </a:r>
+            <a:endParaRPr lang="en-US" dirty="0">
+              <a:latin typeface="Source Code Pro Light" panose="020B0409030403020204" pitchFamily="49" charset="0"/>
+              <a:ea typeface="Source Code Pro Light" panose="020B0409030403020204" pitchFamily="49" charset="0"/>
+            </a:endParaRPr>
+          </a:p>
+          <a:p>
+            <a:pPr lvl="1"/>
+            <a:r>
+              <a:rPr lang="en-US" dirty="0"/>
+              <a:t>Components: </a:t>
+            </a:r>
+            <a:r>
+              <a:rPr lang="en-US" i="1" dirty="0"/>
+              <a:t>none</a:t>
+            </a:r>
+          </a:p>
+          <a:p>
+            <a:r>
+              <a:rPr lang="en-US" b="1" dirty="0"/>
+              <a:t>Domain UI</a:t>
+            </a:r>
+            <a:r>
+              <a:rPr lang="en-US" dirty="0"/>
+              <a:t>: UI-Only</a:t>
+            </a:r>
+          </a:p>
+          <a:p>
+            <a:pPr lvl="1"/>
+            <a:r>
+              <a:rPr lang="en-US" dirty="0"/>
+              <a:t>Module: </a:t>
+            </a:r>
+            <a:r>
+              <a:rPr lang="en-US" dirty="0" err="1">
+                <a:latin typeface="Source Code Pro Light" panose="020B0409030403020204" pitchFamily="49" charset="0"/>
+                <a:ea typeface="Source Code Pro Light" panose="020B0409030403020204" pitchFamily="49" charset="0"/>
+              </a:rPr>
+              <a:t>SecurityUIModule</a:t>
+            </a:r>
+            <a:endParaRPr lang="en-US" dirty="0">
+              <a:latin typeface="Source Code Pro Light" panose="020B0409030403020204" pitchFamily="49" charset="0"/>
+              <a:ea typeface="Source Code Pro Light" panose="020B0409030403020204" pitchFamily="49" charset="0"/>
+            </a:endParaRPr>
+          </a:p>
+          <a:p>
+            <a:pPr lvl="1"/>
+            <a:r>
+              <a:rPr lang="en-US" dirty="0" err="1"/>
+              <a:t>RoutingModule</a:t>
+            </a:r>
+            <a:r>
+              <a:rPr lang="en-US" dirty="0"/>
+              <a:t>: </a:t>
+            </a:r>
+            <a:r>
+              <a:rPr lang="en-US" dirty="0" err="1">
+                <a:latin typeface="Source Code Pro Light" panose="020B0409030403020204" pitchFamily="49" charset="0"/>
+                <a:ea typeface="Source Code Pro Light" panose="020B0409030403020204" pitchFamily="49" charset="0"/>
+              </a:rPr>
+              <a:t>SecurityRoutingModule</a:t>
+            </a:r>
+            <a:endParaRPr lang="en-US" dirty="0">
+              <a:latin typeface="Source Code Pro Light" panose="020B0409030403020204" pitchFamily="49" charset="0"/>
+              <a:ea typeface="Source Code Pro Light" panose="020B0409030403020204" pitchFamily="49" charset="0"/>
+            </a:endParaRPr>
+          </a:p>
+          <a:p>
+            <a:pPr lvl="1"/>
+            <a:r>
+              <a:rPr lang="en-US" dirty="0"/>
+              <a:t>Components: </a:t>
+            </a:r>
+            <a:r>
+              <a:rPr lang="en-US" dirty="0" err="1">
+                <a:latin typeface="Source Code Pro Light" panose="020B0409030403020204" pitchFamily="49" charset="0"/>
+                <a:ea typeface="Source Code Pro Light" panose="020B0409030403020204" pitchFamily="49" charset="0"/>
+              </a:rPr>
+              <a:t>LoginComponent</a:t>
+            </a:r>
+            <a:r>
+              <a:rPr lang="en-US" dirty="0">
+                <a:latin typeface="Source Code Pro Light" panose="020B0409030403020204" pitchFamily="49" charset="0"/>
+                <a:ea typeface="Source Code Pro Light" panose="020B0409030403020204" pitchFamily="49" charset="0"/>
+              </a:rPr>
+              <a:t>, </a:t>
+            </a:r>
+            <a:r>
+              <a:rPr lang="en-US" dirty="0" err="1">
+                <a:latin typeface="Source Code Pro Light" panose="020B0409030403020204" pitchFamily="49" charset="0"/>
+                <a:ea typeface="Source Code Pro Light" panose="020B0409030403020204" pitchFamily="49" charset="0"/>
+              </a:rPr>
+              <a:t>SignUpComponent</a:t>
+            </a:r>
+            <a:r>
+              <a:rPr lang="en-US" dirty="0">
+                <a:latin typeface="Source Code Pro Light" panose="020B0409030403020204" pitchFamily="49" charset="0"/>
+                <a:ea typeface="Source Code Pro Light" panose="020B0409030403020204" pitchFamily="49" charset="0"/>
+              </a:rPr>
+              <a:t>. </a:t>
+            </a:r>
+            <a:r>
+              <a:rPr lang="en-US" dirty="0" err="1">
+                <a:latin typeface="Source Code Pro Light" panose="020B0409030403020204" pitchFamily="49" charset="0"/>
+                <a:ea typeface="Source Code Pro Light" panose="020B0409030403020204" pitchFamily="49" charset="0"/>
+              </a:rPr>
+              <a:t>ResetPassword</a:t>
+            </a:r>
+            <a:r>
+              <a:rPr lang="en-US" dirty="0">
+                <a:latin typeface="Source Code Pro Light" panose="020B0409030403020204" pitchFamily="49" charset="0"/>
+                <a:ea typeface="Source Code Pro Light" panose="020B0409030403020204" pitchFamily="49" charset="0"/>
+              </a:rPr>
+              <a:t>, </a:t>
+            </a:r>
+            <a:r>
+              <a:rPr lang="en-US" dirty="0" err="1">
+                <a:latin typeface="Source Code Pro Light" panose="020B0409030403020204" pitchFamily="49" charset="0"/>
+                <a:ea typeface="Source Code Pro Light" panose="020B0409030403020204" pitchFamily="49" charset="0"/>
+              </a:rPr>
+              <a:t>ForgotPassword</a:t>
+            </a:r>
+            <a:endParaRPr lang="en-US" dirty="0">
+              <a:latin typeface="Source Code Pro Light" panose="020B0409030403020204" pitchFamily="49" charset="0"/>
+              <a:ea typeface="Source Code Pro Light" panose="020B0409030403020204" pitchFamily="49" charset="0"/>
+            </a:endParaRPr>
+          </a:p>
+        </p:txBody>
+      </p:sp>
+    </p:spTree>
+    <p:extLst>
+      <p:ext uri="{BB962C8B-B14F-4D97-AF65-F5344CB8AC3E}">
+        <p14:creationId xmlns:p14="http://schemas.microsoft.com/office/powerpoint/2010/main" val="975586160"/>
+      </p:ext>
+    </p:extLst>
+  </p:cSld>
+  <p:clrMapOvr>
+    <a:masterClrMapping/>
+  </p:clrMapOvr>
+</p:sld>
+</file>
+
+<file path=ppt/slides/slide13.xml><?xml version="1.0" encoding="utf-8"?>
+<p:sld xmlns:a="http://schemas.openxmlformats.org/drawingml/2006/main" xmlns:r="http://schemas.openxmlformats.org/officeDocument/2006/relationships" xmlns:p="http://schemas.openxmlformats.org/presentationml/2006/main">
+  <p:cSld>
+    <p:bg>
+      <p:bgRef idx="1001">
+        <a:schemeClr val="bg2"/>
+      </p:bgRef>
+    </p:bg>
+    <p:spTree>
+      <p:nvGrpSpPr>
+        <p:cNvPr id="1" name=""/>
+        <p:cNvGrpSpPr/>
+        <p:nvPr/>
+      </p:nvGrpSpPr>
+      <p:grpSpPr>
+        <a:xfrm>
+          <a:off x="0" y="0"/>
+          <a:ext cx="0" cy="0"/>
+          <a:chOff x="0" y="0"/>
+          <a:chExt cx="0" cy="0"/>
+        </a:xfrm>
+      </p:grpSpPr>
+      <p:pic>
+        <p:nvPicPr>
+          <p:cNvPr id="7" name="Picture 6">
+            <a:extLst>
+              <a:ext uri="{FF2B5EF4-FFF2-40B4-BE49-F238E27FC236}">
+                <a16:creationId xmlns:a16="http://schemas.microsoft.com/office/drawing/2014/main" id="{08128A09-81E2-4A5F-AA3E-8BD52345C01C}"/>
+              </a:ext>
+            </a:extLst>
+          </p:cNvPr>
+          <p:cNvPicPr>
+            <a:picLocks noChangeAspect="1"/>
+          </p:cNvPicPr>
+          <p:nvPr/>
+        </p:nvPicPr>
+        <p:blipFill>
+          <a:blip r:embed="rId3"/>
+          <a:stretch>
+            <a:fillRect/>
+          </a:stretch>
+        </p:blipFill>
+        <p:spPr>
+          <a:xfrm>
+            <a:off x="1199911" y="422416"/>
+            <a:ext cx="8280352" cy="6190321"/>
+          </a:xfrm>
+          <a:prstGeom prst="rect">
+            <a:avLst/>
+          </a:prstGeom>
+        </p:spPr>
+      </p:pic>
+    </p:spTree>
+    <p:extLst>
+      <p:ext uri="{BB962C8B-B14F-4D97-AF65-F5344CB8AC3E}">
+        <p14:creationId xmlns:p14="http://schemas.microsoft.com/office/powerpoint/2010/main" val="1763282499"/>
+      </p:ext>
+    </p:extLst>
+  </p:cSld>
+  <p:clrMapOvr>
+    <a:overrideClrMapping bg1="dk1" tx1="lt1" bg2="dk2" tx2="lt2" accent1="accent1" accent2="accent2" accent3="accent3" accent4="accent4" accent5="accent5" accent6="accent6" hlink="hlink" folHlink="folHlink"/>
+  </p:clrMapOvr>
+</p:sld>
+</file>
+
 <file path=ppt/slides/slide14.xml><?xml version="1.0" encoding="utf-8"?>
 <p:sld xmlns:a="http://schemas.openxmlformats.org/drawingml/2006/main" xmlns:r="http://schemas.openxmlformats.org/officeDocument/2006/relationships" xmlns:p="http://schemas.openxmlformats.org/presentationml/2006/main">
   <p:cSld>
@@ -27606,94 +28039,40 @@
           <a:chExt cx="0" cy="0"/>
         </a:xfrm>
       </p:grpSpPr>
-      <p:sp>
-        <p:nvSpPr>
-          <p:cNvPr id="2" name="Title 1">
+      <p:pic>
+        <p:nvPicPr>
+          <p:cNvPr id="6" name="Picture 5">
             <a:extLst>
               <a:ext uri="{FF2B5EF4-FFF2-40B4-BE49-F238E27FC236}">
-                <a16:creationId xmlns:a16="http://schemas.microsoft.com/office/drawing/2014/main" id="{31F3EA20-0BAA-4C55-BBEE-62405A146481}"/>
+                <a16:creationId xmlns:a16="http://schemas.microsoft.com/office/drawing/2014/main" id="{743683F9-A7B0-4450-8C8F-26523495C7CA}"/>
               </a:ext>
             </a:extLst>
           </p:cNvPr>
-          <p:cNvSpPr>
-            <a:spLocks noGrp="1"/>
-          </p:cNvSpPr>
-          <p:nvPr>
-            <p:ph type="title"/>
-          </p:nvPr>
-        </p:nvSpPr>
-        <p:spPr/>
-        <p:txBody>
-          <a:bodyPr/>
-          <a:lstStyle/>
-          <a:p>
-            <a:r>
-              <a:rPr lang="en-US" dirty="0"/>
-              <a:t>Are there any limits…really?</a:t>
-            </a:r>
-          </a:p>
-        </p:txBody>
-      </p:sp>
-      <p:sp>
-        <p:nvSpPr>
-          <p:cNvPr id="3" name="Content Placeholder 2">
-            <a:extLst>
-              <a:ext uri="{FF2B5EF4-FFF2-40B4-BE49-F238E27FC236}">
-                <a16:creationId xmlns:a16="http://schemas.microsoft.com/office/drawing/2014/main" id="{F833562B-94B5-4873-9EE8-519AA961DEF9}"/>
-              </a:ext>
-            </a:extLst>
-          </p:cNvPr>
-          <p:cNvSpPr>
-            <a:spLocks noGrp="1"/>
-          </p:cNvSpPr>
-          <p:nvPr>
-            <p:ph idx="1"/>
-          </p:nvPr>
-        </p:nvSpPr>
-        <p:spPr/>
-        <p:txBody>
-          <a:bodyPr>
-            <a:normAutofit/>
-          </a:bodyPr>
-          <a:lstStyle/>
-          <a:p>
-            <a:r>
-              <a:rPr lang="en-US" dirty="0"/>
-              <a:t>How many </a:t>
-            </a:r>
-            <a:r>
-              <a:rPr lang="en-US" dirty="0">
-                <a:hlinkClick r:id="rId2"/>
-              </a:rPr>
-              <a:t>modules</a:t>
-            </a:r>
-            <a:r>
-              <a:rPr lang="en-US" dirty="0"/>
-              <a:t> can you Angular application have? </a:t>
-            </a:r>
-          </a:p>
-          <a:p>
-            <a:r>
-              <a:rPr lang="en-US" dirty="0"/>
-              <a:t>Must a module have a service?</a:t>
-            </a:r>
-          </a:p>
-          <a:p>
-            <a:r>
-              <a:rPr lang="en-US" dirty="0"/>
-              <a:t>Must a module have components?</a:t>
-            </a:r>
-          </a:p>
-          <a:p>
-            <a:pPr lvl="1"/>
-            <a:endParaRPr lang="en-US" dirty="0"/>
-          </a:p>
-        </p:txBody>
-      </p:sp>
+          <p:cNvPicPr>
+            <a:picLocks noChangeAspect="1"/>
+          </p:cNvPicPr>
+          <p:nvPr/>
+        </p:nvPicPr>
+        <p:blipFill>
+          <a:blip r:embed="rId2"/>
+          <a:stretch>
+            <a:fillRect/>
+          </a:stretch>
+        </p:blipFill>
+        <p:spPr>
+          <a:xfrm>
+            <a:off x="540765" y="125431"/>
+            <a:ext cx="8331864" cy="6378224"/>
+          </a:xfrm>
+          <a:prstGeom prst="rect">
+            <a:avLst/>
+          </a:prstGeom>
+        </p:spPr>
+      </p:pic>
     </p:spTree>
     <p:extLst>
       <p:ext uri="{BB962C8B-B14F-4D97-AF65-F5344CB8AC3E}">
-        <p14:creationId xmlns:p14="http://schemas.microsoft.com/office/powerpoint/2010/main" val="704725234"/>
+        <p14:creationId xmlns:p14="http://schemas.microsoft.com/office/powerpoint/2010/main" val="3830281041"/>
       </p:ext>
     </p:extLst>
   </p:cSld>
@@ -27722,10 +28101,10 @@
       </p:grpSpPr>
       <p:sp>
         <p:nvSpPr>
-          <p:cNvPr id="2" name="Title 1">
+          <p:cNvPr id="4" name="Title 3">
             <a:extLst>
               <a:ext uri="{FF2B5EF4-FFF2-40B4-BE49-F238E27FC236}">
-                <a16:creationId xmlns:a16="http://schemas.microsoft.com/office/drawing/2014/main" id="{59809628-3F81-4641-AA19-F6962C7C9CA5}"/>
+                <a16:creationId xmlns:a16="http://schemas.microsoft.com/office/drawing/2014/main" id="{1932F756-67DB-416A-9723-8FAF4DF4AF45}"/>
               </a:ext>
             </a:extLst>
           </p:cNvPr>
@@ -27743,17 +28122,17 @@
           <a:p>
             <a:r>
               <a:rPr lang="en-US" dirty="0"/>
-              <a:t>Consider Module…Categories/Types</a:t>
-            </a:r>
-          </a:p>
-        </p:txBody>
-      </p:sp>
-      <p:sp>
-        <p:nvSpPr>
-          <p:cNvPr id="3" name="Content Placeholder 2">
+              <a:t>Design Patterns</a:t>
+            </a:r>
+          </a:p>
+        </p:txBody>
+      </p:sp>
+      <p:sp>
+        <p:nvSpPr>
+          <p:cNvPr id="5" name="Text Placeholder 4">
             <a:extLst>
               <a:ext uri="{FF2B5EF4-FFF2-40B4-BE49-F238E27FC236}">
-                <a16:creationId xmlns:a16="http://schemas.microsoft.com/office/drawing/2014/main" id="{17FEE82D-5D45-4DA9-B363-6BB5EBE0E5BA}"/>
+                <a16:creationId xmlns:a16="http://schemas.microsoft.com/office/drawing/2014/main" id="{7A386A65-8A79-4C51-80CC-EC5BB3082C1D}"/>
               </a:ext>
             </a:extLst>
           </p:cNvPr>
@@ -27761,349 +28140,25 @@
             <a:spLocks noGrp="1"/>
           </p:cNvSpPr>
           <p:nvPr>
-            <p:ph idx="1"/>
-          </p:nvPr>
-        </p:nvSpPr>
-        <p:spPr>
-          <a:xfrm>
-            <a:off x="818712" y="2222287"/>
-            <a:ext cx="10554574" cy="4334499"/>
-          </a:xfrm>
-        </p:spPr>
-        <p:txBody>
-          <a:bodyPr>
-            <a:normAutofit fontScale="77500" lnSpcReduction="20000"/>
-          </a:bodyPr>
-          <a:lstStyle/>
-          <a:p>
-            <a:r>
-              <a:rPr lang="en-US" b="1" dirty="0"/>
-              <a:t>Shared</a:t>
-            </a:r>
-          </a:p>
-          <a:p>
-            <a:pPr lvl="1"/>
+            <p:ph type="body" idx="1"/>
+          </p:nvPr>
+        </p:nvSpPr>
+        <p:spPr/>
+        <p:txBody>
+          <a:bodyPr/>
+          <a:lstStyle/>
+          <a:p>
             <a:r>
               <a:rPr lang="en-US" dirty="0"/>
-              <a:t>Angular: </a:t>
-            </a:r>
-            <a:r>
-              <a:rPr lang="en-US" dirty="0" err="1"/>
-              <a:t>NgModule</a:t>
-            </a:r>
-            <a:r>
-              <a:rPr lang="en-US" dirty="0"/>
-              <a:t>, </a:t>
-            </a:r>
-            <a:r>
-              <a:rPr lang="en-US" dirty="0" err="1"/>
-              <a:t>CommonModule</a:t>
-            </a:r>
-            <a:r>
-              <a:rPr lang="en-US" dirty="0"/>
-              <a:t>, </a:t>
-            </a:r>
-            <a:r>
-              <a:rPr lang="en-US" dirty="0" err="1"/>
-              <a:t>HttpModule</a:t>
-            </a:r>
-            <a:r>
-              <a:rPr lang="en-US" dirty="0"/>
-              <a:t>, </a:t>
-            </a:r>
-            <a:r>
-              <a:rPr lang="en-US" dirty="0" err="1"/>
-              <a:t>FormsModule</a:t>
-            </a:r>
-            <a:r>
-              <a:rPr lang="en-US" dirty="0"/>
-              <a:t>, etc.</a:t>
-            </a:r>
-          </a:p>
-          <a:p>
-            <a:pPr lvl="1"/>
-            <a:r>
-              <a:rPr lang="en-US" dirty="0"/>
-              <a:t>Third-Party Modules: </a:t>
-            </a:r>
-            <a:r>
-              <a:rPr lang="en-US" dirty="0" err="1"/>
-              <a:t>Wijmo</a:t>
-            </a:r>
-            <a:r>
-              <a:rPr lang="en-US" dirty="0"/>
-              <a:t>, Material Design</a:t>
-            </a:r>
-          </a:p>
-          <a:p>
-            <a:r>
-              <a:rPr lang="en-US" b="1" dirty="0"/>
-              <a:t>Core</a:t>
-            </a:r>
-            <a:r>
-              <a:rPr lang="en-US" dirty="0"/>
-              <a:t>: Application-Level Modules</a:t>
-            </a:r>
-          </a:p>
-          <a:p>
-            <a:pPr lvl="1"/>
-            <a:r>
-              <a:rPr lang="en-US" dirty="0"/>
-              <a:t>Modules: </a:t>
-            </a:r>
-            <a:r>
-              <a:rPr lang="en-US" dirty="0" err="1">
-                <a:latin typeface="Source Code Pro Light" panose="020B0409030403020204" pitchFamily="49" charset="0"/>
-                <a:ea typeface="Source Code Pro Light" panose="020B0409030403020204" pitchFamily="49" charset="0"/>
-              </a:rPr>
-              <a:t>PagesModule</a:t>
-            </a:r>
-            <a:r>
-              <a:rPr lang="en-US" dirty="0">
-                <a:latin typeface="Source Code Pro Light" panose="020B0409030403020204" pitchFamily="49" charset="0"/>
-                <a:ea typeface="Source Code Pro Light" panose="020B0409030403020204" pitchFamily="49" charset="0"/>
-              </a:rPr>
-              <a:t>, </a:t>
-            </a:r>
-            <a:r>
-              <a:rPr lang="en-US" dirty="0" err="1">
-                <a:latin typeface="Source Code Pro Light" panose="020B0409030403020204" pitchFamily="49" charset="0"/>
-                <a:ea typeface="Source Code Pro Light" panose="020B0409030403020204" pitchFamily="49" charset="0"/>
-              </a:rPr>
-              <a:t>LayoutModule</a:t>
-            </a:r>
-            <a:endParaRPr lang="en-US" dirty="0">
-              <a:latin typeface="Source Code Pro Light" panose="020B0409030403020204" pitchFamily="49" charset="0"/>
-              <a:ea typeface="Source Code Pro Light" panose="020B0409030403020204" pitchFamily="49" charset="0"/>
-            </a:endParaRPr>
-          </a:p>
-          <a:p>
-            <a:pPr lvl="1"/>
-            <a:r>
-              <a:rPr lang="en-US" dirty="0"/>
-              <a:t>Services: </a:t>
-            </a:r>
-            <a:r>
-              <a:rPr lang="en-US" dirty="0" err="1">
-                <a:latin typeface="Source Code Pro Light" panose="020B0409030403020204" pitchFamily="49" charset="0"/>
-                <a:ea typeface="Source Code Pro Light" panose="020B0409030403020204" pitchFamily="49" charset="0"/>
-              </a:rPr>
-              <a:t>LoggingService</a:t>
-            </a:r>
-            <a:endParaRPr lang="en-US" dirty="0">
-              <a:latin typeface="Source Code Pro Light" panose="020B0409030403020204" pitchFamily="49" charset="0"/>
-              <a:ea typeface="Source Code Pro Light" panose="020B0409030403020204" pitchFamily="49" charset="0"/>
-            </a:endParaRPr>
-          </a:p>
-          <a:p>
-            <a:pPr lvl="1"/>
-            <a:r>
-              <a:rPr lang="en-US" dirty="0"/>
-              <a:t>Components: </a:t>
-            </a:r>
-            <a:r>
-              <a:rPr lang="en-US" dirty="0" err="1">
-                <a:latin typeface="Source Code Pro Light" panose="020B0409030403020204" pitchFamily="49" charset="0"/>
-                <a:ea typeface="Source Code Pro Light" panose="020B0409030403020204" pitchFamily="49" charset="0"/>
-              </a:rPr>
-              <a:t>MenuComponent</a:t>
-            </a:r>
-            <a:r>
-              <a:rPr lang="en-US" dirty="0">
-                <a:latin typeface="Source Code Pro Light" panose="020B0409030403020204" pitchFamily="49" charset="0"/>
-                <a:ea typeface="Source Code Pro Light" panose="020B0409030403020204" pitchFamily="49" charset="0"/>
-              </a:rPr>
-              <a:t>, </a:t>
-            </a:r>
-            <a:r>
-              <a:rPr lang="en-US" dirty="0" err="1">
-                <a:latin typeface="Source Code Pro Light" panose="020B0409030403020204" pitchFamily="49" charset="0"/>
-                <a:ea typeface="Source Code Pro Light" panose="020B0409030403020204" pitchFamily="49" charset="0"/>
-              </a:rPr>
-              <a:t>FooterComponent</a:t>
-            </a:r>
-            <a:endParaRPr lang="en-US" dirty="0">
-              <a:latin typeface="Source Code Pro Light" panose="020B0409030403020204" pitchFamily="49" charset="0"/>
-              <a:ea typeface="Source Code Pro Light" panose="020B0409030403020204" pitchFamily="49" charset="0"/>
-            </a:endParaRPr>
-          </a:p>
-          <a:p>
-            <a:r>
-              <a:rPr lang="en-US" b="1" dirty="0"/>
-              <a:t>Domain Service</a:t>
-            </a:r>
-            <a:r>
-              <a:rPr lang="en-US" dirty="0"/>
-              <a:t>: Service-Only</a:t>
-            </a:r>
-          </a:p>
-          <a:p>
-            <a:pPr lvl="1"/>
-            <a:r>
-              <a:rPr lang="en-US" dirty="0"/>
-              <a:t>Module: </a:t>
-            </a:r>
-            <a:r>
-              <a:rPr lang="en-US" dirty="0" err="1">
-                <a:latin typeface="Source Code Pro Light" panose="020B0409030403020204" pitchFamily="49" charset="0"/>
-                <a:ea typeface="Source Code Pro Light" panose="020B0409030403020204" pitchFamily="49" charset="0"/>
-              </a:rPr>
-              <a:t>SecurityModule</a:t>
-            </a:r>
-            <a:endParaRPr lang="en-US" dirty="0">
-              <a:latin typeface="Source Code Pro Light" panose="020B0409030403020204" pitchFamily="49" charset="0"/>
-              <a:ea typeface="Source Code Pro Light" panose="020B0409030403020204" pitchFamily="49" charset="0"/>
-            </a:endParaRPr>
-          </a:p>
-          <a:p>
-            <a:pPr lvl="1"/>
-            <a:r>
-              <a:rPr lang="en-US" dirty="0"/>
-              <a:t>Service: </a:t>
-            </a:r>
-            <a:r>
-              <a:rPr lang="en-US" dirty="0" err="1">
-                <a:latin typeface="Source Code Pro Light" panose="020B0409030403020204" pitchFamily="49" charset="0"/>
-                <a:ea typeface="Source Code Pro Light" panose="020B0409030403020204" pitchFamily="49" charset="0"/>
-              </a:rPr>
-              <a:t>SecurityService</a:t>
-            </a:r>
-            <a:endParaRPr lang="en-US" dirty="0">
-              <a:latin typeface="Source Code Pro Light" panose="020B0409030403020204" pitchFamily="49" charset="0"/>
-              <a:ea typeface="Source Code Pro Light" panose="020B0409030403020204" pitchFamily="49" charset="0"/>
-            </a:endParaRPr>
-          </a:p>
-          <a:p>
-            <a:pPr lvl="1"/>
-            <a:r>
-              <a:rPr lang="en-US" dirty="0"/>
-              <a:t>Components: </a:t>
-            </a:r>
-            <a:r>
-              <a:rPr lang="en-US" i="1" dirty="0"/>
-              <a:t>none</a:t>
-            </a:r>
-          </a:p>
-          <a:p>
-            <a:r>
-              <a:rPr lang="en-US" b="1"/>
-              <a:t>Domain </a:t>
-            </a:r>
-            <a:r>
-              <a:rPr lang="en-US" b="1" dirty="0"/>
-              <a:t>UI</a:t>
-            </a:r>
-            <a:r>
-              <a:rPr lang="en-US" dirty="0"/>
-              <a:t>: UI-Only</a:t>
-            </a:r>
-          </a:p>
-          <a:p>
-            <a:pPr lvl="1"/>
-            <a:r>
-              <a:rPr lang="en-US" dirty="0"/>
-              <a:t>Module: </a:t>
-            </a:r>
-            <a:r>
-              <a:rPr lang="en-US" dirty="0" err="1">
-                <a:latin typeface="Source Code Pro Light" panose="020B0409030403020204" pitchFamily="49" charset="0"/>
-                <a:ea typeface="Source Code Pro Light" panose="020B0409030403020204" pitchFamily="49" charset="0"/>
-              </a:rPr>
-              <a:t>SecurityUIModule</a:t>
-            </a:r>
-            <a:endParaRPr lang="en-US" dirty="0">
-              <a:latin typeface="Source Code Pro Light" panose="020B0409030403020204" pitchFamily="49" charset="0"/>
-              <a:ea typeface="Source Code Pro Light" panose="020B0409030403020204" pitchFamily="49" charset="0"/>
-            </a:endParaRPr>
-          </a:p>
-          <a:p>
-            <a:pPr lvl="1"/>
-            <a:r>
-              <a:rPr lang="en-US" dirty="0" err="1"/>
-              <a:t>RoutingModule</a:t>
-            </a:r>
-            <a:r>
-              <a:rPr lang="en-US" dirty="0"/>
-              <a:t>: </a:t>
-            </a:r>
-            <a:r>
-              <a:rPr lang="en-US" dirty="0" err="1">
-                <a:latin typeface="Source Code Pro Light" panose="020B0409030403020204" pitchFamily="49" charset="0"/>
-                <a:ea typeface="Source Code Pro Light" panose="020B0409030403020204" pitchFamily="49" charset="0"/>
-              </a:rPr>
-              <a:t>SecurityRoutingModule</a:t>
-            </a:r>
-            <a:endParaRPr lang="en-US" dirty="0">
-              <a:latin typeface="Source Code Pro Light" panose="020B0409030403020204" pitchFamily="49" charset="0"/>
-              <a:ea typeface="Source Code Pro Light" panose="020B0409030403020204" pitchFamily="49" charset="0"/>
-            </a:endParaRPr>
-          </a:p>
-          <a:p>
-            <a:pPr lvl="1"/>
-            <a:r>
-              <a:rPr lang="en-US" dirty="0"/>
-              <a:t>Components: </a:t>
-            </a:r>
-            <a:r>
-              <a:rPr lang="en-US" dirty="0" err="1">
-                <a:latin typeface="Source Code Pro Light" panose="020B0409030403020204" pitchFamily="49" charset="0"/>
-                <a:ea typeface="Source Code Pro Light" panose="020B0409030403020204" pitchFamily="49" charset="0"/>
-              </a:rPr>
-              <a:t>LoginComponent</a:t>
-            </a:r>
-            <a:r>
-              <a:rPr lang="en-US" dirty="0">
-                <a:latin typeface="Source Code Pro Light" panose="020B0409030403020204" pitchFamily="49" charset="0"/>
-                <a:ea typeface="Source Code Pro Light" panose="020B0409030403020204" pitchFamily="49" charset="0"/>
-              </a:rPr>
-              <a:t>, </a:t>
-            </a:r>
-            <a:r>
-              <a:rPr lang="en-US" dirty="0" err="1">
-                <a:latin typeface="Source Code Pro Light" panose="020B0409030403020204" pitchFamily="49" charset="0"/>
-                <a:ea typeface="Source Code Pro Light" panose="020B0409030403020204" pitchFamily="49" charset="0"/>
-              </a:rPr>
-              <a:t>SignUpComponent</a:t>
-            </a:r>
-            <a:r>
-              <a:rPr lang="en-US" dirty="0">
-                <a:latin typeface="Source Code Pro Light" panose="020B0409030403020204" pitchFamily="49" charset="0"/>
-                <a:ea typeface="Source Code Pro Light" panose="020B0409030403020204" pitchFamily="49" charset="0"/>
-              </a:rPr>
-              <a:t>. </a:t>
-            </a:r>
-            <a:r>
-              <a:rPr lang="en-US" dirty="0" err="1">
-                <a:latin typeface="Source Code Pro Light" panose="020B0409030403020204" pitchFamily="49" charset="0"/>
-                <a:ea typeface="Source Code Pro Light" panose="020B0409030403020204" pitchFamily="49" charset="0"/>
-              </a:rPr>
-              <a:t>ResetPassword</a:t>
-            </a:r>
-            <a:r>
-              <a:rPr lang="en-US" dirty="0">
-                <a:latin typeface="Source Code Pro Light" panose="020B0409030403020204" pitchFamily="49" charset="0"/>
-                <a:ea typeface="Source Code Pro Light" panose="020B0409030403020204" pitchFamily="49" charset="0"/>
-              </a:rPr>
-              <a:t>, </a:t>
-            </a:r>
-            <a:r>
-              <a:rPr lang="en-US" dirty="0" err="1">
-                <a:latin typeface="Source Code Pro Light" panose="020B0409030403020204" pitchFamily="49" charset="0"/>
-                <a:ea typeface="Source Code Pro Light" panose="020B0409030403020204" pitchFamily="49" charset="0"/>
-              </a:rPr>
-              <a:t>ForgotPassword</a:t>
-            </a:r>
-            <a:endParaRPr lang="en-US" dirty="0">
-              <a:latin typeface="Source Code Pro Light" panose="020B0409030403020204" pitchFamily="49" charset="0"/>
-              <a:ea typeface="Source Code Pro Light" panose="020B0409030403020204" pitchFamily="49" charset="0"/>
-            </a:endParaRPr>
+              <a:t>A brief introduction</a:t>
+            </a:r>
           </a:p>
         </p:txBody>
       </p:sp>
     </p:spTree>
     <p:extLst>
       <p:ext uri="{BB962C8B-B14F-4D97-AF65-F5344CB8AC3E}">
-        <p14:creationId xmlns:p14="http://schemas.microsoft.com/office/powerpoint/2010/main" val="975586160"/>
+        <p14:creationId xmlns:p14="http://schemas.microsoft.com/office/powerpoint/2010/main" val="3714900300"/>
       </p:ext>
     </p:extLst>
   </p:cSld>
@@ -28116,11 +28171,6 @@
 <file path=ppt/slides/slide16.xml><?xml version="1.0" encoding="utf-8"?>
 <p:sld xmlns:a="http://schemas.openxmlformats.org/drawingml/2006/main" xmlns:r="http://schemas.openxmlformats.org/officeDocument/2006/relationships" xmlns:p="http://schemas.openxmlformats.org/presentationml/2006/main">
   <p:cSld>
-    <p:bg>
-      <p:bgRef idx="1001">
-        <a:schemeClr val="bg2"/>
-      </p:bgRef>
-    </p:bg>
     <p:spTree>
       <p:nvGrpSpPr>
         <p:cNvPr id="1" name=""/>
@@ -28135,45 +28185,134 @@
           <a:chExt cx="0" cy="0"/>
         </a:xfrm>
       </p:grpSpPr>
-      <p:pic>
-        <p:nvPicPr>
-          <p:cNvPr id="6" name="Picture 5">
+      <p:sp>
+        <p:nvSpPr>
+          <p:cNvPr id="2" name="Title 1">
             <a:extLst>
               <a:ext uri="{FF2B5EF4-FFF2-40B4-BE49-F238E27FC236}">
-                <a16:creationId xmlns:a16="http://schemas.microsoft.com/office/drawing/2014/main" id="{1D10CA82-39C4-4A86-BC3D-B0FE70AD3247}"/>
+                <a16:creationId xmlns:a16="http://schemas.microsoft.com/office/drawing/2014/main" id="{8A48E893-AA20-4B9C-A6D6-41DD471948E0}"/>
               </a:ext>
             </a:extLst>
           </p:cNvPr>
-          <p:cNvPicPr>
-            <a:picLocks noChangeAspect="1"/>
-          </p:cNvPicPr>
-          <p:nvPr/>
-        </p:nvPicPr>
-        <p:blipFill>
-          <a:blip r:embed="rId3"/>
-          <a:stretch>
-            <a:fillRect/>
-          </a:stretch>
-        </p:blipFill>
-        <p:spPr>
-          <a:xfrm>
-            <a:off x="1151327" y="124500"/>
-            <a:ext cx="8589721" cy="6421603"/>
-          </a:xfrm>
-          <a:prstGeom prst="rect">
-            <a:avLst/>
-          </a:prstGeom>
-        </p:spPr>
-      </p:pic>
+          <p:cNvSpPr>
+            <a:spLocks noGrp="1"/>
+          </p:cNvSpPr>
+          <p:nvPr>
+            <p:ph type="title"/>
+          </p:nvPr>
+        </p:nvSpPr>
+        <p:spPr/>
+        <p:txBody>
+          <a:bodyPr/>
+          <a:lstStyle/>
+          <a:p>
+            <a:r>
+              <a:rPr lang="en-US"/>
+              <a:t>What is a pattern?</a:t>
+            </a:r>
+            <a:endParaRPr lang="en-US" dirty="0"/>
+          </a:p>
+        </p:txBody>
+      </p:sp>
+      <p:sp>
+        <p:nvSpPr>
+          <p:cNvPr id="3" name="Content Placeholder 2">
+            <a:extLst>
+              <a:ext uri="{FF2B5EF4-FFF2-40B4-BE49-F238E27FC236}">
+                <a16:creationId xmlns:a16="http://schemas.microsoft.com/office/drawing/2014/main" id="{DAC45B94-200A-4CFE-AE3A-40BBBC71E5A8}"/>
+              </a:ext>
+            </a:extLst>
+          </p:cNvPr>
+          <p:cNvSpPr>
+            <a:spLocks noGrp="1"/>
+          </p:cNvSpPr>
+          <p:nvPr>
+            <p:ph idx="1"/>
+          </p:nvPr>
+        </p:nvSpPr>
+        <p:spPr/>
+        <p:txBody>
+          <a:bodyPr>
+            <a:normAutofit fontScale="92500" lnSpcReduction="10000"/>
+          </a:bodyPr>
+          <a:lstStyle/>
+          <a:p>
+            <a:r>
+              <a:rPr lang="en-US" dirty="0"/>
+              <a:t>Is a general reusable solution to a commonly occurring problem within a given context in software design.</a:t>
+            </a:r>
+          </a:p>
+          <a:p>
+            <a:r>
+              <a:rPr lang="en-US" dirty="0"/>
+              <a:t>Design patterns can speed up the development process by providing tested, proven development paradigms.</a:t>
+            </a:r>
+          </a:p>
+          <a:p>
+            <a:r>
+              <a:rPr lang="en-US" dirty="0"/>
+              <a:t>Improves code readability for coders and architects who are familiar with the patterns.</a:t>
+            </a:r>
+          </a:p>
+          <a:p>
+            <a:r>
+              <a:rPr lang="en-US" dirty="0"/>
+              <a:t>Many patterns based on Object Oriented Programming techniques: inheritance, abstraction, encapsulation, and polymorphism.</a:t>
+            </a:r>
+          </a:p>
+          <a:p>
+            <a:r>
+              <a:rPr lang="en-US" dirty="0"/>
+              <a:t>Many patterns support and promote:</a:t>
+            </a:r>
+          </a:p>
+          <a:p>
+            <a:pPr lvl="1"/>
+            <a:r>
+              <a:rPr lang="en-US" dirty="0">
+                <a:hlinkClick r:id="rId2"/>
+              </a:rPr>
+              <a:t>Single Responsibility</a:t>
+            </a:r>
+            <a:endParaRPr lang="en-US" dirty="0"/>
+          </a:p>
+          <a:p>
+            <a:pPr lvl="1"/>
+            <a:r>
+              <a:rPr lang="en-US" dirty="0">
+                <a:hlinkClick r:id="rId3"/>
+              </a:rPr>
+              <a:t>Separation of Concerns</a:t>
+            </a:r>
+            <a:endParaRPr lang="en-US" dirty="0"/>
+          </a:p>
+          <a:p>
+            <a:pPr lvl="1"/>
+            <a:r>
+              <a:rPr lang="en-US" dirty="0">
+                <a:hlinkClick r:id="rId4"/>
+              </a:rPr>
+              <a:t>S.O.L.I.D Principles</a:t>
+            </a:r>
+            <a:r>
+              <a:rPr lang="en-US" dirty="0"/>
+              <a:t> </a:t>
+            </a:r>
+          </a:p>
+          <a:p>
+            <a:endParaRPr lang="en-US" dirty="0"/>
+          </a:p>
+        </p:txBody>
+      </p:sp>
     </p:spTree>
     <p:extLst>
       <p:ext uri="{BB962C8B-B14F-4D97-AF65-F5344CB8AC3E}">
-        <p14:creationId xmlns:p14="http://schemas.microsoft.com/office/powerpoint/2010/main" val="1763282499"/>
+        <p14:creationId xmlns:p14="http://schemas.microsoft.com/office/powerpoint/2010/main" val="2115441615"/>
       </p:ext>
     </p:extLst>
   </p:cSld>
   <p:clrMapOvr>
-    <a:overrideClrMapping bg1="dk1" tx1="lt1" bg2="dk2" tx2="lt2" accent1="accent1" accent2="accent2" accent3="accent3" accent4="accent4" accent5="accent5" accent6="accent6" hlink="hlink" folHlink="folHlink"/>
+    <a:masterClrMapping/>
   </p:clrMapOvr>
 </p:sld>
 </file>
@@ -28195,40 +28334,134 @@
           <a:chExt cx="0" cy="0"/>
         </a:xfrm>
       </p:grpSpPr>
-      <p:pic>
-        <p:nvPicPr>
-          <p:cNvPr id="2" name="Picture 1">
+      <p:sp>
+        <p:nvSpPr>
+          <p:cNvPr id="2" name="Title 1">
             <a:extLst>
               <a:ext uri="{FF2B5EF4-FFF2-40B4-BE49-F238E27FC236}">
-                <a16:creationId xmlns:a16="http://schemas.microsoft.com/office/drawing/2014/main" id="{09D6A111-CB9B-4601-8B82-A961E3C906E4}"/>
+                <a16:creationId xmlns:a16="http://schemas.microsoft.com/office/drawing/2014/main" id="{A5EA31D6-56D8-4F63-9F23-5FC95AAF9724}"/>
               </a:ext>
             </a:extLst>
           </p:cNvPr>
-          <p:cNvPicPr>
-            <a:picLocks noChangeAspect="1"/>
-          </p:cNvPicPr>
-          <p:nvPr/>
-        </p:nvPicPr>
-        <p:blipFill>
-          <a:blip r:embed="rId2"/>
-          <a:stretch>
-            <a:fillRect/>
-          </a:stretch>
-        </p:blipFill>
-        <p:spPr>
-          <a:xfrm>
-            <a:off x="1549715" y="343533"/>
-            <a:ext cx="8325805" cy="6327132"/>
-          </a:xfrm>
-          <a:prstGeom prst="rect">
-            <a:avLst/>
-          </a:prstGeom>
-        </p:spPr>
-      </p:pic>
+          <p:cNvSpPr>
+            <a:spLocks noGrp="1"/>
+          </p:cNvSpPr>
+          <p:nvPr>
+            <p:ph type="title"/>
+          </p:nvPr>
+        </p:nvSpPr>
+        <p:spPr/>
+        <p:txBody>
+          <a:bodyPr/>
+          <a:lstStyle/>
+          <a:p>
+            <a:r>
+              <a:rPr lang="en-US"/>
+              <a:t>Why Use Design Patterns?</a:t>
+            </a:r>
+            <a:endParaRPr lang="en-US" dirty="0"/>
+          </a:p>
+        </p:txBody>
+      </p:sp>
+      <p:sp>
+        <p:nvSpPr>
+          <p:cNvPr id="3" name="Content Placeholder 2">
+            <a:extLst>
+              <a:ext uri="{FF2B5EF4-FFF2-40B4-BE49-F238E27FC236}">
+                <a16:creationId xmlns:a16="http://schemas.microsoft.com/office/drawing/2014/main" id="{4E510021-63A1-4237-B859-0A5222E8F179}"/>
+              </a:ext>
+            </a:extLst>
+          </p:cNvPr>
+          <p:cNvSpPr>
+            <a:spLocks noGrp="1"/>
+          </p:cNvSpPr>
+          <p:nvPr>
+            <p:ph idx="1"/>
+          </p:nvPr>
+        </p:nvSpPr>
+        <p:spPr/>
+        <p:txBody>
+          <a:bodyPr>
+            <a:normAutofit lnSpcReduction="10000"/>
+          </a:bodyPr>
+          <a:lstStyle/>
+          <a:p>
+            <a:r>
+              <a:rPr lang="en-US"/>
+              <a:t>What does this do for me or my team?</a:t>
+            </a:r>
+          </a:p>
+          <a:p>
+            <a:pPr lvl="1"/>
+            <a:r>
+              <a:rPr lang="en-US"/>
+              <a:t>Creates a consistent code base for improved maintainability.</a:t>
+            </a:r>
+          </a:p>
+          <a:p>
+            <a:pPr lvl="1"/>
+            <a:r>
+              <a:rPr lang="en-US"/>
+              <a:t>Inherently allows for more extensibility points. </a:t>
+            </a:r>
+          </a:p>
+          <a:p>
+            <a:pPr lvl="1"/>
+            <a:r>
+              <a:rPr lang="en-US"/>
+              <a:t>Promotes a more testable solution (unit and integration tests) with mocks and fakes. Better quality.</a:t>
+            </a:r>
+          </a:p>
+          <a:p>
+            <a:pPr lvl="1"/>
+            <a:r>
+              <a:rPr lang="en-US"/>
+              <a:t>Allows dependency injection opportunities.</a:t>
+            </a:r>
+          </a:p>
+          <a:p>
+            <a:r>
+              <a:rPr lang="en-US"/>
+              <a:t>What problems to they solve?</a:t>
+            </a:r>
+          </a:p>
+          <a:p>
+            <a:pPr lvl="1"/>
+            <a:r>
+              <a:rPr lang="en-US"/>
+              <a:t>Help with refactoring code to improve testability, extensibility, and maintainability.</a:t>
+            </a:r>
+          </a:p>
+          <a:p>
+            <a:pPr lvl="1"/>
+            <a:r>
+              <a:rPr lang="en-US"/>
+              <a:t>Many patterns allow for additional extensibility points.</a:t>
+            </a:r>
+          </a:p>
+          <a:p>
+            <a:pPr lvl="1"/>
+            <a:r>
+              <a:rPr lang="en-US"/>
+              <a:t>Use existing patterns without creating atypical solutions for common problems.</a:t>
+            </a:r>
+          </a:p>
+          <a:p>
+            <a:pPr lvl="1"/>
+            <a:r>
+              <a:rPr lang="en-US"/>
+              <a:t>The team has a recipe for implementing parts of the application.</a:t>
+            </a:r>
+          </a:p>
+          <a:p>
+            <a:endParaRPr lang="en-US" dirty="0"/>
+          </a:p>
+        </p:txBody>
+      </p:sp>
     </p:spTree>
     <p:extLst>
       <p:ext uri="{BB962C8B-B14F-4D97-AF65-F5344CB8AC3E}">
-        <p14:creationId xmlns:p14="http://schemas.microsoft.com/office/powerpoint/2010/main" val="3830281041"/>
+        <p14:creationId xmlns:p14="http://schemas.microsoft.com/office/powerpoint/2010/main" val="1384919289"/>
       </p:ext>
     </p:extLst>
   </p:cSld>
@@ -28260,7 +28493,7 @@
           <p:cNvPr id="2" name="Title 1">
             <a:extLst>
               <a:ext uri="{FF2B5EF4-FFF2-40B4-BE49-F238E27FC236}">
-                <a16:creationId xmlns:a16="http://schemas.microsoft.com/office/drawing/2014/main" id="{D5B3B675-DFDC-4B31-AD37-48232641A740}"/>
+                <a16:creationId xmlns:a16="http://schemas.microsoft.com/office/drawing/2014/main" id="{DD130F9D-68BC-42EE-A1B4-1773DD7FD304}"/>
               </a:ext>
             </a:extLst>
           </p:cNvPr>
@@ -28277,9 +28510,10 @@
           <a:lstStyle/>
           <a:p>
             <a:r>
-              <a:rPr lang="en-US" dirty="0"/>
-              <a:t>Service End Points :: Façade Pattern</a:t>
-            </a:r>
+              <a:rPr lang="en-US"/>
+              <a:t>Patterns are Everywhere!</a:t>
+            </a:r>
+            <a:endParaRPr lang="en-US" dirty="0"/>
           </a:p>
         </p:txBody>
       </p:sp>
@@ -28288,7 +28522,7 @@
           <p:cNvPr id="3" name="Content Placeholder 2">
             <a:extLst>
               <a:ext uri="{FF2B5EF4-FFF2-40B4-BE49-F238E27FC236}">
-                <a16:creationId xmlns:a16="http://schemas.microsoft.com/office/drawing/2014/main" id="{BA948533-938B-4FD7-9D96-6458BADD4F6C}"/>
+                <a16:creationId xmlns:a16="http://schemas.microsoft.com/office/drawing/2014/main" id="{FD8BE140-F914-4F64-AE38-A9C5A2DA08EB}"/>
               </a:ext>
             </a:extLst>
           </p:cNvPr>
@@ -28306,38 +28540,83 @@
           <a:p>
             <a:r>
               <a:rPr lang="en-US" dirty="0"/>
-              <a:t>Definition: A single class that represents an entire subsystem.</a:t>
-            </a:r>
-          </a:p>
-          <a:p>
+              <a:t>Many examples of </a:t>
+            </a:r>
+            <a:r>
+              <a:rPr lang="en-US" dirty="0">
+                <a:hlinkClick r:id="rId2"/>
+              </a:rPr>
+              <a:t>patterns</a:t>
+            </a:r>
             <a:r>
               <a:rPr lang="en-US" dirty="0"/>
-              <a:t>Useful in API design</a:t>
-            </a:r>
-          </a:p>
-          <a:p>
+              <a:t> in </a:t>
+            </a:r>
+            <a:r>
+              <a:rPr lang="en-US" dirty="0">
+                <a:hlinkClick r:id="rId3"/>
+              </a:rPr>
+              <a:t>real</a:t>
+            </a:r>
             <a:r>
               <a:rPr lang="en-US" dirty="0"/>
-              <a:t>Useful in Service Oriented Architectures (SOA)</a:t>
-            </a:r>
-          </a:p>
-          <a:p>
+              <a:t> life.</a:t>
+            </a:r>
+          </a:p>
+          <a:p>
+            <a:pPr lvl="1"/>
             <a:r>
               <a:rPr lang="en-US" dirty="0"/>
-              <a:t>Typically implements an </a:t>
-            </a:r>
-            <a:r>
-              <a:rPr lang="en-US" i="1" dirty="0"/>
-              <a:t>Interface</a:t>
-            </a:r>
-            <a:endParaRPr lang="en-US" dirty="0"/>
+              <a:t>Interactions between workers at a restaurant.</a:t>
+            </a:r>
+          </a:p>
+          <a:p>
+            <a:pPr lvl="1"/>
+            <a:r>
+              <a:rPr lang="en-US" dirty="0"/>
+              <a:t>Soda Machine</a:t>
+            </a:r>
+          </a:p>
+          <a:p>
+            <a:r>
+              <a:rPr lang="en-US" dirty="0"/>
+              <a:t>Software and Frameworks</a:t>
+            </a:r>
+          </a:p>
+          <a:p>
+            <a:pPr lvl="1"/>
+            <a:r>
+              <a:rPr lang="en-US" dirty="0"/>
+              <a:t>.NET</a:t>
+            </a:r>
+          </a:p>
+          <a:p>
+            <a:pPr lvl="1"/>
+            <a:r>
+              <a:rPr lang="en-US" dirty="0"/>
+              <a:t>ASP.NET</a:t>
+            </a:r>
+          </a:p>
+          <a:p>
+            <a:pPr lvl="1"/>
+            <a:r>
+              <a:rPr lang="en-US" dirty="0"/>
+              <a:t>ASP.NET MVC</a:t>
+            </a:r>
+          </a:p>
+          <a:p>
+            <a:pPr lvl="1"/>
+            <a:r>
+              <a:rPr lang="en-US" dirty="0"/>
+              <a:t>Angular</a:t>
+            </a:r>
           </a:p>
         </p:txBody>
       </p:sp>
     </p:spTree>
     <p:extLst>
       <p:ext uri="{BB962C8B-B14F-4D97-AF65-F5344CB8AC3E}">
-        <p14:creationId xmlns:p14="http://schemas.microsoft.com/office/powerpoint/2010/main" val="1957383248"/>
+        <p14:creationId xmlns:p14="http://schemas.microsoft.com/office/powerpoint/2010/main" val="1989779248"/>
       </p:ext>
     </p:extLst>
   </p:cSld>
@@ -28369,7 +28648,7 @@
           <p:cNvPr id="2" name="Title 1">
             <a:extLst>
               <a:ext uri="{FF2B5EF4-FFF2-40B4-BE49-F238E27FC236}">
-                <a16:creationId xmlns:a16="http://schemas.microsoft.com/office/drawing/2014/main" id="{50404187-2787-44DD-962D-631946531F8B}"/>
+                <a16:creationId xmlns:a16="http://schemas.microsoft.com/office/drawing/2014/main" id="{31F3EA20-0BAA-4C55-BBEE-62405A146481}"/>
               </a:ext>
             </a:extLst>
           </p:cNvPr>
@@ -28387,7 +28666,7 @@
           <a:p>
             <a:r>
               <a:rPr lang="en-US" dirty="0"/>
-              <a:t>Business Logic Concerns</a:t>
+              <a:t>“I see Angular Patterns…”</a:t>
             </a:r>
           </a:p>
         </p:txBody>
@@ -28397,7 +28676,7 @@
           <p:cNvPr id="3" name="Content Placeholder 2">
             <a:extLst>
               <a:ext uri="{FF2B5EF4-FFF2-40B4-BE49-F238E27FC236}">
-                <a16:creationId xmlns:a16="http://schemas.microsoft.com/office/drawing/2014/main" id="{44BE3E2E-76CE-4CE6-8F68-636DFEB688C9}"/>
+                <a16:creationId xmlns:a16="http://schemas.microsoft.com/office/drawing/2014/main" id="{F833562B-94B5-4873-9EE8-519AA961DEF9}"/>
               </a:ext>
             </a:extLst>
           </p:cNvPr>
@@ -28410,36 +28689,175 @@
         </p:nvSpPr>
         <p:spPr/>
         <p:txBody>
-          <a:bodyPr/>
+          <a:bodyPr>
+            <a:normAutofit fontScale="77500" lnSpcReduction="20000"/>
+          </a:bodyPr>
           <a:lstStyle/>
           <a:p>
             <a:r>
               <a:rPr lang="en-US" dirty="0"/>
-              <a:t>Authorization</a:t>
-            </a:r>
-          </a:p>
-          <a:p>
+              <a:t>Template Method</a:t>
+            </a:r>
+          </a:p>
+          <a:p>
+            <a:pPr lvl="1"/>
+            <a:r>
+              <a:rPr lang="en-US" dirty="0">
+                <a:hlinkClick r:id="rId2"/>
+              </a:rPr>
+              <a:t>Lifecycle Hooks</a:t>
+            </a:r>
             <a:r>
               <a:rPr lang="en-US" dirty="0"/>
-              <a:t>Business Logic</a:t>
-            </a:r>
-          </a:p>
-          <a:p>
+              <a:t>: </a:t>
+            </a:r>
+            <a:r>
+              <a:rPr lang="en-US" dirty="0">
+                <a:hlinkClick r:id="rId3"/>
+              </a:rPr>
+              <a:t>ngOnChanges</a:t>
+            </a:r>
             <a:r>
               <a:rPr lang="en-US" dirty="0"/>
-              <a:t>Data Input Validation</a:t>
-            </a:r>
-          </a:p>
-          <a:p>
+              <a:t>, </a:t>
+            </a:r>
+            <a:r>
+              <a:rPr lang="en-US" dirty="0">
+                <a:hlinkClick r:id="rId4"/>
+              </a:rPr>
+              <a:t>ngOnInit</a:t>
+            </a:r>
             <a:r>
               <a:rPr lang="en-US" dirty="0"/>
-              <a:t>Business Rule Implementation</a:t>
-            </a:r>
-          </a:p>
-          <a:p>
+              <a:t>, </a:t>
+            </a:r>
+            <a:r>
+              <a:rPr lang="en-US" dirty="0">
+                <a:hlinkClick r:id="rId5"/>
+              </a:rPr>
+              <a:t>ngDoCheck</a:t>
+            </a:r>
             <a:r>
               <a:rPr lang="en-US" dirty="0"/>
-              <a:t>Using Repositories to retrieve and persist data</a:t>
+              <a:t>, and </a:t>
+            </a:r>
+            <a:r>
+              <a:rPr lang="en-US" dirty="0">
+                <a:hlinkClick r:id="rId6"/>
+              </a:rPr>
+              <a:t>ngOnDestroy</a:t>
+            </a:r>
+            <a:endParaRPr lang="en-US" dirty="0"/>
+          </a:p>
+          <a:p>
+            <a:r>
+              <a:rPr lang="en-US" dirty="0"/>
+              <a:t>Composite</a:t>
+            </a:r>
+          </a:p>
+          <a:p>
+            <a:pPr lvl="1"/>
+            <a:r>
+              <a:rPr lang="en-US" dirty="0"/>
+              <a:t>A component can reference a component that has a component that has a </a:t>
+            </a:r>
+            <a:r>
+              <a:rPr lang="en-US" dirty="0">
+                <a:hlinkClick r:id="rId6"/>
+              </a:rPr>
+              <a:t>component</a:t>
+            </a:r>
+            <a:r>
+              <a:rPr lang="en-US" dirty="0"/>
+              <a:t>.</a:t>
+            </a:r>
+          </a:p>
+          <a:p>
+            <a:r>
+              <a:rPr lang="en-US" dirty="0"/>
+              <a:t>Mediator</a:t>
+            </a:r>
+          </a:p>
+          <a:p>
+            <a:pPr lvl="1"/>
+            <a:r>
+              <a:rPr lang="en-US" dirty="0"/>
+              <a:t>A parent-component or injected service can mediate </a:t>
+            </a:r>
+            <a:r>
+              <a:rPr lang="en-US" dirty="0">
+                <a:hlinkClick r:id="rId7"/>
+              </a:rPr>
+              <a:t>communication</a:t>
+            </a:r>
+            <a:r>
+              <a:rPr lang="en-US" dirty="0"/>
+              <a:t> between loosely-coupled components/child-components.</a:t>
+            </a:r>
+          </a:p>
+          <a:p>
+            <a:r>
+              <a:rPr lang="en-US" dirty="0"/>
+              <a:t>Observer</a:t>
+            </a:r>
+          </a:p>
+          <a:p>
+            <a:pPr lvl="1"/>
+            <a:r>
+              <a:rPr lang="en-US" dirty="0"/>
+              <a:t>A component can subscribe to and react to an Observable response.</a:t>
+            </a:r>
+          </a:p>
+          <a:p>
+            <a:r>
+              <a:rPr lang="en-US" dirty="0"/>
+              <a:t>Facades</a:t>
+            </a:r>
+          </a:p>
+          <a:p>
+            <a:pPr lvl="1"/>
+            <a:r>
+              <a:rPr lang="en-US" dirty="0">
+                <a:hlinkClick r:id="rId8"/>
+              </a:rPr>
+              <a:t>Services</a:t>
+            </a:r>
+            <a:r>
+              <a:rPr lang="en-US" dirty="0"/>
+              <a:t> provide end-points to perform some action. How the action is performed is not known by the calling component.</a:t>
+            </a:r>
+          </a:p>
+          <a:p>
+            <a:r>
+              <a:rPr lang="en-US" dirty="0"/>
+              <a:t>Dependency Injection (Inversion of Control – IoC)</a:t>
+            </a:r>
+          </a:p>
+          <a:p>
+            <a:pPr lvl="1"/>
+            <a:r>
+              <a:rPr lang="en-US" dirty="0"/>
+              <a:t>Services are instantiated and </a:t>
+            </a:r>
+            <a:r>
+              <a:rPr lang="en-US" dirty="0">
+                <a:hlinkClick r:id="rId9"/>
+              </a:rPr>
+              <a:t>injected</a:t>
+            </a:r>
+            <a:r>
+              <a:rPr lang="en-US" dirty="0"/>
+              <a:t> into </a:t>
+            </a:r>
+            <a:r>
+              <a:rPr lang="en-US" dirty="0">
+                <a:hlinkClick r:id="rId10"/>
+              </a:rPr>
+              <a:t>components</a:t>
+            </a:r>
+            <a:r>
+              <a:rPr lang="en-US" dirty="0"/>
+              <a:t>.</a:t>
             </a:r>
           </a:p>
         </p:txBody>
@@ -28447,7 +28865,7 @@
     </p:spTree>
     <p:extLst>
       <p:ext uri="{BB962C8B-B14F-4D97-AF65-F5344CB8AC3E}">
-        <p14:creationId xmlns:p14="http://schemas.microsoft.com/office/powerpoint/2010/main" val="3640983610"/>
+        <p14:creationId xmlns:p14="http://schemas.microsoft.com/office/powerpoint/2010/main" val="505401962"/>
       </p:ext>
     </p:extLst>
   </p:cSld>
@@ -28479,7 +28897,7 @@
           <p:cNvPr id="2" name="Title 1">
             <a:extLst>
               <a:ext uri="{FF2B5EF4-FFF2-40B4-BE49-F238E27FC236}">
-                <a16:creationId xmlns:a16="http://schemas.microsoft.com/office/drawing/2014/main" id="{22A2A588-9EDC-459E-9F15-343ACBB411B2}"/>
+                <a16:creationId xmlns:a16="http://schemas.microsoft.com/office/drawing/2014/main" id="{5867CEB0-F905-4A47-9A08-5D8F0C8FC58A}"/>
               </a:ext>
             </a:extLst>
           </p:cNvPr>
@@ -28487,28 +28905,32 @@
             <a:spLocks noGrp="1"/>
           </p:cNvSpPr>
           <p:nvPr>
-            <p:ph type="title"/>
+            <p:ph type="ctrTitle"/>
           </p:nvPr>
         </p:nvSpPr>
         <p:spPr/>
         <p:txBody>
-          <a:bodyPr/>
-          <a:lstStyle/>
-          <a:p>
-            <a:r>
-              <a:rPr lang="en-US"/>
-              <a:t>Contact Information</a:t>
-            </a:r>
-            <a:endParaRPr lang="en-US" dirty="0"/>
-          </a:p>
-        </p:txBody>
-      </p:sp>
-      <p:sp>
-        <p:nvSpPr>
-          <p:cNvPr id="3" name="Content Placeholder 2">
+          <a:bodyPr>
+            <a:normAutofit/>
+          </a:bodyPr>
+          <a:lstStyle/>
+          <a:p>
+            <a:r>
+              <a:rPr lang="en-US" dirty="0">
+                <a:latin typeface="Source Code Pro Light" panose="020B0409030403020204" pitchFamily="49" charset="0"/>
+                <a:ea typeface="Source Code Pro Light" panose="020B0409030403020204" pitchFamily="49" charset="0"/>
+              </a:rPr>
+              <a:t>Better Business Logic with Typescript</a:t>
+            </a:r>
+          </a:p>
+        </p:txBody>
+      </p:sp>
+      <p:sp>
+        <p:nvSpPr>
+          <p:cNvPr id="3" name="Subtitle 2">
             <a:extLst>
               <a:ext uri="{FF2B5EF4-FFF2-40B4-BE49-F238E27FC236}">
-                <a16:creationId xmlns:a16="http://schemas.microsoft.com/office/drawing/2014/main" id="{069F119E-B9EC-4B81-815E-AF84F5C550A3}"/>
+                <a16:creationId xmlns:a16="http://schemas.microsoft.com/office/drawing/2014/main" id="{190EACDF-1C70-463C-AE21-BA6CD0E6438C}"/>
               </a:ext>
             </a:extLst>
           </p:cNvPr>
@@ -28516,7 +28938,7 @@
             <a:spLocks noGrp="1"/>
           </p:cNvSpPr>
           <p:nvPr>
-            <p:ph idx="1"/>
+            <p:ph type="subTitle" idx="1"/>
           </p:nvPr>
         </p:nvSpPr>
         <p:spPr/>
@@ -28527,81 +28949,19 @@
           <a:lstStyle/>
           <a:p>
             <a:r>
-              <a:rPr lang="en-US"/>
-              <a:t>Matt Vaughn</a:t>
-            </a:r>
-          </a:p>
-          <a:p>
-            <a:pPr lvl="1"/>
-            <a:r>
-              <a:rPr lang="en-US"/>
-              <a:t>E: </a:t>
-            </a:r>
-            <a:r>
-              <a:rPr lang="en-US">
-                <a:hlinkClick r:id="rId2"/>
+              <a:rPr lang="en-US" b="1" dirty="0">
+                <a:latin typeface="Source Code Pro Light" panose="020B0409030403020204" pitchFamily="49" charset="0"/>
+                <a:ea typeface="Source Code Pro Light" panose="020B0409030403020204" pitchFamily="49" charset="0"/>
               </a:rPr>
-              <a:t>matt.vaughn@buildmotion.com</a:t>
-            </a:r>
-            <a:endParaRPr lang="en-US"/>
-          </a:p>
-          <a:p>
-            <a:pPr lvl="1"/>
-            <a:r>
-              <a:rPr lang="en-US"/>
-              <a:t>W: </a:t>
-            </a:r>
-            <a:r>
-              <a:rPr lang="en-US">
-                <a:hlinkClick r:id="rId3"/>
-              </a:rPr>
-              <a:t>www.buildmotion.com</a:t>
-            </a:r>
-            <a:endParaRPr lang="en-US"/>
-          </a:p>
-          <a:p>
-            <a:pPr lvl="1"/>
-            <a:r>
-              <a:rPr lang="en-US"/>
-              <a:t>GitHub: </a:t>
-            </a:r>
-            <a:r>
-              <a:rPr lang="en-US">
-                <a:hlinkClick r:id="rId4"/>
-              </a:rPr>
-              <a:t>https://github.com/buildmotion</a:t>
-            </a:r>
-            <a:r>
-              <a:rPr lang="en-US"/>
-              <a:t> </a:t>
-            </a:r>
-          </a:p>
-          <a:p>
-            <a:r>
-              <a:rPr lang="en-US"/>
-              <a:t>Code Samples and Presentation</a:t>
-            </a:r>
-          </a:p>
-          <a:p>
-            <a:pPr lvl="1"/>
-            <a:r>
-              <a:rPr lang="en-US"/>
-              <a:t>GitHub: </a:t>
-            </a:r>
-            <a:r>
-              <a:rPr lang="en-US">
-                <a:hlinkClick r:id="rId5"/>
-              </a:rPr>
-              <a:t>https://github.com/buildmotion/better-business-logic-with-typescript</a:t>
-            </a:r>
-            <a:endParaRPr lang="en-US" dirty="0"/>
+              <a:t>Implementing and Using Design Patterns with Angular</a:t>
+            </a:r>
           </a:p>
         </p:txBody>
       </p:sp>
     </p:spTree>
     <p:extLst>
       <p:ext uri="{BB962C8B-B14F-4D97-AF65-F5344CB8AC3E}">
-        <p14:creationId xmlns:p14="http://schemas.microsoft.com/office/powerpoint/2010/main" val="411051127"/>
+        <p14:creationId xmlns:p14="http://schemas.microsoft.com/office/powerpoint/2010/main" val="1543812151"/>
       </p:ext>
     </p:extLst>
   </p:cSld>
@@ -28633,7 +28993,7 @@
           <p:cNvPr id="2" name="Title 1">
             <a:extLst>
               <a:ext uri="{FF2B5EF4-FFF2-40B4-BE49-F238E27FC236}">
-                <a16:creationId xmlns:a16="http://schemas.microsoft.com/office/drawing/2014/main" id="{CE638E4E-54DB-4630-A30A-81AF4520E5D3}"/>
+                <a16:creationId xmlns:a16="http://schemas.microsoft.com/office/drawing/2014/main" id="{A1758B1B-621D-40A5-9B33-D3B725F77E89}"/>
               </a:ext>
             </a:extLst>
           </p:cNvPr>
@@ -28651,7 +29011,7 @@
           <a:p>
             <a:r>
               <a:rPr lang="en-US" dirty="0"/>
-              <a:t>How can we implement business logic?</a:t>
+              <a:t>Guidelines…</a:t>
             </a:r>
           </a:p>
         </p:txBody>
@@ -28661,7 +29021,7 @@
           <p:cNvPr id="3" name="Content Placeholder 2">
             <a:extLst>
               <a:ext uri="{FF2B5EF4-FFF2-40B4-BE49-F238E27FC236}">
-                <a16:creationId xmlns:a16="http://schemas.microsoft.com/office/drawing/2014/main" id="{66928051-1A7D-475C-9E98-25EE74D6BA30}"/>
+                <a16:creationId xmlns:a16="http://schemas.microsoft.com/office/drawing/2014/main" id="{D86370B2-B5B6-40A8-8D85-00B0D638C5FB}"/>
               </a:ext>
             </a:extLst>
           </p:cNvPr>
@@ -28672,55 +29032,115 @@
             <p:ph idx="1"/>
           </p:nvPr>
         </p:nvSpPr>
-        <p:spPr/>
+        <p:spPr>
+          <a:xfrm>
+            <a:off x="818711" y="2222287"/>
+            <a:ext cx="11272883" cy="4044042"/>
+          </a:xfrm>
+        </p:spPr>
         <p:txBody>
           <a:bodyPr/>
           <a:lstStyle/>
           <a:p>
             <a:r>
               <a:rPr lang="en-US" dirty="0"/>
-              <a:t>Goals:</a:t>
+              <a:t>Do not create what already exists.</a:t>
+            </a:r>
+          </a:p>
+          <a:p>
+            <a:r>
+              <a:rPr lang="en-US" dirty="0"/>
+              <a:t>Use the elements in the Angular Framework</a:t>
             </a:r>
           </a:p>
           <a:p>
             <a:pPr lvl="1"/>
             <a:r>
               <a:rPr lang="en-US" dirty="0"/>
-              <a:t>Consistent</a:t>
+              <a:t>Modules</a:t>
             </a:r>
           </a:p>
           <a:p>
             <a:pPr lvl="1"/>
             <a:r>
               <a:rPr lang="en-US" dirty="0"/>
-              <a:t>Maintainable</a:t>
+              <a:t>Services</a:t>
             </a:r>
           </a:p>
           <a:p>
             <a:pPr lvl="1"/>
             <a:r>
               <a:rPr lang="en-US" dirty="0"/>
-              <a:t>Testable</a:t>
+              <a:t>Components</a:t>
             </a:r>
           </a:p>
           <a:p>
             <a:pPr lvl="1"/>
             <a:r>
               <a:rPr lang="en-US" dirty="0"/>
-              <a:t>Extensible</a:t>
+              <a:t>Dependency Injection</a:t>
+            </a:r>
+          </a:p>
+          <a:p>
+            <a:pPr lvl="2"/>
+            <a:r>
+              <a:rPr lang="en-US" dirty="0"/>
+              <a:t>Code Smell: </a:t>
+            </a:r>
+            <a:r>
+              <a:rPr lang="en-US" dirty="0" err="1">
+                <a:latin typeface="Source Code Pro Light" panose="020B0409030403020204" pitchFamily="49" charset="0"/>
+                <a:ea typeface="Source Code Pro Light" panose="020B0409030403020204" pitchFamily="49" charset="0"/>
+              </a:rPr>
+              <a:t>var</a:t>
+            </a:r>
+            <a:r>
+              <a:rPr lang="en-US" dirty="0">
+                <a:latin typeface="Source Code Pro Light" panose="020B0409030403020204" pitchFamily="49" charset="0"/>
+                <a:ea typeface="Source Code Pro Light" panose="020B0409030403020204" pitchFamily="49" charset="0"/>
+              </a:rPr>
+              <a:t> </a:t>
+            </a:r>
+            <a:r>
+              <a:rPr lang="en-US" dirty="0" err="1">
+                <a:latin typeface="Source Code Pro Light" panose="020B0409030403020204" pitchFamily="49" charset="0"/>
+                <a:ea typeface="Source Code Pro Light" panose="020B0409030403020204" pitchFamily="49" charset="0"/>
+              </a:rPr>
+              <a:t>thingService</a:t>
+            </a:r>
+            <a:r>
+              <a:rPr lang="en-US" dirty="0">
+                <a:latin typeface="Source Code Pro Light" panose="020B0409030403020204" pitchFamily="49" charset="0"/>
+                <a:ea typeface="Source Code Pro Light" panose="020B0409030403020204" pitchFamily="49" charset="0"/>
+              </a:rPr>
+              <a:t> = new </a:t>
+            </a:r>
+            <a:r>
+              <a:rPr lang="en-US" dirty="0" err="1">
+                <a:latin typeface="Source Code Pro Light" panose="020B0409030403020204" pitchFamily="49" charset="0"/>
+                <a:ea typeface="Source Code Pro Light" panose="020B0409030403020204" pitchFamily="49" charset="0"/>
+              </a:rPr>
+              <a:t>ThingService</a:t>
+            </a:r>
+            <a:r>
+              <a:rPr lang="en-US" dirty="0">
+                <a:latin typeface="Source Code Pro Light" panose="020B0409030403020204" pitchFamily="49" charset="0"/>
+                <a:ea typeface="Source Code Pro Light" panose="020B0409030403020204" pitchFamily="49" charset="0"/>
+              </a:rPr>
+              <a:t>(..);</a:t>
+            </a:r>
+          </a:p>
+          <a:p>
+            <a:r>
+              <a:rPr lang="en-US" dirty="0"/>
+              <a:t>Use the “force” – Use the “angular”.</a:t>
             </a:r>
           </a:p>
           <a:p>
             <a:pPr lvl="1"/>
             <a:r>
               <a:rPr lang="en-US" dirty="0"/>
-              <a:t>High Quality</a:t>
-            </a:r>
-          </a:p>
-          <a:p>
-            <a:r>
-              <a:rPr lang="en-US" dirty="0"/>
-              <a:t>How can we achieve this? </a:t>
+              <a:t>If there is a way to do it in Angular, learn and use that mechanism.</a:t>
             </a:r>
           </a:p>
         </p:txBody>
@@ -28728,7 +29148,7 @@
     </p:spTree>
     <p:extLst>
       <p:ext uri="{BB962C8B-B14F-4D97-AF65-F5344CB8AC3E}">
-        <p14:creationId xmlns:p14="http://schemas.microsoft.com/office/powerpoint/2010/main" val="90553821"/>
+        <p14:creationId xmlns:p14="http://schemas.microsoft.com/office/powerpoint/2010/main" val="818836091"/>
       </p:ext>
     </p:extLst>
   </p:cSld>
@@ -28760,7 +29180,7 @@
           <p:cNvPr id="2" name="Title 1">
             <a:extLst>
               <a:ext uri="{FF2B5EF4-FFF2-40B4-BE49-F238E27FC236}">
-                <a16:creationId xmlns:a16="http://schemas.microsoft.com/office/drawing/2014/main" id="{3D57BA2C-1B3C-4C28-BBF4-26D91C9A8F3C}"/>
+                <a16:creationId xmlns:a16="http://schemas.microsoft.com/office/drawing/2014/main" id="{5F6062CA-9E59-40F9-8F6F-E764DE2DFAC8}"/>
               </a:ext>
             </a:extLst>
           </p:cNvPr>
@@ -28778,17 +29198,17 @@
           <a:p>
             <a:r>
               <a:rPr lang="en-US" dirty="0"/>
-              <a:t>Elevate Your Business Logic</a:t>
-            </a:r>
-          </a:p>
-        </p:txBody>
-      </p:sp>
-      <p:sp>
-        <p:nvSpPr>
-          <p:cNvPr id="3" name="Content Placeholder 2">
+              <a:t>Façade Pattern</a:t>
+            </a:r>
+          </a:p>
+        </p:txBody>
+      </p:sp>
+      <p:sp>
+        <p:nvSpPr>
+          <p:cNvPr id="3" name="Text Placeholder 2">
             <a:extLst>
               <a:ext uri="{FF2B5EF4-FFF2-40B4-BE49-F238E27FC236}">
-                <a16:creationId xmlns:a16="http://schemas.microsoft.com/office/drawing/2014/main" id="{D9F7E00B-AD2A-4935-9D93-5AEB32283487}"/>
+                <a16:creationId xmlns:a16="http://schemas.microsoft.com/office/drawing/2014/main" id="{BA95C725-2E93-484F-BDBB-BDB7C8E73FC1}"/>
               </a:ext>
             </a:extLst>
           </p:cNvPr>
@@ -28796,140 +29216,14 @@
             <a:spLocks noGrp="1"/>
           </p:cNvSpPr>
           <p:nvPr>
-            <p:ph idx="1"/>
+            <p:ph type="body" idx="1"/>
           </p:nvPr>
         </p:nvSpPr>
         <p:spPr/>
         <p:txBody>
-          <a:bodyPr>
-            <a:normAutofit lnSpcReduction="10000"/>
-          </a:bodyPr>
-          <a:lstStyle/>
-          <a:p>
-            <a:r>
-              <a:rPr lang="en-US" dirty="0"/>
-              <a:t>Stop the Method Madness</a:t>
-            </a:r>
-          </a:p>
-          <a:p>
-            <a:pPr lvl="1"/>
-            <a:r>
-              <a:rPr lang="en-US" dirty="0"/>
-              <a:t>Use classes to implement your business logic.</a:t>
-            </a:r>
-          </a:p>
-          <a:p>
-            <a:pPr lvl="1"/>
-            <a:r>
-              <a:rPr lang="en-US" dirty="0"/>
-              <a:t>A single class with a single responsibility, a single unit of work.</a:t>
-            </a:r>
-          </a:p>
-          <a:p>
-            <a:pPr lvl="1"/>
-            <a:r>
-              <a:rPr lang="en-US" dirty="0"/>
-              <a:t>This is not the typical Manager class with a bunch of methods chained together.</a:t>
-            </a:r>
-          </a:p>
-          <a:p>
-            <a:r>
-              <a:rPr lang="en-US" dirty="0"/>
-              <a:t>Class Advantage</a:t>
-            </a:r>
-          </a:p>
-          <a:p>
-            <a:pPr lvl="1"/>
-            <a:r>
-              <a:rPr lang="en-US" dirty="0"/>
-              <a:t>Can use one or more </a:t>
-            </a:r>
-            <a:r>
-              <a:rPr lang="en-US" dirty="0">
-                <a:latin typeface="Source Code Pro Light" panose="020B0409030403020204" pitchFamily="49" charset="0"/>
-                <a:ea typeface="Source Code Pro Light" panose="020B0409030403020204" pitchFamily="49" charset="0"/>
-              </a:rPr>
-              <a:t>Constructors</a:t>
-            </a:r>
-            <a:r>
-              <a:rPr lang="en-US" dirty="0"/>
-              <a:t>.</a:t>
-            </a:r>
-          </a:p>
-          <a:p>
-            <a:pPr lvl="1"/>
-            <a:r>
-              <a:rPr lang="en-US" dirty="0"/>
-              <a:t>Can have base classes - </a:t>
-            </a:r>
-            <a:r>
-              <a:rPr lang="en-US" dirty="0">
-                <a:latin typeface="Source Code Pro Light" panose="020B0409030403020204" pitchFamily="49" charset="0"/>
-                <a:ea typeface="Source Code Pro Light" panose="020B0409030403020204" pitchFamily="49" charset="0"/>
-              </a:rPr>
-              <a:t>Inheritance</a:t>
-            </a:r>
-            <a:r>
-              <a:rPr lang="en-US" dirty="0"/>
-              <a:t>.</a:t>
-            </a:r>
-          </a:p>
-          <a:p>
-            <a:pPr lvl="1"/>
-            <a:r>
-              <a:rPr lang="en-US" dirty="0"/>
-              <a:t>Can implement an </a:t>
-            </a:r>
-            <a:r>
-              <a:rPr lang="en-US" dirty="0">
-                <a:latin typeface="Source Code Pro Light" panose="020B0409030403020204" pitchFamily="49" charset="0"/>
-                <a:ea typeface="Source Code Pro Light" panose="020B0409030403020204" pitchFamily="49" charset="0"/>
-              </a:rPr>
-              <a:t>Interface</a:t>
-            </a:r>
-            <a:r>
-              <a:rPr lang="en-US" dirty="0"/>
-              <a:t>.</a:t>
-            </a:r>
-          </a:p>
-          <a:p>
-            <a:pPr lvl="1"/>
-            <a:r>
-              <a:rPr lang="en-US" dirty="0"/>
-              <a:t>Can expose typed </a:t>
-            </a:r>
-            <a:r>
-              <a:rPr lang="en-US" dirty="0">
-                <a:latin typeface="Source Code Pro Light" panose="020B0409030403020204" pitchFamily="49" charset="0"/>
-                <a:ea typeface="Source Code Pro Light" panose="020B0409030403020204" pitchFamily="49" charset="0"/>
-              </a:rPr>
-              <a:t>Properties</a:t>
-            </a:r>
-            <a:r>
-              <a:rPr lang="en-US" dirty="0"/>
-              <a:t>.</a:t>
-            </a:r>
-          </a:p>
-          <a:p>
-            <a:pPr lvl="1"/>
-            <a:r>
-              <a:rPr lang="en-US" dirty="0"/>
-              <a:t>Can encapsulate members using </a:t>
-            </a:r>
-            <a:r>
-              <a:rPr lang="en-US" dirty="0">
-                <a:latin typeface="Source Code Pro Light" panose="020B0409030403020204" pitchFamily="49" charset="0"/>
-                <a:ea typeface="Source Code Pro Light" panose="020B0409030403020204" pitchFamily="49" charset="0"/>
-              </a:rPr>
-              <a:t>private</a:t>
-            </a:r>
-            <a:r>
-              <a:rPr lang="en-US" dirty="0"/>
-              <a:t>.</a:t>
-            </a:r>
-          </a:p>
-          <a:p>
-            <a:pPr lvl="1"/>
+          <a:bodyPr/>
+          <a:lstStyle/>
+          <a:p>
             <a:endParaRPr lang="en-US" dirty="0"/>
           </a:p>
         </p:txBody>
@@ -28937,7 +29231,7 @@
     </p:spTree>
     <p:extLst>
       <p:ext uri="{BB962C8B-B14F-4D97-AF65-F5344CB8AC3E}">
-        <p14:creationId xmlns:p14="http://schemas.microsoft.com/office/powerpoint/2010/main" val="2589925573"/>
+        <p14:creationId xmlns:p14="http://schemas.microsoft.com/office/powerpoint/2010/main" val="2636180514"/>
       </p:ext>
     </p:extLst>
   </p:cSld>
@@ -28969,7 +29263,7 @@
           <p:cNvPr id="2" name="Title 1">
             <a:extLst>
               <a:ext uri="{FF2B5EF4-FFF2-40B4-BE49-F238E27FC236}">
-                <a16:creationId xmlns:a16="http://schemas.microsoft.com/office/drawing/2014/main" id="{3870FFA2-0D63-42F1-818E-025A62D80C80}"/>
+                <a16:creationId xmlns:a16="http://schemas.microsoft.com/office/drawing/2014/main" id="{D5B3B675-DFDC-4B31-AD37-48232641A740}"/>
               </a:ext>
             </a:extLst>
           </p:cNvPr>
@@ -28987,7 +29281,7 @@
           <a:p>
             <a:r>
               <a:rPr lang="en-US" dirty="0"/>
-              <a:t>Template Method Pattern</a:t>
+              <a:t>Façade Pattern Details</a:t>
             </a:r>
           </a:p>
         </p:txBody>
@@ -28997,7 +29291,7 @@
           <p:cNvPr id="3" name="Content Placeholder 2">
             <a:extLst>
               <a:ext uri="{FF2B5EF4-FFF2-40B4-BE49-F238E27FC236}">
-                <a16:creationId xmlns:a16="http://schemas.microsoft.com/office/drawing/2014/main" id="{123C8FF3-B8F9-4BD6-A517-8DEA0AC6853F}"/>
+                <a16:creationId xmlns:a16="http://schemas.microsoft.com/office/drawing/2014/main" id="{BA948533-938B-4FD7-9D96-6458BADD4F6C}"/>
               </a:ext>
             </a:extLst>
           </p:cNvPr>
@@ -29015,115 +29309,61 @@
           <a:p>
             <a:r>
               <a:rPr lang="en-US" dirty="0"/>
-              <a:t>Where have you seen this one?</a:t>
+              <a:t>Definition: A single class that represents an entire subsystem.</a:t>
             </a:r>
           </a:p>
           <a:p>
             <a:pPr lvl="1"/>
             <a:r>
               <a:rPr lang="en-US" dirty="0"/>
-              <a:t>ASP.NET Forms circa 2001: </a:t>
-            </a:r>
-            <a:r>
-              <a:rPr lang="en-US" dirty="0" err="1"/>
-              <a:t>PreInit</a:t>
-            </a:r>
+              <a:t>Useful in API design</a:t>
+            </a:r>
+          </a:p>
+          <a:p>
+            <a:pPr lvl="1"/>
             <a:r>
               <a:rPr lang="en-US" dirty="0"/>
-              <a:t>, </a:t>
-            </a:r>
-            <a:r>
-              <a:rPr lang="en-US" dirty="0" err="1"/>
-              <a:t>Init</a:t>
-            </a:r>
+              <a:t>Useful in Service Oriented Architectures (SOA)</a:t>
+            </a:r>
+          </a:p>
+          <a:p>
+            <a:pPr lvl="1"/>
             <a:r>
               <a:rPr lang="en-US" dirty="0"/>
-              <a:t>, </a:t>
-            </a:r>
-            <a:r>
-              <a:rPr lang="en-US" dirty="0" err="1"/>
-              <a:t>InitComplete</a:t>
-            </a:r>
+              <a:t>Typically implements an </a:t>
+            </a:r>
+            <a:r>
+              <a:rPr lang="en-US" i="1" dirty="0"/>
+              <a:t>Interface.</a:t>
+            </a:r>
+          </a:p>
+          <a:p>
+            <a:pPr lvl="1"/>
             <a:r>
               <a:rPr lang="en-US" dirty="0"/>
-              <a:t>, </a:t>
-            </a:r>
-            <a:r>
-              <a:rPr lang="en-US" dirty="0" err="1"/>
-              <a:t>PreLoad</a:t>
-            </a:r>
+              <a:t>Typically does not provide an implementation – but, delegates to a lower-level business layer.</a:t>
+            </a:r>
+          </a:p>
+          <a:p>
             <a:r>
               <a:rPr lang="en-US" dirty="0"/>
-              <a:t>, Load, </a:t>
-            </a:r>
-            <a:r>
-              <a:rPr lang="en-US" dirty="0" err="1"/>
-              <a:t>LoadComplete</a:t>
+              <a:t>An Angular Service can be a </a:t>
+            </a:r>
+            <a:r>
+              <a:rPr lang="en-US" i="1" dirty="0"/>
+              <a:t>Façade</a:t>
             </a:r>
             <a:r>
               <a:rPr lang="en-US" dirty="0"/>
-              <a:t>, </a:t>
-            </a:r>
-            <a:r>
-              <a:rPr lang="en-US" dirty="0" err="1"/>
-              <a:t>PreRender</a:t>
-            </a:r>
-            <a:r>
-              <a:rPr lang="en-US" dirty="0"/>
-              <a:t>, etc.</a:t>
-            </a:r>
-          </a:p>
-          <a:p>
-            <a:pPr lvl="1"/>
-            <a:r>
-              <a:rPr lang="en-US" dirty="0"/>
-              <a:t>Angular 2: </a:t>
-            </a:r>
-            <a:r>
-              <a:rPr lang="en-US" dirty="0" err="1"/>
-              <a:t>ngOnChanges</a:t>
-            </a:r>
-            <a:r>
-              <a:rPr lang="en-US" dirty="0"/>
-              <a:t>, </a:t>
-            </a:r>
-            <a:r>
-              <a:rPr lang="en-US" dirty="0" err="1"/>
-              <a:t>ngOnit</a:t>
-            </a:r>
-            <a:r>
-              <a:rPr lang="en-US" dirty="0"/>
-              <a:t>, </a:t>
-            </a:r>
-            <a:r>
-              <a:rPr lang="en-US" dirty="0" err="1"/>
-              <a:t>ngDoCheck</a:t>
-            </a:r>
-            <a:r>
-              <a:rPr lang="en-US" dirty="0"/>
-              <a:t>, </a:t>
-            </a:r>
-            <a:r>
-              <a:rPr lang="en-US" dirty="0" err="1"/>
-              <a:t>ngOnDestroy</a:t>
-            </a:r>
-            <a:endParaRPr lang="en-US" dirty="0"/>
-          </a:p>
-          <a:p>
-            <a:r>
-              <a:rPr lang="en-US" dirty="0"/>
-              <a:t>If it is good enough for managing components and web forms with millions of different implementations – but, all using the same algorithm.</a:t>
-            </a:r>
-          </a:p>
-          <a:p>
-            <a:endParaRPr lang="en-US" dirty="0"/>
+              <a:t>.</a:t>
+            </a:r>
           </a:p>
         </p:txBody>
       </p:sp>
     </p:spTree>
     <p:extLst>
       <p:ext uri="{BB962C8B-B14F-4D97-AF65-F5344CB8AC3E}">
-        <p14:creationId xmlns:p14="http://schemas.microsoft.com/office/powerpoint/2010/main" val="448475438"/>
+        <p14:creationId xmlns:p14="http://schemas.microsoft.com/office/powerpoint/2010/main" val="1957383248"/>
       </p:ext>
     </p:extLst>
   </p:cSld>
@@ -29155,6 +29395,638 @@
           <p:cNvPr id="2" name="Title 1">
             <a:extLst>
               <a:ext uri="{FF2B5EF4-FFF2-40B4-BE49-F238E27FC236}">
+                <a16:creationId xmlns:a16="http://schemas.microsoft.com/office/drawing/2014/main" id="{50404187-2787-44DD-962D-631946531F8B}"/>
+              </a:ext>
+            </a:extLst>
+          </p:cNvPr>
+          <p:cNvSpPr>
+            <a:spLocks noGrp="1"/>
+          </p:cNvSpPr>
+          <p:nvPr>
+            <p:ph type="title"/>
+          </p:nvPr>
+        </p:nvSpPr>
+        <p:spPr/>
+        <p:txBody>
+          <a:bodyPr/>
+          <a:lstStyle/>
+          <a:p>
+            <a:r>
+              <a:rPr lang="en-US" dirty="0"/>
+              <a:t>Business Logic Concerns</a:t>
+            </a:r>
+          </a:p>
+        </p:txBody>
+      </p:sp>
+      <p:sp>
+        <p:nvSpPr>
+          <p:cNvPr id="3" name="Content Placeholder 2">
+            <a:extLst>
+              <a:ext uri="{FF2B5EF4-FFF2-40B4-BE49-F238E27FC236}">
+                <a16:creationId xmlns:a16="http://schemas.microsoft.com/office/drawing/2014/main" id="{44BE3E2E-76CE-4CE6-8F68-636DFEB688C9}"/>
+              </a:ext>
+            </a:extLst>
+          </p:cNvPr>
+          <p:cNvSpPr>
+            <a:spLocks noGrp="1"/>
+          </p:cNvSpPr>
+          <p:nvPr>
+            <p:ph idx="1"/>
+          </p:nvPr>
+        </p:nvSpPr>
+        <p:spPr/>
+        <p:txBody>
+          <a:bodyPr/>
+          <a:lstStyle/>
+          <a:p>
+            <a:r>
+              <a:rPr lang="en-US" dirty="0"/>
+              <a:t>Authorization</a:t>
+            </a:r>
+          </a:p>
+          <a:p>
+            <a:r>
+              <a:rPr lang="en-US" dirty="0"/>
+              <a:t>Business Logic</a:t>
+            </a:r>
+          </a:p>
+          <a:p>
+            <a:r>
+              <a:rPr lang="en-US" dirty="0"/>
+              <a:t>Data Input Validation</a:t>
+            </a:r>
+          </a:p>
+          <a:p>
+            <a:r>
+              <a:rPr lang="en-US" dirty="0"/>
+              <a:t>Business Rule Implementation</a:t>
+            </a:r>
+          </a:p>
+          <a:p>
+            <a:r>
+              <a:rPr lang="en-US" dirty="0"/>
+              <a:t>Using Repositories to retrieve and persist data</a:t>
+            </a:r>
+          </a:p>
+        </p:txBody>
+      </p:sp>
+    </p:spTree>
+    <p:extLst>
+      <p:ext uri="{BB962C8B-B14F-4D97-AF65-F5344CB8AC3E}">
+        <p14:creationId xmlns:p14="http://schemas.microsoft.com/office/powerpoint/2010/main" val="3640983610"/>
+      </p:ext>
+    </p:extLst>
+  </p:cSld>
+  <p:clrMapOvr>
+    <a:masterClrMapping/>
+  </p:clrMapOvr>
+</p:sld>
+</file>
+
+<file path=ppt/slides/slide24.xml><?xml version="1.0" encoding="utf-8"?>
+<p:sld xmlns:a="http://schemas.openxmlformats.org/drawingml/2006/main" xmlns:r="http://schemas.openxmlformats.org/officeDocument/2006/relationships" xmlns:p="http://schemas.openxmlformats.org/presentationml/2006/main">
+  <p:cSld>
+    <p:spTree>
+      <p:nvGrpSpPr>
+        <p:cNvPr id="1" name=""/>
+        <p:cNvGrpSpPr/>
+        <p:nvPr/>
+      </p:nvGrpSpPr>
+      <p:grpSpPr>
+        <a:xfrm>
+          <a:off x="0" y="0"/>
+          <a:ext cx="0" cy="0"/>
+          <a:chOff x="0" y="0"/>
+          <a:chExt cx="0" cy="0"/>
+        </a:xfrm>
+      </p:grpSpPr>
+      <p:sp>
+        <p:nvSpPr>
+          <p:cNvPr id="2" name="Title 1">
+            <a:extLst>
+              <a:ext uri="{FF2B5EF4-FFF2-40B4-BE49-F238E27FC236}">
+                <a16:creationId xmlns:a16="http://schemas.microsoft.com/office/drawing/2014/main" id="{CE638E4E-54DB-4630-A30A-81AF4520E5D3}"/>
+              </a:ext>
+            </a:extLst>
+          </p:cNvPr>
+          <p:cNvSpPr>
+            <a:spLocks noGrp="1"/>
+          </p:cNvSpPr>
+          <p:nvPr>
+            <p:ph type="title"/>
+          </p:nvPr>
+        </p:nvSpPr>
+        <p:spPr/>
+        <p:txBody>
+          <a:bodyPr/>
+          <a:lstStyle/>
+          <a:p>
+            <a:r>
+              <a:rPr lang="en-US" dirty="0"/>
+              <a:t>Business logic goals?</a:t>
+            </a:r>
+          </a:p>
+        </p:txBody>
+      </p:sp>
+      <p:sp>
+        <p:nvSpPr>
+          <p:cNvPr id="3" name="Content Placeholder 2">
+            <a:extLst>
+              <a:ext uri="{FF2B5EF4-FFF2-40B4-BE49-F238E27FC236}">
+                <a16:creationId xmlns:a16="http://schemas.microsoft.com/office/drawing/2014/main" id="{66928051-1A7D-475C-9E98-25EE74D6BA30}"/>
+              </a:ext>
+            </a:extLst>
+          </p:cNvPr>
+          <p:cNvSpPr>
+            <a:spLocks noGrp="1"/>
+          </p:cNvSpPr>
+          <p:nvPr>
+            <p:ph idx="1"/>
+          </p:nvPr>
+        </p:nvSpPr>
+        <p:spPr/>
+        <p:txBody>
+          <a:bodyPr/>
+          <a:lstStyle/>
+          <a:p>
+            <a:r>
+              <a:rPr lang="en-US" dirty="0"/>
+              <a:t>Goals:</a:t>
+            </a:r>
+          </a:p>
+          <a:p>
+            <a:pPr lvl="1"/>
+            <a:r>
+              <a:rPr lang="en-US" dirty="0"/>
+              <a:t>Consistent</a:t>
+            </a:r>
+          </a:p>
+          <a:p>
+            <a:pPr lvl="1"/>
+            <a:r>
+              <a:rPr lang="en-US" dirty="0"/>
+              <a:t>Maintainable</a:t>
+            </a:r>
+          </a:p>
+          <a:p>
+            <a:pPr lvl="1"/>
+            <a:r>
+              <a:rPr lang="en-US" dirty="0"/>
+              <a:t>Testable</a:t>
+            </a:r>
+          </a:p>
+          <a:p>
+            <a:pPr lvl="1"/>
+            <a:r>
+              <a:rPr lang="en-US" dirty="0"/>
+              <a:t>Extensible</a:t>
+            </a:r>
+          </a:p>
+          <a:p>
+            <a:pPr lvl="1"/>
+            <a:r>
+              <a:rPr lang="en-US" dirty="0"/>
+              <a:t>High Quality</a:t>
+            </a:r>
+          </a:p>
+          <a:p>
+            <a:r>
+              <a:rPr lang="en-US" dirty="0"/>
+              <a:t>How can we achieve this? </a:t>
+            </a:r>
+          </a:p>
+        </p:txBody>
+      </p:sp>
+    </p:spTree>
+    <p:extLst>
+      <p:ext uri="{BB962C8B-B14F-4D97-AF65-F5344CB8AC3E}">
+        <p14:creationId xmlns:p14="http://schemas.microsoft.com/office/powerpoint/2010/main" val="90553821"/>
+      </p:ext>
+    </p:extLst>
+  </p:cSld>
+  <p:clrMapOvr>
+    <a:masterClrMapping/>
+  </p:clrMapOvr>
+</p:sld>
+</file>
+
+<file path=ppt/slides/slide25.xml><?xml version="1.0" encoding="utf-8"?>
+<p:sld xmlns:a="http://schemas.openxmlformats.org/drawingml/2006/main" xmlns:r="http://schemas.openxmlformats.org/officeDocument/2006/relationships" xmlns:p="http://schemas.openxmlformats.org/presentationml/2006/main">
+  <p:cSld>
+    <p:spTree>
+      <p:nvGrpSpPr>
+        <p:cNvPr id="1" name=""/>
+        <p:cNvGrpSpPr/>
+        <p:nvPr/>
+      </p:nvGrpSpPr>
+      <p:grpSpPr>
+        <a:xfrm>
+          <a:off x="0" y="0"/>
+          <a:ext cx="0" cy="0"/>
+          <a:chOff x="0" y="0"/>
+          <a:chExt cx="0" cy="0"/>
+        </a:xfrm>
+      </p:grpSpPr>
+      <p:sp>
+        <p:nvSpPr>
+          <p:cNvPr id="2" name="Title 1">
+            <a:extLst>
+              <a:ext uri="{FF2B5EF4-FFF2-40B4-BE49-F238E27FC236}">
+                <a16:creationId xmlns:a16="http://schemas.microsoft.com/office/drawing/2014/main" id="{3D57BA2C-1B3C-4C28-BBF4-26D91C9A8F3C}"/>
+              </a:ext>
+            </a:extLst>
+          </p:cNvPr>
+          <p:cNvSpPr>
+            <a:spLocks noGrp="1"/>
+          </p:cNvSpPr>
+          <p:nvPr>
+            <p:ph type="title"/>
+          </p:nvPr>
+        </p:nvSpPr>
+        <p:spPr/>
+        <p:txBody>
+          <a:bodyPr/>
+          <a:lstStyle/>
+          <a:p>
+            <a:r>
+              <a:rPr lang="en-US" dirty="0"/>
+              <a:t>Elevate Your Business Logic</a:t>
+            </a:r>
+          </a:p>
+        </p:txBody>
+      </p:sp>
+      <p:sp>
+        <p:nvSpPr>
+          <p:cNvPr id="3" name="Content Placeholder 2">
+            <a:extLst>
+              <a:ext uri="{FF2B5EF4-FFF2-40B4-BE49-F238E27FC236}">
+                <a16:creationId xmlns:a16="http://schemas.microsoft.com/office/drawing/2014/main" id="{D9F7E00B-AD2A-4935-9D93-5AEB32283487}"/>
+              </a:ext>
+            </a:extLst>
+          </p:cNvPr>
+          <p:cNvSpPr>
+            <a:spLocks noGrp="1"/>
+          </p:cNvSpPr>
+          <p:nvPr>
+            <p:ph idx="1"/>
+          </p:nvPr>
+        </p:nvSpPr>
+        <p:spPr/>
+        <p:txBody>
+          <a:bodyPr>
+            <a:normAutofit lnSpcReduction="10000"/>
+          </a:bodyPr>
+          <a:lstStyle/>
+          <a:p>
+            <a:r>
+              <a:rPr lang="en-US" dirty="0"/>
+              <a:t>Stop the Method Madness</a:t>
+            </a:r>
+          </a:p>
+          <a:p>
+            <a:pPr lvl="1"/>
+            <a:r>
+              <a:rPr lang="en-US" dirty="0"/>
+              <a:t>Use classes to implement your business logic.</a:t>
+            </a:r>
+          </a:p>
+          <a:p>
+            <a:pPr lvl="1"/>
+            <a:r>
+              <a:rPr lang="en-US" dirty="0"/>
+              <a:t>A single class with a single responsibility, a single unit of work.</a:t>
+            </a:r>
+          </a:p>
+          <a:p>
+            <a:pPr lvl="1"/>
+            <a:r>
+              <a:rPr lang="en-US" dirty="0"/>
+              <a:t>This is not the typical Manager class with a bunch of methods chained together.</a:t>
+            </a:r>
+          </a:p>
+          <a:p>
+            <a:r>
+              <a:rPr lang="en-US" dirty="0"/>
+              <a:t>Class Advantage</a:t>
+            </a:r>
+          </a:p>
+          <a:p>
+            <a:pPr lvl="1"/>
+            <a:r>
+              <a:rPr lang="en-US" dirty="0"/>
+              <a:t>Can use one or more </a:t>
+            </a:r>
+            <a:r>
+              <a:rPr lang="en-US" dirty="0">
+                <a:latin typeface="Source Code Pro Light" panose="020B0409030403020204" pitchFamily="49" charset="0"/>
+                <a:ea typeface="Source Code Pro Light" panose="020B0409030403020204" pitchFamily="49" charset="0"/>
+              </a:rPr>
+              <a:t>Constructors</a:t>
+            </a:r>
+            <a:r>
+              <a:rPr lang="en-US" dirty="0"/>
+              <a:t>.</a:t>
+            </a:r>
+          </a:p>
+          <a:p>
+            <a:pPr lvl="1"/>
+            <a:r>
+              <a:rPr lang="en-US" dirty="0"/>
+              <a:t>Can have base classes - </a:t>
+            </a:r>
+            <a:r>
+              <a:rPr lang="en-US" dirty="0">
+                <a:latin typeface="Source Code Pro Light" panose="020B0409030403020204" pitchFamily="49" charset="0"/>
+                <a:ea typeface="Source Code Pro Light" panose="020B0409030403020204" pitchFamily="49" charset="0"/>
+              </a:rPr>
+              <a:t>Inheritance</a:t>
+            </a:r>
+            <a:r>
+              <a:rPr lang="en-US" dirty="0"/>
+              <a:t>.</a:t>
+            </a:r>
+          </a:p>
+          <a:p>
+            <a:pPr lvl="1"/>
+            <a:r>
+              <a:rPr lang="en-US" dirty="0"/>
+              <a:t>Can implement an </a:t>
+            </a:r>
+            <a:r>
+              <a:rPr lang="en-US" dirty="0">
+                <a:latin typeface="Source Code Pro Light" panose="020B0409030403020204" pitchFamily="49" charset="0"/>
+                <a:ea typeface="Source Code Pro Light" panose="020B0409030403020204" pitchFamily="49" charset="0"/>
+              </a:rPr>
+              <a:t>Interface</a:t>
+            </a:r>
+            <a:r>
+              <a:rPr lang="en-US" dirty="0"/>
+              <a:t>.</a:t>
+            </a:r>
+          </a:p>
+          <a:p>
+            <a:pPr lvl="1"/>
+            <a:r>
+              <a:rPr lang="en-US" dirty="0"/>
+              <a:t>Can expose typed </a:t>
+            </a:r>
+            <a:r>
+              <a:rPr lang="en-US" dirty="0">
+                <a:latin typeface="Source Code Pro Light" panose="020B0409030403020204" pitchFamily="49" charset="0"/>
+                <a:ea typeface="Source Code Pro Light" panose="020B0409030403020204" pitchFamily="49" charset="0"/>
+              </a:rPr>
+              <a:t>Properties</a:t>
+            </a:r>
+            <a:r>
+              <a:rPr lang="en-US" dirty="0"/>
+              <a:t>.</a:t>
+            </a:r>
+          </a:p>
+          <a:p>
+            <a:pPr lvl="1"/>
+            <a:r>
+              <a:rPr lang="en-US" dirty="0"/>
+              <a:t>Can encapsulate members using </a:t>
+            </a:r>
+            <a:r>
+              <a:rPr lang="en-US" dirty="0">
+                <a:latin typeface="Source Code Pro Light" panose="020B0409030403020204" pitchFamily="49" charset="0"/>
+                <a:ea typeface="Source Code Pro Light" panose="020B0409030403020204" pitchFamily="49" charset="0"/>
+              </a:rPr>
+              <a:t>private</a:t>
+            </a:r>
+            <a:r>
+              <a:rPr lang="en-US" dirty="0"/>
+              <a:t>.</a:t>
+            </a:r>
+          </a:p>
+          <a:p>
+            <a:pPr lvl="1"/>
+            <a:endParaRPr lang="en-US" dirty="0"/>
+          </a:p>
+        </p:txBody>
+      </p:sp>
+    </p:spTree>
+    <p:extLst>
+      <p:ext uri="{BB962C8B-B14F-4D97-AF65-F5344CB8AC3E}">
+        <p14:creationId xmlns:p14="http://schemas.microsoft.com/office/powerpoint/2010/main" val="2589925573"/>
+      </p:ext>
+    </p:extLst>
+  </p:cSld>
+  <p:clrMapOvr>
+    <a:masterClrMapping/>
+  </p:clrMapOvr>
+</p:sld>
+</file>
+
+<file path=ppt/slides/slide26.xml><?xml version="1.0" encoding="utf-8"?>
+<p:sld xmlns:a="http://schemas.openxmlformats.org/drawingml/2006/main" xmlns:r="http://schemas.openxmlformats.org/officeDocument/2006/relationships" xmlns:p="http://schemas.openxmlformats.org/presentationml/2006/main">
+  <p:cSld>
+    <p:spTree>
+      <p:nvGrpSpPr>
+        <p:cNvPr id="1" name=""/>
+        <p:cNvGrpSpPr/>
+        <p:nvPr/>
+      </p:nvGrpSpPr>
+      <p:grpSpPr>
+        <a:xfrm>
+          <a:off x="0" y="0"/>
+          <a:ext cx="0" cy="0"/>
+          <a:chOff x="0" y="0"/>
+          <a:chExt cx="0" cy="0"/>
+        </a:xfrm>
+      </p:grpSpPr>
+      <p:sp>
+        <p:nvSpPr>
+          <p:cNvPr id="2" name="Title 1">
+            <a:extLst>
+              <a:ext uri="{FF2B5EF4-FFF2-40B4-BE49-F238E27FC236}">
+                <a16:creationId xmlns:a16="http://schemas.microsoft.com/office/drawing/2014/main" id="{3870FFA2-0D63-42F1-818E-025A62D80C80}"/>
+              </a:ext>
+            </a:extLst>
+          </p:cNvPr>
+          <p:cNvSpPr>
+            <a:spLocks noGrp="1"/>
+          </p:cNvSpPr>
+          <p:nvPr>
+            <p:ph type="title"/>
+          </p:nvPr>
+        </p:nvSpPr>
+        <p:spPr/>
+        <p:txBody>
+          <a:bodyPr/>
+          <a:lstStyle/>
+          <a:p>
+            <a:r>
+              <a:rPr lang="en-US" dirty="0"/>
+              <a:t>Template Method Pattern</a:t>
+            </a:r>
+          </a:p>
+        </p:txBody>
+      </p:sp>
+      <p:sp>
+        <p:nvSpPr>
+          <p:cNvPr id="3" name="Content Placeholder 2">
+            <a:extLst>
+              <a:ext uri="{FF2B5EF4-FFF2-40B4-BE49-F238E27FC236}">
+                <a16:creationId xmlns:a16="http://schemas.microsoft.com/office/drawing/2014/main" id="{123C8FF3-B8F9-4BD6-A517-8DEA0AC6853F}"/>
+              </a:ext>
+            </a:extLst>
+          </p:cNvPr>
+          <p:cNvSpPr>
+            <a:spLocks noGrp="1"/>
+          </p:cNvSpPr>
+          <p:nvPr>
+            <p:ph idx="1"/>
+          </p:nvPr>
+        </p:nvSpPr>
+        <p:spPr/>
+        <p:txBody>
+          <a:bodyPr/>
+          <a:lstStyle/>
+          <a:p>
+            <a:r>
+              <a:rPr lang="en-US" dirty="0"/>
+              <a:t>Where have you seen this one?</a:t>
+            </a:r>
+          </a:p>
+          <a:p>
+            <a:pPr lvl="1"/>
+            <a:r>
+              <a:rPr lang="en-US" dirty="0"/>
+              <a:t>ASP.NET Forms circa 2001: </a:t>
+            </a:r>
+            <a:r>
+              <a:rPr lang="en-US" dirty="0" err="1"/>
+              <a:t>PreInit</a:t>
+            </a:r>
+            <a:r>
+              <a:rPr lang="en-US" dirty="0"/>
+              <a:t>, </a:t>
+            </a:r>
+            <a:r>
+              <a:rPr lang="en-US" dirty="0" err="1"/>
+              <a:t>Init</a:t>
+            </a:r>
+            <a:r>
+              <a:rPr lang="en-US" dirty="0"/>
+              <a:t>, </a:t>
+            </a:r>
+            <a:r>
+              <a:rPr lang="en-US" dirty="0" err="1"/>
+              <a:t>InitComplete</a:t>
+            </a:r>
+            <a:r>
+              <a:rPr lang="en-US" dirty="0"/>
+              <a:t>, </a:t>
+            </a:r>
+            <a:r>
+              <a:rPr lang="en-US" dirty="0" err="1"/>
+              <a:t>PreLoad</a:t>
+            </a:r>
+            <a:r>
+              <a:rPr lang="en-US" dirty="0"/>
+              <a:t>, Load, </a:t>
+            </a:r>
+            <a:r>
+              <a:rPr lang="en-US" dirty="0" err="1"/>
+              <a:t>LoadComplete</a:t>
+            </a:r>
+            <a:r>
+              <a:rPr lang="en-US" dirty="0"/>
+              <a:t>, </a:t>
+            </a:r>
+            <a:r>
+              <a:rPr lang="en-US" dirty="0" err="1"/>
+              <a:t>PreRender</a:t>
+            </a:r>
+            <a:r>
+              <a:rPr lang="en-US" dirty="0"/>
+              <a:t>, etc.</a:t>
+            </a:r>
+          </a:p>
+          <a:p>
+            <a:pPr lvl="1"/>
+            <a:r>
+              <a:rPr lang="en-US" dirty="0"/>
+              <a:t>Angular 2: </a:t>
+            </a:r>
+            <a:r>
+              <a:rPr lang="en-US" dirty="0" err="1"/>
+              <a:t>ngOnChanges</a:t>
+            </a:r>
+            <a:r>
+              <a:rPr lang="en-US" dirty="0"/>
+              <a:t>, </a:t>
+            </a:r>
+            <a:r>
+              <a:rPr lang="en-US" dirty="0" err="1"/>
+              <a:t>ngOnit</a:t>
+            </a:r>
+            <a:r>
+              <a:rPr lang="en-US" dirty="0"/>
+              <a:t>, </a:t>
+            </a:r>
+            <a:r>
+              <a:rPr lang="en-US" dirty="0" err="1"/>
+              <a:t>ngDoCheck</a:t>
+            </a:r>
+            <a:r>
+              <a:rPr lang="en-US" dirty="0"/>
+              <a:t>, </a:t>
+            </a:r>
+            <a:r>
+              <a:rPr lang="en-US" dirty="0" err="1"/>
+              <a:t>ngOnDestroy</a:t>
+            </a:r>
+            <a:endParaRPr lang="en-US" dirty="0"/>
+          </a:p>
+          <a:p>
+            <a:r>
+              <a:rPr lang="en-US" dirty="0"/>
+              <a:t>If it is good enough for managing components and web forms with millions of different implementations – but, all using the same algorithm.</a:t>
+            </a:r>
+          </a:p>
+          <a:p>
+            <a:endParaRPr lang="en-US" dirty="0"/>
+          </a:p>
+        </p:txBody>
+      </p:sp>
+    </p:spTree>
+    <p:extLst>
+      <p:ext uri="{BB962C8B-B14F-4D97-AF65-F5344CB8AC3E}">
+        <p14:creationId xmlns:p14="http://schemas.microsoft.com/office/powerpoint/2010/main" val="448475438"/>
+      </p:ext>
+    </p:extLst>
+  </p:cSld>
+  <p:clrMapOvr>
+    <a:masterClrMapping/>
+  </p:clrMapOvr>
+</p:sld>
+</file>
+
+<file path=ppt/slides/slide27.xml><?xml version="1.0" encoding="utf-8"?>
+<p:sld xmlns:a="http://schemas.openxmlformats.org/drawingml/2006/main" xmlns:r="http://schemas.openxmlformats.org/officeDocument/2006/relationships" xmlns:p="http://schemas.openxmlformats.org/presentationml/2006/main">
+  <p:cSld>
+    <p:spTree>
+      <p:nvGrpSpPr>
+        <p:cNvPr id="1" name=""/>
+        <p:cNvGrpSpPr/>
+        <p:nvPr/>
+      </p:nvGrpSpPr>
+      <p:grpSpPr>
+        <a:xfrm>
+          <a:off x="0" y="0"/>
+          <a:ext cx="0" cy="0"/>
+          <a:chOff x="0" y="0"/>
+          <a:chExt cx="0" cy="0"/>
+        </a:xfrm>
+      </p:grpSpPr>
+      <p:sp>
+        <p:nvSpPr>
+          <p:cNvPr id="2" name="Title 1">
+            <a:extLst>
+              <a:ext uri="{FF2B5EF4-FFF2-40B4-BE49-F238E27FC236}">
                 <a16:creationId xmlns:a16="http://schemas.microsoft.com/office/drawing/2014/main" id="{FA1BCB59-0789-48A4-8783-E209DA86CB32}"/>
               </a:ext>
             </a:extLst>
@@ -29260,7 +30132,7 @@
 </p:sld>
 </file>
 
-<file path=ppt/slides/slide24.xml><?xml version="1.0" encoding="utf-8"?>
+<file path=ppt/slides/slide28.xml><?xml version="1.0" encoding="utf-8"?>
 <p:sld xmlns:a="http://schemas.openxmlformats.org/drawingml/2006/main" xmlns:r="http://schemas.openxmlformats.org/officeDocument/2006/relationships" xmlns:p="http://schemas.openxmlformats.org/presentationml/2006/main">
   <p:cSld>
     <p:spTree>
@@ -29350,7 +30222,7 @@
 </p:sld>
 </file>
 
-<file path=ppt/slides/slide25.xml><?xml version="1.0" encoding="utf-8"?>
+<file path=ppt/slides/slide29.xml><?xml version="1.0" encoding="utf-8"?>
 <p:sld xmlns:a="http://schemas.openxmlformats.org/drawingml/2006/main" xmlns:r="http://schemas.openxmlformats.org/officeDocument/2006/relationships" xmlns:p="http://schemas.openxmlformats.org/presentationml/2006/main">
   <p:cSld>
     <p:spTree>
@@ -29511,422 +30383,6 @@
     <p:extLst>
       <p:ext uri="{BB962C8B-B14F-4D97-AF65-F5344CB8AC3E}">
         <p14:creationId xmlns:p14="http://schemas.microsoft.com/office/powerpoint/2010/main" val="1961233773"/>
-      </p:ext>
-    </p:extLst>
-  </p:cSld>
-  <p:clrMapOvr>
-    <a:masterClrMapping/>
-  </p:clrMapOvr>
-</p:sld>
-</file>
-
-<file path=ppt/slides/slide26.xml><?xml version="1.0" encoding="utf-8"?>
-<p:sld xmlns:a="http://schemas.openxmlformats.org/drawingml/2006/main" xmlns:r="http://schemas.openxmlformats.org/officeDocument/2006/relationships" xmlns:p="http://schemas.openxmlformats.org/presentationml/2006/main">
-  <p:cSld>
-    <p:spTree>
-      <p:nvGrpSpPr>
-        <p:cNvPr id="1" name=""/>
-        <p:cNvGrpSpPr/>
-        <p:nvPr/>
-      </p:nvGrpSpPr>
-      <p:grpSpPr>
-        <a:xfrm>
-          <a:off x="0" y="0"/>
-          <a:ext cx="0" cy="0"/>
-          <a:chOff x="0" y="0"/>
-          <a:chExt cx="0" cy="0"/>
-        </a:xfrm>
-      </p:grpSpPr>
-      <p:sp>
-        <p:nvSpPr>
-          <p:cNvPr id="2" name="Title 1">
-            <a:extLst>
-              <a:ext uri="{FF2B5EF4-FFF2-40B4-BE49-F238E27FC236}">
-                <a16:creationId xmlns:a16="http://schemas.microsoft.com/office/drawing/2014/main" id="{7D8AF8FB-793E-41BD-8CC5-A923B5A8209E}"/>
-              </a:ext>
-            </a:extLst>
-          </p:cNvPr>
-          <p:cNvSpPr>
-            <a:spLocks noGrp="1"/>
-          </p:cNvSpPr>
-          <p:nvPr>
-            <p:ph type="title"/>
-          </p:nvPr>
-        </p:nvSpPr>
-        <p:spPr/>
-        <p:txBody>
-          <a:bodyPr/>
-          <a:lstStyle/>
-          <a:p>
-            <a:r>
-              <a:rPr lang="en-US"/>
-              <a:t>Book References</a:t>
-            </a:r>
-            <a:endParaRPr lang="en-US" dirty="0"/>
-          </a:p>
-        </p:txBody>
-      </p:sp>
-      <p:sp>
-        <p:nvSpPr>
-          <p:cNvPr id="3" name="Content Placeholder 2">
-            <a:extLst>
-              <a:ext uri="{FF2B5EF4-FFF2-40B4-BE49-F238E27FC236}">
-                <a16:creationId xmlns:a16="http://schemas.microsoft.com/office/drawing/2014/main" id="{3975127B-114D-4B36-BA13-4EB6781A2CEB}"/>
-              </a:ext>
-            </a:extLst>
-          </p:cNvPr>
-          <p:cNvSpPr>
-            <a:spLocks noGrp="1"/>
-          </p:cNvSpPr>
-          <p:nvPr>
-            <p:ph idx="1"/>
-          </p:nvPr>
-        </p:nvSpPr>
-        <p:spPr/>
-        <p:txBody>
-          <a:bodyPr>
-            <a:normAutofit fontScale="92500" lnSpcReduction="10000"/>
-          </a:bodyPr>
-          <a:lstStyle/>
-          <a:p>
-            <a:r>
-              <a:rPr lang="en-US">
-                <a:hlinkClick r:id="rId2"/>
-              </a:rPr>
-              <a:t>Design Patterns : Elements of Reusable Object-Oriented Software</a:t>
-            </a:r>
-            <a:endParaRPr lang="en-US"/>
-          </a:p>
-          <a:p>
-            <a:pPr lvl="1"/>
-            <a:r>
-              <a:rPr lang="en-US"/>
-              <a:t>ISBN-13: 978-0201633610, ISBN-10: 0201633612</a:t>
-            </a:r>
-          </a:p>
-          <a:p>
-            <a:r>
-              <a:rPr lang="en-US">
-                <a:hlinkClick r:id="rId3"/>
-              </a:rPr>
-              <a:t>Head First Design Patterns</a:t>
-            </a:r>
-            <a:endParaRPr lang="en-US"/>
-          </a:p>
-          <a:p>
-            <a:pPr lvl="1"/>
-            <a:r>
-              <a:rPr lang="en-US"/>
-              <a:t>ISBN-13: 978-0596007126, ISBN-10: 0596007124</a:t>
-            </a:r>
-          </a:p>
-          <a:p>
-            <a:r>
-              <a:rPr lang="en-US">
-                <a:hlinkClick r:id="rId4"/>
-              </a:rPr>
-              <a:t>Clean Code</a:t>
-            </a:r>
-            <a:endParaRPr lang="en-US"/>
-          </a:p>
-          <a:p>
-            <a:pPr lvl="1"/>
-            <a:r>
-              <a:rPr lang="en-US"/>
-              <a:t>ISBN-13: 978-0132350884, ISBN-10: 0132350882</a:t>
-            </a:r>
-          </a:p>
-          <a:p>
-            <a:r>
-              <a:rPr lang="en-US">
-                <a:hlinkClick r:id="rId5"/>
-              </a:rPr>
-              <a:t>The Pragmatic Programmer</a:t>
-            </a:r>
-            <a:endParaRPr lang="en-US"/>
-          </a:p>
-          <a:p>
-            <a:pPr lvl="1"/>
-            <a:r>
-              <a:rPr lang="en-US"/>
-              <a:t>ISBN-13: 978-0201616224, ISBN-10: 020161622X</a:t>
-            </a:r>
-          </a:p>
-          <a:p>
-            <a:r>
-              <a:rPr lang="en-US">
-                <a:hlinkClick r:id="rId6"/>
-              </a:rPr>
-              <a:t>Patterns of Enterprise Application Architecture</a:t>
-            </a:r>
-            <a:endParaRPr lang="en-US"/>
-          </a:p>
-          <a:p>
-            <a:pPr lvl="1"/>
-            <a:r>
-              <a:rPr lang="en-US"/>
-              <a:t>ISBN-13: 978-0321127426, ISBN-10: 0321127420</a:t>
-            </a:r>
-          </a:p>
-          <a:p>
-            <a:endParaRPr lang="en-US" dirty="0"/>
-          </a:p>
-        </p:txBody>
-      </p:sp>
-    </p:spTree>
-    <p:extLst>
-      <p:ext uri="{BB962C8B-B14F-4D97-AF65-F5344CB8AC3E}">
-        <p14:creationId xmlns:p14="http://schemas.microsoft.com/office/powerpoint/2010/main" val="214986796"/>
-      </p:ext>
-    </p:extLst>
-  </p:cSld>
-  <p:clrMapOvr>
-    <a:masterClrMapping/>
-  </p:clrMapOvr>
-</p:sld>
-</file>
-
-<file path=ppt/slides/slide27.xml><?xml version="1.0" encoding="utf-8"?>
-<p:sld xmlns:a="http://schemas.openxmlformats.org/drawingml/2006/main" xmlns:r="http://schemas.openxmlformats.org/officeDocument/2006/relationships" xmlns:p="http://schemas.openxmlformats.org/presentationml/2006/main">
-  <p:cSld>
-    <p:spTree>
-      <p:nvGrpSpPr>
-        <p:cNvPr id="1" name=""/>
-        <p:cNvGrpSpPr/>
-        <p:nvPr/>
-      </p:nvGrpSpPr>
-      <p:grpSpPr>
-        <a:xfrm>
-          <a:off x="0" y="0"/>
-          <a:ext cx="0" cy="0"/>
-          <a:chOff x="0" y="0"/>
-          <a:chExt cx="0" cy="0"/>
-        </a:xfrm>
-      </p:grpSpPr>
-      <p:sp>
-        <p:nvSpPr>
-          <p:cNvPr id="2" name="Title 1">
-            <a:extLst>
-              <a:ext uri="{FF2B5EF4-FFF2-40B4-BE49-F238E27FC236}">
-                <a16:creationId xmlns:a16="http://schemas.microsoft.com/office/drawing/2014/main" id="{7D8AF8FB-793E-41BD-8CC5-A923B5A8209E}"/>
-              </a:ext>
-            </a:extLst>
-          </p:cNvPr>
-          <p:cNvSpPr>
-            <a:spLocks noGrp="1"/>
-          </p:cNvSpPr>
-          <p:nvPr>
-            <p:ph type="title"/>
-          </p:nvPr>
-        </p:nvSpPr>
-        <p:spPr/>
-        <p:txBody>
-          <a:bodyPr/>
-          <a:lstStyle/>
-          <a:p>
-            <a:r>
-              <a:rPr lang="en-US" dirty="0"/>
-              <a:t>Angular Resources</a:t>
-            </a:r>
-          </a:p>
-        </p:txBody>
-      </p:sp>
-      <p:sp>
-        <p:nvSpPr>
-          <p:cNvPr id="3" name="Content Placeholder 2">
-            <a:extLst>
-              <a:ext uri="{FF2B5EF4-FFF2-40B4-BE49-F238E27FC236}">
-                <a16:creationId xmlns:a16="http://schemas.microsoft.com/office/drawing/2014/main" id="{3975127B-114D-4B36-BA13-4EB6781A2CEB}"/>
-              </a:ext>
-            </a:extLst>
-          </p:cNvPr>
-          <p:cNvSpPr>
-            <a:spLocks noGrp="1"/>
-          </p:cNvSpPr>
-          <p:nvPr>
-            <p:ph idx="1"/>
-          </p:nvPr>
-        </p:nvSpPr>
-        <p:spPr/>
-        <p:txBody>
-          <a:bodyPr>
-            <a:normAutofit/>
-          </a:bodyPr>
-          <a:lstStyle/>
-          <a:p>
-            <a:r>
-              <a:rPr lang="en-US" dirty="0">
-                <a:hlinkClick r:id="rId2"/>
-              </a:rPr>
-              <a:t>https://angular.io</a:t>
-            </a:r>
-            <a:r>
-              <a:rPr lang="en-US" dirty="0"/>
-              <a:t>: </a:t>
-            </a:r>
-          </a:p>
-          <a:p>
-            <a:r>
-              <a:rPr lang="en-US" dirty="0">
-                <a:hlinkClick r:id="rId3"/>
-              </a:rPr>
-              <a:t>https://rangle.io</a:t>
-            </a:r>
-            <a:r>
-              <a:rPr lang="en-US" dirty="0"/>
-              <a:t>: </a:t>
-            </a:r>
-          </a:p>
-          <a:p>
-            <a:pPr lvl="1"/>
-            <a:r>
-              <a:rPr lang="en-US" dirty="0" err="1">
-                <a:hlinkClick r:id="rId4"/>
-              </a:rPr>
-              <a:t>Rangle’s</a:t>
-            </a:r>
-            <a:r>
-              <a:rPr lang="en-US" dirty="0">
-                <a:hlinkClick r:id="rId4"/>
-              </a:rPr>
-              <a:t> Angular 2 Training Book</a:t>
-            </a:r>
-            <a:endParaRPr lang="en-US" dirty="0"/>
-          </a:p>
-          <a:p>
-            <a:pPr lvl="1"/>
-            <a:r>
-              <a:rPr lang="en-US" dirty="0">
-                <a:hlinkClick r:id="rId5"/>
-              </a:rPr>
-              <a:t>Functional Forms</a:t>
-            </a:r>
-            <a:endParaRPr lang="en-US" dirty="0"/>
-          </a:p>
-          <a:p>
-            <a:r>
-              <a:rPr lang="en-US" dirty="0">
-                <a:hlinkClick r:id="rId6"/>
-              </a:rPr>
-              <a:t>Become a Ninja with Angular</a:t>
-            </a:r>
-            <a:r>
-              <a:rPr lang="en-US" dirty="0"/>
-              <a:t>: sample chapters</a:t>
-            </a:r>
-          </a:p>
-          <a:p>
-            <a:r>
-              <a:rPr lang="en-US" dirty="0">
-                <a:hlinkClick r:id="rId7"/>
-              </a:rPr>
-              <a:t>Tour of Heroes Application with Multiple Modules</a:t>
-            </a:r>
-            <a:endParaRPr lang="en-US" dirty="0"/>
-          </a:p>
-        </p:txBody>
-      </p:sp>
-    </p:spTree>
-    <p:extLst>
-      <p:ext uri="{BB962C8B-B14F-4D97-AF65-F5344CB8AC3E}">
-        <p14:creationId xmlns:p14="http://schemas.microsoft.com/office/powerpoint/2010/main" val="3233442765"/>
-      </p:ext>
-    </p:extLst>
-  </p:cSld>
-  <p:clrMapOvr>
-    <a:masterClrMapping/>
-  </p:clrMapOvr>
-</p:sld>
-</file>
-
-<file path=ppt/slides/slide28.xml><?xml version="1.0" encoding="utf-8"?>
-<p:sld xmlns:a="http://schemas.openxmlformats.org/drawingml/2006/main" xmlns:r="http://schemas.openxmlformats.org/officeDocument/2006/relationships" xmlns:p="http://schemas.openxmlformats.org/presentationml/2006/main">
-  <p:cSld>
-    <p:spTree>
-      <p:nvGrpSpPr>
-        <p:cNvPr id="1" name=""/>
-        <p:cNvGrpSpPr/>
-        <p:nvPr/>
-      </p:nvGrpSpPr>
-      <p:grpSpPr>
-        <a:xfrm>
-          <a:off x="0" y="0"/>
-          <a:ext cx="0" cy="0"/>
-          <a:chOff x="0" y="0"/>
-          <a:chExt cx="0" cy="0"/>
-        </a:xfrm>
-      </p:grpSpPr>
-      <p:sp>
-        <p:nvSpPr>
-          <p:cNvPr id="2" name="Title 1">
-            <a:extLst>
-              <a:ext uri="{FF2B5EF4-FFF2-40B4-BE49-F238E27FC236}">
-                <a16:creationId xmlns:a16="http://schemas.microsoft.com/office/drawing/2014/main" id="{4D26C1FD-D049-416D-9C47-E3F3500B7FBE}"/>
-              </a:ext>
-            </a:extLst>
-          </p:cNvPr>
-          <p:cNvSpPr>
-            <a:spLocks noGrp="1"/>
-          </p:cNvSpPr>
-          <p:nvPr>
-            <p:ph type="title"/>
-          </p:nvPr>
-        </p:nvSpPr>
-        <p:spPr/>
-        <p:txBody>
-          <a:bodyPr/>
-          <a:lstStyle/>
-          <a:p>
-            <a:r>
-              <a:rPr lang="en-US"/>
-              <a:t>Miscellaneous</a:t>
-            </a:r>
-            <a:endParaRPr lang="en-US" dirty="0"/>
-          </a:p>
-        </p:txBody>
-      </p:sp>
-      <p:sp>
-        <p:nvSpPr>
-          <p:cNvPr id="3" name="Content Placeholder 2">
-            <a:extLst>
-              <a:ext uri="{FF2B5EF4-FFF2-40B4-BE49-F238E27FC236}">
-                <a16:creationId xmlns:a16="http://schemas.microsoft.com/office/drawing/2014/main" id="{E6782E6C-3EEC-49F3-B248-5C89306E3EEB}"/>
-              </a:ext>
-            </a:extLst>
-          </p:cNvPr>
-          <p:cNvSpPr>
-            <a:spLocks noGrp="1"/>
-          </p:cNvSpPr>
-          <p:nvPr>
-            <p:ph idx="1"/>
-          </p:nvPr>
-        </p:nvSpPr>
-        <p:spPr/>
-        <p:txBody>
-          <a:bodyPr/>
-          <a:lstStyle/>
-          <a:p>
-            <a:r>
-              <a:rPr lang="en-US"/>
-              <a:t>“Good programmers write good code. Great programmers steal.” - Unknown</a:t>
-            </a:r>
-          </a:p>
-          <a:p>
-            <a:pPr lvl="1"/>
-            <a:r>
-              <a:rPr lang="en-US"/>
-              <a:t>Learn, Use, Copy, Borrow, and/or Steal.</a:t>
-            </a:r>
-          </a:p>
-          <a:p>
-            <a:endParaRPr lang="en-US" dirty="0"/>
-          </a:p>
-        </p:txBody>
-      </p:sp>
-    </p:spTree>
-    <p:extLst>
-      <p:ext uri="{BB962C8B-B14F-4D97-AF65-F5344CB8AC3E}">
-        <p14:creationId xmlns:p14="http://schemas.microsoft.com/office/powerpoint/2010/main" val="1613193946"/>
       </p:ext>
     </p:extLst>
   </p:cSld>
@@ -29958,7 +30414,7 @@
           <p:cNvPr id="2" name="Title 1">
             <a:extLst>
               <a:ext uri="{FF2B5EF4-FFF2-40B4-BE49-F238E27FC236}">
-                <a16:creationId xmlns:a16="http://schemas.microsoft.com/office/drawing/2014/main" id="{9B7DCE5E-1132-4D26-8E0C-1F49E7312FAB}"/>
+                <a16:creationId xmlns:a16="http://schemas.microsoft.com/office/drawing/2014/main" id="{22A2A588-9EDC-459E-9F15-343ACBB411B2}"/>
               </a:ext>
             </a:extLst>
           </p:cNvPr>
@@ -29975,9 +30431,10 @@
           <a:lstStyle/>
           <a:p>
             <a:r>
-              <a:rPr lang="en-US" dirty="0"/>
-              <a:t>Objective</a:t>
-            </a:r>
+              <a:rPr lang="en-US"/>
+              <a:t>Contact Information</a:t>
+            </a:r>
+            <a:endParaRPr lang="en-US" dirty="0"/>
           </a:p>
         </p:txBody>
       </p:sp>
@@ -29986,7 +30443,7 @@
           <p:cNvPr id="3" name="Content Placeholder 2">
             <a:extLst>
               <a:ext uri="{FF2B5EF4-FFF2-40B4-BE49-F238E27FC236}">
-                <a16:creationId xmlns:a16="http://schemas.microsoft.com/office/drawing/2014/main" id="{92FA1252-C035-4F1B-B311-62B951A33873}"/>
+                <a16:creationId xmlns:a16="http://schemas.microsoft.com/office/drawing/2014/main" id="{069F119E-B9EC-4B81-815E-AF84F5C550A3}"/>
               </a:ext>
             </a:extLst>
           </p:cNvPr>
@@ -30005,71 +30462,497 @@
           <a:lstStyle/>
           <a:p>
             <a:r>
-              <a:rPr lang="en-US" dirty="0">
-                <a:latin typeface="Source Code Pro Light" panose="020B0409030403020204" pitchFamily="49" charset="0"/>
-                <a:ea typeface="Source Code Pro Light" panose="020B0409030403020204" pitchFamily="49" charset="0"/>
+              <a:rPr lang="en-US"/>
+              <a:t>Matt Vaughn</a:t>
+            </a:r>
+          </a:p>
+          <a:p>
+            <a:pPr lvl="1"/>
+            <a:r>
+              <a:rPr lang="en-US"/>
+              <a:t>E: </a:t>
+            </a:r>
+            <a:r>
+              <a:rPr lang="en-US">
+                <a:hlinkClick r:id="rId2"/>
               </a:rPr>
-              <a:t>The session will show you how to use and implement design patterns (like Composite, Builder, Template Method and others) using Typescript. The session will demonstrate code reuse strategies and extensibility techniques for building robust Angular Services and Business Logic.</a:t>
-            </a:r>
-          </a:p>
-          <a:p>
-            <a:r>
-              <a:rPr lang="en-US" dirty="0">
-                <a:latin typeface="Source Code Pro Light" panose="020B0409030403020204" pitchFamily="49" charset="0"/>
-                <a:ea typeface="Source Code Pro Light" panose="020B0409030403020204" pitchFamily="49" charset="0"/>
+              <a:t>matt.vaughn@buildmotion.com</a:t>
+            </a:r>
+            <a:endParaRPr lang="en-US"/>
+          </a:p>
+          <a:p>
+            <a:pPr lvl="1"/>
+            <a:r>
+              <a:rPr lang="en-US"/>
+              <a:t>W: </a:t>
+            </a:r>
+            <a:r>
+              <a:rPr lang="en-US">
+                <a:hlinkClick r:id="rId3"/>
               </a:rPr>
-              <a:t>The session will demonstrate how to implement shared Angular services and how to use them in Angular domain services. The services will include rich business logic layers that use the angular-rules-engine and angular-actions NPM packages.</a:t>
-            </a:r>
-          </a:p>
-          <a:p>
-            <a:endParaRPr lang="en-US" dirty="0">
-              <a:latin typeface="Source Code Pro Light" panose="020B0409030403020204" pitchFamily="49" charset="0"/>
-              <a:ea typeface="Source Code Pro Light" panose="020B0409030403020204" pitchFamily="49" charset="0"/>
-            </a:endParaRPr>
-          </a:p>
-        </p:txBody>
-      </p:sp>
-      <p:sp>
-        <p:nvSpPr>
-          <p:cNvPr id="4" name="Rectangle 3">
+              <a:t>www.buildmotion.com</a:t>
+            </a:r>
+            <a:endParaRPr lang="en-US"/>
+          </a:p>
+          <a:p>
+            <a:pPr lvl="1"/>
+            <a:r>
+              <a:rPr lang="en-US"/>
+              <a:t>GitHub: </a:t>
+            </a:r>
+            <a:r>
+              <a:rPr lang="en-US">
+                <a:hlinkClick r:id="rId4"/>
+              </a:rPr>
+              <a:t>https://github.com/buildmotion</a:t>
+            </a:r>
+            <a:r>
+              <a:rPr lang="en-US"/>
+              <a:t> </a:t>
+            </a:r>
+          </a:p>
+          <a:p>
+            <a:r>
+              <a:rPr lang="en-US"/>
+              <a:t>Code Samples and Presentation</a:t>
+            </a:r>
+          </a:p>
+          <a:p>
+            <a:pPr lvl="1"/>
+            <a:r>
+              <a:rPr lang="en-US"/>
+              <a:t>GitHub: </a:t>
+            </a:r>
+            <a:r>
+              <a:rPr lang="en-US">
+                <a:hlinkClick r:id="rId5"/>
+              </a:rPr>
+              <a:t>https://github.com/buildmotion/better-business-logic-with-typescript</a:t>
+            </a:r>
+            <a:endParaRPr lang="en-US" dirty="0"/>
+          </a:p>
+        </p:txBody>
+      </p:sp>
+    </p:spTree>
+    <p:extLst>
+      <p:ext uri="{BB962C8B-B14F-4D97-AF65-F5344CB8AC3E}">
+        <p14:creationId xmlns:p14="http://schemas.microsoft.com/office/powerpoint/2010/main" val="411051127"/>
+      </p:ext>
+    </p:extLst>
+  </p:cSld>
+  <p:clrMapOvr>
+    <a:masterClrMapping/>
+  </p:clrMapOvr>
+</p:sld>
+</file>
+
+<file path=ppt/slides/slide30.xml><?xml version="1.0" encoding="utf-8"?>
+<p:sld xmlns:a="http://schemas.openxmlformats.org/drawingml/2006/main" xmlns:r="http://schemas.openxmlformats.org/officeDocument/2006/relationships" xmlns:p="http://schemas.openxmlformats.org/presentationml/2006/main">
+  <p:cSld>
+    <p:spTree>
+      <p:nvGrpSpPr>
+        <p:cNvPr id="1" name=""/>
+        <p:cNvGrpSpPr/>
+        <p:nvPr/>
+      </p:nvGrpSpPr>
+      <p:grpSpPr>
+        <a:xfrm>
+          <a:off x="0" y="0"/>
+          <a:ext cx="0" cy="0"/>
+          <a:chOff x="0" y="0"/>
+          <a:chExt cx="0" cy="0"/>
+        </a:xfrm>
+      </p:grpSpPr>
+      <p:sp>
+        <p:nvSpPr>
+          <p:cNvPr id="2" name="Title 1">
             <a:extLst>
               <a:ext uri="{FF2B5EF4-FFF2-40B4-BE49-F238E27FC236}">
-                <a16:creationId xmlns:a16="http://schemas.microsoft.com/office/drawing/2014/main" id="{A55D86A2-FCB5-4169-92F6-BA668245A746}"/>
+                <a16:creationId xmlns:a16="http://schemas.microsoft.com/office/drawing/2014/main" id="{7D8AF8FB-793E-41BD-8CC5-A923B5A8209E}"/>
               </a:ext>
             </a:extLst>
           </p:cNvPr>
-          <p:cNvSpPr/>
-          <p:nvPr/>
-        </p:nvSpPr>
-        <p:spPr>
-          <a:xfrm>
-            <a:off x="30480" y="6396335"/>
-            <a:ext cx="6096000" cy="461665"/>
-          </a:xfrm>
-          <a:prstGeom prst="rect">
-            <a:avLst/>
-          </a:prstGeom>
-        </p:spPr>
+          <p:cNvSpPr>
+            <a:spLocks noGrp="1"/>
+          </p:cNvSpPr>
+          <p:nvPr>
+            <p:ph type="title"/>
+          </p:nvPr>
+        </p:nvSpPr>
+        <p:spPr/>
+        <p:txBody>
+          <a:bodyPr/>
+          <a:lstStyle/>
+          <a:p>
+            <a:r>
+              <a:rPr lang="en-US"/>
+              <a:t>Book References</a:t>
+            </a:r>
+            <a:endParaRPr lang="en-US" dirty="0"/>
+          </a:p>
+        </p:txBody>
+      </p:sp>
+      <p:sp>
+        <p:nvSpPr>
+          <p:cNvPr id="3" name="Content Placeholder 2">
+            <a:extLst>
+              <a:ext uri="{FF2B5EF4-FFF2-40B4-BE49-F238E27FC236}">
+                <a16:creationId xmlns:a16="http://schemas.microsoft.com/office/drawing/2014/main" id="{3975127B-114D-4B36-BA13-4EB6781A2CEB}"/>
+              </a:ext>
+            </a:extLst>
+          </p:cNvPr>
+          <p:cNvSpPr>
+            <a:spLocks noGrp="1"/>
+          </p:cNvSpPr>
+          <p:nvPr>
+            <p:ph idx="1"/>
+          </p:nvPr>
+        </p:nvSpPr>
+        <p:spPr/>
         <p:txBody>
           <a:bodyPr>
-            <a:spAutoFit/>
+            <a:normAutofit fontScale="92500" lnSpcReduction="10000"/>
           </a:bodyPr>
           <a:lstStyle/>
           <a:p>
             <a:r>
-              <a:rPr lang="en-US" sz="1200" dirty="0">
-                <a:latin typeface="Source Code Pro Light" panose="020B0409030403020204" pitchFamily="49" charset="0"/>
+              <a:rPr lang="en-US">
+                <a:hlinkClick r:id="rId2"/>
               </a:rPr>
-              <a:t>Copyright © 2017 Build Motion, LLC. All rights reserved.
-</a:t>
-            </a:r>
+              <a:t>Design Patterns : Elements of Reusable Object-Oriented Software</a:t>
+            </a:r>
+            <a:endParaRPr lang="en-US"/>
+          </a:p>
+          <a:p>
+            <a:pPr lvl="1"/>
+            <a:r>
+              <a:rPr lang="en-US"/>
+              <a:t>ISBN-13: 978-0201633610, ISBN-10: 0201633612</a:t>
+            </a:r>
+          </a:p>
+          <a:p>
+            <a:r>
+              <a:rPr lang="en-US">
+                <a:hlinkClick r:id="rId3"/>
+              </a:rPr>
+              <a:t>Head First Design Patterns</a:t>
+            </a:r>
+            <a:endParaRPr lang="en-US"/>
+          </a:p>
+          <a:p>
+            <a:pPr lvl="1"/>
+            <a:r>
+              <a:rPr lang="en-US"/>
+              <a:t>ISBN-13: 978-0596007126, ISBN-10: 0596007124</a:t>
+            </a:r>
+          </a:p>
+          <a:p>
+            <a:r>
+              <a:rPr lang="en-US">
+                <a:hlinkClick r:id="rId4"/>
+              </a:rPr>
+              <a:t>Clean Code</a:t>
+            </a:r>
+            <a:endParaRPr lang="en-US"/>
+          </a:p>
+          <a:p>
+            <a:pPr lvl="1"/>
+            <a:r>
+              <a:rPr lang="en-US"/>
+              <a:t>ISBN-13: 978-0132350884, ISBN-10: 0132350882</a:t>
+            </a:r>
+          </a:p>
+          <a:p>
+            <a:r>
+              <a:rPr lang="en-US">
+                <a:hlinkClick r:id="rId5"/>
+              </a:rPr>
+              <a:t>The Pragmatic Programmer</a:t>
+            </a:r>
+            <a:endParaRPr lang="en-US"/>
+          </a:p>
+          <a:p>
+            <a:pPr lvl="1"/>
+            <a:r>
+              <a:rPr lang="en-US"/>
+              <a:t>ISBN-13: 978-0201616224, ISBN-10: 020161622X</a:t>
+            </a:r>
+          </a:p>
+          <a:p>
+            <a:r>
+              <a:rPr lang="en-US">
+                <a:hlinkClick r:id="rId6"/>
+              </a:rPr>
+              <a:t>Patterns of Enterprise Application Architecture</a:t>
+            </a:r>
+            <a:endParaRPr lang="en-US"/>
+          </a:p>
+          <a:p>
+            <a:pPr lvl="1"/>
+            <a:r>
+              <a:rPr lang="en-US"/>
+              <a:t>ISBN-13: 978-0321127426, ISBN-10: 0321127420</a:t>
+            </a:r>
+          </a:p>
+          <a:p>
+            <a:endParaRPr lang="en-US" dirty="0"/>
           </a:p>
         </p:txBody>
       </p:sp>
     </p:spTree>
     <p:extLst>
       <p:ext uri="{BB962C8B-B14F-4D97-AF65-F5344CB8AC3E}">
-        <p14:creationId xmlns:p14="http://schemas.microsoft.com/office/powerpoint/2010/main" val="113241367"/>
+        <p14:creationId xmlns:p14="http://schemas.microsoft.com/office/powerpoint/2010/main" val="214986796"/>
+      </p:ext>
+    </p:extLst>
+  </p:cSld>
+  <p:clrMapOvr>
+    <a:masterClrMapping/>
+  </p:clrMapOvr>
+</p:sld>
+</file>
+
+<file path=ppt/slides/slide31.xml><?xml version="1.0" encoding="utf-8"?>
+<p:sld xmlns:a="http://schemas.openxmlformats.org/drawingml/2006/main" xmlns:r="http://schemas.openxmlformats.org/officeDocument/2006/relationships" xmlns:p="http://schemas.openxmlformats.org/presentationml/2006/main">
+  <p:cSld>
+    <p:spTree>
+      <p:nvGrpSpPr>
+        <p:cNvPr id="1" name=""/>
+        <p:cNvGrpSpPr/>
+        <p:nvPr/>
+      </p:nvGrpSpPr>
+      <p:grpSpPr>
+        <a:xfrm>
+          <a:off x="0" y="0"/>
+          <a:ext cx="0" cy="0"/>
+          <a:chOff x="0" y="0"/>
+          <a:chExt cx="0" cy="0"/>
+        </a:xfrm>
+      </p:grpSpPr>
+      <p:sp>
+        <p:nvSpPr>
+          <p:cNvPr id="2" name="Title 1">
+            <a:extLst>
+              <a:ext uri="{FF2B5EF4-FFF2-40B4-BE49-F238E27FC236}">
+                <a16:creationId xmlns:a16="http://schemas.microsoft.com/office/drawing/2014/main" id="{7D8AF8FB-793E-41BD-8CC5-A923B5A8209E}"/>
+              </a:ext>
+            </a:extLst>
+          </p:cNvPr>
+          <p:cNvSpPr>
+            <a:spLocks noGrp="1"/>
+          </p:cNvSpPr>
+          <p:nvPr>
+            <p:ph type="title"/>
+          </p:nvPr>
+        </p:nvSpPr>
+        <p:spPr/>
+        <p:txBody>
+          <a:bodyPr/>
+          <a:lstStyle/>
+          <a:p>
+            <a:r>
+              <a:rPr lang="en-US" dirty="0"/>
+              <a:t>Angular Resources</a:t>
+            </a:r>
+          </a:p>
+        </p:txBody>
+      </p:sp>
+      <p:sp>
+        <p:nvSpPr>
+          <p:cNvPr id="3" name="Content Placeholder 2">
+            <a:extLst>
+              <a:ext uri="{FF2B5EF4-FFF2-40B4-BE49-F238E27FC236}">
+                <a16:creationId xmlns:a16="http://schemas.microsoft.com/office/drawing/2014/main" id="{3975127B-114D-4B36-BA13-4EB6781A2CEB}"/>
+              </a:ext>
+            </a:extLst>
+          </p:cNvPr>
+          <p:cNvSpPr>
+            <a:spLocks noGrp="1"/>
+          </p:cNvSpPr>
+          <p:nvPr>
+            <p:ph idx="1"/>
+          </p:nvPr>
+        </p:nvSpPr>
+        <p:spPr/>
+        <p:txBody>
+          <a:bodyPr>
+            <a:normAutofit/>
+          </a:bodyPr>
+          <a:lstStyle/>
+          <a:p>
+            <a:r>
+              <a:rPr lang="en-US" dirty="0">
+                <a:hlinkClick r:id="rId2"/>
+              </a:rPr>
+              <a:t>https://angular.io</a:t>
+            </a:r>
+            <a:r>
+              <a:rPr lang="en-US" dirty="0"/>
+              <a:t>: </a:t>
+            </a:r>
+          </a:p>
+          <a:p>
+            <a:r>
+              <a:rPr lang="en-US" dirty="0">
+                <a:hlinkClick r:id="rId3"/>
+              </a:rPr>
+              <a:t>https://rangle.io</a:t>
+            </a:r>
+            <a:r>
+              <a:rPr lang="en-US" dirty="0"/>
+              <a:t>: </a:t>
+            </a:r>
+          </a:p>
+          <a:p>
+            <a:pPr lvl="1"/>
+            <a:r>
+              <a:rPr lang="en-US" dirty="0" err="1">
+                <a:hlinkClick r:id="rId4"/>
+              </a:rPr>
+              <a:t>Rangle’s</a:t>
+            </a:r>
+            <a:r>
+              <a:rPr lang="en-US" dirty="0">
+                <a:hlinkClick r:id="rId4"/>
+              </a:rPr>
+              <a:t> Angular 2 Training Book</a:t>
+            </a:r>
+            <a:endParaRPr lang="en-US" dirty="0"/>
+          </a:p>
+          <a:p>
+            <a:pPr lvl="1"/>
+            <a:r>
+              <a:rPr lang="en-US" dirty="0">
+                <a:hlinkClick r:id="rId5"/>
+              </a:rPr>
+              <a:t>Functional Forms</a:t>
+            </a:r>
+            <a:endParaRPr lang="en-US" dirty="0"/>
+          </a:p>
+          <a:p>
+            <a:r>
+              <a:rPr lang="en-US" dirty="0">
+                <a:hlinkClick r:id="rId6"/>
+              </a:rPr>
+              <a:t>Become a Ninja with Angular</a:t>
+            </a:r>
+            <a:r>
+              <a:rPr lang="en-US" dirty="0"/>
+              <a:t>: sample chapters</a:t>
+            </a:r>
+          </a:p>
+          <a:p>
+            <a:r>
+              <a:rPr lang="en-US" dirty="0">
+                <a:hlinkClick r:id="rId7"/>
+              </a:rPr>
+              <a:t>Tour of Heroes Application with Multiple Modules</a:t>
+            </a:r>
+            <a:endParaRPr lang="en-US" dirty="0"/>
+          </a:p>
+        </p:txBody>
+      </p:sp>
+    </p:spTree>
+    <p:extLst>
+      <p:ext uri="{BB962C8B-B14F-4D97-AF65-F5344CB8AC3E}">
+        <p14:creationId xmlns:p14="http://schemas.microsoft.com/office/powerpoint/2010/main" val="3233442765"/>
+      </p:ext>
+    </p:extLst>
+  </p:cSld>
+  <p:clrMapOvr>
+    <a:masterClrMapping/>
+  </p:clrMapOvr>
+</p:sld>
+</file>
+
+<file path=ppt/slides/slide32.xml><?xml version="1.0" encoding="utf-8"?>
+<p:sld xmlns:a="http://schemas.openxmlformats.org/drawingml/2006/main" xmlns:r="http://schemas.openxmlformats.org/officeDocument/2006/relationships" xmlns:p="http://schemas.openxmlformats.org/presentationml/2006/main">
+  <p:cSld>
+    <p:spTree>
+      <p:nvGrpSpPr>
+        <p:cNvPr id="1" name=""/>
+        <p:cNvGrpSpPr/>
+        <p:nvPr/>
+      </p:nvGrpSpPr>
+      <p:grpSpPr>
+        <a:xfrm>
+          <a:off x="0" y="0"/>
+          <a:ext cx="0" cy="0"/>
+          <a:chOff x="0" y="0"/>
+          <a:chExt cx="0" cy="0"/>
+        </a:xfrm>
+      </p:grpSpPr>
+      <p:sp>
+        <p:nvSpPr>
+          <p:cNvPr id="2" name="Title 1">
+            <a:extLst>
+              <a:ext uri="{FF2B5EF4-FFF2-40B4-BE49-F238E27FC236}">
+                <a16:creationId xmlns:a16="http://schemas.microsoft.com/office/drawing/2014/main" id="{4D26C1FD-D049-416D-9C47-E3F3500B7FBE}"/>
+              </a:ext>
+            </a:extLst>
+          </p:cNvPr>
+          <p:cNvSpPr>
+            <a:spLocks noGrp="1"/>
+          </p:cNvSpPr>
+          <p:nvPr>
+            <p:ph type="title"/>
+          </p:nvPr>
+        </p:nvSpPr>
+        <p:spPr/>
+        <p:txBody>
+          <a:bodyPr/>
+          <a:lstStyle/>
+          <a:p>
+            <a:r>
+              <a:rPr lang="en-US"/>
+              <a:t>Miscellaneous</a:t>
+            </a:r>
+            <a:endParaRPr lang="en-US" dirty="0"/>
+          </a:p>
+        </p:txBody>
+      </p:sp>
+      <p:sp>
+        <p:nvSpPr>
+          <p:cNvPr id="3" name="Content Placeholder 2">
+            <a:extLst>
+              <a:ext uri="{FF2B5EF4-FFF2-40B4-BE49-F238E27FC236}">
+                <a16:creationId xmlns:a16="http://schemas.microsoft.com/office/drawing/2014/main" id="{E6782E6C-3EEC-49F3-B248-5C89306E3EEB}"/>
+              </a:ext>
+            </a:extLst>
+          </p:cNvPr>
+          <p:cNvSpPr>
+            <a:spLocks noGrp="1"/>
+          </p:cNvSpPr>
+          <p:nvPr>
+            <p:ph idx="1"/>
+          </p:nvPr>
+        </p:nvSpPr>
+        <p:spPr/>
+        <p:txBody>
+          <a:bodyPr/>
+          <a:lstStyle/>
+          <a:p>
+            <a:r>
+              <a:rPr lang="en-US"/>
+              <a:t>“Good programmers write good code. Great programmers steal.” - Unknown</a:t>
+            </a:r>
+          </a:p>
+          <a:p>
+            <a:pPr lvl="1"/>
+            <a:r>
+              <a:rPr lang="en-US"/>
+              <a:t>Learn, Use, Copy, Borrow, and/or Steal.</a:t>
+            </a:r>
+          </a:p>
+          <a:p>
+            <a:endParaRPr lang="en-US" dirty="0"/>
+          </a:p>
+        </p:txBody>
+      </p:sp>
+    </p:spTree>
+    <p:extLst>
+      <p:ext uri="{BB962C8B-B14F-4D97-AF65-F5344CB8AC3E}">
+        <p14:creationId xmlns:p14="http://schemas.microsoft.com/office/powerpoint/2010/main" val="1613193946"/>
       </p:ext>
     </p:extLst>
   </p:cSld>
@@ -30098,10 +30981,10 @@
       </p:grpSpPr>
       <p:sp>
         <p:nvSpPr>
-          <p:cNvPr id="4" name="Title 3">
+          <p:cNvPr id="2" name="Title 1">
             <a:extLst>
               <a:ext uri="{FF2B5EF4-FFF2-40B4-BE49-F238E27FC236}">
-                <a16:creationId xmlns:a16="http://schemas.microsoft.com/office/drawing/2014/main" id="{BA6E072C-BCBD-41C9-99D5-4ECE84428835}"/>
+                <a16:creationId xmlns:a16="http://schemas.microsoft.com/office/drawing/2014/main" id="{9B7DCE5E-1132-4D26-8E0C-1F49E7312FAB}"/>
               </a:ext>
             </a:extLst>
           </p:cNvPr>
@@ -30119,17 +31002,17 @@
           <a:p>
             <a:r>
               <a:rPr lang="en-US" dirty="0"/>
-              <a:t>Business Logic</a:t>
-            </a:r>
-          </a:p>
-        </p:txBody>
-      </p:sp>
-      <p:sp>
-        <p:nvSpPr>
-          <p:cNvPr id="5" name="Text Placeholder 4">
+              <a:t>Objective</a:t>
+            </a:r>
+          </a:p>
+        </p:txBody>
+      </p:sp>
+      <p:sp>
+        <p:nvSpPr>
+          <p:cNvPr id="3" name="Content Placeholder 2">
             <a:extLst>
               <a:ext uri="{FF2B5EF4-FFF2-40B4-BE49-F238E27FC236}">
-                <a16:creationId xmlns:a16="http://schemas.microsoft.com/office/drawing/2014/main" id="{0B2E308F-7216-4C24-8835-9DAB1AF6E659}"/>
+                <a16:creationId xmlns:a16="http://schemas.microsoft.com/office/drawing/2014/main" id="{92FA1252-C035-4F1B-B311-62B951A33873}"/>
               </a:ext>
             </a:extLst>
           </p:cNvPr>
@@ -30137,22 +31020,82 @@
             <a:spLocks noGrp="1"/>
           </p:cNvSpPr>
           <p:nvPr>
-            <p:ph type="body" idx="1"/>
+            <p:ph idx="1"/>
           </p:nvPr>
         </p:nvSpPr>
         <p:spPr/>
         <p:txBody>
-          <a:bodyPr/>
-          <a:lstStyle/>
-          <a:p>
-            <a:endParaRPr lang="en-US"/>
+          <a:bodyPr>
+            <a:normAutofit/>
+          </a:bodyPr>
+          <a:lstStyle/>
+          <a:p>
+            <a:r>
+              <a:rPr lang="en-US" dirty="0">
+                <a:latin typeface="Source Code Pro Light" panose="020B0409030403020204" pitchFamily="49" charset="0"/>
+                <a:ea typeface="Source Code Pro Light" panose="020B0409030403020204" pitchFamily="49" charset="0"/>
+              </a:rPr>
+              <a:t>The session will show you how to use and implement design patterns (like Composite, Builder, Template Method and others) using Typescript. The session will demonstrate code reuse strategies and extensibility techniques for building robust Angular Services and Business Logic.</a:t>
+            </a:r>
+          </a:p>
+          <a:p>
+            <a:r>
+              <a:rPr lang="en-US" dirty="0">
+                <a:latin typeface="Source Code Pro Light" panose="020B0409030403020204" pitchFamily="49" charset="0"/>
+                <a:ea typeface="Source Code Pro Light" panose="020B0409030403020204" pitchFamily="49" charset="0"/>
+              </a:rPr>
+              <a:t>The session will demonstrate how to implement shared Angular services and how to use them in Angular domain services. The services will include rich business logic layers that use the angular-rules-engine and angular-actions NPM packages.</a:t>
+            </a:r>
+          </a:p>
+          <a:p>
+            <a:endParaRPr lang="en-US" dirty="0">
+              <a:latin typeface="Source Code Pro Light" panose="020B0409030403020204" pitchFamily="49" charset="0"/>
+              <a:ea typeface="Source Code Pro Light" panose="020B0409030403020204" pitchFamily="49" charset="0"/>
+            </a:endParaRPr>
+          </a:p>
+        </p:txBody>
+      </p:sp>
+      <p:sp>
+        <p:nvSpPr>
+          <p:cNvPr id="4" name="Rectangle 3">
+            <a:extLst>
+              <a:ext uri="{FF2B5EF4-FFF2-40B4-BE49-F238E27FC236}">
+                <a16:creationId xmlns:a16="http://schemas.microsoft.com/office/drawing/2014/main" id="{A55D86A2-FCB5-4169-92F6-BA668245A746}"/>
+              </a:ext>
+            </a:extLst>
+          </p:cNvPr>
+          <p:cNvSpPr/>
+          <p:nvPr/>
+        </p:nvSpPr>
+        <p:spPr>
+          <a:xfrm>
+            <a:off x="30480" y="6396335"/>
+            <a:ext cx="6096000" cy="461665"/>
+          </a:xfrm>
+          <a:prstGeom prst="rect">
+            <a:avLst/>
+          </a:prstGeom>
+        </p:spPr>
+        <p:txBody>
+          <a:bodyPr>
+            <a:spAutoFit/>
+          </a:bodyPr>
+          <a:lstStyle/>
+          <a:p>
+            <a:r>
+              <a:rPr lang="en-US" sz="1200" dirty="0">
+                <a:latin typeface="Source Code Pro Light" panose="020B0409030403020204" pitchFamily="49" charset="0"/>
+              </a:rPr>
+              <a:t>Copyright © 2017 Build Motion, LLC. All rights reserved.
+</a:t>
+            </a:r>
           </a:p>
         </p:txBody>
       </p:sp>
     </p:spTree>
     <p:extLst>
       <p:ext uri="{BB962C8B-B14F-4D97-AF65-F5344CB8AC3E}">
-        <p14:creationId xmlns:p14="http://schemas.microsoft.com/office/powerpoint/2010/main" val="3591234367"/>
+        <p14:creationId xmlns:p14="http://schemas.microsoft.com/office/powerpoint/2010/main" val="113241367"/>
       </p:ext>
     </p:extLst>
   </p:cSld>
@@ -30181,10 +31124,10 @@
       </p:grpSpPr>
       <p:sp>
         <p:nvSpPr>
-          <p:cNvPr id="2" name="Title 1">
+          <p:cNvPr id="4" name="Title 3">
             <a:extLst>
               <a:ext uri="{FF2B5EF4-FFF2-40B4-BE49-F238E27FC236}">
-                <a16:creationId xmlns:a16="http://schemas.microsoft.com/office/drawing/2014/main" id="{42DFBCF7-339D-423E-A193-A74AB0C20861}"/>
+                <a16:creationId xmlns:a16="http://schemas.microsoft.com/office/drawing/2014/main" id="{BA6E072C-BCBD-41C9-99D5-4ECE84428835}"/>
               </a:ext>
             </a:extLst>
           </p:cNvPr>
@@ -30201,19 +31144,18 @@
           <a:lstStyle/>
           <a:p>
             <a:r>
-              <a:rPr lang="en-US"/>
-              <a:t>Business Logic – Why important?</a:t>
-            </a:r>
-            <a:endParaRPr lang="en-US" dirty="0"/>
-          </a:p>
-        </p:txBody>
-      </p:sp>
-      <p:sp>
-        <p:nvSpPr>
-          <p:cNvPr id="3" name="Content Placeholder 2">
+              <a:rPr lang="en-US" dirty="0"/>
+              <a:t>Business Logic</a:t>
+            </a:r>
+          </a:p>
+        </p:txBody>
+      </p:sp>
+      <p:sp>
+        <p:nvSpPr>
+          <p:cNvPr id="5" name="Text Placeholder 4">
             <a:extLst>
               <a:ext uri="{FF2B5EF4-FFF2-40B4-BE49-F238E27FC236}">
-                <a16:creationId xmlns:a16="http://schemas.microsoft.com/office/drawing/2014/main" id="{60FC013E-75B7-439E-8DD8-ECB0220BBBDE}"/>
+                <a16:creationId xmlns:a16="http://schemas.microsoft.com/office/drawing/2014/main" id="{0B2E308F-7216-4C24-8835-9DAB1AF6E659}"/>
               </a:ext>
             </a:extLst>
           </p:cNvPr>
@@ -30221,7 +31163,7 @@
             <a:spLocks noGrp="1"/>
           </p:cNvSpPr>
           <p:nvPr>
-            <p:ph idx="1"/>
+            <p:ph type="body" idx="1"/>
           </p:nvPr>
         </p:nvSpPr>
         <p:spPr/>
@@ -30229,30 +31171,14 @@
           <a:bodyPr/>
           <a:lstStyle/>
           <a:p>
-            <a:r>
-              <a:rPr lang="en-US"/>
-              <a:t>Heart of the application.</a:t>
-            </a:r>
-          </a:p>
-          <a:p>
-            <a:r>
-              <a:rPr lang="en-US"/>
-              <a:t>Defines the business domain.</a:t>
-            </a:r>
-          </a:p>
-          <a:p>
-            <a:r>
-              <a:rPr lang="en-US"/>
-              <a:t>Domain specific algorithms, intellectual property, etc.</a:t>
-            </a:r>
-            <a:endParaRPr lang="en-US" dirty="0"/>
+            <a:endParaRPr lang="en-US"/>
           </a:p>
         </p:txBody>
       </p:sp>
     </p:spTree>
     <p:extLst>
       <p:ext uri="{BB962C8B-B14F-4D97-AF65-F5344CB8AC3E}">
-        <p14:creationId xmlns:p14="http://schemas.microsoft.com/office/powerpoint/2010/main" val="1920202658"/>
+        <p14:creationId xmlns:p14="http://schemas.microsoft.com/office/powerpoint/2010/main" val="3591234367"/>
       </p:ext>
     </p:extLst>
   </p:cSld>
@@ -30284,7 +31210,7 @@
           <p:cNvPr id="2" name="Title 1">
             <a:extLst>
               <a:ext uri="{FF2B5EF4-FFF2-40B4-BE49-F238E27FC236}">
-                <a16:creationId xmlns:a16="http://schemas.microsoft.com/office/drawing/2014/main" id="{FB7F4F70-B64C-49D5-B2AC-89764B6ECD21}"/>
+                <a16:creationId xmlns:a16="http://schemas.microsoft.com/office/drawing/2014/main" id="{42DFBCF7-339D-423E-A193-A74AB0C20861}"/>
               </a:ext>
             </a:extLst>
           </p:cNvPr>
@@ -30302,7 +31228,7 @@
           <a:p>
             <a:r>
               <a:rPr lang="en-US"/>
-              <a:t>Business Logic – Why Difficult?</a:t>
+              <a:t>Business Logic – Why important?</a:t>
             </a:r>
             <a:endParaRPr lang="en-US" dirty="0"/>
           </a:p>
@@ -30313,7 +31239,7 @@
           <p:cNvPr id="3" name="Content Placeholder 2">
             <a:extLst>
               <a:ext uri="{FF2B5EF4-FFF2-40B4-BE49-F238E27FC236}">
-                <a16:creationId xmlns:a16="http://schemas.microsoft.com/office/drawing/2014/main" id="{D29CDD62-C0AF-4A8E-97CE-1214471C8D56}"/>
+                <a16:creationId xmlns:a16="http://schemas.microsoft.com/office/drawing/2014/main" id="{60FC013E-75B7-439E-8DD8-ECB0220BBBDE}"/>
               </a:ext>
             </a:extLst>
           </p:cNvPr>
@@ -30326,47 +31252,25 @@
         </p:nvSpPr>
         <p:spPr/>
         <p:txBody>
-          <a:bodyPr>
-            <a:normAutofit/>
-          </a:bodyPr>
-          <a:lstStyle/>
-          <a:p>
-            <a:r>
-              <a:rPr lang="en-US"/>
-              <a:t>Inconsistent implementation causes problems with extensibility/maintainability.</a:t>
-            </a:r>
-          </a:p>
-          <a:p>
-            <a:r>
-              <a:rPr lang="en-US"/>
-              <a:t>Architecture, design, or implementation makes it difficult to test.</a:t>
-            </a:r>
-          </a:p>
-          <a:p>
-            <a:r>
-              <a:rPr lang="en-US"/>
-              <a:t>Different implementation styles by different developers create inconsistent code base.</a:t>
-            </a:r>
-          </a:p>
-          <a:p>
-            <a:r>
-              <a:rPr lang="en-US"/>
-              <a:t>Single Responsibility Principle not followed - parts of code do too much.</a:t>
-            </a:r>
-          </a:p>
-          <a:p>
-            <a:r>
-              <a:rPr lang="en-US"/>
-              <a:t>Separation of Concerns Principle not followed - parts of the code cross boundaries. BL contained in different layers of the application (UI, services, BL layer, database).</a:t>
-            </a:r>
-          </a:p>
-          <a:p>
-            <a:r>
-              <a:rPr lang="en-US"/>
-              <a:t>Lack of structure or use of defined patterns.</a:t>
-            </a:r>
-          </a:p>
-          <a:p>
+          <a:bodyPr/>
+          <a:lstStyle/>
+          <a:p>
+            <a:r>
+              <a:rPr lang="en-US"/>
+              <a:t>Heart of the application.</a:t>
+            </a:r>
+          </a:p>
+          <a:p>
+            <a:r>
+              <a:rPr lang="en-US"/>
+              <a:t>Defines the business domain.</a:t>
+            </a:r>
+          </a:p>
+          <a:p>
+            <a:r>
+              <a:rPr lang="en-US"/>
+              <a:t>Domain specific algorithms, intellectual property, etc.</a:t>
+            </a:r>
             <a:endParaRPr lang="en-US" dirty="0"/>
           </a:p>
         </p:txBody>
@@ -30374,7 +31278,7 @@
     </p:spTree>
     <p:extLst>
       <p:ext uri="{BB962C8B-B14F-4D97-AF65-F5344CB8AC3E}">
-        <p14:creationId xmlns:p14="http://schemas.microsoft.com/office/powerpoint/2010/main" val="1220008974"/>
+        <p14:creationId xmlns:p14="http://schemas.microsoft.com/office/powerpoint/2010/main" val="1920202658"/>
       </p:ext>
     </p:extLst>
   </p:cSld>
@@ -30406,7 +31310,7 @@
           <p:cNvPr id="2" name="Title 1">
             <a:extLst>
               <a:ext uri="{FF2B5EF4-FFF2-40B4-BE49-F238E27FC236}">
-                <a16:creationId xmlns:a16="http://schemas.microsoft.com/office/drawing/2014/main" id="{8A48E893-AA20-4B9C-A6D6-41DD471948E0}"/>
+                <a16:creationId xmlns:a16="http://schemas.microsoft.com/office/drawing/2014/main" id="{FB7F4F70-B64C-49D5-B2AC-89764B6ECD21}"/>
               </a:ext>
             </a:extLst>
           </p:cNvPr>
@@ -30424,7 +31328,7 @@
           <a:p>
             <a:r>
               <a:rPr lang="en-US"/>
-              <a:t>What is a pattern?</a:t>
+              <a:t>Business Logic – Why Difficult?</a:t>
             </a:r>
             <a:endParaRPr lang="en-US" dirty="0"/>
           </a:p>
@@ -30435,7 +31339,7 @@
           <p:cNvPr id="3" name="Content Placeholder 2">
             <a:extLst>
               <a:ext uri="{FF2B5EF4-FFF2-40B4-BE49-F238E27FC236}">
-                <a16:creationId xmlns:a16="http://schemas.microsoft.com/office/drawing/2014/main" id="{DAC45B94-200A-4CFE-AE3A-40BBBC71E5A8}"/>
+                <a16:creationId xmlns:a16="http://schemas.microsoft.com/office/drawing/2014/main" id="{D29CDD62-C0AF-4A8E-97CE-1214471C8D56}"/>
               </a:ext>
             </a:extLst>
           </p:cNvPr>
@@ -30449,70 +31353,43 @@
         <p:spPr/>
         <p:txBody>
           <a:bodyPr>
-            <a:normAutofit fontScale="92500" lnSpcReduction="10000"/>
+            <a:normAutofit/>
           </a:bodyPr>
           <a:lstStyle/>
           <a:p>
             <a:r>
-              <a:rPr lang="en-US" dirty="0"/>
-              <a:t>Is a general reusable solution to a commonly occurring problem within a given context in software design.</a:t>
-            </a:r>
-          </a:p>
-          <a:p>
-            <a:r>
-              <a:rPr lang="en-US" dirty="0"/>
-              <a:t>Design patterns can speed up the development process by providing tested, proven development paradigms.</a:t>
-            </a:r>
-          </a:p>
-          <a:p>
-            <a:r>
-              <a:rPr lang="en-US" dirty="0"/>
-              <a:t>Improves code readability for coders and architects who are familiar with the patterns.</a:t>
-            </a:r>
-          </a:p>
-          <a:p>
-            <a:r>
-              <a:rPr lang="en-US" dirty="0"/>
-              <a:t>Many patterns based on Object Oriented Programming techniques: inheritance, abstraction, encapsulation, and polymorphism.</a:t>
-            </a:r>
-          </a:p>
-          <a:p>
-            <a:r>
-              <a:rPr lang="en-US" dirty="0"/>
-              <a:t>Many patterns support and promote:</a:t>
-            </a:r>
-          </a:p>
-          <a:p>
-            <a:pPr lvl="1"/>
-            <a:r>
-              <a:rPr lang="en-US" dirty="0">
-                <a:hlinkClick r:id="rId2"/>
-              </a:rPr>
-              <a:t>Single Responsibility</a:t>
-            </a:r>
-            <a:endParaRPr lang="en-US" dirty="0"/>
-          </a:p>
-          <a:p>
-            <a:pPr lvl="1"/>
-            <a:r>
-              <a:rPr lang="en-US" dirty="0">
-                <a:hlinkClick r:id="rId3"/>
-              </a:rPr>
-              <a:t>Separation of Concerns</a:t>
-            </a:r>
-            <a:endParaRPr lang="en-US" dirty="0"/>
-          </a:p>
-          <a:p>
-            <a:pPr lvl="1"/>
-            <a:r>
-              <a:rPr lang="en-US" dirty="0">
-                <a:hlinkClick r:id="rId4"/>
-              </a:rPr>
-              <a:t>S.O.L.I.D Principles</a:t>
-            </a:r>
-            <a:r>
-              <a:rPr lang="en-US" dirty="0"/>
-              <a:t> </a:t>
+              <a:rPr lang="en-US"/>
+              <a:t>Inconsistent implementation causes problems with extensibility/maintainability.</a:t>
+            </a:r>
+          </a:p>
+          <a:p>
+            <a:r>
+              <a:rPr lang="en-US"/>
+              <a:t>Architecture, design, or implementation makes it difficult to test.</a:t>
+            </a:r>
+          </a:p>
+          <a:p>
+            <a:r>
+              <a:rPr lang="en-US"/>
+              <a:t>Different implementation styles by different developers create inconsistent code base.</a:t>
+            </a:r>
+          </a:p>
+          <a:p>
+            <a:r>
+              <a:rPr lang="en-US"/>
+              <a:t>Single Responsibility Principle not followed - parts of code do too much.</a:t>
+            </a:r>
+          </a:p>
+          <a:p>
+            <a:r>
+              <a:rPr lang="en-US"/>
+              <a:t>Separation of Concerns Principle not followed - parts of the code cross boundaries. BL contained in different layers of the application (UI, services, BL layer, database).</a:t>
+            </a:r>
+          </a:p>
+          <a:p>
+            <a:r>
+              <a:rPr lang="en-US"/>
+              <a:t>Lack of structure or use of defined patterns.</a:t>
             </a:r>
           </a:p>
           <a:p>
@@ -30523,7 +31400,7 @@
     </p:spTree>
     <p:extLst>
       <p:ext uri="{BB962C8B-B14F-4D97-AF65-F5344CB8AC3E}">
-        <p14:creationId xmlns:p14="http://schemas.microsoft.com/office/powerpoint/2010/main" val="2115441615"/>
+        <p14:creationId xmlns:p14="http://schemas.microsoft.com/office/powerpoint/2010/main" val="1220008974"/>
       </p:ext>
     </p:extLst>
   </p:cSld>
@@ -30552,10 +31429,10 @@
       </p:grpSpPr>
       <p:sp>
         <p:nvSpPr>
-          <p:cNvPr id="2" name="Title 1">
+          <p:cNvPr id="4" name="Title 3">
             <a:extLst>
               <a:ext uri="{FF2B5EF4-FFF2-40B4-BE49-F238E27FC236}">
-                <a16:creationId xmlns:a16="http://schemas.microsoft.com/office/drawing/2014/main" id="{A5EA31D6-56D8-4F63-9F23-5FC95AAF9724}"/>
+                <a16:creationId xmlns:a16="http://schemas.microsoft.com/office/drawing/2014/main" id="{203B918A-3F11-486B-981F-885DC949B4D3}"/>
               </a:ext>
             </a:extLst>
           </p:cNvPr>
@@ -30572,19 +31449,18 @@
           <a:lstStyle/>
           <a:p>
             <a:r>
-              <a:rPr lang="en-US"/>
-              <a:t>Why Use Design Patterns?</a:t>
-            </a:r>
-            <a:endParaRPr lang="en-US" dirty="0"/>
-          </a:p>
-        </p:txBody>
-      </p:sp>
-      <p:sp>
-        <p:nvSpPr>
-          <p:cNvPr id="3" name="Content Placeholder 2">
+              <a:rPr lang="en-US" dirty="0"/>
+              <a:t>Angular Modules</a:t>
+            </a:r>
+          </a:p>
+        </p:txBody>
+      </p:sp>
+      <p:sp>
+        <p:nvSpPr>
+          <p:cNvPr id="5" name="Text Placeholder 4">
             <a:extLst>
               <a:ext uri="{FF2B5EF4-FFF2-40B4-BE49-F238E27FC236}">
-                <a16:creationId xmlns:a16="http://schemas.microsoft.com/office/drawing/2014/main" id="{4E510021-63A1-4237-B859-0A5222E8F179}"/>
+                <a16:creationId xmlns:a16="http://schemas.microsoft.com/office/drawing/2014/main" id="{81470885-0111-4942-B5A5-7DBC42C3A073}"/>
               </a:ext>
             </a:extLst>
           </p:cNvPr>
@@ -30592,92 +31468,22 @@
             <a:spLocks noGrp="1"/>
           </p:cNvSpPr>
           <p:nvPr>
-            <p:ph idx="1"/>
+            <p:ph type="body" idx="1"/>
           </p:nvPr>
         </p:nvSpPr>
         <p:spPr/>
         <p:txBody>
-          <a:bodyPr>
-            <a:normAutofit lnSpcReduction="10000"/>
-          </a:bodyPr>
-          <a:lstStyle/>
-          <a:p>
-            <a:r>
-              <a:rPr lang="en-US"/>
-              <a:t>What does this do for me or my team?</a:t>
-            </a:r>
-          </a:p>
-          <a:p>
-            <a:pPr lvl="1"/>
-            <a:r>
-              <a:rPr lang="en-US"/>
-              <a:t>Creates a consistent code base for improved maintainability.</a:t>
-            </a:r>
-          </a:p>
-          <a:p>
-            <a:pPr lvl="1"/>
-            <a:r>
-              <a:rPr lang="en-US"/>
-              <a:t>Inherently allows for more extensibility points. </a:t>
-            </a:r>
-          </a:p>
-          <a:p>
-            <a:pPr lvl="1"/>
-            <a:r>
-              <a:rPr lang="en-US"/>
-              <a:t>Promotes a more testable solution (unit and integration tests) with mocks and fakes. Better quality.</a:t>
-            </a:r>
-          </a:p>
-          <a:p>
-            <a:pPr lvl="1"/>
-            <a:r>
-              <a:rPr lang="en-US"/>
-              <a:t>Allows dependency injection opportunities.</a:t>
-            </a:r>
-          </a:p>
-          <a:p>
-            <a:r>
-              <a:rPr lang="en-US"/>
-              <a:t>What problems to they solve?</a:t>
-            </a:r>
-          </a:p>
-          <a:p>
-            <a:pPr lvl="1"/>
-            <a:r>
-              <a:rPr lang="en-US"/>
-              <a:t>Help with refactoring code to improve testability, extensibility, and maintainability.</a:t>
-            </a:r>
-          </a:p>
-          <a:p>
-            <a:pPr lvl="1"/>
-            <a:r>
-              <a:rPr lang="en-US"/>
-              <a:t>Many patterns allow for additional extensibility points.</a:t>
-            </a:r>
-          </a:p>
-          <a:p>
-            <a:pPr lvl="1"/>
-            <a:r>
-              <a:rPr lang="en-US"/>
-              <a:t>Use existing patterns without creating atypical solutions for common problems.</a:t>
-            </a:r>
-          </a:p>
-          <a:p>
-            <a:pPr lvl="1"/>
-            <a:r>
-              <a:rPr lang="en-US"/>
-              <a:t>The team has a recipe for implementing parts of the application.</a:t>
-            </a:r>
-          </a:p>
-          <a:p>
-            <a:endParaRPr lang="en-US" dirty="0"/>
+          <a:bodyPr/>
+          <a:lstStyle/>
+          <a:p>
+            <a:endParaRPr lang="en-US"/>
           </a:p>
         </p:txBody>
       </p:sp>
     </p:spTree>
     <p:extLst>
       <p:ext uri="{BB962C8B-B14F-4D97-AF65-F5344CB8AC3E}">
-        <p14:creationId xmlns:p14="http://schemas.microsoft.com/office/powerpoint/2010/main" val="1384919289"/>
+        <p14:creationId xmlns:p14="http://schemas.microsoft.com/office/powerpoint/2010/main" val="437872498"/>
       </p:ext>
     </p:extLst>
   </p:cSld>
@@ -30709,7 +31515,7 @@
           <p:cNvPr id="2" name="Title 1">
             <a:extLst>
               <a:ext uri="{FF2B5EF4-FFF2-40B4-BE49-F238E27FC236}">
-                <a16:creationId xmlns:a16="http://schemas.microsoft.com/office/drawing/2014/main" id="{DD130F9D-68BC-42EE-A1B4-1773DD7FD304}"/>
+                <a16:creationId xmlns:a16="http://schemas.microsoft.com/office/drawing/2014/main" id="{30231E74-F500-40B5-AF7A-3A8126ECB233}"/>
               </a:ext>
             </a:extLst>
           </p:cNvPr>
@@ -30726,10 +31532,9 @@
           <a:lstStyle/>
           <a:p>
             <a:r>
-              <a:rPr lang="en-US"/>
-              <a:t>Patterns are Everywhere!</a:t>
-            </a:r>
-            <a:endParaRPr lang="en-US" dirty="0"/>
+              <a:rPr lang="en-US" dirty="0"/>
+              <a:t>What is an Angular Module?</a:t>
+            </a:r>
           </a:p>
         </p:txBody>
       </p:sp>
@@ -30738,7 +31543,7 @@
           <p:cNvPr id="3" name="Content Placeholder 2">
             <a:extLst>
               <a:ext uri="{FF2B5EF4-FFF2-40B4-BE49-F238E27FC236}">
-                <a16:creationId xmlns:a16="http://schemas.microsoft.com/office/drawing/2014/main" id="{FD8BE140-F914-4F64-AE38-A9C5A2DA08EB}"/>
+                <a16:creationId xmlns:a16="http://schemas.microsoft.com/office/drawing/2014/main" id="{383A5FB0-907C-431D-B649-776C88A783DD}"/>
               </a:ext>
             </a:extLst>
           </p:cNvPr>
@@ -30756,83 +31561,75 @@
           <a:p>
             <a:r>
               <a:rPr lang="en-US" dirty="0"/>
-              <a:t>Many examples of </a:t>
-            </a:r>
-            <a:r>
-              <a:rPr lang="en-US" dirty="0">
-                <a:hlinkClick r:id="rId2"/>
-              </a:rPr>
-              <a:t>patterns</a:t>
-            </a:r>
+              <a:t>What is a module…?</a:t>
+            </a:r>
+          </a:p>
+          <a:p>
+            <a:pPr lvl="1"/>
             <a:r>
               <a:rPr lang="en-US" dirty="0"/>
-              <a:t> in </a:t>
-            </a:r>
-            <a:r>
-              <a:rPr lang="en-US" dirty="0">
-                <a:hlinkClick r:id="rId3"/>
-              </a:rPr>
-              <a:t>real</a:t>
-            </a:r>
+              <a:t>A container of related elements.</a:t>
+            </a:r>
+          </a:p>
+          <a:p>
+            <a:pPr lvl="1"/>
             <a:r>
               <a:rPr lang="en-US" dirty="0"/>
-              <a:t> life.</a:t>
+              <a:t>A module may have: components, directives, pipes, or services.</a:t>
             </a:r>
           </a:p>
           <a:p>
             <a:pPr lvl="1"/>
             <a:r>
               <a:rPr lang="en-US" dirty="0"/>
-              <a:t>Interactions between workers at a restaurant.</a:t>
+              <a:t>Angular application can only one root module: </a:t>
+            </a:r>
+            <a:r>
+              <a:rPr lang="en-US" dirty="0" err="1"/>
+              <a:t>AppModule</a:t>
+            </a:r>
+            <a:r>
+              <a:rPr lang="en-US" dirty="0"/>
+              <a:t>.</a:t>
             </a:r>
           </a:p>
           <a:p>
             <a:pPr lvl="1"/>
             <a:r>
               <a:rPr lang="en-US" dirty="0"/>
-              <a:t>Soda Machine</a:t>
-            </a:r>
-          </a:p>
-          <a:p>
+              <a:t>Angular application can have zero-to-many feature modules.</a:t>
+            </a:r>
+          </a:p>
+          <a:p>
+            <a:pPr lvl="2"/>
             <a:r>
               <a:rPr lang="en-US" dirty="0"/>
-              <a:t>Software and Frameworks</a:t>
-            </a:r>
-          </a:p>
-          <a:p>
-            <a:pPr lvl="1"/>
+              <a:t>Core</a:t>
+            </a:r>
+          </a:p>
+          <a:p>
+            <a:pPr lvl="2"/>
             <a:r>
               <a:rPr lang="en-US" dirty="0"/>
-              <a:t>.NET</a:t>
-            </a:r>
-          </a:p>
-          <a:p>
-            <a:pPr lvl="1"/>
+              <a:t>Shared</a:t>
+            </a:r>
+          </a:p>
+          <a:p>
+            <a:pPr lvl="2"/>
             <a:r>
               <a:rPr lang="en-US" dirty="0"/>
-              <a:t>ASP.NET</a:t>
-            </a:r>
-          </a:p>
-          <a:p>
-            <a:pPr lvl="1"/>
-            <a:r>
-              <a:rPr lang="en-US" dirty="0"/>
-              <a:t>ASP.NET MVC</a:t>
-            </a:r>
-          </a:p>
-          <a:p>
-            <a:pPr lvl="1"/>
-            <a:r>
-              <a:rPr lang="en-US" dirty="0"/>
-              <a:t>Angular</a:t>
-            </a:r>
+              <a:t>Feature</a:t>
+            </a:r>
+          </a:p>
+          <a:p>
+            <a:endParaRPr lang="en-US" dirty="0"/>
           </a:p>
         </p:txBody>
       </p:sp>
     </p:spTree>
     <p:extLst>
       <p:ext uri="{BB962C8B-B14F-4D97-AF65-F5344CB8AC3E}">
-        <p14:creationId xmlns:p14="http://schemas.microsoft.com/office/powerpoint/2010/main" val="1989779248"/>
+        <p14:creationId xmlns:p14="http://schemas.microsoft.com/office/powerpoint/2010/main" val="377887822"/>
       </p:ext>
     </p:extLst>
   </p:cSld>

--- a/Presentation/Better Business Logic with Typescript.pptx
+++ b/Presentation/Better Business Logic with Typescript.pptx
@@ -36,11 +36,14 @@
     <p:sldId id="276" r:id="rId30"/>
     <p:sldId id="277" r:id="rId31"/>
     <p:sldId id="278" r:id="rId32"/>
-    <p:sldId id="280" r:id="rId33"/>
-    <p:sldId id="264" r:id="rId34"/>
-    <p:sldId id="266" r:id="rId35"/>
-    <p:sldId id="283" r:id="rId36"/>
-    <p:sldId id="265" r:id="rId37"/>
+    <p:sldId id="291" r:id="rId33"/>
+    <p:sldId id="290" r:id="rId34"/>
+    <p:sldId id="280" r:id="rId35"/>
+    <p:sldId id="292" r:id="rId36"/>
+    <p:sldId id="264" r:id="rId37"/>
+    <p:sldId id="266" r:id="rId38"/>
+    <p:sldId id="283" r:id="rId39"/>
+    <p:sldId id="265" r:id="rId40"/>
   </p:sldIdLst>
   <p:sldSz cx="12192000" cy="6858000"/>
   <p:notesSz cx="6858000" cy="9144000"/>
@@ -195,7 +198,10 @@
             <p14:sldId id="276"/>
             <p14:sldId id="277"/>
             <p14:sldId id="278"/>
+            <p14:sldId id="291"/>
+            <p14:sldId id="290"/>
             <p14:sldId id="280"/>
+            <p14:sldId id="292"/>
           </p14:sldIdLst>
         </p14:section>
         <p14:section name="References" id="{5423D470-F98F-46CC-AAC0-7790DAF9F850}">
@@ -30149,6 +30155,383 @@
           <a:chExt cx="0" cy="0"/>
         </a:xfrm>
       </p:grpSpPr>
+      <p:sp>
+        <p:nvSpPr>
+          <p:cNvPr id="2" name="Title 1">
+            <a:extLst>
+              <a:ext uri="{FF2B5EF4-FFF2-40B4-BE49-F238E27FC236}">
+                <a16:creationId xmlns:a16="http://schemas.microsoft.com/office/drawing/2014/main" id="{FA1BCB59-0789-48A4-8783-E209DA86CB32}"/>
+              </a:ext>
+            </a:extLst>
+          </p:cNvPr>
+          <p:cNvSpPr>
+            <a:spLocks noGrp="1"/>
+          </p:cNvSpPr>
+          <p:nvPr>
+            <p:ph type="title"/>
+          </p:nvPr>
+        </p:nvSpPr>
+        <p:spPr/>
+        <p:txBody>
+          <a:bodyPr/>
+          <a:lstStyle/>
+          <a:p>
+            <a:r>
+              <a:rPr lang="en-US" dirty="0"/>
+              <a:t>DEMO :: Taco Template</a:t>
+            </a:r>
+          </a:p>
+        </p:txBody>
+      </p:sp>
+      <p:sp>
+        <p:nvSpPr>
+          <p:cNvPr id="3" name="Content Placeholder 2">
+            <a:extLst>
+              <a:ext uri="{FF2B5EF4-FFF2-40B4-BE49-F238E27FC236}">
+                <a16:creationId xmlns:a16="http://schemas.microsoft.com/office/drawing/2014/main" id="{A01FBAB8-C7B4-43CB-89BE-BEACC68BD6FE}"/>
+              </a:ext>
+            </a:extLst>
+          </p:cNvPr>
+          <p:cNvSpPr>
+            <a:spLocks noGrp="1"/>
+          </p:cNvSpPr>
+          <p:nvPr>
+            <p:ph idx="1"/>
+          </p:nvPr>
+        </p:nvSpPr>
+        <p:spPr/>
+        <p:txBody>
+          <a:bodyPr/>
+          <a:lstStyle/>
+          <a:p>
+            <a:endParaRPr lang="en-US" dirty="0"/>
+          </a:p>
+        </p:txBody>
+      </p:sp>
+      <p:pic>
+        <p:nvPicPr>
+          <p:cNvPr id="1026" name="Picture 2" descr="Image result for taco">
+            <a:extLst>
+              <a:ext uri="{FF2B5EF4-FFF2-40B4-BE49-F238E27FC236}">
+                <a16:creationId xmlns:a16="http://schemas.microsoft.com/office/drawing/2014/main" id="{F3708CAD-144F-4598-85C7-7B04391F4BD1}"/>
+              </a:ext>
+            </a:extLst>
+          </p:cNvPr>
+          <p:cNvPicPr>
+            <a:picLocks noChangeAspect="1" noChangeArrowheads="1"/>
+          </p:cNvPicPr>
+          <p:nvPr/>
+        </p:nvPicPr>
+        <p:blipFill>
+          <a:blip r:embed="rId2">
+            <a:extLst>
+              <a:ext uri="{28A0092B-C50C-407E-A947-70E740481C1C}">
+                <a14:useLocalDpi xmlns:a14="http://schemas.microsoft.com/office/drawing/2010/main" val="0"/>
+              </a:ext>
+            </a:extLst>
+          </a:blip>
+          <a:srcRect/>
+          <a:stretch>
+            <a:fillRect/>
+          </a:stretch>
+        </p:blipFill>
+        <p:spPr bwMode="auto">
+          <a:xfrm>
+            <a:off x="3078499" y="2611792"/>
+            <a:ext cx="4714875" cy="2857500"/>
+          </a:xfrm>
+          <a:prstGeom prst="rect">
+            <a:avLst/>
+          </a:prstGeom>
+          <a:noFill/>
+          <a:extLst>
+            <a:ext uri="{909E8E84-426E-40DD-AFC4-6F175D3DCCD1}">
+              <a14:hiddenFill xmlns:a14="http://schemas.microsoft.com/office/drawing/2010/main">
+                <a:solidFill>
+                  <a:srgbClr val="FFFFFF"/>
+                </a:solidFill>
+              </a14:hiddenFill>
+            </a:ext>
+          </a:extLst>
+        </p:spPr>
+      </p:pic>
+    </p:spTree>
+    <p:extLst>
+      <p:ext uri="{BB962C8B-B14F-4D97-AF65-F5344CB8AC3E}">
+        <p14:creationId xmlns:p14="http://schemas.microsoft.com/office/powerpoint/2010/main" val="494287696"/>
+      </p:ext>
+    </p:extLst>
+  </p:cSld>
+  <p:clrMapOvr>
+    <a:masterClrMapping/>
+  </p:clrMapOvr>
+</p:sld>
+</file>
+
+<file path=ppt/slides/slide29.xml><?xml version="1.0" encoding="utf-8"?>
+<p:sld xmlns:a="http://schemas.openxmlformats.org/drawingml/2006/main" xmlns:r="http://schemas.openxmlformats.org/officeDocument/2006/relationships" xmlns:p="http://schemas.openxmlformats.org/presentationml/2006/main">
+  <p:cSld>
+    <p:spTree>
+      <p:nvGrpSpPr>
+        <p:cNvPr id="1" name=""/>
+        <p:cNvGrpSpPr/>
+        <p:nvPr/>
+      </p:nvGrpSpPr>
+      <p:grpSpPr>
+        <a:xfrm>
+          <a:off x="0" y="0"/>
+          <a:ext cx="0" cy="0"/>
+          <a:chOff x="0" y="0"/>
+          <a:chExt cx="0" cy="0"/>
+        </a:xfrm>
+      </p:grpSpPr>
+      <p:sp>
+        <p:nvSpPr>
+          <p:cNvPr id="2" name="Title 1">
+            <a:extLst>
+              <a:ext uri="{FF2B5EF4-FFF2-40B4-BE49-F238E27FC236}">
+                <a16:creationId xmlns:a16="http://schemas.microsoft.com/office/drawing/2014/main" id="{FA1BCB59-0789-48A4-8783-E209DA86CB32}"/>
+              </a:ext>
+            </a:extLst>
+          </p:cNvPr>
+          <p:cNvSpPr>
+            <a:spLocks noGrp="1"/>
+          </p:cNvSpPr>
+          <p:nvPr>
+            <p:ph type="title"/>
+          </p:nvPr>
+        </p:nvSpPr>
+        <p:spPr/>
+        <p:txBody>
+          <a:bodyPr/>
+          <a:lstStyle/>
+          <a:p>
+            <a:r>
+              <a:rPr lang="en-US" dirty="0"/>
+              <a:t>DEMO</a:t>
+            </a:r>
+          </a:p>
+        </p:txBody>
+      </p:sp>
+      <p:sp>
+        <p:nvSpPr>
+          <p:cNvPr id="3" name="Content Placeholder 2">
+            <a:extLst>
+              <a:ext uri="{FF2B5EF4-FFF2-40B4-BE49-F238E27FC236}">
+                <a16:creationId xmlns:a16="http://schemas.microsoft.com/office/drawing/2014/main" id="{A01FBAB8-C7B4-43CB-89BE-BEACC68BD6FE}"/>
+              </a:ext>
+            </a:extLst>
+          </p:cNvPr>
+          <p:cNvSpPr>
+            <a:spLocks noGrp="1"/>
+          </p:cNvSpPr>
+          <p:nvPr>
+            <p:ph idx="1"/>
+          </p:nvPr>
+        </p:nvSpPr>
+        <p:spPr/>
+        <p:txBody>
+          <a:bodyPr/>
+          <a:lstStyle/>
+          <a:p>
+            <a:r>
+              <a:rPr lang="en-US" b="1" dirty="0">
+                <a:hlinkClick r:id="rId2"/>
+              </a:rPr>
+              <a:t>http://dev.hybridmobileapp.net</a:t>
+            </a:r>
+            <a:r>
+              <a:rPr lang="en-US" b="1" dirty="0"/>
+              <a:t> </a:t>
+            </a:r>
+            <a:endParaRPr lang="en-US" dirty="0"/>
+          </a:p>
+        </p:txBody>
+      </p:sp>
+    </p:spTree>
+    <p:extLst>
+      <p:ext uri="{BB962C8B-B14F-4D97-AF65-F5344CB8AC3E}">
+        <p14:creationId xmlns:p14="http://schemas.microsoft.com/office/powerpoint/2010/main" val="1244110402"/>
+      </p:ext>
+    </p:extLst>
+  </p:cSld>
+  <p:clrMapOvr>
+    <a:masterClrMapping/>
+  </p:clrMapOvr>
+</p:sld>
+</file>
+
+<file path=ppt/slides/slide3.xml><?xml version="1.0" encoding="utf-8"?>
+<p:sld xmlns:a="http://schemas.openxmlformats.org/drawingml/2006/main" xmlns:r="http://schemas.openxmlformats.org/officeDocument/2006/relationships" xmlns:p="http://schemas.openxmlformats.org/presentationml/2006/main">
+  <p:cSld>
+    <p:spTree>
+      <p:nvGrpSpPr>
+        <p:cNvPr id="1" name=""/>
+        <p:cNvGrpSpPr/>
+        <p:nvPr/>
+      </p:nvGrpSpPr>
+      <p:grpSpPr>
+        <a:xfrm>
+          <a:off x="0" y="0"/>
+          <a:ext cx="0" cy="0"/>
+          <a:chOff x="0" y="0"/>
+          <a:chExt cx="0" cy="0"/>
+        </a:xfrm>
+      </p:grpSpPr>
+      <p:sp>
+        <p:nvSpPr>
+          <p:cNvPr id="2" name="Title 1">
+            <a:extLst>
+              <a:ext uri="{FF2B5EF4-FFF2-40B4-BE49-F238E27FC236}">
+                <a16:creationId xmlns:a16="http://schemas.microsoft.com/office/drawing/2014/main" id="{22A2A588-9EDC-459E-9F15-343ACBB411B2}"/>
+              </a:ext>
+            </a:extLst>
+          </p:cNvPr>
+          <p:cNvSpPr>
+            <a:spLocks noGrp="1"/>
+          </p:cNvSpPr>
+          <p:nvPr>
+            <p:ph type="title"/>
+          </p:nvPr>
+        </p:nvSpPr>
+        <p:spPr/>
+        <p:txBody>
+          <a:bodyPr/>
+          <a:lstStyle/>
+          <a:p>
+            <a:r>
+              <a:rPr lang="en-US"/>
+              <a:t>Contact Information</a:t>
+            </a:r>
+            <a:endParaRPr lang="en-US" dirty="0"/>
+          </a:p>
+        </p:txBody>
+      </p:sp>
+      <p:sp>
+        <p:nvSpPr>
+          <p:cNvPr id="3" name="Content Placeholder 2">
+            <a:extLst>
+              <a:ext uri="{FF2B5EF4-FFF2-40B4-BE49-F238E27FC236}">
+                <a16:creationId xmlns:a16="http://schemas.microsoft.com/office/drawing/2014/main" id="{069F119E-B9EC-4B81-815E-AF84F5C550A3}"/>
+              </a:ext>
+            </a:extLst>
+          </p:cNvPr>
+          <p:cNvSpPr>
+            <a:spLocks noGrp="1"/>
+          </p:cNvSpPr>
+          <p:nvPr>
+            <p:ph idx="1"/>
+          </p:nvPr>
+        </p:nvSpPr>
+        <p:spPr/>
+        <p:txBody>
+          <a:bodyPr>
+            <a:normAutofit/>
+          </a:bodyPr>
+          <a:lstStyle/>
+          <a:p>
+            <a:r>
+              <a:rPr lang="en-US"/>
+              <a:t>Matt Vaughn</a:t>
+            </a:r>
+          </a:p>
+          <a:p>
+            <a:pPr lvl="1"/>
+            <a:r>
+              <a:rPr lang="en-US"/>
+              <a:t>E: </a:t>
+            </a:r>
+            <a:r>
+              <a:rPr lang="en-US">
+                <a:hlinkClick r:id="rId2"/>
+              </a:rPr>
+              <a:t>matt.vaughn@buildmotion.com</a:t>
+            </a:r>
+            <a:endParaRPr lang="en-US"/>
+          </a:p>
+          <a:p>
+            <a:pPr lvl="1"/>
+            <a:r>
+              <a:rPr lang="en-US"/>
+              <a:t>W: </a:t>
+            </a:r>
+            <a:r>
+              <a:rPr lang="en-US">
+                <a:hlinkClick r:id="rId3"/>
+              </a:rPr>
+              <a:t>www.buildmotion.com</a:t>
+            </a:r>
+            <a:endParaRPr lang="en-US"/>
+          </a:p>
+          <a:p>
+            <a:pPr lvl="1"/>
+            <a:r>
+              <a:rPr lang="en-US"/>
+              <a:t>GitHub: </a:t>
+            </a:r>
+            <a:r>
+              <a:rPr lang="en-US">
+                <a:hlinkClick r:id="rId4"/>
+              </a:rPr>
+              <a:t>https://github.com/buildmotion</a:t>
+            </a:r>
+            <a:r>
+              <a:rPr lang="en-US"/>
+              <a:t> </a:t>
+            </a:r>
+          </a:p>
+          <a:p>
+            <a:r>
+              <a:rPr lang="en-US"/>
+              <a:t>Code Samples and Presentation</a:t>
+            </a:r>
+          </a:p>
+          <a:p>
+            <a:pPr lvl="1"/>
+            <a:r>
+              <a:rPr lang="en-US"/>
+              <a:t>GitHub: </a:t>
+            </a:r>
+            <a:r>
+              <a:rPr lang="en-US">
+                <a:hlinkClick r:id="rId5"/>
+              </a:rPr>
+              <a:t>https://github.com/buildmotion/better-business-logic-with-typescript</a:t>
+            </a:r>
+            <a:endParaRPr lang="en-US" dirty="0"/>
+          </a:p>
+        </p:txBody>
+      </p:sp>
+    </p:spTree>
+    <p:extLst>
+      <p:ext uri="{BB962C8B-B14F-4D97-AF65-F5344CB8AC3E}">
+        <p14:creationId xmlns:p14="http://schemas.microsoft.com/office/powerpoint/2010/main" val="411051127"/>
+      </p:ext>
+    </p:extLst>
+  </p:cSld>
+  <p:clrMapOvr>
+    <a:masterClrMapping/>
+  </p:clrMapOvr>
+</p:sld>
+</file>
+
+<file path=ppt/slides/slide30.xml><?xml version="1.0" encoding="utf-8"?>
+<p:sld xmlns:a="http://schemas.openxmlformats.org/drawingml/2006/main" xmlns:r="http://schemas.openxmlformats.org/officeDocument/2006/relationships" xmlns:p="http://schemas.openxmlformats.org/presentationml/2006/main">
+  <p:cSld>
+    <p:spTree>
+      <p:nvGrpSpPr>
+        <p:cNvPr id="1" name=""/>
+        <p:cNvGrpSpPr/>
+        <p:nvPr/>
+      </p:nvGrpSpPr>
+      <p:grpSpPr>
+        <a:xfrm>
+          <a:off x="0" y="0"/>
+          <a:ext cx="0" cy="0"/>
+          <a:chOff x="0" y="0"/>
+          <a:chExt cx="0" cy="0"/>
+        </a:xfrm>
+      </p:grpSpPr>
       <p:pic>
         <p:nvPicPr>
           <p:cNvPr id="6" name="Picture 5">
@@ -30222,496 +30605,6 @@
 </p:sld>
 </file>
 
-<file path=ppt/slides/slide29.xml><?xml version="1.0" encoding="utf-8"?>
-<p:sld xmlns:a="http://schemas.openxmlformats.org/drawingml/2006/main" xmlns:r="http://schemas.openxmlformats.org/officeDocument/2006/relationships" xmlns:p="http://schemas.openxmlformats.org/presentationml/2006/main">
-  <p:cSld>
-    <p:spTree>
-      <p:nvGrpSpPr>
-        <p:cNvPr id="1" name=""/>
-        <p:cNvGrpSpPr/>
-        <p:nvPr/>
-      </p:nvGrpSpPr>
-      <p:grpSpPr>
-        <a:xfrm>
-          <a:off x="0" y="0"/>
-          <a:ext cx="0" cy="0"/>
-          <a:chOff x="0" y="0"/>
-          <a:chExt cx="0" cy="0"/>
-        </a:xfrm>
-      </p:grpSpPr>
-      <p:sp>
-        <p:nvSpPr>
-          <p:cNvPr id="2" name="Title 1">
-            <a:extLst>
-              <a:ext uri="{FF2B5EF4-FFF2-40B4-BE49-F238E27FC236}">
-                <a16:creationId xmlns:a16="http://schemas.microsoft.com/office/drawing/2014/main" id="{7D8AF8FB-793E-41BD-8CC5-A923B5A8209E}"/>
-              </a:ext>
-            </a:extLst>
-          </p:cNvPr>
-          <p:cNvSpPr>
-            <a:spLocks noGrp="1"/>
-          </p:cNvSpPr>
-          <p:nvPr>
-            <p:ph type="title"/>
-          </p:nvPr>
-        </p:nvSpPr>
-        <p:spPr/>
-        <p:txBody>
-          <a:bodyPr/>
-          <a:lstStyle/>
-          <a:p>
-            <a:r>
-              <a:rPr lang="en-US"/>
-              <a:t>Web References</a:t>
-            </a:r>
-            <a:endParaRPr lang="en-US" dirty="0"/>
-          </a:p>
-        </p:txBody>
-      </p:sp>
-      <p:sp>
-        <p:nvSpPr>
-          <p:cNvPr id="3" name="Content Placeholder 2">
-            <a:extLst>
-              <a:ext uri="{FF2B5EF4-FFF2-40B4-BE49-F238E27FC236}">
-                <a16:creationId xmlns:a16="http://schemas.microsoft.com/office/drawing/2014/main" id="{3975127B-114D-4B36-BA13-4EB6781A2CEB}"/>
-              </a:ext>
-            </a:extLst>
-          </p:cNvPr>
-          <p:cNvSpPr>
-            <a:spLocks noGrp="1"/>
-          </p:cNvSpPr>
-          <p:nvPr>
-            <p:ph idx="1"/>
-          </p:nvPr>
-        </p:nvSpPr>
-        <p:spPr/>
-        <p:txBody>
-          <a:bodyPr>
-            <a:normAutofit/>
-          </a:bodyPr>
-          <a:lstStyle/>
-          <a:p>
-            <a:r>
-              <a:rPr lang="en-US">
-                <a:hlinkClick r:id="rId2"/>
-              </a:rPr>
-              <a:t>GoF Design patterns in .NET/C#</a:t>
-            </a:r>
-            <a:endParaRPr lang="en-US"/>
-          </a:p>
-          <a:p>
-            <a:r>
-              <a:rPr lang="en-US">
-                <a:hlinkClick r:id="rId3"/>
-              </a:rPr>
-              <a:t>Design Patterns General</a:t>
-            </a:r>
-            <a:endParaRPr lang="en-US"/>
-          </a:p>
-          <a:p>
-            <a:pPr lvl="1"/>
-            <a:r>
-              <a:rPr lang="en-US">
-                <a:hlinkClick r:id="rId3"/>
-              </a:rPr>
-              <a:t>Creational</a:t>
-            </a:r>
-            <a:endParaRPr lang="en-US"/>
-          </a:p>
-          <a:p>
-            <a:pPr lvl="1"/>
-            <a:r>
-              <a:rPr lang="en-US">
-                <a:hlinkClick r:id="rId4"/>
-              </a:rPr>
-              <a:t>Structural</a:t>
-            </a:r>
-            <a:endParaRPr lang="en-US"/>
-          </a:p>
-          <a:p>
-            <a:pPr lvl="1"/>
-            <a:r>
-              <a:rPr lang="en-US">
-                <a:hlinkClick r:id="rId5"/>
-              </a:rPr>
-              <a:t>Behavioral</a:t>
-            </a:r>
-            <a:endParaRPr lang="en-US"/>
-          </a:p>
-          <a:p>
-            <a:r>
-              <a:rPr lang="en-US"/>
-              <a:t>Principles:</a:t>
-            </a:r>
-          </a:p>
-          <a:p>
-            <a:pPr lvl="1"/>
-            <a:r>
-              <a:rPr lang="en-US">
-                <a:hlinkClick r:id="rId6"/>
-              </a:rPr>
-              <a:t>Single Responsibility</a:t>
-            </a:r>
-            <a:endParaRPr lang="en-US"/>
-          </a:p>
-          <a:p>
-            <a:pPr lvl="1"/>
-            <a:r>
-              <a:rPr lang="en-US">
-                <a:hlinkClick r:id="rId7"/>
-              </a:rPr>
-              <a:t>Separation of Concerns</a:t>
-            </a:r>
-            <a:endParaRPr lang="en-US"/>
-          </a:p>
-          <a:p>
-            <a:pPr lvl="1"/>
-            <a:r>
-              <a:rPr lang="en-US">
-                <a:hlinkClick r:id="rId8"/>
-              </a:rPr>
-              <a:t>S.O.L.I.D Principles</a:t>
-            </a:r>
-            <a:endParaRPr lang="en-US"/>
-          </a:p>
-          <a:p>
-            <a:endParaRPr lang="en-US" dirty="0"/>
-          </a:p>
-        </p:txBody>
-      </p:sp>
-    </p:spTree>
-    <p:extLst>
-      <p:ext uri="{BB962C8B-B14F-4D97-AF65-F5344CB8AC3E}">
-        <p14:creationId xmlns:p14="http://schemas.microsoft.com/office/powerpoint/2010/main" val="1961233773"/>
-      </p:ext>
-    </p:extLst>
-  </p:cSld>
-  <p:clrMapOvr>
-    <a:masterClrMapping/>
-  </p:clrMapOvr>
-</p:sld>
-</file>
-
-<file path=ppt/slides/slide3.xml><?xml version="1.0" encoding="utf-8"?>
-<p:sld xmlns:a="http://schemas.openxmlformats.org/drawingml/2006/main" xmlns:r="http://schemas.openxmlformats.org/officeDocument/2006/relationships" xmlns:p="http://schemas.openxmlformats.org/presentationml/2006/main">
-  <p:cSld>
-    <p:spTree>
-      <p:nvGrpSpPr>
-        <p:cNvPr id="1" name=""/>
-        <p:cNvGrpSpPr/>
-        <p:nvPr/>
-      </p:nvGrpSpPr>
-      <p:grpSpPr>
-        <a:xfrm>
-          <a:off x="0" y="0"/>
-          <a:ext cx="0" cy="0"/>
-          <a:chOff x="0" y="0"/>
-          <a:chExt cx="0" cy="0"/>
-        </a:xfrm>
-      </p:grpSpPr>
-      <p:sp>
-        <p:nvSpPr>
-          <p:cNvPr id="2" name="Title 1">
-            <a:extLst>
-              <a:ext uri="{FF2B5EF4-FFF2-40B4-BE49-F238E27FC236}">
-                <a16:creationId xmlns:a16="http://schemas.microsoft.com/office/drawing/2014/main" id="{22A2A588-9EDC-459E-9F15-343ACBB411B2}"/>
-              </a:ext>
-            </a:extLst>
-          </p:cNvPr>
-          <p:cNvSpPr>
-            <a:spLocks noGrp="1"/>
-          </p:cNvSpPr>
-          <p:nvPr>
-            <p:ph type="title"/>
-          </p:nvPr>
-        </p:nvSpPr>
-        <p:spPr/>
-        <p:txBody>
-          <a:bodyPr/>
-          <a:lstStyle/>
-          <a:p>
-            <a:r>
-              <a:rPr lang="en-US"/>
-              <a:t>Contact Information</a:t>
-            </a:r>
-            <a:endParaRPr lang="en-US" dirty="0"/>
-          </a:p>
-        </p:txBody>
-      </p:sp>
-      <p:sp>
-        <p:nvSpPr>
-          <p:cNvPr id="3" name="Content Placeholder 2">
-            <a:extLst>
-              <a:ext uri="{FF2B5EF4-FFF2-40B4-BE49-F238E27FC236}">
-                <a16:creationId xmlns:a16="http://schemas.microsoft.com/office/drawing/2014/main" id="{069F119E-B9EC-4B81-815E-AF84F5C550A3}"/>
-              </a:ext>
-            </a:extLst>
-          </p:cNvPr>
-          <p:cNvSpPr>
-            <a:spLocks noGrp="1"/>
-          </p:cNvSpPr>
-          <p:nvPr>
-            <p:ph idx="1"/>
-          </p:nvPr>
-        </p:nvSpPr>
-        <p:spPr/>
-        <p:txBody>
-          <a:bodyPr>
-            <a:normAutofit/>
-          </a:bodyPr>
-          <a:lstStyle/>
-          <a:p>
-            <a:r>
-              <a:rPr lang="en-US"/>
-              <a:t>Matt Vaughn</a:t>
-            </a:r>
-          </a:p>
-          <a:p>
-            <a:pPr lvl="1"/>
-            <a:r>
-              <a:rPr lang="en-US"/>
-              <a:t>E: </a:t>
-            </a:r>
-            <a:r>
-              <a:rPr lang="en-US">
-                <a:hlinkClick r:id="rId2"/>
-              </a:rPr>
-              <a:t>matt.vaughn@buildmotion.com</a:t>
-            </a:r>
-            <a:endParaRPr lang="en-US"/>
-          </a:p>
-          <a:p>
-            <a:pPr lvl="1"/>
-            <a:r>
-              <a:rPr lang="en-US"/>
-              <a:t>W: </a:t>
-            </a:r>
-            <a:r>
-              <a:rPr lang="en-US">
-                <a:hlinkClick r:id="rId3"/>
-              </a:rPr>
-              <a:t>www.buildmotion.com</a:t>
-            </a:r>
-            <a:endParaRPr lang="en-US"/>
-          </a:p>
-          <a:p>
-            <a:pPr lvl="1"/>
-            <a:r>
-              <a:rPr lang="en-US"/>
-              <a:t>GitHub: </a:t>
-            </a:r>
-            <a:r>
-              <a:rPr lang="en-US">
-                <a:hlinkClick r:id="rId4"/>
-              </a:rPr>
-              <a:t>https://github.com/buildmotion</a:t>
-            </a:r>
-            <a:r>
-              <a:rPr lang="en-US"/>
-              <a:t> </a:t>
-            </a:r>
-          </a:p>
-          <a:p>
-            <a:r>
-              <a:rPr lang="en-US"/>
-              <a:t>Code Samples and Presentation</a:t>
-            </a:r>
-          </a:p>
-          <a:p>
-            <a:pPr lvl="1"/>
-            <a:r>
-              <a:rPr lang="en-US"/>
-              <a:t>GitHub: </a:t>
-            </a:r>
-            <a:r>
-              <a:rPr lang="en-US">
-                <a:hlinkClick r:id="rId5"/>
-              </a:rPr>
-              <a:t>https://github.com/buildmotion/better-business-logic-with-typescript</a:t>
-            </a:r>
-            <a:endParaRPr lang="en-US" dirty="0"/>
-          </a:p>
-        </p:txBody>
-      </p:sp>
-    </p:spTree>
-    <p:extLst>
-      <p:ext uri="{BB962C8B-B14F-4D97-AF65-F5344CB8AC3E}">
-        <p14:creationId xmlns:p14="http://schemas.microsoft.com/office/powerpoint/2010/main" val="411051127"/>
-      </p:ext>
-    </p:extLst>
-  </p:cSld>
-  <p:clrMapOvr>
-    <a:masterClrMapping/>
-  </p:clrMapOvr>
-</p:sld>
-</file>
-
-<file path=ppt/slides/slide30.xml><?xml version="1.0" encoding="utf-8"?>
-<p:sld xmlns:a="http://schemas.openxmlformats.org/drawingml/2006/main" xmlns:r="http://schemas.openxmlformats.org/officeDocument/2006/relationships" xmlns:p="http://schemas.openxmlformats.org/presentationml/2006/main">
-  <p:cSld>
-    <p:spTree>
-      <p:nvGrpSpPr>
-        <p:cNvPr id="1" name=""/>
-        <p:cNvGrpSpPr/>
-        <p:nvPr/>
-      </p:nvGrpSpPr>
-      <p:grpSpPr>
-        <a:xfrm>
-          <a:off x="0" y="0"/>
-          <a:ext cx="0" cy="0"/>
-          <a:chOff x="0" y="0"/>
-          <a:chExt cx="0" cy="0"/>
-        </a:xfrm>
-      </p:grpSpPr>
-      <p:sp>
-        <p:nvSpPr>
-          <p:cNvPr id="2" name="Title 1">
-            <a:extLst>
-              <a:ext uri="{FF2B5EF4-FFF2-40B4-BE49-F238E27FC236}">
-                <a16:creationId xmlns:a16="http://schemas.microsoft.com/office/drawing/2014/main" id="{7D8AF8FB-793E-41BD-8CC5-A923B5A8209E}"/>
-              </a:ext>
-            </a:extLst>
-          </p:cNvPr>
-          <p:cNvSpPr>
-            <a:spLocks noGrp="1"/>
-          </p:cNvSpPr>
-          <p:nvPr>
-            <p:ph type="title"/>
-          </p:nvPr>
-        </p:nvSpPr>
-        <p:spPr/>
-        <p:txBody>
-          <a:bodyPr/>
-          <a:lstStyle/>
-          <a:p>
-            <a:r>
-              <a:rPr lang="en-US"/>
-              <a:t>Book References</a:t>
-            </a:r>
-            <a:endParaRPr lang="en-US" dirty="0"/>
-          </a:p>
-        </p:txBody>
-      </p:sp>
-      <p:sp>
-        <p:nvSpPr>
-          <p:cNvPr id="3" name="Content Placeholder 2">
-            <a:extLst>
-              <a:ext uri="{FF2B5EF4-FFF2-40B4-BE49-F238E27FC236}">
-                <a16:creationId xmlns:a16="http://schemas.microsoft.com/office/drawing/2014/main" id="{3975127B-114D-4B36-BA13-4EB6781A2CEB}"/>
-              </a:ext>
-            </a:extLst>
-          </p:cNvPr>
-          <p:cNvSpPr>
-            <a:spLocks noGrp="1"/>
-          </p:cNvSpPr>
-          <p:nvPr>
-            <p:ph idx="1"/>
-          </p:nvPr>
-        </p:nvSpPr>
-        <p:spPr/>
-        <p:txBody>
-          <a:bodyPr>
-            <a:normAutofit fontScale="92500" lnSpcReduction="10000"/>
-          </a:bodyPr>
-          <a:lstStyle/>
-          <a:p>
-            <a:r>
-              <a:rPr lang="en-US">
-                <a:hlinkClick r:id="rId2"/>
-              </a:rPr>
-              <a:t>Design Patterns : Elements of Reusable Object-Oriented Software</a:t>
-            </a:r>
-            <a:endParaRPr lang="en-US"/>
-          </a:p>
-          <a:p>
-            <a:pPr lvl="1"/>
-            <a:r>
-              <a:rPr lang="en-US"/>
-              <a:t>ISBN-13: 978-0201633610, ISBN-10: 0201633612</a:t>
-            </a:r>
-          </a:p>
-          <a:p>
-            <a:r>
-              <a:rPr lang="en-US">
-                <a:hlinkClick r:id="rId3"/>
-              </a:rPr>
-              <a:t>Head First Design Patterns</a:t>
-            </a:r>
-            <a:endParaRPr lang="en-US"/>
-          </a:p>
-          <a:p>
-            <a:pPr lvl="1"/>
-            <a:r>
-              <a:rPr lang="en-US"/>
-              <a:t>ISBN-13: 978-0596007126, ISBN-10: 0596007124</a:t>
-            </a:r>
-          </a:p>
-          <a:p>
-            <a:r>
-              <a:rPr lang="en-US">
-                <a:hlinkClick r:id="rId4"/>
-              </a:rPr>
-              <a:t>Clean Code</a:t>
-            </a:r>
-            <a:endParaRPr lang="en-US"/>
-          </a:p>
-          <a:p>
-            <a:pPr lvl="1"/>
-            <a:r>
-              <a:rPr lang="en-US"/>
-              <a:t>ISBN-13: 978-0132350884, ISBN-10: 0132350882</a:t>
-            </a:r>
-          </a:p>
-          <a:p>
-            <a:r>
-              <a:rPr lang="en-US">
-                <a:hlinkClick r:id="rId5"/>
-              </a:rPr>
-              <a:t>The Pragmatic Programmer</a:t>
-            </a:r>
-            <a:endParaRPr lang="en-US"/>
-          </a:p>
-          <a:p>
-            <a:pPr lvl="1"/>
-            <a:r>
-              <a:rPr lang="en-US"/>
-              <a:t>ISBN-13: 978-0201616224, ISBN-10: 020161622X</a:t>
-            </a:r>
-          </a:p>
-          <a:p>
-            <a:r>
-              <a:rPr lang="en-US">
-                <a:hlinkClick r:id="rId6"/>
-              </a:rPr>
-              <a:t>Patterns of Enterprise Application Architecture</a:t>
-            </a:r>
-            <a:endParaRPr lang="en-US"/>
-          </a:p>
-          <a:p>
-            <a:pPr lvl="1"/>
-            <a:r>
-              <a:rPr lang="en-US"/>
-              <a:t>ISBN-13: 978-0321127426, ISBN-10: 0321127420</a:t>
-            </a:r>
-          </a:p>
-          <a:p>
-            <a:endParaRPr lang="en-US" dirty="0"/>
-          </a:p>
-        </p:txBody>
-      </p:sp>
-    </p:spTree>
-    <p:extLst>
-      <p:ext uri="{BB962C8B-B14F-4D97-AF65-F5344CB8AC3E}">
-        <p14:creationId xmlns:p14="http://schemas.microsoft.com/office/powerpoint/2010/main" val="214986796"/>
-      </p:ext>
-    </p:extLst>
-  </p:cSld>
-  <p:clrMapOvr>
-    <a:masterClrMapping/>
-  </p:clrMapOvr>
-</p:sld>
-</file>
-
 <file path=ppt/slides/slide31.xml><?xml version="1.0" encoding="utf-8"?>
 <p:sld xmlns:a="http://schemas.openxmlformats.org/drawingml/2006/main" xmlns:r="http://schemas.openxmlformats.org/officeDocument/2006/relationships" xmlns:p="http://schemas.openxmlformats.org/presentationml/2006/main">
   <p:cSld>
@@ -30731,6 +30624,561 @@
       </p:grpSpPr>
       <p:sp>
         <p:nvSpPr>
+          <p:cNvPr id="6" name="Title 5">
+            <a:extLst>
+              <a:ext uri="{FF2B5EF4-FFF2-40B4-BE49-F238E27FC236}">
+                <a16:creationId xmlns:a16="http://schemas.microsoft.com/office/drawing/2014/main" id="{C66EA529-467E-45E3-AE8F-76472241DB03}"/>
+              </a:ext>
+            </a:extLst>
+          </p:cNvPr>
+          <p:cNvSpPr>
+            <a:spLocks noGrp="1"/>
+          </p:cNvSpPr>
+          <p:nvPr>
+            <p:ph type="title"/>
+          </p:nvPr>
+        </p:nvSpPr>
+        <p:spPr/>
+        <p:txBody>
+          <a:bodyPr/>
+          <a:lstStyle/>
+          <a:p>
+            <a:r>
+              <a:rPr lang="en-US" dirty="0"/>
+              <a:t>Action Pipeline</a:t>
+            </a:r>
+          </a:p>
+        </p:txBody>
+      </p:sp>
+      <p:sp>
+        <p:nvSpPr>
+          <p:cNvPr id="7" name="Content Placeholder 6">
+            <a:extLst>
+              <a:ext uri="{FF2B5EF4-FFF2-40B4-BE49-F238E27FC236}">
+                <a16:creationId xmlns:a16="http://schemas.microsoft.com/office/drawing/2014/main" id="{F54AD95E-152B-4C9A-BABE-304B78EBEE75}"/>
+              </a:ext>
+            </a:extLst>
+          </p:cNvPr>
+          <p:cNvSpPr>
+            <a:spLocks noGrp="1"/>
+          </p:cNvSpPr>
+          <p:nvPr>
+            <p:ph idx="1"/>
+          </p:nvPr>
+        </p:nvSpPr>
+        <p:spPr/>
+        <p:txBody>
+          <a:bodyPr/>
+          <a:lstStyle/>
+          <a:p>
+            <a:endParaRPr lang="en-US" dirty="0"/>
+          </a:p>
+        </p:txBody>
+      </p:sp>
+      <p:sp>
+        <p:nvSpPr>
+          <p:cNvPr id="8" name="Text Placeholder 7">
+            <a:extLst>
+              <a:ext uri="{FF2B5EF4-FFF2-40B4-BE49-F238E27FC236}">
+                <a16:creationId xmlns:a16="http://schemas.microsoft.com/office/drawing/2014/main" id="{F757B5AA-B9E2-4409-95DC-190C74C21681}"/>
+              </a:ext>
+            </a:extLst>
+          </p:cNvPr>
+          <p:cNvSpPr>
+            <a:spLocks noGrp="1"/>
+          </p:cNvSpPr>
+          <p:nvPr>
+            <p:ph type="body" sz="half" idx="2"/>
+          </p:nvPr>
+        </p:nvSpPr>
+        <p:spPr/>
+        <p:txBody>
+          <a:bodyPr>
+            <a:normAutofit/>
+          </a:bodyPr>
+          <a:lstStyle/>
+          <a:p>
+            <a:pPr marL="342900" indent="-342900">
+              <a:buFont typeface="+mj-lt"/>
+              <a:buAutoNum type="arabicPeriod"/>
+            </a:pPr>
+            <a:r>
+              <a:rPr lang="en-US" sz="1800" dirty="0"/>
+              <a:t>Service delegates to the Business Layer to process request.</a:t>
+            </a:r>
+          </a:p>
+          <a:p>
+            <a:pPr marL="342900" indent="-342900">
+              <a:buFont typeface="+mj-lt"/>
+              <a:buAutoNum type="arabicPeriod"/>
+            </a:pPr>
+            <a:r>
+              <a:rPr lang="en-US" sz="1800" dirty="0"/>
+              <a:t>The Business Layer initializes a new Action and Executes action.</a:t>
+            </a:r>
+          </a:p>
+          <a:p>
+            <a:pPr marL="342900" indent="-342900">
+              <a:buFont typeface="+mj-lt"/>
+              <a:buAutoNum type="arabicPeriod"/>
+            </a:pPr>
+            <a:r>
+              <a:rPr lang="en-US" sz="1800" dirty="0"/>
+              <a:t>The concrete action implements </a:t>
+            </a:r>
+            <a:r>
+              <a:rPr lang="en-US" sz="1800"/>
+              <a:t>the </a:t>
+            </a:r>
+            <a:r>
+              <a:rPr lang="en-US" sz="1200">
+                <a:solidFill>
+                  <a:srgbClr val="FFC000"/>
+                </a:solidFill>
+                <a:latin typeface="Source Code Pro" panose="020B0509030403020204" pitchFamily="49" charset="0"/>
+                <a:ea typeface="Source Code Pro" panose="020B0509030403020204" pitchFamily="49" charset="0"/>
+              </a:rPr>
+              <a:t>preValidationAction</a:t>
+            </a:r>
+            <a:r>
+              <a:rPr lang="en-US" sz="1200" dirty="0">
+                <a:solidFill>
+                  <a:srgbClr val="FFC000"/>
+                </a:solidFill>
+                <a:latin typeface="Source Code Pro" panose="020B0509030403020204" pitchFamily="49" charset="0"/>
+                <a:ea typeface="Source Code Pro" panose="020B0509030403020204" pitchFamily="49" charset="0"/>
+              </a:rPr>
+              <a:t>()</a:t>
+            </a:r>
+            <a:r>
+              <a:rPr lang="en-US" sz="1800" dirty="0"/>
+              <a:t> method and the </a:t>
+            </a:r>
+            <a:r>
+              <a:rPr lang="en-US" sz="1200" dirty="0" err="1">
+                <a:solidFill>
+                  <a:srgbClr val="FFC000"/>
+                </a:solidFill>
+                <a:latin typeface="Source Code Pro" panose="020B0509030403020204" pitchFamily="49" charset="0"/>
+                <a:ea typeface="Source Code Pro" panose="020B0509030403020204" pitchFamily="49" charset="0"/>
+              </a:rPr>
+              <a:t>performAction</a:t>
+            </a:r>
+            <a:r>
+              <a:rPr lang="en-US" sz="1200" dirty="0">
+                <a:solidFill>
+                  <a:srgbClr val="FFC000"/>
+                </a:solidFill>
+                <a:latin typeface="Source Code Pro" panose="020B0509030403020204" pitchFamily="49" charset="0"/>
+                <a:ea typeface="Source Code Pro" panose="020B0509030403020204" pitchFamily="49" charset="0"/>
+              </a:rPr>
+              <a:t>() </a:t>
+            </a:r>
+            <a:r>
+              <a:rPr lang="en-US" sz="1800" dirty="0"/>
+              <a:t>method.</a:t>
+            </a:r>
+          </a:p>
+        </p:txBody>
+      </p:sp>
+      <p:pic>
+        <p:nvPicPr>
+          <p:cNvPr id="9" name="Picture 8">
+            <a:extLst>
+              <a:ext uri="{FF2B5EF4-FFF2-40B4-BE49-F238E27FC236}">
+                <a16:creationId xmlns:a16="http://schemas.microsoft.com/office/drawing/2014/main" id="{EB9B34DB-2268-4206-BFDF-DC89EE31B5F2}"/>
+              </a:ext>
+            </a:extLst>
+          </p:cNvPr>
+          <p:cNvPicPr>
+            <a:picLocks noChangeAspect="1"/>
+          </p:cNvPicPr>
+          <p:nvPr/>
+        </p:nvPicPr>
+        <p:blipFill>
+          <a:blip r:embed="rId2"/>
+          <a:stretch>
+            <a:fillRect/>
+          </a:stretch>
+        </p:blipFill>
+        <p:spPr>
+          <a:xfrm>
+            <a:off x="5077641" y="511288"/>
+            <a:ext cx="5488426" cy="5284561"/>
+          </a:xfrm>
+          <a:prstGeom prst="rect">
+            <a:avLst/>
+          </a:prstGeom>
+        </p:spPr>
+      </p:pic>
+    </p:spTree>
+    <p:extLst>
+      <p:ext uri="{BB962C8B-B14F-4D97-AF65-F5344CB8AC3E}">
+        <p14:creationId xmlns:p14="http://schemas.microsoft.com/office/powerpoint/2010/main" val="3752534429"/>
+      </p:ext>
+    </p:extLst>
+  </p:cSld>
+  <p:clrMapOvr>
+    <a:masterClrMapping/>
+  </p:clrMapOvr>
+</p:sld>
+</file>
+
+<file path=ppt/slides/slide32.xml><?xml version="1.0" encoding="utf-8"?>
+<p:sld xmlns:a="http://schemas.openxmlformats.org/drawingml/2006/main" xmlns:r="http://schemas.openxmlformats.org/officeDocument/2006/relationships" xmlns:p="http://schemas.openxmlformats.org/presentationml/2006/main">
+  <p:cSld>
+    <p:spTree>
+      <p:nvGrpSpPr>
+        <p:cNvPr id="1" name=""/>
+        <p:cNvGrpSpPr/>
+        <p:nvPr/>
+      </p:nvGrpSpPr>
+      <p:grpSpPr>
+        <a:xfrm>
+          <a:off x="0" y="0"/>
+          <a:ext cx="0" cy="0"/>
+          <a:chOff x="0" y="0"/>
+          <a:chExt cx="0" cy="0"/>
+        </a:xfrm>
+      </p:grpSpPr>
+      <p:sp>
+        <p:nvSpPr>
+          <p:cNvPr id="2" name="Title 1">
+            <a:extLst>
+              <a:ext uri="{FF2B5EF4-FFF2-40B4-BE49-F238E27FC236}">
+                <a16:creationId xmlns:a16="http://schemas.microsoft.com/office/drawing/2014/main" id="{7D8AF8FB-793E-41BD-8CC5-A923B5A8209E}"/>
+              </a:ext>
+            </a:extLst>
+          </p:cNvPr>
+          <p:cNvSpPr>
+            <a:spLocks noGrp="1"/>
+          </p:cNvSpPr>
+          <p:nvPr>
+            <p:ph type="title"/>
+          </p:nvPr>
+        </p:nvSpPr>
+        <p:spPr/>
+        <p:txBody>
+          <a:bodyPr/>
+          <a:lstStyle/>
+          <a:p>
+            <a:r>
+              <a:rPr lang="en-US"/>
+              <a:t>Web References</a:t>
+            </a:r>
+            <a:endParaRPr lang="en-US" dirty="0"/>
+          </a:p>
+        </p:txBody>
+      </p:sp>
+      <p:sp>
+        <p:nvSpPr>
+          <p:cNvPr id="3" name="Content Placeholder 2">
+            <a:extLst>
+              <a:ext uri="{FF2B5EF4-FFF2-40B4-BE49-F238E27FC236}">
+                <a16:creationId xmlns:a16="http://schemas.microsoft.com/office/drawing/2014/main" id="{3975127B-114D-4B36-BA13-4EB6781A2CEB}"/>
+              </a:ext>
+            </a:extLst>
+          </p:cNvPr>
+          <p:cNvSpPr>
+            <a:spLocks noGrp="1"/>
+          </p:cNvSpPr>
+          <p:nvPr>
+            <p:ph idx="1"/>
+          </p:nvPr>
+        </p:nvSpPr>
+        <p:spPr/>
+        <p:txBody>
+          <a:bodyPr>
+            <a:normAutofit/>
+          </a:bodyPr>
+          <a:lstStyle/>
+          <a:p>
+            <a:r>
+              <a:rPr lang="en-US">
+                <a:hlinkClick r:id="rId2"/>
+              </a:rPr>
+              <a:t>GoF Design patterns in .NET/C#</a:t>
+            </a:r>
+            <a:endParaRPr lang="en-US"/>
+          </a:p>
+          <a:p>
+            <a:r>
+              <a:rPr lang="en-US">
+                <a:hlinkClick r:id="rId3"/>
+              </a:rPr>
+              <a:t>Design Patterns General</a:t>
+            </a:r>
+            <a:endParaRPr lang="en-US"/>
+          </a:p>
+          <a:p>
+            <a:pPr lvl="1"/>
+            <a:r>
+              <a:rPr lang="en-US">
+                <a:hlinkClick r:id="rId3"/>
+              </a:rPr>
+              <a:t>Creational</a:t>
+            </a:r>
+            <a:endParaRPr lang="en-US"/>
+          </a:p>
+          <a:p>
+            <a:pPr lvl="1"/>
+            <a:r>
+              <a:rPr lang="en-US">
+                <a:hlinkClick r:id="rId4"/>
+              </a:rPr>
+              <a:t>Structural</a:t>
+            </a:r>
+            <a:endParaRPr lang="en-US"/>
+          </a:p>
+          <a:p>
+            <a:pPr lvl="1"/>
+            <a:r>
+              <a:rPr lang="en-US">
+                <a:hlinkClick r:id="rId5"/>
+              </a:rPr>
+              <a:t>Behavioral</a:t>
+            </a:r>
+            <a:endParaRPr lang="en-US"/>
+          </a:p>
+          <a:p>
+            <a:r>
+              <a:rPr lang="en-US"/>
+              <a:t>Principles:</a:t>
+            </a:r>
+          </a:p>
+          <a:p>
+            <a:pPr lvl="1"/>
+            <a:r>
+              <a:rPr lang="en-US">
+                <a:hlinkClick r:id="rId6"/>
+              </a:rPr>
+              <a:t>Single Responsibility</a:t>
+            </a:r>
+            <a:endParaRPr lang="en-US"/>
+          </a:p>
+          <a:p>
+            <a:pPr lvl="1"/>
+            <a:r>
+              <a:rPr lang="en-US">
+                <a:hlinkClick r:id="rId7"/>
+              </a:rPr>
+              <a:t>Separation of Concerns</a:t>
+            </a:r>
+            <a:endParaRPr lang="en-US"/>
+          </a:p>
+          <a:p>
+            <a:pPr lvl="1"/>
+            <a:r>
+              <a:rPr lang="en-US">
+                <a:hlinkClick r:id="rId8"/>
+              </a:rPr>
+              <a:t>S.O.L.I.D Principles</a:t>
+            </a:r>
+            <a:endParaRPr lang="en-US"/>
+          </a:p>
+          <a:p>
+            <a:endParaRPr lang="en-US" dirty="0"/>
+          </a:p>
+        </p:txBody>
+      </p:sp>
+    </p:spTree>
+    <p:extLst>
+      <p:ext uri="{BB962C8B-B14F-4D97-AF65-F5344CB8AC3E}">
+        <p14:creationId xmlns:p14="http://schemas.microsoft.com/office/powerpoint/2010/main" val="1961233773"/>
+      </p:ext>
+    </p:extLst>
+  </p:cSld>
+  <p:clrMapOvr>
+    <a:masterClrMapping/>
+  </p:clrMapOvr>
+</p:sld>
+</file>
+
+<file path=ppt/slides/slide33.xml><?xml version="1.0" encoding="utf-8"?>
+<p:sld xmlns:a="http://schemas.openxmlformats.org/drawingml/2006/main" xmlns:r="http://schemas.openxmlformats.org/officeDocument/2006/relationships" xmlns:p="http://schemas.openxmlformats.org/presentationml/2006/main">
+  <p:cSld>
+    <p:spTree>
+      <p:nvGrpSpPr>
+        <p:cNvPr id="1" name=""/>
+        <p:cNvGrpSpPr/>
+        <p:nvPr/>
+      </p:nvGrpSpPr>
+      <p:grpSpPr>
+        <a:xfrm>
+          <a:off x="0" y="0"/>
+          <a:ext cx="0" cy="0"/>
+          <a:chOff x="0" y="0"/>
+          <a:chExt cx="0" cy="0"/>
+        </a:xfrm>
+      </p:grpSpPr>
+      <p:sp>
+        <p:nvSpPr>
+          <p:cNvPr id="2" name="Title 1">
+            <a:extLst>
+              <a:ext uri="{FF2B5EF4-FFF2-40B4-BE49-F238E27FC236}">
+                <a16:creationId xmlns:a16="http://schemas.microsoft.com/office/drawing/2014/main" id="{7D8AF8FB-793E-41BD-8CC5-A923B5A8209E}"/>
+              </a:ext>
+            </a:extLst>
+          </p:cNvPr>
+          <p:cNvSpPr>
+            <a:spLocks noGrp="1"/>
+          </p:cNvSpPr>
+          <p:nvPr>
+            <p:ph type="title"/>
+          </p:nvPr>
+        </p:nvSpPr>
+        <p:spPr/>
+        <p:txBody>
+          <a:bodyPr/>
+          <a:lstStyle/>
+          <a:p>
+            <a:r>
+              <a:rPr lang="en-US"/>
+              <a:t>Book References</a:t>
+            </a:r>
+            <a:endParaRPr lang="en-US" dirty="0"/>
+          </a:p>
+        </p:txBody>
+      </p:sp>
+      <p:sp>
+        <p:nvSpPr>
+          <p:cNvPr id="3" name="Content Placeholder 2">
+            <a:extLst>
+              <a:ext uri="{FF2B5EF4-FFF2-40B4-BE49-F238E27FC236}">
+                <a16:creationId xmlns:a16="http://schemas.microsoft.com/office/drawing/2014/main" id="{3975127B-114D-4B36-BA13-4EB6781A2CEB}"/>
+              </a:ext>
+            </a:extLst>
+          </p:cNvPr>
+          <p:cNvSpPr>
+            <a:spLocks noGrp="1"/>
+          </p:cNvSpPr>
+          <p:nvPr>
+            <p:ph idx="1"/>
+          </p:nvPr>
+        </p:nvSpPr>
+        <p:spPr/>
+        <p:txBody>
+          <a:bodyPr>
+            <a:normAutofit fontScale="92500" lnSpcReduction="10000"/>
+          </a:bodyPr>
+          <a:lstStyle/>
+          <a:p>
+            <a:r>
+              <a:rPr lang="en-US">
+                <a:hlinkClick r:id="rId2"/>
+              </a:rPr>
+              <a:t>Design Patterns : Elements of Reusable Object-Oriented Software</a:t>
+            </a:r>
+            <a:endParaRPr lang="en-US"/>
+          </a:p>
+          <a:p>
+            <a:pPr lvl="1"/>
+            <a:r>
+              <a:rPr lang="en-US"/>
+              <a:t>ISBN-13: 978-0201633610, ISBN-10: 0201633612</a:t>
+            </a:r>
+          </a:p>
+          <a:p>
+            <a:r>
+              <a:rPr lang="en-US">
+                <a:hlinkClick r:id="rId3"/>
+              </a:rPr>
+              <a:t>Head First Design Patterns</a:t>
+            </a:r>
+            <a:endParaRPr lang="en-US"/>
+          </a:p>
+          <a:p>
+            <a:pPr lvl="1"/>
+            <a:r>
+              <a:rPr lang="en-US"/>
+              <a:t>ISBN-13: 978-0596007126, ISBN-10: 0596007124</a:t>
+            </a:r>
+          </a:p>
+          <a:p>
+            <a:r>
+              <a:rPr lang="en-US">
+                <a:hlinkClick r:id="rId4"/>
+              </a:rPr>
+              <a:t>Clean Code</a:t>
+            </a:r>
+            <a:endParaRPr lang="en-US"/>
+          </a:p>
+          <a:p>
+            <a:pPr lvl="1"/>
+            <a:r>
+              <a:rPr lang="en-US"/>
+              <a:t>ISBN-13: 978-0132350884, ISBN-10: 0132350882</a:t>
+            </a:r>
+          </a:p>
+          <a:p>
+            <a:r>
+              <a:rPr lang="en-US">
+                <a:hlinkClick r:id="rId5"/>
+              </a:rPr>
+              <a:t>The Pragmatic Programmer</a:t>
+            </a:r>
+            <a:endParaRPr lang="en-US"/>
+          </a:p>
+          <a:p>
+            <a:pPr lvl="1"/>
+            <a:r>
+              <a:rPr lang="en-US"/>
+              <a:t>ISBN-13: 978-0201616224, ISBN-10: 020161622X</a:t>
+            </a:r>
+          </a:p>
+          <a:p>
+            <a:r>
+              <a:rPr lang="en-US">
+                <a:hlinkClick r:id="rId6"/>
+              </a:rPr>
+              <a:t>Patterns of Enterprise Application Architecture</a:t>
+            </a:r>
+            <a:endParaRPr lang="en-US"/>
+          </a:p>
+          <a:p>
+            <a:pPr lvl="1"/>
+            <a:r>
+              <a:rPr lang="en-US"/>
+              <a:t>ISBN-13: 978-0321127426, ISBN-10: 0321127420</a:t>
+            </a:r>
+          </a:p>
+          <a:p>
+            <a:endParaRPr lang="en-US" dirty="0"/>
+          </a:p>
+        </p:txBody>
+      </p:sp>
+    </p:spTree>
+    <p:extLst>
+      <p:ext uri="{BB962C8B-B14F-4D97-AF65-F5344CB8AC3E}">
+        <p14:creationId xmlns:p14="http://schemas.microsoft.com/office/powerpoint/2010/main" val="214986796"/>
+      </p:ext>
+    </p:extLst>
+  </p:cSld>
+  <p:clrMapOvr>
+    <a:masterClrMapping/>
+  </p:clrMapOvr>
+</p:sld>
+</file>
+
+<file path=ppt/slides/slide34.xml><?xml version="1.0" encoding="utf-8"?>
+<p:sld xmlns:a="http://schemas.openxmlformats.org/drawingml/2006/main" xmlns:r="http://schemas.openxmlformats.org/officeDocument/2006/relationships" xmlns:p="http://schemas.openxmlformats.org/presentationml/2006/main">
+  <p:cSld>
+    <p:spTree>
+      <p:nvGrpSpPr>
+        <p:cNvPr id="1" name=""/>
+        <p:cNvGrpSpPr/>
+        <p:nvPr/>
+      </p:nvGrpSpPr>
+      <p:grpSpPr>
+        <a:xfrm>
+          <a:off x="0" y="0"/>
+          <a:ext cx="0" cy="0"/>
+          <a:chOff x="0" y="0"/>
+          <a:chExt cx="0" cy="0"/>
+        </a:xfrm>
+      </p:grpSpPr>
+      <p:sp>
+        <p:nvSpPr>
           <p:cNvPr id="2" name="Title 1">
             <a:extLst>
               <a:ext uri="{FF2B5EF4-FFF2-40B4-BE49-F238E27FC236}">
@@ -30865,7 +31313,7 @@
 </p:sld>
 </file>
 
-<file path=ppt/slides/slide32.xml><?xml version="1.0" encoding="utf-8"?>
+<file path=ppt/slides/slide35.xml><?xml version="1.0" encoding="utf-8"?>
 <p:sld xmlns:a="http://schemas.openxmlformats.org/drawingml/2006/main" xmlns:r="http://schemas.openxmlformats.org/officeDocument/2006/relationships" xmlns:p="http://schemas.openxmlformats.org/presentationml/2006/main">
   <p:cSld>
     <p:spTree>

--- a/Presentation/Better Business Logic with Typescript.pptx
+++ b/Presentation/Better Business Logic with Typescript.pptx
@@ -31,19 +31,24 @@
     <p:sldId id="270" r:id="rId25"/>
     <p:sldId id="288" r:id="rId26"/>
     <p:sldId id="268" r:id="rId27"/>
-    <p:sldId id="274" r:id="rId28"/>
-    <p:sldId id="275" r:id="rId29"/>
-    <p:sldId id="276" r:id="rId30"/>
-    <p:sldId id="277" r:id="rId31"/>
-    <p:sldId id="278" r:id="rId32"/>
-    <p:sldId id="291" r:id="rId33"/>
-    <p:sldId id="290" r:id="rId34"/>
-    <p:sldId id="280" r:id="rId35"/>
-    <p:sldId id="292" r:id="rId36"/>
-    <p:sldId id="264" r:id="rId37"/>
-    <p:sldId id="266" r:id="rId38"/>
-    <p:sldId id="283" r:id="rId39"/>
-    <p:sldId id="265" r:id="rId40"/>
+    <p:sldId id="295" r:id="rId28"/>
+    <p:sldId id="274" r:id="rId29"/>
+    <p:sldId id="275" r:id="rId30"/>
+    <p:sldId id="276" r:id="rId31"/>
+    <p:sldId id="277" r:id="rId32"/>
+    <p:sldId id="278" r:id="rId33"/>
+    <p:sldId id="297" r:id="rId34"/>
+    <p:sldId id="291" r:id="rId35"/>
+    <p:sldId id="290" r:id="rId36"/>
+    <p:sldId id="280" r:id="rId37"/>
+    <p:sldId id="292" r:id="rId38"/>
+    <p:sldId id="294" r:id="rId39"/>
+    <p:sldId id="296" r:id="rId40"/>
+    <p:sldId id="298" r:id="rId41"/>
+    <p:sldId id="264" r:id="rId42"/>
+    <p:sldId id="266" r:id="rId43"/>
+    <p:sldId id="283" r:id="rId44"/>
+    <p:sldId id="265" r:id="rId45"/>
   </p:sldIdLst>
   <p:sldSz cx="12192000" cy="6858000"/>
   <p:notesSz cx="6858000" cy="9144000"/>
@@ -193,15 +198,24 @@
         </p14:section>
         <p14:section name="Template Method Pattern" id="{39596736-26BB-4349-828A-7BF627366848}">
           <p14:sldIdLst>
+            <p14:sldId id="295"/>
             <p14:sldId id="274"/>
             <p14:sldId id="275"/>
             <p14:sldId id="276"/>
             <p14:sldId id="277"/>
             <p14:sldId id="278"/>
+            <p14:sldId id="297"/>
             <p14:sldId id="291"/>
             <p14:sldId id="290"/>
             <p14:sldId id="280"/>
             <p14:sldId id="292"/>
+            <p14:sldId id="294"/>
+          </p14:sldIdLst>
+        </p14:section>
+        <p14:section name="Composite Pattern" id="{CBE4451F-D89E-422E-9EA7-534CA7CD98A8}">
+          <p14:sldIdLst>
+            <p14:sldId id="296"/>
+            <p14:sldId id="298"/>
           </p14:sldIdLst>
         </p14:section>
         <p14:section name="References" id="{5423D470-F98F-46CC-AAC0-7790DAF9F850}">
@@ -29398,10 +29412,10 @@
       </p:grpSpPr>
       <p:sp>
         <p:nvSpPr>
-          <p:cNvPr id="2" name="Title 1">
+          <p:cNvPr id="4" name="Title 3">
             <a:extLst>
               <a:ext uri="{FF2B5EF4-FFF2-40B4-BE49-F238E27FC236}">
-                <a16:creationId xmlns:a16="http://schemas.microsoft.com/office/drawing/2014/main" id="{50404187-2787-44DD-962D-631946531F8B}"/>
+                <a16:creationId xmlns:a16="http://schemas.microsoft.com/office/drawing/2014/main" id="{203B918A-3F11-486B-981F-885DC949B4D3}"/>
               </a:ext>
             </a:extLst>
           </p:cNvPr>
@@ -29419,17 +29433,17 @@
           <a:p>
             <a:r>
               <a:rPr lang="en-US" dirty="0"/>
-              <a:t>Business Logic Concerns</a:t>
-            </a:r>
-          </a:p>
-        </p:txBody>
-      </p:sp>
-      <p:sp>
-        <p:nvSpPr>
-          <p:cNvPr id="3" name="Content Placeholder 2">
+              <a:t>Template Method Pattern</a:t>
+            </a:r>
+          </a:p>
+        </p:txBody>
+      </p:sp>
+      <p:sp>
+        <p:nvSpPr>
+          <p:cNvPr id="5" name="Text Placeholder 4">
             <a:extLst>
               <a:ext uri="{FF2B5EF4-FFF2-40B4-BE49-F238E27FC236}">
-                <a16:creationId xmlns:a16="http://schemas.microsoft.com/office/drawing/2014/main" id="{44BE3E2E-76CE-4CE6-8F68-636DFEB688C9}"/>
+                <a16:creationId xmlns:a16="http://schemas.microsoft.com/office/drawing/2014/main" id="{81470885-0111-4942-B5A5-7DBC42C3A073}"/>
               </a:ext>
             </a:extLst>
           </p:cNvPr>
@@ -29437,7 +29451,7 @@
             <a:spLocks noGrp="1"/>
           </p:cNvSpPr>
           <p:nvPr>
-            <p:ph idx="1"/>
+            <p:ph type="body" idx="1"/>
           </p:nvPr>
         </p:nvSpPr>
         <p:spPr/>
@@ -29447,31 +29461,7 @@
           <a:p>
             <a:r>
               <a:rPr lang="en-US" dirty="0"/>
-              <a:t>Authorization</a:t>
-            </a:r>
-          </a:p>
-          <a:p>
-            <a:r>
-              <a:rPr lang="en-US" dirty="0"/>
-              <a:t>Business Logic</a:t>
-            </a:r>
-          </a:p>
-          <a:p>
-            <a:r>
-              <a:rPr lang="en-US" dirty="0"/>
-              <a:t>Data Input Validation</a:t>
-            </a:r>
-          </a:p>
-          <a:p>
-            <a:r>
-              <a:rPr lang="en-US" dirty="0"/>
-              <a:t>Business Rule Implementation</a:t>
-            </a:r>
-          </a:p>
-          <a:p>
-            <a:r>
-              <a:rPr lang="en-US" dirty="0"/>
-              <a:t>Using Repositories to retrieve and persist data</a:t>
+              <a:t>There is a method to this madness.</a:t>
             </a:r>
           </a:p>
         </p:txBody>
@@ -29479,7 +29469,7 @@
     </p:spTree>
     <p:extLst>
       <p:ext uri="{BB962C8B-B14F-4D97-AF65-F5344CB8AC3E}">
-        <p14:creationId xmlns:p14="http://schemas.microsoft.com/office/powerpoint/2010/main" val="3640983610"/>
+        <p14:creationId xmlns:p14="http://schemas.microsoft.com/office/powerpoint/2010/main" val="2718788883"/>
       </p:ext>
     </p:extLst>
   </p:cSld>
@@ -29511,7 +29501,7 @@
           <p:cNvPr id="2" name="Title 1">
             <a:extLst>
               <a:ext uri="{FF2B5EF4-FFF2-40B4-BE49-F238E27FC236}">
-                <a16:creationId xmlns:a16="http://schemas.microsoft.com/office/drawing/2014/main" id="{CE638E4E-54DB-4630-A30A-81AF4520E5D3}"/>
+                <a16:creationId xmlns:a16="http://schemas.microsoft.com/office/drawing/2014/main" id="{50404187-2787-44DD-962D-631946531F8B}"/>
               </a:ext>
             </a:extLst>
           </p:cNvPr>
@@ -29529,7 +29519,7 @@
           <a:p>
             <a:r>
               <a:rPr lang="en-US" dirty="0"/>
-              <a:t>Business logic goals?</a:t>
+              <a:t>Business Logic Madness</a:t>
             </a:r>
           </a:p>
         </p:txBody>
@@ -29539,7 +29529,7 @@
           <p:cNvPr id="3" name="Content Placeholder 2">
             <a:extLst>
               <a:ext uri="{FF2B5EF4-FFF2-40B4-BE49-F238E27FC236}">
-                <a16:creationId xmlns:a16="http://schemas.microsoft.com/office/drawing/2014/main" id="{66928051-1A7D-475C-9E98-25EE74D6BA30}"/>
+                <a16:creationId xmlns:a16="http://schemas.microsoft.com/office/drawing/2014/main" id="{44BE3E2E-76CE-4CE6-8F68-636DFEB688C9}"/>
               </a:ext>
             </a:extLst>
           </p:cNvPr>
@@ -29557,48 +29547,65 @@
           <a:p>
             <a:r>
               <a:rPr lang="en-US" dirty="0"/>
-              <a:t>Goals:</a:t>
+              <a:t>Authorization or Permissions?</a:t>
+            </a:r>
+          </a:p>
+          <a:p>
+            <a:r>
+              <a:rPr lang="en-US" dirty="0"/>
+              <a:t>Business Logic</a:t>
+            </a:r>
+          </a:p>
+          <a:p>
+            <a:r>
+              <a:rPr lang="en-US" dirty="0"/>
+              <a:t>Data Input Validation</a:t>
+            </a:r>
+          </a:p>
+          <a:p>
+            <a:r>
+              <a:rPr lang="en-US" dirty="0"/>
+              <a:t>Business Rule Implementation</a:t>
+            </a:r>
+          </a:p>
+          <a:p>
+            <a:r>
+              <a:rPr lang="en-US" dirty="0"/>
+              <a:t>Using Repositories (Web APIs) to retrieve and persist data</a:t>
             </a:r>
           </a:p>
           <a:p>
             <a:pPr lvl="1"/>
             <a:r>
               <a:rPr lang="en-US" dirty="0"/>
-              <a:t>Consistent</a:t>
+              <a:t>Creating requests for information.</a:t>
             </a:r>
           </a:p>
           <a:p>
             <a:pPr lvl="1"/>
             <a:r>
               <a:rPr lang="en-US" dirty="0"/>
-              <a:t>Maintainable</a:t>
-            </a:r>
-          </a:p>
-          <a:p>
-            <a:pPr lvl="1"/>
+              <a:t>Processing responses consistently.</a:t>
+            </a:r>
+          </a:p>
+          <a:p>
             <a:r>
               <a:rPr lang="en-US" dirty="0"/>
-              <a:t>Testable</a:t>
-            </a:r>
-          </a:p>
-          <a:p>
-            <a:pPr lvl="1"/>
+              <a:t>Handling exceptions/</a:t>
+            </a:r>
+            <a:r>
+              <a:rPr lang="en-US" dirty="0" err="1"/>
+              <a:t>erros</a:t>
+            </a:r>
             <a:r>
               <a:rPr lang="en-US" dirty="0"/>
-              <a:t>Extensible</a:t>
-            </a:r>
-          </a:p>
-          <a:p>
-            <a:pPr lvl="1"/>
+              <a:t>.</a:t>
+            </a:r>
+          </a:p>
+          <a:p>
             <a:r>
               <a:rPr lang="en-US" dirty="0"/>
-              <a:t>High Quality</a:t>
-            </a:r>
-          </a:p>
-          <a:p>
-            <a:r>
-              <a:rPr lang="en-US" dirty="0"/>
-              <a:t>How can we achieve this? </a:t>
+              <a:t>Handling responses with messages.</a:t>
             </a:r>
           </a:p>
         </p:txBody>
@@ -29606,7 +29613,7 @@
     </p:spTree>
     <p:extLst>
       <p:ext uri="{BB962C8B-B14F-4D97-AF65-F5344CB8AC3E}">
-        <p14:creationId xmlns:p14="http://schemas.microsoft.com/office/powerpoint/2010/main" val="90553821"/>
+        <p14:creationId xmlns:p14="http://schemas.microsoft.com/office/powerpoint/2010/main" val="3640983610"/>
       </p:ext>
     </p:extLst>
   </p:cSld>
@@ -29638,7 +29645,7 @@
           <p:cNvPr id="2" name="Title 1">
             <a:extLst>
               <a:ext uri="{FF2B5EF4-FFF2-40B4-BE49-F238E27FC236}">
-                <a16:creationId xmlns:a16="http://schemas.microsoft.com/office/drawing/2014/main" id="{3D57BA2C-1B3C-4C28-BBF4-26D91C9A8F3C}"/>
+                <a16:creationId xmlns:a16="http://schemas.microsoft.com/office/drawing/2014/main" id="{CE638E4E-54DB-4630-A30A-81AF4520E5D3}"/>
               </a:ext>
             </a:extLst>
           </p:cNvPr>
@@ -29656,7 +29663,7 @@
           <a:p>
             <a:r>
               <a:rPr lang="en-US" dirty="0"/>
-              <a:t>Elevate Your Business Logic</a:t>
+              <a:t>Business logic goals?</a:t>
             </a:r>
           </a:p>
         </p:txBody>
@@ -29666,7 +29673,7 @@
           <p:cNvPr id="3" name="Content Placeholder 2">
             <a:extLst>
               <a:ext uri="{FF2B5EF4-FFF2-40B4-BE49-F238E27FC236}">
-                <a16:creationId xmlns:a16="http://schemas.microsoft.com/office/drawing/2014/main" id="{D9F7E00B-AD2A-4935-9D93-5AEB32283487}"/>
+                <a16:creationId xmlns:a16="http://schemas.microsoft.com/office/drawing/2014/main" id="{66928051-1A7D-475C-9E98-25EE74D6BA30}"/>
               </a:ext>
             </a:extLst>
           </p:cNvPr>
@@ -29679,143 +29686,61 @@
         </p:nvSpPr>
         <p:spPr/>
         <p:txBody>
-          <a:bodyPr>
-            <a:normAutofit lnSpcReduction="10000"/>
-          </a:bodyPr>
+          <a:bodyPr/>
           <a:lstStyle/>
           <a:p>
             <a:r>
               <a:rPr lang="en-US" dirty="0"/>
-              <a:t>Stop the Method Madness</a:t>
+              <a:t>Goals:</a:t>
             </a:r>
           </a:p>
           <a:p>
             <a:pPr lvl="1"/>
             <a:r>
               <a:rPr lang="en-US" dirty="0"/>
-              <a:t>Use classes to implement your business logic.</a:t>
+              <a:t>Consistent</a:t>
             </a:r>
           </a:p>
           <a:p>
             <a:pPr lvl="1"/>
             <a:r>
               <a:rPr lang="en-US" dirty="0"/>
-              <a:t>A single class with a single responsibility, a single unit of work.</a:t>
+              <a:t>Maintainable</a:t>
             </a:r>
           </a:p>
           <a:p>
             <a:pPr lvl="1"/>
             <a:r>
               <a:rPr lang="en-US" dirty="0"/>
-              <a:t>This is not the typical Manager class with a bunch of methods chained together.</a:t>
-            </a:r>
-          </a:p>
-          <a:p>
+              <a:t>Testable</a:t>
+            </a:r>
+          </a:p>
+          <a:p>
+            <a:pPr lvl="1"/>
             <a:r>
               <a:rPr lang="en-US" dirty="0"/>
-              <a:t>Class Advantage</a:t>
+              <a:t>Extensible</a:t>
             </a:r>
           </a:p>
           <a:p>
             <a:pPr lvl="1"/>
             <a:r>
               <a:rPr lang="en-US" dirty="0"/>
-              <a:t>Can use one or more </a:t>
-            </a:r>
-            <a:r>
-              <a:rPr lang="en-US" dirty="0">
-                <a:latin typeface="Source Code Pro Light" panose="020B0409030403020204" pitchFamily="49" charset="0"/>
-                <a:ea typeface="Source Code Pro Light" panose="020B0409030403020204" pitchFamily="49" charset="0"/>
-              </a:rPr>
-              <a:t>Constructors</a:t>
-            </a:r>
+              <a:t>High Quality</a:t>
+            </a:r>
+          </a:p>
+          <a:p>
             <a:r>
               <a:rPr lang="en-US" dirty="0"/>
-              <a:t>.</a:t>
-            </a:r>
-          </a:p>
-          <a:p>
-            <a:pPr lvl="1"/>
-            <a:r>
-              <a:rPr lang="en-US" dirty="0"/>
-              <a:t>Can have base classes - </a:t>
-            </a:r>
-            <a:r>
-              <a:rPr lang="en-US" dirty="0">
-                <a:latin typeface="Source Code Pro Light" panose="020B0409030403020204" pitchFamily="49" charset="0"/>
-                <a:ea typeface="Source Code Pro Light" panose="020B0409030403020204" pitchFamily="49" charset="0"/>
-              </a:rPr>
-              <a:t>Inheritance</a:t>
-            </a:r>
-            <a:r>
-              <a:rPr lang="en-US" dirty="0"/>
-              <a:t>.</a:t>
-            </a:r>
-          </a:p>
-          <a:p>
-            <a:pPr lvl="1"/>
-            <a:r>
-              <a:rPr lang="en-US" dirty="0"/>
-              <a:t>Can implement an </a:t>
-            </a:r>
-            <a:r>
-              <a:rPr lang="en-US" dirty="0">
-                <a:latin typeface="Source Code Pro Light" panose="020B0409030403020204" pitchFamily="49" charset="0"/>
-                <a:ea typeface="Source Code Pro Light" panose="020B0409030403020204" pitchFamily="49" charset="0"/>
-              </a:rPr>
-              <a:t>Interface</a:t>
-            </a:r>
-            <a:r>
-              <a:rPr lang="en-US" dirty="0"/>
-              <a:t>.</a:t>
-            </a:r>
-          </a:p>
-          <a:p>
-            <a:pPr lvl="1"/>
-            <a:r>
-              <a:rPr lang="en-US" dirty="0"/>
-              <a:t>Can expose typed </a:t>
-            </a:r>
-            <a:r>
-              <a:rPr lang="en-US" dirty="0">
-                <a:latin typeface="Source Code Pro Light" panose="020B0409030403020204" pitchFamily="49" charset="0"/>
-                <a:ea typeface="Source Code Pro Light" panose="020B0409030403020204" pitchFamily="49" charset="0"/>
-              </a:rPr>
-              <a:t>Properties</a:t>
-            </a:r>
-            <a:r>
-              <a:rPr lang="en-US" dirty="0"/>
-              <a:t>.</a:t>
-            </a:r>
-          </a:p>
-          <a:p>
-            <a:pPr lvl="1"/>
-            <a:r>
-              <a:rPr lang="en-US" dirty="0"/>
-              <a:t>Can encapsulate members using </a:t>
-            </a:r>
-            <a:r>
-              <a:rPr lang="en-US" dirty="0">
-                <a:latin typeface="Source Code Pro Light" panose="020B0409030403020204" pitchFamily="49" charset="0"/>
-                <a:ea typeface="Source Code Pro Light" panose="020B0409030403020204" pitchFamily="49" charset="0"/>
-              </a:rPr>
-              <a:t>private</a:t>
-            </a:r>
-            <a:r>
-              <a:rPr lang="en-US" dirty="0"/>
-              <a:t>.</a:t>
-            </a:r>
-          </a:p>
-          <a:p>
-            <a:pPr lvl="1"/>
-            <a:endParaRPr lang="en-US" dirty="0"/>
+              <a:t>How can we achieve this? </a:t>
+            </a:r>
           </a:p>
         </p:txBody>
       </p:sp>
     </p:spTree>
     <p:extLst>
       <p:ext uri="{BB962C8B-B14F-4D97-AF65-F5344CB8AC3E}">
-        <p14:creationId xmlns:p14="http://schemas.microsoft.com/office/powerpoint/2010/main" val="2589925573"/>
+        <p14:creationId xmlns:p14="http://schemas.microsoft.com/office/powerpoint/2010/main" val="90553821"/>
       </p:ext>
     </p:extLst>
   </p:cSld>
@@ -29847,7 +29772,7 @@
           <p:cNvPr id="2" name="Title 1">
             <a:extLst>
               <a:ext uri="{FF2B5EF4-FFF2-40B4-BE49-F238E27FC236}">
-                <a16:creationId xmlns:a16="http://schemas.microsoft.com/office/drawing/2014/main" id="{3870FFA2-0D63-42F1-818E-025A62D80C80}"/>
+                <a16:creationId xmlns:a16="http://schemas.microsoft.com/office/drawing/2014/main" id="{3D57BA2C-1B3C-4C28-BBF4-26D91C9A8F3C}"/>
               </a:ext>
             </a:extLst>
           </p:cNvPr>
@@ -29865,7 +29790,7 @@
           <a:p>
             <a:r>
               <a:rPr lang="en-US" dirty="0"/>
-              <a:t>Template Method Pattern</a:t>
+              <a:t>Elevate Your Business Logic</a:t>
             </a:r>
           </a:p>
         </p:txBody>
@@ -29875,7 +29800,7 @@
           <p:cNvPr id="3" name="Content Placeholder 2">
             <a:extLst>
               <a:ext uri="{FF2B5EF4-FFF2-40B4-BE49-F238E27FC236}">
-                <a16:creationId xmlns:a16="http://schemas.microsoft.com/office/drawing/2014/main" id="{123C8FF3-B8F9-4BD6-A517-8DEA0AC6853F}"/>
+                <a16:creationId xmlns:a16="http://schemas.microsoft.com/office/drawing/2014/main" id="{D9F7E00B-AD2A-4935-9D93-5AEB32283487}"/>
               </a:ext>
             </a:extLst>
           </p:cNvPr>
@@ -29888,112 +29813,135 @@
         </p:nvSpPr>
         <p:spPr/>
         <p:txBody>
-          <a:bodyPr/>
+          <a:bodyPr>
+            <a:normAutofit lnSpcReduction="10000"/>
+          </a:bodyPr>
           <a:lstStyle/>
           <a:p>
             <a:r>
               <a:rPr lang="en-US" dirty="0"/>
-              <a:t>Where have you seen this one?</a:t>
+              <a:t>Stop the Method Madness</a:t>
             </a:r>
           </a:p>
           <a:p>
             <a:pPr lvl="1"/>
             <a:r>
               <a:rPr lang="en-US" dirty="0"/>
-              <a:t>ASP.NET Forms circa 2001: </a:t>
-            </a:r>
-            <a:r>
-              <a:rPr lang="en-US" dirty="0" err="1"/>
-              <a:t>PreInit</a:t>
-            </a:r>
+              <a:t>Use classes to implement your business logic.</a:t>
+            </a:r>
+          </a:p>
+          <a:p>
+            <a:pPr lvl="1"/>
             <a:r>
               <a:rPr lang="en-US" dirty="0"/>
-              <a:t>, </a:t>
-            </a:r>
-            <a:r>
-              <a:rPr lang="en-US" dirty="0" err="1"/>
-              <a:t>Init</a:t>
-            </a:r>
+              <a:t>A single class with a single responsibility, a single unit of work.</a:t>
+            </a:r>
+          </a:p>
+          <a:p>
+            <a:pPr lvl="1"/>
             <a:r>
               <a:rPr lang="en-US" dirty="0"/>
-              <a:t>, </a:t>
-            </a:r>
-            <a:r>
-              <a:rPr lang="en-US" dirty="0" err="1"/>
-              <a:t>InitComplete</a:t>
-            </a:r>
+              <a:t>This is not the typical Manager class with a bunch of methods chained together.</a:t>
+            </a:r>
+          </a:p>
+          <a:p>
             <a:r>
               <a:rPr lang="en-US" dirty="0"/>
-              <a:t>, </a:t>
-            </a:r>
-            <a:r>
-              <a:rPr lang="en-US" dirty="0" err="1"/>
-              <a:t>PreLoad</a:t>
-            </a:r>
+              <a:t>Class Advantage</a:t>
+            </a:r>
+          </a:p>
+          <a:p>
+            <a:pPr lvl="1"/>
             <a:r>
               <a:rPr lang="en-US" dirty="0"/>
-              <a:t>, Load, </a:t>
-            </a:r>
-            <a:r>
-              <a:rPr lang="en-US" dirty="0" err="1"/>
-              <a:t>LoadComplete</a:t>
+              <a:t>Can use one or more </a:t>
+            </a:r>
+            <a:r>
+              <a:rPr lang="en-US" dirty="0">
+                <a:latin typeface="Source Code Pro Light" panose="020B0409030403020204" pitchFamily="49" charset="0"/>
+                <a:ea typeface="Source Code Pro Light" panose="020B0409030403020204" pitchFamily="49" charset="0"/>
+              </a:rPr>
+              <a:t>Constructors</a:t>
             </a:r>
             <a:r>
               <a:rPr lang="en-US" dirty="0"/>
-              <a:t>, </a:t>
-            </a:r>
-            <a:r>
-              <a:rPr lang="en-US" dirty="0" err="1"/>
-              <a:t>PreRender</a:t>
-            </a:r>
+              <a:t>.</a:t>
+            </a:r>
+          </a:p>
+          <a:p>
+            <a:pPr lvl="1"/>
             <a:r>
               <a:rPr lang="en-US" dirty="0"/>
-              <a:t>, etc.</a:t>
+              <a:t>Can have base classes - </a:t>
+            </a:r>
+            <a:r>
+              <a:rPr lang="en-US" dirty="0">
+                <a:latin typeface="Source Code Pro Light" panose="020B0409030403020204" pitchFamily="49" charset="0"/>
+                <a:ea typeface="Source Code Pro Light" panose="020B0409030403020204" pitchFamily="49" charset="0"/>
+              </a:rPr>
+              <a:t>Inheritance</a:t>
+            </a:r>
+            <a:r>
+              <a:rPr lang="en-US" dirty="0"/>
+              <a:t>.</a:t>
             </a:r>
           </a:p>
           <a:p>
             <a:pPr lvl="1"/>
             <a:r>
               <a:rPr lang="en-US" dirty="0"/>
-              <a:t>Angular 2: </a:t>
-            </a:r>
-            <a:r>
-              <a:rPr lang="en-US" dirty="0" err="1"/>
-              <a:t>ngOnChanges</a:t>
+              <a:t>Can implement an </a:t>
+            </a:r>
+            <a:r>
+              <a:rPr lang="en-US" dirty="0">
+                <a:latin typeface="Source Code Pro Light" panose="020B0409030403020204" pitchFamily="49" charset="0"/>
+                <a:ea typeface="Source Code Pro Light" panose="020B0409030403020204" pitchFamily="49" charset="0"/>
+              </a:rPr>
+              <a:t>Interface</a:t>
             </a:r>
             <a:r>
               <a:rPr lang="en-US" dirty="0"/>
-              <a:t>, </a:t>
-            </a:r>
-            <a:r>
-              <a:rPr lang="en-US" dirty="0" err="1"/>
-              <a:t>ngOnit</a:t>
-            </a:r>
+              <a:t>.</a:t>
+            </a:r>
+          </a:p>
+          <a:p>
+            <a:pPr lvl="1"/>
             <a:r>
               <a:rPr lang="en-US" dirty="0"/>
-              <a:t>, </a:t>
-            </a:r>
-            <a:r>
-              <a:rPr lang="en-US" dirty="0" err="1"/>
-              <a:t>ngDoCheck</a:t>
+              <a:t>Can expose typed </a:t>
+            </a:r>
+            <a:r>
+              <a:rPr lang="en-US" dirty="0">
+                <a:latin typeface="Source Code Pro Light" panose="020B0409030403020204" pitchFamily="49" charset="0"/>
+                <a:ea typeface="Source Code Pro Light" panose="020B0409030403020204" pitchFamily="49" charset="0"/>
+              </a:rPr>
+              <a:t>Properties</a:t>
             </a:r>
             <a:r>
               <a:rPr lang="en-US" dirty="0"/>
-              <a:t>, </a:t>
-            </a:r>
-            <a:r>
-              <a:rPr lang="en-US" dirty="0" err="1"/>
-              <a:t>ngOnDestroy</a:t>
-            </a:r>
-            <a:endParaRPr lang="en-US" dirty="0"/>
-          </a:p>
-          <a:p>
+              <a:t>.</a:t>
+            </a:r>
+          </a:p>
+          <a:p>
+            <a:pPr lvl="1"/>
             <a:r>
               <a:rPr lang="en-US" dirty="0"/>
-              <a:t>If it is good enough for managing components and web forms with millions of different implementations – but, all using the same algorithm.</a:t>
-            </a:r>
-          </a:p>
-          <a:p>
+              <a:t>Can encapsulate members using </a:t>
+            </a:r>
+            <a:r>
+              <a:rPr lang="en-US" dirty="0">
+                <a:latin typeface="Source Code Pro Light" panose="020B0409030403020204" pitchFamily="49" charset="0"/>
+                <a:ea typeface="Source Code Pro Light" panose="020B0409030403020204" pitchFamily="49" charset="0"/>
+              </a:rPr>
+              <a:t>private</a:t>
+            </a:r>
+            <a:r>
+              <a:rPr lang="en-US" dirty="0"/>
+              <a:t>.</a:t>
+            </a:r>
+          </a:p>
+          <a:p>
+            <a:pPr lvl="1"/>
             <a:endParaRPr lang="en-US" dirty="0"/>
           </a:p>
         </p:txBody>
@@ -30001,7 +29949,7 @@
     </p:spTree>
     <p:extLst>
       <p:ext uri="{BB962C8B-B14F-4D97-AF65-F5344CB8AC3E}">
-        <p14:creationId xmlns:p14="http://schemas.microsoft.com/office/powerpoint/2010/main" val="448475438"/>
+        <p14:creationId xmlns:p14="http://schemas.microsoft.com/office/powerpoint/2010/main" val="2589925573"/>
       </p:ext>
     </p:extLst>
   </p:cSld>
@@ -30033,7 +29981,7 @@
           <p:cNvPr id="2" name="Title 1">
             <a:extLst>
               <a:ext uri="{FF2B5EF4-FFF2-40B4-BE49-F238E27FC236}">
-                <a16:creationId xmlns:a16="http://schemas.microsoft.com/office/drawing/2014/main" id="{FA1BCB59-0789-48A4-8783-E209DA86CB32}"/>
+                <a16:creationId xmlns:a16="http://schemas.microsoft.com/office/drawing/2014/main" id="{3870FFA2-0D63-42F1-818E-025A62D80C80}"/>
               </a:ext>
             </a:extLst>
           </p:cNvPr>
@@ -30051,7 +29999,7 @@
           <a:p>
             <a:r>
               <a:rPr lang="en-US" dirty="0"/>
-              <a:t>Template Method Pattern :: Details</a:t>
+              <a:t>Template Method Pattern</a:t>
             </a:r>
           </a:p>
         </p:txBody>
@@ -30061,7 +30009,7 @@
           <p:cNvPr id="3" name="Content Placeholder 2">
             <a:extLst>
               <a:ext uri="{FF2B5EF4-FFF2-40B4-BE49-F238E27FC236}">
-                <a16:creationId xmlns:a16="http://schemas.microsoft.com/office/drawing/2014/main" id="{A01FBAB8-C7B4-43CB-89BE-BEACC68BD6FE}"/>
+                <a16:creationId xmlns:a16="http://schemas.microsoft.com/office/drawing/2014/main" id="{123C8FF3-B8F9-4BD6-A517-8DEA0AC6853F}"/>
               </a:ext>
             </a:extLst>
           </p:cNvPr>
@@ -30078,49 +30026,108 @@
           <a:lstStyle/>
           <a:p>
             <a:r>
-              <a:rPr lang="en-US" b="1" dirty="0"/>
-              <a:t>Definition</a:t>
-            </a:r>
-            <a:r>
               <a:rPr lang="en-US" dirty="0"/>
-              <a:t>: defines an algorithm (i.e., pipeline of methods and/or events) that can be implemented with concrete classes without changing the structure of the algorithm.</a:t>
-            </a:r>
-          </a:p>
-          <a:p>
+              <a:t>Where have you seen this one?</a:t>
+            </a:r>
+          </a:p>
+          <a:p>
+            <a:pPr lvl="1"/>
             <a:r>
               <a:rPr lang="en-US" dirty="0"/>
-              <a:t>Creates a consistent well-defined flow – that also enables default or shared behaviors to be implemented for all implementing classes.</a:t>
-            </a:r>
-          </a:p>
-          <a:p>
+              <a:t>ASP.NET Forms circa 2001: </a:t>
+            </a:r>
+            <a:r>
+              <a:rPr lang="en-US" dirty="0" err="1"/>
+              <a:t>PreInit</a:t>
+            </a:r>
             <a:r>
               <a:rPr lang="en-US" dirty="0"/>
-              <a:t>Allows for customized implementations of pipeline items within the algorithm.</a:t>
-            </a:r>
-          </a:p>
-          <a:p>
+              <a:t>, </a:t>
+            </a:r>
+            <a:r>
+              <a:rPr lang="en-US" dirty="0" err="1"/>
+              <a:t>Init</a:t>
+            </a:r>
             <a:r>
               <a:rPr lang="en-US" dirty="0"/>
-              <a:t>Allows for extensibility end points without disturbing the structure of the algorithm.</a:t>
-            </a:r>
-          </a:p>
-          <a:p>
+              <a:t>, </a:t>
+            </a:r>
+            <a:r>
+              <a:rPr lang="en-US" dirty="0" err="1"/>
+              <a:t>InitComplete</a:t>
+            </a:r>
             <a:r>
               <a:rPr lang="en-US" dirty="0"/>
-              <a:t>Simplifies the target concrete implementation by allowing other non-essential details to be handled by the base/abstract classes that define and implement the template algorithm.</a:t>
-            </a:r>
-          </a:p>
-          <a:p>
+              <a:t>, </a:t>
+            </a:r>
+            <a:r>
+              <a:rPr lang="en-US" dirty="0" err="1"/>
+              <a:t>PreLoad</a:t>
+            </a:r>
             <a:r>
               <a:rPr lang="en-US" dirty="0"/>
-              <a:t>Example: </a:t>
-            </a:r>
-            <a:r>
-              <a:rPr lang="en-US" dirty="0">
-                <a:hlinkClick r:id="rId2"/>
-              </a:rPr>
-              <a:t>GitHub</a:t>
-            </a:r>
+              <a:t>, Load, </a:t>
+            </a:r>
+            <a:r>
+              <a:rPr lang="en-US" dirty="0" err="1"/>
+              <a:t>LoadComplete</a:t>
+            </a:r>
+            <a:r>
+              <a:rPr lang="en-US" dirty="0"/>
+              <a:t>, </a:t>
+            </a:r>
+            <a:r>
+              <a:rPr lang="en-US" dirty="0" err="1"/>
+              <a:t>PreRender</a:t>
+            </a:r>
+            <a:r>
+              <a:rPr lang="en-US" dirty="0"/>
+              <a:t>, etc.</a:t>
+            </a:r>
+          </a:p>
+          <a:p>
+            <a:pPr lvl="1"/>
+            <a:r>
+              <a:rPr lang="en-US" dirty="0"/>
+              <a:t>Angular 2: </a:t>
+            </a:r>
+            <a:r>
+              <a:rPr lang="en-US" dirty="0" err="1"/>
+              <a:t>ngOnChanges</a:t>
+            </a:r>
+            <a:r>
+              <a:rPr lang="en-US" dirty="0"/>
+              <a:t>, </a:t>
+            </a:r>
+            <a:r>
+              <a:rPr lang="en-US" dirty="0" err="1"/>
+              <a:t>ngOnit</a:t>
+            </a:r>
+            <a:r>
+              <a:rPr lang="en-US" dirty="0"/>
+              <a:t>, </a:t>
+            </a:r>
+            <a:r>
+              <a:rPr lang="en-US" dirty="0" err="1"/>
+              <a:t>ngDoCheck</a:t>
+            </a:r>
+            <a:r>
+              <a:rPr lang="en-US" dirty="0"/>
+              <a:t>, </a:t>
+            </a:r>
+            <a:r>
+              <a:rPr lang="en-US" dirty="0" err="1"/>
+              <a:t>ngOnDestroy</a:t>
+            </a:r>
+            <a:endParaRPr lang="en-US" dirty="0"/>
+          </a:p>
+          <a:p>
+            <a:r>
+              <a:rPr lang="en-US" dirty="0"/>
+              <a:t>If it is good enough for managing components and web forms with millions of different implementations – but, all using the same algorithm.</a:t>
+            </a:r>
+          </a:p>
+          <a:p>
             <a:endParaRPr lang="en-US" dirty="0"/>
           </a:p>
         </p:txBody>
@@ -30128,7 +30135,7 @@
     </p:spTree>
     <p:extLst>
       <p:ext uri="{BB962C8B-B14F-4D97-AF65-F5344CB8AC3E}">
-        <p14:creationId xmlns:p14="http://schemas.microsoft.com/office/powerpoint/2010/main" val="3371732980"/>
+        <p14:creationId xmlns:p14="http://schemas.microsoft.com/office/powerpoint/2010/main" val="448475438"/>
       </p:ext>
     </p:extLst>
   </p:cSld>
@@ -30178,7 +30185,7 @@
           <a:p>
             <a:r>
               <a:rPr lang="en-US" dirty="0"/>
-              <a:t>DEMO :: Taco Template</a:t>
+              <a:t>Template Method Pattern :: Details</a:t>
             </a:r>
           </a:p>
         </p:txBody>
@@ -30204,6 +30211,347 @@
           <a:bodyPr/>
           <a:lstStyle/>
           <a:p>
+            <a:r>
+              <a:rPr lang="en-US" b="1" dirty="0"/>
+              <a:t>Definition</a:t>
+            </a:r>
+            <a:r>
+              <a:rPr lang="en-US" dirty="0"/>
+              <a:t>: defines an algorithm (i.e., pipeline of methods and/or events) that can be implemented with concrete classes without changing the structure of the algorithm.</a:t>
+            </a:r>
+          </a:p>
+          <a:p>
+            <a:r>
+              <a:rPr lang="en-US" dirty="0"/>
+              <a:t>Creates a consistent well-defined flow – that also enables default or shared behaviors to be implemented for all implementing classes.</a:t>
+            </a:r>
+          </a:p>
+          <a:p>
+            <a:r>
+              <a:rPr lang="en-US" dirty="0"/>
+              <a:t>Allows for customized implementations of pipeline items within the algorithm.</a:t>
+            </a:r>
+          </a:p>
+          <a:p>
+            <a:r>
+              <a:rPr lang="en-US" dirty="0"/>
+              <a:t>Allows for extensibility end points without disturbing the structure of the algorithm.</a:t>
+            </a:r>
+          </a:p>
+          <a:p>
+            <a:r>
+              <a:rPr lang="en-US" dirty="0"/>
+              <a:t>Simplifies the target concrete implementation by allowing other non-essential details to be handled by the base/abstract classes that define and implement the template algorithm.</a:t>
+            </a:r>
+          </a:p>
+          <a:p>
+            <a:r>
+              <a:rPr lang="en-US" dirty="0"/>
+              <a:t>Example: </a:t>
+            </a:r>
+            <a:r>
+              <a:rPr lang="en-US" dirty="0">
+                <a:hlinkClick r:id="rId2"/>
+              </a:rPr>
+              <a:t>GitHub</a:t>
+            </a:r>
+            <a:endParaRPr lang="en-US" dirty="0"/>
+          </a:p>
+        </p:txBody>
+      </p:sp>
+    </p:spTree>
+    <p:extLst>
+      <p:ext uri="{BB962C8B-B14F-4D97-AF65-F5344CB8AC3E}">
+        <p14:creationId xmlns:p14="http://schemas.microsoft.com/office/powerpoint/2010/main" val="3371732980"/>
+      </p:ext>
+    </p:extLst>
+  </p:cSld>
+  <p:clrMapOvr>
+    <a:masterClrMapping/>
+  </p:clrMapOvr>
+</p:sld>
+</file>
+
+<file path=ppt/slides/slide29.xml><?xml version="1.0" encoding="utf-8"?>
+<p:sld xmlns:a="http://schemas.openxmlformats.org/drawingml/2006/main" xmlns:r="http://schemas.openxmlformats.org/officeDocument/2006/relationships" xmlns:p="http://schemas.openxmlformats.org/presentationml/2006/main">
+  <p:cSld>
+    <p:spTree>
+      <p:nvGrpSpPr>
+        <p:cNvPr id="1" name=""/>
+        <p:cNvGrpSpPr/>
+        <p:nvPr/>
+      </p:nvGrpSpPr>
+      <p:grpSpPr>
+        <a:xfrm>
+          <a:off x="0" y="0"/>
+          <a:ext cx="0" cy="0"/>
+          <a:chOff x="0" y="0"/>
+          <a:chExt cx="0" cy="0"/>
+        </a:xfrm>
+      </p:grpSpPr>
+      <p:pic>
+        <p:nvPicPr>
+          <p:cNvPr id="5" name="Picture 4">
+            <a:extLst>
+              <a:ext uri="{FF2B5EF4-FFF2-40B4-BE49-F238E27FC236}">
+                <a16:creationId xmlns:a16="http://schemas.microsoft.com/office/drawing/2014/main" id="{AF71F79E-C364-416A-8933-FEEB75CF7AFB}"/>
+              </a:ext>
+            </a:extLst>
+          </p:cNvPr>
+          <p:cNvPicPr>
+            <a:picLocks noChangeAspect="1"/>
+          </p:cNvPicPr>
+          <p:nvPr/>
+        </p:nvPicPr>
+        <p:blipFill>
+          <a:blip r:embed="rId2"/>
+          <a:stretch>
+            <a:fillRect/>
+          </a:stretch>
+        </p:blipFill>
+        <p:spPr>
+          <a:xfrm>
+            <a:off x="622250" y="411398"/>
+            <a:ext cx="10581839" cy="5973388"/>
+          </a:xfrm>
+          <a:prstGeom prst="rect">
+            <a:avLst/>
+          </a:prstGeom>
+        </p:spPr>
+      </p:pic>
+    </p:spTree>
+    <p:extLst>
+      <p:ext uri="{BB962C8B-B14F-4D97-AF65-F5344CB8AC3E}">
+        <p14:creationId xmlns:p14="http://schemas.microsoft.com/office/powerpoint/2010/main" val="1837870588"/>
+      </p:ext>
+    </p:extLst>
+  </p:cSld>
+  <p:clrMapOvr>
+    <a:masterClrMapping/>
+  </p:clrMapOvr>
+</p:sld>
+</file>
+
+<file path=ppt/slides/slide3.xml><?xml version="1.0" encoding="utf-8"?>
+<p:sld xmlns:a="http://schemas.openxmlformats.org/drawingml/2006/main" xmlns:r="http://schemas.openxmlformats.org/officeDocument/2006/relationships" xmlns:p="http://schemas.openxmlformats.org/presentationml/2006/main">
+  <p:cSld>
+    <p:spTree>
+      <p:nvGrpSpPr>
+        <p:cNvPr id="1" name=""/>
+        <p:cNvGrpSpPr/>
+        <p:nvPr/>
+      </p:nvGrpSpPr>
+      <p:grpSpPr>
+        <a:xfrm>
+          <a:off x="0" y="0"/>
+          <a:ext cx="0" cy="0"/>
+          <a:chOff x="0" y="0"/>
+          <a:chExt cx="0" cy="0"/>
+        </a:xfrm>
+      </p:grpSpPr>
+      <p:sp>
+        <p:nvSpPr>
+          <p:cNvPr id="2" name="Title 1">
+            <a:extLst>
+              <a:ext uri="{FF2B5EF4-FFF2-40B4-BE49-F238E27FC236}">
+                <a16:creationId xmlns:a16="http://schemas.microsoft.com/office/drawing/2014/main" id="{22A2A588-9EDC-459E-9F15-343ACBB411B2}"/>
+              </a:ext>
+            </a:extLst>
+          </p:cNvPr>
+          <p:cNvSpPr>
+            <a:spLocks noGrp="1"/>
+          </p:cNvSpPr>
+          <p:nvPr>
+            <p:ph type="title"/>
+          </p:nvPr>
+        </p:nvSpPr>
+        <p:spPr/>
+        <p:txBody>
+          <a:bodyPr/>
+          <a:lstStyle/>
+          <a:p>
+            <a:r>
+              <a:rPr lang="en-US"/>
+              <a:t>Contact Information</a:t>
+            </a:r>
+            <a:endParaRPr lang="en-US" dirty="0"/>
+          </a:p>
+        </p:txBody>
+      </p:sp>
+      <p:sp>
+        <p:nvSpPr>
+          <p:cNvPr id="3" name="Content Placeholder 2">
+            <a:extLst>
+              <a:ext uri="{FF2B5EF4-FFF2-40B4-BE49-F238E27FC236}">
+                <a16:creationId xmlns:a16="http://schemas.microsoft.com/office/drawing/2014/main" id="{069F119E-B9EC-4B81-815E-AF84F5C550A3}"/>
+              </a:ext>
+            </a:extLst>
+          </p:cNvPr>
+          <p:cNvSpPr>
+            <a:spLocks noGrp="1"/>
+          </p:cNvSpPr>
+          <p:nvPr>
+            <p:ph idx="1"/>
+          </p:nvPr>
+        </p:nvSpPr>
+        <p:spPr/>
+        <p:txBody>
+          <a:bodyPr>
+            <a:normAutofit/>
+          </a:bodyPr>
+          <a:lstStyle/>
+          <a:p>
+            <a:r>
+              <a:rPr lang="en-US"/>
+              <a:t>Matt Vaughn</a:t>
+            </a:r>
+          </a:p>
+          <a:p>
+            <a:pPr lvl="1"/>
+            <a:r>
+              <a:rPr lang="en-US"/>
+              <a:t>E: </a:t>
+            </a:r>
+            <a:r>
+              <a:rPr lang="en-US">
+                <a:hlinkClick r:id="rId2"/>
+              </a:rPr>
+              <a:t>matt.vaughn@buildmotion.com</a:t>
+            </a:r>
+            <a:endParaRPr lang="en-US"/>
+          </a:p>
+          <a:p>
+            <a:pPr lvl="1"/>
+            <a:r>
+              <a:rPr lang="en-US"/>
+              <a:t>W: </a:t>
+            </a:r>
+            <a:r>
+              <a:rPr lang="en-US">
+                <a:hlinkClick r:id="rId3"/>
+              </a:rPr>
+              <a:t>www.buildmotion.com</a:t>
+            </a:r>
+            <a:endParaRPr lang="en-US"/>
+          </a:p>
+          <a:p>
+            <a:pPr lvl="1"/>
+            <a:r>
+              <a:rPr lang="en-US"/>
+              <a:t>GitHub: </a:t>
+            </a:r>
+            <a:r>
+              <a:rPr lang="en-US">
+                <a:hlinkClick r:id="rId4"/>
+              </a:rPr>
+              <a:t>https://github.com/buildmotion</a:t>
+            </a:r>
+            <a:r>
+              <a:rPr lang="en-US"/>
+              <a:t> </a:t>
+            </a:r>
+          </a:p>
+          <a:p>
+            <a:r>
+              <a:rPr lang="en-US"/>
+              <a:t>Code Samples and Presentation</a:t>
+            </a:r>
+          </a:p>
+          <a:p>
+            <a:pPr lvl="1"/>
+            <a:r>
+              <a:rPr lang="en-US"/>
+              <a:t>GitHub: </a:t>
+            </a:r>
+            <a:r>
+              <a:rPr lang="en-US">
+                <a:hlinkClick r:id="rId5"/>
+              </a:rPr>
+              <a:t>https://github.com/buildmotion/better-business-logic-with-typescript</a:t>
+            </a:r>
+            <a:endParaRPr lang="en-US" dirty="0"/>
+          </a:p>
+        </p:txBody>
+      </p:sp>
+    </p:spTree>
+    <p:extLst>
+      <p:ext uri="{BB962C8B-B14F-4D97-AF65-F5344CB8AC3E}">
+        <p14:creationId xmlns:p14="http://schemas.microsoft.com/office/powerpoint/2010/main" val="411051127"/>
+      </p:ext>
+    </p:extLst>
+  </p:cSld>
+  <p:clrMapOvr>
+    <a:masterClrMapping/>
+  </p:clrMapOvr>
+</p:sld>
+</file>
+
+<file path=ppt/slides/slide30.xml><?xml version="1.0" encoding="utf-8"?>
+<p:sld xmlns:a="http://schemas.openxmlformats.org/drawingml/2006/main" xmlns:r="http://schemas.openxmlformats.org/officeDocument/2006/relationships" xmlns:p="http://schemas.openxmlformats.org/presentationml/2006/main">
+  <p:cSld>
+    <p:spTree>
+      <p:nvGrpSpPr>
+        <p:cNvPr id="1" name=""/>
+        <p:cNvGrpSpPr/>
+        <p:nvPr/>
+      </p:nvGrpSpPr>
+      <p:grpSpPr>
+        <a:xfrm>
+          <a:off x="0" y="0"/>
+          <a:ext cx="0" cy="0"/>
+          <a:chOff x="0" y="0"/>
+          <a:chExt cx="0" cy="0"/>
+        </a:xfrm>
+      </p:grpSpPr>
+      <p:sp>
+        <p:nvSpPr>
+          <p:cNvPr id="2" name="Title 1">
+            <a:extLst>
+              <a:ext uri="{FF2B5EF4-FFF2-40B4-BE49-F238E27FC236}">
+                <a16:creationId xmlns:a16="http://schemas.microsoft.com/office/drawing/2014/main" id="{FA1BCB59-0789-48A4-8783-E209DA86CB32}"/>
+              </a:ext>
+            </a:extLst>
+          </p:cNvPr>
+          <p:cNvSpPr>
+            <a:spLocks noGrp="1"/>
+          </p:cNvSpPr>
+          <p:nvPr>
+            <p:ph type="title"/>
+          </p:nvPr>
+        </p:nvSpPr>
+        <p:spPr/>
+        <p:txBody>
+          <a:bodyPr/>
+          <a:lstStyle/>
+          <a:p>
+            <a:r>
+              <a:rPr lang="en-US" dirty="0"/>
+              <a:t>DEMO :: Taco Template</a:t>
+            </a:r>
+          </a:p>
+        </p:txBody>
+      </p:sp>
+      <p:sp>
+        <p:nvSpPr>
+          <p:cNvPr id="3" name="Content Placeholder 2">
+            <a:extLst>
+              <a:ext uri="{FF2B5EF4-FFF2-40B4-BE49-F238E27FC236}">
+                <a16:creationId xmlns:a16="http://schemas.microsoft.com/office/drawing/2014/main" id="{A01FBAB8-C7B4-43CB-89BE-BEACC68BD6FE}"/>
+              </a:ext>
+            </a:extLst>
+          </p:cNvPr>
+          <p:cNvSpPr>
+            <a:spLocks noGrp="1"/>
+          </p:cNvSpPr>
+          <p:nvPr>
+            <p:ph idx="1"/>
+          </p:nvPr>
+        </p:nvSpPr>
+        <p:spPr/>
+        <p:txBody>
+          <a:bodyPr/>
+          <a:lstStyle/>
+          <a:p>
             <a:endParaRPr lang="en-US" dirty="0"/>
           </a:p>
         </p:txBody>
@@ -30211,6 +30559,7 @@
       <p:pic>
         <p:nvPicPr>
           <p:cNvPr id="1026" name="Picture 2" descr="Image result for taco">
+            <a:hlinkClick r:id="rId2"/>
             <a:extLst>
               <a:ext uri="{FF2B5EF4-FFF2-40B4-BE49-F238E27FC236}">
                 <a16:creationId xmlns:a16="http://schemas.microsoft.com/office/drawing/2014/main" id="{F3708CAD-144F-4598-85C7-7B04391F4BD1}"/>
@@ -30223,7 +30572,7 @@
           <p:nvPr/>
         </p:nvPicPr>
         <p:blipFill>
-          <a:blip r:embed="rId2">
+          <a:blip r:embed="rId3">
             <a:extLst>
               <a:ext uri="{28A0092B-C50C-407E-A947-70E740481C1C}">
                 <a14:useLocalDpi xmlns:a14="http://schemas.microsoft.com/office/drawing/2010/main" val="0"/>
@@ -30268,7 +30617,7 @@
 </p:sld>
 </file>
 
-<file path=ppt/slides/slide29.xml><?xml version="1.0" encoding="utf-8"?>
+<file path=ppt/slides/slide31.xml><?xml version="1.0" encoding="utf-8"?>
 <p:sld xmlns:a="http://schemas.openxmlformats.org/drawingml/2006/main" xmlns:r="http://schemas.openxmlformats.org/officeDocument/2006/relationships" xmlns:p="http://schemas.openxmlformats.org/presentationml/2006/main">
   <p:cSld>
     <p:spTree>
@@ -30361,161 +30710,7 @@
 </p:sld>
 </file>
 
-<file path=ppt/slides/slide3.xml><?xml version="1.0" encoding="utf-8"?>
-<p:sld xmlns:a="http://schemas.openxmlformats.org/drawingml/2006/main" xmlns:r="http://schemas.openxmlformats.org/officeDocument/2006/relationships" xmlns:p="http://schemas.openxmlformats.org/presentationml/2006/main">
-  <p:cSld>
-    <p:spTree>
-      <p:nvGrpSpPr>
-        <p:cNvPr id="1" name=""/>
-        <p:cNvGrpSpPr/>
-        <p:nvPr/>
-      </p:nvGrpSpPr>
-      <p:grpSpPr>
-        <a:xfrm>
-          <a:off x="0" y="0"/>
-          <a:ext cx="0" cy="0"/>
-          <a:chOff x="0" y="0"/>
-          <a:chExt cx="0" cy="0"/>
-        </a:xfrm>
-      </p:grpSpPr>
-      <p:sp>
-        <p:nvSpPr>
-          <p:cNvPr id="2" name="Title 1">
-            <a:extLst>
-              <a:ext uri="{FF2B5EF4-FFF2-40B4-BE49-F238E27FC236}">
-                <a16:creationId xmlns:a16="http://schemas.microsoft.com/office/drawing/2014/main" id="{22A2A588-9EDC-459E-9F15-343ACBB411B2}"/>
-              </a:ext>
-            </a:extLst>
-          </p:cNvPr>
-          <p:cNvSpPr>
-            <a:spLocks noGrp="1"/>
-          </p:cNvSpPr>
-          <p:nvPr>
-            <p:ph type="title"/>
-          </p:nvPr>
-        </p:nvSpPr>
-        <p:spPr/>
-        <p:txBody>
-          <a:bodyPr/>
-          <a:lstStyle/>
-          <a:p>
-            <a:r>
-              <a:rPr lang="en-US"/>
-              <a:t>Contact Information</a:t>
-            </a:r>
-            <a:endParaRPr lang="en-US" dirty="0"/>
-          </a:p>
-        </p:txBody>
-      </p:sp>
-      <p:sp>
-        <p:nvSpPr>
-          <p:cNvPr id="3" name="Content Placeholder 2">
-            <a:extLst>
-              <a:ext uri="{FF2B5EF4-FFF2-40B4-BE49-F238E27FC236}">
-                <a16:creationId xmlns:a16="http://schemas.microsoft.com/office/drawing/2014/main" id="{069F119E-B9EC-4B81-815E-AF84F5C550A3}"/>
-              </a:ext>
-            </a:extLst>
-          </p:cNvPr>
-          <p:cNvSpPr>
-            <a:spLocks noGrp="1"/>
-          </p:cNvSpPr>
-          <p:nvPr>
-            <p:ph idx="1"/>
-          </p:nvPr>
-        </p:nvSpPr>
-        <p:spPr/>
-        <p:txBody>
-          <a:bodyPr>
-            <a:normAutofit/>
-          </a:bodyPr>
-          <a:lstStyle/>
-          <a:p>
-            <a:r>
-              <a:rPr lang="en-US"/>
-              <a:t>Matt Vaughn</a:t>
-            </a:r>
-          </a:p>
-          <a:p>
-            <a:pPr lvl="1"/>
-            <a:r>
-              <a:rPr lang="en-US"/>
-              <a:t>E: </a:t>
-            </a:r>
-            <a:r>
-              <a:rPr lang="en-US">
-                <a:hlinkClick r:id="rId2"/>
-              </a:rPr>
-              <a:t>matt.vaughn@buildmotion.com</a:t>
-            </a:r>
-            <a:endParaRPr lang="en-US"/>
-          </a:p>
-          <a:p>
-            <a:pPr lvl="1"/>
-            <a:r>
-              <a:rPr lang="en-US"/>
-              <a:t>W: </a:t>
-            </a:r>
-            <a:r>
-              <a:rPr lang="en-US">
-                <a:hlinkClick r:id="rId3"/>
-              </a:rPr>
-              <a:t>www.buildmotion.com</a:t>
-            </a:r>
-            <a:endParaRPr lang="en-US"/>
-          </a:p>
-          <a:p>
-            <a:pPr lvl="1"/>
-            <a:r>
-              <a:rPr lang="en-US"/>
-              <a:t>GitHub: </a:t>
-            </a:r>
-            <a:r>
-              <a:rPr lang="en-US">
-                <a:hlinkClick r:id="rId4"/>
-              </a:rPr>
-              <a:t>https://github.com/buildmotion</a:t>
-            </a:r>
-            <a:r>
-              <a:rPr lang="en-US"/>
-              <a:t> </a:t>
-            </a:r>
-          </a:p>
-          <a:p>
-            <a:r>
-              <a:rPr lang="en-US"/>
-              <a:t>Code Samples and Presentation</a:t>
-            </a:r>
-          </a:p>
-          <a:p>
-            <a:pPr lvl="1"/>
-            <a:r>
-              <a:rPr lang="en-US"/>
-              <a:t>GitHub: </a:t>
-            </a:r>
-            <a:r>
-              <a:rPr lang="en-US">
-                <a:hlinkClick r:id="rId5"/>
-              </a:rPr>
-              <a:t>https://github.com/buildmotion/better-business-logic-with-typescript</a:t>
-            </a:r>
-            <a:endParaRPr lang="en-US" dirty="0"/>
-          </a:p>
-        </p:txBody>
-      </p:sp>
-    </p:spTree>
-    <p:extLst>
-      <p:ext uri="{BB962C8B-B14F-4D97-AF65-F5344CB8AC3E}">
-        <p14:creationId xmlns:p14="http://schemas.microsoft.com/office/powerpoint/2010/main" val="411051127"/>
-      </p:ext>
-    </p:extLst>
-  </p:cSld>
-  <p:clrMapOvr>
-    <a:masterClrMapping/>
-  </p:clrMapOvr>
-</p:sld>
-</file>
-
-<file path=ppt/slides/slide30.xml><?xml version="1.0" encoding="utf-8"?>
+<file path=ppt/slides/slide32.xml><?xml version="1.0" encoding="utf-8"?>
 <p:sld xmlns:a="http://schemas.openxmlformats.org/drawingml/2006/main" xmlns:r="http://schemas.openxmlformats.org/officeDocument/2006/relationships" xmlns:p="http://schemas.openxmlformats.org/presentationml/2006/main">
   <p:cSld>
     <p:spTree>
@@ -30605,7 +30800,7 @@
 </p:sld>
 </file>
 
-<file path=ppt/slides/slide31.xml><?xml version="1.0" encoding="utf-8"?>
+<file path=ppt/slides/slide33.xml><?xml version="1.0" encoding="utf-8"?>
 <p:sld xmlns:a="http://schemas.openxmlformats.org/drawingml/2006/main" xmlns:r="http://schemas.openxmlformats.org/officeDocument/2006/relationships" xmlns:p="http://schemas.openxmlformats.org/presentationml/2006/main">
   <p:cSld>
     <p:spTree>
@@ -30724,14 +30919,10 @@
             </a:pPr>
             <a:r>
               <a:rPr lang="en-US" sz="1800" dirty="0"/>
-              <a:t>The concrete action implements </a:t>
-            </a:r>
-            <a:r>
-              <a:rPr lang="en-US" sz="1800"/>
-              <a:t>the </a:t>
-            </a:r>
-            <a:r>
-              <a:rPr lang="en-US" sz="1200">
+              <a:t>The concrete action implements the </a:t>
+            </a:r>
+            <a:r>
+              <a:rPr lang="en-US" sz="1200" dirty="0" err="1">
                 <a:solidFill>
                   <a:srgbClr val="FFC000"/>
                 </a:solidFill>
@@ -30824,342 +31015,6 @@
 </p:sld>
 </file>
 
-<file path=ppt/slides/slide32.xml><?xml version="1.0" encoding="utf-8"?>
-<p:sld xmlns:a="http://schemas.openxmlformats.org/drawingml/2006/main" xmlns:r="http://schemas.openxmlformats.org/officeDocument/2006/relationships" xmlns:p="http://schemas.openxmlformats.org/presentationml/2006/main">
-  <p:cSld>
-    <p:spTree>
-      <p:nvGrpSpPr>
-        <p:cNvPr id="1" name=""/>
-        <p:cNvGrpSpPr/>
-        <p:nvPr/>
-      </p:nvGrpSpPr>
-      <p:grpSpPr>
-        <a:xfrm>
-          <a:off x="0" y="0"/>
-          <a:ext cx="0" cy="0"/>
-          <a:chOff x="0" y="0"/>
-          <a:chExt cx="0" cy="0"/>
-        </a:xfrm>
-      </p:grpSpPr>
-      <p:sp>
-        <p:nvSpPr>
-          <p:cNvPr id="2" name="Title 1">
-            <a:extLst>
-              <a:ext uri="{FF2B5EF4-FFF2-40B4-BE49-F238E27FC236}">
-                <a16:creationId xmlns:a16="http://schemas.microsoft.com/office/drawing/2014/main" id="{7D8AF8FB-793E-41BD-8CC5-A923B5A8209E}"/>
-              </a:ext>
-            </a:extLst>
-          </p:cNvPr>
-          <p:cNvSpPr>
-            <a:spLocks noGrp="1"/>
-          </p:cNvSpPr>
-          <p:nvPr>
-            <p:ph type="title"/>
-          </p:nvPr>
-        </p:nvSpPr>
-        <p:spPr/>
-        <p:txBody>
-          <a:bodyPr/>
-          <a:lstStyle/>
-          <a:p>
-            <a:r>
-              <a:rPr lang="en-US"/>
-              <a:t>Web References</a:t>
-            </a:r>
-            <a:endParaRPr lang="en-US" dirty="0"/>
-          </a:p>
-        </p:txBody>
-      </p:sp>
-      <p:sp>
-        <p:nvSpPr>
-          <p:cNvPr id="3" name="Content Placeholder 2">
-            <a:extLst>
-              <a:ext uri="{FF2B5EF4-FFF2-40B4-BE49-F238E27FC236}">
-                <a16:creationId xmlns:a16="http://schemas.microsoft.com/office/drawing/2014/main" id="{3975127B-114D-4B36-BA13-4EB6781A2CEB}"/>
-              </a:ext>
-            </a:extLst>
-          </p:cNvPr>
-          <p:cNvSpPr>
-            <a:spLocks noGrp="1"/>
-          </p:cNvSpPr>
-          <p:nvPr>
-            <p:ph idx="1"/>
-          </p:nvPr>
-        </p:nvSpPr>
-        <p:spPr/>
-        <p:txBody>
-          <a:bodyPr>
-            <a:normAutofit/>
-          </a:bodyPr>
-          <a:lstStyle/>
-          <a:p>
-            <a:r>
-              <a:rPr lang="en-US">
-                <a:hlinkClick r:id="rId2"/>
-              </a:rPr>
-              <a:t>GoF Design patterns in .NET/C#</a:t>
-            </a:r>
-            <a:endParaRPr lang="en-US"/>
-          </a:p>
-          <a:p>
-            <a:r>
-              <a:rPr lang="en-US">
-                <a:hlinkClick r:id="rId3"/>
-              </a:rPr>
-              <a:t>Design Patterns General</a:t>
-            </a:r>
-            <a:endParaRPr lang="en-US"/>
-          </a:p>
-          <a:p>
-            <a:pPr lvl="1"/>
-            <a:r>
-              <a:rPr lang="en-US">
-                <a:hlinkClick r:id="rId3"/>
-              </a:rPr>
-              <a:t>Creational</a:t>
-            </a:r>
-            <a:endParaRPr lang="en-US"/>
-          </a:p>
-          <a:p>
-            <a:pPr lvl="1"/>
-            <a:r>
-              <a:rPr lang="en-US">
-                <a:hlinkClick r:id="rId4"/>
-              </a:rPr>
-              <a:t>Structural</a:t>
-            </a:r>
-            <a:endParaRPr lang="en-US"/>
-          </a:p>
-          <a:p>
-            <a:pPr lvl="1"/>
-            <a:r>
-              <a:rPr lang="en-US">
-                <a:hlinkClick r:id="rId5"/>
-              </a:rPr>
-              <a:t>Behavioral</a:t>
-            </a:r>
-            <a:endParaRPr lang="en-US"/>
-          </a:p>
-          <a:p>
-            <a:r>
-              <a:rPr lang="en-US"/>
-              <a:t>Principles:</a:t>
-            </a:r>
-          </a:p>
-          <a:p>
-            <a:pPr lvl="1"/>
-            <a:r>
-              <a:rPr lang="en-US">
-                <a:hlinkClick r:id="rId6"/>
-              </a:rPr>
-              <a:t>Single Responsibility</a:t>
-            </a:r>
-            <a:endParaRPr lang="en-US"/>
-          </a:p>
-          <a:p>
-            <a:pPr lvl="1"/>
-            <a:r>
-              <a:rPr lang="en-US">
-                <a:hlinkClick r:id="rId7"/>
-              </a:rPr>
-              <a:t>Separation of Concerns</a:t>
-            </a:r>
-            <a:endParaRPr lang="en-US"/>
-          </a:p>
-          <a:p>
-            <a:pPr lvl="1"/>
-            <a:r>
-              <a:rPr lang="en-US">
-                <a:hlinkClick r:id="rId8"/>
-              </a:rPr>
-              <a:t>S.O.L.I.D Principles</a:t>
-            </a:r>
-            <a:endParaRPr lang="en-US"/>
-          </a:p>
-          <a:p>
-            <a:endParaRPr lang="en-US" dirty="0"/>
-          </a:p>
-        </p:txBody>
-      </p:sp>
-    </p:spTree>
-    <p:extLst>
-      <p:ext uri="{BB962C8B-B14F-4D97-AF65-F5344CB8AC3E}">
-        <p14:creationId xmlns:p14="http://schemas.microsoft.com/office/powerpoint/2010/main" val="1961233773"/>
-      </p:ext>
-    </p:extLst>
-  </p:cSld>
-  <p:clrMapOvr>
-    <a:masterClrMapping/>
-  </p:clrMapOvr>
-</p:sld>
-</file>
-
-<file path=ppt/slides/slide33.xml><?xml version="1.0" encoding="utf-8"?>
-<p:sld xmlns:a="http://schemas.openxmlformats.org/drawingml/2006/main" xmlns:r="http://schemas.openxmlformats.org/officeDocument/2006/relationships" xmlns:p="http://schemas.openxmlformats.org/presentationml/2006/main">
-  <p:cSld>
-    <p:spTree>
-      <p:nvGrpSpPr>
-        <p:cNvPr id="1" name=""/>
-        <p:cNvGrpSpPr/>
-        <p:nvPr/>
-      </p:nvGrpSpPr>
-      <p:grpSpPr>
-        <a:xfrm>
-          <a:off x="0" y="0"/>
-          <a:ext cx="0" cy="0"/>
-          <a:chOff x="0" y="0"/>
-          <a:chExt cx="0" cy="0"/>
-        </a:xfrm>
-      </p:grpSpPr>
-      <p:sp>
-        <p:nvSpPr>
-          <p:cNvPr id="2" name="Title 1">
-            <a:extLst>
-              <a:ext uri="{FF2B5EF4-FFF2-40B4-BE49-F238E27FC236}">
-                <a16:creationId xmlns:a16="http://schemas.microsoft.com/office/drawing/2014/main" id="{7D8AF8FB-793E-41BD-8CC5-A923B5A8209E}"/>
-              </a:ext>
-            </a:extLst>
-          </p:cNvPr>
-          <p:cNvSpPr>
-            <a:spLocks noGrp="1"/>
-          </p:cNvSpPr>
-          <p:nvPr>
-            <p:ph type="title"/>
-          </p:nvPr>
-        </p:nvSpPr>
-        <p:spPr/>
-        <p:txBody>
-          <a:bodyPr/>
-          <a:lstStyle/>
-          <a:p>
-            <a:r>
-              <a:rPr lang="en-US"/>
-              <a:t>Book References</a:t>
-            </a:r>
-            <a:endParaRPr lang="en-US" dirty="0"/>
-          </a:p>
-        </p:txBody>
-      </p:sp>
-      <p:sp>
-        <p:nvSpPr>
-          <p:cNvPr id="3" name="Content Placeholder 2">
-            <a:extLst>
-              <a:ext uri="{FF2B5EF4-FFF2-40B4-BE49-F238E27FC236}">
-                <a16:creationId xmlns:a16="http://schemas.microsoft.com/office/drawing/2014/main" id="{3975127B-114D-4B36-BA13-4EB6781A2CEB}"/>
-              </a:ext>
-            </a:extLst>
-          </p:cNvPr>
-          <p:cNvSpPr>
-            <a:spLocks noGrp="1"/>
-          </p:cNvSpPr>
-          <p:nvPr>
-            <p:ph idx="1"/>
-          </p:nvPr>
-        </p:nvSpPr>
-        <p:spPr/>
-        <p:txBody>
-          <a:bodyPr>
-            <a:normAutofit fontScale="92500" lnSpcReduction="10000"/>
-          </a:bodyPr>
-          <a:lstStyle/>
-          <a:p>
-            <a:r>
-              <a:rPr lang="en-US">
-                <a:hlinkClick r:id="rId2"/>
-              </a:rPr>
-              <a:t>Design Patterns : Elements of Reusable Object-Oriented Software</a:t>
-            </a:r>
-            <a:endParaRPr lang="en-US"/>
-          </a:p>
-          <a:p>
-            <a:pPr lvl="1"/>
-            <a:r>
-              <a:rPr lang="en-US"/>
-              <a:t>ISBN-13: 978-0201633610, ISBN-10: 0201633612</a:t>
-            </a:r>
-          </a:p>
-          <a:p>
-            <a:r>
-              <a:rPr lang="en-US">
-                <a:hlinkClick r:id="rId3"/>
-              </a:rPr>
-              <a:t>Head First Design Patterns</a:t>
-            </a:r>
-            <a:endParaRPr lang="en-US"/>
-          </a:p>
-          <a:p>
-            <a:pPr lvl="1"/>
-            <a:r>
-              <a:rPr lang="en-US"/>
-              <a:t>ISBN-13: 978-0596007126, ISBN-10: 0596007124</a:t>
-            </a:r>
-          </a:p>
-          <a:p>
-            <a:r>
-              <a:rPr lang="en-US">
-                <a:hlinkClick r:id="rId4"/>
-              </a:rPr>
-              <a:t>Clean Code</a:t>
-            </a:r>
-            <a:endParaRPr lang="en-US"/>
-          </a:p>
-          <a:p>
-            <a:pPr lvl="1"/>
-            <a:r>
-              <a:rPr lang="en-US"/>
-              <a:t>ISBN-13: 978-0132350884, ISBN-10: 0132350882</a:t>
-            </a:r>
-          </a:p>
-          <a:p>
-            <a:r>
-              <a:rPr lang="en-US">
-                <a:hlinkClick r:id="rId5"/>
-              </a:rPr>
-              <a:t>The Pragmatic Programmer</a:t>
-            </a:r>
-            <a:endParaRPr lang="en-US"/>
-          </a:p>
-          <a:p>
-            <a:pPr lvl="1"/>
-            <a:r>
-              <a:rPr lang="en-US"/>
-              <a:t>ISBN-13: 978-0201616224, ISBN-10: 020161622X</a:t>
-            </a:r>
-          </a:p>
-          <a:p>
-            <a:r>
-              <a:rPr lang="en-US">
-                <a:hlinkClick r:id="rId6"/>
-              </a:rPr>
-              <a:t>Patterns of Enterprise Application Architecture</a:t>
-            </a:r>
-            <a:endParaRPr lang="en-US"/>
-          </a:p>
-          <a:p>
-            <a:pPr lvl="1"/>
-            <a:r>
-              <a:rPr lang="en-US"/>
-              <a:t>ISBN-13: 978-0321127426, ISBN-10: 0321127420</a:t>
-            </a:r>
-          </a:p>
-          <a:p>
-            <a:endParaRPr lang="en-US" dirty="0"/>
-          </a:p>
-        </p:txBody>
-      </p:sp>
-    </p:spTree>
-    <p:extLst>
-      <p:ext uri="{BB962C8B-B14F-4D97-AF65-F5344CB8AC3E}">
-        <p14:creationId xmlns:p14="http://schemas.microsoft.com/office/powerpoint/2010/main" val="214986796"/>
-      </p:ext>
-    </p:extLst>
-  </p:cSld>
-  <p:clrMapOvr>
-    <a:masterClrMapping/>
-  </p:clrMapOvr>
-</p:sld>
-</file>
-
 <file path=ppt/slides/slide34.xml><?xml version="1.0" encoding="utf-8"?>
 <p:sld xmlns:a="http://schemas.openxmlformats.org/drawingml/2006/main" xmlns:r="http://schemas.openxmlformats.org/officeDocument/2006/relationships" xmlns:p="http://schemas.openxmlformats.org/presentationml/2006/main">
   <p:cSld>
@@ -31182,7 +31037,7 @@
           <p:cNvPr id="2" name="Title 1">
             <a:extLst>
               <a:ext uri="{FF2B5EF4-FFF2-40B4-BE49-F238E27FC236}">
-                <a16:creationId xmlns:a16="http://schemas.microsoft.com/office/drawing/2014/main" id="{7D8AF8FB-793E-41BD-8CC5-A923B5A8209E}"/>
+                <a16:creationId xmlns:a16="http://schemas.microsoft.com/office/drawing/2014/main" id="{FA1BCB59-0789-48A4-8783-E209DA86CB32}"/>
               </a:ext>
             </a:extLst>
           </p:cNvPr>
@@ -31200,7 +31055,7 @@
           <a:p>
             <a:r>
               <a:rPr lang="en-US" dirty="0"/>
-              <a:t>Angular Resources</a:t>
+              <a:t>Template Method Recap</a:t>
             </a:r>
           </a:p>
         </p:txBody>
@@ -31210,7 +31065,7 @@
           <p:cNvPr id="3" name="Content Placeholder 2">
             <a:extLst>
               <a:ext uri="{FF2B5EF4-FFF2-40B4-BE49-F238E27FC236}">
-                <a16:creationId xmlns:a16="http://schemas.microsoft.com/office/drawing/2014/main" id="{3975127B-114D-4B36-BA13-4EB6781A2CEB}"/>
+                <a16:creationId xmlns:a16="http://schemas.microsoft.com/office/drawing/2014/main" id="{A01FBAB8-C7B4-43CB-89BE-BEACC68BD6FE}"/>
               </a:ext>
             </a:extLst>
           </p:cNvPr>
@@ -31229,81 +31084,68 @@
           <a:lstStyle/>
           <a:p>
             <a:r>
-              <a:rPr lang="en-US" dirty="0">
-                <a:hlinkClick r:id="rId2"/>
-              </a:rPr>
-              <a:t>https://angular.io</a:t>
-            </a:r>
-            <a:r>
               <a:rPr lang="en-US" dirty="0"/>
-              <a:t>: </a:t>
-            </a:r>
-          </a:p>
-          <a:p>
-            <a:r>
-              <a:rPr lang="en-US" dirty="0">
-                <a:hlinkClick r:id="rId3"/>
-              </a:rPr>
-              <a:t>https://rangle.io</a:t>
-            </a:r>
+              <a:t>You can define the algorithm/recipe for your business logic processing.</a:t>
+            </a:r>
+          </a:p>
+          <a:p>
+            <a:pPr lvl="1"/>
             <a:r>
               <a:rPr lang="en-US" dirty="0"/>
-              <a:t>: </a:t>
+              <a:t>Logging</a:t>
             </a:r>
           </a:p>
           <a:p>
             <a:pPr lvl="1"/>
             <a:r>
-              <a:rPr lang="en-US" dirty="0" err="1">
-                <a:hlinkClick r:id="rId4"/>
-              </a:rPr>
-              <a:t>Rangle’s</a:t>
-            </a:r>
-            <a:r>
-              <a:rPr lang="en-US" dirty="0">
-                <a:hlinkClick r:id="rId4"/>
-              </a:rPr>
-              <a:t> Angular 2 Training Book</a:t>
-            </a:r>
-            <a:endParaRPr lang="en-US" dirty="0"/>
+              <a:rPr lang="en-US" dirty="0"/>
+              <a:t>Auditing</a:t>
+            </a:r>
           </a:p>
           <a:p>
             <a:pPr lvl="1"/>
             <a:r>
-              <a:rPr lang="en-US" dirty="0">
-                <a:hlinkClick r:id="rId5"/>
-              </a:rPr>
-              <a:t>Functional Forms</a:t>
-            </a:r>
-            <a:endParaRPr lang="en-US" dirty="0"/>
-          </a:p>
-          <a:p>
-            <a:r>
-              <a:rPr lang="en-US" dirty="0">
-                <a:hlinkClick r:id="rId6"/>
-              </a:rPr>
-              <a:t>Become a Ninja with Angular</a:t>
-            </a:r>
-            <a:r>
               <a:rPr lang="en-US" dirty="0"/>
-              <a:t>: sample chapters</a:t>
-            </a:r>
-          </a:p>
-          <a:p>
-            <a:r>
-              <a:rPr lang="en-US" dirty="0">
-                <a:hlinkClick r:id="rId7"/>
-              </a:rPr>
-              <a:t>Tour of Heroes Application with Multiple Modules</a:t>
-            </a:r>
-            <a:endParaRPr lang="en-US" dirty="0"/>
+              <a:t>Authorization</a:t>
+            </a:r>
+          </a:p>
+          <a:p>
+            <a:pPr lvl="1"/>
+            <a:r>
+              <a:rPr lang="en-US" dirty="0"/>
+              <a:t>Validation and Business Rule processing</a:t>
+            </a:r>
+          </a:p>
+          <a:p>
+            <a:r>
+              <a:rPr lang="en-US" dirty="0"/>
+              <a:t>Consistent and Reliable</a:t>
+            </a:r>
+          </a:p>
+          <a:p>
+            <a:r>
+              <a:rPr lang="en-US" dirty="0"/>
+              <a:t>Provides extensibility and customization opportunities.</a:t>
+            </a:r>
+          </a:p>
+          <a:p>
+            <a:r>
+              <a:rPr lang="en-US" dirty="0"/>
+              <a:t>Uses Object Oriented Programming</a:t>
+            </a:r>
+          </a:p>
+          <a:p>
+            <a:r>
+              <a:rPr lang="en-US" dirty="0"/>
+              <a:t>Scaffold with Templates</a:t>
+            </a:r>
           </a:p>
         </p:txBody>
       </p:sp>
     </p:spTree>
     <p:extLst>
       <p:ext uri="{BB962C8B-B14F-4D97-AF65-F5344CB8AC3E}">
-        <p14:creationId xmlns:p14="http://schemas.microsoft.com/office/powerpoint/2010/main" val="3233442765"/>
+        <p14:creationId xmlns:p14="http://schemas.microsoft.com/office/powerpoint/2010/main" val="4034697941"/>
       </p:ext>
     </p:extLst>
   </p:cSld>
@@ -31332,10 +31174,93 @@
       </p:grpSpPr>
       <p:sp>
         <p:nvSpPr>
+          <p:cNvPr id="4" name="Title 3">
+            <a:extLst>
+              <a:ext uri="{FF2B5EF4-FFF2-40B4-BE49-F238E27FC236}">
+                <a16:creationId xmlns:a16="http://schemas.microsoft.com/office/drawing/2014/main" id="{203B918A-3F11-486B-981F-885DC949B4D3}"/>
+              </a:ext>
+            </a:extLst>
+          </p:cNvPr>
+          <p:cNvSpPr>
+            <a:spLocks noGrp="1"/>
+          </p:cNvSpPr>
+          <p:nvPr>
+            <p:ph type="title"/>
+          </p:nvPr>
+        </p:nvSpPr>
+        <p:spPr/>
+        <p:txBody>
+          <a:bodyPr/>
+          <a:lstStyle/>
+          <a:p>
+            <a:r>
+              <a:rPr lang="en-US" dirty="0"/>
+              <a:t>Composite Pattern</a:t>
+            </a:r>
+          </a:p>
+        </p:txBody>
+      </p:sp>
+      <p:sp>
+        <p:nvSpPr>
+          <p:cNvPr id="5" name="Text Placeholder 4">
+            <a:extLst>
+              <a:ext uri="{FF2B5EF4-FFF2-40B4-BE49-F238E27FC236}">
+                <a16:creationId xmlns:a16="http://schemas.microsoft.com/office/drawing/2014/main" id="{81470885-0111-4942-B5A5-7DBC42C3A073}"/>
+              </a:ext>
+            </a:extLst>
+          </p:cNvPr>
+          <p:cNvSpPr>
+            <a:spLocks noGrp="1"/>
+          </p:cNvSpPr>
+          <p:nvPr>
+            <p:ph type="body" idx="1"/>
+          </p:nvPr>
+        </p:nvSpPr>
+        <p:spPr/>
+        <p:txBody>
+          <a:bodyPr/>
+          <a:lstStyle/>
+          <a:p>
+            <a:endParaRPr lang="en-US" dirty="0"/>
+          </a:p>
+        </p:txBody>
+      </p:sp>
+    </p:spTree>
+    <p:extLst>
+      <p:ext uri="{BB962C8B-B14F-4D97-AF65-F5344CB8AC3E}">
+        <p14:creationId xmlns:p14="http://schemas.microsoft.com/office/powerpoint/2010/main" val="2203752334"/>
+      </p:ext>
+    </p:extLst>
+  </p:cSld>
+  <p:clrMapOvr>
+    <a:masterClrMapping/>
+  </p:clrMapOvr>
+</p:sld>
+</file>
+
+<file path=ppt/slides/slide36.xml><?xml version="1.0" encoding="utf-8"?>
+<p:sld xmlns:a="http://schemas.openxmlformats.org/drawingml/2006/main" xmlns:r="http://schemas.openxmlformats.org/officeDocument/2006/relationships" xmlns:p="http://schemas.openxmlformats.org/presentationml/2006/main">
+  <p:cSld>
+    <p:spTree>
+      <p:nvGrpSpPr>
+        <p:cNvPr id="1" name=""/>
+        <p:cNvGrpSpPr/>
+        <p:nvPr/>
+      </p:nvGrpSpPr>
+      <p:grpSpPr>
+        <a:xfrm>
+          <a:off x="0" y="0"/>
+          <a:ext cx="0" cy="0"/>
+          <a:chOff x="0" y="0"/>
+          <a:chExt cx="0" cy="0"/>
+        </a:xfrm>
+      </p:grpSpPr>
+      <p:sp>
+        <p:nvSpPr>
           <p:cNvPr id="2" name="Title 1">
             <a:extLst>
               <a:ext uri="{FF2B5EF4-FFF2-40B4-BE49-F238E27FC236}">
-                <a16:creationId xmlns:a16="http://schemas.microsoft.com/office/drawing/2014/main" id="{4D26C1FD-D049-416D-9C47-E3F3500B7FBE}"/>
+                <a16:creationId xmlns:a16="http://schemas.microsoft.com/office/drawing/2014/main" id="{CE638E4E-54DB-4630-A30A-81AF4520E5D3}"/>
               </a:ext>
             </a:extLst>
           </p:cNvPr>
@@ -31352,10 +31277,9 @@
           <a:lstStyle/>
           <a:p>
             <a:r>
-              <a:rPr lang="en-US"/>
-              <a:t>Miscellaneous</a:t>
-            </a:r>
-            <a:endParaRPr lang="en-US" dirty="0"/>
+              <a:rPr lang="en-US" dirty="0"/>
+              <a:t>Composite Pattern</a:t>
+            </a:r>
           </a:p>
         </p:txBody>
       </p:sp>
@@ -31364,7 +31288,7 @@
           <p:cNvPr id="3" name="Content Placeholder 2">
             <a:extLst>
               <a:ext uri="{FF2B5EF4-FFF2-40B4-BE49-F238E27FC236}">
-                <a16:creationId xmlns:a16="http://schemas.microsoft.com/office/drawing/2014/main" id="{E6782E6C-3EEC-49F3-B248-5C89306E3EEB}"/>
+                <a16:creationId xmlns:a16="http://schemas.microsoft.com/office/drawing/2014/main" id="{66928051-1A7D-475C-9E98-25EE74D6BA30}"/>
               </a:ext>
             </a:extLst>
           </p:cNvPr>
@@ -31381,26 +31305,519 @@
           <a:lstStyle/>
           <a:p>
             <a:r>
-              <a:rPr lang="en-US"/>
-              <a:t>“Good programmers write good code. Great programmers steal.” - Unknown</a:t>
+              <a:rPr lang="en-US" dirty="0"/>
+              <a:t>Where have you seen this one?</a:t>
             </a:r>
           </a:p>
           <a:p>
             <a:pPr lvl="1"/>
             <a:r>
-              <a:rPr lang="en-US"/>
-              <a:t>Learn, Use, Copy, Borrow, and/or Steal.</a:t>
-            </a:r>
-          </a:p>
-          <a:p>
-            <a:endParaRPr lang="en-US" dirty="0"/>
+              <a:rPr lang="en-US" dirty="0"/>
+              <a:t>File Explorer</a:t>
+            </a:r>
+          </a:p>
+          <a:p>
+            <a:pPr lvl="1"/>
+            <a:r>
+              <a:rPr lang="en-US" dirty="0"/>
+              <a:t>Angular 2 Components</a:t>
+            </a:r>
           </a:p>
         </p:txBody>
       </p:sp>
     </p:spTree>
     <p:extLst>
       <p:ext uri="{BB962C8B-B14F-4D97-AF65-F5344CB8AC3E}">
-        <p14:creationId xmlns:p14="http://schemas.microsoft.com/office/powerpoint/2010/main" val="1613193946"/>
+        <p14:creationId xmlns:p14="http://schemas.microsoft.com/office/powerpoint/2010/main" val="3364192151"/>
+      </p:ext>
+    </p:extLst>
+  </p:cSld>
+  <p:clrMapOvr>
+    <a:masterClrMapping/>
+  </p:clrMapOvr>
+</p:sld>
+</file>
+
+<file path=ppt/slides/slide37.xml><?xml version="1.0" encoding="utf-8"?>
+<p:sld xmlns:a="http://schemas.openxmlformats.org/drawingml/2006/main" xmlns:r="http://schemas.openxmlformats.org/officeDocument/2006/relationships" xmlns:p="http://schemas.openxmlformats.org/presentationml/2006/main">
+  <p:cSld>
+    <p:spTree>
+      <p:nvGrpSpPr>
+        <p:cNvPr id="1" name=""/>
+        <p:cNvGrpSpPr/>
+        <p:nvPr/>
+      </p:nvGrpSpPr>
+      <p:grpSpPr>
+        <a:xfrm>
+          <a:off x="0" y="0"/>
+          <a:ext cx="0" cy="0"/>
+          <a:chOff x="0" y="0"/>
+          <a:chExt cx="0" cy="0"/>
+        </a:xfrm>
+      </p:grpSpPr>
+      <p:sp>
+        <p:nvSpPr>
+          <p:cNvPr id="2" name="Title 1">
+            <a:extLst>
+              <a:ext uri="{FF2B5EF4-FFF2-40B4-BE49-F238E27FC236}">
+                <a16:creationId xmlns:a16="http://schemas.microsoft.com/office/drawing/2014/main" id="{7D8AF8FB-793E-41BD-8CC5-A923B5A8209E}"/>
+              </a:ext>
+            </a:extLst>
+          </p:cNvPr>
+          <p:cNvSpPr>
+            <a:spLocks noGrp="1"/>
+          </p:cNvSpPr>
+          <p:nvPr>
+            <p:ph type="title"/>
+          </p:nvPr>
+        </p:nvSpPr>
+        <p:spPr/>
+        <p:txBody>
+          <a:bodyPr/>
+          <a:lstStyle/>
+          <a:p>
+            <a:r>
+              <a:rPr lang="en-US"/>
+              <a:t>Web References</a:t>
+            </a:r>
+            <a:endParaRPr lang="en-US" dirty="0"/>
+          </a:p>
+        </p:txBody>
+      </p:sp>
+      <p:sp>
+        <p:nvSpPr>
+          <p:cNvPr id="3" name="Content Placeholder 2">
+            <a:extLst>
+              <a:ext uri="{FF2B5EF4-FFF2-40B4-BE49-F238E27FC236}">
+                <a16:creationId xmlns:a16="http://schemas.microsoft.com/office/drawing/2014/main" id="{3975127B-114D-4B36-BA13-4EB6781A2CEB}"/>
+              </a:ext>
+            </a:extLst>
+          </p:cNvPr>
+          <p:cNvSpPr>
+            <a:spLocks noGrp="1"/>
+          </p:cNvSpPr>
+          <p:nvPr>
+            <p:ph idx="1"/>
+          </p:nvPr>
+        </p:nvSpPr>
+        <p:spPr/>
+        <p:txBody>
+          <a:bodyPr>
+            <a:normAutofit/>
+          </a:bodyPr>
+          <a:lstStyle/>
+          <a:p>
+            <a:r>
+              <a:rPr lang="en-US">
+                <a:hlinkClick r:id="rId2"/>
+              </a:rPr>
+              <a:t>GoF Design patterns in .NET/C#</a:t>
+            </a:r>
+            <a:endParaRPr lang="en-US"/>
+          </a:p>
+          <a:p>
+            <a:r>
+              <a:rPr lang="en-US">
+                <a:hlinkClick r:id="rId3"/>
+              </a:rPr>
+              <a:t>Design Patterns General</a:t>
+            </a:r>
+            <a:endParaRPr lang="en-US"/>
+          </a:p>
+          <a:p>
+            <a:pPr lvl="1"/>
+            <a:r>
+              <a:rPr lang="en-US">
+                <a:hlinkClick r:id="rId3"/>
+              </a:rPr>
+              <a:t>Creational</a:t>
+            </a:r>
+            <a:endParaRPr lang="en-US"/>
+          </a:p>
+          <a:p>
+            <a:pPr lvl="1"/>
+            <a:r>
+              <a:rPr lang="en-US">
+                <a:hlinkClick r:id="rId4"/>
+              </a:rPr>
+              <a:t>Structural</a:t>
+            </a:r>
+            <a:endParaRPr lang="en-US"/>
+          </a:p>
+          <a:p>
+            <a:pPr lvl="1"/>
+            <a:r>
+              <a:rPr lang="en-US">
+                <a:hlinkClick r:id="rId5"/>
+              </a:rPr>
+              <a:t>Behavioral</a:t>
+            </a:r>
+            <a:endParaRPr lang="en-US"/>
+          </a:p>
+          <a:p>
+            <a:r>
+              <a:rPr lang="en-US"/>
+              <a:t>Principles:</a:t>
+            </a:r>
+          </a:p>
+          <a:p>
+            <a:pPr lvl="1"/>
+            <a:r>
+              <a:rPr lang="en-US">
+                <a:hlinkClick r:id="rId6"/>
+              </a:rPr>
+              <a:t>Single Responsibility</a:t>
+            </a:r>
+            <a:endParaRPr lang="en-US"/>
+          </a:p>
+          <a:p>
+            <a:pPr lvl="1"/>
+            <a:r>
+              <a:rPr lang="en-US">
+                <a:hlinkClick r:id="rId7"/>
+              </a:rPr>
+              <a:t>Separation of Concerns</a:t>
+            </a:r>
+            <a:endParaRPr lang="en-US"/>
+          </a:p>
+          <a:p>
+            <a:pPr lvl="1"/>
+            <a:r>
+              <a:rPr lang="en-US">
+                <a:hlinkClick r:id="rId8"/>
+              </a:rPr>
+              <a:t>S.O.L.I.D Principles</a:t>
+            </a:r>
+            <a:endParaRPr lang="en-US"/>
+          </a:p>
+          <a:p>
+            <a:endParaRPr lang="en-US" dirty="0"/>
+          </a:p>
+        </p:txBody>
+      </p:sp>
+    </p:spTree>
+    <p:extLst>
+      <p:ext uri="{BB962C8B-B14F-4D97-AF65-F5344CB8AC3E}">
+        <p14:creationId xmlns:p14="http://schemas.microsoft.com/office/powerpoint/2010/main" val="1961233773"/>
+      </p:ext>
+    </p:extLst>
+  </p:cSld>
+  <p:clrMapOvr>
+    <a:masterClrMapping/>
+  </p:clrMapOvr>
+</p:sld>
+</file>
+
+<file path=ppt/slides/slide38.xml><?xml version="1.0" encoding="utf-8"?>
+<p:sld xmlns:a="http://schemas.openxmlformats.org/drawingml/2006/main" xmlns:r="http://schemas.openxmlformats.org/officeDocument/2006/relationships" xmlns:p="http://schemas.openxmlformats.org/presentationml/2006/main">
+  <p:cSld>
+    <p:spTree>
+      <p:nvGrpSpPr>
+        <p:cNvPr id="1" name=""/>
+        <p:cNvGrpSpPr/>
+        <p:nvPr/>
+      </p:nvGrpSpPr>
+      <p:grpSpPr>
+        <a:xfrm>
+          <a:off x="0" y="0"/>
+          <a:ext cx="0" cy="0"/>
+          <a:chOff x="0" y="0"/>
+          <a:chExt cx="0" cy="0"/>
+        </a:xfrm>
+      </p:grpSpPr>
+      <p:sp>
+        <p:nvSpPr>
+          <p:cNvPr id="2" name="Title 1">
+            <a:extLst>
+              <a:ext uri="{FF2B5EF4-FFF2-40B4-BE49-F238E27FC236}">
+                <a16:creationId xmlns:a16="http://schemas.microsoft.com/office/drawing/2014/main" id="{7D8AF8FB-793E-41BD-8CC5-A923B5A8209E}"/>
+              </a:ext>
+            </a:extLst>
+          </p:cNvPr>
+          <p:cNvSpPr>
+            <a:spLocks noGrp="1"/>
+          </p:cNvSpPr>
+          <p:nvPr>
+            <p:ph type="title"/>
+          </p:nvPr>
+        </p:nvSpPr>
+        <p:spPr/>
+        <p:txBody>
+          <a:bodyPr/>
+          <a:lstStyle/>
+          <a:p>
+            <a:r>
+              <a:rPr lang="en-US"/>
+              <a:t>Book References</a:t>
+            </a:r>
+            <a:endParaRPr lang="en-US" dirty="0"/>
+          </a:p>
+        </p:txBody>
+      </p:sp>
+      <p:sp>
+        <p:nvSpPr>
+          <p:cNvPr id="3" name="Content Placeholder 2">
+            <a:extLst>
+              <a:ext uri="{FF2B5EF4-FFF2-40B4-BE49-F238E27FC236}">
+                <a16:creationId xmlns:a16="http://schemas.microsoft.com/office/drawing/2014/main" id="{3975127B-114D-4B36-BA13-4EB6781A2CEB}"/>
+              </a:ext>
+            </a:extLst>
+          </p:cNvPr>
+          <p:cNvSpPr>
+            <a:spLocks noGrp="1"/>
+          </p:cNvSpPr>
+          <p:nvPr>
+            <p:ph idx="1"/>
+          </p:nvPr>
+        </p:nvSpPr>
+        <p:spPr/>
+        <p:txBody>
+          <a:bodyPr>
+            <a:normAutofit fontScale="92500" lnSpcReduction="10000"/>
+          </a:bodyPr>
+          <a:lstStyle/>
+          <a:p>
+            <a:r>
+              <a:rPr lang="en-US">
+                <a:hlinkClick r:id="rId2"/>
+              </a:rPr>
+              <a:t>Design Patterns : Elements of Reusable Object-Oriented Software</a:t>
+            </a:r>
+            <a:endParaRPr lang="en-US"/>
+          </a:p>
+          <a:p>
+            <a:pPr lvl="1"/>
+            <a:r>
+              <a:rPr lang="en-US"/>
+              <a:t>ISBN-13: 978-0201633610, ISBN-10: 0201633612</a:t>
+            </a:r>
+          </a:p>
+          <a:p>
+            <a:r>
+              <a:rPr lang="en-US">
+                <a:hlinkClick r:id="rId3"/>
+              </a:rPr>
+              <a:t>Head First Design Patterns</a:t>
+            </a:r>
+            <a:endParaRPr lang="en-US"/>
+          </a:p>
+          <a:p>
+            <a:pPr lvl="1"/>
+            <a:r>
+              <a:rPr lang="en-US"/>
+              <a:t>ISBN-13: 978-0596007126, ISBN-10: 0596007124</a:t>
+            </a:r>
+          </a:p>
+          <a:p>
+            <a:r>
+              <a:rPr lang="en-US">
+                <a:hlinkClick r:id="rId4"/>
+              </a:rPr>
+              <a:t>Clean Code</a:t>
+            </a:r>
+            <a:endParaRPr lang="en-US"/>
+          </a:p>
+          <a:p>
+            <a:pPr lvl="1"/>
+            <a:r>
+              <a:rPr lang="en-US"/>
+              <a:t>ISBN-13: 978-0132350884, ISBN-10: 0132350882</a:t>
+            </a:r>
+          </a:p>
+          <a:p>
+            <a:r>
+              <a:rPr lang="en-US">
+                <a:hlinkClick r:id="rId5"/>
+              </a:rPr>
+              <a:t>The Pragmatic Programmer</a:t>
+            </a:r>
+            <a:endParaRPr lang="en-US"/>
+          </a:p>
+          <a:p>
+            <a:pPr lvl="1"/>
+            <a:r>
+              <a:rPr lang="en-US"/>
+              <a:t>ISBN-13: 978-0201616224, ISBN-10: 020161622X</a:t>
+            </a:r>
+          </a:p>
+          <a:p>
+            <a:r>
+              <a:rPr lang="en-US">
+                <a:hlinkClick r:id="rId6"/>
+              </a:rPr>
+              <a:t>Patterns of Enterprise Application Architecture</a:t>
+            </a:r>
+            <a:endParaRPr lang="en-US"/>
+          </a:p>
+          <a:p>
+            <a:pPr lvl="1"/>
+            <a:r>
+              <a:rPr lang="en-US"/>
+              <a:t>ISBN-13: 978-0321127426, ISBN-10: 0321127420</a:t>
+            </a:r>
+          </a:p>
+          <a:p>
+            <a:endParaRPr lang="en-US" dirty="0"/>
+          </a:p>
+        </p:txBody>
+      </p:sp>
+    </p:spTree>
+    <p:extLst>
+      <p:ext uri="{BB962C8B-B14F-4D97-AF65-F5344CB8AC3E}">
+        <p14:creationId xmlns:p14="http://schemas.microsoft.com/office/powerpoint/2010/main" val="214986796"/>
+      </p:ext>
+    </p:extLst>
+  </p:cSld>
+  <p:clrMapOvr>
+    <a:masterClrMapping/>
+  </p:clrMapOvr>
+</p:sld>
+</file>
+
+<file path=ppt/slides/slide39.xml><?xml version="1.0" encoding="utf-8"?>
+<p:sld xmlns:a="http://schemas.openxmlformats.org/drawingml/2006/main" xmlns:r="http://schemas.openxmlformats.org/officeDocument/2006/relationships" xmlns:p="http://schemas.openxmlformats.org/presentationml/2006/main">
+  <p:cSld>
+    <p:spTree>
+      <p:nvGrpSpPr>
+        <p:cNvPr id="1" name=""/>
+        <p:cNvGrpSpPr/>
+        <p:nvPr/>
+      </p:nvGrpSpPr>
+      <p:grpSpPr>
+        <a:xfrm>
+          <a:off x="0" y="0"/>
+          <a:ext cx="0" cy="0"/>
+          <a:chOff x="0" y="0"/>
+          <a:chExt cx="0" cy="0"/>
+        </a:xfrm>
+      </p:grpSpPr>
+      <p:sp>
+        <p:nvSpPr>
+          <p:cNvPr id="2" name="Title 1">
+            <a:extLst>
+              <a:ext uri="{FF2B5EF4-FFF2-40B4-BE49-F238E27FC236}">
+                <a16:creationId xmlns:a16="http://schemas.microsoft.com/office/drawing/2014/main" id="{7D8AF8FB-793E-41BD-8CC5-A923B5A8209E}"/>
+              </a:ext>
+            </a:extLst>
+          </p:cNvPr>
+          <p:cNvSpPr>
+            <a:spLocks noGrp="1"/>
+          </p:cNvSpPr>
+          <p:nvPr>
+            <p:ph type="title"/>
+          </p:nvPr>
+        </p:nvSpPr>
+        <p:spPr/>
+        <p:txBody>
+          <a:bodyPr/>
+          <a:lstStyle/>
+          <a:p>
+            <a:r>
+              <a:rPr lang="en-US" dirty="0"/>
+              <a:t>Angular Resources</a:t>
+            </a:r>
+          </a:p>
+        </p:txBody>
+      </p:sp>
+      <p:sp>
+        <p:nvSpPr>
+          <p:cNvPr id="3" name="Content Placeholder 2">
+            <a:extLst>
+              <a:ext uri="{FF2B5EF4-FFF2-40B4-BE49-F238E27FC236}">
+                <a16:creationId xmlns:a16="http://schemas.microsoft.com/office/drawing/2014/main" id="{3975127B-114D-4B36-BA13-4EB6781A2CEB}"/>
+              </a:ext>
+            </a:extLst>
+          </p:cNvPr>
+          <p:cNvSpPr>
+            <a:spLocks noGrp="1"/>
+          </p:cNvSpPr>
+          <p:nvPr>
+            <p:ph idx="1"/>
+          </p:nvPr>
+        </p:nvSpPr>
+        <p:spPr/>
+        <p:txBody>
+          <a:bodyPr>
+            <a:normAutofit/>
+          </a:bodyPr>
+          <a:lstStyle/>
+          <a:p>
+            <a:r>
+              <a:rPr lang="en-US" dirty="0">
+                <a:hlinkClick r:id="rId2"/>
+              </a:rPr>
+              <a:t>https://angular.io</a:t>
+            </a:r>
+            <a:r>
+              <a:rPr lang="en-US" dirty="0"/>
+              <a:t>: </a:t>
+            </a:r>
+          </a:p>
+          <a:p>
+            <a:r>
+              <a:rPr lang="en-US" dirty="0">
+                <a:hlinkClick r:id="rId3"/>
+              </a:rPr>
+              <a:t>https://rangle.io</a:t>
+            </a:r>
+            <a:r>
+              <a:rPr lang="en-US" dirty="0"/>
+              <a:t>: </a:t>
+            </a:r>
+          </a:p>
+          <a:p>
+            <a:pPr lvl="1"/>
+            <a:r>
+              <a:rPr lang="en-US" dirty="0" err="1">
+                <a:hlinkClick r:id="rId4"/>
+              </a:rPr>
+              <a:t>Rangle’s</a:t>
+            </a:r>
+            <a:r>
+              <a:rPr lang="en-US" dirty="0">
+                <a:hlinkClick r:id="rId4"/>
+              </a:rPr>
+              <a:t> Angular 2 Training Book</a:t>
+            </a:r>
+            <a:endParaRPr lang="en-US" dirty="0"/>
+          </a:p>
+          <a:p>
+            <a:pPr lvl="1"/>
+            <a:r>
+              <a:rPr lang="en-US" dirty="0">
+                <a:hlinkClick r:id="rId5"/>
+              </a:rPr>
+              <a:t>Functional Forms</a:t>
+            </a:r>
+            <a:endParaRPr lang="en-US" dirty="0"/>
+          </a:p>
+          <a:p>
+            <a:r>
+              <a:rPr lang="en-US" dirty="0">
+                <a:hlinkClick r:id="rId6"/>
+              </a:rPr>
+              <a:t>Become a Ninja with Angular</a:t>
+            </a:r>
+            <a:r>
+              <a:rPr lang="en-US" dirty="0"/>
+              <a:t>: sample chapters</a:t>
+            </a:r>
+          </a:p>
+          <a:p>
+            <a:r>
+              <a:rPr lang="en-US" dirty="0">
+                <a:hlinkClick r:id="rId7"/>
+              </a:rPr>
+              <a:t>Tour of Heroes Application with Multiple Modules</a:t>
+            </a:r>
+            <a:endParaRPr lang="en-US" dirty="0"/>
+          </a:p>
+        </p:txBody>
+      </p:sp>
+    </p:spTree>
+    <p:extLst>
+      <p:ext uri="{BB962C8B-B14F-4D97-AF65-F5344CB8AC3E}">
+        <p14:creationId xmlns:p14="http://schemas.microsoft.com/office/powerpoint/2010/main" val="3233442765"/>
       </p:ext>
     </p:extLst>
   </p:cSld>
@@ -31553,6 +31970,103 @@
 </p:sld>
 </file>
 
+<file path=ppt/slides/slide40.xml><?xml version="1.0" encoding="utf-8"?>
+<p:sld xmlns:a="http://schemas.openxmlformats.org/drawingml/2006/main" xmlns:r="http://schemas.openxmlformats.org/officeDocument/2006/relationships" xmlns:p="http://schemas.openxmlformats.org/presentationml/2006/main">
+  <p:cSld>
+    <p:spTree>
+      <p:nvGrpSpPr>
+        <p:cNvPr id="1" name=""/>
+        <p:cNvGrpSpPr/>
+        <p:nvPr/>
+      </p:nvGrpSpPr>
+      <p:grpSpPr>
+        <a:xfrm>
+          <a:off x="0" y="0"/>
+          <a:ext cx="0" cy="0"/>
+          <a:chOff x="0" y="0"/>
+          <a:chExt cx="0" cy="0"/>
+        </a:xfrm>
+      </p:grpSpPr>
+      <p:sp>
+        <p:nvSpPr>
+          <p:cNvPr id="2" name="Title 1">
+            <a:extLst>
+              <a:ext uri="{FF2B5EF4-FFF2-40B4-BE49-F238E27FC236}">
+                <a16:creationId xmlns:a16="http://schemas.microsoft.com/office/drawing/2014/main" id="{4D26C1FD-D049-416D-9C47-E3F3500B7FBE}"/>
+              </a:ext>
+            </a:extLst>
+          </p:cNvPr>
+          <p:cNvSpPr>
+            <a:spLocks noGrp="1"/>
+          </p:cNvSpPr>
+          <p:nvPr>
+            <p:ph type="title"/>
+          </p:nvPr>
+        </p:nvSpPr>
+        <p:spPr/>
+        <p:txBody>
+          <a:bodyPr/>
+          <a:lstStyle/>
+          <a:p>
+            <a:r>
+              <a:rPr lang="en-US"/>
+              <a:t>Miscellaneous</a:t>
+            </a:r>
+            <a:endParaRPr lang="en-US" dirty="0"/>
+          </a:p>
+        </p:txBody>
+      </p:sp>
+      <p:sp>
+        <p:nvSpPr>
+          <p:cNvPr id="3" name="Content Placeholder 2">
+            <a:extLst>
+              <a:ext uri="{FF2B5EF4-FFF2-40B4-BE49-F238E27FC236}">
+                <a16:creationId xmlns:a16="http://schemas.microsoft.com/office/drawing/2014/main" id="{E6782E6C-3EEC-49F3-B248-5C89306E3EEB}"/>
+              </a:ext>
+            </a:extLst>
+          </p:cNvPr>
+          <p:cNvSpPr>
+            <a:spLocks noGrp="1"/>
+          </p:cNvSpPr>
+          <p:nvPr>
+            <p:ph idx="1"/>
+          </p:nvPr>
+        </p:nvSpPr>
+        <p:spPr/>
+        <p:txBody>
+          <a:bodyPr/>
+          <a:lstStyle/>
+          <a:p>
+            <a:r>
+              <a:rPr lang="en-US"/>
+              <a:t>“Good programmers write good code. Great programmers steal.” - Unknown</a:t>
+            </a:r>
+          </a:p>
+          <a:p>
+            <a:pPr lvl="1"/>
+            <a:r>
+              <a:rPr lang="en-US"/>
+              <a:t>Learn, Use, Copy, Borrow, and/or Steal.</a:t>
+            </a:r>
+          </a:p>
+          <a:p>
+            <a:endParaRPr lang="en-US" dirty="0"/>
+          </a:p>
+        </p:txBody>
+      </p:sp>
+    </p:spTree>
+    <p:extLst>
+      <p:ext uri="{BB962C8B-B14F-4D97-AF65-F5344CB8AC3E}">
+        <p14:creationId xmlns:p14="http://schemas.microsoft.com/office/powerpoint/2010/main" val="1613193946"/>
+      </p:ext>
+    </p:extLst>
+  </p:cSld>
+  <p:clrMapOvr>
+    <a:masterClrMapping/>
+  </p:clrMapOvr>
+</p:sld>
+</file>
+
 <file path=ppt/slides/slide5.xml><?xml version="1.0" encoding="utf-8"?>
 <p:sld xmlns:a="http://schemas.openxmlformats.org/drawingml/2006/main" xmlns:r="http://schemas.openxmlformats.org/officeDocument/2006/relationships" xmlns:p="http://schemas.openxmlformats.org/presentationml/2006/main">
   <p:cSld>
@@ -31619,7 +32133,7 @@
           <a:bodyPr/>
           <a:lstStyle/>
           <a:p>
-            <a:endParaRPr lang="en-US"/>
+            <a:endParaRPr lang="en-US" dirty="0"/>
           </a:p>
         </p:txBody>
       </p:sp>

--- a/Presentation/Better Business Logic with Typescript.pptx
+++ b/Presentation/Better Business Logic with Typescript.pptx
@@ -45,10 +45,15 @@
     <p:sldId id="294" r:id="rId39"/>
     <p:sldId id="296" r:id="rId40"/>
     <p:sldId id="298" r:id="rId41"/>
-    <p:sldId id="264" r:id="rId42"/>
-    <p:sldId id="266" r:id="rId43"/>
-    <p:sldId id="283" r:id="rId44"/>
-    <p:sldId id="265" r:id="rId45"/>
+    <p:sldId id="299" r:id="rId42"/>
+    <p:sldId id="300" r:id="rId43"/>
+    <p:sldId id="301" r:id="rId44"/>
+    <p:sldId id="302" r:id="rId45"/>
+    <p:sldId id="303" r:id="rId46"/>
+    <p:sldId id="264" r:id="rId47"/>
+    <p:sldId id="266" r:id="rId48"/>
+    <p:sldId id="283" r:id="rId49"/>
+    <p:sldId id="265" r:id="rId50"/>
   </p:sldIdLst>
   <p:sldSz cx="12192000" cy="6858000"/>
   <p:notesSz cx="6858000" cy="9144000"/>
@@ -155,21 +160,21 @@
             <p14:sldId id="285"/>
           </p14:sldIdLst>
         </p14:section>
-        <p14:section name="Introduction" id="{83B04615-31A6-4B7E-878E-686DCDB2A179}">
+        <p14:section name="Introduction (10:30)" id="{83B04615-31A6-4B7E-878E-686DCDB2A179}">
           <p14:sldIdLst>
             <p14:sldId id="256"/>
             <p14:sldId id="267"/>
             <p14:sldId id="259"/>
           </p14:sldIdLst>
         </p14:section>
-        <p14:section name="Business Logic" id="{0CD41555-1EC9-4B9C-BEC5-0B3FF748B9DF}">
+        <p14:section name="Business Logic (10:33)" id="{0CD41555-1EC9-4B9C-BEC5-0B3FF748B9DF}">
           <p14:sldIdLst>
             <p14:sldId id="279"/>
             <p14:sldId id="257"/>
             <p14:sldId id="258"/>
           </p14:sldIdLst>
         </p14:section>
-        <p14:section name="Elements of Angular" id="{5FD040E9-5556-4446-BDF9-560BABFEAF0F}">
+        <p14:section name="Elements of Angular (10:38)" id="{5FD040E9-5556-4446-BDF9-560BABFEAF0F}">
           <p14:sldIdLst>
             <p14:sldId id="286"/>
             <p14:sldId id="284"/>
@@ -180,7 +185,7 @@
             <p14:sldId id="273"/>
           </p14:sldIdLst>
         </p14:section>
-        <p14:section name="Design Pattern Overview" id="{8CADB0D0-EDD8-4373-9246-33425B26B435}">
+        <p14:section name="Design Pattern Overview (10:45)" id="{8CADB0D0-EDD8-4373-9246-33425B26B435}">
           <p14:sldIdLst>
             <p14:sldId id="287"/>
             <p14:sldId id="260"/>
@@ -190,13 +195,13 @@
             <p14:sldId id="270"/>
           </p14:sldIdLst>
         </p14:section>
-        <p14:section name="Facade Pattern" id="{51A8B01A-10DA-481A-9E9C-D957080DFDAC}">
+        <p14:section name="Facade Pattern (10:52)" id="{51A8B01A-10DA-481A-9E9C-D957080DFDAC}">
           <p14:sldIdLst>
             <p14:sldId id="288"/>
             <p14:sldId id="268"/>
           </p14:sldIdLst>
         </p14:section>
-        <p14:section name="Template Method Pattern" id="{39596736-26BB-4349-828A-7BF627366848}">
+        <p14:section name="Template Method Pattern (10:54)" id="{39596736-26BB-4349-828A-7BF627366848}">
           <p14:sldIdLst>
             <p14:sldId id="295"/>
             <p14:sldId id="274"/>
@@ -212,10 +217,19 @@
             <p14:sldId id="294"/>
           </p14:sldIdLst>
         </p14:section>
-        <p14:section name="Composite Pattern" id="{CBE4451F-D89E-422E-9EA7-534CA7CD98A8}">
+        <p14:section name="Composite Pattern (11:20)" id="{CBE4451F-D89E-422E-9EA7-534CA7CD98A8}">
           <p14:sldIdLst>
             <p14:sldId id="296"/>
             <p14:sldId id="298"/>
+            <p14:sldId id="299"/>
+            <p14:sldId id="300"/>
+            <p14:sldId id="301"/>
+          </p14:sldIdLst>
+        </p14:section>
+        <p14:section name="Conclusion (11:36)" id="{55277C3F-C315-4149-BBFC-6D32F5A11FB0}">
+          <p14:sldIdLst>
+            <p14:sldId id="302"/>
+            <p14:sldId id="303"/>
           </p14:sldIdLst>
         </p14:section>
         <p14:section name="References" id="{5423D470-F98F-46CC-AAC0-7790DAF9F850}">
@@ -962,7 +976,7 @@
             <a:fld id="{B61BEF0D-F0BB-DE4B-95CE-6DB70DBA9567}" type="datetimeFigureOut">
               <a:rPr lang="en-US" dirty="0"/>
               <a:pPr/>
-              <a:t>6/22/2017</a:t>
+              <a:t>6/23/2017</a:t>
             </a:fld>
             <a:endParaRPr lang="en-US" dirty="0"/>
           </a:p>
@@ -1215,7 +1229,7 @@
             <a:fld id="{B61BEF0D-F0BB-DE4B-95CE-6DB70DBA9567}" type="datetimeFigureOut">
               <a:rPr lang="en-US" dirty="0"/>
               <a:pPr/>
-              <a:t>6/22/2017</a:t>
+              <a:t>6/23/2017</a:t>
             </a:fld>
             <a:endParaRPr lang="en-US" dirty="0"/>
           </a:p>
@@ -1531,7 +1545,7 @@
             <a:fld id="{B61BEF0D-F0BB-DE4B-95CE-6DB70DBA9567}" type="datetimeFigureOut">
               <a:rPr lang="en-US" dirty="0"/>
               <a:pPr/>
-              <a:t>6/22/2017</a:t>
+              <a:t>6/23/2017</a:t>
             </a:fld>
             <a:endParaRPr lang="en-US" dirty="0"/>
           </a:p>
@@ -1874,7 +1888,7 @@
             <a:fld id="{B61BEF0D-F0BB-DE4B-95CE-6DB70DBA9567}" type="datetimeFigureOut">
               <a:rPr lang="en-US" dirty="0"/>
               <a:pPr/>
-              <a:t>6/22/2017</a:t>
+              <a:t>6/23/2017</a:t>
             </a:fld>
             <a:endParaRPr lang="en-US" dirty="0"/>
           </a:p>
@@ -2190,7 +2204,7 @@
             <a:fld id="{B61BEF0D-F0BB-DE4B-95CE-6DB70DBA9567}" type="datetimeFigureOut">
               <a:rPr lang="en-US" dirty="0"/>
               <a:pPr/>
-              <a:t>6/22/2017</a:t>
+              <a:t>6/23/2017</a:t>
             </a:fld>
             <a:endParaRPr lang="en-US" dirty="0"/>
           </a:p>
@@ -2585,7 +2599,7 @@
             <a:fld id="{B61BEF0D-F0BB-DE4B-95CE-6DB70DBA9567}" type="datetimeFigureOut">
               <a:rPr lang="en-US" dirty="0"/>
               <a:pPr/>
-              <a:t>6/22/2017</a:t>
+              <a:t>6/23/2017</a:t>
             </a:fld>
             <a:endParaRPr lang="en-US" dirty="0"/>
           </a:p>
@@ -2756,7 +2770,7 @@
           <a:p>
             <a:fld id="{55C6B4A9-1611-4792-9094-5F34BCA07E0B}" type="datetimeFigureOut">
               <a:rPr lang="en-US" dirty="0"/>
-              <a:t>6/22/2017</a:t>
+              <a:t>6/23/2017</a:t>
             </a:fld>
             <a:endParaRPr lang="en-US" dirty="0"/>
           </a:p>
@@ -2937,7 +2951,7 @@
             <a:fld id="{B61BEF0D-F0BB-DE4B-95CE-6DB70DBA9567}" type="datetimeFigureOut">
               <a:rPr lang="en-US" dirty="0"/>
               <a:pPr/>
-              <a:t>6/22/2017</a:t>
+              <a:t>6/23/2017</a:t>
             </a:fld>
             <a:endParaRPr lang="en-US" dirty="0"/>
           </a:p>
@@ -3138,7 +3152,7 @@
           <a:p>
             <a:fld id="{48A87A34-81AB-432B-8DAE-1953F412C126}" type="datetimeFigureOut">
               <a:rPr lang="en-US" dirty="0"/>
-              <a:t>6/22/2017</a:t>
+              <a:t>6/23/2017</a:t>
             </a:fld>
             <a:endParaRPr lang="en-US" dirty="0"/>
           </a:p>
@@ -3349,7 +3363,7 @@
           <a:p>
             <a:fld id="{48A87A34-81AB-432B-8DAE-1953F412C126}" type="datetimeFigureOut">
               <a:rPr lang="en-US" dirty="0"/>
-              <a:t>6/22/2017</a:t>
+              <a:t>6/23/2017</a:t>
             </a:fld>
             <a:endParaRPr lang="en-US" dirty="0"/>
           </a:p>
@@ -3628,7 +3642,7 @@
           <a:p>
             <a:fld id="{48A87A34-81AB-432B-8DAE-1953F412C126}" type="datetimeFigureOut">
               <a:rPr lang="en-US" dirty="0"/>
-              <a:t>6/22/2017</a:t>
+              <a:t>6/23/2017</a:t>
             </a:fld>
             <a:endParaRPr lang="en-US" dirty="0"/>
           </a:p>
@@ -3836,7 +3850,7 @@
             <a:fld id="{B61BEF0D-F0BB-DE4B-95CE-6DB70DBA9567}" type="datetimeFigureOut">
               <a:rPr lang="en-US" dirty="0"/>
               <a:pPr/>
-              <a:t>6/22/2017</a:t>
+              <a:t>6/23/2017</a:t>
             </a:fld>
             <a:endParaRPr lang="en-US" dirty="0"/>
           </a:p>
@@ -4074,7 +4088,7 @@
           <a:p>
             <a:fld id="{48A87A34-81AB-432B-8DAE-1953F412C126}" type="datetimeFigureOut">
               <a:rPr lang="en-US" dirty="0"/>
-              <a:t>6/22/2017</a:t>
+              <a:t>6/23/2017</a:t>
             </a:fld>
             <a:endParaRPr lang="en-US" dirty="0"/>
           </a:p>
@@ -4490,7 +4504,7 @@
           <a:p>
             <a:fld id="{48A87A34-81AB-432B-8DAE-1953F412C126}" type="datetimeFigureOut">
               <a:rPr lang="en-US" dirty="0"/>
-              <a:t>6/22/2017</a:t>
+              <a:t>6/23/2017</a:t>
             </a:fld>
             <a:endParaRPr lang="en-US" dirty="0"/>
           </a:p>
@@ -4639,7 +4653,7 @@
           <a:p>
             <a:fld id="{48A87A34-81AB-432B-8DAE-1953F412C126}" type="datetimeFigureOut">
               <a:rPr lang="en-US" dirty="0"/>
-              <a:t>6/22/2017</a:t>
+              <a:t>6/23/2017</a:t>
             </a:fld>
             <a:endParaRPr lang="en-US" dirty="0"/>
           </a:p>
@@ -4765,7 +4779,7 @@
           <a:p>
             <a:fld id="{48A87A34-81AB-432B-8DAE-1953F412C126}" type="datetimeFigureOut">
               <a:rPr lang="en-US" dirty="0"/>
-              <a:t>6/22/2017</a:t>
+              <a:t>6/23/2017</a:t>
             </a:fld>
             <a:endParaRPr lang="en-US" dirty="0"/>
           </a:p>
@@ -5016,7 +5030,7 @@
           <a:p>
             <a:fld id="{48A87A34-81AB-432B-8DAE-1953F412C126}" type="datetimeFigureOut">
               <a:rPr lang="en-US" dirty="0"/>
-              <a:t>6/22/2017</a:t>
+              <a:t>6/23/2017</a:t>
             </a:fld>
             <a:endParaRPr lang="en-US" dirty="0"/>
           </a:p>
@@ -5462,7 +5476,7 @@
             <a:fld id="{48A87A34-81AB-432B-8DAE-1953F412C126}" type="datetimeFigureOut">
               <a:rPr lang="en-US" dirty="0"/>
               <a:pPr/>
-              <a:t>6/22/2017</a:t>
+              <a:t>6/23/2017</a:t>
             </a:fld>
             <a:endParaRPr lang="en-US" dirty="0"/>
           </a:p>
@@ -5668,7 +5682,7 @@
           <a:p>
             <a:fld id="{48A87A34-81AB-432B-8DAE-1953F412C126}" type="datetimeFigureOut">
               <a:rPr lang="en-US" dirty="0"/>
-              <a:t>6/22/2017</a:t>
+              <a:t>6/23/2017</a:t>
             </a:fld>
             <a:endParaRPr lang="en-US" dirty="0"/>
           </a:p>
@@ -5883,7 +5897,7 @@
           <a:p>
             <a:fld id="{48A87A34-81AB-432B-8DAE-1953F412C126}" type="datetimeFigureOut">
               <a:rPr lang="en-US" dirty="0"/>
-              <a:t>6/22/2017</a:t>
+              <a:t>6/23/2017</a:t>
             </a:fld>
             <a:endParaRPr lang="en-US" dirty="0"/>
           </a:p>
@@ -6161,7 +6175,7 @@
           <a:p>
             <a:fld id="{4AAD347D-5ACD-4C99-B74B-A9C85AD731AF}" type="datetimeFigureOut">
               <a:rPr lang="en-US" dirty="0"/>
-              <a:t>6/22/2017</a:t>
+              <a:t>6/23/2017</a:t>
             </a:fld>
             <a:endParaRPr lang="en-US" dirty="0"/>
           </a:p>
@@ -6331,7 +6345,7 @@
           <a:p>
             <a:fld id="{4509A250-FF31-4206-8172-F9D3106AACB1}" type="datetimeFigureOut">
               <a:rPr lang="en-US" dirty="0"/>
-              <a:t>6/22/2017</a:t>
+              <a:t>6/23/2017</a:t>
             </a:fld>
             <a:endParaRPr lang="en-US" dirty="0"/>
           </a:p>
@@ -6579,7 +6593,7 @@
             <a:fld id="{B61BEF0D-F0BB-DE4B-95CE-6DB70DBA9567}" type="datetimeFigureOut">
               <a:rPr lang="en-US" dirty="0"/>
               <a:pPr/>
-              <a:t>6/22/2017</a:t>
+              <a:t>6/23/2017</a:t>
             </a:fld>
             <a:endParaRPr lang="en-US" dirty="0"/>
           </a:p>
@@ -6827,7 +6841,7 @@
           <a:p>
             <a:fld id="{9796027F-7875-4030-9381-8BD8C4F21935}" type="datetimeFigureOut">
               <a:rPr lang="en-US" dirty="0"/>
-              <a:t>6/22/2017</a:t>
+              <a:t>6/23/2017</a:t>
             </a:fld>
             <a:endParaRPr lang="en-US" dirty="0"/>
           </a:p>
@@ -7119,7 +7133,7 @@
           <a:p>
             <a:fld id="{9796027F-7875-4030-9381-8BD8C4F21935}" type="datetimeFigureOut">
               <a:rPr lang="en-US" dirty="0"/>
-              <a:t>6/22/2017</a:t>
+              <a:t>6/23/2017</a:t>
             </a:fld>
             <a:endParaRPr lang="en-US" dirty="0"/>
           </a:p>
@@ -7563,7 +7577,7 @@
           <a:p>
             <a:fld id="{9796027F-7875-4030-9381-8BD8C4F21935}" type="datetimeFigureOut">
               <a:rPr lang="en-US" dirty="0"/>
-              <a:t>6/22/2017</a:t>
+              <a:t>6/23/2017</a:t>
             </a:fld>
             <a:endParaRPr lang="en-US" dirty="0"/>
           </a:p>
@@ -7681,7 +7695,7 @@
           <a:p>
             <a:fld id="{4509A250-FF31-4206-8172-F9D3106AACB1}" type="datetimeFigureOut">
               <a:rPr lang="en-US" dirty="0"/>
-              <a:t>6/22/2017</a:t>
+              <a:t>6/23/2017</a:t>
             </a:fld>
             <a:endParaRPr lang="en-US" dirty="0"/>
           </a:p>
@@ -7776,7 +7790,7 @@
           <a:p>
             <a:fld id="{4509A250-FF31-4206-8172-F9D3106AACB1}" type="datetimeFigureOut">
               <a:rPr lang="en-US" dirty="0"/>
-              <a:t>6/22/2017</a:t>
+              <a:t>6/23/2017</a:t>
             </a:fld>
             <a:endParaRPr lang="en-US" dirty="0"/>
           </a:p>
@@ -8055,7 +8069,7 @@
           <a:p>
             <a:fld id="{4509A250-FF31-4206-8172-F9D3106AACB1}" type="datetimeFigureOut">
               <a:rPr lang="en-US" dirty="0"/>
-              <a:t>6/22/2017</a:t>
+              <a:t>6/23/2017</a:t>
             </a:fld>
             <a:endParaRPr lang="en-US" dirty="0"/>
           </a:p>
@@ -8330,7 +8344,7 @@
           <a:p>
             <a:fld id="{4509A250-FF31-4206-8172-F9D3106AACB1}" type="datetimeFigureOut">
               <a:rPr lang="en-US" dirty="0"/>
-              <a:t>6/22/2017</a:t>
+              <a:t>6/23/2017</a:t>
             </a:fld>
             <a:endParaRPr lang="en-US" dirty="0"/>
           </a:p>
@@ -8605,7 +8619,7 @@
           <a:p>
             <a:fld id="{4509A250-FF31-4206-8172-F9D3106AACB1}" type="datetimeFigureOut">
               <a:rPr lang="en-US" dirty="0"/>
-              <a:t>6/22/2017</a:t>
+              <a:t>6/23/2017</a:t>
             </a:fld>
             <a:endParaRPr lang="en-US" dirty="0"/>
           </a:p>
@@ -8799,7 +8813,7 @@
           <a:p>
             <a:fld id="{4509A250-FF31-4206-8172-F9D3106AACB1}" type="datetimeFigureOut">
               <a:rPr lang="en-US" dirty="0"/>
-              <a:t>6/22/2017</a:t>
+              <a:t>6/23/2017</a:t>
             </a:fld>
             <a:endParaRPr lang="en-US" dirty="0"/>
           </a:p>
@@ -9072,7 +9086,7 @@
           <a:p>
             <a:fld id="{4509A250-FF31-4206-8172-F9D3106AACB1}" type="datetimeFigureOut">
               <a:rPr lang="en-US" dirty="0"/>
-              <a:t>6/22/2017</a:t>
+              <a:t>6/23/2017</a:t>
             </a:fld>
             <a:endParaRPr lang="en-US" dirty="0"/>
           </a:p>
@@ -9398,7 +9412,7 @@
           <a:p>
             <a:fld id="{EB712588-04B1-427B-82EE-E8DB90309F08}" type="datetimeFigureOut">
               <a:rPr lang="en-US" dirty="0"/>
-              <a:t>6/22/2017</a:t>
+              <a:t>6/23/2017</a:t>
             </a:fld>
             <a:endParaRPr lang="en-US" dirty="0"/>
           </a:p>
@@ -9645,7 +9659,7 @@
           <a:p>
             <a:fld id="{4509A250-FF31-4206-8172-F9D3106AACB1}" type="datetimeFigureOut">
               <a:rPr lang="en-US" dirty="0"/>
-              <a:t>6/22/2017</a:t>
+              <a:t>6/23/2017</a:t>
             </a:fld>
             <a:endParaRPr lang="en-US" dirty="0"/>
           </a:p>
@@ -10268,7 +10282,7 @@
           <a:p>
             <a:fld id="{4509A250-FF31-4206-8172-F9D3106AACB1}" type="datetimeFigureOut">
               <a:rPr lang="en-US" dirty="0"/>
-              <a:t>6/22/2017</a:t>
+              <a:t>6/23/2017</a:t>
             </a:fld>
             <a:endParaRPr lang="en-US" dirty="0"/>
           </a:p>
@@ -11128,7 +11142,7 @@
           <a:p>
             <a:fld id="{4509A250-FF31-4206-8172-F9D3106AACB1}" type="datetimeFigureOut">
               <a:rPr lang="en-US" dirty="0"/>
-              <a:t>6/22/2017</a:t>
+              <a:t>6/23/2017</a:t>
             </a:fld>
             <a:endParaRPr lang="en-US" dirty="0"/>
           </a:p>
@@ -11298,7 +11312,7 @@
           <a:p>
             <a:fld id="{4509A250-FF31-4206-8172-F9D3106AACB1}" type="datetimeFigureOut">
               <a:rPr lang="en-US" dirty="0"/>
-              <a:t>6/22/2017</a:t>
+              <a:t>6/23/2017</a:t>
             </a:fld>
             <a:endParaRPr lang="en-US" dirty="0"/>
           </a:p>
@@ -11478,7 +11492,7 @@
           <a:p>
             <a:fld id="{4509A250-FF31-4206-8172-F9D3106AACB1}" type="datetimeFigureOut">
               <a:rPr lang="en-US" dirty="0"/>
-              <a:t>6/22/2017</a:t>
+              <a:t>6/23/2017</a:t>
             </a:fld>
             <a:endParaRPr lang="en-US" dirty="0"/>
           </a:p>
@@ -11635,7 +11649,7 @@
           <a:p>
             <a:fld id="{90786BE5-D2A3-4BF0-8B30-D7403E61B3DC}" type="datetimeFigureOut">
               <a:rPr lang="en-US" smtClean="0"/>
-              <a:t>6/22/2017</a:t>
+              <a:t>6/23/2017</a:t>
             </a:fld>
             <a:endParaRPr lang="en-US" dirty="0"/>
           </a:p>
@@ -11922,7 +11936,7 @@
           <a:p>
             <a:fld id="{4AAD347D-5ACD-4C99-B74B-A9C85AD731AF}" type="datetimeFigureOut">
               <a:rPr lang="en-US" dirty="0"/>
-              <a:t>6/22/2017</a:t>
+              <a:t>6/23/2017</a:t>
             </a:fld>
             <a:endParaRPr lang="en-US" dirty="0"/>
           </a:p>
@@ -12092,7 +12106,7 @@
           <a:p>
             <a:fld id="{4509A250-FF31-4206-8172-F9D3106AACB1}" type="datetimeFigureOut">
               <a:rPr lang="en-US" dirty="0"/>
-              <a:t>6/22/2017</a:t>
+              <a:t>6/23/2017</a:t>
             </a:fld>
             <a:endParaRPr lang="en-US" dirty="0"/>
           </a:p>
@@ -12339,7 +12353,7 @@
           <a:p>
             <a:fld id="{9796027F-7875-4030-9381-8BD8C4F21935}" type="datetimeFigureOut">
               <a:rPr lang="en-US" dirty="0"/>
-              <a:t>6/22/2017</a:t>
+              <a:t>6/23/2017</a:t>
             </a:fld>
             <a:endParaRPr lang="en-US" dirty="0"/>
           </a:p>
@@ -12631,7 +12645,7 @@
           <a:p>
             <a:fld id="{9796027F-7875-4030-9381-8BD8C4F21935}" type="datetimeFigureOut">
               <a:rPr lang="en-US" dirty="0"/>
-              <a:t>6/22/2017</a:t>
+              <a:t>6/23/2017</a:t>
             </a:fld>
             <a:endParaRPr lang="en-US" dirty="0"/>
           </a:p>
@@ -13006,7 +13020,7 @@
             <a:fld id="{B61BEF0D-F0BB-DE4B-95CE-6DB70DBA9567}" type="datetimeFigureOut">
               <a:rPr lang="en-US" dirty="0"/>
               <a:pPr/>
-              <a:t>6/22/2017</a:t>
+              <a:t>6/23/2017</a:t>
             </a:fld>
             <a:endParaRPr lang="en-US" dirty="0"/>
           </a:p>
@@ -13451,7 +13465,7 @@
           <a:p>
             <a:fld id="{9796027F-7875-4030-9381-8BD8C4F21935}" type="datetimeFigureOut">
               <a:rPr lang="en-US" dirty="0"/>
-              <a:t>6/22/2017</a:t>
+              <a:t>6/23/2017</a:t>
             </a:fld>
             <a:endParaRPr lang="en-US" dirty="0"/>
           </a:p>
@@ -13569,7 +13583,7 @@
           <a:p>
             <a:fld id="{4509A250-FF31-4206-8172-F9D3106AACB1}" type="datetimeFigureOut">
               <a:rPr lang="en-US" dirty="0"/>
-              <a:t>6/22/2017</a:t>
+              <a:t>6/23/2017</a:t>
             </a:fld>
             <a:endParaRPr lang="en-US" dirty="0"/>
           </a:p>
@@ -13664,7 +13678,7 @@
           <a:p>
             <a:fld id="{4509A250-FF31-4206-8172-F9D3106AACB1}" type="datetimeFigureOut">
               <a:rPr lang="en-US" dirty="0"/>
-              <a:t>6/22/2017</a:t>
+              <a:t>6/23/2017</a:t>
             </a:fld>
             <a:endParaRPr lang="en-US" dirty="0"/>
           </a:p>
@@ -13943,7 +13957,7 @@
           <a:p>
             <a:fld id="{4509A250-FF31-4206-8172-F9D3106AACB1}" type="datetimeFigureOut">
               <a:rPr lang="en-US" dirty="0"/>
-              <a:t>6/22/2017</a:t>
+              <a:t>6/23/2017</a:t>
             </a:fld>
             <a:endParaRPr lang="en-US" dirty="0"/>
           </a:p>
@@ -14218,7 +14232,7 @@
           <a:p>
             <a:fld id="{4509A250-FF31-4206-8172-F9D3106AACB1}" type="datetimeFigureOut">
               <a:rPr lang="en-US" dirty="0"/>
-              <a:t>6/22/2017</a:t>
+              <a:t>6/23/2017</a:t>
             </a:fld>
             <a:endParaRPr lang="en-US" dirty="0"/>
           </a:p>
@@ -14493,7 +14507,7 @@
           <a:p>
             <a:fld id="{4509A250-FF31-4206-8172-F9D3106AACB1}" type="datetimeFigureOut">
               <a:rPr lang="en-US" dirty="0"/>
-              <a:t>6/22/2017</a:t>
+              <a:t>6/23/2017</a:t>
             </a:fld>
             <a:endParaRPr lang="en-US" dirty="0"/>
           </a:p>
@@ -14687,7 +14701,7 @@
           <a:p>
             <a:fld id="{4509A250-FF31-4206-8172-F9D3106AACB1}" type="datetimeFigureOut">
               <a:rPr lang="en-US" dirty="0"/>
-              <a:t>6/22/2017</a:t>
+              <a:t>6/23/2017</a:t>
             </a:fld>
             <a:endParaRPr lang="en-US" dirty="0"/>
           </a:p>
@@ -14960,7 +14974,7 @@
           <a:p>
             <a:fld id="{4509A250-FF31-4206-8172-F9D3106AACB1}" type="datetimeFigureOut">
               <a:rPr lang="en-US" dirty="0"/>
-              <a:t>6/22/2017</a:t>
+              <a:t>6/23/2017</a:t>
             </a:fld>
             <a:endParaRPr lang="en-US" dirty="0"/>
           </a:p>
@@ -15301,7 +15315,7 @@
           <a:p>
             <a:fld id="{4509A250-FF31-4206-8172-F9D3106AACB1}" type="datetimeFigureOut">
               <a:rPr lang="en-US" dirty="0"/>
-              <a:t>6/22/2017</a:t>
+              <a:t>6/23/2017</a:t>
             </a:fld>
             <a:endParaRPr lang="en-US" dirty="0"/>
           </a:p>
@@ -15924,7 +15938,7 @@
           <a:p>
             <a:fld id="{4509A250-FF31-4206-8172-F9D3106AACB1}" type="datetimeFigureOut">
               <a:rPr lang="en-US" dirty="0"/>
-              <a:t>6/22/2017</a:t>
+              <a:t>6/23/2017</a:t>
             </a:fld>
             <a:endParaRPr lang="en-US" dirty="0"/>
           </a:p>
@@ -16048,7 +16062,7 @@
             <a:fld id="{B61BEF0D-F0BB-DE4B-95CE-6DB70DBA9567}" type="datetimeFigureOut">
               <a:rPr lang="en-US" dirty="0"/>
               <a:pPr/>
-              <a:t>6/22/2017</a:t>
+              <a:t>6/23/2017</a:t>
             </a:fld>
             <a:endParaRPr lang="en-US" dirty="0"/>
           </a:p>
@@ -16909,7 +16923,7 @@
           <a:p>
             <a:fld id="{4509A250-FF31-4206-8172-F9D3106AACB1}" type="datetimeFigureOut">
               <a:rPr lang="en-US" dirty="0"/>
-              <a:t>6/22/2017</a:t>
+              <a:t>6/23/2017</a:t>
             </a:fld>
             <a:endParaRPr lang="en-US" dirty="0"/>
           </a:p>
@@ -17079,7 +17093,7 @@
           <a:p>
             <a:fld id="{4509A250-FF31-4206-8172-F9D3106AACB1}" type="datetimeFigureOut">
               <a:rPr lang="en-US" dirty="0"/>
-              <a:t>6/22/2017</a:t>
+              <a:t>6/23/2017</a:t>
             </a:fld>
             <a:endParaRPr lang="en-US" dirty="0"/>
           </a:p>
@@ -17259,7 +17273,7 @@
           <a:p>
             <a:fld id="{4509A250-FF31-4206-8172-F9D3106AACB1}" type="datetimeFigureOut">
               <a:rPr lang="en-US" dirty="0"/>
-              <a:t>6/22/2017</a:t>
+              <a:t>6/23/2017</a:t>
             </a:fld>
             <a:endParaRPr lang="en-US" dirty="0"/>
           </a:p>
@@ -17415,7 +17429,7 @@
           <a:effectLst/>
           <a:extLst>
             <a:ext uri="{91240B29-F687-4f45-9708-019B960494DF}">
-              <a14:hiddenLine xmlns="" xmlns:a14="http://schemas.microsoft.com/office/drawing/2010/main" w="9525">
+              <a14:hiddenLine xmlns:a14="http://schemas.microsoft.com/office/drawing/2010/main" xmlns="" w="9525">
                 <a:solidFill>
                   <a:srgbClr val="000000"/>
                 </a:solidFill>
@@ -17608,7 +17622,7 @@
             <a:fld id="{B61BEF0D-F0BB-DE4B-95CE-6DB70DBA9567}" type="datetimeFigureOut">
               <a:rPr lang="en-US" smtClean="0"/>
               <a:pPr/>
-              <a:t>6/22/2017</a:t>
+              <a:t>6/23/2017</a:t>
             </a:fld>
             <a:endParaRPr lang="en-US" dirty="0"/>
           </a:p>
@@ -17764,7 +17778,7 @@
           <a:ln/>
           <a:extLst>
             <a:ext uri="{91240B29-F687-4f45-9708-019B960494DF}">
-              <a14:hiddenLine xmlns="" xmlns:a14="http://schemas.microsoft.com/office/drawing/2010/main" w="9525">
+              <a14:hiddenLine xmlns:a14="http://schemas.microsoft.com/office/drawing/2010/main" xmlns="" w="9525">
                 <a:solidFill>
                   <a:srgbClr val="000000"/>
                 </a:solidFill>
@@ -17893,7 +17907,7 @@
             <a:fld id="{B61BEF0D-F0BB-DE4B-95CE-6DB70DBA9567}" type="datetimeFigureOut">
               <a:rPr lang="en-US" smtClean="0"/>
               <a:pPr/>
-              <a:t>6/22/2017</a:t>
+              <a:t>6/23/2017</a:t>
             </a:fld>
             <a:endParaRPr lang="en-US" dirty="0"/>
           </a:p>
@@ -18238,7 +18252,7 @@
             <a:fld id="{B61BEF0D-F0BB-DE4B-95CE-6DB70DBA9567}" type="datetimeFigureOut">
               <a:rPr lang="en-US" smtClean="0"/>
               <a:pPr/>
-              <a:t>6/22/2017</a:t>
+              <a:t>6/23/2017</a:t>
             </a:fld>
             <a:endParaRPr lang="en-US" dirty="0"/>
           </a:p>
@@ -18394,7 +18408,7 @@
           <a:ln/>
           <a:extLst>
             <a:ext uri="{91240B29-F687-4f45-9708-019B960494DF}">
-              <a14:hiddenLine xmlns="" xmlns:a14="http://schemas.microsoft.com/office/drawing/2010/main" w="9525">
+              <a14:hiddenLine xmlns:a14="http://schemas.microsoft.com/office/drawing/2010/main" xmlns="" w="9525">
                 <a:solidFill>
                   <a:srgbClr val="000000"/>
                 </a:solidFill>
@@ -18578,7 +18592,7 @@
           <a:p>
             <a:fld id="{EB712588-04B1-427B-82EE-E8DB90309F08}" type="datetimeFigureOut">
               <a:rPr lang="en-US" smtClean="0"/>
-              <a:t>6/22/2017</a:t>
+              <a:t>6/23/2017</a:t>
             </a:fld>
             <a:endParaRPr lang="en-US" dirty="0"/>
           </a:p>
@@ -18733,7 +18747,7 @@
           <a:ln/>
           <a:extLst>
             <a:ext uri="{91240B29-F687-4f45-9708-019B960494DF}">
-              <a14:hiddenLine xmlns="" xmlns:a14="http://schemas.microsoft.com/office/drawing/2010/main" w="9525">
+              <a14:hiddenLine xmlns:a14="http://schemas.microsoft.com/office/drawing/2010/main" xmlns="" w="9525">
                 <a:solidFill>
                   <a:srgbClr val="000000"/>
                 </a:solidFill>
@@ -19056,7 +19070,7 @@
             <a:fld id="{B61BEF0D-F0BB-DE4B-95CE-6DB70DBA9567}" type="datetimeFigureOut">
               <a:rPr lang="en-US" smtClean="0"/>
               <a:pPr/>
-              <a:t>6/22/2017</a:t>
+              <a:t>6/23/2017</a:t>
             </a:fld>
             <a:endParaRPr lang="en-US" dirty="0"/>
           </a:p>
@@ -19212,7 +19226,7 @@
           <a:ln/>
           <a:extLst>
             <a:ext uri="{91240B29-F687-4f45-9708-019B960494DF}">
-              <a14:hiddenLine xmlns="" xmlns:a14="http://schemas.microsoft.com/office/drawing/2010/main" w="9525">
+              <a14:hiddenLine xmlns:a14="http://schemas.microsoft.com/office/drawing/2010/main" xmlns="" w="9525">
                 <a:solidFill>
                   <a:srgbClr val="000000"/>
                 </a:solidFill>
@@ -19279,7 +19293,7 @@
             <a:fld id="{B61BEF0D-F0BB-DE4B-95CE-6DB70DBA9567}" type="datetimeFigureOut">
               <a:rPr lang="en-US" smtClean="0"/>
               <a:pPr/>
-              <a:t>6/22/2017</a:t>
+              <a:t>6/23/2017</a:t>
             </a:fld>
             <a:endParaRPr lang="en-US" dirty="0"/>
           </a:p>
@@ -19376,7 +19390,7 @@
             <a:fld id="{B61BEF0D-F0BB-DE4B-95CE-6DB70DBA9567}" type="datetimeFigureOut">
               <a:rPr lang="en-US" smtClean="0"/>
               <a:pPr/>
-              <a:t>6/22/2017</a:t>
+              <a:t>6/23/2017</a:t>
             </a:fld>
             <a:endParaRPr lang="en-US" dirty="0"/>
           </a:p>
@@ -19473,7 +19487,7 @@
             <a:fld id="{B61BEF0D-F0BB-DE4B-95CE-6DB70DBA9567}" type="datetimeFigureOut">
               <a:rPr lang="en-US" dirty="0"/>
               <a:pPr/>
-              <a:t>6/22/2017</a:t>
+              <a:t>6/23/2017</a:t>
             </a:fld>
             <a:endParaRPr lang="en-US" dirty="0"/>
           </a:p>
@@ -19742,7 +19756,7 @@
           <a:ln/>
           <a:extLst>
             <a:ext uri="{91240B29-F687-4f45-9708-019B960494DF}">
-              <a14:hiddenLine xmlns="" xmlns:a14="http://schemas.microsoft.com/office/drawing/2010/main" w="9525">
+              <a14:hiddenLine xmlns:a14="http://schemas.microsoft.com/office/drawing/2010/main" xmlns="" w="9525">
                 <a:solidFill>
                   <a:srgbClr val="000000"/>
                 </a:solidFill>
@@ -19941,7 +19955,7 @@
           <a:p>
             <a:fld id="{42A54C80-263E-416B-A8E0-580EDEADCBDC}" type="datetimeFigureOut">
               <a:rPr lang="en-US" smtClean="0"/>
-              <a:t>6/22/2017</a:t>
+              <a:t>6/23/2017</a:t>
             </a:fld>
             <a:endParaRPr lang="en-US" dirty="0"/>
           </a:p>
@@ -20255,7 +20269,7 @@
             <a:fld id="{B61BEF0D-F0BB-DE4B-95CE-6DB70DBA9567}" type="datetimeFigureOut">
               <a:rPr lang="en-US" smtClean="0"/>
               <a:pPr/>
-              <a:t>6/22/2017</a:t>
+              <a:t>6/23/2017</a:t>
             </a:fld>
             <a:endParaRPr lang="en-US" dirty="0"/>
           </a:p>
@@ -20585,7 +20599,7 @@
             <a:fld id="{B61BEF0D-F0BB-DE4B-95CE-6DB70DBA9567}" type="datetimeFigureOut">
               <a:rPr lang="en-US" smtClean="0"/>
               <a:pPr/>
-              <a:t>6/22/2017</a:t>
+              <a:t>6/23/2017</a:t>
             </a:fld>
             <a:endParaRPr lang="en-US" dirty="0"/>
           </a:p>
@@ -21075,7 +21089,7 @@
             <a:fld id="{B61BEF0D-F0BB-DE4B-95CE-6DB70DBA9567}" type="datetimeFigureOut">
               <a:rPr lang="en-US" smtClean="0"/>
               <a:pPr/>
-              <a:t>6/22/2017</a:t>
+              <a:t>6/23/2017</a:t>
             </a:fld>
             <a:endParaRPr lang="en-US" dirty="0"/>
           </a:p>
@@ -21446,7 +21460,7 @@
             <a:fld id="{B61BEF0D-F0BB-DE4B-95CE-6DB70DBA9567}" type="datetimeFigureOut">
               <a:rPr lang="en-US" smtClean="0"/>
               <a:pPr/>
-              <a:t>6/22/2017</a:t>
+              <a:t>6/23/2017</a:t>
             </a:fld>
             <a:endParaRPr lang="en-US" dirty="0"/>
           </a:p>
@@ -21602,7 +21616,7 @@
           <a:ln/>
           <a:extLst>
             <a:ext uri="{91240B29-F687-4f45-9708-019B960494DF}">
-              <a14:hiddenLine xmlns="" xmlns:a14="http://schemas.microsoft.com/office/drawing/2010/main" w="9525">
+              <a14:hiddenLine xmlns:a14="http://schemas.microsoft.com/office/drawing/2010/main" xmlns="" w="9525">
                 <a:solidFill>
                   <a:srgbClr val="000000"/>
                 </a:solidFill>
@@ -21720,7 +21734,7 @@
           <a:p>
             <a:fld id="{55C6B4A9-1611-4792-9094-5F34BCA07E0B}" type="datetimeFigureOut">
               <a:rPr lang="en-US" smtClean="0"/>
-              <a:t>6/22/2017</a:t>
+              <a:t>6/23/2017</a:t>
             </a:fld>
             <a:endParaRPr lang="en-US" dirty="0"/>
           </a:p>
@@ -21877,7 +21891,7 @@
           <a:ln/>
           <a:extLst>
             <a:ext uri="{91240B29-F687-4f45-9708-019B960494DF}">
-              <a14:hiddenLine xmlns="" xmlns:a14="http://schemas.microsoft.com/office/drawing/2010/main" w="9525">
+              <a14:hiddenLine xmlns:a14="http://schemas.microsoft.com/office/drawing/2010/main" xmlns="" w="9525">
                 <a:solidFill>
                   <a:srgbClr val="000000"/>
                 </a:solidFill>
@@ -22006,7 +22020,7 @@
             <a:fld id="{B61BEF0D-F0BB-DE4B-95CE-6DB70DBA9567}" type="datetimeFigureOut">
               <a:rPr lang="en-US" smtClean="0"/>
               <a:pPr/>
-              <a:t>6/22/2017</a:t>
+              <a:t>6/23/2017</a:t>
             </a:fld>
             <a:endParaRPr lang="en-US" dirty="0"/>
           </a:p>
@@ -22262,7 +22276,7 @@
           <a:p>
             <a:fld id="{42A54C80-263E-416B-A8E0-580EDEADCBDC}" type="datetimeFigureOut">
               <a:rPr lang="en-US" dirty="0"/>
-              <a:t>6/22/2017</a:t>
+              <a:t>6/23/2017</a:t>
             </a:fld>
             <a:endParaRPr lang="en-US" dirty="0"/>
           </a:p>
@@ -22526,7 +22540,7 @@
             <a:fld id="{B61BEF0D-F0BB-DE4B-95CE-6DB70DBA9567}" type="datetimeFigureOut">
               <a:rPr lang="en-US" dirty="0"/>
               <a:pPr/>
-              <a:t>6/22/2017</a:t>
+              <a:t>6/23/2017</a:t>
             </a:fld>
             <a:endParaRPr lang="en-US" dirty="0"/>
           </a:p>
@@ -23271,7 +23285,7 @@
             <a:fld id="{B61BEF0D-F0BB-DE4B-95CE-6DB70DBA9567}" type="datetimeFigureOut">
               <a:rPr lang="en-US" dirty="0"/>
               <a:pPr/>
-              <a:t>6/22/2017</a:t>
+              <a:t>6/23/2017</a:t>
             </a:fld>
             <a:endParaRPr lang="en-US" dirty="0"/>
           </a:p>
@@ -24009,7 +24023,7 @@
             <a:fld id="{48A87A34-81AB-432B-8DAE-1953F412C126}" type="datetimeFigureOut">
               <a:rPr lang="en-US" dirty="0"/>
               <a:pPr/>
-              <a:t>6/22/2017</a:t>
+              <a:t>6/23/2017</a:t>
             </a:fld>
             <a:endParaRPr lang="en-US" dirty="0"/>
           </a:p>
@@ -24847,7 +24861,7 @@
           <a:p>
             <a:fld id="{4AAD347D-5ACD-4C99-B74B-A9C85AD731AF}" type="datetimeFigureOut">
               <a:rPr lang="en-US" dirty="0"/>
-              <a:t>6/22/2017</a:t>
+              <a:t>6/23/2017</a:t>
             </a:fld>
             <a:endParaRPr lang="en-US" dirty="0"/>
           </a:p>
@@ -25728,7 +25742,7 @@
           <a:p>
             <a:fld id="{4AAD347D-5ACD-4C99-B74B-A9C85AD731AF}" type="datetimeFigureOut">
               <a:rPr lang="en-US" dirty="0"/>
-              <a:t>6/22/2017</a:t>
+              <a:t>6/23/2017</a:t>
             </a:fld>
             <a:endParaRPr lang="en-US" dirty="0"/>
           </a:p>
@@ -26440,7 +26454,7 @@
             <a:fld id="{B61BEF0D-F0BB-DE4B-95CE-6DB70DBA9567}" type="datetimeFigureOut">
               <a:rPr lang="en-US" smtClean="0"/>
               <a:pPr/>
-              <a:t>6/22/2017</a:t>
+              <a:t>6/23/2017</a:t>
             </a:fld>
             <a:endParaRPr lang="en-US" dirty="0"/>
           </a:p>
@@ -28584,20 +28598,6 @@
             </a:r>
           </a:p>
           <a:p>
-            <a:pPr lvl="1"/>
-            <a:r>
-              <a:rPr lang="en-US" dirty="0"/>
-              <a:t>Interactions between workers at a restaurant.</a:t>
-            </a:r>
-          </a:p>
-          <a:p>
-            <a:pPr lvl="1"/>
-            <a:r>
-              <a:rPr lang="en-US" dirty="0"/>
-              <a:t>Soda Machine</a:t>
-            </a:r>
-          </a:p>
-          <a:p>
             <a:r>
               <a:rPr lang="en-US" dirty="0"/>
               <a:t>Software and Frameworks</a:t>
@@ -28630,6 +28630,13 @@
               <a:rPr lang="en-US" dirty="0"/>
               <a:t>Angular</a:t>
             </a:r>
+          </a:p>
+          <a:p>
+            <a:r>
+              <a:rPr lang="en-US"/>
+              <a:t>Typescript…</a:t>
+            </a:r>
+            <a:endParaRPr lang="en-US" dirty="0"/>
           </a:p>
         </p:txBody>
       </p:sp>
@@ -29031,7 +29038,7 @@
           <a:p>
             <a:r>
               <a:rPr lang="en-US" dirty="0"/>
-              <a:t>Guidelines…</a:t>
+              <a:t>“Use the Angular…Luke.”</a:t>
             </a:r>
           </a:p>
         </p:txBody>
@@ -29061,12 +29068,6 @@
         <p:txBody>
           <a:bodyPr/>
           <a:lstStyle/>
-          <a:p>
-            <a:r>
-              <a:rPr lang="en-US" dirty="0"/>
-              <a:t>Do not create what already exists.</a:t>
-            </a:r>
-          </a:p>
           <a:p>
             <a:r>
               <a:rPr lang="en-US" dirty="0"/>
@@ -29547,12 +29548,6 @@
           <a:p>
             <a:r>
               <a:rPr lang="en-US" dirty="0"/>
-              <a:t>Authorization or Permissions?</a:t>
-            </a:r>
-          </a:p>
-          <a:p>
-            <a:r>
-              <a:rPr lang="en-US" dirty="0"/>
               <a:t>Business Logic</a:t>
             </a:r>
           </a:p>
@@ -29571,41 +29566,25 @@
           <a:p>
             <a:r>
               <a:rPr lang="en-US" dirty="0"/>
-              <a:t>Using Repositories (Web APIs) to retrieve and persist data</a:t>
-            </a:r>
-          </a:p>
-          <a:p>
-            <a:pPr lvl="1"/>
+              <a:t>Authorization or Permissions?</a:t>
+            </a:r>
+          </a:p>
+          <a:p>
             <a:r>
               <a:rPr lang="en-US" dirty="0"/>
-              <a:t>Creating requests for information.</a:t>
-            </a:r>
-          </a:p>
-          <a:p>
-            <a:pPr lvl="1"/>
+              <a:t>Retrieving and persisting data</a:t>
+            </a:r>
+          </a:p>
+          <a:p>
             <a:r>
               <a:rPr lang="en-US" dirty="0"/>
-              <a:t>Processing responses consistently.</a:t>
+              <a:t>Handling exceptions.</a:t>
             </a:r>
           </a:p>
           <a:p>
             <a:r>
               <a:rPr lang="en-US" dirty="0"/>
-              <a:t>Handling exceptions/</a:t>
-            </a:r>
-            <a:r>
-              <a:rPr lang="en-US" dirty="0" err="1"/>
-              <a:t>erros</a:t>
-            </a:r>
-            <a:r>
-              <a:rPr lang="en-US" dirty="0"/>
-              <a:t>.</a:t>
-            </a:r>
-          </a:p>
-          <a:p>
-            <a:r>
-              <a:rPr lang="en-US" dirty="0"/>
-              <a:t>Handling responses with messages.</a:t>
+              <a:t>Handling error responses from the backend.</a:t>
             </a:r>
           </a:p>
         </p:txBody>
@@ -31355,150 +31334,40 @@
           <a:chExt cx="0" cy="0"/>
         </a:xfrm>
       </p:grpSpPr>
-      <p:sp>
-        <p:nvSpPr>
-          <p:cNvPr id="2" name="Title 1">
+      <p:pic>
+        <p:nvPicPr>
+          <p:cNvPr id="4" name="Picture 3">
             <a:extLst>
               <a:ext uri="{FF2B5EF4-FFF2-40B4-BE49-F238E27FC236}">
-                <a16:creationId xmlns:a16="http://schemas.microsoft.com/office/drawing/2014/main" id="{7D8AF8FB-793E-41BD-8CC5-A923B5A8209E}"/>
+                <a16:creationId xmlns:a16="http://schemas.microsoft.com/office/drawing/2014/main" id="{8716116C-FBF1-4D43-BB44-9C538C7B7568}"/>
               </a:ext>
             </a:extLst>
           </p:cNvPr>
-          <p:cNvSpPr>
-            <a:spLocks noGrp="1"/>
-          </p:cNvSpPr>
-          <p:nvPr>
-            <p:ph type="title"/>
-          </p:nvPr>
-        </p:nvSpPr>
-        <p:spPr/>
-        <p:txBody>
-          <a:bodyPr/>
-          <a:lstStyle/>
-          <a:p>
-            <a:r>
-              <a:rPr lang="en-US"/>
-              <a:t>Web References</a:t>
-            </a:r>
-            <a:endParaRPr lang="en-US" dirty="0"/>
-          </a:p>
-        </p:txBody>
-      </p:sp>
-      <p:sp>
-        <p:nvSpPr>
-          <p:cNvPr id="3" name="Content Placeholder 2">
-            <a:extLst>
-              <a:ext uri="{FF2B5EF4-FFF2-40B4-BE49-F238E27FC236}">
-                <a16:creationId xmlns:a16="http://schemas.microsoft.com/office/drawing/2014/main" id="{3975127B-114D-4B36-BA13-4EB6781A2CEB}"/>
-              </a:ext>
-            </a:extLst>
-          </p:cNvPr>
-          <p:cNvSpPr>
-            <a:spLocks noGrp="1"/>
-          </p:cNvSpPr>
-          <p:nvPr>
-            <p:ph idx="1"/>
-          </p:nvPr>
-        </p:nvSpPr>
-        <p:spPr/>
-        <p:txBody>
-          <a:bodyPr>
-            <a:normAutofit/>
-          </a:bodyPr>
-          <a:lstStyle/>
-          <a:p>
-            <a:r>
-              <a:rPr lang="en-US">
-                <a:hlinkClick r:id="rId2"/>
-              </a:rPr>
-              <a:t>GoF Design patterns in .NET/C#</a:t>
-            </a:r>
-            <a:endParaRPr lang="en-US"/>
-          </a:p>
-          <a:p>
-            <a:r>
-              <a:rPr lang="en-US">
-                <a:hlinkClick r:id="rId3"/>
-              </a:rPr>
-              <a:t>Design Patterns General</a:t>
-            </a:r>
-            <a:endParaRPr lang="en-US"/>
-          </a:p>
-          <a:p>
-            <a:pPr lvl="1"/>
-            <a:r>
-              <a:rPr lang="en-US">
-                <a:hlinkClick r:id="rId3"/>
-              </a:rPr>
-              <a:t>Creational</a:t>
-            </a:r>
-            <a:endParaRPr lang="en-US"/>
-          </a:p>
-          <a:p>
-            <a:pPr lvl="1"/>
-            <a:r>
-              <a:rPr lang="en-US">
-                <a:hlinkClick r:id="rId4"/>
-              </a:rPr>
-              <a:t>Structural</a:t>
-            </a:r>
-            <a:endParaRPr lang="en-US"/>
-          </a:p>
-          <a:p>
-            <a:pPr lvl="1"/>
-            <a:r>
-              <a:rPr lang="en-US">
-                <a:hlinkClick r:id="rId5"/>
-              </a:rPr>
-              <a:t>Behavioral</a:t>
-            </a:r>
-            <a:endParaRPr lang="en-US"/>
-          </a:p>
-          <a:p>
-            <a:r>
-              <a:rPr lang="en-US"/>
-              <a:t>Principles:</a:t>
-            </a:r>
-          </a:p>
-          <a:p>
-            <a:pPr lvl="1"/>
-            <a:r>
-              <a:rPr lang="en-US">
-                <a:hlinkClick r:id="rId6"/>
-              </a:rPr>
-              <a:t>Single Responsibility</a:t>
-            </a:r>
-            <a:endParaRPr lang="en-US"/>
-          </a:p>
-          <a:p>
-            <a:pPr lvl="1"/>
-            <a:r>
-              <a:rPr lang="en-US">
-                <a:hlinkClick r:id="rId7"/>
-              </a:rPr>
-              <a:t>Separation of Concerns</a:t>
-            </a:r>
-            <a:endParaRPr lang="en-US"/>
-          </a:p>
-          <a:p>
-            <a:pPr lvl="1"/>
-            <a:r>
-              <a:rPr lang="en-US">
-                <a:hlinkClick r:id="rId8"/>
-              </a:rPr>
-              <a:t>S.O.L.I.D Principles</a:t>
-            </a:r>
-            <a:endParaRPr lang="en-US"/>
-          </a:p>
-          <a:p>
-            <a:endParaRPr lang="en-US" dirty="0"/>
-          </a:p>
-        </p:txBody>
-      </p:sp>
+          <p:cNvPicPr>
+            <a:picLocks noChangeAspect="1"/>
+          </p:cNvPicPr>
+          <p:nvPr/>
+        </p:nvPicPr>
+        <p:blipFill>
+          <a:blip r:embed="rId2"/>
+          <a:stretch>
+            <a:fillRect/>
+          </a:stretch>
+        </p:blipFill>
+        <p:spPr>
+          <a:xfrm>
+            <a:off x="688094" y="190869"/>
+            <a:ext cx="9165519" cy="5675447"/>
+          </a:xfrm>
+          <a:prstGeom prst="rect">
+            <a:avLst/>
+          </a:prstGeom>
+        </p:spPr>
+      </p:pic>
     </p:spTree>
     <p:extLst>
       <p:ext uri="{BB962C8B-B14F-4D97-AF65-F5344CB8AC3E}">
-        <p14:creationId xmlns:p14="http://schemas.microsoft.com/office/powerpoint/2010/main" val="1961233773"/>
+        <p14:creationId xmlns:p14="http://schemas.microsoft.com/office/powerpoint/2010/main" val="2562439553"/>
       </p:ext>
     </p:extLst>
   </p:cSld>
@@ -31530,7 +31399,7 @@
           <p:cNvPr id="2" name="Title 1">
             <a:extLst>
               <a:ext uri="{FF2B5EF4-FFF2-40B4-BE49-F238E27FC236}">
-                <a16:creationId xmlns:a16="http://schemas.microsoft.com/office/drawing/2014/main" id="{7D8AF8FB-793E-41BD-8CC5-A923B5A8209E}"/>
+                <a16:creationId xmlns:a16="http://schemas.microsoft.com/office/drawing/2014/main" id="{1D4E3875-CACF-46B2-B025-926FE971A44D}"/>
               </a:ext>
             </a:extLst>
           </p:cNvPr>
@@ -31547,10 +31416,9 @@
           <a:lstStyle/>
           <a:p>
             <a:r>
-              <a:rPr lang="en-US"/>
-              <a:t>Book References</a:t>
-            </a:r>
-            <a:endParaRPr lang="en-US" dirty="0"/>
+              <a:rPr lang="en-US" dirty="0"/>
+              <a:t>Demo(s)</a:t>
+            </a:r>
           </a:p>
         </p:txBody>
       </p:sp>
@@ -31559,7 +31427,7 @@
           <p:cNvPr id="3" name="Content Placeholder 2">
             <a:extLst>
               <a:ext uri="{FF2B5EF4-FFF2-40B4-BE49-F238E27FC236}">
-                <a16:creationId xmlns:a16="http://schemas.microsoft.com/office/drawing/2014/main" id="{3975127B-114D-4B36-BA13-4EB6781A2CEB}"/>
+                <a16:creationId xmlns:a16="http://schemas.microsoft.com/office/drawing/2014/main" id="{D6E8362C-E617-425C-9EDA-E7ABD935D82C}"/>
               </a:ext>
             </a:extLst>
           </p:cNvPr>
@@ -31572,99 +31440,47 @@
         </p:nvSpPr>
         <p:spPr/>
         <p:txBody>
-          <a:bodyPr>
-            <a:normAutofit fontScale="92500" lnSpcReduction="10000"/>
-          </a:bodyPr>
-          <a:lstStyle/>
-          <a:p>
-            <a:r>
-              <a:rPr lang="en-US">
-                <a:hlinkClick r:id="rId2"/>
-              </a:rPr>
-              <a:t>Design Patterns : Elements of Reusable Object-Oriented Software</a:t>
-            </a:r>
-            <a:endParaRPr lang="en-US"/>
+          <a:bodyPr/>
+          <a:lstStyle/>
+          <a:p>
+            <a:r>
+              <a:rPr lang="en-US" dirty="0"/>
+              <a:t>Angular Sample Application</a:t>
+            </a:r>
           </a:p>
           <a:p>
             <a:pPr lvl="1"/>
             <a:r>
-              <a:rPr lang="en-US"/>
-              <a:t>ISBN-13: 978-0201633610, ISBN-10: 0201633612</a:t>
-            </a:r>
-          </a:p>
-          <a:p>
-            <a:r>
-              <a:rPr lang="en-US">
-                <a:hlinkClick r:id="rId3"/>
-              </a:rPr>
-              <a:t>Head First Design Patterns</a:t>
-            </a:r>
-            <a:endParaRPr lang="en-US"/>
-          </a:p>
-          <a:p>
-            <a:pPr lvl="1"/>
-            <a:r>
-              <a:rPr lang="en-US"/>
-              <a:t>ISBN-13: 978-0596007126, ISBN-10: 0596007124</a:t>
-            </a:r>
-          </a:p>
-          <a:p>
-            <a:r>
-              <a:rPr lang="en-US">
-                <a:hlinkClick r:id="rId4"/>
-              </a:rPr>
-              <a:t>Clean Code</a:t>
-            </a:r>
-            <a:endParaRPr lang="en-US"/>
-          </a:p>
-          <a:p>
-            <a:pPr lvl="1"/>
-            <a:r>
-              <a:rPr lang="en-US"/>
-              <a:t>ISBN-13: 978-0132350884, ISBN-10: 0132350882</a:t>
-            </a:r>
-          </a:p>
-          <a:p>
-            <a:r>
-              <a:rPr lang="en-US">
-                <a:hlinkClick r:id="rId5"/>
-              </a:rPr>
-              <a:t>The Pragmatic Programmer</a:t>
-            </a:r>
-            <a:endParaRPr lang="en-US"/>
-          </a:p>
-          <a:p>
-            <a:pPr lvl="1"/>
-            <a:r>
-              <a:rPr lang="en-US"/>
-              <a:t>ISBN-13: 978-0201616224, ISBN-10: 020161622X</a:t>
-            </a:r>
-          </a:p>
-          <a:p>
-            <a:r>
-              <a:rPr lang="en-US">
-                <a:hlinkClick r:id="rId6"/>
-              </a:rPr>
-              <a:t>Patterns of Enterprise Application Architecture</a:t>
-            </a:r>
-            <a:endParaRPr lang="en-US"/>
-          </a:p>
-          <a:p>
-            <a:pPr lvl="1"/>
-            <a:r>
-              <a:rPr lang="en-US"/>
-              <a:t>ISBN-13: 978-0321127426, ISBN-10: 0321127420</a:t>
-            </a:r>
-          </a:p>
-          <a:p>
-            <a:endParaRPr lang="en-US" dirty="0"/>
+              <a:rPr lang="en-US" dirty="0"/>
+              <a:t>Rules</a:t>
+            </a:r>
+          </a:p>
+          <a:p>
+            <a:pPr lvl="2"/>
+            <a:r>
+              <a:rPr lang="en-US" dirty="0"/>
+              <a:t>Simple (Primitive)</a:t>
+            </a:r>
+          </a:p>
+          <a:p>
+            <a:pPr lvl="2"/>
+            <a:r>
+              <a:rPr lang="en-US" dirty="0"/>
+              <a:t>Complex (Composite)</a:t>
+            </a:r>
+          </a:p>
+          <a:p>
+            <a:r>
+              <a:rPr lang="en-US" dirty="0"/>
+              <a:t>Account Signup</a:t>
+            </a:r>
           </a:p>
         </p:txBody>
       </p:sp>
     </p:spTree>
     <p:extLst>
       <p:ext uri="{BB962C8B-B14F-4D97-AF65-F5344CB8AC3E}">
-        <p14:creationId xmlns:p14="http://schemas.microsoft.com/office/powerpoint/2010/main" val="214986796"/>
+        <p14:creationId xmlns:p14="http://schemas.microsoft.com/office/powerpoint/2010/main" val="1186205679"/>
       </p:ext>
     </p:extLst>
   </p:cSld>
@@ -31696,7 +31512,7 @@
           <p:cNvPr id="2" name="Title 1">
             <a:extLst>
               <a:ext uri="{FF2B5EF4-FFF2-40B4-BE49-F238E27FC236}">
-                <a16:creationId xmlns:a16="http://schemas.microsoft.com/office/drawing/2014/main" id="{7D8AF8FB-793E-41BD-8CC5-A923B5A8209E}"/>
+                <a16:creationId xmlns:a16="http://schemas.microsoft.com/office/drawing/2014/main" id="{1D4E3875-CACF-46B2-B025-926FE971A44D}"/>
               </a:ext>
             </a:extLst>
           </p:cNvPr>
@@ -31714,7 +31530,7 @@
           <a:p>
             <a:r>
               <a:rPr lang="en-US" dirty="0"/>
-              <a:t>Angular Resources</a:t>
+              <a:t>Composite Pattern Recap</a:t>
             </a:r>
           </a:p>
         </p:txBody>
@@ -31724,7 +31540,7 @@
           <p:cNvPr id="3" name="Content Placeholder 2">
             <a:extLst>
               <a:ext uri="{FF2B5EF4-FFF2-40B4-BE49-F238E27FC236}">
-                <a16:creationId xmlns:a16="http://schemas.microsoft.com/office/drawing/2014/main" id="{3975127B-114D-4B36-BA13-4EB6781A2CEB}"/>
+                <a16:creationId xmlns:a16="http://schemas.microsoft.com/office/drawing/2014/main" id="{D6E8362C-E617-425C-9EDA-E7ABD935D82C}"/>
               </a:ext>
             </a:extLst>
           </p:cNvPr>
@@ -31737,87 +31553,32 @@
         </p:nvSpPr>
         <p:spPr/>
         <p:txBody>
-          <a:bodyPr>
-            <a:normAutofit/>
-          </a:bodyPr>
-          <a:lstStyle/>
-          <a:p>
-            <a:r>
-              <a:rPr lang="en-US" dirty="0">
-                <a:hlinkClick r:id="rId2"/>
-              </a:rPr>
-              <a:t>https://angular.io</a:t>
-            </a:r>
+          <a:bodyPr/>
+          <a:lstStyle/>
+          <a:p>
             <a:r>
               <a:rPr lang="en-US" dirty="0"/>
-              <a:t>: </a:t>
-            </a:r>
-          </a:p>
-          <a:p>
-            <a:r>
-              <a:rPr lang="en-US" dirty="0">
-                <a:hlinkClick r:id="rId3"/>
-              </a:rPr>
-              <a:t>https://rangle.io</a:t>
-            </a:r>
+              <a:t>Simple to implement.</a:t>
+            </a:r>
+          </a:p>
+          <a:p>
             <a:r>
               <a:rPr lang="en-US" dirty="0"/>
-              <a:t>: </a:t>
-            </a:r>
-          </a:p>
-          <a:p>
-            <a:pPr lvl="1"/>
-            <a:r>
-              <a:rPr lang="en-US" dirty="0" err="1">
-                <a:hlinkClick r:id="rId4"/>
-              </a:rPr>
-              <a:t>Rangle’s</a:t>
-            </a:r>
-            <a:r>
-              <a:rPr lang="en-US" dirty="0">
-                <a:hlinkClick r:id="rId4"/>
-              </a:rPr>
-              <a:t> Angular 2 Training Book</a:t>
-            </a:r>
-            <a:endParaRPr lang="en-US" dirty="0"/>
-          </a:p>
-          <a:p>
-            <a:pPr lvl="1"/>
-            <a:r>
-              <a:rPr lang="en-US" dirty="0">
-                <a:hlinkClick r:id="rId5"/>
-              </a:rPr>
-              <a:t>Functional Forms</a:t>
-            </a:r>
-            <a:endParaRPr lang="en-US" dirty="0"/>
-          </a:p>
-          <a:p>
-            <a:r>
-              <a:rPr lang="en-US" dirty="0">
-                <a:hlinkClick r:id="rId6"/>
-              </a:rPr>
-              <a:t>Become a Ninja with Angular</a:t>
-            </a:r>
+              <a:t>Create simple/complex items in a hierarchy or tree-like view.</a:t>
+            </a:r>
+          </a:p>
+          <a:p>
             <a:r>
               <a:rPr lang="en-US" dirty="0"/>
-              <a:t>: sample chapters</a:t>
-            </a:r>
-          </a:p>
-          <a:p>
-            <a:r>
-              <a:rPr lang="en-US" dirty="0">
-                <a:hlinkClick r:id="rId7"/>
-              </a:rPr>
-              <a:t>Tour of Heroes Application with Multiple Modules</a:t>
-            </a:r>
-            <a:endParaRPr lang="en-US" dirty="0"/>
+              <a:t>Process/Handle either (simple/composite) types consistently.</a:t>
+            </a:r>
           </a:p>
         </p:txBody>
       </p:sp>
     </p:spTree>
     <p:extLst>
       <p:ext uri="{BB962C8B-B14F-4D97-AF65-F5344CB8AC3E}">
-        <p14:creationId xmlns:p14="http://schemas.microsoft.com/office/powerpoint/2010/main" val="3233442765"/>
+        <p14:creationId xmlns:p14="http://schemas.microsoft.com/office/powerpoint/2010/main" val="1458110016"/>
       </p:ext>
     </p:extLst>
   </p:cSld>
@@ -31971,6 +31732,717 @@
 </file>
 
 <file path=ppt/slides/slide40.xml><?xml version="1.0" encoding="utf-8"?>
+<p:sld xmlns:a="http://schemas.openxmlformats.org/drawingml/2006/main" xmlns:r="http://schemas.openxmlformats.org/officeDocument/2006/relationships" xmlns:p="http://schemas.openxmlformats.org/presentationml/2006/main">
+  <p:cSld>
+    <p:spTree>
+      <p:nvGrpSpPr>
+        <p:cNvPr id="1" name=""/>
+        <p:cNvGrpSpPr/>
+        <p:nvPr/>
+      </p:nvGrpSpPr>
+      <p:grpSpPr>
+        <a:xfrm>
+          <a:off x="0" y="0"/>
+          <a:ext cx="0" cy="0"/>
+          <a:chOff x="0" y="0"/>
+          <a:chExt cx="0" cy="0"/>
+        </a:xfrm>
+      </p:grpSpPr>
+      <p:sp>
+        <p:nvSpPr>
+          <p:cNvPr id="4" name="Title 3">
+            <a:extLst>
+              <a:ext uri="{FF2B5EF4-FFF2-40B4-BE49-F238E27FC236}">
+                <a16:creationId xmlns:a16="http://schemas.microsoft.com/office/drawing/2014/main" id="{203B918A-3F11-486B-981F-885DC949B4D3}"/>
+              </a:ext>
+            </a:extLst>
+          </p:cNvPr>
+          <p:cNvSpPr>
+            <a:spLocks noGrp="1"/>
+          </p:cNvSpPr>
+          <p:nvPr>
+            <p:ph type="title"/>
+          </p:nvPr>
+        </p:nvSpPr>
+        <p:spPr/>
+        <p:txBody>
+          <a:bodyPr/>
+          <a:lstStyle/>
+          <a:p>
+            <a:r>
+              <a:rPr lang="en-US" dirty="0"/>
+              <a:t>Conclusions</a:t>
+            </a:r>
+          </a:p>
+        </p:txBody>
+      </p:sp>
+      <p:sp>
+        <p:nvSpPr>
+          <p:cNvPr id="5" name="Text Placeholder 4">
+            <a:extLst>
+              <a:ext uri="{FF2B5EF4-FFF2-40B4-BE49-F238E27FC236}">
+                <a16:creationId xmlns:a16="http://schemas.microsoft.com/office/drawing/2014/main" id="{81470885-0111-4942-B5A5-7DBC42C3A073}"/>
+              </a:ext>
+            </a:extLst>
+          </p:cNvPr>
+          <p:cNvSpPr>
+            <a:spLocks noGrp="1"/>
+          </p:cNvSpPr>
+          <p:nvPr>
+            <p:ph type="body" idx="1"/>
+          </p:nvPr>
+        </p:nvSpPr>
+        <p:spPr/>
+        <p:txBody>
+          <a:bodyPr/>
+          <a:lstStyle/>
+          <a:p>
+            <a:endParaRPr lang="en-US" dirty="0"/>
+          </a:p>
+        </p:txBody>
+      </p:sp>
+    </p:spTree>
+    <p:extLst>
+      <p:ext uri="{BB962C8B-B14F-4D97-AF65-F5344CB8AC3E}">
+        <p14:creationId xmlns:p14="http://schemas.microsoft.com/office/powerpoint/2010/main" val="1089114915"/>
+      </p:ext>
+    </p:extLst>
+  </p:cSld>
+  <p:clrMapOvr>
+    <a:masterClrMapping/>
+  </p:clrMapOvr>
+</p:sld>
+</file>
+
+<file path=ppt/slides/slide41.xml><?xml version="1.0" encoding="utf-8"?>
+<p:sld xmlns:a="http://schemas.openxmlformats.org/drawingml/2006/main" xmlns:r="http://schemas.openxmlformats.org/officeDocument/2006/relationships" xmlns:p="http://schemas.openxmlformats.org/presentationml/2006/main">
+  <p:cSld>
+    <p:spTree>
+      <p:nvGrpSpPr>
+        <p:cNvPr id="1" name=""/>
+        <p:cNvGrpSpPr/>
+        <p:nvPr/>
+      </p:nvGrpSpPr>
+      <p:grpSpPr>
+        <a:xfrm>
+          <a:off x="0" y="0"/>
+          <a:ext cx="0" cy="0"/>
+          <a:chOff x="0" y="0"/>
+          <a:chExt cx="0" cy="0"/>
+        </a:xfrm>
+      </p:grpSpPr>
+      <p:sp>
+        <p:nvSpPr>
+          <p:cNvPr id="2" name="Title 1">
+            <a:extLst>
+              <a:ext uri="{FF2B5EF4-FFF2-40B4-BE49-F238E27FC236}">
+                <a16:creationId xmlns:a16="http://schemas.microsoft.com/office/drawing/2014/main" id="{1D4E3875-CACF-46B2-B025-926FE971A44D}"/>
+              </a:ext>
+            </a:extLst>
+          </p:cNvPr>
+          <p:cNvSpPr>
+            <a:spLocks noGrp="1"/>
+          </p:cNvSpPr>
+          <p:nvPr>
+            <p:ph type="title"/>
+          </p:nvPr>
+        </p:nvSpPr>
+        <p:spPr/>
+        <p:txBody>
+          <a:bodyPr/>
+          <a:lstStyle/>
+          <a:p>
+            <a:r>
+              <a:rPr lang="en-US" dirty="0"/>
+              <a:t>Final thoughts…</a:t>
+            </a:r>
+          </a:p>
+        </p:txBody>
+      </p:sp>
+      <p:sp>
+        <p:nvSpPr>
+          <p:cNvPr id="3" name="Content Placeholder 2">
+            <a:extLst>
+              <a:ext uri="{FF2B5EF4-FFF2-40B4-BE49-F238E27FC236}">
+                <a16:creationId xmlns:a16="http://schemas.microsoft.com/office/drawing/2014/main" id="{D6E8362C-E617-425C-9EDA-E7ABD935D82C}"/>
+              </a:ext>
+            </a:extLst>
+          </p:cNvPr>
+          <p:cNvSpPr>
+            <a:spLocks noGrp="1"/>
+          </p:cNvSpPr>
+          <p:nvPr>
+            <p:ph idx="1"/>
+          </p:nvPr>
+        </p:nvSpPr>
+        <p:spPr/>
+        <p:txBody>
+          <a:bodyPr/>
+          <a:lstStyle/>
+          <a:p>
+            <a:r>
+              <a:rPr lang="en-US" dirty="0"/>
+              <a:t>Business Logic is very important – yet challenging. </a:t>
+            </a:r>
+          </a:p>
+          <a:p>
+            <a:pPr lvl="1"/>
+            <a:r>
+              <a:rPr lang="en-US" dirty="0"/>
+              <a:t>Needs to be protected as a valuable resource.</a:t>
+            </a:r>
+          </a:p>
+          <a:p>
+            <a:r>
+              <a:rPr lang="en-US" dirty="0"/>
+              <a:t>Patterns and Frameworks help control the chaos.</a:t>
+            </a:r>
+          </a:p>
+          <a:p>
+            <a:pPr lvl="1"/>
+            <a:r>
+              <a:rPr lang="en-US" dirty="0"/>
+              <a:t>Understand and use the elements that Angular provides more fully.</a:t>
+            </a:r>
+          </a:p>
+          <a:p>
+            <a:r>
+              <a:rPr lang="en-US" dirty="0"/>
+              <a:t>Higher Quality Systems</a:t>
+            </a:r>
+          </a:p>
+          <a:p>
+            <a:pPr lvl="1"/>
+            <a:r>
+              <a:rPr lang="en-US" dirty="0"/>
+              <a:t>Testable</a:t>
+            </a:r>
+          </a:p>
+          <a:p>
+            <a:pPr lvl="1"/>
+            <a:r>
+              <a:rPr lang="en-US" dirty="0"/>
+              <a:t>Extensible</a:t>
+            </a:r>
+          </a:p>
+          <a:p>
+            <a:pPr lvl="1"/>
+            <a:r>
+              <a:rPr lang="en-US" dirty="0"/>
+              <a:t>Maintainable</a:t>
+            </a:r>
+          </a:p>
+          <a:p>
+            <a:r>
+              <a:rPr lang="en-US" dirty="0"/>
+              <a:t>Take time to learn and understand different design patterns.</a:t>
+            </a:r>
+          </a:p>
+        </p:txBody>
+      </p:sp>
+    </p:spTree>
+    <p:extLst>
+      <p:ext uri="{BB962C8B-B14F-4D97-AF65-F5344CB8AC3E}">
+        <p14:creationId xmlns:p14="http://schemas.microsoft.com/office/powerpoint/2010/main" val="63581996"/>
+      </p:ext>
+    </p:extLst>
+  </p:cSld>
+  <p:clrMapOvr>
+    <a:masterClrMapping/>
+  </p:clrMapOvr>
+</p:sld>
+</file>
+
+<file path=ppt/slides/slide42.xml><?xml version="1.0" encoding="utf-8"?>
+<p:sld xmlns:a="http://schemas.openxmlformats.org/drawingml/2006/main" xmlns:r="http://schemas.openxmlformats.org/officeDocument/2006/relationships" xmlns:p="http://schemas.openxmlformats.org/presentationml/2006/main">
+  <p:cSld>
+    <p:spTree>
+      <p:nvGrpSpPr>
+        <p:cNvPr id="1" name=""/>
+        <p:cNvGrpSpPr/>
+        <p:nvPr/>
+      </p:nvGrpSpPr>
+      <p:grpSpPr>
+        <a:xfrm>
+          <a:off x="0" y="0"/>
+          <a:ext cx="0" cy="0"/>
+          <a:chOff x="0" y="0"/>
+          <a:chExt cx="0" cy="0"/>
+        </a:xfrm>
+      </p:grpSpPr>
+      <p:sp>
+        <p:nvSpPr>
+          <p:cNvPr id="2" name="Title 1">
+            <a:extLst>
+              <a:ext uri="{FF2B5EF4-FFF2-40B4-BE49-F238E27FC236}">
+                <a16:creationId xmlns:a16="http://schemas.microsoft.com/office/drawing/2014/main" id="{7D8AF8FB-793E-41BD-8CC5-A923B5A8209E}"/>
+              </a:ext>
+            </a:extLst>
+          </p:cNvPr>
+          <p:cNvSpPr>
+            <a:spLocks noGrp="1"/>
+          </p:cNvSpPr>
+          <p:nvPr>
+            <p:ph type="title"/>
+          </p:nvPr>
+        </p:nvSpPr>
+        <p:spPr/>
+        <p:txBody>
+          <a:bodyPr/>
+          <a:lstStyle/>
+          <a:p>
+            <a:r>
+              <a:rPr lang="en-US"/>
+              <a:t>Web References</a:t>
+            </a:r>
+            <a:endParaRPr lang="en-US" dirty="0"/>
+          </a:p>
+        </p:txBody>
+      </p:sp>
+      <p:sp>
+        <p:nvSpPr>
+          <p:cNvPr id="3" name="Content Placeholder 2">
+            <a:extLst>
+              <a:ext uri="{FF2B5EF4-FFF2-40B4-BE49-F238E27FC236}">
+                <a16:creationId xmlns:a16="http://schemas.microsoft.com/office/drawing/2014/main" id="{3975127B-114D-4B36-BA13-4EB6781A2CEB}"/>
+              </a:ext>
+            </a:extLst>
+          </p:cNvPr>
+          <p:cNvSpPr>
+            <a:spLocks noGrp="1"/>
+          </p:cNvSpPr>
+          <p:nvPr>
+            <p:ph idx="1"/>
+          </p:nvPr>
+        </p:nvSpPr>
+        <p:spPr/>
+        <p:txBody>
+          <a:bodyPr>
+            <a:normAutofit/>
+          </a:bodyPr>
+          <a:lstStyle/>
+          <a:p>
+            <a:r>
+              <a:rPr lang="en-US">
+                <a:hlinkClick r:id="rId2"/>
+              </a:rPr>
+              <a:t>GoF Design patterns in .NET/C#</a:t>
+            </a:r>
+            <a:endParaRPr lang="en-US"/>
+          </a:p>
+          <a:p>
+            <a:r>
+              <a:rPr lang="en-US">
+                <a:hlinkClick r:id="rId3"/>
+              </a:rPr>
+              <a:t>Design Patterns General</a:t>
+            </a:r>
+            <a:endParaRPr lang="en-US"/>
+          </a:p>
+          <a:p>
+            <a:pPr lvl="1"/>
+            <a:r>
+              <a:rPr lang="en-US">
+                <a:hlinkClick r:id="rId3"/>
+              </a:rPr>
+              <a:t>Creational</a:t>
+            </a:r>
+            <a:endParaRPr lang="en-US"/>
+          </a:p>
+          <a:p>
+            <a:pPr lvl="1"/>
+            <a:r>
+              <a:rPr lang="en-US">
+                <a:hlinkClick r:id="rId4"/>
+              </a:rPr>
+              <a:t>Structural</a:t>
+            </a:r>
+            <a:endParaRPr lang="en-US"/>
+          </a:p>
+          <a:p>
+            <a:pPr lvl="1"/>
+            <a:r>
+              <a:rPr lang="en-US">
+                <a:hlinkClick r:id="rId5"/>
+              </a:rPr>
+              <a:t>Behavioral</a:t>
+            </a:r>
+            <a:endParaRPr lang="en-US"/>
+          </a:p>
+          <a:p>
+            <a:r>
+              <a:rPr lang="en-US"/>
+              <a:t>Principles:</a:t>
+            </a:r>
+          </a:p>
+          <a:p>
+            <a:pPr lvl="1"/>
+            <a:r>
+              <a:rPr lang="en-US">
+                <a:hlinkClick r:id="rId6"/>
+              </a:rPr>
+              <a:t>Single Responsibility</a:t>
+            </a:r>
+            <a:endParaRPr lang="en-US"/>
+          </a:p>
+          <a:p>
+            <a:pPr lvl="1"/>
+            <a:r>
+              <a:rPr lang="en-US">
+                <a:hlinkClick r:id="rId7"/>
+              </a:rPr>
+              <a:t>Separation of Concerns</a:t>
+            </a:r>
+            <a:endParaRPr lang="en-US"/>
+          </a:p>
+          <a:p>
+            <a:pPr lvl="1"/>
+            <a:r>
+              <a:rPr lang="en-US">
+                <a:hlinkClick r:id="rId8"/>
+              </a:rPr>
+              <a:t>S.O.L.I.D Principles</a:t>
+            </a:r>
+            <a:endParaRPr lang="en-US"/>
+          </a:p>
+          <a:p>
+            <a:endParaRPr lang="en-US" dirty="0"/>
+          </a:p>
+        </p:txBody>
+      </p:sp>
+    </p:spTree>
+    <p:extLst>
+      <p:ext uri="{BB962C8B-B14F-4D97-AF65-F5344CB8AC3E}">
+        <p14:creationId xmlns:p14="http://schemas.microsoft.com/office/powerpoint/2010/main" val="1961233773"/>
+      </p:ext>
+    </p:extLst>
+  </p:cSld>
+  <p:clrMapOvr>
+    <a:masterClrMapping/>
+  </p:clrMapOvr>
+</p:sld>
+</file>
+
+<file path=ppt/slides/slide43.xml><?xml version="1.0" encoding="utf-8"?>
+<p:sld xmlns:a="http://schemas.openxmlformats.org/drawingml/2006/main" xmlns:r="http://schemas.openxmlformats.org/officeDocument/2006/relationships" xmlns:p="http://schemas.openxmlformats.org/presentationml/2006/main">
+  <p:cSld>
+    <p:spTree>
+      <p:nvGrpSpPr>
+        <p:cNvPr id="1" name=""/>
+        <p:cNvGrpSpPr/>
+        <p:nvPr/>
+      </p:nvGrpSpPr>
+      <p:grpSpPr>
+        <a:xfrm>
+          <a:off x="0" y="0"/>
+          <a:ext cx="0" cy="0"/>
+          <a:chOff x="0" y="0"/>
+          <a:chExt cx="0" cy="0"/>
+        </a:xfrm>
+      </p:grpSpPr>
+      <p:sp>
+        <p:nvSpPr>
+          <p:cNvPr id="2" name="Title 1">
+            <a:extLst>
+              <a:ext uri="{FF2B5EF4-FFF2-40B4-BE49-F238E27FC236}">
+                <a16:creationId xmlns:a16="http://schemas.microsoft.com/office/drawing/2014/main" id="{7D8AF8FB-793E-41BD-8CC5-A923B5A8209E}"/>
+              </a:ext>
+            </a:extLst>
+          </p:cNvPr>
+          <p:cNvSpPr>
+            <a:spLocks noGrp="1"/>
+          </p:cNvSpPr>
+          <p:nvPr>
+            <p:ph type="title"/>
+          </p:nvPr>
+        </p:nvSpPr>
+        <p:spPr/>
+        <p:txBody>
+          <a:bodyPr/>
+          <a:lstStyle/>
+          <a:p>
+            <a:r>
+              <a:rPr lang="en-US"/>
+              <a:t>Book References</a:t>
+            </a:r>
+            <a:endParaRPr lang="en-US" dirty="0"/>
+          </a:p>
+        </p:txBody>
+      </p:sp>
+      <p:sp>
+        <p:nvSpPr>
+          <p:cNvPr id="3" name="Content Placeholder 2">
+            <a:extLst>
+              <a:ext uri="{FF2B5EF4-FFF2-40B4-BE49-F238E27FC236}">
+                <a16:creationId xmlns:a16="http://schemas.microsoft.com/office/drawing/2014/main" id="{3975127B-114D-4B36-BA13-4EB6781A2CEB}"/>
+              </a:ext>
+            </a:extLst>
+          </p:cNvPr>
+          <p:cNvSpPr>
+            <a:spLocks noGrp="1"/>
+          </p:cNvSpPr>
+          <p:nvPr>
+            <p:ph idx="1"/>
+          </p:nvPr>
+        </p:nvSpPr>
+        <p:spPr/>
+        <p:txBody>
+          <a:bodyPr>
+            <a:normAutofit fontScale="92500" lnSpcReduction="10000"/>
+          </a:bodyPr>
+          <a:lstStyle/>
+          <a:p>
+            <a:r>
+              <a:rPr lang="en-US">
+                <a:hlinkClick r:id="rId2"/>
+              </a:rPr>
+              <a:t>Design Patterns : Elements of Reusable Object-Oriented Software</a:t>
+            </a:r>
+            <a:endParaRPr lang="en-US"/>
+          </a:p>
+          <a:p>
+            <a:pPr lvl="1"/>
+            <a:r>
+              <a:rPr lang="en-US"/>
+              <a:t>ISBN-13: 978-0201633610, ISBN-10: 0201633612</a:t>
+            </a:r>
+          </a:p>
+          <a:p>
+            <a:r>
+              <a:rPr lang="en-US">
+                <a:hlinkClick r:id="rId3"/>
+              </a:rPr>
+              <a:t>Head First Design Patterns</a:t>
+            </a:r>
+            <a:endParaRPr lang="en-US"/>
+          </a:p>
+          <a:p>
+            <a:pPr lvl="1"/>
+            <a:r>
+              <a:rPr lang="en-US"/>
+              <a:t>ISBN-13: 978-0596007126, ISBN-10: 0596007124</a:t>
+            </a:r>
+          </a:p>
+          <a:p>
+            <a:r>
+              <a:rPr lang="en-US">
+                <a:hlinkClick r:id="rId4"/>
+              </a:rPr>
+              <a:t>Clean Code</a:t>
+            </a:r>
+            <a:endParaRPr lang="en-US"/>
+          </a:p>
+          <a:p>
+            <a:pPr lvl="1"/>
+            <a:r>
+              <a:rPr lang="en-US"/>
+              <a:t>ISBN-13: 978-0132350884, ISBN-10: 0132350882</a:t>
+            </a:r>
+          </a:p>
+          <a:p>
+            <a:r>
+              <a:rPr lang="en-US">
+                <a:hlinkClick r:id="rId5"/>
+              </a:rPr>
+              <a:t>The Pragmatic Programmer</a:t>
+            </a:r>
+            <a:endParaRPr lang="en-US"/>
+          </a:p>
+          <a:p>
+            <a:pPr lvl="1"/>
+            <a:r>
+              <a:rPr lang="en-US"/>
+              <a:t>ISBN-13: 978-0201616224, ISBN-10: 020161622X</a:t>
+            </a:r>
+          </a:p>
+          <a:p>
+            <a:r>
+              <a:rPr lang="en-US">
+                <a:hlinkClick r:id="rId6"/>
+              </a:rPr>
+              <a:t>Patterns of Enterprise Application Architecture</a:t>
+            </a:r>
+            <a:endParaRPr lang="en-US"/>
+          </a:p>
+          <a:p>
+            <a:pPr lvl="1"/>
+            <a:r>
+              <a:rPr lang="en-US"/>
+              <a:t>ISBN-13: 978-0321127426, ISBN-10: 0321127420</a:t>
+            </a:r>
+          </a:p>
+          <a:p>
+            <a:endParaRPr lang="en-US" dirty="0"/>
+          </a:p>
+        </p:txBody>
+      </p:sp>
+    </p:spTree>
+    <p:extLst>
+      <p:ext uri="{BB962C8B-B14F-4D97-AF65-F5344CB8AC3E}">
+        <p14:creationId xmlns:p14="http://schemas.microsoft.com/office/powerpoint/2010/main" val="214986796"/>
+      </p:ext>
+    </p:extLst>
+  </p:cSld>
+  <p:clrMapOvr>
+    <a:masterClrMapping/>
+  </p:clrMapOvr>
+</p:sld>
+</file>
+
+<file path=ppt/slides/slide44.xml><?xml version="1.0" encoding="utf-8"?>
+<p:sld xmlns:a="http://schemas.openxmlformats.org/drawingml/2006/main" xmlns:r="http://schemas.openxmlformats.org/officeDocument/2006/relationships" xmlns:p="http://schemas.openxmlformats.org/presentationml/2006/main">
+  <p:cSld>
+    <p:spTree>
+      <p:nvGrpSpPr>
+        <p:cNvPr id="1" name=""/>
+        <p:cNvGrpSpPr/>
+        <p:nvPr/>
+      </p:nvGrpSpPr>
+      <p:grpSpPr>
+        <a:xfrm>
+          <a:off x="0" y="0"/>
+          <a:ext cx="0" cy="0"/>
+          <a:chOff x="0" y="0"/>
+          <a:chExt cx="0" cy="0"/>
+        </a:xfrm>
+      </p:grpSpPr>
+      <p:sp>
+        <p:nvSpPr>
+          <p:cNvPr id="2" name="Title 1">
+            <a:extLst>
+              <a:ext uri="{FF2B5EF4-FFF2-40B4-BE49-F238E27FC236}">
+                <a16:creationId xmlns:a16="http://schemas.microsoft.com/office/drawing/2014/main" id="{7D8AF8FB-793E-41BD-8CC5-A923B5A8209E}"/>
+              </a:ext>
+            </a:extLst>
+          </p:cNvPr>
+          <p:cNvSpPr>
+            <a:spLocks noGrp="1"/>
+          </p:cNvSpPr>
+          <p:nvPr>
+            <p:ph type="title"/>
+          </p:nvPr>
+        </p:nvSpPr>
+        <p:spPr/>
+        <p:txBody>
+          <a:bodyPr/>
+          <a:lstStyle/>
+          <a:p>
+            <a:r>
+              <a:rPr lang="en-US" dirty="0"/>
+              <a:t>Angular Resources</a:t>
+            </a:r>
+          </a:p>
+        </p:txBody>
+      </p:sp>
+      <p:sp>
+        <p:nvSpPr>
+          <p:cNvPr id="3" name="Content Placeholder 2">
+            <a:extLst>
+              <a:ext uri="{FF2B5EF4-FFF2-40B4-BE49-F238E27FC236}">
+                <a16:creationId xmlns:a16="http://schemas.microsoft.com/office/drawing/2014/main" id="{3975127B-114D-4B36-BA13-4EB6781A2CEB}"/>
+              </a:ext>
+            </a:extLst>
+          </p:cNvPr>
+          <p:cNvSpPr>
+            <a:spLocks noGrp="1"/>
+          </p:cNvSpPr>
+          <p:nvPr>
+            <p:ph idx="1"/>
+          </p:nvPr>
+        </p:nvSpPr>
+        <p:spPr/>
+        <p:txBody>
+          <a:bodyPr>
+            <a:normAutofit/>
+          </a:bodyPr>
+          <a:lstStyle/>
+          <a:p>
+            <a:r>
+              <a:rPr lang="en-US" dirty="0">
+                <a:hlinkClick r:id="rId2"/>
+              </a:rPr>
+              <a:t>https://angular.io</a:t>
+            </a:r>
+            <a:r>
+              <a:rPr lang="en-US" dirty="0"/>
+              <a:t>: </a:t>
+            </a:r>
+          </a:p>
+          <a:p>
+            <a:r>
+              <a:rPr lang="en-US" dirty="0">
+                <a:hlinkClick r:id="rId3"/>
+              </a:rPr>
+              <a:t>https://rangle.io</a:t>
+            </a:r>
+            <a:r>
+              <a:rPr lang="en-US" dirty="0"/>
+              <a:t>: </a:t>
+            </a:r>
+          </a:p>
+          <a:p>
+            <a:pPr lvl="1"/>
+            <a:r>
+              <a:rPr lang="en-US" dirty="0" err="1">
+                <a:hlinkClick r:id="rId4"/>
+              </a:rPr>
+              <a:t>Rangle’s</a:t>
+            </a:r>
+            <a:r>
+              <a:rPr lang="en-US" dirty="0">
+                <a:hlinkClick r:id="rId4"/>
+              </a:rPr>
+              <a:t> Angular 2 Training Book</a:t>
+            </a:r>
+            <a:endParaRPr lang="en-US" dirty="0"/>
+          </a:p>
+          <a:p>
+            <a:pPr lvl="1"/>
+            <a:r>
+              <a:rPr lang="en-US" dirty="0">
+                <a:hlinkClick r:id="rId5"/>
+              </a:rPr>
+              <a:t>Functional Forms</a:t>
+            </a:r>
+            <a:endParaRPr lang="en-US" dirty="0"/>
+          </a:p>
+          <a:p>
+            <a:r>
+              <a:rPr lang="en-US" dirty="0">
+                <a:hlinkClick r:id="rId6"/>
+              </a:rPr>
+              <a:t>Become a Ninja with Angular</a:t>
+            </a:r>
+            <a:r>
+              <a:rPr lang="en-US" dirty="0"/>
+              <a:t>: sample chapters</a:t>
+            </a:r>
+          </a:p>
+          <a:p>
+            <a:r>
+              <a:rPr lang="en-US" dirty="0">
+                <a:hlinkClick r:id="rId7"/>
+              </a:rPr>
+              <a:t>Tour of Heroes Application with Multiple Modules</a:t>
+            </a:r>
+            <a:endParaRPr lang="en-US" dirty="0"/>
+          </a:p>
+        </p:txBody>
+      </p:sp>
+    </p:spTree>
+    <p:extLst>
+      <p:ext uri="{BB962C8B-B14F-4D97-AF65-F5344CB8AC3E}">
+        <p14:creationId xmlns:p14="http://schemas.microsoft.com/office/powerpoint/2010/main" val="3233442765"/>
+      </p:ext>
+    </p:extLst>
+  </p:cSld>
+  <p:clrMapOvr>
+    <a:masterClrMapping/>
+  </p:clrMapOvr>
+</p:sld>
+</file>
+
+<file path=ppt/slides/slide45.xml><?xml version="1.0" encoding="utf-8"?>
 <p:sld xmlns:a="http://schemas.openxmlformats.org/drawingml/2006/main" xmlns:r="http://schemas.openxmlformats.org/officeDocument/2006/relationships" xmlns:p="http://schemas.openxmlformats.org/presentationml/2006/main">
   <p:cSld>
     <p:spTree>

--- a/Presentation/Better Business Logic with Typescript.pptx
+++ b/Presentation/Better Business Logic with Typescript.pptx
@@ -976,7 +976,7 @@
             <a:fld id="{B61BEF0D-F0BB-DE4B-95CE-6DB70DBA9567}" type="datetimeFigureOut">
               <a:rPr lang="en-US" dirty="0"/>
               <a:pPr/>
-              <a:t>6/23/2017</a:t>
+              <a:t>12/28/2017</a:t>
             </a:fld>
             <a:endParaRPr lang="en-US" dirty="0"/>
           </a:p>
@@ -1229,7 +1229,7 @@
             <a:fld id="{B61BEF0D-F0BB-DE4B-95CE-6DB70DBA9567}" type="datetimeFigureOut">
               <a:rPr lang="en-US" dirty="0"/>
               <a:pPr/>
-              <a:t>6/23/2017</a:t>
+              <a:t>12/28/2017</a:t>
             </a:fld>
             <a:endParaRPr lang="en-US" dirty="0"/>
           </a:p>
@@ -1545,7 +1545,7 @@
             <a:fld id="{B61BEF0D-F0BB-DE4B-95CE-6DB70DBA9567}" type="datetimeFigureOut">
               <a:rPr lang="en-US" dirty="0"/>
               <a:pPr/>
-              <a:t>6/23/2017</a:t>
+              <a:t>12/28/2017</a:t>
             </a:fld>
             <a:endParaRPr lang="en-US" dirty="0"/>
           </a:p>
@@ -1888,7 +1888,7 @@
             <a:fld id="{B61BEF0D-F0BB-DE4B-95CE-6DB70DBA9567}" type="datetimeFigureOut">
               <a:rPr lang="en-US" dirty="0"/>
               <a:pPr/>
-              <a:t>6/23/2017</a:t>
+              <a:t>12/28/2017</a:t>
             </a:fld>
             <a:endParaRPr lang="en-US" dirty="0"/>
           </a:p>
@@ -2204,7 +2204,7 @@
             <a:fld id="{B61BEF0D-F0BB-DE4B-95CE-6DB70DBA9567}" type="datetimeFigureOut">
               <a:rPr lang="en-US" dirty="0"/>
               <a:pPr/>
-              <a:t>6/23/2017</a:t>
+              <a:t>12/28/2017</a:t>
             </a:fld>
             <a:endParaRPr lang="en-US" dirty="0"/>
           </a:p>
@@ -2599,7 +2599,7 @@
             <a:fld id="{B61BEF0D-F0BB-DE4B-95CE-6DB70DBA9567}" type="datetimeFigureOut">
               <a:rPr lang="en-US" dirty="0"/>
               <a:pPr/>
-              <a:t>6/23/2017</a:t>
+              <a:t>12/28/2017</a:t>
             </a:fld>
             <a:endParaRPr lang="en-US" dirty="0"/>
           </a:p>
@@ -2770,7 +2770,7 @@
           <a:p>
             <a:fld id="{55C6B4A9-1611-4792-9094-5F34BCA07E0B}" type="datetimeFigureOut">
               <a:rPr lang="en-US" dirty="0"/>
-              <a:t>6/23/2017</a:t>
+              <a:t>12/28/2017</a:t>
             </a:fld>
             <a:endParaRPr lang="en-US" dirty="0"/>
           </a:p>
@@ -2951,7 +2951,7 @@
             <a:fld id="{B61BEF0D-F0BB-DE4B-95CE-6DB70DBA9567}" type="datetimeFigureOut">
               <a:rPr lang="en-US" dirty="0"/>
               <a:pPr/>
-              <a:t>6/23/2017</a:t>
+              <a:t>12/28/2017</a:t>
             </a:fld>
             <a:endParaRPr lang="en-US" dirty="0"/>
           </a:p>
@@ -3152,7 +3152,7 @@
           <a:p>
             <a:fld id="{48A87A34-81AB-432B-8DAE-1953F412C126}" type="datetimeFigureOut">
               <a:rPr lang="en-US" dirty="0"/>
-              <a:t>6/23/2017</a:t>
+              <a:t>12/28/2017</a:t>
             </a:fld>
             <a:endParaRPr lang="en-US" dirty="0"/>
           </a:p>
@@ -3363,7 +3363,7 @@
           <a:p>
             <a:fld id="{48A87A34-81AB-432B-8DAE-1953F412C126}" type="datetimeFigureOut">
               <a:rPr lang="en-US" dirty="0"/>
-              <a:t>6/23/2017</a:t>
+              <a:t>12/28/2017</a:t>
             </a:fld>
             <a:endParaRPr lang="en-US" dirty="0"/>
           </a:p>
@@ -3642,7 +3642,7 @@
           <a:p>
             <a:fld id="{48A87A34-81AB-432B-8DAE-1953F412C126}" type="datetimeFigureOut">
               <a:rPr lang="en-US" dirty="0"/>
-              <a:t>6/23/2017</a:t>
+              <a:t>12/28/2017</a:t>
             </a:fld>
             <a:endParaRPr lang="en-US" dirty="0"/>
           </a:p>
@@ -3850,7 +3850,7 @@
             <a:fld id="{B61BEF0D-F0BB-DE4B-95CE-6DB70DBA9567}" type="datetimeFigureOut">
               <a:rPr lang="en-US" dirty="0"/>
               <a:pPr/>
-              <a:t>6/23/2017</a:t>
+              <a:t>12/28/2017</a:t>
             </a:fld>
             <a:endParaRPr lang="en-US" dirty="0"/>
           </a:p>
@@ -4088,7 +4088,7 @@
           <a:p>
             <a:fld id="{48A87A34-81AB-432B-8DAE-1953F412C126}" type="datetimeFigureOut">
               <a:rPr lang="en-US" dirty="0"/>
-              <a:t>6/23/2017</a:t>
+              <a:t>12/28/2017</a:t>
             </a:fld>
             <a:endParaRPr lang="en-US" dirty="0"/>
           </a:p>
@@ -4504,7 +4504,7 @@
           <a:p>
             <a:fld id="{48A87A34-81AB-432B-8DAE-1953F412C126}" type="datetimeFigureOut">
               <a:rPr lang="en-US" dirty="0"/>
-              <a:t>6/23/2017</a:t>
+              <a:t>12/28/2017</a:t>
             </a:fld>
             <a:endParaRPr lang="en-US" dirty="0"/>
           </a:p>
@@ -4653,7 +4653,7 @@
           <a:p>
             <a:fld id="{48A87A34-81AB-432B-8DAE-1953F412C126}" type="datetimeFigureOut">
               <a:rPr lang="en-US" dirty="0"/>
-              <a:t>6/23/2017</a:t>
+              <a:t>12/28/2017</a:t>
             </a:fld>
             <a:endParaRPr lang="en-US" dirty="0"/>
           </a:p>
@@ -4779,7 +4779,7 @@
           <a:p>
             <a:fld id="{48A87A34-81AB-432B-8DAE-1953F412C126}" type="datetimeFigureOut">
               <a:rPr lang="en-US" dirty="0"/>
-              <a:t>6/23/2017</a:t>
+              <a:t>12/28/2017</a:t>
             </a:fld>
             <a:endParaRPr lang="en-US" dirty="0"/>
           </a:p>
@@ -5030,7 +5030,7 @@
           <a:p>
             <a:fld id="{48A87A34-81AB-432B-8DAE-1953F412C126}" type="datetimeFigureOut">
               <a:rPr lang="en-US" dirty="0"/>
-              <a:t>6/23/2017</a:t>
+              <a:t>12/28/2017</a:t>
             </a:fld>
             <a:endParaRPr lang="en-US" dirty="0"/>
           </a:p>
@@ -5476,7 +5476,7 @@
             <a:fld id="{48A87A34-81AB-432B-8DAE-1953F412C126}" type="datetimeFigureOut">
               <a:rPr lang="en-US" dirty="0"/>
               <a:pPr/>
-              <a:t>6/23/2017</a:t>
+              <a:t>12/28/2017</a:t>
             </a:fld>
             <a:endParaRPr lang="en-US" dirty="0"/>
           </a:p>
@@ -5682,7 +5682,7 @@
           <a:p>
             <a:fld id="{48A87A34-81AB-432B-8DAE-1953F412C126}" type="datetimeFigureOut">
               <a:rPr lang="en-US" dirty="0"/>
-              <a:t>6/23/2017</a:t>
+              <a:t>12/28/2017</a:t>
             </a:fld>
             <a:endParaRPr lang="en-US" dirty="0"/>
           </a:p>
@@ -5897,7 +5897,7 @@
           <a:p>
             <a:fld id="{48A87A34-81AB-432B-8DAE-1953F412C126}" type="datetimeFigureOut">
               <a:rPr lang="en-US" dirty="0"/>
-              <a:t>6/23/2017</a:t>
+              <a:t>12/28/2017</a:t>
             </a:fld>
             <a:endParaRPr lang="en-US" dirty="0"/>
           </a:p>
@@ -6175,7 +6175,7 @@
           <a:p>
             <a:fld id="{4AAD347D-5ACD-4C99-B74B-A9C85AD731AF}" type="datetimeFigureOut">
               <a:rPr lang="en-US" dirty="0"/>
-              <a:t>6/23/2017</a:t>
+              <a:t>12/28/2017</a:t>
             </a:fld>
             <a:endParaRPr lang="en-US" dirty="0"/>
           </a:p>
@@ -6345,7 +6345,7 @@
           <a:p>
             <a:fld id="{4509A250-FF31-4206-8172-F9D3106AACB1}" type="datetimeFigureOut">
               <a:rPr lang="en-US" dirty="0"/>
-              <a:t>6/23/2017</a:t>
+              <a:t>12/28/2017</a:t>
             </a:fld>
             <a:endParaRPr lang="en-US" dirty="0"/>
           </a:p>
@@ -6593,7 +6593,7 @@
             <a:fld id="{B61BEF0D-F0BB-DE4B-95CE-6DB70DBA9567}" type="datetimeFigureOut">
               <a:rPr lang="en-US" dirty="0"/>
               <a:pPr/>
-              <a:t>6/23/2017</a:t>
+              <a:t>12/28/2017</a:t>
             </a:fld>
             <a:endParaRPr lang="en-US" dirty="0"/>
           </a:p>
@@ -6841,7 +6841,7 @@
           <a:p>
             <a:fld id="{9796027F-7875-4030-9381-8BD8C4F21935}" type="datetimeFigureOut">
               <a:rPr lang="en-US" dirty="0"/>
-              <a:t>6/23/2017</a:t>
+              <a:t>12/28/2017</a:t>
             </a:fld>
             <a:endParaRPr lang="en-US" dirty="0"/>
           </a:p>
@@ -7133,7 +7133,7 @@
           <a:p>
             <a:fld id="{9796027F-7875-4030-9381-8BD8C4F21935}" type="datetimeFigureOut">
               <a:rPr lang="en-US" dirty="0"/>
-              <a:t>6/23/2017</a:t>
+              <a:t>12/28/2017</a:t>
             </a:fld>
             <a:endParaRPr lang="en-US" dirty="0"/>
           </a:p>
@@ -7577,7 +7577,7 @@
           <a:p>
             <a:fld id="{9796027F-7875-4030-9381-8BD8C4F21935}" type="datetimeFigureOut">
               <a:rPr lang="en-US" dirty="0"/>
-              <a:t>6/23/2017</a:t>
+              <a:t>12/28/2017</a:t>
             </a:fld>
             <a:endParaRPr lang="en-US" dirty="0"/>
           </a:p>
@@ -7695,7 +7695,7 @@
           <a:p>
             <a:fld id="{4509A250-FF31-4206-8172-F9D3106AACB1}" type="datetimeFigureOut">
               <a:rPr lang="en-US" dirty="0"/>
-              <a:t>6/23/2017</a:t>
+              <a:t>12/28/2017</a:t>
             </a:fld>
             <a:endParaRPr lang="en-US" dirty="0"/>
           </a:p>
@@ -7790,7 +7790,7 @@
           <a:p>
             <a:fld id="{4509A250-FF31-4206-8172-F9D3106AACB1}" type="datetimeFigureOut">
               <a:rPr lang="en-US" dirty="0"/>
-              <a:t>6/23/2017</a:t>
+              <a:t>12/28/2017</a:t>
             </a:fld>
             <a:endParaRPr lang="en-US" dirty="0"/>
           </a:p>
@@ -8069,7 +8069,7 @@
           <a:p>
             <a:fld id="{4509A250-FF31-4206-8172-F9D3106AACB1}" type="datetimeFigureOut">
               <a:rPr lang="en-US" dirty="0"/>
-              <a:t>6/23/2017</a:t>
+              <a:t>12/28/2017</a:t>
             </a:fld>
             <a:endParaRPr lang="en-US" dirty="0"/>
           </a:p>
@@ -8344,7 +8344,7 @@
           <a:p>
             <a:fld id="{4509A250-FF31-4206-8172-F9D3106AACB1}" type="datetimeFigureOut">
               <a:rPr lang="en-US" dirty="0"/>
-              <a:t>6/23/2017</a:t>
+              <a:t>12/28/2017</a:t>
             </a:fld>
             <a:endParaRPr lang="en-US" dirty="0"/>
           </a:p>
@@ -8619,7 +8619,7 @@
           <a:p>
             <a:fld id="{4509A250-FF31-4206-8172-F9D3106AACB1}" type="datetimeFigureOut">
               <a:rPr lang="en-US" dirty="0"/>
-              <a:t>6/23/2017</a:t>
+              <a:t>12/28/2017</a:t>
             </a:fld>
             <a:endParaRPr lang="en-US" dirty="0"/>
           </a:p>
@@ -8813,7 +8813,7 @@
           <a:p>
             <a:fld id="{4509A250-FF31-4206-8172-F9D3106AACB1}" type="datetimeFigureOut">
               <a:rPr lang="en-US" dirty="0"/>
-              <a:t>6/23/2017</a:t>
+              <a:t>12/28/2017</a:t>
             </a:fld>
             <a:endParaRPr lang="en-US" dirty="0"/>
           </a:p>
@@ -9086,7 +9086,7 @@
           <a:p>
             <a:fld id="{4509A250-FF31-4206-8172-F9D3106AACB1}" type="datetimeFigureOut">
               <a:rPr lang="en-US" dirty="0"/>
-              <a:t>6/23/2017</a:t>
+              <a:t>12/28/2017</a:t>
             </a:fld>
             <a:endParaRPr lang="en-US" dirty="0"/>
           </a:p>
@@ -9412,7 +9412,7 @@
           <a:p>
             <a:fld id="{EB712588-04B1-427B-82EE-E8DB90309F08}" type="datetimeFigureOut">
               <a:rPr lang="en-US" dirty="0"/>
-              <a:t>6/23/2017</a:t>
+              <a:t>12/28/2017</a:t>
             </a:fld>
             <a:endParaRPr lang="en-US" dirty="0"/>
           </a:p>
@@ -9659,7 +9659,7 @@
           <a:p>
             <a:fld id="{4509A250-FF31-4206-8172-F9D3106AACB1}" type="datetimeFigureOut">
               <a:rPr lang="en-US" dirty="0"/>
-              <a:t>6/23/2017</a:t>
+              <a:t>12/28/2017</a:t>
             </a:fld>
             <a:endParaRPr lang="en-US" dirty="0"/>
           </a:p>
@@ -10282,7 +10282,7 @@
           <a:p>
             <a:fld id="{4509A250-FF31-4206-8172-F9D3106AACB1}" type="datetimeFigureOut">
               <a:rPr lang="en-US" dirty="0"/>
-              <a:t>6/23/2017</a:t>
+              <a:t>12/28/2017</a:t>
             </a:fld>
             <a:endParaRPr lang="en-US" dirty="0"/>
           </a:p>
@@ -11142,7 +11142,7 @@
           <a:p>
             <a:fld id="{4509A250-FF31-4206-8172-F9D3106AACB1}" type="datetimeFigureOut">
               <a:rPr lang="en-US" dirty="0"/>
-              <a:t>6/23/2017</a:t>
+              <a:t>12/28/2017</a:t>
             </a:fld>
             <a:endParaRPr lang="en-US" dirty="0"/>
           </a:p>
@@ -11312,7 +11312,7 @@
           <a:p>
             <a:fld id="{4509A250-FF31-4206-8172-F9D3106AACB1}" type="datetimeFigureOut">
               <a:rPr lang="en-US" dirty="0"/>
-              <a:t>6/23/2017</a:t>
+              <a:t>12/28/2017</a:t>
             </a:fld>
             <a:endParaRPr lang="en-US" dirty="0"/>
           </a:p>
@@ -11492,7 +11492,7 @@
           <a:p>
             <a:fld id="{4509A250-FF31-4206-8172-F9D3106AACB1}" type="datetimeFigureOut">
               <a:rPr lang="en-US" dirty="0"/>
-              <a:t>6/23/2017</a:t>
+              <a:t>12/28/2017</a:t>
             </a:fld>
             <a:endParaRPr lang="en-US" dirty="0"/>
           </a:p>
@@ -11649,7 +11649,7 @@
           <a:p>
             <a:fld id="{90786BE5-D2A3-4BF0-8B30-D7403E61B3DC}" type="datetimeFigureOut">
               <a:rPr lang="en-US" smtClean="0"/>
-              <a:t>6/23/2017</a:t>
+              <a:t>12/28/2017</a:t>
             </a:fld>
             <a:endParaRPr lang="en-US" dirty="0"/>
           </a:p>
@@ -11936,7 +11936,7 @@
           <a:p>
             <a:fld id="{4AAD347D-5ACD-4C99-B74B-A9C85AD731AF}" type="datetimeFigureOut">
               <a:rPr lang="en-US" dirty="0"/>
-              <a:t>6/23/2017</a:t>
+              <a:t>12/28/2017</a:t>
             </a:fld>
             <a:endParaRPr lang="en-US" dirty="0"/>
           </a:p>
@@ -12106,7 +12106,7 @@
           <a:p>
             <a:fld id="{4509A250-FF31-4206-8172-F9D3106AACB1}" type="datetimeFigureOut">
               <a:rPr lang="en-US" dirty="0"/>
-              <a:t>6/23/2017</a:t>
+              <a:t>12/28/2017</a:t>
             </a:fld>
             <a:endParaRPr lang="en-US" dirty="0"/>
           </a:p>
@@ -12353,7 +12353,7 @@
           <a:p>
             <a:fld id="{9796027F-7875-4030-9381-8BD8C4F21935}" type="datetimeFigureOut">
               <a:rPr lang="en-US" dirty="0"/>
-              <a:t>6/23/2017</a:t>
+              <a:t>12/28/2017</a:t>
             </a:fld>
             <a:endParaRPr lang="en-US" dirty="0"/>
           </a:p>
@@ -12645,7 +12645,7 @@
           <a:p>
             <a:fld id="{9796027F-7875-4030-9381-8BD8C4F21935}" type="datetimeFigureOut">
               <a:rPr lang="en-US" dirty="0"/>
-              <a:t>6/23/2017</a:t>
+              <a:t>12/28/2017</a:t>
             </a:fld>
             <a:endParaRPr lang="en-US" dirty="0"/>
           </a:p>
@@ -13020,7 +13020,7 @@
             <a:fld id="{B61BEF0D-F0BB-DE4B-95CE-6DB70DBA9567}" type="datetimeFigureOut">
               <a:rPr lang="en-US" dirty="0"/>
               <a:pPr/>
-              <a:t>6/23/2017</a:t>
+              <a:t>12/28/2017</a:t>
             </a:fld>
             <a:endParaRPr lang="en-US" dirty="0"/>
           </a:p>
@@ -13465,7 +13465,7 @@
           <a:p>
             <a:fld id="{9796027F-7875-4030-9381-8BD8C4F21935}" type="datetimeFigureOut">
               <a:rPr lang="en-US" dirty="0"/>
-              <a:t>6/23/2017</a:t>
+              <a:t>12/28/2017</a:t>
             </a:fld>
             <a:endParaRPr lang="en-US" dirty="0"/>
           </a:p>
@@ -13583,7 +13583,7 @@
           <a:p>
             <a:fld id="{4509A250-FF31-4206-8172-F9D3106AACB1}" type="datetimeFigureOut">
               <a:rPr lang="en-US" dirty="0"/>
-              <a:t>6/23/2017</a:t>
+              <a:t>12/28/2017</a:t>
             </a:fld>
             <a:endParaRPr lang="en-US" dirty="0"/>
           </a:p>
@@ -13678,7 +13678,7 @@
           <a:p>
             <a:fld id="{4509A250-FF31-4206-8172-F9D3106AACB1}" type="datetimeFigureOut">
               <a:rPr lang="en-US" dirty="0"/>
-              <a:t>6/23/2017</a:t>
+              <a:t>12/28/2017</a:t>
             </a:fld>
             <a:endParaRPr lang="en-US" dirty="0"/>
           </a:p>
@@ -13957,7 +13957,7 @@
           <a:p>
             <a:fld id="{4509A250-FF31-4206-8172-F9D3106AACB1}" type="datetimeFigureOut">
               <a:rPr lang="en-US" dirty="0"/>
-              <a:t>6/23/2017</a:t>
+              <a:t>12/28/2017</a:t>
             </a:fld>
             <a:endParaRPr lang="en-US" dirty="0"/>
           </a:p>
@@ -14232,7 +14232,7 @@
           <a:p>
             <a:fld id="{4509A250-FF31-4206-8172-F9D3106AACB1}" type="datetimeFigureOut">
               <a:rPr lang="en-US" dirty="0"/>
-              <a:t>6/23/2017</a:t>
+              <a:t>12/28/2017</a:t>
             </a:fld>
             <a:endParaRPr lang="en-US" dirty="0"/>
           </a:p>
@@ -14507,7 +14507,7 @@
           <a:p>
             <a:fld id="{4509A250-FF31-4206-8172-F9D3106AACB1}" type="datetimeFigureOut">
               <a:rPr lang="en-US" dirty="0"/>
-              <a:t>6/23/2017</a:t>
+              <a:t>12/28/2017</a:t>
             </a:fld>
             <a:endParaRPr lang="en-US" dirty="0"/>
           </a:p>
@@ -14701,7 +14701,7 @@
           <a:p>
             <a:fld id="{4509A250-FF31-4206-8172-F9D3106AACB1}" type="datetimeFigureOut">
               <a:rPr lang="en-US" dirty="0"/>
-              <a:t>6/23/2017</a:t>
+              <a:t>12/28/2017</a:t>
             </a:fld>
             <a:endParaRPr lang="en-US" dirty="0"/>
           </a:p>
@@ -14974,7 +14974,7 @@
           <a:p>
             <a:fld id="{4509A250-FF31-4206-8172-F9D3106AACB1}" type="datetimeFigureOut">
               <a:rPr lang="en-US" dirty="0"/>
-              <a:t>6/23/2017</a:t>
+              <a:t>12/28/2017</a:t>
             </a:fld>
             <a:endParaRPr lang="en-US" dirty="0"/>
           </a:p>
@@ -15315,7 +15315,7 @@
           <a:p>
             <a:fld id="{4509A250-FF31-4206-8172-F9D3106AACB1}" type="datetimeFigureOut">
               <a:rPr lang="en-US" dirty="0"/>
-              <a:t>6/23/2017</a:t>
+              <a:t>12/28/2017</a:t>
             </a:fld>
             <a:endParaRPr lang="en-US" dirty="0"/>
           </a:p>
@@ -15938,7 +15938,7 @@
           <a:p>
             <a:fld id="{4509A250-FF31-4206-8172-F9D3106AACB1}" type="datetimeFigureOut">
               <a:rPr lang="en-US" dirty="0"/>
-              <a:t>6/23/2017</a:t>
+              <a:t>12/28/2017</a:t>
             </a:fld>
             <a:endParaRPr lang="en-US" dirty="0"/>
           </a:p>
@@ -16062,7 +16062,7 @@
             <a:fld id="{B61BEF0D-F0BB-DE4B-95CE-6DB70DBA9567}" type="datetimeFigureOut">
               <a:rPr lang="en-US" dirty="0"/>
               <a:pPr/>
-              <a:t>6/23/2017</a:t>
+              <a:t>12/28/2017</a:t>
             </a:fld>
             <a:endParaRPr lang="en-US" dirty="0"/>
           </a:p>
@@ -16923,7 +16923,7 @@
           <a:p>
             <a:fld id="{4509A250-FF31-4206-8172-F9D3106AACB1}" type="datetimeFigureOut">
               <a:rPr lang="en-US" dirty="0"/>
-              <a:t>6/23/2017</a:t>
+              <a:t>12/28/2017</a:t>
             </a:fld>
             <a:endParaRPr lang="en-US" dirty="0"/>
           </a:p>
@@ -17093,7 +17093,7 @@
           <a:p>
             <a:fld id="{4509A250-FF31-4206-8172-F9D3106AACB1}" type="datetimeFigureOut">
               <a:rPr lang="en-US" dirty="0"/>
-              <a:t>6/23/2017</a:t>
+              <a:t>12/28/2017</a:t>
             </a:fld>
             <a:endParaRPr lang="en-US" dirty="0"/>
           </a:p>
@@ -17273,7 +17273,7 @@
           <a:p>
             <a:fld id="{4509A250-FF31-4206-8172-F9D3106AACB1}" type="datetimeFigureOut">
               <a:rPr lang="en-US" dirty="0"/>
-              <a:t>6/23/2017</a:t>
+              <a:t>12/28/2017</a:t>
             </a:fld>
             <a:endParaRPr lang="en-US" dirty="0"/>
           </a:p>
@@ -17429,7 +17429,7 @@
           <a:effectLst/>
           <a:extLst>
             <a:ext uri="{91240B29-F687-4f45-9708-019B960494DF}">
-              <a14:hiddenLine xmlns:a14="http://schemas.microsoft.com/office/drawing/2010/main" xmlns="" w="9525">
+              <a14:hiddenLine xmlns="" xmlns:a14="http://schemas.microsoft.com/office/drawing/2010/main" w="9525">
                 <a:solidFill>
                   <a:srgbClr val="000000"/>
                 </a:solidFill>
@@ -17622,7 +17622,7 @@
             <a:fld id="{B61BEF0D-F0BB-DE4B-95CE-6DB70DBA9567}" type="datetimeFigureOut">
               <a:rPr lang="en-US" smtClean="0"/>
               <a:pPr/>
-              <a:t>6/23/2017</a:t>
+              <a:t>12/28/2017</a:t>
             </a:fld>
             <a:endParaRPr lang="en-US" dirty="0"/>
           </a:p>
@@ -17778,7 +17778,7 @@
           <a:ln/>
           <a:extLst>
             <a:ext uri="{91240B29-F687-4f45-9708-019B960494DF}">
-              <a14:hiddenLine xmlns:a14="http://schemas.microsoft.com/office/drawing/2010/main" xmlns="" w="9525">
+              <a14:hiddenLine xmlns="" xmlns:a14="http://schemas.microsoft.com/office/drawing/2010/main" w="9525">
                 <a:solidFill>
                   <a:srgbClr val="000000"/>
                 </a:solidFill>
@@ -17907,7 +17907,7 @@
             <a:fld id="{B61BEF0D-F0BB-DE4B-95CE-6DB70DBA9567}" type="datetimeFigureOut">
               <a:rPr lang="en-US" smtClean="0"/>
               <a:pPr/>
-              <a:t>6/23/2017</a:t>
+              <a:t>12/28/2017</a:t>
             </a:fld>
             <a:endParaRPr lang="en-US" dirty="0"/>
           </a:p>
@@ -18252,7 +18252,7 @@
             <a:fld id="{B61BEF0D-F0BB-DE4B-95CE-6DB70DBA9567}" type="datetimeFigureOut">
               <a:rPr lang="en-US" smtClean="0"/>
               <a:pPr/>
-              <a:t>6/23/2017</a:t>
+              <a:t>12/28/2017</a:t>
             </a:fld>
             <a:endParaRPr lang="en-US" dirty="0"/>
           </a:p>
@@ -18408,7 +18408,7 @@
           <a:ln/>
           <a:extLst>
             <a:ext uri="{91240B29-F687-4f45-9708-019B960494DF}">
-              <a14:hiddenLine xmlns:a14="http://schemas.microsoft.com/office/drawing/2010/main" xmlns="" w="9525">
+              <a14:hiddenLine xmlns="" xmlns:a14="http://schemas.microsoft.com/office/drawing/2010/main" w="9525">
                 <a:solidFill>
                   <a:srgbClr val="000000"/>
                 </a:solidFill>
@@ -18592,7 +18592,7 @@
           <a:p>
             <a:fld id="{EB712588-04B1-427B-82EE-E8DB90309F08}" type="datetimeFigureOut">
               <a:rPr lang="en-US" smtClean="0"/>
-              <a:t>6/23/2017</a:t>
+              <a:t>12/28/2017</a:t>
             </a:fld>
             <a:endParaRPr lang="en-US" dirty="0"/>
           </a:p>
@@ -18747,7 +18747,7 @@
           <a:ln/>
           <a:extLst>
             <a:ext uri="{91240B29-F687-4f45-9708-019B960494DF}">
-              <a14:hiddenLine xmlns:a14="http://schemas.microsoft.com/office/drawing/2010/main" xmlns="" w="9525">
+              <a14:hiddenLine xmlns="" xmlns:a14="http://schemas.microsoft.com/office/drawing/2010/main" w="9525">
                 <a:solidFill>
                   <a:srgbClr val="000000"/>
                 </a:solidFill>
@@ -19070,7 +19070,7 @@
             <a:fld id="{B61BEF0D-F0BB-DE4B-95CE-6DB70DBA9567}" type="datetimeFigureOut">
               <a:rPr lang="en-US" smtClean="0"/>
               <a:pPr/>
-              <a:t>6/23/2017</a:t>
+              <a:t>12/28/2017</a:t>
             </a:fld>
             <a:endParaRPr lang="en-US" dirty="0"/>
           </a:p>
@@ -19226,7 +19226,7 @@
           <a:ln/>
           <a:extLst>
             <a:ext uri="{91240B29-F687-4f45-9708-019B960494DF}">
-              <a14:hiddenLine xmlns:a14="http://schemas.microsoft.com/office/drawing/2010/main" xmlns="" w="9525">
+              <a14:hiddenLine xmlns="" xmlns:a14="http://schemas.microsoft.com/office/drawing/2010/main" w="9525">
                 <a:solidFill>
                   <a:srgbClr val="000000"/>
                 </a:solidFill>
@@ -19293,7 +19293,7 @@
             <a:fld id="{B61BEF0D-F0BB-DE4B-95CE-6DB70DBA9567}" type="datetimeFigureOut">
               <a:rPr lang="en-US" smtClean="0"/>
               <a:pPr/>
-              <a:t>6/23/2017</a:t>
+              <a:t>12/28/2017</a:t>
             </a:fld>
             <a:endParaRPr lang="en-US" dirty="0"/>
           </a:p>
@@ -19390,7 +19390,7 @@
             <a:fld id="{B61BEF0D-F0BB-DE4B-95CE-6DB70DBA9567}" type="datetimeFigureOut">
               <a:rPr lang="en-US" smtClean="0"/>
               <a:pPr/>
-              <a:t>6/23/2017</a:t>
+              <a:t>12/28/2017</a:t>
             </a:fld>
             <a:endParaRPr lang="en-US" dirty="0"/>
           </a:p>
@@ -19487,7 +19487,7 @@
             <a:fld id="{B61BEF0D-F0BB-DE4B-95CE-6DB70DBA9567}" type="datetimeFigureOut">
               <a:rPr lang="en-US" dirty="0"/>
               <a:pPr/>
-              <a:t>6/23/2017</a:t>
+              <a:t>12/28/2017</a:t>
             </a:fld>
             <a:endParaRPr lang="en-US" dirty="0"/>
           </a:p>
@@ -19756,7 +19756,7 @@
           <a:ln/>
           <a:extLst>
             <a:ext uri="{91240B29-F687-4f45-9708-019B960494DF}">
-              <a14:hiddenLine xmlns:a14="http://schemas.microsoft.com/office/drawing/2010/main" xmlns="" w="9525">
+              <a14:hiddenLine xmlns="" xmlns:a14="http://schemas.microsoft.com/office/drawing/2010/main" w="9525">
                 <a:solidFill>
                   <a:srgbClr val="000000"/>
                 </a:solidFill>
@@ -19955,7 +19955,7 @@
           <a:p>
             <a:fld id="{42A54C80-263E-416B-A8E0-580EDEADCBDC}" type="datetimeFigureOut">
               <a:rPr lang="en-US" smtClean="0"/>
-              <a:t>6/23/2017</a:t>
+              <a:t>12/28/2017</a:t>
             </a:fld>
             <a:endParaRPr lang="en-US" dirty="0"/>
           </a:p>
@@ -20269,7 +20269,7 @@
             <a:fld id="{B61BEF0D-F0BB-DE4B-95CE-6DB70DBA9567}" type="datetimeFigureOut">
               <a:rPr lang="en-US" smtClean="0"/>
               <a:pPr/>
-              <a:t>6/23/2017</a:t>
+              <a:t>12/28/2017</a:t>
             </a:fld>
             <a:endParaRPr lang="en-US" dirty="0"/>
           </a:p>
@@ -20599,7 +20599,7 @@
             <a:fld id="{B61BEF0D-F0BB-DE4B-95CE-6DB70DBA9567}" type="datetimeFigureOut">
               <a:rPr lang="en-US" smtClean="0"/>
               <a:pPr/>
-              <a:t>6/23/2017</a:t>
+              <a:t>12/28/2017</a:t>
             </a:fld>
             <a:endParaRPr lang="en-US" dirty="0"/>
           </a:p>
@@ -21089,7 +21089,7 @@
             <a:fld id="{B61BEF0D-F0BB-DE4B-95CE-6DB70DBA9567}" type="datetimeFigureOut">
               <a:rPr lang="en-US" smtClean="0"/>
               <a:pPr/>
-              <a:t>6/23/2017</a:t>
+              <a:t>12/28/2017</a:t>
             </a:fld>
             <a:endParaRPr lang="en-US" dirty="0"/>
           </a:p>
@@ -21460,7 +21460,7 @@
             <a:fld id="{B61BEF0D-F0BB-DE4B-95CE-6DB70DBA9567}" type="datetimeFigureOut">
               <a:rPr lang="en-US" smtClean="0"/>
               <a:pPr/>
-              <a:t>6/23/2017</a:t>
+              <a:t>12/28/2017</a:t>
             </a:fld>
             <a:endParaRPr lang="en-US" dirty="0"/>
           </a:p>
@@ -21616,7 +21616,7 @@
           <a:ln/>
           <a:extLst>
             <a:ext uri="{91240B29-F687-4f45-9708-019B960494DF}">
-              <a14:hiddenLine xmlns:a14="http://schemas.microsoft.com/office/drawing/2010/main" xmlns="" w="9525">
+              <a14:hiddenLine xmlns="" xmlns:a14="http://schemas.microsoft.com/office/drawing/2010/main" w="9525">
                 <a:solidFill>
                   <a:srgbClr val="000000"/>
                 </a:solidFill>
@@ -21734,7 +21734,7 @@
           <a:p>
             <a:fld id="{55C6B4A9-1611-4792-9094-5F34BCA07E0B}" type="datetimeFigureOut">
               <a:rPr lang="en-US" smtClean="0"/>
-              <a:t>6/23/2017</a:t>
+              <a:t>12/28/2017</a:t>
             </a:fld>
             <a:endParaRPr lang="en-US" dirty="0"/>
           </a:p>
@@ -21891,7 +21891,7 @@
           <a:ln/>
           <a:extLst>
             <a:ext uri="{91240B29-F687-4f45-9708-019B960494DF}">
-              <a14:hiddenLine xmlns:a14="http://schemas.microsoft.com/office/drawing/2010/main" xmlns="" w="9525">
+              <a14:hiddenLine xmlns="" xmlns:a14="http://schemas.microsoft.com/office/drawing/2010/main" w="9525">
                 <a:solidFill>
                   <a:srgbClr val="000000"/>
                 </a:solidFill>
@@ -22020,7 +22020,7 @@
             <a:fld id="{B61BEF0D-F0BB-DE4B-95CE-6DB70DBA9567}" type="datetimeFigureOut">
               <a:rPr lang="en-US" smtClean="0"/>
               <a:pPr/>
-              <a:t>6/23/2017</a:t>
+              <a:t>12/28/2017</a:t>
             </a:fld>
             <a:endParaRPr lang="en-US" dirty="0"/>
           </a:p>
@@ -22276,7 +22276,7 @@
           <a:p>
             <a:fld id="{42A54C80-263E-416B-A8E0-580EDEADCBDC}" type="datetimeFigureOut">
               <a:rPr lang="en-US" dirty="0"/>
-              <a:t>6/23/2017</a:t>
+              <a:t>12/28/2017</a:t>
             </a:fld>
             <a:endParaRPr lang="en-US" dirty="0"/>
           </a:p>
@@ -22540,7 +22540,7 @@
             <a:fld id="{B61BEF0D-F0BB-DE4B-95CE-6DB70DBA9567}" type="datetimeFigureOut">
               <a:rPr lang="en-US" dirty="0"/>
               <a:pPr/>
-              <a:t>6/23/2017</a:t>
+              <a:t>12/28/2017</a:t>
             </a:fld>
             <a:endParaRPr lang="en-US" dirty="0"/>
           </a:p>
@@ -23285,7 +23285,7 @@
             <a:fld id="{B61BEF0D-F0BB-DE4B-95CE-6DB70DBA9567}" type="datetimeFigureOut">
               <a:rPr lang="en-US" dirty="0"/>
               <a:pPr/>
-              <a:t>6/23/2017</a:t>
+              <a:t>12/28/2017</a:t>
             </a:fld>
             <a:endParaRPr lang="en-US" dirty="0"/>
           </a:p>
@@ -24023,7 +24023,7 @@
             <a:fld id="{48A87A34-81AB-432B-8DAE-1953F412C126}" type="datetimeFigureOut">
               <a:rPr lang="en-US" dirty="0"/>
               <a:pPr/>
-              <a:t>6/23/2017</a:t>
+              <a:t>12/28/2017</a:t>
             </a:fld>
             <a:endParaRPr lang="en-US" dirty="0"/>
           </a:p>
@@ -24861,7 +24861,7 @@
           <a:p>
             <a:fld id="{4AAD347D-5ACD-4C99-B74B-A9C85AD731AF}" type="datetimeFigureOut">
               <a:rPr lang="en-US" dirty="0"/>
-              <a:t>6/23/2017</a:t>
+              <a:t>12/28/2017</a:t>
             </a:fld>
             <a:endParaRPr lang="en-US" dirty="0"/>
           </a:p>
@@ -25742,7 +25742,7 @@
           <a:p>
             <a:fld id="{4AAD347D-5ACD-4C99-B74B-A9C85AD731AF}" type="datetimeFigureOut">
               <a:rPr lang="en-US" dirty="0"/>
-              <a:t>6/23/2017</a:t>
+              <a:t>12/28/2017</a:t>
             </a:fld>
             <a:endParaRPr lang="en-US" dirty="0"/>
           </a:p>
@@ -26454,7 +26454,7 @@
             <a:fld id="{B61BEF0D-F0BB-DE4B-95CE-6DB70DBA9567}" type="datetimeFigureOut">
               <a:rPr lang="en-US" smtClean="0"/>
               <a:pPr/>
-              <a:t>6/23/2017</a:t>
+              <a:t>12/28/2017</a:t>
             </a:fld>
             <a:endParaRPr lang="en-US" dirty="0"/>
           </a:p>
@@ -27567,6 +27567,18 @@
             </a:r>
           </a:p>
           <a:p>
+            <a:r>
+              <a:rPr lang="en-US" dirty="0"/>
+              <a:t>Are there different kinds of modules?</a:t>
+            </a:r>
+          </a:p>
+          <a:p>
+            <a:r>
+              <a:rPr lang="en-US" dirty="0"/>
+              <a:t>What kind of modules does my application need? </a:t>
+            </a:r>
+          </a:p>
+          <a:p>
             <a:pPr lvl="1"/>
             <a:endParaRPr lang="en-US" dirty="0"/>
           </a:p>
@@ -27654,7 +27666,7 @@
         </p:spPr>
         <p:txBody>
           <a:bodyPr>
-            <a:normAutofit fontScale="77500" lnSpcReduction="20000"/>
+            <a:normAutofit fontScale="70000" lnSpcReduction="20000"/>
           </a:bodyPr>
           <a:lstStyle/>
           <a:p>
@@ -27808,6 +27820,39 @@
               <a:latin typeface="Source Code Pro Light" panose="020B0409030403020204" pitchFamily="49" charset="0"/>
               <a:ea typeface="Source Code Pro Light" panose="020B0409030403020204" pitchFamily="49" charset="0"/>
             </a:endParaRPr>
+          </a:p>
+          <a:p>
+            <a:r>
+              <a:rPr lang="en-US" b="1" dirty="0"/>
+              <a:t>Infrastructure:</a:t>
+            </a:r>
+            <a:r>
+              <a:rPr lang="en-US" dirty="0"/>
+              <a:t> Base/Foundation</a:t>
+            </a:r>
+          </a:p>
+          <a:p>
+            <a:pPr lvl="1"/>
+            <a:r>
+              <a:rPr lang="en-US" dirty="0"/>
+              <a:t>Base and Framework (</a:t>
+            </a:r>
+            <a:r>
+              <a:rPr lang="en-US" dirty="0" err="1"/>
+              <a:t>i</a:t>
+            </a:r>
+            <a:r>
+              <a:rPr lang="en-US" dirty="0"/>
+              <a:t>..e, </a:t>
+            </a:r>
+            <a:r>
+              <a:rPr lang="en-US" dirty="0" err="1"/>
+              <a:t>buildmotion</a:t>
+            </a:r>
+            <a:r>
+              <a:rPr lang="en-US" dirty="0"/>
+              <a:t>-foundation, angular-actions, angular-rules-engine)</a:t>
+            </a:r>
           </a:p>
           <a:p>
             <a:r>
@@ -29587,6 +29632,12 @@
               <a:t>Handling error responses from the backend.</a:t>
             </a:r>
           </a:p>
+          <a:p>
+            <a:r>
+              <a:rPr lang="en-US" dirty="0"/>
+              <a:t>Notifications to Users</a:t>
+            </a:r>
+          </a:p>
         </p:txBody>
       </p:sp>
     </p:spTree>
@@ -29793,7 +29844,7 @@
         <p:spPr/>
         <p:txBody>
           <a:bodyPr>
-            <a:normAutofit lnSpcReduction="10000"/>
+            <a:normAutofit fontScale="77500" lnSpcReduction="20000"/>
           </a:bodyPr>
           <a:lstStyle/>
           <a:p>
@@ -29917,6 +29968,25 @@
             <a:r>
               <a:rPr lang="en-US" dirty="0"/>
               <a:t>.</a:t>
+            </a:r>
+          </a:p>
+          <a:p>
+            <a:r>
+              <a:rPr lang="en-US" dirty="0"/>
+              <a:t>Design Patterns</a:t>
+            </a:r>
+          </a:p>
+          <a:p>
+            <a:pPr lvl="1"/>
+            <a:r>
+              <a:rPr lang="en-US" dirty="0"/>
+              <a:t>Template Method (Lifecycle/Pipeline)</a:t>
+            </a:r>
+          </a:p>
+          <a:p>
+            <a:r>
+              <a:rPr lang="en-US" dirty="0"/>
+              <a:t>100% Testable</a:t>
             </a:r>
           </a:p>
           <a:p>
@@ -32690,22 +32760,21 @@
           <a:lstStyle/>
           <a:p>
             <a:r>
-              <a:rPr lang="en-US"/>
+              <a:rPr lang="en-US" dirty="0"/>
               <a:t>Heart of the application.</a:t>
             </a:r>
           </a:p>
           <a:p>
             <a:r>
-              <a:rPr lang="en-US"/>
+              <a:rPr lang="en-US" dirty="0"/>
               <a:t>Defines the business domain.</a:t>
             </a:r>
           </a:p>
           <a:p>
             <a:r>
-              <a:rPr lang="en-US"/>
+              <a:rPr lang="en-US" dirty="0"/>
               <a:t>Domain specific algorithms, intellectual property, etc.</a:t>
             </a:r>
-            <a:endParaRPr lang="en-US" dirty="0"/>
           </a:p>
         </p:txBody>
       </p:sp>
@@ -32792,37 +32861,37 @@
           <a:lstStyle/>
           <a:p>
             <a:r>
-              <a:rPr lang="en-US"/>
+              <a:rPr lang="en-US" dirty="0"/>
               <a:t>Inconsistent implementation causes problems with extensibility/maintainability.</a:t>
             </a:r>
           </a:p>
           <a:p>
             <a:r>
-              <a:rPr lang="en-US"/>
+              <a:rPr lang="en-US" dirty="0"/>
               <a:t>Architecture, design, or implementation makes it difficult to test.</a:t>
             </a:r>
           </a:p>
           <a:p>
             <a:r>
-              <a:rPr lang="en-US"/>
+              <a:rPr lang="en-US" dirty="0"/>
               <a:t>Different implementation styles by different developers create inconsistent code base.</a:t>
             </a:r>
           </a:p>
           <a:p>
             <a:r>
-              <a:rPr lang="en-US"/>
+              <a:rPr lang="en-US" dirty="0"/>
               <a:t>Single Responsibility Principle not followed - parts of code do too much.</a:t>
             </a:r>
           </a:p>
           <a:p>
             <a:r>
-              <a:rPr lang="en-US"/>
+              <a:rPr lang="en-US" dirty="0"/>
               <a:t>Separation of Concerns Principle not followed - parts of the code cross boundaries. BL contained in different layers of the application (UI, services, BL layer, database).</a:t>
             </a:r>
           </a:p>
           <a:p>
             <a:r>
-              <a:rPr lang="en-US"/>
+              <a:rPr lang="en-US" dirty="0"/>
               <a:t>Lack of structure or use of defined patterns.</a:t>
             </a:r>
           </a:p>
